--- a/Cloud/Design Principle.pptx
+++ b/Cloud/Design Principle.pptx
@@ -5,22 +5,23 @@
     <p:sldMasterId id="2147483648" r:id="rId1"/>
   </p:sldMasterIdLst>
   <p:notesMasterIdLst>
-    <p:notesMasterId r:id="rId15"/>
+    <p:notesMasterId r:id="rId16"/>
   </p:notesMasterIdLst>
   <p:sldIdLst>
     <p:sldId id="256" r:id="rId2"/>
     <p:sldId id="258" r:id="rId3"/>
     <p:sldId id="257" r:id="rId4"/>
-    <p:sldId id="259" r:id="rId5"/>
-    <p:sldId id="262" r:id="rId6"/>
-    <p:sldId id="267" r:id="rId7"/>
-    <p:sldId id="268" r:id="rId8"/>
-    <p:sldId id="261" r:id="rId9"/>
-    <p:sldId id="263" r:id="rId10"/>
-    <p:sldId id="264" r:id="rId11"/>
-    <p:sldId id="265" r:id="rId12"/>
-    <p:sldId id="269" r:id="rId13"/>
-    <p:sldId id="266" r:id="rId14"/>
+    <p:sldId id="270" r:id="rId5"/>
+    <p:sldId id="259" r:id="rId6"/>
+    <p:sldId id="261" r:id="rId7"/>
+    <p:sldId id="262" r:id="rId8"/>
+    <p:sldId id="267" r:id="rId9"/>
+    <p:sldId id="268" r:id="rId10"/>
+    <p:sldId id="263" r:id="rId11"/>
+    <p:sldId id="264" r:id="rId12"/>
+    <p:sldId id="265" r:id="rId13"/>
+    <p:sldId id="269" r:id="rId14"/>
+    <p:sldId id="266" r:id="rId15"/>
   </p:sldIdLst>
   <p:sldSz cx="12192000" cy="6858000"/>
   <p:notesSz cx="6858000" cy="9144000"/>
@@ -2580,11 +2581,11 @@
 </file>
 
 <file path=ppt/diagrams/colors4.xml><?xml version="1.0" encoding="utf-8"?>
-<dgm:colorsDef xmlns:dgm="http://schemas.openxmlformats.org/drawingml/2006/diagram" xmlns:a="http://schemas.openxmlformats.org/drawingml/2006/main" uniqueId="urn:microsoft.com/office/officeart/2005/8/colors/accent1_2">
+<dgm:colorsDef xmlns:dgm="http://schemas.openxmlformats.org/drawingml/2006/diagram" xmlns:a="http://schemas.openxmlformats.org/drawingml/2006/main" uniqueId="urn:microsoft.com/office/officeart/2005/8/colors/colorful1">
   <dgm:title val=""/>
   <dgm:desc val=""/>
   <dgm:catLst>
-    <dgm:cat type="accent1" pri="11200"/>
+    <dgm:cat type="colorful" pri="10100"/>
   </dgm:catLst>
   <dgm:styleLbl name="node0">
     <dgm:fillClrLst meth="repeat">
@@ -2598,21 +2599,13 @@
     <dgm:txFillClrLst/>
     <dgm:txEffectClrLst/>
   </dgm:styleLbl>
-  <dgm:styleLbl name="alignNode1">
-    <dgm:fillClrLst meth="repeat">
-      <a:schemeClr val="accent1"/>
-    </dgm:fillClrLst>
-    <dgm:linClrLst meth="repeat">
-      <a:schemeClr val="accent1"/>
-    </dgm:linClrLst>
-    <dgm:effectClrLst/>
-    <dgm:txLinClrLst/>
-    <dgm:txFillClrLst/>
-    <dgm:txEffectClrLst/>
-  </dgm:styleLbl>
   <dgm:styleLbl name="node1">
     <dgm:fillClrLst meth="repeat">
-      <a:schemeClr val="accent1"/>
+      <a:schemeClr val="accent2"/>
+      <a:schemeClr val="accent3"/>
+      <a:schemeClr val="accent4"/>
+      <a:schemeClr val="accent5"/>
+      <a:schemeClr val="accent6"/>
     </dgm:fillClrLst>
     <dgm:linClrLst meth="repeat">
       <a:schemeClr val="lt1"/>
@@ -2622,9 +2615,33 @@
     <dgm:txFillClrLst/>
     <dgm:txEffectClrLst/>
   </dgm:styleLbl>
+  <dgm:styleLbl name="alignNode1">
+    <dgm:fillClrLst meth="repeat">
+      <a:schemeClr val="accent2"/>
+      <a:schemeClr val="accent3"/>
+      <a:schemeClr val="accent4"/>
+      <a:schemeClr val="accent5"/>
+      <a:schemeClr val="accent6"/>
+    </dgm:fillClrLst>
+    <dgm:linClrLst meth="repeat">
+      <a:schemeClr val="accent2"/>
+      <a:schemeClr val="accent3"/>
+      <a:schemeClr val="accent4"/>
+      <a:schemeClr val="accent5"/>
+      <a:schemeClr val="accent6"/>
+    </dgm:linClrLst>
+    <dgm:effectClrLst/>
+    <dgm:txLinClrLst/>
+    <dgm:txFillClrLst/>
+    <dgm:txEffectClrLst/>
+  </dgm:styleLbl>
   <dgm:styleLbl name="lnNode1">
     <dgm:fillClrLst meth="repeat">
-      <a:schemeClr val="accent1"/>
+      <a:schemeClr val="accent2"/>
+      <a:schemeClr val="accent3"/>
+      <a:schemeClr val="accent4"/>
+      <a:schemeClr val="accent5"/>
+      <a:schemeClr val="accent6"/>
     </dgm:fillClrLst>
     <dgm:linClrLst meth="repeat">
       <a:schemeClr val="lt1"/>
@@ -2636,7 +2653,19 @@
   </dgm:styleLbl>
   <dgm:styleLbl name="vennNode1">
     <dgm:fillClrLst meth="repeat">
-      <a:schemeClr val="accent1">
+      <a:schemeClr val="accent2">
+        <a:alpha val="50000"/>
+      </a:schemeClr>
+      <a:schemeClr val="accent3">
+        <a:alpha val="50000"/>
+      </a:schemeClr>
+      <a:schemeClr val="accent4">
+        <a:alpha val="50000"/>
+      </a:schemeClr>
+      <a:schemeClr val="accent5">
+        <a:alpha val="50000"/>
+      </a:schemeClr>
+      <a:schemeClr val="accent6">
         <a:alpha val="50000"/>
       </a:schemeClr>
     </dgm:fillClrLst>
@@ -2649,8 +2678,8 @@
     <dgm:txEffectClrLst/>
   </dgm:styleLbl>
   <dgm:styleLbl name="node2">
-    <dgm:fillClrLst meth="repeat">
-      <a:schemeClr val="accent1"/>
+    <dgm:fillClrLst>
+      <a:schemeClr val="accent2"/>
     </dgm:fillClrLst>
     <dgm:linClrLst meth="repeat">
       <a:schemeClr val="lt1"/>
@@ -2661,8 +2690,8 @@
     <dgm:txEffectClrLst/>
   </dgm:styleLbl>
   <dgm:styleLbl name="node3">
-    <dgm:fillClrLst meth="repeat">
-      <a:schemeClr val="accent1"/>
+    <dgm:fillClrLst>
+      <a:schemeClr val="accent3"/>
     </dgm:fillClrLst>
     <dgm:linClrLst meth="repeat">
       <a:schemeClr val="lt1"/>
@@ -2673,8 +2702,8 @@
     <dgm:txEffectClrLst/>
   </dgm:styleLbl>
   <dgm:styleLbl name="node4">
-    <dgm:fillClrLst meth="repeat">
-      <a:schemeClr val="accent1"/>
+    <dgm:fillClrLst>
+      <a:schemeClr val="accent4"/>
     </dgm:fillClrLst>
     <dgm:linClrLst meth="repeat">
       <a:schemeClr val="lt1"/>
@@ -2686,7 +2715,19 @@
   </dgm:styleLbl>
   <dgm:styleLbl name="fgImgPlace1">
     <dgm:fillClrLst meth="repeat">
-      <a:schemeClr val="accent1">
+      <a:schemeClr val="accent2">
+        <a:tint val="50000"/>
+      </a:schemeClr>
+      <a:schemeClr val="accent3">
+        <a:tint val="50000"/>
+      </a:schemeClr>
+      <a:schemeClr val="accent4">
+        <a:tint val="50000"/>
+      </a:schemeClr>
+      <a:schemeClr val="accent5">
+        <a:tint val="50000"/>
+      </a:schemeClr>
+      <a:schemeClr val="accent6">
         <a:tint val="50000"/>
       </a:schemeClr>
     </dgm:fillClrLst>
@@ -2701,9 +2742,12 @@
     <dgm:txEffectClrLst/>
   </dgm:styleLbl>
   <dgm:styleLbl name="alignImgPlace1">
-    <dgm:fillClrLst meth="repeat">
+    <dgm:fillClrLst>
       <a:schemeClr val="accent1">
         <a:tint val="50000"/>
+      </a:schemeClr>
+      <a:schemeClr val="accent2">
+        <a:tint val="20000"/>
       </a:schemeClr>
     </dgm:fillClrLst>
     <dgm:linClrLst meth="repeat">
@@ -2717,9 +2761,12 @@
     <dgm:txEffectClrLst/>
   </dgm:styleLbl>
   <dgm:styleLbl name="bgImgPlace1">
-    <dgm:fillClrLst meth="repeat">
+    <dgm:fillClrLst>
       <a:schemeClr val="accent1">
         <a:tint val="50000"/>
+      </a:schemeClr>
+      <a:schemeClr val="accent2">
+        <a:tint val="20000"/>
       </a:schemeClr>
     </dgm:fillClrLst>
     <dgm:linClrLst meth="repeat">
@@ -2734,14 +2781,14 @@
   </dgm:styleLbl>
   <dgm:styleLbl name="sibTrans2D1">
     <dgm:fillClrLst meth="repeat">
-      <a:schemeClr val="accent1">
-        <a:tint val="60000"/>
-      </a:schemeClr>
+      <a:schemeClr val="accent2"/>
+      <a:schemeClr val="accent3"/>
+      <a:schemeClr val="accent4"/>
+      <a:schemeClr val="accent5"/>
+      <a:schemeClr val="accent6"/>
     </dgm:fillClrLst>
-    <dgm:linClrLst meth="repeat">
-      <a:schemeClr val="accent1">
-        <a:tint val="60000"/>
-      </a:schemeClr>
+    <dgm:linClrLst meth="cycle">
+      <a:schemeClr val="lt1"/>
     </dgm:linClrLst>
     <dgm:effectClrLst/>
     <dgm:txLinClrLst/>
@@ -2750,42 +2797,54 @@
   </dgm:styleLbl>
   <dgm:styleLbl name="fgSibTrans2D1">
     <dgm:fillClrLst meth="repeat">
-      <a:schemeClr val="accent1">
-        <a:tint val="60000"/>
-      </a:schemeClr>
+      <a:schemeClr val="accent2"/>
+      <a:schemeClr val="accent3"/>
+      <a:schemeClr val="accent4"/>
+      <a:schemeClr val="accent5"/>
+      <a:schemeClr val="accent6"/>
     </dgm:fillClrLst>
-    <dgm:linClrLst meth="repeat">
-      <a:schemeClr val="accent1">
-        <a:tint val="60000"/>
-      </a:schemeClr>
+    <dgm:linClrLst meth="cycle">
+      <a:schemeClr val="lt1"/>
     </dgm:linClrLst>
     <dgm:effectClrLst/>
     <dgm:txLinClrLst/>
-    <dgm:txFillClrLst/>
+    <dgm:txFillClrLst meth="repeat">
+      <a:schemeClr val="lt1"/>
+    </dgm:txFillClrLst>
     <dgm:txEffectClrLst/>
   </dgm:styleLbl>
   <dgm:styleLbl name="bgSibTrans2D1">
     <dgm:fillClrLst meth="repeat">
-      <a:schemeClr val="accent1">
-        <a:tint val="60000"/>
-      </a:schemeClr>
+      <a:schemeClr val="accent2"/>
+      <a:schemeClr val="accent3"/>
+      <a:schemeClr val="accent4"/>
+      <a:schemeClr val="accent5"/>
+      <a:schemeClr val="accent6"/>
     </dgm:fillClrLst>
-    <dgm:linClrLst meth="repeat">
-      <a:schemeClr val="accent1">
-        <a:tint val="60000"/>
-      </a:schemeClr>
+    <dgm:linClrLst meth="cycle">
+      <a:schemeClr val="lt1"/>
     </dgm:linClrLst>
     <dgm:effectClrLst/>
     <dgm:txLinClrLst/>
-    <dgm:txFillClrLst/>
+    <dgm:txFillClrLst meth="repeat">
+      <a:schemeClr val="lt1"/>
+    </dgm:txFillClrLst>
     <dgm:txEffectClrLst/>
   </dgm:styleLbl>
   <dgm:styleLbl name="sibTrans1D1">
     <dgm:fillClrLst meth="repeat">
-      <a:schemeClr val="accent1"/>
+      <a:schemeClr val="accent2"/>
+      <a:schemeClr val="accent3"/>
+      <a:schemeClr val="accent4"/>
+      <a:schemeClr val="accent5"/>
+      <a:schemeClr val="accent6"/>
     </dgm:fillClrLst>
     <dgm:linClrLst meth="repeat">
-      <a:schemeClr val="accent1"/>
+      <a:schemeClr val="accent2"/>
+      <a:schemeClr val="accent3"/>
+      <a:schemeClr val="accent4"/>
+      <a:schemeClr val="accent5"/>
+      <a:schemeClr val="accent6"/>
     </dgm:linClrLst>
     <dgm:effectClrLst/>
     <dgm:txLinClrLst/>
@@ -2796,10 +2855,10 @@
   </dgm:styleLbl>
   <dgm:styleLbl name="callout">
     <dgm:fillClrLst meth="repeat">
-      <a:schemeClr val="accent1"/>
+      <a:schemeClr val="accent2"/>
     </dgm:fillClrLst>
     <dgm:linClrLst meth="repeat">
-      <a:schemeClr val="accent1">
+      <a:schemeClr val="accent2">
         <a:tint val="50000"/>
       </a:schemeClr>
     </dgm:linClrLst>
@@ -2824,7 +2883,7 @@
   </dgm:styleLbl>
   <dgm:styleLbl name="asst1">
     <dgm:fillClrLst meth="repeat">
-      <a:schemeClr val="accent1"/>
+      <a:schemeClr val="accent2"/>
     </dgm:fillClrLst>
     <dgm:linClrLst meth="repeat">
       <a:schemeClr val="lt1"/>
@@ -2835,8 +2894,8 @@
     <dgm:txEffectClrLst/>
   </dgm:styleLbl>
   <dgm:styleLbl name="asst2">
-    <dgm:fillClrLst meth="repeat">
-      <a:schemeClr val="accent1"/>
+    <dgm:fillClrLst>
+      <a:schemeClr val="accent3"/>
     </dgm:fillClrLst>
     <dgm:linClrLst meth="repeat">
       <a:schemeClr val="lt1"/>
@@ -2847,8 +2906,8 @@
     <dgm:txEffectClrLst/>
   </dgm:styleLbl>
   <dgm:styleLbl name="asst3">
-    <dgm:fillClrLst meth="repeat">
-      <a:schemeClr val="accent1"/>
+    <dgm:fillClrLst>
+      <a:schemeClr val="accent4"/>
     </dgm:fillClrLst>
     <dgm:linClrLst meth="repeat">
       <a:schemeClr val="lt1"/>
@@ -2859,8 +2918,8 @@
     <dgm:txEffectClrLst/>
   </dgm:styleLbl>
   <dgm:styleLbl name="asst4">
-    <dgm:fillClrLst meth="repeat">
-      <a:schemeClr val="accent1"/>
+    <dgm:fillClrLst>
+      <a:schemeClr val="accent5"/>
     </dgm:fillClrLst>
     <dgm:linClrLst meth="repeat">
       <a:schemeClr val="lt1"/>
@@ -2872,14 +2931,10 @@
   </dgm:styleLbl>
   <dgm:styleLbl name="parChTrans2D1">
     <dgm:fillClrLst meth="repeat">
-      <a:schemeClr val="accent1">
-        <a:tint val="60000"/>
-      </a:schemeClr>
+      <a:schemeClr val="accent2"/>
     </dgm:fillClrLst>
     <dgm:linClrLst meth="repeat">
-      <a:schemeClr val="accent1">
-        <a:tint val="60000"/>
-      </a:schemeClr>
+      <a:schemeClr val="lt1"/>
     </dgm:linClrLst>
     <dgm:effectClrLst/>
     <dgm:txLinClrLst/>
@@ -2890,7 +2945,45 @@
   </dgm:styleLbl>
   <dgm:styleLbl name="parChTrans2D2">
     <dgm:fillClrLst meth="repeat">
-      <a:schemeClr val="accent1"/>
+      <a:schemeClr val="accent3"/>
+    </dgm:fillClrLst>
+    <dgm:linClrLst meth="repeat">
+      <a:schemeClr val="lt1"/>
+    </dgm:linClrLst>
+    <dgm:effectClrLst/>
+    <dgm:txLinClrLst/>
+    <dgm:txFillClrLst/>
+    <dgm:txEffectClrLst/>
+  </dgm:styleLbl>
+  <dgm:styleLbl name="parChTrans2D3">
+    <dgm:fillClrLst meth="repeat">
+      <a:schemeClr val="accent4"/>
+    </dgm:fillClrLst>
+    <dgm:linClrLst meth="repeat">
+      <a:schemeClr val="lt1"/>
+    </dgm:linClrLst>
+    <dgm:effectClrLst/>
+    <dgm:txLinClrLst/>
+    <dgm:txFillClrLst/>
+    <dgm:txEffectClrLst/>
+  </dgm:styleLbl>
+  <dgm:styleLbl name="parChTrans2D4">
+    <dgm:fillClrLst meth="repeat">
+      <a:schemeClr val="accent5"/>
+    </dgm:fillClrLst>
+    <dgm:linClrLst meth="repeat">
+      <a:schemeClr val="lt1"/>
+    </dgm:linClrLst>
+    <dgm:effectClrLst/>
+    <dgm:txLinClrLst/>
+    <dgm:txFillClrLst meth="repeat">
+      <a:schemeClr val="lt1"/>
+    </dgm:txFillClrLst>
+    <dgm:txEffectClrLst/>
+  </dgm:styleLbl>
+  <dgm:styleLbl name="parChTrans1D1">
+    <dgm:fillClrLst meth="repeat">
+      <a:schemeClr val="accent2"/>
     </dgm:fillClrLst>
     <dgm:linClrLst meth="repeat">
       <a:schemeClr val="accent1"/>
@@ -2898,46 +2991,18 @@
     <dgm:effectClrLst/>
     <dgm:txLinClrLst/>
     <dgm:txFillClrLst meth="repeat">
-      <a:schemeClr val="lt1"/>
+      <a:schemeClr val="tx1"/>
     </dgm:txFillClrLst>
     <dgm:txEffectClrLst/>
   </dgm:styleLbl>
-  <dgm:styleLbl name="parChTrans2D3">
+  <dgm:styleLbl name="parChTrans1D2">
     <dgm:fillClrLst meth="repeat">
-      <a:schemeClr val="accent1"/>
+      <a:schemeClr val="accent3">
+        <a:tint val="90000"/>
+      </a:schemeClr>
     </dgm:fillClrLst>
     <dgm:linClrLst meth="repeat">
-      <a:schemeClr val="accent1"/>
-    </dgm:linClrLst>
-    <dgm:effectClrLst/>
-    <dgm:txLinClrLst/>
-    <dgm:txFillClrLst meth="repeat">
-      <a:schemeClr val="lt1"/>
-    </dgm:txFillClrLst>
-    <dgm:txEffectClrLst/>
-  </dgm:styleLbl>
-  <dgm:styleLbl name="parChTrans2D4">
-    <dgm:fillClrLst meth="repeat">
-      <a:schemeClr val="accent1"/>
-    </dgm:fillClrLst>
-    <dgm:linClrLst meth="repeat">
-      <a:schemeClr val="accent1"/>
-    </dgm:linClrLst>
-    <dgm:effectClrLst/>
-    <dgm:txLinClrLst/>
-    <dgm:txFillClrLst meth="repeat">
-      <a:schemeClr val="lt1"/>
-    </dgm:txFillClrLst>
-    <dgm:txEffectClrLst/>
-  </dgm:styleLbl>
-  <dgm:styleLbl name="parChTrans1D1">
-    <dgm:fillClrLst meth="repeat">
-      <a:schemeClr val="accent1"/>
-    </dgm:fillClrLst>
-    <dgm:linClrLst meth="repeat">
-      <a:schemeClr val="accent1">
-        <a:shade val="60000"/>
-      </a:schemeClr>
+      <a:schemeClr val="accent2"/>
     </dgm:linClrLst>
     <dgm:effectClrLst/>
     <dgm:txLinClrLst/>
@@ -2946,14 +3011,14 @@
     </dgm:txFillClrLst>
     <dgm:txEffectClrLst/>
   </dgm:styleLbl>
-  <dgm:styleLbl name="parChTrans1D2">
+  <dgm:styleLbl name="parChTrans1D3">
     <dgm:fillClrLst meth="repeat">
-      <a:schemeClr val="accent1"/>
+      <a:schemeClr val="accent4">
+        <a:tint val="70000"/>
+      </a:schemeClr>
     </dgm:fillClrLst>
     <dgm:linClrLst meth="repeat">
-      <a:schemeClr val="accent1">
-        <a:shade val="60000"/>
-      </a:schemeClr>
+      <a:schemeClr val="accent3"/>
     </dgm:linClrLst>
     <dgm:effectClrLst/>
     <dgm:txLinClrLst/>
@@ -2962,14 +3027,14 @@
     </dgm:txFillClrLst>
     <dgm:txEffectClrLst/>
   </dgm:styleLbl>
-  <dgm:styleLbl name="parChTrans1D3">
+  <dgm:styleLbl name="parChTrans1D4">
     <dgm:fillClrLst meth="repeat">
-      <a:schemeClr val="accent1"/>
+      <a:schemeClr val="accent5">
+        <a:tint val="50000"/>
+      </a:schemeClr>
     </dgm:fillClrLst>
     <dgm:linClrLst meth="repeat">
-      <a:schemeClr val="accent1">
-        <a:shade val="80000"/>
-      </a:schemeClr>
+      <a:schemeClr val="accent4"/>
     </dgm:linClrLst>
     <dgm:effectClrLst/>
     <dgm:txLinClrLst/>
@@ -2978,22 +3043,6 @@
     </dgm:txFillClrLst>
     <dgm:txEffectClrLst/>
   </dgm:styleLbl>
-  <dgm:styleLbl name="parChTrans1D4">
-    <dgm:fillClrLst meth="repeat">
-      <a:schemeClr val="accent1"/>
-    </dgm:fillClrLst>
-    <dgm:linClrLst meth="repeat">
-      <a:schemeClr val="accent1">
-        <a:shade val="80000"/>
-      </a:schemeClr>
-    </dgm:linClrLst>
-    <dgm:effectClrLst/>
-    <dgm:txLinClrLst/>
-    <dgm:txFillClrLst meth="repeat">
-      <a:schemeClr val="tx1"/>
-    </dgm:txFillClrLst>
-    <dgm:txEffectClrLst/>
-  </dgm:styleLbl>
   <dgm:styleLbl name="fgAcc1">
     <dgm:fillClrLst meth="repeat">
       <a:schemeClr val="lt1">
@@ -3001,7 +3050,11 @@
       </a:schemeClr>
     </dgm:fillClrLst>
     <dgm:linClrLst meth="repeat">
-      <a:schemeClr val="accent1"/>
+      <a:schemeClr val="accent2"/>
+      <a:schemeClr val="accent3"/>
+      <a:schemeClr val="accent4"/>
+      <a:schemeClr val="accent5"/>
+      <a:schemeClr val="accent6"/>
     </dgm:linClrLst>
     <dgm:effectClrLst/>
     <dgm:txLinClrLst/>
@@ -3017,7 +3070,11 @@
       </a:schemeClr>
     </dgm:fillClrLst>
     <dgm:linClrLst meth="repeat">
-      <a:schemeClr val="accent1"/>
+      <a:schemeClr val="accent2"/>
+      <a:schemeClr val="accent3"/>
+      <a:schemeClr val="accent4"/>
+      <a:schemeClr val="accent5"/>
+      <a:schemeClr val="accent6"/>
     </dgm:linClrLst>
     <dgm:effectClrLst/>
     <dgm:txLinClrLst/>
@@ -3033,7 +3090,11 @@
       </a:schemeClr>
     </dgm:fillClrLst>
     <dgm:linClrLst meth="repeat">
-      <a:schemeClr val="accent1"/>
+      <a:schemeClr val="accent2"/>
+      <a:schemeClr val="accent3"/>
+      <a:schemeClr val="accent4"/>
+      <a:schemeClr val="accent5"/>
+      <a:schemeClr val="accent6"/>
     </dgm:linClrLst>
     <dgm:effectClrLst/>
     <dgm:txLinClrLst/>
@@ -3065,6 +3126,236 @@
       </a:schemeClr>
     </dgm:fillClrLst>
     <dgm:linClrLst meth="repeat">
+      <a:schemeClr val="accent2"/>
+      <a:schemeClr val="accent3"/>
+      <a:schemeClr val="accent4"/>
+      <a:schemeClr val="accent5"/>
+      <a:schemeClr val="accent6"/>
+    </dgm:linClrLst>
+    <dgm:effectClrLst/>
+    <dgm:txLinClrLst/>
+    <dgm:txFillClrLst meth="repeat">
+      <a:schemeClr val="dk1"/>
+    </dgm:txFillClrLst>
+    <dgm:txEffectClrLst/>
+  </dgm:styleLbl>
+  <dgm:styleLbl name="solidFgAcc1">
+    <dgm:fillClrLst meth="repeat">
+      <a:schemeClr val="lt1"/>
+    </dgm:fillClrLst>
+    <dgm:linClrLst meth="repeat">
+      <a:schemeClr val="accent2"/>
+      <a:schemeClr val="accent3"/>
+      <a:schemeClr val="accent4"/>
+      <a:schemeClr val="accent5"/>
+      <a:schemeClr val="accent6"/>
+    </dgm:linClrLst>
+    <dgm:effectClrLst/>
+    <dgm:txLinClrLst/>
+    <dgm:txFillClrLst meth="repeat">
+      <a:schemeClr val="dk1"/>
+    </dgm:txFillClrLst>
+    <dgm:txEffectClrLst/>
+  </dgm:styleLbl>
+  <dgm:styleLbl name="solidAlignAcc1">
+    <dgm:fillClrLst meth="repeat">
+      <a:schemeClr val="lt1"/>
+    </dgm:fillClrLst>
+    <dgm:linClrLst meth="repeat">
+      <a:schemeClr val="accent2"/>
+      <a:schemeClr val="accent3"/>
+      <a:schemeClr val="accent4"/>
+      <a:schemeClr val="accent5"/>
+      <a:schemeClr val="accent6"/>
+    </dgm:linClrLst>
+    <dgm:effectClrLst/>
+    <dgm:txLinClrLst/>
+    <dgm:txFillClrLst meth="repeat">
+      <a:schemeClr val="dk1"/>
+    </dgm:txFillClrLst>
+    <dgm:txEffectClrLst/>
+  </dgm:styleLbl>
+  <dgm:styleLbl name="solidBgAcc1">
+    <dgm:fillClrLst meth="repeat">
+      <a:schemeClr val="lt1"/>
+    </dgm:fillClrLst>
+    <dgm:linClrLst meth="repeat">
+      <a:schemeClr val="accent2"/>
+      <a:schemeClr val="accent3"/>
+      <a:schemeClr val="accent4"/>
+      <a:schemeClr val="accent5"/>
+      <a:schemeClr val="accent6"/>
+    </dgm:linClrLst>
+    <dgm:effectClrLst/>
+    <dgm:txLinClrLst/>
+    <dgm:txFillClrLst meth="repeat">
+      <a:schemeClr val="dk1"/>
+    </dgm:txFillClrLst>
+    <dgm:txEffectClrLst/>
+  </dgm:styleLbl>
+  <dgm:styleLbl name="fgAccFollowNode1">
+    <dgm:fillClrLst meth="repeat">
+      <a:schemeClr val="accent2">
+        <a:tint val="40000"/>
+        <a:alpha val="90000"/>
+      </a:schemeClr>
+      <a:schemeClr val="accent3">
+        <a:tint val="40000"/>
+        <a:alpha val="90000"/>
+      </a:schemeClr>
+      <a:schemeClr val="accent4">
+        <a:tint val="40000"/>
+        <a:alpha val="90000"/>
+      </a:schemeClr>
+      <a:schemeClr val="accent5">
+        <a:tint val="40000"/>
+        <a:alpha val="90000"/>
+      </a:schemeClr>
+      <a:schemeClr val="accent6">
+        <a:tint val="40000"/>
+        <a:alpha val="90000"/>
+      </a:schemeClr>
+    </dgm:fillClrLst>
+    <dgm:linClrLst meth="repeat">
+      <a:schemeClr val="accent2">
+        <a:tint val="40000"/>
+        <a:alpha val="90000"/>
+      </a:schemeClr>
+      <a:schemeClr val="accent3">
+        <a:tint val="40000"/>
+        <a:alpha val="90000"/>
+      </a:schemeClr>
+      <a:schemeClr val="accent4">
+        <a:tint val="40000"/>
+        <a:alpha val="90000"/>
+      </a:schemeClr>
+      <a:schemeClr val="accent5">
+        <a:tint val="40000"/>
+        <a:alpha val="90000"/>
+      </a:schemeClr>
+      <a:schemeClr val="accent6">
+        <a:tint val="40000"/>
+        <a:alpha val="90000"/>
+      </a:schemeClr>
+    </dgm:linClrLst>
+    <dgm:effectClrLst/>
+    <dgm:txLinClrLst/>
+    <dgm:txFillClrLst meth="repeat">
+      <a:schemeClr val="dk1"/>
+    </dgm:txFillClrLst>
+    <dgm:txEffectClrLst/>
+  </dgm:styleLbl>
+  <dgm:styleLbl name="alignAccFollowNode1">
+    <dgm:fillClrLst meth="repeat">
+      <a:schemeClr val="accent2">
+        <a:tint val="40000"/>
+        <a:alpha val="90000"/>
+      </a:schemeClr>
+      <a:schemeClr val="accent3">
+        <a:tint val="40000"/>
+        <a:alpha val="90000"/>
+      </a:schemeClr>
+      <a:schemeClr val="accent4">
+        <a:tint val="40000"/>
+        <a:alpha val="90000"/>
+      </a:schemeClr>
+      <a:schemeClr val="accent5">
+        <a:tint val="40000"/>
+        <a:alpha val="90000"/>
+      </a:schemeClr>
+      <a:schemeClr val="accent6">
+        <a:tint val="40000"/>
+        <a:alpha val="90000"/>
+      </a:schemeClr>
+    </dgm:fillClrLst>
+    <dgm:linClrLst meth="repeat">
+      <a:schemeClr val="accent2">
+        <a:tint val="40000"/>
+        <a:alpha val="90000"/>
+      </a:schemeClr>
+      <a:schemeClr val="accent3">
+        <a:tint val="40000"/>
+        <a:alpha val="90000"/>
+      </a:schemeClr>
+      <a:schemeClr val="accent4">
+        <a:tint val="40000"/>
+        <a:alpha val="90000"/>
+      </a:schemeClr>
+      <a:schemeClr val="accent5">
+        <a:tint val="40000"/>
+        <a:alpha val="90000"/>
+      </a:schemeClr>
+      <a:schemeClr val="accent6">
+        <a:tint val="40000"/>
+        <a:alpha val="90000"/>
+      </a:schemeClr>
+    </dgm:linClrLst>
+    <dgm:effectClrLst/>
+    <dgm:txLinClrLst/>
+    <dgm:txFillClrLst meth="repeat">
+      <a:schemeClr val="dk1"/>
+    </dgm:txFillClrLst>
+    <dgm:txEffectClrLst/>
+  </dgm:styleLbl>
+  <dgm:styleLbl name="bgAccFollowNode1">
+    <dgm:fillClrLst meth="repeat">
+      <a:schemeClr val="accent2">
+        <a:tint val="40000"/>
+        <a:alpha val="90000"/>
+      </a:schemeClr>
+      <a:schemeClr val="accent3">
+        <a:tint val="40000"/>
+        <a:alpha val="90000"/>
+      </a:schemeClr>
+      <a:schemeClr val="accent4">
+        <a:tint val="40000"/>
+        <a:alpha val="90000"/>
+      </a:schemeClr>
+      <a:schemeClr val="accent5">
+        <a:tint val="40000"/>
+        <a:alpha val="90000"/>
+      </a:schemeClr>
+      <a:schemeClr val="accent6">
+        <a:tint val="40000"/>
+        <a:alpha val="90000"/>
+      </a:schemeClr>
+    </dgm:fillClrLst>
+    <dgm:linClrLst meth="repeat">
+      <a:schemeClr val="accent2">
+        <a:tint val="40000"/>
+        <a:alpha val="90000"/>
+      </a:schemeClr>
+      <a:schemeClr val="accent3">
+        <a:tint val="40000"/>
+        <a:alpha val="90000"/>
+      </a:schemeClr>
+      <a:schemeClr val="accent4">
+        <a:tint val="40000"/>
+        <a:alpha val="90000"/>
+      </a:schemeClr>
+      <a:schemeClr val="accent5">
+        <a:tint val="40000"/>
+        <a:alpha val="90000"/>
+      </a:schemeClr>
+      <a:schemeClr val="accent6">
+        <a:tint val="40000"/>
+        <a:alpha val="90000"/>
+      </a:schemeClr>
+    </dgm:linClrLst>
+    <dgm:effectClrLst/>
+    <dgm:txLinClrLst/>
+    <dgm:txFillClrLst meth="repeat">
+      <a:schemeClr val="dk1"/>
+    </dgm:txFillClrLst>
+    <dgm:txEffectClrLst/>
+  </dgm:styleLbl>
+  <dgm:styleLbl name="fgAcc0">
+    <dgm:fillClrLst meth="repeat">
+      <a:schemeClr val="lt1">
+        <a:alpha val="90000"/>
+      </a:schemeClr>
+    </dgm:fillClrLst>
+    <dgm:linClrLst>
       <a:schemeClr val="accent1"/>
     </dgm:linClrLst>
     <dgm:effectClrLst/>
@@ -3074,12 +3365,14 @@
     </dgm:txFillClrLst>
     <dgm:txEffectClrLst/>
   </dgm:styleLbl>
-  <dgm:styleLbl name="solidFgAcc1">
+  <dgm:styleLbl name="fgAcc2">
     <dgm:fillClrLst meth="repeat">
-      <a:schemeClr val="lt1"/>
+      <a:schemeClr val="lt1">
+        <a:alpha val="90000"/>
+      </a:schemeClr>
     </dgm:fillClrLst>
-    <dgm:linClrLst meth="repeat">
-      <a:schemeClr val="accent1"/>
+    <dgm:linClrLst>
+      <a:schemeClr val="accent2"/>
     </dgm:linClrLst>
     <dgm:effectClrLst/>
     <dgm:txLinClrLst/>
@@ -3088,12 +3381,14 @@
     </dgm:txFillClrLst>
     <dgm:txEffectClrLst/>
   </dgm:styleLbl>
-  <dgm:styleLbl name="solidAlignAcc1">
+  <dgm:styleLbl name="fgAcc3">
     <dgm:fillClrLst meth="repeat">
-      <a:schemeClr val="lt1"/>
+      <a:schemeClr val="lt1">
+        <a:alpha val="90000"/>
+      </a:schemeClr>
     </dgm:fillClrLst>
-    <dgm:linClrLst meth="repeat">
-      <a:schemeClr val="accent1"/>
+    <dgm:linClrLst>
+      <a:schemeClr val="accent3"/>
     </dgm:linClrLst>
     <dgm:effectClrLst/>
     <dgm:txLinClrLst/>
@@ -3102,12 +3397,14 @@
     </dgm:txFillClrLst>
     <dgm:txEffectClrLst/>
   </dgm:styleLbl>
-  <dgm:styleLbl name="solidBgAcc1">
+  <dgm:styleLbl name="fgAcc4">
     <dgm:fillClrLst meth="repeat">
-      <a:schemeClr val="lt1"/>
+      <a:schemeClr val="lt1">
+        <a:alpha val="90000"/>
+      </a:schemeClr>
     </dgm:fillClrLst>
-    <dgm:linClrLst meth="repeat">
-      <a:schemeClr val="accent1"/>
+    <dgm:linClrLst>
+      <a:schemeClr val="accent4"/>
     </dgm:linClrLst>
     <dgm:effectClrLst/>
     <dgm:txLinClrLst/>
@@ -3116,18 +3413,14 @@
     </dgm:txFillClrLst>
     <dgm:txEffectClrLst/>
   </dgm:styleLbl>
-  <dgm:styleLbl name="fgAccFollowNode1">
+  <dgm:styleLbl name="bgShp">
     <dgm:fillClrLst meth="repeat">
-      <a:schemeClr val="accent1">
-        <a:alpha val="90000"/>
+      <a:schemeClr val="accent2">
         <a:tint val="40000"/>
       </a:schemeClr>
     </dgm:fillClrLst>
     <dgm:linClrLst meth="repeat">
-      <a:schemeClr val="accent1">
-        <a:alpha val="90000"/>
-        <a:tint val="40000"/>
-      </a:schemeClr>
+      <a:schemeClr val="dk1"/>
     </dgm:linClrLst>
     <dgm:effectClrLst/>
     <dgm:txLinClrLst/>
@@ -3136,134 +3429,14 @@
     </dgm:txFillClrLst>
     <dgm:txEffectClrLst/>
   </dgm:styleLbl>
-  <dgm:styleLbl name="alignAccFollowNode1">
+  <dgm:styleLbl name="dkBgShp">
     <dgm:fillClrLst meth="repeat">
-      <a:schemeClr val="accent1">
-        <a:alpha val="90000"/>
-        <a:tint val="40000"/>
+      <a:schemeClr val="accent2">
+        <a:shade val="90000"/>
       </a:schemeClr>
     </dgm:fillClrLst>
     <dgm:linClrLst meth="repeat">
-      <a:schemeClr val="accent1">
-        <a:alpha val="90000"/>
-        <a:tint val="40000"/>
-      </a:schemeClr>
-    </dgm:linClrLst>
-    <dgm:effectClrLst/>
-    <dgm:txLinClrLst/>
-    <dgm:txFillClrLst meth="repeat">
       <a:schemeClr val="dk1"/>
-    </dgm:txFillClrLst>
-    <dgm:txEffectClrLst/>
-  </dgm:styleLbl>
-  <dgm:styleLbl name="bgAccFollowNode1">
-    <dgm:fillClrLst meth="repeat">
-      <a:schemeClr val="accent1">
-        <a:alpha val="90000"/>
-        <a:tint val="40000"/>
-      </a:schemeClr>
-    </dgm:fillClrLst>
-    <dgm:linClrLst meth="repeat">
-      <a:schemeClr val="accent1">
-        <a:alpha val="90000"/>
-        <a:tint val="40000"/>
-      </a:schemeClr>
-    </dgm:linClrLst>
-    <dgm:effectClrLst/>
-    <dgm:txLinClrLst/>
-    <dgm:txFillClrLst meth="repeat">
-      <a:schemeClr val="dk1"/>
-    </dgm:txFillClrLst>
-    <dgm:txEffectClrLst/>
-  </dgm:styleLbl>
-  <dgm:styleLbl name="fgAcc0">
-    <dgm:fillClrLst meth="repeat">
-      <a:schemeClr val="lt1">
-        <a:alpha val="90000"/>
-      </a:schemeClr>
-    </dgm:fillClrLst>
-    <dgm:linClrLst meth="repeat">
-      <a:schemeClr val="accent1"/>
-    </dgm:linClrLst>
-    <dgm:effectClrLst/>
-    <dgm:txLinClrLst/>
-    <dgm:txFillClrLst meth="repeat">
-      <a:schemeClr val="dk1"/>
-    </dgm:txFillClrLst>
-    <dgm:txEffectClrLst/>
-  </dgm:styleLbl>
-  <dgm:styleLbl name="fgAcc2">
-    <dgm:fillClrLst meth="repeat">
-      <a:schemeClr val="lt1">
-        <a:alpha val="90000"/>
-      </a:schemeClr>
-    </dgm:fillClrLst>
-    <dgm:linClrLst meth="repeat">
-      <a:schemeClr val="accent1"/>
-    </dgm:linClrLst>
-    <dgm:effectClrLst/>
-    <dgm:txLinClrLst/>
-    <dgm:txFillClrLst meth="repeat">
-      <a:schemeClr val="dk1"/>
-    </dgm:txFillClrLst>
-    <dgm:txEffectClrLst/>
-  </dgm:styleLbl>
-  <dgm:styleLbl name="fgAcc3">
-    <dgm:fillClrLst meth="repeat">
-      <a:schemeClr val="lt1">
-        <a:alpha val="90000"/>
-      </a:schemeClr>
-    </dgm:fillClrLst>
-    <dgm:linClrLst meth="repeat">
-      <a:schemeClr val="accent1"/>
-    </dgm:linClrLst>
-    <dgm:effectClrLst/>
-    <dgm:txLinClrLst/>
-    <dgm:txFillClrLst meth="repeat">
-      <a:schemeClr val="dk1"/>
-    </dgm:txFillClrLst>
-    <dgm:txEffectClrLst/>
-  </dgm:styleLbl>
-  <dgm:styleLbl name="fgAcc4">
-    <dgm:fillClrLst meth="repeat">
-      <a:schemeClr val="lt1">
-        <a:alpha val="90000"/>
-      </a:schemeClr>
-    </dgm:fillClrLst>
-    <dgm:linClrLst meth="repeat">
-      <a:schemeClr val="accent1"/>
-    </dgm:linClrLst>
-    <dgm:effectClrLst/>
-    <dgm:txLinClrLst/>
-    <dgm:txFillClrLst meth="repeat">
-      <a:schemeClr val="dk1"/>
-    </dgm:txFillClrLst>
-    <dgm:txEffectClrLst/>
-  </dgm:styleLbl>
-  <dgm:styleLbl name="bgShp">
-    <dgm:fillClrLst meth="repeat">
-      <a:schemeClr val="accent1">
-        <a:tint val="40000"/>
-      </a:schemeClr>
-    </dgm:fillClrLst>
-    <dgm:linClrLst meth="repeat">
-      <a:schemeClr val="accent1"/>
-    </dgm:linClrLst>
-    <dgm:effectClrLst/>
-    <dgm:txLinClrLst/>
-    <dgm:txFillClrLst meth="repeat">
-      <a:schemeClr val="dk1"/>
-    </dgm:txFillClrLst>
-    <dgm:txEffectClrLst/>
-  </dgm:styleLbl>
-  <dgm:styleLbl name="dkBgShp">
-    <dgm:fillClrLst meth="repeat">
-      <a:schemeClr val="accent1">
-        <a:shade val="80000"/>
-      </a:schemeClr>
-    </dgm:fillClrLst>
-    <dgm:linClrLst meth="repeat">
-      <a:schemeClr val="accent1"/>
     </dgm:linClrLst>
     <dgm:effectClrLst/>
     <dgm:txLinClrLst/>
@@ -3280,7 +3453,7 @@
       </a:schemeClr>
     </dgm:fillClrLst>
     <dgm:linClrLst meth="repeat">
-      <a:schemeClr val="accent1"/>
+      <a:schemeClr val="accent2"/>
     </dgm:linClrLst>
     <dgm:effectClrLst/>
     <dgm:txLinClrLst/>
@@ -3291,8 +3464,8 @@
   </dgm:styleLbl>
   <dgm:styleLbl name="fgShp">
     <dgm:fillClrLst meth="repeat">
-      <a:schemeClr val="accent1">
-        <a:tint val="60000"/>
+      <a:schemeClr val="accent2">
+        <a:tint val="40000"/>
       </a:schemeClr>
     </dgm:fillClrLst>
     <dgm:linClrLst meth="repeat">
@@ -7083,7 +7256,7 @@
 <dgm:dataModel xmlns:dgm="http://schemas.openxmlformats.org/drawingml/2006/diagram" xmlns:a="http://schemas.openxmlformats.org/drawingml/2006/main">
   <dgm:ptLst>
     <dgm:pt modelId="{6577BACC-75B4-4D69-B358-9C8238ADC97D}" type="doc">
-      <dgm:prSet loTypeId="urn:microsoft.com/office/officeart/2005/8/layout/list1" loCatId="list" qsTypeId="urn:microsoft.com/office/officeart/2005/8/quickstyle/simple1" qsCatId="simple" csTypeId="urn:microsoft.com/office/officeart/2005/8/colors/accent1_2" csCatId="accent1"/>
+      <dgm:prSet loTypeId="urn:microsoft.com/office/officeart/2005/8/layout/vList2" loCatId="list" qsTypeId="urn:microsoft.com/office/officeart/2005/8/quickstyle/simple1" qsCatId="simple" csTypeId="urn:microsoft.com/office/officeart/2005/8/colors/colorful1" csCatId="colorful"/>
       <dgm:spPr/>
       <dgm:t>
         <a:bodyPr/>
@@ -7453,25 +7626,16 @@
         </a:p>
       </dgm:t>
     </dgm:pt>
-    <dgm:pt modelId="{A682BB34-1807-4517-AE0D-69B51C95D08B}" type="pres">
+    <dgm:pt modelId="{BA3E7272-BA89-46BC-AFA0-853006326ECF}" type="pres">
       <dgm:prSet presAssocID="{6577BACC-75B4-4D69-B358-9C8238ADC97D}" presName="linear" presStyleCnt="0">
         <dgm:presLayoutVars>
-          <dgm:dir/>
           <dgm:animLvl val="lvl"/>
           <dgm:resizeHandles val="exact"/>
         </dgm:presLayoutVars>
       </dgm:prSet>
       <dgm:spPr/>
     </dgm:pt>
-    <dgm:pt modelId="{71971D2E-FF3E-4CB4-8916-E7F73015F39C}" type="pres">
-      <dgm:prSet presAssocID="{90A44F62-D379-4829-9646-8F3D84DB4591}" presName="parentLin" presStyleCnt="0"/>
-      <dgm:spPr/>
-    </dgm:pt>
-    <dgm:pt modelId="{21F8282F-43DB-4E88-809C-703D6EEE5D07}" type="pres">
-      <dgm:prSet presAssocID="{90A44F62-D379-4829-9646-8F3D84DB4591}" presName="parentLeftMargin" presStyleLbl="node1" presStyleIdx="0" presStyleCnt="4"/>
-      <dgm:spPr/>
-    </dgm:pt>
-    <dgm:pt modelId="{44E00770-1933-4FFE-8BEB-337791873053}" type="pres">
+    <dgm:pt modelId="{A5DACFCE-8925-475D-9087-2939DC9D2C08}" type="pres">
       <dgm:prSet presAssocID="{90A44F62-D379-4829-9646-8F3D84DB4591}" presName="parentText" presStyleLbl="node1" presStyleIdx="0" presStyleCnt="4">
         <dgm:presLayoutVars>
           <dgm:chMax val="0"/>
@@ -7480,31 +7644,15 @@
       </dgm:prSet>
       <dgm:spPr/>
     </dgm:pt>
-    <dgm:pt modelId="{4316725C-11C6-4BA5-A803-8CAC172A2BDE}" type="pres">
-      <dgm:prSet presAssocID="{90A44F62-D379-4829-9646-8F3D84DB4591}" presName="negativeSpace" presStyleCnt="0"/>
-      <dgm:spPr/>
-    </dgm:pt>
-    <dgm:pt modelId="{DDBE7DDA-C54A-4E77-9C0E-236A2138C740}" type="pres">
-      <dgm:prSet presAssocID="{90A44F62-D379-4829-9646-8F3D84DB4591}" presName="childText" presStyleLbl="conFgAcc1" presStyleIdx="0" presStyleCnt="4">
+    <dgm:pt modelId="{5D7299FB-5035-4265-B8B8-C00F7EADFD07}" type="pres">
+      <dgm:prSet presAssocID="{90A44F62-D379-4829-9646-8F3D84DB4591}" presName="childText" presStyleLbl="revTx" presStyleIdx="0" presStyleCnt="3">
         <dgm:presLayoutVars>
           <dgm:bulletEnabled val="1"/>
         </dgm:presLayoutVars>
       </dgm:prSet>
       <dgm:spPr/>
     </dgm:pt>
-    <dgm:pt modelId="{24FDB3AE-CCB5-4420-9A4B-213E4A568FC6}" type="pres">
-      <dgm:prSet presAssocID="{7548BF5E-0DCC-4526-A440-B96DF0C037B5}" presName="spaceBetweenRectangles" presStyleCnt="0"/>
-      <dgm:spPr/>
-    </dgm:pt>
-    <dgm:pt modelId="{0D18D061-F5E2-4A0F-98D0-1614333EB763}" type="pres">
-      <dgm:prSet presAssocID="{0A39BE8C-7823-4861-8E1F-7108FE11CAAF}" presName="parentLin" presStyleCnt="0"/>
-      <dgm:spPr/>
-    </dgm:pt>
-    <dgm:pt modelId="{0787429D-61CA-4643-8B45-490FDBCF723F}" type="pres">
-      <dgm:prSet presAssocID="{0A39BE8C-7823-4861-8E1F-7108FE11CAAF}" presName="parentLeftMargin" presStyleLbl="node1" presStyleIdx="0" presStyleCnt="4"/>
-      <dgm:spPr/>
-    </dgm:pt>
-    <dgm:pt modelId="{D4997E33-087F-47A9-B277-8DDBB56798CD}" type="pres">
+    <dgm:pt modelId="{81FA2BD1-DE0E-438E-A65A-8BDDF6ED8325}" type="pres">
       <dgm:prSet presAssocID="{0A39BE8C-7823-4861-8E1F-7108FE11CAAF}" presName="parentText" presStyleLbl="node1" presStyleIdx="1" presStyleCnt="4">
         <dgm:presLayoutVars>
           <dgm:chMax val="0"/>
@@ -7513,31 +7661,11 @@
       </dgm:prSet>
       <dgm:spPr/>
     </dgm:pt>
-    <dgm:pt modelId="{31AF231B-4C34-4486-B59E-30E0FEFF83B0}" type="pres">
-      <dgm:prSet presAssocID="{0A39BE8C-7823-4861-8E1F-7108FE11CAAF}" presName="negativeSpace" presStyleCnt="0"/>
+    <dgm:pt modelId="{2763815B-457A-4FA4-B16E-E0934C34B17B}" type="pres">
+      <dgm:prSet presAssocID="{81C69FFC-5DB3-46C8-81A4-B661C5471B8B}" presName="spacer" presStyleCnt="0"/>
       <dgm:spPr/>
     </dgm:pt>
-    <dgm:pt modelId="{48330ADF-792E-4D1B-A1E7-1F7BBCFD752A}" type="pres">
-      <dgm:prSet presAssocID="{0A39BE8C-7823-4861-8E1F-7108FE11CAAF}" presName="childText" presStyleLbl="conFgAcc1" presStyleIdx="1" presStyleCnt="4">
-        <dgm:presLayoutVars>
-          <dgm:bulletEnabled val="1"/>
-        </dgm:presLayoutVars>
-      </dgm:prSet>
-      <dgm:spPr/>
-    </dgm:pt>
-    <dgm:pt modelId="{14AE8E15-2111-4A5C-B263-2895FC387964}" type="pres">
-      <dgm:prSet presAssocID="{81C69FFC-5DB3-46C8-81A4-B661C5471B8B}" presName="spaceBetweenRectangles" presStyleCnt="0"/>
-      <dgm:spPr/>
-    </dgm:pt>
-    <dgm:pt modelId="{D6C55620-1824-451E-8E72-FAE5685C16D6}" type="pres">
-      <dgm:prSet presAssocID="{09E53931-68A4-4FDD-8DEB-34B2BD9D36AD}" presName="parentLin" presStyleCnt="0"/>
-      <dgm:spPr/>
-    </dgm:pt>
-    <dgm:pt modelId="{2E7B66DB-5302-4262-9B59-7362E055A5BE}" type="pres">
-      <dgm:prSet presAssocID="{09E53931-68A4-4FDD-8DEB-34B2BD9D36AD}" presName="parentLeftMargin" presStyleLbl="node1" presStyleIdx="1" presStyleCnt="4"/>
-      <dgm:spPr/>
-    </dgm:pt>
-    <dgm:pt modelId="{D449F2AD-B3C2-47E4-9884-610DB2E6043A}" type="pres">
+    <dgm:pt modelId="{96B6736F-C4B6-4A15-8B53-031A9DF728C3}" type="pres">
       <dgm:prSet presAssocID="{09E53931-68A4-4FDD-8DEB-34B2BD9D36AD}" presName="parentText" presStyleLbl="node1" presStyleIdx="2" presStyleCnt="4">
         <dgm:presLayoutVars>
           <dgm:chMax val="0"/>
@@ -7546,31 +7674,15 @@
       </dgm:prSet>
       <dgm:spPr/>
     </dgm:pt>
-    <dgm:pt modelId="{5DF1DFEA-25AA-4024-8E59-B166D7E3A005}" type="pres">
-      <dgm:prSet presAssocID="{09E53931-68A4-4FDD-8DEB-34B2BD9D36AD}" presName="negativeSpace" presStyleCnt="0"/>
-      <dgm:spPr/>
-    </dgm:pt>
-    <dgm:pt modelId="{B7130720-2FA9-488E-A39D-A1AD0E44E37C}" type="pres">
-      <dgm:prSet presAssocID="{09E53931-68A4-4FDD-8DEB-34B2BD9D36AD}" presName="childText" presStyleLbl="conFgAcc1" presStyleIdx="2" presStyleCnt="4">
+    <dgm:pt modelId="{6DA9F45C-9307-4B82-A1D0-E6EC1C560781}" type="pres">
+      <dgm:prSet presAssocID="{09E53931-68A4-4FDD-8DEB-34B2BD9D36AD}" presName="childText" presStyleLbl="revTx" presStyleIdx="1" presStyleCnt="3">
         <dgm:presLayoutVars>
           <dgm:bulletEnabled val="1"/>
         </dgm:presLayoutVars>
       </dgm:prSet>
       <dgm:spPr/>
     </dgm:pt>
-    <dgm:pt modelId="{5312B408-0DFE-4BB4-96F3-75D7745904B9}" type="pres">
-      <dgm:prSet presAssocID="{2BB49F89-0BD4-41CA-A42F-15C851F9B0DC}" presName="spaceBetweenRectangles" presStyleCnt="0"/>
-      <dgm:spPr/>
-    </dgm:pt>
-    <dgm:pt modelId="{F64807D1-0202-49F9-BC6F-6642BFFCA670}" type="pres">
-      <dgm:prSet presAssocID="{20BE18DF-2B9A-4C98-8909-5EBCD36C8BEB}" presName="parentLin" presStyleCnt="0"/>
-      <dgm:spPr/>
-    </dgm:pt>
-    <dgm:pt modelId="{9D8B47F4-F0C1-4BF8-A2BF-006B802F053F}" type="pres">
-      <dgm:prSet presAssocID="{20BE18DF-2B9A-4C98-8909-5EBCD36C8BEB}" presName="parentLeftMargin" presStyleLbl="node1" presStyleIdx="2" presStyleCnt="4"/>
-      <dgm:spPr/>
-    </dgm:pt>
-    <dgm:pt modelId="{F1E68C60-98C0-42D9-B6B2-B377A6369007}" type="pres">
+    <dgm:pt modelId="{DD16A68C-DE34-4E41-B222-1C18094B2510}" type="pres">
       <dgm:prSet presAssocID="{20BE18DF-2B9A-4C98-8909-5EBCD36C8BEB}" presName="parentText" presStyleLbl="node1" presStyleIdx="3" presStyleCnt="4">
         <dgm:presLayoutVars>
           <dgm:chMax val="0"/>
@@ -7579,12 +7691,8 @@
       </dgm:prSet>
       <dgm:spPr/>
     </dgm:pt>
-    <dgm:pt modelId="{AD1029AE-9A2C-4DC6-8E23-BB453C5F1A1B}" type="pres">
-      <dgm:prSet presAssocID="{20BE18DF-2B9A-4C98-8909-5EBCD36C8BEB}" presName="negativeSpace" presStyleCnt="0"/>
-      <dgm:spPr/>
-    </dgm:pt>
-    <dgm:pt modelId="{4D393F8E-41A3-4E6A-8D66-0738C67B007F}" type="pres">
-      <dgm:prSet presAssocID="{20BE18DF-2B9A-4C98-8909-5EBCD36C8BEB}" presName="childText" presStyleLbl="conFgAcc1" presStyleIdx="3" presStyleCnt="4">
+    <dgm:pt modelId="{C47C903A-4A07-4C58-8D06-DC40D8BFDBAC}" type="pres">
+      <dgm:prSet presAssocID="{20BE18DF-2B9A-4C98-8909-5EBCD36C8BEB}" presName="childText" presStyleLbl="revTx" presStyleIdx="2" presStyleCnt="3">
         <dgm:presLayoutVars>
           <dgm:bulletEnabled val="1"/>
         </dgm:presLayoutVars>
@@ -7593,60 +7701,43 @@
     </dgm:pt>
   </dgm:ptLst>
   <dgm:cxnLst>
+    <dgm:cxn modelId="{8DB4660B-E1DC-46C9-A9DE-AC3B860729F0}" type="presOf" srcId="{C382E757-AC4F-4C13-BDC5-788CA6D63F1E}" destId="{6DA9F45C-9307-4B82-A1D0-E6EC1C560781}" srcOrd="0" destOrd="2" presId="urn:microsoft.com/office/officeart/2005/8/layout/vList2"/>
+    <dgm:cxn modelId="{38C47915-B41B-47BC-8188-7B81A70D05B7}" type="presOf" srcId="{0A39BE8C-7823-4861-8E1F-7108FE11CAAF}" destId="{81FA2BD1-DE0E-438E-A65A-8BDDF6ED8325}" srcOrd="0" destOrd="0" presId="urn:microsoft.com/office/officeart/2005/8/layout/vList2"/>
+    <dgm:cxn modelId="{ADE74830-2722-433B-AD6B-F2550176825F}" type="presOf" srcId="{EFDD412A-A5A1-4771-B2F2-A6484DF1F718}" destId="{5D7299FB-5035-4265-B8B8-C00F7EADFD07}" srcOrd="0" destOrd="0" presId="urn:microsoft.com/office/officeart/2005/8/layout/vList2"/>
     <dgm:cxn modelId="{386E6E35-5A80-4A54-AB5A-BC183AD03261}" srcId="{6577BACC-75B4-4D69-B358-9C8238ADC97D}" destId="{09E53931-68A4-4FDD-8DEB-34B2BD9D36AD}" srcOrd="2" destOrd="0" parTransId="{4AECD400-67FB-4E3B-B677-E9E60B40B439}" sibTransId="{2BB49F89-0BD4-41CA-A42F-15C851F9B0DC}"/>
-    <dgm:cxn modelId="{EE25BA3F-7FB0-4D40-B2B2-70D899FC5C9D}" type="presOf" srcId="{09E53931-68A4-4FDD-8DEB-34B2BD9D36AD}" destId="{2E7B66DB-5302-4262-9B59-7362E055A5BE}" srcOrd="0" destOrd="0" presId="urn:microsoft.com/office/officeart/2005/8/layout/list1"/>
-    <dgm:cxn modelId="{3B713E5B-2BE7-4047-B50B-4C1078670B85}" type="presOf" srcId="{0A39BE8C-7823-4861-8E1F-7108FE11CAAF}" destId="{0787429D-61CA-4643-8B45-490FDBCF723F}" srcOrd="0" destOrd="0" presId="urn:microsoft.com/office/officeart/2005/8/layout/list1"/>
+    <dgm:cxn modelId="{0E728741-FAA8-446E-8EF0-70FB0BB5C7C8}" type="presOf" srcId="{ADD9FA80-C1CA-4655-914D-190AD6CFB09D}" destId="{5D7299FB-5035-4265-B8B8-C00F7EADFD07}" srcOrd="0" destOrd="1" presId="urn:microsoft.com/office/officeart/2005/8/layout/vList2"/>
     <dgm:cxn modelId="{FEE5A566-A49E-415B-B028-361D1114E873}" srcId="{90A44F62-D379-4829-9646-8F3D84DB4591}" destId="{ADD9FA80-C1CA-4655-914D-190AD6CFB09D}" srcOrd="1" destOrd="0" parTransId="{F40619CD-B90C-44E5-B64E-D89EFE197616}" sibTransId="{E39EC457-E87C-46D9-9BCF-61F86146081D}"/>
-    <dgm:cxn modelId="{524D7C67-DC4D-4FD8-8CD2-1B1193D1A7CF}" type="presOf" srcId="{259BD290-42E3-4272-8018-974A1E1AB60A}" destId="{B7130720-2FA9-488E-A39D-A1AD0E44E37C}" srcOrd="0" destOrd="1" presId="urn:microsoft.com/office/officeart/2005/8/layout/list1"/>
+    <dgm:cxn modelId="{6774846D-5E21-45C9-A6D1-E9B35645E893}" type="presOf" srcId="{20BE18DF-2B9A-4C98-8909-5EBCD36C8BEB}" destId="{DD16A68C-DE34-4E41-B222-1C18094B2510}" srcOrd="0" destOrd="0" presId="urn:microsoft.com/office/officeart/2005/8/layout/vList2"/>
     <dgm:cxn modelId="{2BC4846F-FE5B-4DB1-AE09-8CA714DB7D07}" srcId="{6577BACC-75B4-4D69-B358-9C8238ADC97D}" destId="{0A39BE8C-7823-4861-8E1F-7108FE11CAAF}" srcOrd="1" destOrd="0" parTransId="{D4511330-1CCE-4937-8432-AE9F1D682278}" sibTransId="{81C69FFC-5DB3-46C8-81A4-B661C5471B8B}"/>
-    <dgm:cxn modelId="{1CEE9074-01BB-4305-9DC6-69BF40143665}" type="presOf" srcId="{90A44F62-D379-4829-9646-8F3D84DB4591}" destId="{21F8282F-43DB-4E88-809C-703D6EEE5D07}" srcOrd="0" destOrd="0" presId="urn:microsoft.com/office/officeart/2005/8/layout/list1"/>
     <dgm:cxn modelId="{522CD879-C6BA-4C28-86A8-F42933722B0E}" srcId="{90A44F62-D379-4829-9646-8F3D84DB4591}" destId="{EFDD412A-A5A1-4771-B2F2-A6484DF1F718}" srcOrd="0" destOrd="0" parTransId="{B1BF1A46-6B8C-4A6E-B110-7A2E9BB6B744}" sibTransId="{D9DAC7E7-2593-4D57-9F01-BC6D08583CE3}"/>
-    <dgm:cxn modelId="{852DB87B-5E2C-4E2F-874A-A32DA9C9743C}" type="presOf" srcId="{EFDD412A-A5A1-4771-B2F2-A6484DF1F718}" destId="{DDBE7DDA-C54A-4E77-9C0E-236A2138C740}" srcOrd="0" destOrd="0" presId="urn:microsoft.com/office/officeart/2005/8/layout/list1"/>
-    <dgm:cxn modelId="{C4E2D07F-D6B6-4B7D-B525-87D6C1905F44}" type="presOf" srcId="{C382E757-AC4F-4C13-BDC5-788CA6D63F1E}" destId="{B7130720-2FA9-488E-A39D-A1AD0E44E37C}" srcOrd="0" destOrd="2" presId="urn:microsoft.com/office/officeart/2005/8/layout/list1"/>
-    <dgm:cxn modelId="{00EB3384-C6A4-4FAE-B4C2-1C601328C7CA}" type="presOf" srcId="{0A39BE8C-7823-4861-8E1F-7108FE11CAAF}" destId="{D4997E33-087F-47A9-B277-8DDBB56798CD}" srcOrd="1" destOrd="0" presId="urn:microsoft.com/office/officeart/2005/8/layout/list1"/>
+    <dgm:cxn modelId="{0EFAED7E-BDBB-4E7C-BC9F-7F893D14A144}" type="presOf" srcId="{28064768-FD52-408A-9A44-E645459E3C68}" destId="{6DA9F45C-9307-4B82-A1D0-E6EC1C560781}" srcOrd="0" destOrd="0" presId="urn:microsoft.com/office/officeart/2005/8/layout/vList2"/>
     <dgm:cxn modelId="{1726F385-D6F7-4858-9E7C-F85C6AFEEF3F}" srcId="{6577BACC-75B4-4D69-B358-9C8238ADC97D}" destId="{20BE18DF-2B9A-4C98-8909-5EBCD36C8BEB}" srcOrd="3" destOrd="0" parTransId="{3593AC92-4CEB-4E13-89A9-4250B8A0B698}" sibTransId="{07CEBF50-7703-4DC0-A469-F863FF402388}"/>
-    <dgm:cxn modelId="{D5B13893-066E-4C51-8E50-03B52E41A76F}" type="presOf" srcId="{09E53931-68A4-4FDD-8DEB-34B2BD9D36AD}" destId="{D449F2AD-B3C2-47E4-9884-610DB2E6043A}" srcOrd="1" destOrd="0" presId="urn:microsoft.com/office/officeart/2005/8/layout/list1"/>
-    <dgm:cxn modelId="{C7C3D994-08F0-4742-A337-562B1A128692}" type="presOf" srcId="{28064768-FD52-408A-9A44-E645459E3C68}" destId="{B7130720-2FA9-488E-A39D-A1AD0E44E37C}" srcOrd="0" destOrd="0" presId="urn:microsoft.com/office/officeart/2005/8/layout/list1"/>
     <dgm:cxn modelId="{C5F1A0A9-1517-4C11-9908-BF7E634B3738}" srcId="{20BE18DF-2B9A-4C98-8909-5EBCD36C8BEB}" destId="{DDC8F63F-6BFB-481B-8834-8EF104CC2C73}" srcOrd="0" destOrd="0" parTransId="{3D406928-CE87-4AEC-8D09-60FA8D02C0F1}" sibTransId="{9FD66CE6-F756-4960-8FC3-12B26A14E1DE}"/>
     <dgm:cxn modelId="{A1B0C6AC-403A-4C03-B94E-A0942913C2A3}" srcId="{09E53931-68A4-4FDD-8DEB-34B2BD9D36AD}" destId="{28064768-FD52-408A-9A44-E645459E3C68}" srcOrd="0" destOrd="0" parTransId="{5EE6F17E-F39C-4E74-8E46-41B889E5BFB0}" sibTransId="{BCDC068F-AE8E-4D5E-AC66-8EBBF00EF9B2}"/>
-    <dgm:cxn modelId="{76D3CFAE-CE40-45D9-95FD-995C87CF8C45}" type="presOf" srcId="{DDC8F63F-6BFB-481B-8834-8EF104CC2C73}" destId="{4D393F8E-41A3-4E6A-8D66-0738C67B007F}" srcOrd="0" destOrd="0" presId="urn:microsoft.com/office/officeart/2005/8/layout/list1"/>
-    <dgm:cxn modelId="{1BB0F5AF-0E38-4292-B9E0-1AC39FEB9927}" type="presOf" srcId="{90A44F62-D379-4829-9646-8F3D84DB4591}" destId="{44E00770-1933-4FFE-8BEB-337791873053}" srcOrd="1" destOrd="0" presId="urn:microsoft.com/office/officeart/2005/8/layout/list1"/>
-    <dgm:cxn modelId="{6C30CAB4-3176-4C3F-BB0C-B74D5ED2DF7E}" type="presOf" srcId="{20BE18DF-2B9A-4C98-8909-5EBCD36C8BEB}" destId="{9D8B47F4-F0C1-4BF8-A2BF-006B802F053F}" srcOrd="0" destOrd="0" presId="urn:microsoft.com/office/officeart/2005/8/layout/list1"/>
-    <dgm:cxn modelId="{B2B183B9-6F59-4EE1-9435-8BB1FB3DE889}" type="presOf" srcId="{20BE18DF-2B9A-4C98-8909-5EBCD36C8BEB}" destId="{F1E68C60-98C0-42D9-B6B2-B377A6369007}" srcOrd="1" destOrd="0" presId="urn:microsoft.com/office/officeart/2005/8/layout/list1"/>
-    <dgm:cxn modelId="{E8AB3DD1-93A3-4921-9DCC-829284FD3640}" type="presOf" srcId="{6577BACC-75B4-4D69-B358-9C8238ADC97D}" destId="{A682BB34-1807-4517-AE0D-69B51C95D08B}" srcOrd="0" destOrd="0" presId="urn:microsoft.com/office/officeart/2005/8/layout/list1"/>
+    <dgm:cxn modelId="{98315DC8-3BBB-4F86-9B2D-2D11A206B8D6}" type="presOf" srcId="{90A44F62-D379-4829-9646-8F3D84DB4591}" destId="{A5DACFCE-8925-475D-9087-2939DC9D2C08}" srcOrd="0" destOrd="0" presId="urn:microsoft.com/office/officeart/2005/8/layout/vList2"/>
+    <dgm:cxn modelId="{EB02A4C8-A2A7-4068-90DA-3A050430E621}" type="presOf" srcId="{259BD290-42E3-4272-8018-974A1E1AB60A}" destId="{6DA9F45C-9307-4B82-A1D0-E6EC1C560781}" srcOrd="0" destOrd="1" presId="urn:microsoft.com/office/officeart/2005/8/layout/vList2"/>
+    <dgm:cxn modelId="{3CB373CD-030B-489A-B520-0B348B917D00}" type="presOf" srcId="{09E53931-68A4-4FDD-8DEB-34B2BD9D36AD}" destId="{96B6736F-C4B6-4A15-8B53-031A9DF728C3}" srcOrd="0" destOrd="0" presId="urn:microsoft.com/office/officeart/2005/8/layout/vList2"/>
     <dgm:cxn modelId="{EDB860D3-2F05-4E00-9F74-663D577842BC}" srcId="{09E53931-68A4-4FDD-8DEB-34B2BD9D36AD}" destId="{259BD290-42E3-4272-8018-974A1E1AB60A}" srcOrd="1" destOrd="0" parTransId="{60C52482-FC7F-404F-84A2-EF26AF25C985}" sibTransId="{CA71D3F5-B706-4BAB-A02C-115344DCF25A}"/>
-    <dgm:cxn modelId="{FB4875E5-F2F9-44BB-9EE5-AC5E6704C4B6}" type="presOf" srcId="{ADD9FA80-C1CA-4655-914D-190AD6CFB09D}" destId="{DDBE7DDA-C54A-4E77-9C0E-236A2138C740}" srcOrd="0" destOrd="1" presId="urn:microsoft.com/office/officeart/2005/8/layout/list1"/>
     <dgm:cxn modelId="{5D98BEE8-22AF-45B0-9A37-73D85FA0FE20}" srcId="{09E53931-68A4-4FDD-8DEB-34B2BD9D36AD}" destId="{C382E757-AC4F-4C13-BDC5-788CA6D63F1E}" srcOrd="2" destOrd="0" parTransId="{0DC40B41-7B76-4F0A-A931-6DADB409F664}" sibTransId="{89E766F1-EB23-49B4-8D68-D4A1CAACAFDF}"/>
+    <dgm:cxn modelId="{F790AAF4-2A08-47DE-9C21-2348449816A4}" type="presOf" srcId="{6577BACC-75B4-4D69-B358-9C8238ADC97D}" destId="{BA3E7272-BA89-46BC-AFA0-853006326ECF}" srcOrd="0" destOrd="0" presId="urn:microsoft.com/office/officeart/2005/8/layout/vList2"/>
     <dgm:cxn modelId="{661F8EF9-40EE-4FE7-BB77-DBCC8B442663}" srcId="{6577BACC-75B4-4D69-B358-9C8238ADC97D}" destId="{90A44F62-D379-4829-9646-8F3D84DB4591}" srcOrd="0" destOrd="0" parTransId="{B14748BE-F512-4C5B-964E-7A52040354FB}" sibTransId="{7548BF5E-0DCC-4526-A440-B96DF0C037B5}"/>
-    <dgm:cxn modelId="{559183EA-84E7-4D78-B20B-95F7321CD832}" type="presParOf" srcId="{A682BB34-1807-4517-AE0D-69B51C95D08B}" destId="{71971D2E-FF3E-4CB4-8916-E7F73015F39C}" srcOrd="0" destOrd="0" presId="urn:microsoft.com/office/officeart/2005/8/layout/list1"/>
-    <dgm:cxn modelId="{3EA9BD90-D1C0-4C03-B4AF-83BBC6EB3EC8}" type="presParOf" srcId="{71971D2E-FF3E-4CB4-8916-E7F73015F39C}" destId="{21F8282F-43DB-4E88-809C-703D6EEE5D07}" srcOrd="0" destOrd="0" presId="urn:microsoft.com/office/officeart/2005/8/layout/list1"/>
-    <dgm:cxn modelId="{04AA00B1-4250-463F-A341-A4B7F04BCA93}" type="presParOf" srcId="{71971D2E-FF3E-4CB4-8916-E7F73015F39C}" destId="{44E00770-1933-4FFE-8BEB-337791873053}" srcOrd="1" destOrd="0" presId="urn:microsoft.com/office/officeart/2005/8/layout/list1"/>
-    <dgm:cxn modelId="{D28271D6-B189-4CBF-B18A-8778C9655C78}" type="presParOf" srcId="{A682BB34-1807-4517-AE0D-69B51C95D08B}" destId="{4316725C-11C6-4BA5-A803-8CAC172A2BDE}" srcOrd="1" destOrd="0" presId="urn:microsoft.com/office/officeart/2005/8/layout/list1"/>
-    <dgm:cxn modelId="{497F6CE6-6F94-4313-BFEB-BBD79B54FCD0}" type="presParOf" srcId="{A682BB34-1807-4517-AE0D-69B51C95D08B}" destId="{DDBE7DDA-C54A-4E77-9C0E-236A2138C740}" srcOrd="2" destOrd="0" presId="urn:microsoft.com/office/officeart/2005/8/layout/list1"/>
-    <dgm:cxn modelId="{0DC2D6E0-1CCE-4398-AB50-01857A161704}" type="presParOf" srcId="{A682BB34-1807-4517-AE0D-69B51C95D08B}" destId="{24FDB3AE-CCB5-4420-9A4B-213E4A568FC6}" srcOrd="3" destOrd="0" presId="urn:microsoft.com/office/officeart/2005/8/layout/list1"/>
-    <dgm:cxn modelId="{1168328B-1F39-4B6E-AA5B-CFAB411985D2}" type="presParOf" srcId="{A682BB34-1807-4517-AE0D-69B51C95D08B}" destId="{0D18D061-F5E2-4A0F-98D0-1614333EB763}" srcOrd="4" destOrd="0" presId="urn:microsoft.com/office/officeart/2005/8/layout/list1"/>
-    <dgm:cxn modelId="{8F2515E4-F837-4860-AF65-C6206CFD5CE8}" type="presParOf" srcId="{0D18D061-F5E2-4A0F-98D0-1614333EB763}" destId="{0787429D-61CA-4643-8B45-490FDBCF723F}" srcOrd="0" destOrd="0" presId="urn:microsoft.com/office/officeart/2005/8/layout/list1"/>
-    <dgm:cxn modelId="{14359131-C7C5-4A6D-8B88-F758638654D7}" type="presParOf" srcId="{0D18D061-F5E2-4A0F-98D0-1614333EB763}" destId="{D4997E33-087F-47A9-B277-8DDBB56798CD}" srcOrd="1" destOrd="0" presId="urn:microsoft.com/office/officeart/2005/8/layout/list1"/>
-    <dgm:cxn modelId="{B2689A32-3E85-4829-9A1D-EEC5A153ADAC}" type="presParOf" srcId="{A682BB34-1807-4517-AE0D-69B51C95D08B}" destId="{31AF231B-4C34-4486-B59E-30E0FEFF83B0}" srcOrd="5" destOrd="0" presId="urn:microsoft.com/office/officeart/2005/8/layout/list1"/>
-    <dgm:cxn modelId="{73503256-C4D5-46B1-9BB1-830C47188864}" type="presParOf" srcId="{A682BB34-1807-4517-AE0D-69B51C95D08B}" destId="{48330ADF-792E-4D1B-A1E7-1F7BBCFD752A}" srcOrd="6" destOrd="0" presId="urn:microsoft.com/office/officeart/2005/8/layout/list1"/>
-    <dgm:cxn modelId="{6EFC7AD9-7B5C-49F9-88BD-98F2C78FCB0E}" type="presParOf" srcId="{A682BB34-1807-4517-AE0D-69B51C95D08B}" destId="{14AE8E15-2111-4A5C-B263-2895FC387964}" srcOrd="7" destOrd="0" presId="urn:microsoft.com/office/officeart/2005/8/layout/list1"/>
-    <dgm:cxn modelId="{11757D96-917E-44F6-B849-AAD3CB4BC906}" type="presParOf" srcId="{A682BB34-1807-4517-AE0D-69B51C95D08B}" destId="{D6C55620-1824-451E-8E72-FAE5685C16D6}" srcOrd="8" destOrd="0" presId="urn:microsoft.com/office/officeart/2005/8/layout/list1"/>
-    <dgm:cxn modelId="{962D7BA3-4A58-4F5A-B214-8D9B079CFA19}" type="presParOf" srcId="{D6C55620-1824-451E-8E72-FAE5685C16D6}" destId="{2E7B66DB-5302-4262-9B59-7362E055A5BE}" srcOrd="0" destOrd="0" presId="urn:microsoft.com/office/officeart/2005/8/layout/list1"/>
-    <dgm:cxn modelId="{964C2EE0-D5ED-4FE0-95D8-E9C13F92090D}" type="presParOf" srcId="{D6C55620-1824-451E-8E72-FAE5685C16D6}" destId="{D449F2AD-B3C2-47E4-9884-610DB2E6043A}" srcOrd="1" destOrd="0" presId="urn:microsoft.com/office/officeart/2005/8/layout/list1"/>
-    <dgm:cxn modelId="{958CA056-5213-428D-A3F7-87A290E805F0}" type="presParOf" srcId="{A682BB34-1807-4517-AE0D-69B51C95D08B}" destId="{5DF1DFEA-25AA-4024-8E59-B166D7E3A005}" srcOrd="9" destOrd="0" presId="urn:microsoft.com/office/officeart/2005/8/layout/list1"/>
-    <dgm:cxn modelId="{49DF45D7-0ECB-4369-99F9-0A015D7F0054}" type="presParOf" srcId="{A682BB34-1807-4517-AE0D-69B51C95D08B}" destId="{B7130720-2FA9-488E-A39D-A1AD0E44E37C}" srcOrd="10" destOrd="0" presId="urn:microsoft.com/office/officeart/2005/8/layout/list1"/>
-    <dgm:cxn modelId="{0DEE7791-BBD0-42DA-8EED-454815CEBA57}" type="presParOf" srcId="{A682BB34-1807-4517-AE0D-69B51C95D08B}" destId="{5312B408-0DFE-4BB4-96F3-75D7745904B9}" srcOrd="11" destOrd="0" presId="urn:microsoft.com/office/officeart/2005/8/layout/list1"/>
-    <dgm:cxn modelId="{2BA3C906-6BCD-4D72-8DC7-2175B649546B}" type="presParOf" srcId="{A682BB34-1807-4517-AE0D-69B51C95D08B}" destId="{F64807D1-0202-49F9-BC6F-6642BFFCA670}" srcOrd="12" destOrd="0" presId="urn:microsoft.com/office/officeart/2005/8/layout/list1"/>
-    <dgm:cxn modelId="{108B4605-0269-47C0-AA99-15395DB689E7}" type="presParOf" srcId="{F64807D1-0202-49F9-BC6F-6642BFFCA670}" destId="{9D8B47F4-F0C1-4BF8-A2BF-006B802F053F}" srcOrd="0" destOrd="0" presId="urn:microsoft.com/office/officeart/2005/8/layout/list1"/>
-    <dgm:cxn modelId="{1F9BF4CC-6B1B-415F-85FA-6C204C40DE1D}" type="presParOf" srcId="{F64807D1-0202-49F9-BC6F-6642BFFCA670}" destId="{F1E68C60-98C0-42D9-B6B2-B377A6369007}" srcOrd="1" destOrd="0" presId="urn:microsoft.com/office/officeart/2005/8/layout/list1"/>
-    <dgm:cxn modelId="{62BD3344-8373-4150-A476-A844D0171C4F}" type="presParOf" srcId="{A682BB34-1807-4517-AE0D-69B51C95D08B}" destId="{AD1029AE-9A2C-4DC6-8E23-BB453C5F1A1B}" srcOrd="13" destOrd="0" presId="urn:microsoft.com/office/officeart/2005/8/layout/list1"/>
-    <dgm:cxn modelId="{516CDFCC-FEB9-4FC9-9DBA-D6A91F8D74D5}" type="presParOf" srcId="{A682BB34-1807-4517-AE0D-69B51C95D08B}" destId="{4D393F8E-41A3-4E6A-8D66-0738C67B007F}" srcOrd="14" destOrd="0" presId="urn:microsoft.com/office/officeart/2005/8/layout/list1"/>
+    <dgm:cxn modelId="{EA8B3FFE-2020-4623-A810-6CC4AEFDDA3F}" type="presOf" srcId="{DDC8F63F-6BFB-481B-8834-8EF104CC2C73}" destId="{C47C903A-4A07-4C58-8D06-DC40D8BFDBAC}" srcOrd="0" destOrd="0" presId="urn:microsoft.com/office/officeart/2005/8/layout/vList2"/>
+    <dgm:cxn modelId="{35374677-E7DF-4451-A0D3-7465DA1BC020}" type="presParOf" srcId="{BA3E7272-BA89-46BC-AFA0-853006326ECF}" destId="{A5DACFCE-8925-475D-9087-2939DC9D2C08}" srcOrd="0" destOrd="0" presId="urn:microsoft.com/office/officeart/2005/8/layout/vList2"/>
+    <dgm:cxn modelId="{7B398505-B9E5-4027-84F6-358A75BB6A38}" type="presParOf" srcId="{BA3E7272-BA89-46BC-AFA0-853006326ECF}" destId="{5D7299FB-5035-4265-B8B8-C00F7EADFD07}" srcOrd="1" destOrd="0" presId="urn:microsoft.com/office/officeart/2005/8/layout/vList2"/>
+    <dgm:cxn modelId="{B2C76BED-AC40-4495-8CDE-E24C28C0DCB0}" type="presParOf" srcId="{BA3E7272-BA89-46BC-AFA0-853006326ECF}" destId="{81FA2BD1-DE0E-438E-A65A-8BDDF6ED8325}" srcOrd="2" destOrd="0" presId="urn:microsoft.com/office/officeart/2005/8/layout/vList2"/>
+    <dgm:cxn modelId="{D8C05769-2C6F-43CB-BC61-4D4676B862C6}" type="presParOf" srcId="{BA3E7272-BA89-46BC-AFA0-853006326ECF}" destId="{2763815B-457A-4FA4-B16E-E0934C34B17B}" srcOrd="3" destOrd="0" presId="urn:microsoft.com/office/officeart/2005/8/layout/vList2"/>
+    <dgm:cxn modelId="{0AB97D89-8D92-4340-8014-CFCECDABDB2D}" type="presParOf" srcId="{BA3E7272-BA89-46BC-AFA0-853006326ECF}" destId="{96B6736F-C4B6-4A15-8B53-031A9DF728C3}" srcOrd="4" destOrd="0" presId="urn:microsoft.com/office/officeart/2005/8/layout/vList2"/>
+    <dgm:cxn modelId="{A9B75C6F-4192-4B9E-9C41-9D806BFE16BA}" type="presParOf" srcId="{BA3E7272-BA89-46BC-AFA0-853006326ECF}" destId="{6DA9F45C-9307-4B82-A1D0-E6EC1C560781}" srcOrd="5" destOrd="0" presId="urn:microsoft.com/office/officeart/2005/8/layout/vList2"/>
+    <dgm:cxn modelId="{84534A11-69F5-4296-9C98-D465049D5C00}" type="presParOf" srcId="{BA3E7272-BA89-46BC-AFA0-853006326ECF}" destId="{DD16A68C-DE34-4E41-B222-1C18094B2510}" srcOrd="6" destOrd="0" presId="urn:microsoft.com/office/officeart/2005/8/layout/vList2"/>
+    <dgm:cxn modelId="{373016B8-196D-48A5-9D7B-B04B442964AA}" type="presParOf" srcId="{BA3E7272-BA89-46BC-AFA0-853006326ECF}" destId="{C47C903A-4A07-4C58-8D06-DC40D8BFDBAC}" srcOrd="7" destOrd="0" presId="urn:microsoft.com/office/officeart/2005/8/layout/vList2"/>
   </dgm:cxnLst>
-  <dgm:bg/>
+  <dgm:bg>
+    <a:noFill/>
+  </dgm:bg>
   <dgm:whole/>
   <dgm:extLst>
     <a:ext uri="http://schemas.microsoft.com/office/drawing/2008/diagram">
-      <dsp:dataModelExt xmlns:dsp="http://schemas.microsoft.com/office/drawing/2008/diagram" relId="rId6" minVer="http://schemas.openxmlformats.org/drawingml/2006/diagram"/>
+      <dsp:dataModelExt xmlns:dsp="http://schemas.microsoft.com/office/drawing/2008/diagram" relId="rId7" minVer="http://schemas.openxmlformats.org/drawingml/2006/diagram"/>
     </a:ext>
   </dgm:extLst>
 </dgm:dataModel>
@@ -11254,115 +11345,21 @@
       <dsp:cNvGrpSpPr/>
     </dsp:nvGrpSpPr>
     <dsp:grpSpPr/>
-    <dsp:sp modelId="{DDBE7DDA-C54A-4E77-9C0E-236A2138C740}">
+    <dsp:sp modelId="{A5DACFCE-8925-475D-9087-2939DC9D2C08}">
       <dsp:nvSpPr>
         <dsp:cNvPr id="0" name=""/>
         <dsp:cNvSpPr/>
       </dsp:nvSpPr>
       <dsp:spPr>
         <a:xfrm>
-          <a:off x="0" y="641229"/>
-          <a:ext cx="6832212" cy="957600"/>
-        </a:xfrm>
-        <a:prstGeom prst="rect">
-          <a:avLst/>
-        </a:prstGeom>
-        <a:solidFill>
-          <a:schemeClr val="lt1">
-            <a:alpha val="90000"/>
-            <a:hueOff val="0"/>
-            <a:satOff val="0"/>
-            <a:lumOff val="0"/>
-            <a:alphaOff val="0"/>
-          </a:schemeClr>
-        </a:solidFill>
-        <a:ln w="15875" cap="rnd" cmpd="sng" algn="ctr">
-          <a:solidFill>
-            <a:schemeClr val="accent1">
-              <a:hueOff val="0"/>
-              <a:satOff val="0"/>
-              <a:lumOff val="0"/>
-              <a:alphaOff val="0"/>
-            </a:schemeClr>
-          </a:solidFill>
-          <a:prstDash val="solid"/>
-        </a:ln>
-        <a:effectLst/>
-      </dsp:spPr>
-      <dsp:style>
-        <a:lnRef idx="2">
-          <a:scrgbClr r="0" g="0" b="0"/>
-        </a:lnRef>
-        <a:fillRef idx="1">
-          <a:scrgbClr r="0" g="0" b="0"/>
-        </a:fillRef>
-        <a:effectRef idx="0">
-          <a:scrgbClr r="0" g="0" b="0"/>
-        </a:effectRef>
-        <a:fontRef idx="minor"/>
-      </dsp:style>
-      <dsp:txBody>
-        <a:bodyPr spcFirstLastPara="0" vert="horz" wrap="square" lIns="530256" tIns="333248" rIns="530256" bIns="113792" numCol="1" spcCol="1270" anchor="t" anchorCtr="0">
-          <a:noAutofit/>
-        </a:bodyPr>
-        <a:lstStyle/>
-        <a:p>
-          <a:pPr marL="171450" lvl="1" indent="-171450" algn="l" defTabSz="711200">
-            <a:lnSpc>
-              <a:spcPct val="90000"/>
-            </a:lnSpc>
-            <a:spcBef>
-              <a:spcPct val="0"/>
-            </a:spcBef>
-            <a:spcAft>
-              <a:spcPct val="15000"/>
-            </a:spcAft>
-            <a:buChar char="•"/>
-          </a:pPr>
-          <a:r>
-            <a:rPr lang="en-US" sz="1600" kern="1200"/>
-            <a:t>Application Server cache</a:t>
-          </a:r>
-        </a:p>
-        <a:p>
-          <a:pPr marL="171450" lvl="1" indent="-171450" algn="l" defTabSz="711200">
-            <a:lnSpc>
-              <a:spcPct val="90000"/>
-            </a:lnSpc>
-            <a:spcBef>
-              <a:spcPct val="0"/>
-            </a:spcBef>
-            <a:spcAft>
-              <a:spcPct val="15000"/>
-            </a:spcAft>
-            <a:buChar char="•"/>
-          </a:pPr>
-          <a:r>
-            <a:rPr lang="en-US" sz="1600" kern="1200"/>
-            <a:t>Content Distributed Network</a:t>
-          </a:r>
-        </a:p>
-      </dsp:txBody>
-      <dsp:txXfrm>
-        <a:off x="0" y="641229"/>
-        <a:ext cx="6832212" cy="957600"/>
-      </dsp:txXfrm>
-    </dsp:sp>
-    <dsp:sp modelId="{44E00770-1933-4FFE-8BEB-337791873053}">
-      <dsp:nvSpPr>
-        <dsp:cNvPr id="0" name=""/>
-        <dsp:cNvSpPr/>
-      </dsp:nvSpPr>
-      <dsp:spPr>
-        <a:xfrm>
-          <a:off x="341610" y="405069"/>
-          <a:ext cx="4782548" cy="472320"/>
+          <a:off x="0" y="45679"/>
+          <a:ext cx="5835121" cy="479700"/>
         </a:xfrm>
         <a:prstGeom prst="roundRect">
           <a:avLst/>
         </a:prstGeom>
         <a:solidFill>
-          <a:schemeClr val="accent1">
+          <a:schemeClr val="accent2">
             <a:hueOff val="0"/>
             <a:satOff val="0"/>
             <a:lumOff val="0"/>
@@ -11397,12 +11394,12 @@
         </a:fontRef>
       </dsp:style>
       <dsp:txBody>
-        <a:bodyPr spcFirstLastPara="0" vert="horz" wrap="square" lIns="180769" tIns="0" rIns="180769" bIns="0" numCol="1" spcCol="1270" anchor="ctr" anchorCtr="0">
+        <a:bodyPr spcFirstLastPara="0" vert="horz" wrap="square" lIns="76200" tIns="76200" rIns="76200" bIns="76200" numCol="1" spcCol="1270" anchor="ctr" anchorCtr="0">
           <a:noAutofit/>
         </a:bodyPr>
         <a:lstStyle/>
         <a:p>
-          <a:pPr marL="0" lvl="0" indent="0" algn="l" defTabSz="711200">
+          <a:pPr marL="0" lvl="0" indent="0" algn="l" defTabSz="889000">
             <a:lnSpc>
               <a:spcPct val="90000"/>
             </a:lnSpc>
@@ -11415,56 +11412,40 @@
             <a:buNone/>
           </a:pPr>
           <a:r>
-            <a:rPr lang="en-US" sz="1600" kern="1200"/>
+            <a:rPr lang="en-US" sz="2000" kern="1200"/>
             <a:t>Cache type</a:t>
           </a:r>
         </a:p>
       </dsp:txBody>
       <dsp:txXfrm>
-        <a:off x="364667" y="428126"/>
-        <a:ext cx="4736434" cy="426206"/>
+        <a:off x="23417" y="69096"/>
+        <a:ext cx="5788287" cy="432866"/>
       </dsp:txXfrm>
     </dsp:sp>
-    <dsp:sp modelId="{48330ADF-792E-4D1B-A1E7-1F7BBCFD752A}">
+    <dsp:sp modelId="{5D7299FB-5035-4265-B8B8-C00F7EADFD07}">
       <dsp:nvSpPr>
         <dsp:cNvPr id="0" name=""/>
         <dsp:cNvSpPr/>
       </dsp:nvSpPr>
       <dsp:spPr>
         <a:xfrm>
-          <a:off x="0" y="1921389"/>
-          <a:ext cx="6832212" cy="403200"/>
+          <a:off x="0" y="525379"/>
+          <a:ext cx="5835121" cy="558900"/>
         </a:xfrm>
         <a:prstGeom prst="rect">
           <a:avLst/>
         </a:prstGeom>
-        <a:solidFill>
-          <a:schemeClr val="lt1">
-            <a:alpha val="90000"/>
-            <a:hueOff val="0"/>
-            <a:satOff val="0"/>
-            <a:lumOff val="0"/>
-            <a:alphaOff val="0"/>
-          </a:schemeClr>
-        </a:solidFill>
-        <a:ln w="15875" cap="rnd" cmpd="sng" algn="ctr">
-          <a:solidFill>
-            <a:schemeClr val="accent1">
-              <a:hueOff val="0"/>
-              <a:satOff val="0"/>
-              <a:lumOff val="0"/>
-              <a:alphaOff val="0"/>
-            </a:schemeClr>
-          </a:solidFill>
-          <a:prstDash val="solid"/>
+        <a:noFill/>
+        <a:ln>
+          <a:noFill/>
         </a:ln>
         <a:effectLst/>
       </dsp:spPr>
       <dsp:style>
-        <a:lnRef idx="2">
+        <a:lnRef idx="0">
           <a:scrgbClr r="0" g="0" b="0"/>
         </a:lnRef>
-        <a:fillRef idx="1">
+        <a:fillRef idx="0">
           <a:scrgbClr r="0" g="0" b="0"/>
         </a:fillRef>
         <a:effectRef idx="0">
@@ -11472,22 +11453,68 @@
         </a:effectRef>
         <a:fontRef idx="minor"/>
       </dsp:style>
+      <dsp:txBody>
+        <a:bodyPr spcFirstLastPara="0" vert="horz" wrap="square" lIns="185265" tIns="25400" rIns="142240" bIns="25400" numCol="1" spcCol="1270" anchor="t" anchorCtr="0">
+          <a:noAutofit/>
+        </a:bodyPr>
+        <a:lstStyle/>
+        <a:p>
+          <a:pPr marL="171450" lvl="1" indent="-171450" algn="l" defTabSz="711200">
+            <a:lnSpc>
+              <a:spcPct val="90000"/>
+            </a:lnSpc>
+            <a:spcBef>
+              <a:spcPct val="0"/>
+            </a:spcBef>
+            <a:spcAft>
+              <a:spcPct val="20000"/>
+            </a:spcAft>
+            <a:buChar char="•"/>
+          </a:pPr>
+          <a:r>
+            <a:rPr lang="en-US" sz="1600" kern="1200"/>
+            <a:t>Application Server cache</a:t>
+          </a:r>
+        </a:p>
+        <a:p>
+          <a:pPr marL="171450" lvl="1" indent="-171450" algn="l" defTabSz="711200">
+            <a:lnSpc>
+              <a:spcPct val="90000"/>
+            </a:lnSpc>
+            <a:spcBef>
+              <a:spcPct val="0"/>
+            </a:spcBef>
+            <a:spcAft>
+              <a:spcPct val="20000"/>
+            </a:spcAft>
+            <a:buChar char="•"/>
+          </a:pPr>
+          <a:r>
+            <a:rPr lang="en-US" sz="1600" kern="1200"/>
+            <a:t>Content Distributed Network</a:t>
+          </a:r>
+        </a:p>
+      </dsp:txBody>
+      <dsp:txXfrm>
+        <a:off x="0" y="525379"/>
+        <a:ext cx="5835121" cy="558900"/>
+      </dsp:txXfrm>
     </dsp:sp>
-    <dsp:sp modelId="{D4997E33-087F-47A9-B277-8DDBB56798CD}">
+    <dsp:sp modelId="{81FA2BD1-DE0E-438E-A65A-8BDDF6ED8325}">
       <dsp:nvSpPr>
         <dsp:cNvPr id="0" name=""/>
         <dsp:cNvSpPr/>
       </dsp:nvSpPr>
       <dsp:spPr>
         <a:xfrm>
-          <a:off x="341610" y="1685229"/>
-          <a:ext cx="4782548" cy="472320"/>
+          <a:off x="0" y="1084279"/>
+          <a:ext cx="5835121" cy="479700"/>
         </a:xfrm>
         <a:prstGeom prst="roundRect">
           <a:avLst/>
         </a:prstGeom>
         <a:solidFill>
-          <a:schemeClr val="accent1">
+          <a:schemeClr val="accent3">
             <a:hueOff val="0"/>
             <a:satOff val="0"/>
             <a:lumOff val="0"/>
@@ -11522,12 +11549,12 @@
         </a:fontRef>
       </dsp:style>
       <dsp:txBody>
-        <a:bodyPr spcFirstLastPara="0" vert="horz" wrap="square" lIns="180769" tIns="0" rIns="180769" bIns="0" numCol="1" spcCol="1270" anchor="ctr" anchorCtr="0">
+        <a:bodyPr spcFirstLastPara="0" vert="horz" wrap="square" lIns="76200" tIns="76200" rIns="76200" bIns="76200" numCol="1" spcCol="1270" anchor="ctr" anchorCtr="0">
           <a:noAutofit/>
         </a:bodyPr>
         <a:lstStyle/>
         <a:p>
-          <a:pPr marL="0" lvl="0" indent="0" algn="l" defTabSz="711200">
+          <a:pPr marL="0" lvl="0" indent="0" algn="l" defTabSz="889000">
             <a:lnSpc>
               <a:spcPct val="90000"/>
             </a:lnSpc>
@@ -11540,143 +11567,31 @@
             <a:buNone/>
           </a:pPr>
           <a:r>
-            <a:rPr lang="en-US" sz="1600" kern="1200"/>
+            <a:rPr lang="en-US" sz="2000" kern="1200"/>
             <a:t>Distributed cache and cache consistency</a:t>
           </a:r>
         </a:p>
       </dsp:txBody>
       <dsp:txXfrm>
-        <a:off x="364667" y="1708286"/>
-        <a:ext cx="4736434" cy="426206"/>
+        <a:off x="23417" y="1107696"/>
+        <a:ext cx="5788287" cy="432866"/>
       </dsp:txXfrm>
     </dsp:sp>
-    <dsp:sp modelId="{B7130720-2FA9-488E-A39D-A1AD0E44E37C}">
+    <dsp:sp modelId="{96B6736F-C4B6-4A15-8B53-031A9DF728C3}">
       <dsp:nvSpPr>
         <dsp:cNvPr id="0" name=""/>
         <dsp:cNvSpPr/>
       </dsp:nvSpPr>
       <dsp:spPr>
         <a:xfrm>
-          <a:off x="0" y="2647149"/>
-          <a:ext cx="6832212" cy="1209600"/>
-        </a:xfrm>
-        <a:prstGeom prst="rect">
-          <a:avLst/>
-        </a:prstGeom>
-        <a:solidFill>
-          <a:schemeClr val="lt1">
-            <a:alpha val="90000"/>
-            <a:hueOff val="0"/>
-            <a:satOff val="0"/>
-            <a:lumOff val="0"/>
-            <a:alphaOff val="0"/>
-          </a:schemeClr>
-        </a:solidFill>
-        <a:ln w="15875" cap="rnd" cmpd="sng" algn="ctr">
-          <a:solidFill>
-            <a:schemeClr val="accent1">
-              <a:hueOff val="0"/>
-              <a:satOff val="0"/>
-              <a:lumOff val="0"/>
-              <a:alphaOff val="0"/>
-            </a:schemeClr>
-          </a:solidFill>
-          <a:prstDash val="solid"/>
-        </a:ln>
-        <a:effectLst/>
-      </dsp:spPr>
-      <dsp:style>
-        <a:lnRef idx="2">
-          <a:scrgbClr r="0" g="0" b="0"/>
-        </a:lnRef>
-        <a:fillRef idx="1">
-          <a:scrgbClr r="0" g="0" b="0"/>
-        </a:fillRef>
-        <a:effectRef idx="0">
-          <a:scrgbClr r="0" g="0" b="0"/>
-        </a:effectRef>
-        <a:fontRef idx="minor"/>
-      </dsp:style>
-      <dsp:txBody>
-        <a:bodyPr spcFirstLastPara="0" vert="horz" wrap="square" lIns="530256" tIns="333248" rIns="530256" bIns="113792" numCol="1" spcCol="1270" anchor="t" anchorCtr="0">
-          <a:noAutofit/>
-        </a:bodyPr>
-        <a:lstStyle/>
-        <a:p>
-          <a:pPr marL="171450" lvl="1" indent="-171450" algn="l" defTabSz="711200">
-            <a:lnSpc>
-              <a:spcPct val="90000"/>
-            </a:lnSpc>
-            <a:spcBef>
-              <a:spcPct val="0"/>
-            </a:spcBef>
-            <a:spcAft>
-              <a:spcPct val="15000"/>
-            </a:spcAft>
-            <a:buChar char="•"/>
-          </a:pPr>
-          <a:r>
-            <a:rPr lang="en-US" sz="1600" kern="1200"/>
-            <a:t>Write-through cache</a:t>
-          </a:r>
-        </a:p>
-        <a:p>
-          <a:pPr marL="171450" lvl="1" indent="-171450" algn="l" defTabSz="711200">
-            <a:lnSpc>
-              <a:spcPct val="90000"/>
-            </a:lnSpc>
-            <a:spcBef>
-              <a:spcPct val="0"/>
-            </a:spcBef>
-            <a:spcAft>
-              <a:spcPct val="15000"/>
-            </a:spcAft>
-            <a:buChar char="•"/>
-          </a:pPr>
-          <a:r>
-            <a:rPr lang="en-US" sz="1600" kern="1200"/>
-            <a:t>Write-around cache</a:t>
-          </a:r>
-        </a:p>
-        <a:p>
-          <a:pPr marL="171450" lvl="1" indent="-171450" algn="l" defTabSz="711200">
-            <a:lnSpc>
-              <a:spcPct val="90000"/>
-            </a:lnSpc>
-            <a:spcBef>
-              <a:spcPct val="0"/>
-            </a:spcBef>
-            <a:spcAft>
-              <a:spcPct val="15000"/>
-            </a:spcAft>
-            <a:buChar char="•"/>
-          </a:pPr>
-          <a:r>
-            <a:rPr lang="en-US" sz="1600" kern="1200"/>
-            <a:t>Write-back cache</a:t>
-          </a:r>
-        </a:p>
-      </dsp:txBody>
-      <dsp:txXfrm>
-        <a:off x="0" y="2647149"/>
-        <a:ext cx="6832212" cy="1209600"/>
-      </dsp:txXfrm>
-    </dsp:sp>
-    <dsp:sp modelId="{D449F2AD-B3C2-47E4-9884-610DB2E6043A}">
-      <dsp:nvSpPr>
-        <dsp:cNvPr id="0" name=""/>
-        <dsp:cNvSpPr/>
-      </dsp:nvSpPr>
-      <dsp:spPr>
-        <a:xfrm>
-          <a:off x="341610" y="2410989"/>
-          <a:ext cx="4782548" cy="472320"/>
+          <a:off x="0" y="1621580"/>
+          <a:ext cx="5835121" cy="479700"/>
         </a:xfrm>
         <a:prstGeom prst="roundRect">
           <a:avLst/>
         </a:prstGeom>
         <a:solidFill>
-          <a:schemeClr val="accent1">
+          <a:schemeClr val="accent4">
             <a:hueOff val="0"/>
             <a:satOff val="0"/>
             <a:lumOff val="0"/>
@@ -11711,12 +11626,12 @@
         </a:fontRef>
       </dsp:style>
       <dsp:txBody>
-        <a:bodyPr spcFirstLastPara="0" vert="horz" wrap="square" lIns="180769" tIns="0" rIns="180769" bIns="0" numCol="1" spcCol="1270" anchor="ctr" anchorCtr="0">
+        <a:bodyPr spcFirstLastPara="0" vert="horz" wrap="square" lIns="76200" tIns="76200" rIns="76200" bIns="76200" numCol="1" spcCol="1270" anchor="ctr" anchorCtr="0">
           <a:noAutofit/>
         </a:bodyPr>
         <a:lstStyle/>
         <a:p>
-          <a:pPr marL="0" lvl="0" indent="0" algn="l" defTabSz="711200">
+          <a:pPr marL="0" lvl="0" indent="0" algn="l" defTabSz="889000">
             <a:lnSpc>
               <a:spcPct val="90000"/>
             </a:lnSpc>
@@ -11729,56 +11644,40 @@
             <a:buNone/>
           </a:pPr>
           <a:r>
-            <a:rPr lang="en-US" sz="1600" kern="1200"/>
+            <a:rPr lang="en-US" sz="2000" kern="1200"/>
             <a:t>Cache invalidation</a:t>
           </a:r>
         </a:p>
       </dsp:txBody>
       <dsp:txXfrm>
-        <a:off x="364667" y="2434046"/>
-        <a:ext cx="4736434" cy="426206"/>
+        <a:off x="23417" y="1644997"/>
+        <a:ext cx="5788287" cy="432866"/>
       </dsp:txXfrm>
     </dsp:sp>
-    <dsp:sp modelId="{4D393F8E-41A3-4E6A-8D66-0738C67B007F}">
+    <dsp:sp modelId="{6DA9F45C-9307-4B82-A1D0-E6EC1C560781}">
       <dsp:nvSpPr>
         <dsp:cNvPr id="0" name=""/>
         <dsp:cNvSpPr/>
       </dsp:nvSpPr>
       <dsp:spPr>
         <a:xfrm>
-          <a:off x="0" y="4179309"/>
-          <a:ext cx="6832212" cy="680400"/>
+          <a:off x="0" y="2101280"/>
+          <a:ext cx="5835121" cy="828000"/>
         </a:xfrm>
         <a:prstGeom prst="rect">
           <a:avLst/>
         </a:prstGeom>
-        <a:solidFill>
-          <a:schemeClr val="lt1">
-            <a:alpha val="90000"/>
-            <a:hueOff val="0"/>
-            <a:satOff val="0"/>
-            <a:lumOff val="0"/>
-            <a:alphaOff val="0"/>
-          </a:schemeClr>
-        </a:solidFill>
-        <a:ln w="15875" cap="rnd" cmpd="sng" algn="ctr">
-          <a:solidFill>
-            <a:schemeClr val="accent1">
-              <a:hueOff val="0"/>
-              <a:satOff val="0"/>
-              <a:lumOff val="0"/>
-              <a:alphaOff val="0"/>
-            </a:schemeClr>
-          </a:solidFill>
-          <a:prstDash val="solid"/>
+        <a:noFill/>
+        <a:ln>
+          <a:noFill/>
         </a:ln>
         <a:effectLst/>
       </dsp:spPr>
       <dsp:style>
-        <a:lnRef idx="2">
+        <a:lnRef idx="0">
           <a:scrgbClr r="0" g="0" b="0"/>
         </a:lnRef>
-        <a:fillRef idx="1">
+        <a:fillRef idx="0">
           <a:scrgbClr r="0" g="0" b="0"/>
         </a:fillRef>
         <a:effectRef idx="0">
@@ -11787,7 +11686,7 @@
         <a:fontRef idx="minor"/>
       </dsp:style>
       <dsp:txBody>
-        <a:bodyPr spcFirstLastPara="0" vert="horz" wrap="square" lIns="530256" tIns="333248" rIns="530256" bIns="113792" numCol="1" spcCol="1270" anchor="t" anchorCtr="0">
+        <a:bodyPr spcFirstLastPara="0" vert="horz" wrap="square" lIns="185265" tIns="25400" rIns="142240" bIns="25400" numCol="1" spcCol="1270" anchor="t" anchorCtr="0">
           <a:noAutofit/>
         </a:bodyPr>
         <a:lstStyle/>
@@ -11800,36 +11699,72 @@
               <a:spcPct val="0"/>
             </a:spcBef>
             <a:spcAft>
-              <a:spcPct val="15000"/>
+              <a:spcPct val="20000"/>
             </a:spcAft>
             <a:buChar char="•"/>
           </a:pPr>
           <a:r>
             <a:rPr lang="en-US" sz="1600" kern="1200"/>
-            <a:t>FIFO, LRU, LFU, Random</a:t>
+            <a:t>Write-through cache</a:t>
+          </a:r>
+        </a:p>
+        <a:p>
+          <a:pPr marL="171450" lvl="1" indent="-171450" algn="l" defTabSz="711200">
+            <a:lnSpc>
+              <a:spcPct val="90000"/>
+            </a:lnSpc>
+            <a:spcBef>
+              <a:spcPct val="0"/>
+            </a:spcBef>
+            <a:spcAft>
+              <a:spcPct val="20000"/>
+            </a:spcAft>
+            <a:buChar char="•"/>
+          </a:pPr>
+          <a:r>
+            <a:rPr lang="en-US" sz="1600" kern="1200"/>
+            <a:t>Write-around cache</a:t>
+          </a:r>
+        </a:p>
+        <a:p>
+          <a:pPr marL="171450" lvl="1" indent="-171450" algn="l" defTabSz="711200">
+            <a:lnSpc>
+              <a:spcPct val="90000"/>
+            </a:lnSpc>
+            <a:spcBef>
+              <a:spcPct val="0"/>
+            </a:spcBef>
+            <a:spcAft>
+              <a:spcPct val="20000"/>
+            </a:spcAft>
+            <a:buChar char="•"/>
+          </a:pPr>
+          <a:r>
+            <a:rPr lang="en-US" sz="1600" kern="1200"/>
+            <a:t>Write-back cache</a:t>
           </a:r>
         </a:p>
       </dsp:txBody>
       <dsp:txXfrm>
-        <a:off x="0" y="4179309"/>
-        <a:ext cx="6832212" cy="680400"/>
+        <a:off x="0" y="2101280"/>
+        <a:ext cx="5835121" cy="828000"/>
       </dsp:txXfrm>
     </dsp:sp>
-    <dsp:sp modelId="{F1E68C60-98C0-42D9-B6B2-B377A6369007}">
+    <dsp:sp modelId="{DD16A68C-DE34-4E41-B222-1C18094B2510}">
       <dsp:nvSpPr>
         <dsp:cNvPr id="0" name=""/>
         <dsp:cNvSpPr/>
       </dsp:nvSpPr>
       <dsp:spPr>
         <a:xfrm>
-          <a:off x="341610" y="3943149"/>
-          <a:ext cx="4782548" cy="472320"/>
+          <a:off x="0" y="2929280"/>
+          <a:ext cx="5835121" cy="479700"/>
         </a:xfrm>
         <a:prstGeom prst="roundRect">
           <a:avLst/>
         </a:prstGeom>
         <a:solidFill>
-          <a:schemeClr val="accent1">
+          <a:schemeClr val="accent5">
             <a:hueOff val="0"/>
             <a:satOff val="0"/>
             <a:lumOff val="0"/>
@@ -11864,12 +11799,12 @@
         </a:fontRef>
       </dsp:style>
       <dsp:txBody>
-        <a:bodyPr spcFirstLastPara="0" vert="horz" wrap="square" lIns="180769" tIns="0" rIns="180769" bIns="0" numCol="1" spcCol="1270" anchor="ctr" anchorCtr="0">
+        <a:bodyPr spcFirstLastPara="0" vert="horz" wrap="square" lIns="76200" tIns="76200" rIns="76200" bIns="76200" numCol="1" spcCol="1270" anchor="ctr" anchorCtr="0">
           <a:noAutofit/>
         </a:bodyPr>
         <a:lstStyle/>
         <a:p>
-          <a:pPr marL="0" lvl="0" indent="0" algn="l" defTabSz="711200">
+          <a:pPr marL="0" lvl="0" indent="0" algn="l" defTabSz="889000">
             <a:lnSpc>
               <a:spcPct val="90000"/>
             </a:lnSpc>
@@ -11882,14 +11817,74 @@
             <a:buNone/>
           </a:pPr>
           <a:r>
-            <a:rPr lang="en-US" sz="1600" kern="1200"/>
+            <a:rPr lang="en-US" sz="2000" kern="1200"/>
             <a:t>Cache eviction policies</a:t>
           </a:r>
         </a:p>
       </dsp:txBody>
       <dsp:txXfrm>
-        <a:off x="364667" y="3966206"/>
-        <a:ext cx="4736434" cy="426206"/>
+        <a:off x="23417" y="2952697"/>
+        <a:ext cx="5788287" cy="432866"/>
+      </dsp:txXfrm>
+    </dsp:sp>
+    <dsp:sp modelId="{C47C903A-4A07-4C58-8D06-DC40D8BFDBAC}">
+      <dsp:nvSpPr>
+        <dsp:cNvPr id="0" name=""/>
+        <dsp:cNvSpPr/>
+      </dsp:nvSpPr>
+      <dsp:spPr>
+        <a:xfrm>
+          <a:off x="0" y="3408980"/>
+          <a:ext cx="5835121" cy="331200"/>
+        </a:xfrm>
+        <a:prstGeom prst="rect">
+          <a:avLst/>
+        </a:prstGeom>
+        <a:noFill/>
+        <a:ln>
+          <a:noFill/>
+        </a:ln>
+        <a:effectLst/>
+      </dsp:spPr>
+      <dsp:style>
+        <a:lnRef idx="0">
+          <a:scrgbClr r="0" g="0" b="0"/>
+        </a:lnRef>
+        <a:fillRef idx="0">
+          <a:scrgbClr r="0" g="0" b="0"/>
+        </a:fillRef>
+        <a:effectRef idx="0">
+          <a:scrgbClr r="0" g="0" b="0"/>
+        </a:effectRef>
+        <a:fontRef idx="minor"/>
+      </dsp:style>
+      <dsp:txBody>
+        <a:bodyPr spcFirstLastPara="0" vert="horz" wrap="square" lIns="185265" tIns="25400" rIns="142240" bIns="25400" numCol="1" spcCol="1270" anchor="t" anchorCtr="0">
+          <a:noAutofit/>
+        </a:bodyPr>
+        <a:lstStyle/>
+        <a:p>
+          <a:pPr marL="171450" lvl="1" indent="-171450" algn="l" defTabSz="711200">
+            <a:lnSpc>
+              <a:spcPct val="90000"/>
+            </a:lnSpc>
+            <a:spcBef>
+              <a:spcPct val="0"/>
+            </a:spcBef>
+            <a:spcAft>
+              <a:spcPct val="20000"/>
+            </a:spcAft>
+            <a:buChar char="•"/>
+          </a:pPr>
+          <a:r>
+            <a:rPr lang="en-US" sz="1600" kern="1200"/>
+            <a:t>FIFO, LRU, LFU, Random</a:t>
+          </a:r>
+        </a:p>
+      </dsp:txBody>
+      <dsp:txXfrm>
+        <a:off x="0" y="3408980"/>
+        <a:ext cx="5835121" cy="331200"/>
       </dsp:txXfrm>
     </dsp:sp>
   </dsp:spTree>
@@ -14658,11 +14653,12 @@
 </file>
 
 <file path=ppt/diagrams/layout4.xml><?xml version="1.0" encoding="utf-8"?>
-<dgm:layoutDef xmlns:dgm="http://schemas.openxmlformats.org/drawingml/2006/diagram" xmlns:a="http://schemas.openxmlformats.org/drawingml/2006/main" uniqueId="urn:microsoft.com/office/officeart/2005/8/layout/list1">
+<dgm:layoutDef xmlns:dgm="http://schemas.openxmlformats.org/drawingml/2006/diagram" xmlns:a="http://schemas.openxmlformats.org/drawingml/2006/main" uniqueId="urn:microsoft.com/office/officeart/2005/8/layout/vList2">
   <dgm:title val=""/>
   <dgm:desc val=""/>
   <dgm:catLst>
-    <dgm:cat type="list" pri="4000"/>
+    <dgm:cat type="list" pri="3000"/>
+    <dgm:cat type="convert" pri="1000"/>
   </dgm:catLst>
   <dgm:sampData>
     <dgm:dataModel>
@@ -14671,17 +14667,21 @@
         <dgm:pt modelId="1">
           <dgm:prSet phldr="1"/>
         </dgm:pt>
+        <dgm:pt modelId="11">
+          <dgm:prSet phldr="1"/>
+        </dgm:pt>
         <dgm:pt modelId="2">
           <dgm:prSet phldr="1"/>
         </dgm:pt>
-        <dgm:pt modelId="3">
+        <dgm:pt modelId="21">
           <dgm:prSet phldr="1"/>
         </dgm:pt>
       </dgm:ptLst>
       <dgm:cxnLst>
         <dgm:cxn modelId="4" srcId="0" destId="1" srcOrd="0" destOrd="0"/>
         <dgm:cxn modelId="5" srcId="0" destId="2" srcOrd="1" destOrd="0"/>
-        <dgm:cxn modelId="6" srcId="0" destId="3" srcOrd="2" destOrd="0"/>
+        <dgm:cxn modelId="12" srcId="1" destId="11" srcOrd="0" destOrd="0"/>
+        <dgm:cxn modelId="23" srcId="2" destId="21" srcOrd="0" destOrd="0"/>
       </dgm:cxnLst>
       <dgm:bg/>
       <dgm:whole/>
@@ -14695,8 +14695,8 @@
         <dgm:pt modelId="2"/>
       </dgm:ptLst>
       <dgm:cxnLst>
-        <dgm:cxn modelId="4" srcId="0" destId="1" srcOrd="0" destOrd="0"/>
-        <dgm:cxn modelId="5" srcId="0" destId="2" srcOrd="1" destOrd="0"/>
+        <dgm:cxn modelId="3" srcId="0" destId="1" srcOrd="0" destOrd="0"/>
+        <dgm:cxn modelId="4" srcId="0" destId="2" srcOrd="1" destOrd="0"/>
       </dgm:cxnLst>
       <dgm:bg/>
       <dgm:whole/>
@@ -14723,160 +14723,97 @@
   </dgm:clrData>
   <dgm:layoutNode name="linear">
     <dgm:varLst>
-      <dgm:dir/>
       <dgm:animLvl val="lvl"/>
       <dgm:resizeHandles val="exact"/>
     </dgm:varLst>
-    <dgm:choose name="Name0">
-      <dgm:if name="Name1" func="var" arg="dir" op="equ" val="norm">
-        <dgm:alg type="lin">
-          <dgm:param type="linDir" val="fromT"/>
-          <dgm:param type="vertAlign" val="mid"/>
-          <dgm:param type="horzAlign" val="l"/>
-          <dgm:param type="nodeHorzAlign" val="l"/>
-        </dgm:alg>
-      </dgm:if>
-      <dgm:else name="Name2">
-        <dgm:alg type="lin">
-          <dgm:param type="linDir" val="fromT"/>
-          <dgm:param type="vertAlign" val="mid"/>
-          <dgm:param type="horzAlign" val="r"/>
-          <dgm:param type="nodeHorzAlign" val="r"/>
-        </dgm:alg>
-      </dgm:else>
-    </dgm:choose>
+    <dgm:alg type="lin">
+      <dgm:param type="linDir" val="fromT"/>
+      <dgm:param type="vertAlign" val="mid"/>
+    </dgm:alg>
     <dgm:shape xmlns:r="http://schemas.openxmlformats.org/officeDocument/2006/relationships" r:blip="">
       <dgm:adjLst/>
     </dgm:shape>
     <dgm:presOf/>
     <dgm:constrLst>
-      <dgm:constr type="w" for="ch" forName="parentLin" refType="w"/>
-      <dgm:constr type="h" for="ch" forName="parentLin" val="INF"/>
-      <dgm:constr type="w" for="des" forName="parentLeftMargin" refType="w" fact="0.05"/>
-      <dgm:constr type="w" for="des" forName="parentText" refType="w" fact="0.7"/>
-      <dgm:constr type="h" for="des" forName="parentText" refType="primFontSz" refFor="des" refForName="parentText" fact="0.82"/>
-      <dgm:constr type="h" for="ch" forName="negativeSpace" refType="primFontSz" refFor="des" refForName="parentText" fact="-0.41"/>
-      <dgm:constr type="h" for="ch" forName="negativeSpace" refType="h" refFor="des" refForName="parentText" op="lte" fact="-0.82"/>
-      <dgm:constr type="h" for="ch" forName="negativeSpace" refType="h" refFor="des" refForName="parentText" op="gte" fact="-0.82"/>
+      <dgm:constr type="w" for="ch" forName="parentText" refType="w"/>
+      <dgm:constr type="h" for="ch" forName="parentText" refType="primFontSz" refFor="ch" refForName="parentText" fact="0.52"/>
       <dgm:constr type="w" for="ch" forName="childText" refType="w"/>
-      <dgm:constr type="h" for="ch" forName="childText" refType="primFontSz" refFor="des" refForName="parentText" fact="0.7"/>
-      <dgm:constr type="primFontSz" for="des" forName="parentText" val="65"/>
-      <dgm:constr type="primFontSz" for="ch" forName="childText" refType="primFontSz" refFor="des" refForName="parentText"/>
-      <dgm:constr type="tMarg" for="ch" forName="childText" refType="primFontSz" refFor="des" refForName="parentText" fact="1.64"/>
-      <dgm:constr type="tMarg" for="ch" forName="childText" refType="h" refFor="des" refForName="parentText" op="lte" fact="3.28"/>
-      <dgm:constr type="tMarg" for="ch" forName="childText" refType="h" refFor="des" refForName="parentText" op="gte" fact="3.28"/>
-      <dgm:constr type="lMarg" for="ch" forName="childText" refType="w" fact="0.22"/>
-      <dgm:constr type="rMarg" for="ch" forName="childText" refType="lMarg" refFor="ch" refForName="childText"/>
-      <dgm:constr type="lMarg" for="des" forName="parentText" refType="w" fact="0.075"/>
-      <dgm:constr type="rMarg" for="des" forName="parentText" refType="lMarg" refFor="des" refForName="parentText"/>
-      <dgm:constr type="h" for="ch" forName="spaceBetweenRectangles" refType="primFontSz" refFor="des" refForName="parentText" fact="0.15"/>
+      <dgm:constr type="h" for="ch" forName="childText" refType="primFontSz" refFor="ch" refForName="parentText" fact="0.46"/>
+      <dgm:constr type="h" for="ch" forName="parentText" op="equ"/>
+      <dgm:constr type="primFontSz" for="ch" forName="parentText" op="equ" val="65"/>
+      <dgm:constr type="primFontSz" for="ch" forName="childText" refType="primFontSz" refFor="ch" refForName="parentText" op="equ"/>
+      <dgm:constr type="h" for="ch" forName="spacer" refType="primFontSz" refFor="ch" refForName="parentText" fact="0.08"/>
     </dgm:constrLst>
     <dgm:ruleLst>
-      <dgm:rule type="primFontSz" for="des" forName="parentText" val="5" fact="NaN" max="NaN"/>
+      <dgm:rule type="primFontSz" for="ch" forName="parentText" val="5" fact="NaN" max="NaN"/>
     </dgm:ruleLst>
-    <dgm:forEach name="Name3" axis="ch" ptType="node">
-      <dgm:layoutNode name="parentLin">
-        <dgm:choose name="Name4">
-          <dgm:if name="Name5" func="var" arg="dir" op="equ" val="norm">
-            <dgm:alg type="lin">
-              <dgm:param type="linDir" val="fromL"/>
-              <dgm:param type="horzAlign" val="l"/>
-              <dgm:param type="nodeHorzAlign" val="l"/>
-            </dgm:alg>
-          </dgm:if>
-          <dgm:else name="Name6">
-            <dgm:alg type="lin">
-              <dgm:param type="linDir" val="fromR"/>
-              <dgm:param type="horzAlign" val="r"/>
-              <dgm:param type="nodeHorzAlign" val="r"/>
-            </dgm:alg>
-          </dgm:else>
-        </dgm:choose>
-        <dgm:shape xmlns:r="http://schemas.openxmlformats.org/officeDocument/2006/relationships" r:blip="">
-          <dgm:adjLst/>
-        </dgm:shape>
-        <dgm:presOf/>
-        <dgm:constrLst/>
-        <dgm:ruleLst/>
-        <dgm:layoutNode name="parentLeftMargin">
-          <dgm:alg type="sp"/>
-          <dgm:shape xmlns:r="http://schemas.openxmlformats.org/officeDocument/2006/relationships" type="rect" r:blip="" hideGeom="1">
-            <dgm:adjLst/>
-          </dgm:shape>
-          <dgm:presOf axis="self"/>
-          <dgm:constrLst>
-            <dgm:constr type="h"/>
-          </dgm:constrLst>
-          <dgm:ruleLst/>
-        </dgm:layoutNode>
-        <dgm:layoutNode name="parentText" styleLbl="node1">
-          <dgm:varLst>
-            <dgm:chMax val="0"/>
-            <dgm:bulletEnabled val="1"/>
-          </dgm:varLst>
-          <dgm:choose name="Name7">
-            <dgm:if name="Name8" func="var" arg="dir" op="equ" val="norm">
-              <dgm:alg type="tx">
-                <dgm:param type="parTxLTRAlign" val="l"/>
-                <dgm:param type="parTxRTLAlign" val="l"/>
-              </dgm:alg>
-            </dgm:if>
-            <dgm:else name="Name9">
-              <dgm:alg type="tx">
-                <dgm:param type="parTxLTRAlign" val="r"/>
-                <dgm:param type="parTxRTLAlign" val="r"/>
-              </dgm:alg>
-            </dgm:else>
-          </dgm:choose>
-          <dgm:shape xmlns:r="http://schemas.openxmlformats.org/officeDocument/2006/relationships" type="roundRect" r:blip="">
-            <dgm:adjLst/>
-          </dgm:shape>
-          <dgm:presOf axis="self" ptType="node"/>
-          <dgm:constrLst>
-            <dgm:constr type="tMarg"/>
-            <dgm:constr type="bMarg"/>
-          </dgm:constrLst>
-          <dgm:ruleLst/>
-        </dgm:layoutNode>
-      </dgm:layoutNode>
-      <dgm:layoutNode name="negativeSpace">
-        <dgm:alg type="sp"/>
-        <dgm:shape xmlns:r="http://schemas.openxmlformats.org/officeDocument/2006/relationships" r:blip="">
-          <dgm:adjLst/>
-        </dgm:shape>
-        <dgm:presOf/>
-        <dgm:constrLst/>
-        <dgm:ruleLst/>
-      </dgm:layoutNode>
-      <dgm:layoutNode name="childText" styleLbl="conFgAcc1">
+    <dgm:forEach name="Name0" axis="ch" ptType="node">
+      <dgm:layoutNode name="parentText" styleLbl="node1">
         <dgm:varLst>
+          <dgm:chMax val="0"/>
           <dgm:bulletEnabled val="1"/>
         </dgm:varLst>
         <dgm:alg type="tx">
-          <dgm:param type="stBulletLvl" val="1"/>
+          <dgm:param type="parTxLTRAlign" val="l"/>
+          <dgm:param type="parTxRTLAlign" val="r"/>
         </dgm:alg>
-        <dgm:shape xmlns:r="http://schemas.openxmlformats.org/officeDocument/2006/relationships" type="rect" r:blip="" zOrderOff="-2">
+        <dgm:shape xmlns:r="http://schemas.openxmlformats.org/officeDocument/2006/relationships" type="roundRect" r:blip="">
           <dgm:adjLst/>
         </dgm:shape>
-        <dgm:presOf axis="des" ptType="node"/>
+        <dgm:presOf axis="self"/>
         <dgm:constrLst>
-          <dgm:constr type="secFontSz" refType="primFontSz"/>
+          <dgm:constr type="tMarg" refType="primFontSz" fact="0.3"/>
+          <dgm:constr type="bMarg" refType="primFontSz" fact="0.3"/>
+          <dgm:constr type="lMarg" refType="primFontSz" fact="0.3"/>
+          <dgm:constr type="rMarg" refType="primFontSz" fact="0.3"/>
         </dgm:constrLst>
         <dgm:ruleLst>
           <dgm:rule type="h" val="INF" fact="NaN" max="NaN"/>
         </dgm:ruleLst>
       </dgm:layoutNode>
-      <dgm:forEach name="Name10" axis="followSib" ptType="sibTrans" cnt="1">
-        <dgm:layoutNode name="spaceBetweenRectangles">
-          <dgm:alg type="sp"/>
-          <dgm:shape xmlns:r="http://schemas.openxmlformats.org/officeDocument/2006/relationships" r:blip="">
-            <dgm:adjLst/>
-          </dgm:shape>
-          <dgm:presOf/>
-          <dgm:constrLst/>
-          <dgm:ruleLst/>
-        </dgm:layoutNode>
-      </dgm:forEach>
+      <dgm:choose name="Name1">
+        <dgm:if name="Name2" axis="ch" ptType="node" func="cnt" op="gte" val="1">
+          <dgm:layoutNode name="childText" styleLbl="revTx">
+            <dgm:varLst>
+              <dgm:bulletEnabled val="1"/>
+            </dgm:varLst>
+            <dgm:alg type="tx">
+              <dgm:param type="stBulletLvl" val="1"/>
+              <dgm:param type="lnSpAfChP" val="20"/>
+            </dgm:alg>
+            <dgm:shape xmlns:r="http://schemas.openxmlformats.org/officeDocument/2006/relationships" type="rect" r:blip="">
+              <dgm:adjLst/>
+            </dgm:shape>
+            <dgm:presOf axis="des" ptType="node"/>
+            <dgm:constrLst>
+              <dgm:constr type="tMarg" refType="primFontSz" fact="0.1"/>
+              <dgm:constr type="bMarg" refType="primFontSz" fact="0.1"/>
+              <dgm:constr type="lMarg" refType="w" fact="0.09"/>
+            </dgm:constrLst>
+            <dgm:ruleLst>
+              <dgm:rule type="h" val="INF" fact="NaN" max="NaN"/>
+            </dgm:ruleLst>
+          </dgm:layoutNode>
+        </dgm:if>
+        <dgm:else name="Name3">
+          <dgm:choose name="Name4">
+            <dgm:if name="Name5" axis="par ch" ptType="doc node" func="cnt" op="gte" val="2">
+              <dgm:forEach name="Name6" axis="followSib" ptType="sibTrans" cnt="1">
+                <dgm:layoutNode name="spacer">
+                  <dgm:alg type="sp"/>
+                  <dgm:shape xmlns:r="http://schemas.openxmlformats.org/officeDocument/2006/relationships" r:blip="">
+                    <dgm:adjLst/>
+                  </dgm:shape>
+                  <dgm:presOf/>
+                  <dgm:constrLst/>
+                  <dgm:ruleLst/>
+                </dgm:layoutNode>
+              </dgm:forEach>
+            </dgm:if>
+            <dgm:else name="Name7"/>
+          </dgm:choose>
+        </dgm:else>
+      </dgm:choose>
     </dgm:forEach>
   </dgm:layoutNode>
 </dgm:layoutDef>
@@ -23015,7 +22952,7 @@
           <a:p>
             <a:fld id="{AFCD47C7-CE9A-47E3-873C-B88942A7EEC6}" type="datetimeFigureOut">
               <a:rPr lang="en-US" smtClean="0"/>
-              <a:t>2/4/2020</a:t>
+              <a:t>1/18/2022</a:t>
             </a:fld>
             <a:endParaRPr lang="en-US"/>
           </a:p>
@@ -23639,7 +23576,7 @@
             <a:fld id="{B61BEF0D-F0BB-DE4B-95CE-6DB70DBA9567}" type="datetimeFigureOut">
               <a:rPr lang="en-US" dirty="0"/>
               <a:pPr/>
-              <a:t>2/4/2020</a:t>
+              <a:t>1/18/2022</a:t>
             </a:fld>
             <a:endParaRPr lang="en-US" dirty="0"/>
           </a:p>
@@ -23974,7 +23911,7 @@
             <a:fld id="{B61BEF0D-F0BB-DE4B-95CE-6DB70DBA9567}" type="datetimeFigureOut">
               <a:rPr lang="en-US" dirty="0"/>
               <a:pPr/>
-              <a:t>2/4/2020</a:t>
+              <a:t>1/18/2022</a:t>
             </a:fld>
             <a:endParaRPr lang="en-US" dirty="0"/>
           </a:p>
@@ -24372,7 +24309,7 @@
             <a:fld id="{B61BEF0D-F0BB-DE4B-95CE-6DB70DBA9567}" type="datetimeFigureOut">
               <a:rPr lang="en-US" dirty="0"/>
               <a:pPr/>
-              <a:t>2/4/2020</a:t>
+              <a:t>1/18/2022</a:t>
             </a:fld>
             <a:endParaRPr lang="en-US" dirty="0"/>
           </a:p>
@@ -24705,7 +24642,7 @@
             <a:fld id="{B61BEF0D-F0BB-DE4B-95CE-6DB70DBA9567}" type="datetimeFigureOut">
               <a:rPr lang="en-US" dirty="0"/>
               <a:pPr/>
-              <a:t>2/4/2020</a:t>
+              <a:t>1/18/2022</a:t>
             </a:fld>
             <a:endParaRPr lang="en-US" dirty="0"/>
           </a:p>
@@ -25022,7 +24959,7 @@
             <a:fld id="{B61BEF0D-F0BB-DE4B-95CE-6DB70DBA9567}" type="datetimeFigureOut">
               <a:rPr lang="en-US" dirty="0"/>
               <a:pPr/>
-              <a:t>2/4/2020</a:t>
+              <a:t>1/18/2022</a:t>
             </a:fld>
             <a:endParaRPr lang="en-US" dirty="0"/>
           </a:p>
@@ -25415,7 +25352,7 @@
             <a:fld id="{B61BEF0D-F0BB-DE4B-95CE-6DB70DBA9567}" type="datetimeFigureOut">
               <a:rPr lang="en-US" dirty="0"/>
               <a:pPr/>
-              <a:t>2/4/2020</a:t>
+              <a:t>1/18/2022</a:t>
             </a:fld>
             <a:endParaRPr lang="en-US" dirty="0"/>
           </a:p>
@@ -25669,7 +25606,7 @@
             <a:fld id="{B61BEF0D-F0BB-DE4B-95CE-6DB70DBA9567}" type="datetimeFigureOut">
               <a:rPr lang="en-US" dirty="0"/>
               <a:pPr/>
-              <a:t>2/4/2020</a:t>
+              <a:t>1/18/2022</a:t>
             </a:fld>
             <a:endParaRPr lang="en-US" dirty="0"/>
           </a:p>
@@ -25928,7 +25865,7 @@
             <a:fld id="{B61BEF0D-F0BB-DE4B-95CE-6DB70DBA9567}" type="datetimeFigureOut">
               <a:rPr lang="en-US" dirty="0"/>
               <a:pPr/>
-              <a:t>2/4/2020</a:t>
+              <a:t>1/18/2022</a:t>
             </a:fld>
             <a:endParaRPr lang="en-US" dirty="0"/>
           </a:p>
@@ -26187,7 +26124,7 @@
             <a:fld id="{B61BEF0D-F0BB-DE4B-95CE-6DB70DBA9567}" type="datetimeFigureOut">
               <a:rPr lang="en-US" dirty="0"/>
               <a:pPr/>
-              <a:t>2/4/2020</a:t>
+              <a:t>1/18/2022</a:t>
             </a:fld>
             <a:endParaRPr lang="en-US" dirty="0"/>
           </a:p>
@@ -26513,7 +26450,7 @@
             <a:fld id="{B61BEF0D-F0BB-DE4B-95CE-6DB70DBA9567}" type="datetimeFigureOut">
               <a:rPr lang="en-US" dirty="0"/>
               <a:pPr/>
-              <a:t>2/4/2020</a:t>
+              <a:t>1/18/2022</a:t>
             </a:fld>
             <a:endParaRPr lang="en-US" dirty="0"/>
           </a:p>
@@ -26833,7 +26770,7 @@
             <a:fld id="{B61BEF0D-F0BB-DE4B-95CE-6DB70DBA9567}" type="datetimeFigureOut">
               <a:rPr lang="en-US" dirty="0"/>
               <a:pPr/>
-              <a:t>2/4/2020</a:t>
+              <a:t>1/18/2022</a:t>
             </a:fld>
             <a:endParaRPr lang="en-US" dirty="0"/>
           </a:p>
@@ -27287,7 +27224,7 @@
             <a:fld id="{B61BEF0D-F0BB-DE4B-95CE-6DB70DBA9567}" type="datetimeFigureOut">
               <a:rPr lang="en-US" dirty="0"/>
               <a:pPr/>
-              <a:t>2/4/2020</a:t>
+              <a:t>1/18/2022</a:t>
             </a:fld>
             <a:endParaRPr lang="en-US" dirty="0"/>
           </a:p>
@@ -27489,7 +27426,7 @@
             <a:fld id="{B61BEF0D-F0BB-DE4B-95CE-6DB70DBA9567}" type="datetimeFigureOut">
               <a:rPr lang="en-US" dirty="0"/>
               <a:pPr/>
-              <a:t>2/4/2020</a:t>
+              <a:t>1/18/2022</a:t>
             </a:fld>
             <a:endParaRPr lang="en-US" dirty="0"/>
           </a:p>
@@ -27663,7 +27600,7 @@
             <a:fld id="{B61BEF0D-F0BB-DE4B-95CE-6DB70DBA9567}" type="datetimeFigureOut">
               <a:rPr lang="en-US" dirty="0"/>
               <a:pPr/>
-              <a:t>2/4/2020</a:t>
+              <a:t>1/18/2022</a:t>
             </a:fld>
             <a:endParaRPr lang="en-US" dirty="0"/>
           </a:p>
@@ -27993,7 +27930,7 @@
             <a:fld id="{B61BEF0D-F0BB-DE4B-95CE-6DB70DBA9567}" type="datetimeFigureOut">
               <a:rPr lang="en-US" dirty="0"/>
               <a:pPr/>
-              <a:t>2/4/2020</a:t>
+              <a:t>1/18/2022</a:t>
             </a:fld>
             <a:endParaRPr lang="en-US" dirty="0"/>
           </a:p>
@@ -28335,7 +28272,7 @@
             <a:fld id="{B61BEF0D-F0BB-DE4B-95CE-6DB70DBA9567}" type="datetimeFigureOut">
               <a:rPr lang="en-US" dirty="0"/>
               <a:pPr/>
-              <a:t>2/4/2020</a:t>
+              <a:t>1/18/2022</a:t>
             </a:fld>
             <a:endParaRPr lang="en-US" dirty="0"/>
           </a:p>
@@ -30449,7 +30386,7 @@
             <a:fld id="{B61BEF0D-F0BB-DE4B-95CE-6DB70DBA9567}" type="datetimeFigureOut">
               <a:rPr lang="en-US" dirty="0"/>
               <a:pPr/>
-              <a:t>2/4/2020</a:t>
+              <a:t>1/18/2022</a:t>
             </a:fld>
             <a:endParaRPr lang="en-US" dirty="0"/>
           </a:p>
@@ -31075,12 +31012,12 @@
           <a:chExt cx="0" cy="0"/>
         </a:xfrm>
       </p:grpSpPr>
-      <p:sp useBgFill="1">
+      <p:sp>
         <p:nvSpPr>
           <p:cNvPr id="10" name="Rectangle 9">
             <a:extLst>
               <a:ext uri="{FF2B5EF4-FFF2-40B4-BE49-F238E27FC236}">
-                <a16:creationId xmlns:a16="http://schemas.microsoft.com/office/drawing/2014/main" id="{6065F8A9-9499-4A44-BDAD-F706130FD826}"/>
+                <a16:creationId xmlns:a16="http://schemas.microsoft.com/office/drawing/2014/main" id="{A3D9AEEE-1CCD-43C0-BA3E-16D60A6E23C0}"/>
               </a:ext>
               <a:ext uri="{C183D7F6-B498-43B3-948B-1728B52AA6E4}">
                 <adec:decorative xmlns:adec="http://schemas.microsoft.com/office/drawing/2017/decorative" val="1"/>
@@ -31100,12 +31037,15 @@
         </p:nvSpPr>
         <p:spPr>
           <a:xfrm>
-            <a:off x="0" y="0"/>
-            <a:ext cx="12192000" cy="6858000"/>
+            <a:off x="1" y="0"/>
+            <a:ext cx="4059079" cy="6858000"/>
           </a:xfrm>
           <a:prstGeom prst="rect">
             <a:avLst/>
           </a:prstGeom>
+          <a:solidFill>
+            <a:schemeClr val="tx2"/>
+          </a:solidFill>
           <a:ln>
             <a:noFill/>
           </a:ln>
@@ -31135,12 +31075,243 @@
           </a:p>
         </p:txBody>
       </p:sp>
+      <p:sp>
+        <p:nvSpPr>
+          <p:cNvPr id="2" name="Title 1">
+            <a:extLst>
+              <a:ext uri="{FF2B5EF4-FFF2-40B4-BE49-F238E27FC236}">
+                <a16:creationId xmlns:a16="http://schemas.microsoft.com/office/drawing/2014/main" id="{0A49776F-A000-4849-9138-ED798B055342}"/>
+              </a:ext>
+            </a:extLst>
+          </p:cNvPr>
+          <p:cNvSpPr>
+            <a:spLocks noGrp="1"/>
+          </p:cNvSpPr>
+          <p:nvPr>
+            <p:ph type="title"/>
+          </p:nvPr>
+        </p:nvSpPr>
+        <p:spPr>
+          <a:xfrm>
+            <a:off x="1259893" y="3101093"/>
+            <a:ext cx="2454052" cy="3029344"/>
+          </a:xfrm>
+        </p:spPr>
+        <p:txBody>
+          <a:bodyPr>
+            <a:normAutofit/>
+          </a:bodyPr>
+          <a:lstStyle/>
+          <a:p>
+            <a:r>
+              <a:rPr lang="en-US" sz="3000">
+                <a:solidFill>
+                  <a:schemeClr val="bg1"/>
+                </a:solidFill>
+              </a:rPr>
+              <a:t>Client Server connection</a:t>
+            </a:r>
+          </a:p>
+        </p:txBody>
+      </p:sp>
+      <p:sp>
+        <p:nvSpPr>
+          <p:cNvPr id="12" name="Freeform 11">
+            <a:extLst>
+              <a:ext uri="{FF2B5EF4-FFF2-40B4-BE49-F238E27FC236}">
+                <a16:creationId xmlns:a16="http://schemas.microsoft.com/office/drawing/2014/main" id="{60F880A6-33D3-4EEC-A780-B73559B9F24C}"/>
+              </a:ext>
+              <a:ext uri="{C183D7F6-B498-43B3-948B-1728B52AA6E4}">
+                <adec:decorative xmlns:adec="http://schemas.microsoft.com/office/drawing/2017/decorative" val="1"/>
+              </a:ext>
+            </a:extLst>
+          </p:cNvPr>
+          <p:cNvSpPr>
+            <a:spLocks noGrp="1" noRot="1" noChangeAspect="1" noMove="1" noResize="1" noEditPoints="1" noAdjustHandles="1" noChangeArrowheads="1" noChangeShapeType="1" noTextEdit="1"/>
+          </p:cNvSpPr>
+          <p:nvPr>
+            <p:extLst>
+              <p:ext uri="{386F3935-93C4-4BCD-93E2-E3B085C9AB24}">
+                <p16:designElem xmlns:p16="http://schemas.microsoft.com/office/powerpoint/2015/main" val="1"/>
+              </p:ext>
+            </p:extLst>
+          </p:nvPr>
+        </p:nvSpPr>
+        <p:spPr bwMode="auto">
+          <a:xfrm flipV="1">
+            <a:off x="-159" y="3179901"/>
+            <a:ext cx="1098194" cy="514066"/>
+          </a:xfrm>
+          <a:custGeom>
+            <a:avLst/>
+            <a:gdLst>
+              <a:gd name="connsiteX0" fmla="*/ 10000 w 10044"/>
+              <a:gd name="connsiteY0" fmla="*/ 4701 h 9966"/>
+              <a:gd name="connsiteX1" fmla="*/ 8559 w 10044"/>
+              <a:gd name="connsiteY1" fmla="*/ 188 h 9966"/>
+              <a:gd name="connsiteX2" fmla="*/ 8527 w 10044"/>
+              <a:gd name="connsiteY2" fmla="*/ 94 h 9966"/>
+              <a:gd name="connsiteX3" fmla="*/ 8438 w 10044"/>
+              <a:gd name="connsiteY3" fmla="*/ 0 h 9966"/>
+              <a:gd name="connsiteX4" fmla="*/ 7867 w 10044"/>
+              <a:gd name="connsiteY4" fmla="*/ 0 h 9966"/>
+              <a:gd name="connsiteX5" fmla="*/ 0 w 10044"/>
+              <a:gd name="connsiteY5" fmla="*/ 70 h 9966"/>
+              <a:gd name="connsiteX6" fmla="*/ 3132 w 10044"/>
+              <a:gd name="connsiteY6" fmla="*/ 9763 h 9966"/>
+              <a:gd name="connsiteX7" fmla="*/ 7867 w 10044"/>
+              <a:gd name="connsiteY7" fmla="*/ 9966 h 9966"/>
+              <a:gd name="connsiteX8" fmla="*/ 8438 w 10044"/>
+              <a:gd name="connsiteY8" fmla="*/ 9966 h 9966"/>
+              <a:gd name="connsiteX9" fmla="*/ 8527 w 10044"/>
+              <a:gd name="connsiteY9" fmla="*/ 9872 h 9966"/>
+              <a:gd name="connsiteX10" fmla="*/ 8559 w 10044"/>
+              <a:gd name="connsiteY10" fmla="*/ 9778 h 9966"/>
+              <a:gd name="connsiteX11" fmla="*/ 10000 w 10044"/>
+              <a:gd name="connsiteY11" fmla="*/ 5265 h 9966"/>
+              <a:gd name="connsiteX12" fmla="*/ 10000 w 10044"/>
+              <a:gd name="connsiteY12" fmla="*/ 4701 h 9966"/>
+              <a:gd name="connsiteX0" fmla="*/ 6839 w 6883"/>
+              <a:gd name="connsiteY0" fmla="*/ 4885 h 10168"/>
+              <a:gd name="connsiteX1" fmla="*/ 5405 w 6883"/>
+              <a:gd name="connsiteY1" fmla="*/ 357 h 10168"/>
+              <a:gd name="connsiteX2" fmla="*/ 5373 w 6883"/>
+              <a:gd name="connsiteY2" fmla="*/ 262 h 10168"/>
+              <a:gd name="connsiteX3" fmla="*/ 5284 w 6883"/>
+              <a:gd name="connsiteY3" fmla="*/ 168 h 10168"/>
+              <a:gd name="connsiteX4" fmla="*/ 4716 w 6883"/>
+              <a:gd name="connsiteY4" fmla="*/ 168 h 10168"/>
+              <a:gd name="connsiteX5" fmla="*/ 50 w 6883"/>
+              <a:gd name="connsiteY5" fmla="*/ 0 h 10168"/>
+              <a:gd name="connsiteX6" fmla="*/ 1 w 6883"/>
+              <a:gd name="connsiteY6" fmla="*/ 9964 h 10168"/>
+              <a:gd name="connsiteX7" fmla="*/ 4716 w 6883"/>
+              <a:gd name="connsiteY7" fmla="*/ 10168 h 10168"/>
+              <a:gd name="connsiteX8" fmla="*/ 5284 w 6883"/>
+              <a:gd name="connsiteY8" fmla="*/ 10168 h 10168"/>
+              <a:gd name="connsiteX9" fmla="*/ 5373 w 6883"/>
+              <a:gd name="connsiteY9" fmla="*/ 10074 h 10168"/>
+              <a:gd name="connsiteX10" fmla="*/ 5405 w 6883"/>
+              <a:gd name="connsiteY10" fmla="*/ 9979 h 10168"/>
+              <a:gd name="connsiteX11" fmla="*/ 6839 w 6883"/>
+              <a:gd name="connsiteY11" fmla="*/ 5451 h 10168"/>
+              <a:gd name="connsiteX12" fmla="*/ 6839 w 6883"/>
+              <a:gd name="connsiteY12" fmla="*/ 4885 h 10168"/>
+            </a:gdLst>
+            <a:ahLst/>
+            <a:cxnLst>
+              <a:cxn ang="0">
+                <a:pos x="connsiteX0" y="connsiteY0"/>
+              </a:cxn>
+              <a:cxn ang="0">
+                <a:pos x="connsiteX1" y="connsiteY1"/>
+              </a:cxn>
+              <a:cxn ang="0">
+                <a:pos x="connsiteX2" y="connsiteY2"/>
+              </a:cxn>
+              <a:cxn ang="0">
+                <a:pos x="connsiteX3" y="connsiteY3"/>
+              </a:cxn>
+              <a:cxn ang="0">
+                <a:pos x="connsiteX4" y="connsiteY4"/>
+              </a:cxn>
+              <a:cxn ang="0">
+                <a:pos x="connsiteX5" y="connsiteY5"/>
+              </a:cxn>
+              <a:cxn ang="0">
+                <a:pos x="connsiteX6" y="connsiteY6"/>
+              </a:cxn>
+              <a:cxn ang="0">
+                <a:pos x="connsiteX7" y="connsiteY7"/>
+              </a:cxn>
+              <a:cxn ang="0">
+                <a:pos x="connsiteX8" y="connsiteY8"/>
+              </a:cxn>
+              <a:cxn ang="0">
+                <a:pos x="connsiteX9" y="connsiteY9"/>
+              </a:cxn>
+              <a:cxn ang="0">
+                <a:pos x="connsiteX10" y="connsiteY10"/>
+              </a:cxn>
+              <a:cxn ang="0">
+                <a:pos x="connsiteX11" y="connsiteY11"/>
+              </a:cxn>
+              <a:cxn ang="0">
+                <a:pos x="connsiteX12" y="connsiteY12"/>
+              </a:cxn>
+            </a:cxnLst>
+            <a:rect l="l" t="t" r="r" b="b"/>
+            <a:pathLst>
+              <a:path w="6883" h="10168">
+                <a:moveTo>
+                  <a:pt x="6839" y="4885"/>
+                </a:moveTo>
+                <a:lnTo>
+                  <a:pt x="5405" y="357"/>
+                </a:lnTo>
+                <a:cubicBezTo>
+                  <a:pt x="5395" y="325"/>
+                  <a:pt x="5383" y="294"/>
+                  <a:pt x="5373" y="262"/>
+                </a:cubicBezTo>
+                <a:cubicBezTo>
+                  <a:pt x="5344" y="168"/>
+                  <a:pt x="5314" y="168"/>
+                  <a:pt x="5284" y="168"/>
+                </a:cubicBezTo>
+                <a:lnTo>
+                  <a:pt x="4716" y="168"/>
+                </a:lnTo>
+                <a:lnTo>
+                  <a:pt x="50" y="0"/>
+                </a:lnTo>
+                <a:cubicBezTo>
+                  <a:pt x="59" y="3322"/>
+                  <a:pt x="-8" y="6643"/>
+                  <a:pt x="1" y="9964"/>
+                </a:cubicBezTo>
+                <a:lnTo>
+                  <a:pt x="4716" y="10168"/>
+                </a:lnTo>
+                <a:lnTo>
+                  <a:pt x="5284" y="10168"/>
+                </a:lnTo>
+                <a:cubicBezTo>
+                  <a:pt x="5314" y="10168"/>
+                  <a:pt x="5344" y="10074"/>
+                  <a:pt x="5373" y="10074"/>
+                </a:cubicBezTo>
+                <a:cubicBezTo>
+                  <a:pt x="5373" y="9979"/>
+                  <a:pt x="5405" y="9979"/>
+                  <a:pt x="5405" y="9979"/>
+                </a:cubicBezTo>
+                <a:lnTo>
+                  <a:pt x="6839" y="5451"/>
+                </a:lnTo>
+                <a:cubicBezTo>
+                  <a:pt x="6898" y="5262"/>
+                  <a:pt x="6898" y="5074"/>
+                  <a:pt x="6839" y="4885"/>
+                </a:cubicBezTo>
+                <a:close/>
+              </a:path>
+            </a:pathLst>
+          </a:custGeom>
+          <a:solidFill>
+            <a:schemeClr val="accent1"/>
+          </a:solidFill>
+          <a:ln>
+            <a:noFill/>
+          </a:ln>
+        </p:spPr>
+      </p:sp>
       <p:sp useBgFill="1">
         <p:nvSpPr>
-          <p:cNvPr id="12" name="Rectangle 11">
+          <p:cNvPr id="14" name="Rectangle 13">
             <a:extLst>
               <a:ext uri="{FF2B5EF4-FFF2-40B4-BE49-F238E27FC236}">
-                <a16:creationId xmlns:a16="http://schemas.microsoft.com/office/drawing/2014/main" id="{38132C2D-AFE4-478D-A86B-81059C205E06}"/>
+                <a16:creationId xmlns:a16="http://schemas.microsoft.com/office/drawing/2014/main" id="{2C6246ED-0535-4496-A8F6-1E80CC4EB853}"/>
               </a:ext>
               <a:ext uri="{C183D7F6-B498-43B3-948B-1728B52AA6E4}">
                 <adec:decorative xmlns:adec="http://schemas.microsoft.com/office/drawing/2017/decorative" val="1"/>
@@ -31195,69 +31366,93 @@
           </a:p>
         </p:txBody>
       </p:sp>
-      <p:sp>
-        <p:nvSpPr>
-          <p:cNvPr id="14" name="Rectangle 13">
+      <p:graphicFrame>
+        <p:nvGraphicFramePr>
+          <p:cNvPr id="5" name="Content Placeholder 2">
             <a:extLst>
               <a:ext uri="{FF2B5EF4-FFF2-40B4-BE49-F238E27FC236}">
-                <a16:creationId xmlns:a16="http://schemas.microsoft.com/office/drawing/2014/main" id="{205BFD52-DD96-4666-8D77-C636870FD095}"/>
-              </a:ext>
-              <a:ext uri="{C183D7F6-B498-43B3-948B-1728B52AA6E4}">
-                <adec:decorative xmlns:adec="http://schemas.microsoft.com/office/drawing/2017/decorative" val="1"/>
+                <a16:creationId xmlns:a16="http://schemas.microsoft.com/office/drawing/2014/main" id="{89865526-1C9C-4F37-8C91-AAC40FF86930}"/>
               </a:ext>
             </a:extLst>
           </p:cNvPr>
-          <p:cNvSpPr>
-            <a:spLocks noGrp="1" noRot="1" noChangeAspect="1" noMove="1" noResize="1" noEditPoints="1" noAdjustHandles="1" noChangeArrowheads="1" noChangeShapeType="1" noTextEdit="1"/>
-          </p:cNvSpPr>
+          <p:cNvGraphicFramePr>
+            <a:graphicFrameLocks noGrp="1"/>
+          </p:cNvGraphicFramePr>
           <p:nvPr>
+            <p:ph idx="1"/>
             <p:extLst>
-              <p:ext uri="{386F3935-93C4-4BCD-93E2-E3B085C9AB24}">
-                <p16:designElem xmlns:p16="http://schemas.microsoft.com/office/powerpoint/2015/main" val="1"/>
+              <p:ext uri="{D42A27DB-BD31-4B8C-83A1-F6EECF244321}">
+                <p14:modId xmlns:p14="http://schemas.microsoft.com/office/powerpoint/2010/main" val="2658538576"/>
               </p:ext>
             </p:extLst>
           </p:nvPr>
-        </p:nvSpPr>
-        <p:spPr>
-          <a:xfrm>
-            <a:off x="8132921" y="0"/>
-            <a:ext cx="4059079" cy="6858000"/>
-          </a:xfrm>
-          <a:prstGeom prst="rect">
-            <a:avLst/>
-          </a:prstGeom>
-          <a:solidFill>
-            <a:schemeClr val="tx2"/>
-          </a:solidFill>
-          <a:ln>
-            <a:noFill/>
-          </a:ln>
-        </p:spPr>
-        <p:style>
-          <a:lnRef idx="2">
-            <a:schemeClr val="accent1">
-              <a:shade val="50000"/>
-            </a:schemeClr>
-          </a:lnRef>
-          <a:fillRef idx="1">
-            <a:schemeClr val="accent1"/>
-          </a:fillRef>
-          <a:effectRef idx="0">
-            <a:schemeClr val="accent1"/>
-          </a:effectRef>
-          <a:fontRef idx="minor">
-            <a:schemeClr val="lt1"/>
-          </a:fontRef>
-        </p:style>
-        <p:txBody>
-          <a:bodyPr rtlCol="0" anchor="ctr"/>
-          <a:lstStyle/>
-          <a:p>
-            <a:pPr algn="ctr"/>
-            <a:endParaRPr lang="en-US"/>
-          </a:p>
-        </p:txBody>
-      </p:sp>
+        </p:nvGraphicFramePr>
+        <p:xfrm>
+          <a:off x="4713144" y="641551"/>
+          <a:ext cx="6832212" cy="5264779"/>
+        </p:xfrm>
+        <a:graphic>
+          <a:graphicData uri="http://schemas.openxmlformats.org/drawingml/2006/diagram">
+            <dgm:relIds xmlns:dgm="http://schemas.openxmlformats.org/drawingml/2006/diagram" xmlns:r="http://schemas.openxmlformats.org/officeDocument/2006/relationships" r:dm="rId2" r:lo="rId3" r:qs="rId4" r:cs="rId5"/>
+          </a:graphicData>
+        </a:graphic>
+      </p:graphicFrame>
+    </p:spTree>
+    <p:extLst>
+      <p:ext uri="{BB962C8B-B14F-4D97-AF65-F5344CB8AC3E}">
+        <p14:creationId xmlns:p14="http://schemas.microsoft.com/office/powerpoint/2010/main" val="2705017050"/>
+      </p:ext>
+    </p:extLst>
+  </p:cSld>
+  <p:clrMapOvr>
+    <a:masterClrMapping/>
+  </p:clrMapOvr>
+</p:sld>
+</file>
+
+<file path=ppt/slides/slide11.xml><?xml version="1.0" encoding="utf-8"?>
+<p:sld xmlns:a="http://schemas.openxmlformats.org/drawingml/2006/main" xmlns:r="http://schemas.openxmlformats.org/officeDocument/2006/relationships" xmlns:p="http://schemas.openxmlformats.org/presentationml/2006/main">
+  <p:cSld>
+    <p:bg>
+      <p:bgPr>
+        <a:gradFill rotWithShape="1">
+          <a:gsLst>
+            <a:gs pos="0">
+              <a:schemeClr val="bg2">
+                <a:tint val="90000"/>
+                <a:satMod val="92000"/>
+                <a:lumMod val="120000"/>
+              </a:schemeClr>
+            </a:gs>
+            <a:gs pos="100000">
+              <a:schemeClr val="bg2">
+                <a:shade val="98000"/>
+                <a:satMod val="120000"/>
+                <a:lumMod val="98000"/>
+              </a:schemeClr>
+            </a:gs>
+          </a:gsLst>
+          <a:path path="circle">
+            <a:fillToRect l="50000" t="50000" r="100000" b="100000"/>
+          </a:path>
+        </a:gradFill>
+        <a:effectLst/>
+      </p:bgPr>
+    </p:bg>
+    <p:spTree>
+      <p:nvGrpSpPr>
+        <p:cNvPr id="1" name=""/>
+        <p:cNvGrpSpPr/>
+        <p:nvPr/>
+      </p:nvGrpSpPr>
+      <p:grpSpPr>
+        <a:xfrm>
+          <a:off x="0" y="0"/>
+          <a:ext cx="0" cy="0"/>
+          <a:chOff x="0" y="0"/>
+          <a:chExt cx="0" cy="0"/>
+        </a:xfrm>
+      </p:grpSpPr>
       <p:sp>
         <p:nvSpPr>
           <p:cNvPr id="2" name="Title 1">
@@ -31276,8 +31471,8 @@
         </p:nvSpPr>
         <p:spPr>
           <a:xfrm>
-            <a:off x="9392813" y="3101093"/>
-            <a:ext cx="2454052" cy="3029344"/>
+            <a:off x="1640156" y="772966"/>
+            <a:ext cx="8911687" cy="1280890"/>
           </a:xfrm>
         </p:spPr>
         <p:txBody>
@@ -31287,172 +31482,58 @@
           <a:lstStyle/>
           <a:p>
             <a:r>
-              <a:rPr lang="en-US" sz="3200">
-                <a:solidFill>
-                  <a:schemeClr val="bg1"/>
-                </a:solidFill>
-              </a:rPr>
+              <a:rPr lang="en-US"/>
               <a:t>Cache</a:t>
             </a:r>
           </a:p>
         </p:txBody>
       </p:sp>
-      <p:sp>
-        <p:nvSpPr>
-          <p:cNvPr id="21" name="Freeform: Shape 15">
+      <p:pic>
+        <p:nvPicPr>
+          <p:cNvPr id="3" name="Picture 4" descr="Using an in-memory cache in different instances of an application">
             <a:extLst>
               <a:ext uri="{FF2B5EF4-FFF2-40B4-BE49-F238E27FC236}">
-                <a16:creationId xmlns:a16="http://schemas.microsoft.com/office/drawing/2014/main" id="{1941746C-2C12-4564-8342-A3055D8361A9}"/>
-              </a:ext>
-              <a:ext uri="{C183D7F6-B498-43B3-948B-1728B52AA6E4}">
-                <adec:decorative xmlns:adec="http://schemas.microsoft.com/office/drawing/2017/decorative" val="1"/>
+                <a16:creationId xmlns:a16="http://schemas.microsoft.com/office/drawing/2014/main" id="{F6EBF936-7545-4D37-AC83-4CB0293832B7}"/>
               </a:ext>
             </a:extLst>
           </p:cNvPr>
-          <p:cNvSpPr>
-            <a:spLocks noGrp="1" noRot="1" noChangeAspect="1" noMove="1" noResize="1" noEditPoints="1" noAdjustHandles="1" noChangeArrowheads="1" noChangeShapeType="1" noTextEdit="1"/>
-          </p:cNvSpPr>
-          <p:nvPr>
-            <p:extLst>
-              <p:ext uri="{386F3935-93C4-4BCD-93E2-E3B085C9AB24}">
-                <p16:designElem xmlns:p16="http://schemas.microsoft.com/office/powerpoint/2015/main" val="1"/>
-              </p:ext>
-            </p:extLst>
-          </p:nvPr>
-        </p:nvSpPr>
+          <p:cNvPicPr>
+            <a:picLocks noChangeAspect="1" noChangeArrowheads="1"/>
+          </p:cNvPicPr>
+          <p:nvPr/>
+        </p:nvPicPr>
+        <p:blipFill>
+          <a:blip r:embed="rId2">
+            <a:extLst>
+              <a:ext uri="{28A0092B-C50C-407E-A947-70E740481C1C}">
+                <a14:useLocalDpi xmlns:a14="http://schemas.microsoft.com/office/drawing/2010/main" val="0"/>
+              </a:ext>
+            </a:extLst>
+          </a:blip>
+          <a:stretch>
+            <a:fillRect/>
+          </a:stretch>
+        </p:blipFill>
         <p:spPr bwMode="auto">
-          <a:xfrm flipV="1">
-            <a:off x="8132921" y="3187343"/>
-            <a:ext cx="1105119" cy="506624"/>
+          <a:xfrm>
+            <a:off x="8016950" y="2274218"/>
+            <a:ext cx="3944678" cy="3567134"/>
           </a:xfrm>
-          <a:custGeom>
+          <a:prstGeom prst="rect">
             <a:avLst/>
-            <a:gdLst>
-              <a:gd name="connsiteX0" fmla="*/ 0 w 1105119"/>
-              <a:gd name="connsiteY0" fmla="*/ 506624 h 506624"/>
-              <a:gd name="connsiteX1" fmla="*/ 759132 w 1105119"/>
-              <a:gd name="connsiteY1" fmla="*/ 505572 h 506624"/>
-              <a:gd name="connsiteX2" fmla="*/ 849827 w 1105119"/>
-              <a:gd name="connsiteY2" fmla="*/ 505572 h 506624"/>
-              <a:gd name="connsiteX3" fmla="*/ 864083 w 1105119"/>
-              <a:gd name="connsiteY3" fmla="*/ 500804 h 506624"/>
-              <a:gd name="connsiteX4" fmla="*/ 869065 w 1105119"/>
-              <a:gd name="connsiteY4" fmla="*/ 496035 h 506624"/>
-              <a:gd name="connsiteX5" fmla="*/ 1098034 w 1105119"/>
-              <a:gd name="connsiteY5" fmla="*/ 267092 h 506624"/>
-              <a:gd name="connsiteX6" fmla="*/ 1098034 w 1105119"/>
-              <a:gd name="connsiteY6" fmla="*/ 238480 h 506624"/>
-              <a:gd name="connsiteX7" fmla="*/ 869065 w 1105119"/>
-              <a:gd name="connsiteY7" fmla="*/ 9537 h 506624"/>
-              <a:gd name="connsiteX8" fmla="*/ 864083 w 1105119"/>
-              <a:gd name="connsiteY8" fmla="*/ 4769 h 506624"/>
-              <a:gd name="connsiteX9" fmla="*/ 849827 w 1105119"/>
-              <a:gd name="connsiteY9" fmla="*/ 0 h 506624"/>
-              <a:gd name="connsiteX10" fmla="*/ 759132 w 1105119"/>
-              <a:gd name="connsiteY10" fmla="*/ 0 h 506624"/>
-              <a:gd name="connsiteX11" fmla="*/ 0 w 1105119"/>
-              <a:gd name="connsiteY11" fmla="*/ 2157 h 506624"/>
-            </a:gdLst>
-            <a:ahLst/>
-            <a:cxnLst>
-              <a:cxn ang="0">
-                <a:pos x="connsiteX0" y="connsiteY0"/>
-              </a:cxn>
-              <a:cxn ang="0">
-                <a:pos x="connsiteX1" y="connsiteY1"/>
-              </a:cxn>
-              <a:cxn ang="0">
-                <a:pos x="connsiteX2" y="connsiteY2"/>
-              </a:cxn>
-              <a:cxn ang="0">
-                <a:pos x="connsiteX3" y="connsiteY3"/>
-              </a:cxn>
-              <a:cxn ang="0">
-                <a:pos x="connsiteX4" y="connsiteY4"/>
-              </a:cxn>
-              <a:cxn ang="0">
-                <a:pos x="connsiteX5" y="connsiteY5"/>
-              </a:cxn>
-              <a:cxn ang="0">
-                <a:pos x="connsiteX6" y="connsiteY6"/>
-              </a:cxn>
-              <a:cxn ang="0">
-                <a:pos x="connsiteX7" y="connsiteY7"/>
-              </a:cxn>
-              <a:cxn ang="0">
-                <a:pos x="connsiteX8" y="connsiteY8"/>
-              </a:cxn>
-              <a:cxn ang="0">
-                <a:pos x="connsiteX9" y="connsiteY9"/>
-              </a:cxn>
-              <a:cxn ang="0">
-                <a:pos x="connsiteX10" y="connsiteY10"/>
-              </a:cxn>
-              <a:cxn ang="0">
-                <a:pos x="connsiteX11" y="connsiteY11"/>
-              </a:cxn>
-            </a:cxnLst>
-            <a:rect l="l" t="t" r="r" b="b"/>
-            <a:pathLst>
-              <a:path w="1105119" h="506624">
-                <a:moveTo>
-                  <a:pt x="0" y="506624"/>
-                </a:moveTo>
-                <a:lnTo>
-                  <a:pt x="759132" y="505572"/>
-                </a:lnTo>
-                <a:lnTo>
-                  <a:pt x="849827" y="505572"/>
-                </a:lnTo>
-                <a:cubicBezTo>
-                  <a:pt x="854636" y="505572"/>
-                  <a:pt x="859446" y="500804"/>
-                  <a:pt x="864083" y="500804"/>
-                </a:cubicBezTo>
-                <a:cubicBezTo>
-                  <a:pt x="864083" y="496035"/>
-                  <a:pt x="869065" y="496035"/>
-                  <a:pt x="869065" y="496035"/>
-                </a:cubicBezTo>
-                <a:lnTo>
-                  <a:pt x="1098034" y="267092"/>
-                </a:lnTo>
-                <a:cubicBezTo>
-                  <a:pt x="1107481" y="257555"/>
-                  <a:pt x="1107481" y="248018"/>
-                  <a:pt x="1098034" y="238480"/>
-                </a:cubicBezTo>
-                <a:lnTo>
-                  <a:pt x="869065" y="9537"/>
-                </a:lnTo>
-                <a:cubicBezTo>
-                  <a:pt x="867519" y="7914"/>
-                  <a:pt x="865629" y="6392"/>
-                  <a:pt x="864083" y="4769"/>
-                </a:cubicBezTo>
-                <a:cubicBezTo>
-                  <a:pt x="859446" y="0"/>
-                  <a:pt x="854636" y="0"/>
-                  <a:pt x="849827" y="0"/>
-                </a:cubicBezTo>
-                <a:lnTo>
-                  <a:pt x="759132" y="0"/>
-                </a:lnTo>
-                <a:lnTo>
-                  <a:pt x="0" y="2157"/>
-                </a:lnTo>
-                <a:close/>
-              </a:path>
-            </a:pathLst>
-          </a:custGeom>
-          <a:solidFill>
-            <a:schemeClr val="accent1"/>
-          </a:solidFill>
-          <a:ln>
-            <a:noFill/>
-          </a:ln>
+          </a:prstGeom>
+          <a:noFill/>
+          <a:extLst>
+            <a:ext uri="{909E8E84-426E-40DD-AFC4-6F175D3DCCD1}">
+              <a14:hiddenFill xmlns:a14="http://schemas.microsoft.com/office/drawing/2010/main">
+                <a:solidFill>
+                  <a:srgbClr val="FFFFFF"/>
+                </a:solidFill>
+              </a14:hiddenFill>
+            </a:ext>
+          </a:extLst>
         </p:spPr>
-      </p:sp>
+      </p:pic>
       <p:graphicFrame>
         <p:nvGraphicFramePr>
           <p:cNvPr id="5" name="Content Placeholder 2">
@@ -31469,18 +31550,18 @@
             <p:ph idx="1"/>
             <p:extLst>
               <p:ext uri="{D42A27DB-BD31-4B8C-83A1-F6EECF244321}">
-                <p14:modId xmlns:p14="http://schemas.microsoft.com/office/powerpoint/2010/main" val="511794875"/>
+                <p14:modId xmlns:p14="http://schemas.microsoft.com/office/powerpoint/2010/main" val="845985821"/>
               </p:ext>
             </p:extLst>
           </p:nvPr>
         </p:nvGraphicFramePr>
         <p:xfrm>
-          <a:off x="616444" y="641551"/>
-          <a:ext cx="6832212" cy="5264779"/>
+          <a:off x="1636443" y="2274218"/>
+          <a:ext cx="5835121" cy="3785860"/>
         </p:xfrm>
         <a:graphic>
           <a:graphicData uri="http://schemas.openxmlformats.org/drawingml/2006/diagram">
-            <dgm:relIds xmlns:dgm="http://schemas.openxmlformats.org/drawingml/2006/diagram" xmlns:r="http://schemas.openxmlformats.org/officeDocument/2006/relationships" r:dm="rId2" r:lo="rId3" r:qs="rId4" r:cs="rId5"/>
+            <dgm:relIds xmlns:dgm="http://schemas.openxmlformats.org/drawingml/2006/diagram" xmlns:r="http://schemas.openxmlformats.org/officeDocument/2006/relationships" r:dm="rId3" r:lo="rId4" r:qs="rId5" r:cs="rId6"/>
           </a:graphicData>
         </a:graphic>
       </p:graphicFrame>
@@ -31497,7 +31578,7 @@
 </p:sld>
 </file>
 
-<file path=ppt/slides/slide11.xml><?xml version="1.0" encoding="utf-8"?>
+<file path=ppt/slides/slide12.xml><?xml version="1.0" encoding="utf-8"?>
 <p:sld xmlns:a="http://schemas.openxmlformats.org/drawingml/2006/main" xmlns:r="http://schemas.openxmlformats.org/officeDocument/2006/relationships" xmlns:p="http://schemas.openxmlformats.org/presentationml/2006/main">
   <p:cSld>
     <p:bg>
@@ -31938,7 +32019,7 @@
 </p:sld>
 </file>
 
-<file path=ppt/slides/slide12.xml><?xml version="1.0" encoding="utf-8"?>
+<file path=ppt/slides/slide13.xml><?xml version="1.0" encoding="utf-8"?>
 <p:sld xmlns:a="http://schemas.openxmlformats.org/drawingml/2006/main" xmlns:r="http://schemas.openxmlformats.org/officeDocument/2006/relationships" xmlns:p="http://schemas.openxmlformats.org/presentationml/2006/main">
   <p:cSld>
     <p:bg>
@@ -32379,7 +32460,7 @@
 </p:sld>
 </file>
 
-<file path=ppt/slides/slide13.xml><?xml version="1.0" encoding="utf-8"?>
+<file path=ppt/slides/slide14.xml><?xml version="1.0" encoding="utf-8"?>
 <p:sld xmlns:a="http://schemas.openxmlformats.org/drawingml/2006/main" xmlns:r="http://schemas.openxmlformats.org/officeDocument/2006/relationships" xmlns:p="http://schemas.openxmlformats.org/presentationml/2006/main">
   <p:cSld>
     <p:bg>
@@ -34014,6 +34095,855 @@
 <file path=ppt/slides/slide4.xml><?xml version="1.0" encoding="utf-8"?>
 <p:sld xmlns:a="http://schemas.openxmlformats.org/drawingml/2006/main" xmlns:r="http://schemas.openxmlformats.org/officeDocument/2006/relationships" xmlns:p="http://schemas.openxmlformats.org/presentationml/2006/main">
   <p:cSld>
+    <p:spTree>
+      <p:nvGrpSpPr>
+        <p:cNvPr id="1" name=""/>
+        <p:cNvGrpSpPr/>
+        <p:nvPr/>
+      </p:nvGrpSpPr>
+      <p:grpSpPr>
+        <a:xfrm>
+          <a:off x="0" y="0"/>
+          <a:ext cx="0" cy="0"/>
+          <a:chOff x="0" y="0"/>
+          <a:chExt cx="0" cy="0"/>
+        </a:xfrm>
+      </p:grpSpPr>
+      <p:sp>
+        <p:nvSpPr>
+          <p:cNvPr id="16" name="Rectangle 15">
+            <a:extLst>
+              <a:ext uri="{FF2B5EF4-FFF2-40B4-BE49-F238E27FC236}">
+                <a16:creationId xmlns:a16="http://schemas.microsoft.com/office/drawing/2014/main" id="{AAAC1693-A60F-40FE-9F84-177C67DE1697}"/>
+              </a:ext>
+            </a:extLst>
+          </p:cNvPr>
+          <p:cNvSpPr/>
+          <p:nvPr/>
+        </p:nvSpPr>
+        <p:spPr>
+          <a:xfrm>
+            <a:off x="5917977" y="117335"/>
+            <a:ext cx="6190407" cy="5429755"/>
+          </a:xfrm>
+          <a:prstGeom prst="rect">
+            <a:avLst/>
+          </a:prstGeom>
+        </p:spPr>
+        <p:style>
+          <a:lnRef idx="3">
+            <a:schemeClr val="lt1"/>
+          </a:lnRef>
+          <a:fillRef idx="1">
+            <a:schemeClr val="accent6"/>
+          </a:fillRef>
+          <a:effectRef idx="1">
+            <a:schemeClr val="accent6"/>
+          </a:effectRef>
+          <a:fontRef idx="minor">
+            <a:schemeClr val="lt1"/>
+          </a:fontRef>
+        </p:style>
+        <p:txBody>
+          <a:bodyPr rtlCol="0" anchor="ctr"/>
+          <a:lstStyle/>
+          <a:p>
+            <a:pPr algn="ctr"/>
+            <a:endParaRPr lang="en-US" dirty="0"/>
+          </a:p>
+        </p:txBody>
+      </p:sp>
+      <p:pic>
+        <p:nvPicPr>
+          <p:cNvPr id="3" name="Graphic 2" descr="Confused person with solid fill">
+            <a:extLst>
+              <a:ext uri="{FF2B5EF4-FFF2-40B4-BE49-F238E27FC236}">
+                <a16:creationId xmlns:a16="http://schemas.microsoft.com/office/drawing/2014/main" id="{B92A2641-D45D-4837-8D70-9908DFE1F8B4}"/>
+              </a:ext>
+            </a:extLst>
+          </p:cNvPr>
+          <p:cNvPicPr>
+            <a:picLocks noChangeAspect="1"/>
+          </p:cNvPicPr>
+          <p:nvPr/>
+        </p:nvPicPr>
+        <p:blipFill>
+          <a:blip r:embed="rId2">
+            <a:extLst>
+              <a:ext uri="{96DAC541-7B7A-43D3-8B79-37D633B846F1}">
+                <asvg:svgBlip xmlns:asvg="http://schemas.microsoft.com/office/drawing/2016/SVG/main" r:embed="rId3"/>
+              </a:ext>
+            </a:extLst>
+          </a:blip>
+          <a:stretch>
+            <a:fillRect/>
+          </a:stretch>
+        </p:blipFill>
+        <p:spPr>
+          <a:xfrm>
+            <a:off x="1549288" y="1998732"/>
+            <a:ext cx="914400" cy="914400"/>
+          </a:xfrm>
+          <a:prstGeom prst="rect">
+            <a:avLst/>
+          </a:prstGeom>
+        </p:spPr>
+      </p:pic>
+      <p:sp>
+        <p:nvSpPr>
+          <p:cNvPr id="4" name="Rectangle: Rounded Corners 3">
+            <a:extLst>
+              <a:ext uri="{FF2B5EF4-FFF2-40B4-BE49-F238E27FC236}">
+                <a16:creationId xmlns:a16="http://schemas.microsoft.com/office/drawing/2014/main" id="{546F275B-1C29-49A5-B6F7-3DBBC847CF1F}"/>
+              </a:ext>
+            </a:extLst>
+          </p:cNvPr>
+          <p:cNvSpPr/>
+          <p:nvPr/>
+        </p:nvSpPr>
+        <p:spPr>
+          <a:xfrm>
+            <a:off x="3178821" y="1319001"/>
+            <a:ext cx="1869260" cy="679731"/>
+          </a:xfrm>
+          <a:prstGeom prst="roundRect">
+            <a:avLst/>
+          </a:prstGeom>
+        </p:spPr>
+        <p:style>
+          <a:lnRef idx="2">
+            <a:schemeClr val="accent6"/>
+          </a:lnRef>
+          <a:fillRef idx="1">
+            <a:schemeClr val="lt1"/>
+          </a:fillRef>
+          <a:effectRef idx="0">
+            <a:schemeClr val="accent6"/>
+          </a:effectRef>
+          <a:fontRef idx="minor">
+            <a:schemeClr val="dk1"/>
+          </a:fontRef>
+        </p:style>
+        <p:txBody>
+          <a:bodyPr rtlCol="0" anchor="ctr"/>
+          <a:lstStyle/>
+          <a:p>
+            <a:pPr algn="ctr"/>
+            <a:r>
+              <a:rPr lang="en-US" dirty="0"/>
+              <a:t>Web UI</a:t>
+            </a:r>
+          </a:p>
+        </p:txBody>
+      </p:sp>
+      <p:sp>
+        <p:nvSpPr>
+          <p:cNvPr id="7" name="Rectangle: Rounded Corners 6">
+            <a:extLst>
+              <a:ext uri="{FF2B5EF4-FFF2-40B4-BE49-F238E27FC236}">
+                <a16:creationId xmlns:a16="http://schemas.microsoft.com/office/drawing/2014/main" id="{B1527DC6-C2EA-438B-82D7-3836A49047A2}"/>
+              </a:ext>
+            </a:extLst>
+          </p:cNvPr>
+          <p:cNvSpPr/>
+          <p:nvPr/>
+        </p:nvSpPr>
+        <p:spPr>
+          <a:xfrm>
+            <a:off x="6265934" y="827410"/>
+            <a:ext cx="1869260" cy="679731"/>
+          </a:xfrm>
+          <a:prstGeom prst="roundRect">
+            <a:avLst/>
+          </a:prstGeom>
+        </p:spPr>
+        <p:style>
+          <a:lnRef idx="2">
+            <a:schemeClr val="accent5">
+              <a:shade val="50000"/>
+            </a:schemeClr>
+          </a:lnRef>
+          <a:fillRef idx="1">
+            <a:schemeClr val="accent5"/>
+          </a:fillRef>
+          <a:effectRef idx="0">
+            <a:schemeClr val="accent5"/>
+          </a:effectRef>
+          <a:fontRef idx="minor">
+            <a:schemeClr val="lt1"/>
+          </a:fontRef>
+        </p:style>
+        <p:txBody>
+          <a:bodyPr rtlCol="0" anchor="ctr"/>
+          <a:lstStyle/>
+          <a:p>
+            <a:pPr algn="ctr"/>
+            <a:r>
+              <a:rPr lang="en-US" dirty="0"/>
+              <a:t>API</a:t>
+            </a:r>
+          </a:p>
+        </p:txBody>
+      </p:sp>
+      <p:sp>
+        <p:nvSpPr>
+          <p:cNvPr id="9" name="Rectangle: Rounded Corners 8">
+            <a:extLst>
+              <a:ext uri="{FF2B5EF4-FFF2-40B4-BE49-F238E27FC236}">
+                <a16:creationId xmlns:a16="http://schemas.microsoft.com/office/drawing/2014/main" id="{8751673D-20CB-4802-BA40-1640BFF019F6}"/>
+              </a:ext>
+            </a:extLst>
+          </p:cNvPr>
+          <p:cNvSpPr/>
+          <p:nvPr/>
+        </p:nvSpPr>
+        <p:spPr>
+          <a:xfrm>
+            <a:off x="3419901" y="2896947"/>
+            <a:ext cx="1869260" cy="679731"/>
+          </a:xfrm>
+          <a:prstGeom prst="roundRect">
+            <a:avLst/>
+          </a:prstGeom>
+        </p:spPr>
+        <p:style>
+          <a:lnRef idx="2">
+            <a:schemeClr val="accent6"/>
+          </a:lnRef>
+          <a:fillRef idx="1">
+            <a:schemeClr val="lt1"/>
+          </a:fillRef>
+          <a:effectRef idx="0">
+            <a:schemeClr val="accent6"/>
+          </a:effectRef>
+          <a:fontRef idx="minor">
+            <a:schemeClr val="dk1"/>
+          </a:fontRef>
+        </p:style>
+        <p:txBody>
+          <a:bodyPr rtlCol="0" anchor="ctr"/>
+          <a:lstStyle/>
+          <a:p>
+            <a:pPr algn="ctr"/>
+            <a:r>
+              <a:rPr lang="en-US" dirty="0"/>
+              <a:t>App</a:t>
+            </a:r>
+          </a:p>
+        </p:txBody>
+      </p:sp>
+      <p:cxnSp>
+        <p:nvCxnSpPr>
+          <p:cNvPr id="11" name="Straight Arrow Connector 10">
+            <a:extLst>
+              <a:ext uri="{FF2B5EF4-FFF2-40B4-BE49-F238E27FC236}">
+                <a16:creationId xmlns:a16="http://schemas.microsoft.com/office/drawing/2014/main" id="{5513FE94-D8FB-4DF6-8989-AFC2D17F69BD}"/>
+              </a:ext>
+            </a:extLst>
+          </p:cNvPr>
+          <p:cNvCxnSpPr>
+            <a:cxnSpLocks/>
+            <a:stCxn id="3" idx="3"/>
+            <a:endCxn id="4" idx="1"/>
+          </p:cNvCxnSpPr>
+          <p:nvPr/>
+        </p:nvCxnSpPr>
+        <p:spPr>
+          <a:xfrm flipV="1">
+            <a:off x="2463688" y="1658867"/>
+            <a:ext cx="715133" cy="797065"/>
+          </a:xfrm>
+          <a:prstGeom prst="straightConnector1">
+            <a:avLst/>
+          </a:prstGeom>
+          <a:ln>
+            <a:tailEnd type="triangle"/>
+          </a:ln>
+        </p:spPr>
+        <p:style>
+          <a:lnRef idx="1">
+            <a:schemeClr val="accent1"/>
+          </a:lnRef>
+          <a:fillRef idx="0">
+            <a:schemeClr val="accent1"/>
+          </a:fillRef>
+          <a:effectRef idx="0">
+            <a:schemeClr val="accent1"/>
+          </a:effectRef>
+          <a:fontRef idx="minor">
+            <a:schemeClr val="tx1"/>
+          </a:fontRef>
+        </p:style>
+      </p:cxnSp>
+      <p:cxnSp>
+        <p:nvCxnSpPr>
+          <p:cNvPr id="15" name="Straight Arrow Connector 14">
+            <a:extLst>
+              <a:ext uri="{FF2B5EF4-FFF2-40B4-BE49-F238E27FC236}">
+                <a16:creationId xmlns:a16="http://schemas.microsoft.com/office/drawing/2014/main" id="{C15A9A43-3150-4355-B718-0C7CCC871C90}"/>
+              </a:ext>
+            </a:extLst>
+          </p:cNvPr>
+          <p:cNvCxnSpPr>
+            <a:cxnSpLocks/>
+            <a:stCxn id="3" idx="3"/>
+            <a:endCxn id="9" idx="1"/>
+          </p:cNvCxnSpPr>
+          <p:nvPr/>
+        </p:nvCxnSpPr>
+        <p:spPr>
+          <a:xfrm>
+            <a:off x="2463688" y="2455932"/>
+            <a:ext cx="956213" cy="780881"/>
+          </a:xfrm>
+          <a:prstGeom prst="straightConnector1">
+            <a:avLst/>
+          </a:prstGeom>
+          <a:ln>
+            <a:tailEnd type="triangle"/>
+          </a:ln>
+        </p:spPr>
+        <p:style>
+          <a:lnRef idx="1">
+            <a:schemeClr val="accent1"/>
+          </a:lnRef>
+          <a:fillRef idx="0">
+            <a:schemeClr val="accent1"/>
+          </a:fillRef>
+          <a:effectRef idx="0">
+            <a:schemeClr val="accent1"/>
+          </a:effectRef>
+          <a:fontRef idx="minor">
+            <a:schemeClr val="tx1"/>
+          </a:fontRef>
+        </p:style>
+      </p:cxnSp>
+      <p:sp>
+        <p:nvSpPr>
+          <p:cNvPr id="17" name="TextBox 16">
+            <a:extLst>
+              <a:ext uri="{FF2B5EF4-FFF2-40B4-BE49-F238E27FC236}">
+                <a16:creationId xmlns:a16="http://schemas.microsoft.com/office/drawing/2014/main" id="{220212D4-F461-4B4D-941F-880B6CFB10BF}"/>
+              </a:ext>
+            </a:extLst>
+          </p:cNvPr>
+          <p:cNvSpPr txBox="1"/>
+          <p:nvPr/>
+        </p:nvSpPr>
+        <p:spPr>
+          <a:xfrm>
+            <a:off x="8549370" y="4389138"/>
+            <a:ext cx="1509165" cy="369332"/>
+          </a:xfrm>
+          <a:prstGeom prst="rect">
+            <a:avLst/>
+          </a:prstGeom>
+          <a:noFill/>
+        </p:spPr>
+        <p:txBody>
+          <a:bodyPr wrap="square" rtlCol="0">
+            <a:spAutoFit/>
+          </a:bodyPr>
+          <a:lstStyle/>
+          <a:p>
+            <a:r>
+              <a:rPr lang="en-US" dirty="0"/>
+              <a:t>Backend</a:t>
+            </a:r>
+          </a:p>
+        </p:txBody>
+      </p:sp>
+      <p:sp>
+        <p:nvSpPr>
+          <p:cNvPr id="18" name="Oval 17">
+            <a:extLst>
+              <a:ext uri="{FF2B5EF4-FFF2-40B4-BE49-F238E27FC236}">
+                <a16:creationId xmlns:a16="http://schemas.microsoft.com/office/drawing/2014/main" id="{EE5C3A4B-B7F5-47DB-8D57-A07F209575DB}"/>
+              </a:ext>
+            </a:extLst>
+          </p:cNvPr>
+          <p:cNvSpPr/>
+          <p:nvPr/>
+        </p:nvSpPr>
+        <p:spPr>
+          <a:xfrm>
+            <a:off x="7174862" y="2807499"/>
+            <a:ext cx="1675052" cy="793020"/>
+          </a:xfrm>
+          <a:prstGeom prst="ellipse">
+            <a:avLst/>
+          </a:prstGeom>
+        </p:spPr>
+        <p:style>
+          <a:lnRef idx="2">
+            <a:schemeClr val="accent2">
+              <a:shade val="50000"/>
+            </a:schemeClr>
+          </a:lnRef>
+          <a:fillRef idx="1">
+            <a:schemeClr val="accent2"/>
+          </a:fillRef>
+          <a:effectRef idx="0">
+            <a:schemeClr val="accent2"/>
+          </a:effectRef>
+          <a:fontRef idx="minor">
+            <a:schemeClr val="lt1"/>
+          </a:fontRef>
+        </p:style>
+        <p:txBody>
+          <a:bodyPr rtlCol="0" anchor="ctr"/>
+          <a:lstStyle/>
+          <a:p>
+            <a:pPr algn="ctr"/>
+            <a:r>
+              <a:rPr lang="en-US" dirty="0"/>
+              <a:t>Services</a:t>
+            </a:r>
+          </a:p>
+        </p:txBody>
+      </p:sp>
+      <p:cxnSp>
+        <p:nvCxnSpPr>
+          <p:cNvPr id="22" name="Straight Arrow Connector 21">
+            <a:extLst>
+              <a:ext uri="{FF2B5EF4-FFF2-40B4-BE49-F238E27FC236}">
+                <a16:creationId xmlns:a16="http://schemas.microsoft.com/office/drawing/2014/main" id="{C2D651AB-B4D6-4612-9E10-FC74E0BE22AD}"/>
+              </a:ext>
+            </a:extLst>
+          </p:cNvPr>
+          <p:cNvCxnSpPr>
+            <a:cxnSpLocks/>
+            <a:stCxn id="9" idx="3"/>
+            <a:endCxn id="7" idx="1"/>
+          </p:cNvCxnSpPr>
+          <p:nvPr/>
+        </p:nvCxnSpPr>
+        <p:spPr>
+          <a:xfrm flipV="1">
+            <a:off x="5289161" y="1167276"/>
+            <a:ext cx="976773" cy="2069537"/>
+          </a:xfrm>
+          <a:prstGeom prst="straightConnector1">
+            <a:avLst/>
+          </a:prstGeom>
+          <a:ln>
+            <a:tailEnd type="triangle"/>
+          </a:ln>
+        </p:spPr>
+        <p:style>
+          <a:lnRef idx="1">
+            <a:schemeClr val="accent1"/>
+          </a:lnRef>
+          <a:fillRef idx="0">
+            <a:schemeClr val="accent1"/>
+          </a:fillRef>
+          <a:effectRef idx="0">
+            <a:schemeClr val="accent1"/>
+          </a:effectRef>
+          <a:fontRef idx="minor">
+            <a:schemeClr val="tx1"/>
+          </a:fontRef>
+        </p:style>
+      </p:cxnSp>
+      <p:cxnSp>
+        <p:nvCxnSpPr>
+          <p:cNvPr id="24" name="Straight Arrow Connector 23">
+            <a:extLst>
+              <a:ext uri="{FF2B5EF4-FFF2-40B4-BE49-F238E27FC236}">
+                <a16:creationId xmlns:a16="http://schemas.microsoft.com/office/drawing/2014/main" id="{4CBC51FF-20D9-406A-BBF5-84B8BC214CD2}"/>
+              </a:ext>
+            </a:extLst>
+          </p:cNvPr>
+          <p:cNvCxnSpPr>
+            <a:cxnSpLocks/>
+            <a:stCxn id="4" idx="3"/>
+            <a:endCxn id="7" idx="1"/>
+          </p:cNvCxnSpPr>
+          <p:nvPr/>
+        </p:nvCxnSpPr>
+        <p:spPr>
+          <a:xfrm flipV="1">
+            <a:off x="5048081" y="1167276"/>
+            <a:ext cx="1217853" cy="491591"/>
+          </a:xfrm>
+          <a:prstGeom prst="straightConnector1">
+            <a:avLst/>
+          </a:prstGeom>
+          <a:ln>
+            <a:tailEnd type="triangle"/>
+          </a:ln>
+        </p:spPr>
+        <p:style>
+          <a:lnRef idx="1">
+            <a:schemeClr val="accent1"/>
+          </a:lnRef>
+          <a:fillRef idx="0">
+            <a:schemeClr val="accent1"/>
+          </a:fillRef>
+          <a:effectRef idx="0">
+            <a:schemeClr val="accent1"/>
+          </a:effectRef>
+          <a:fontRef idx="minor">
+            <a:schemeClr val="tx1"/>
+          </a:fontRef>
+        </p:style>
+      </p:cxnSp>
+      <p:sp>
+        <p:nvSpPr>
+          <p:cNvPr id="26" name="Cylinder 25">
+            <a:extLst>
+              <a:ext uri="{FF2B5EF4-FFF2-40B4-BE49-F238E27FC236}">
+                <a16:creationId xmlns:a16="http://schemas.microsoft.com/office/drawing/2014/main" id="{B6E8587E-E6F8-4011-9388-7BBDF23AF7DA}"/>
+              </a:ext>
+            </a:extLst>
+          </p:cNvPr>
+          <p:cNvSpPr/>
+          <p:nvPr/>
+        </p:nvSpPr>
+        <p:spPr>
+          <a:xfrm>
+            <a:off x="10531070" y="2310275"/>
+            <a:ext cx="1344626" cy="1642684"/>
+          </a:xfrm>
+          <a:prstGeom prst="can">
+            <a:avLst/>
+          </a:prstGeom>
+        </p:spPr>
+        <p:style>
+          <a:lnRef idx="2">
+            <a:schemeClr val="accent3">
+              <a:shade val="50000"/>
+            </a:schemeClr>
+          </a:lnRef>
+          <a:fillRef idx="1">
+            <a:schemeClr val="accent3"/>
+          </a:fillRef>
+          <a:effectRef idx="0">
+            <a:schemeClr val="accent3"/>
+          </a:effectRef>
+          <a:fontRef idx="minor">
+            <a:schemeClr val="lt1"/>
+          </a:fontRef>
+        </p:style>
+        <p:txBody>
+          <a:bodyPr rtlCol="0" anchor="ctr"/>
+          <a:lstStyle/>
+          <a:p>
+            <a:pPr algn="ctr"/>
+            <a:r>
+              <a:rPr lang="en-US" dirty="0"/>
+              <a:t>datastore</a:t>
+            </a:r>
+          </a:p>
+        </p:txBody>
+      </p:sp>
+      <p:sp>
+        <p:nvSpPr>
+          <p:cNvPr id="27" name="Hexagon 26">
+            <a:extLst>
+              <a:ext uri="{FF2B5EF4-FFF2-40B4-BE49-F238E27FC236}">
+                <a16:creationId xmlns:a16="http://schemas.microsoft.com/office/drawing/2014/main" id="{8A201502-2769-42F1-82F0-5483407F89B3}"/>
+              </a:ext>
+            </a:extLst>
+          </p:cNvPr>
+          <p:cNvSpPr/>
+          <p:nvPr/>
+        </p:nvSpPr>
+        <p:spPr>
+          <a:xfrm>
+            <a:off x="8891637" y="1072988"/>
+            <a:ext cx="1593119" cy="778858"/>
+          </a:xfrm>
+          <a:prstGeom prst="hexagon">
+            <a:avLst/>
+          </a:prstGeom>
+          <a:solidFill>
+            <a:srgbClr val="00B0F0"/>
+          </a:solidFill>
+        </p:spPr>
+        <p:style>
+          <a:lnRef idx="2">
+            <a:schemeClr val="accent1">
+              <a:shade val="50000"/>
+            </a:schemeClr>
+          </a:lnRef>
+          <a:fillRef idx="1">
+            <a:schemeClr val="accent1"/>
+          </a:fillRef>
+          <a:effectRef idx="0">
+            <a:schemeClr val="accent1"/>
+          </a:effectRef>
+          <a:fontRef idx="minor">
+            <a:schemeClr val="lt1"/>
+          </a:fontRef>
+        </p:style>
+        <p:txBody>
+          <a:bodyPr rtlCol="0" anchor="ctr"/>
+          <a:lstStyle/>
+          <a:p>
+            <a:pPr algn="ctr"/>
+            <a:r>
+              <a:rPr lang="en-US" dirty="0"/>
+              <a:t>Request queue</a:t>
+            </a:r>
+          </a:p>
+        </p:txBody>
+      </p:sp>
+      <p:cxnSp>
+        <p:nvCxnSpPr>
+          <p:cNvPr id="29" name="Straight Arrow Connector 28" descr="async">
+            <a:extLst>
+              <a:ext uri="{FF2B5EF4-FFF2-40B4-BE49-F238E27FC236}">
+                <a16:creationId xmlns:a16="http://schemas.microsoft.com/office/drawing/2014/main" id="{1D69A753-2869-4E3D-8DAD-296DC401FF3A}"/>
+              </a:ext>
+            </a:extLst>
+          </p:cNvPr>
+          <p:cNvCxnSpPr>
+            <a:cxnSpLocks/>
+            <a:stCxn id="7" idx="3"/>
+            <a:endCxn id="27" idx="3"/>
+          </p:cNvCxnSpPr>
+          <p:nvPr/>
+        </p:nvCxnSpPr>
+        <p:spPr>
+          <a:xfrm>
+            <a:off x="8135194" y="1167276"/>
+            <a:ext cx="756443" cy="295141"/>
+          </a:xfrm>
+          <a:prstGeom prst="straightConnector1">
+            <a:avLst/>
+          </a:prstGeom>
+          <a:ln>
+            <a:tailEnd type="triangle"/>
+          </a:ln>
+        </p:spPr>
+        <p:style>
+          <a:lnRef idx="1">
+            <a:schemeClr val="accent1"/>
+          </a:lnRef>
+          <a:fillRef idx="0">
+            <a:schemeClr val="accent1"/>
+          </a:fillRef>
+          <a:effectRef idx="0">
+            <a:schemeClr val="accent1"/>
+          </a:effectRef>
+          <a:fontRef idx="minor">
+            <a:schemeClr val="tx1"/>
+          </a:fontRef>
+        </p:style>
+      </p:cxnSp>
+      <p:cxnSp>
+        <p:nvCxnSpPr>
+          <p:cNvPr id="32" name="Straight Arrow Connector 31">
+            <a:extLst>
+              <a:ext uri="{FF2B5EF4-FFF2-40B4-BE49-F238E27FC236}">
+                <a16:creationId xmlns:a16="http://schemas.microsoft.com/office/drawing/2014/main" id="{C473AEDE-DC81-436A-BA5A-A9A6E29D06E9}"/>
+              </a:ext>
+            </a:extLst>
+          </p:cNvPr>
+          <p:cNvCxnSpPr>
+            <a:cxnSpLocks/>
+            <a:stCxn id="27" idx="2"/>
+            <a:endCxn id="18" idx="0"/>
+          </p:cNvCxnSpPr>
+          <p:nvPr/>
+        </p:nvCxnSpPr>
+        <p:spPr>
+          <a:xfrm flipH="1">
+            <a:off x="8012388" y="1851846"/>
+            <a:ext cx="1073964" cy="955653"/>
+          </a:xfrm>
+          <a:prstGeom prst="straightConnector1">
+            <a:avLst/>
+          </a:prstGeom>
+          <a:ln>
+            <a:tailEnd type="triangle"/>
+          </a:ln>
+        </p:spPr>
+        <p:style>
+          <a:lnRef idx="1">
+            <a:schemeClr val="accent1"/>
+          </a:lnRef>
+          <a:fillRef idx="0">
+            <a:schemeClr val="accent1"/>
+          </a:fillRef>
+          <a:effectRef idx="0">
+            <a:schemeClr val="accent1"/>
+          </a:effectRef>
+          <a:fontRef idx="minor">
+            <a:schemeClr val="tx1"/>
+          </a:fontRef>
+        </p:style>
+      </p:cxnSp>
+      <p:cxnSp>
+        <p:nvCxnSpPr>
+          <p:cNvPr id="36" name="Straight Arrow Connector 35">
+            <a:extLst>
+              <a:ext uri="{FF2B5EF4-FFF2-40B4-BE49-F238E27FC236}">
+                <a16:creationId xmlns:a16="http://schemas.microsoft.com/office/drawing/2014/main" id="{D0A556BE-B0E6-4131-A95E-438627BF86A8}"/>
+              </a:ext>
+            </a:extLst>
+          </p:cNvPr>
+          <p:cNvCxnSpPr>
+            <a:cxnSpLocks/>
+            <a:stCxn id="7" idx="2"/>
+            <a:endCxn id="18" idx="0"/>
+          </p:cNvCxnSpPr>
+          <p:nvPr/>
+        </p:nvCxnSpPr>
+        <p:spPr>
+          <a:xfrm>
+            <a:off x="7200564" y="1507141"/>
+            <a:ext cx="811824" cy="1300358"/>
+          </a:xfrm>
+          <a:prstGeom prst="straightConnector1">
+            <a:avLst/>
+          </a:prstGeom>
+          <a:ln>
+            <a:tailEnd type="triangle"/>
+          </a:ln>
+        </p:spPr>
+        <p:style>
+          <a:lnRef idx="1">
+            <a:schemeClr val="accent1"/>
+          </a:lnRef>
+          <a:fillRef idx="0">
+            <a:schemeClr val="accent1"/>
+          </a:fillRef>
+          <a:effectRef idx="0">
+            <a:schemeClr val="accent1"/>
+          </a:effectRef>
+          <a:fontRef idx="minor">
+            <a:schemeClr val="tx1"/>
+          </a:fontRef>
+        </p:style>
+      </p:cxnSp>
+      <p:cxnSp>
+        <p:nvCxnSpPr>
+          <p:cNvPr id="49" name="Straight Arrow Connector 48">
+            <a:extLst>
+              <a:ext uri="{FF2B5EF4-FFF2-40B4-BE49-F238E27FC236}">
+                <a16:creationId xmlns:a16="http://schemas.microsoft.com/office/drawing/2014/main" id="{57C2E06F-5DD9-4E1F-9BFC-DDAAE7139D89}"/>
+              </a:ext>
+            </a:extLst>
+          </p:cNvPr>
+          <p:cNvCxnSpPr>
+            <a:cxnSpLocks/>
+            <a:stCxn id="18" idx="6"/>
+          </p:cNvCxnSpPr>
+          <p:nvPr/>
+        </p:nvCxnSpPr>
+        <p:spPr>
+          <a:xfrm>
+            <a:off x="8849914" y="3204009"/>
+            <a:ext cx="1681156" cy="32804"/>
+          </a:xfrm>
+          <a:prstGeom prst="straightConnector1">
+            <a:avLst/>
+          </a:prstGeom>
+          <a:ln>
+            <a:headEnd type="triangle"/>
+            <a:tailEnd type="triangle"/>
+          </a:ln>
+        </p:spPr>
+        <p:style>
+          <a:lnRef idx="1">
+            <a:schemeClr val="accent1"/>
+          </a:lnRef>
+          <a:fillRef idx="0">
+            <a:schemeClr val="accent1"/>
+          </a:fillRef>
+          <a:effectRef idx="0">
+            <a:schemeClr val="accent1"/>
+          </a:effectRef>
+          <a:fontRef idx="minor">
+            <a:schemeClr val="tx1"/>
+          </a:fontRef>
+        </p:style>
+      </p:cxnSp>
+      <p:sp>
+        <p:nvSpPr>
+          <p:cNvPr id="50" name="TextBox 49">
+            <a:extLst>
+              <a:ext uri="{FF2B5EF4-FFF2-40B4-BE49-F238E27FC236}">
+                <a16:creationId xmlns:a16="http://schemas.microsoft.com/office/drawing/2014/main" id="{04EEA221-C774-41BE-9072-E9EE95811FA6}"/>
+              </a:ext>
+            </a:extLst>
+          </p:cNvPr>
+          <p:cNvSpPr txBox="1"/>
+          <p:nvPr/>
+        </p:nvSpPr>
+        <p:spPr>
+          <a:xfrm>
+            <a:off x="2638004" y="5923370"/>
+            <a:ext cx="2832212" cy="679731"/>
+          </a:xfrm>
+          <a:prstGeom prst="rect">
+            <a:avLst/>
+          </a:prstGeom>
+          <a:noFill/>
+        </p:spPr>
+        <p:txBody>
+          <a:bodyPr wrap="square" rtlCol="0">
+            <a:spAutoFit/>
+          </a:bodyPr>
+          <a:lstStyle/>
+          <a:p>
+            <a:endParaRPr lang="en-US" dirty="0"/>
+          </a:p>
+        </p:txBody>
+      </p:sp>
+      <p:sp>
+        <p:nvSpPr>
+          <p:cNvPr id="83" name="TextBox 82">
+            <a:extLst>
+              <a:ext uri="{FF2B5EF4-FFF2-40B4-BE49-F238E27FC236}">
+                <a16:creationId xmlns:a16="http://schemas.microsoft.com/office/drawing/2014/main" id="{BA4DADE9-4C8A-4E96-9F7F-1041ADAFC658}"/>
+              </a:ext>
+            </a:extLst>
+          </p:cNvPr>
+          <p:cNvSpPr txBox="1"/>
+          <p:nvPr/>
+        </p:nvSpPr>
+        <p:spPr>
+          <a:xfrm>
+            <a:off x="2941794" y="5785012"/>
+            <a:ext cx="4041633" cy="461665"/>
+          </a:xfrm>
+          <a:prstGeom prst="rect">
+            <a:avLst/>
+          </a:prstGeom>
+          <a:noFill/>
+        </p:spPr>
+        <p:txBody>
+          <a:bodyPr wrap="square" rtlCol="0">
+            <a:spAutoFit/>
+          </a:bodyPr>
+          <a:lstStyle/>
+          <a:p>
+            <a:r>
+              <a:rPr lang="en-US" sz="2400" b="1" dirty="0"/>
+              <a:t>Common Architecture</a:t>
+            </a:r>
+          </a:p>
+        </p:txBody>
+      </p:sp>
+    </p:spTree>
+    <p:extLst>
+      <p:ext uri="{BB962C8B-B14F-4D97-AF65-F5344CB8AC3E}">
+        <p14:creationId xmlns:p14="http://schemas.microsoft.com/office/powerpoint/2010/main" val="2896029087"/>
+      </p:ext>
+    </p:extLst>
+  </p:cSld>
+  <p:clrMapOvr>
+    <a:masterClrMapping/>
+  </p:clrMapOvr>
+</p:sld>
+</file>
+
+<file path=ppt/slides/slide5.xml><?xml version="1.0" encoding="utf-8"?>
+<p:sld xmlns:a="http://schemas.openxmlformats.org/drawingml/2006/main" xmlns:r="http://schemas.openxmlformats.org/officeDocument/2006/relationships" xmlns:p="http://schemas.openxmlformats.org/presentationml/2006/main">
+  <p:cSld>
     <p:bg>
       <p:bgPr>
         <a:gradFill rotWithShape="1">
@@ -34452,530 +35382,6 @@
 </p:sld>
 </file>
 
-<file path=ppt/slides/slide5.xml><?xml version="1.0" encoding="utf-8"?>
-<p:sld xmlns:a="http://schemas.openxmlformats.org/drawingml/2006/main" xmlns:r="http://schemas.openxmlformats.org/officeDocument/2006/relationships" xmlns:p="http://schemas.openxmlformats.org/presentationml/2006/main">
-  <p:cSld>
-    <p:bg>
-      <p:bgPr>
-        <a:gradFill rotWithShape="1">
-          <a:gsLst>
-            <a:gs pos="0">
-              <a:schemeClr val="bg2">
-                <a:tint val="90000"/>
-                <a:satMod val="92000"/>
-                <a:lumMod val="120000"/>
-              </a:schemeClr>
-            </a:gs>
-            <a:gs pos="100000">
-              <a:schemeClr val="bg2">
-                <a:shade val="98000"/>
-                <a:satMod val="120000"/>
-                <a:lumMod val="98000"/>
-              </a:schemeClr>
-            </a:gs>
-          </a:gsLst>
-          <a:path path="circle">
-            <a:fillToRect l="50000" t="50000" r="100000" b="100000"/>
-          </a:path>
-        </a:gradFill>
-        <a:effectLst/>
-      </p:bgPr>
-    </p:bg>
-    <p:spTree>
-      <p:nvGrpSpPr>
-        <p:cNvPr id="1" name=""/>
-        <p:cNvGrpSpPr/>
-        <p:nvPr/>
-      </p:nvGrpSpPr>
-      <p:grpSpPr>
-        <a:xfrm>
-          <a:off x="0" y="0"/>
-          <a:ext cx="0" cy="0"/>
-          <a:chOff x="0" y="0"/>
-          <a:chExt cx="0" cy="0"/>
-        </a:xfrm>
-      </p:grpSpPr>
-      <p:sp>
-        <p:nvSpPr>
-          <p:cNvPr id="44" name="Rectangle 7">
-            <a:extLst>
-              <a:ext uri="{FF2B5EF4-FFF2-40B4-BE49-F238E27FC236}">
-                <a16:creationId xmlns:a16="http://schemas.microsoft.com/office/drawing/2014/main" id="{19FE08D8-CEA0-461E-870A-02CD15D9B9D2}"/>
-              </a:ext>
-              <a:ext uri="{C183D7F6-B498-43B3-948B-1728B52AA6E4}">
-                <adec:decorative xmlns:adec="http://schemas.microsoft.com/office/drawing/2017/decorative" val="1"/>
-              </a:ext>
-            </a:extLst>
-          </p:cNvPr>
-          <p:cNvSpPr>
-            <a:spLocks noGrp="1" noRot="1" noChangeAspect="1" noMove="1" noResize="1" noEditPoints="1" noAdjustHandles="1" noChangeArrowheads="1" noChangeShapeType="1" noTextEdit="1"/>
-          </p:cNvSpPr>
-          <p:nvPr>
-            <p:extLst>
-              <p:ext uri="{386F3935-93C4-4BCD-93E2-E3B085C9AB24}">
-                <p16:designElem xmlns:p16="http://schemas.microsoft.com/office/powerpoint/2015/main" val="1"/>
-              </p:ext>
-            </p:extLst>
-          </p:nvPr>
-        </p:nvSpPr>
-        <p:spPr>
-          <a:xfrm>
-            <a:off x="1" y="0"/>
-            <a:ext cx="4059079" cy="6858000"/>
-          </a:xfrm>
-          <a:prstGeom prst="rect">
-            <a:avLst/>
-          </a:prstGeom>
-          <a:solidFill>
-            <a:schemeClr val="tx2"/>
-          </a:solidFill>
-          <a:ln>
-            <a:noFill/>
-          </a:ln>
-        </p:spPr>
-        <p:style>
-          <a:lnRef idx="2">
-            <a:schemeClr val="accent1">
-              <a:shade val="50000"/>
-            </a:schemeClr>
-          </a:lnRef>
-          <a:fillRef idx="1">
-            <a:schemeClr val="accent1"/>
-          </a:fillRef>
-          <a:effectRef idx="0">
-            <a:schemeClr val="accent1"/>
-          </a:effectRef>
-          <a:fontRef idx="minor">
-            <a:schemeClr val="lt1"/>
-          </a:fontRef>
-        </p:style>
-        <p:txBody>
-          <a:bodyPr rtlCol="0" anchor="ctr"/>
-          <a:lstStyle/>
-          <a:p>
-            <a:pPr algn="ctr"/>
-            <a:endParaRPr lang="en-US"/>
-          </a:p>
-        </p:txBody>
-      </p:sp>
-      <p:sp>
-        <p:nvSpPr>
-          <p:cNvPr id="2" name="Title 1">
-            <a:extLst>
-              <a:ext uri="{FF2B5EF4-FFF2-40B4-BE49-F238E27FC236}">
-                <a16:creationId xmlns:a16="http://schemas.microsoft.com/office/drawing/2014/main" id="{5DE2721A-D484-4EFE-A254-7D85775665D0}"/>
-              </a:ext>
-            </a:extLst>
-          </p:cNvPr>
-          <p:cNvSpPr>
-            <a:spLocks noGrp="1"/>
-          </p:cNvSpPr>
-          <p:nvPr>
-            <p:ph type="title"/>
-          </p:nvPr>
-        </p:nvSpPr>
-        <p:spPr>
-          <a:xfrm>
-            <a:off x="1259893" y="3101093"/>
-            <a:ext cx="2454052" cy="3029344"/>
-          </a:xfrm>
-        </p:spPr>
-        <p:txBody>
-          <a:bodyPr>
-            <a:normAutofit/>
-          </a:bodyPr>
-          <a:lstStyle/>
-          <a:p>
-            <a:r>
-              <a:rPr lang="en-US" sz="3200" dirty="0">
-                <a:solidFill>
-                  <a:schemeClr val="bg1"/>
-                </a:solidFill>
-              </a:rPr>
-              <a:t>Data Partitioning</a:t>
-            </a:r>
-          </a:p>
-        </p:txBody>
-      </p:sp>
-      <p:sp>
-        <p:nvSpPr>
-          <p:cNvPr id="10" name="Freeform 11">
-            <a:extLst>
-              <a:ext uri="{FF2B5EF4-FFF2-40B4-BE49-F238E27FC236}">
-                <a16:creationId xmlns:a16="http://schemas.microsoft.com/office/drawing/2014/main" id="{2B982904-A46E-41DF-BA98-61E2300C7DCB}"/>
-              </a:ext>
-              <a:ext uri="{C183D7F6-B498-43B3-948B-1728B52AA6E4}">
-                <adec:decorative xmlns:adec="http://schemas.microsoft.com/office/drawing/2017/decorative" val="1"/>
-              </a:ext>
-            </a:extLst>
-          </p:cNvPr>
-          <p:cNvSpPr>
-            <a:spLocks noGrp="1" noRot="1" noChangeAspect="1" noMove="1" noResize="1" noEditPoints="1" noAdjustHandles="1" noChangeArrowheads="1" noChangeShapeType="1" noTextEdit="1"/>
-          </p:cNvSpPr>
-          <p:nvPr>
-            <p:extLst>
-              <p:ext uri="{386F3935-93C4-4BCD-93E2-E3B085C9AB24}">
-                <p16:designElem xmlns:p16="http://schemas.microsoft.com/office/powerpoint/2015/main" val="1"/>
-              </p:ext>
-            </p:extLst>
-          </p:nvPr>
-        </p:nvSpPr>
-        <p:spPr bwMode="auto">
-          <a:xfrm flipV="1">
-            <a:off x="-159" y="3179901"/>
-            <a:ext cx="1098194" cy="514066"/>
-          </a:xfrm>
-          <a:custGeom>
-            <a:avLst/>
-            <a:gdLst>
-              <a:gd name="connsiteX0" fmla="*/ 10000 w 10044"/>
-              <a:gd name="connsiteY0" fmla="*/ 4701 h 9966"/>
-              <a:gd name="connsiteX1" fmla="*/ 8559 w 10044"/>
-              <a:gd name="connsiteY1" fmla="*/ 188 h 9966"/>
-              <a:gd name="connsiteX2" fmla="*/ 8527 w 10044"/>
-              <a:gd name="connsiteY2" fmla="*/ 94 h 9966"/>
-              <a:gd name="connsiteX3" fmla="*/ 8438 w 10044"/>
-              <a:gd name="connsiteY3" fmla="*/ 0 h 9966"/>
-              <a:gd name="connsiteX4" fmla="*/ 7867 w 10044"/>
-              <a:gd name="connsiteY4" fmla="*/ 0 h 9966"/>
-              <a:gd name="connsiteX5" fmla="*/ 0 w 10044"/>
-              <a:gd name="connsiteY5" fmla="*/ 70 h 9966"/>
-              <a:gd name="connsiteX6" fmla="*/ 3132 w 10044"/>
-              <a:gd name="connsiteY6" fmla="*/ 9763 h 9966"/>
-              <a:gd name="connsiteX7" fmla="*/ 7867 w 10044"/>
-              <a:gd name="connsiteY7" fmla="*/ 9966 h 9966"/>
-              <a:gd name="connsiteX8" fmla="*/ 8438 w 10044"/>
-              <a:gd name="connsiteY8" fmla="*/ 9966 h 9966"/>
-              <a:gd name="connsiteX9" fmla="*/ 8527 w 10044"/>
-              <a:gd name="connsiteY9" fmla="*/ 9872 h 9966"/>
-              <a:gd name="connsiteX10" fmla="*/ 8559 w 10044"/>
-              <a:gd name="connsiteY10" fmla="*/ 9778 h 9966"/>
-              <a:gd name="connsiteX11" fmla="*/ 10000 w 10044"/>
-              <a:gd name="connsiteY11" fmla="*/ 5265 h 9966"/>
-              <a:gd name="connsiteX12" fmla="*/ 10000 w 10044"/>
-              <a:gd name="connsiteY12" fmla="*/ 4701 h 9966"/>
-              <a:gd name="connsiteX0" fmla="*/ 6839 w 6883"/>
-              <a:gd name="connsiteY0" fmla="*/ 4885 h 10168"/>
-              <a:gd name="connsiteX1" fmla="*/ 5405 w 6883"/>
-              <a:gd name="connsiteY1" fmla="*/ 357 h 10168"/>
-              <a:gd name="connsiteX2" fmla="*/ 5373 w 6883"/>
-              <a:gd name="connsiteY2" fmla="*/ 262 h 10168"/>
-              <a:gd name="connsiteX3" fmla="*/ 5284 w 6883"/>
-              <a:gd name="connsiteY3" fmla="*/ 168 h 10168"/>
-              <a:gd name="connsiteX4" fmla="*/ 4716 w 6883"/>
-              <a:gd name="connsiteY4" fmla="*/ 168 h 10168"/>
-              <a:gd name="connsiteX5" fmla="*/ 50 w 6883"/>
-              <a:gd name="connsiteY5" fmla="*/ 0 h 10168"/>
-              <a:gd name="connsiteX6" fmla="*/ 1 w 6883"/>
-              <a:gd name="connsiteY6" fmla="*/ 9964 h 10168"/>
-              <a:gd name="connsiteX7" fmla="*/ 4716 w 6883"/>
-              <a:gd name="connsiteY7" fmla="*/ 10168 h 10168"/>
-              <a:gd name="connsiteX8" fmla="*/ 5284 w 6883"/>
-              <a:gd name="connsiteY8" fmla="*/ 10168 h 10168"/>
-              <a:gd name="connsiteX9" fmla="*/ 5373 w 6883"/>
-              <a:gd name="connsiteY9" fmla="*/ 10074 h 10168"/>
-              <a:gd name="connsiteX10" fmla="*/ 5405 w 6883"/>
-              <a:gd name="connsiteY10" fmla="*/ 9979 h 10168"/>
-              <a:gd name="connsiteX11" fmla="*/ 6839 w 6883"/>
-              <a:gd name="connsiteY11" fmla="*/ 5451 h 10168"/>
-              <a:gd name="connsiteX12" fmla="*/ 6839 w 6883"/>
-              <a:gd name="connsiteY12" fmla="*/ 4885 h 10168"/>
-            </a:gdLst>
-            <a:ahLst/>
-            <a:cxnLst>
-              <a:cxn ang="0">
-                <a:pos x="connsiteX0" y="connsiteY0"/>
-              </a:cxn>
-              <a:cxn ang="0">
-                <a:pos x="connsiteX1" y="connsiteY1"/>
-              </a:cxn>
-              <a:cxn ang="0">
-                <a:pos x="connsiteX2" y="connsiteY2"/>
-              </a:cxn>
-              <a:cxn ang="0">
-                <a:pos x="connsiteX3" y="connsiteY3"/>
-              </a:cxn>
-              <a:cxn ang="0">
-                <a:pos x="connsiteX4" y="connsiteY4"/>
-              </a:cxn>
-              <a:cxn ang="0">
-                <a:pos x="connsiteX5" y="connsiteY5"/>
-              </a:cxn>
-              <a:cxn ang="0">
-                <a:pos x="connsiteX6" y="connsiteY6"/>
-              </a:cxn>
-              <a:cxn ang="0">
-                <a:pos x="connsiteX7" y="connsiteY7"/>
-              </a:cxn>
-              <a:cxn ang="0">
-                <a:pos x="connsiteX8" y="connsiteY8"/>
-              </a:cxn>
-              <a:cxn ang="0">
-                <a:pos x="connsiteX9" y="connsiteY9"/>
-              </a:cxn>
-              <a:cxn ang="0">
-                <a:pos x="connsiteX10" y="connsiteY10"/>
-              </a:cxn>
-              <a:cxn ang="0">
-                <a:pos x="connsiteX11" y="connsiteY11"/>
-              </a:cxn>
-              <a:cxn ang="0">
-                <a:pos x="connsiteX12" y="connsiteY12"/>
-              </a:cxn>
-            </a:cxnLst>
-            <a:rect l="l" t="t" r="r" b="b"/>
-            <a:pathLst>
-              <a:path w="6883" h="10168">
-                <a:moveTo>
-                  <a:pt x="6839" y="4885"/>
-                </a:moveTo>
-                <a:lnTo>
-                  <a:pt x="5405" y="357"/>
-                </a:lnTo>
-                <a:cubicBezTo>
-                  <a:pt x="5395" y="325"/>
-                  <a:pt x="5383" y="294"/>
-                  <a:pt x="5373" y="262"/>
-                </a:cubicBezTo>
-                <a:cubicBezTo>
-                  <a:pt x="5344" y="168"/>
-                  <a:pt x="5314" y="168"/>
-                  <a:pt x="5284" y="168"/>
-                </a:cubicBezTo>
-                <a:lnTo>
-                  <a:pt x="4716" y="168"/>
-                </a:lnTo>
-                <a:lnTo>
-                  <a:pt x="50" y="0"/>
-                </a:lnTo>
-                <a:cubicBezTo>
-                  <a:pt x="59" y="3322"/>
-                  <a:pt x="-8" y="6643"/>
-                  <a:pt x="1" y="9964"/>
-                </a:cubicBezTo>
-                <a:lnTo>
-                  <a:pt x="4716" y="10168"/>
-                </a:lnTo>
-                <a:lnTo>
-                  <a:pt x="5284" y="10168"/>
-                </a:lnTo>
-                <a:cubicBezTo>
-                  <a:pt x="5314" y="10168"/>
-                  <a:pt x="5344" y="10074"/>
-                  <a:pt x="5373" y="10074"/>
-                </a:cubicBezTo>
-                <a:cubicBezTo>
-                  <a:pt x="5373" y="9979"/>
-                  <a:pt x="5405" y="9979"/>
-                  <a:pt x="5405" y="9979"/>
-                </a:cubicBezTo>
-                <a:lnTo>
-                  <a:pt x="6839" y="5451"/>
-                </a:lnTo>
-                <a:cubicBezTo>
-                  <a:pt x="6898" y="5262"/>
-                  <a:pt x="6898" y="5074"/>
-                  <a:pt x="6839" y="4885"/>
-                </a:cubicBezTo>
-                <a:close/>
-              </a:path>
-            </a:pathLst>
-          </a:custGeom>
-          <a:solidFill>
-            <a:schemeClr val="accent1"/>
-          </a:solidFill>
-          <a:ln>
-            <a:noFill/>
-          </a:ln>
-        </p:spPr>
-      </p:sp>
-      <p:sp useBgFill="1">
-        <p:nvSpPr>
-          <p:cNvPr id="12" name="Rectangle 11">
-            <a:extLst>
-              <a:ext uri="{FF2B5EF4-FFF2-40B4-BE49-F238E27FC236}">
-                <a16:creationId xmlns:a16="http://schemas.microsoft.com/office/drawing/2014/main" id="{27018161-547E-48F7-A0D9-272C9EA5B379}"/>
-              </a:ext>
-              <a:ext uri="{C183D7F6-B498-43B3-948B-1728B52AA6E4}">
-                <adec:decorative xmlns:adec="http://schemas.microsoft.com/office/drawing/2017/decorative" val="1"/>
-              </a:ext>
-            </a:extLst>
-          </p:cNvPr>
-          <p:cNvSpPr>
-            <a:spLocks noGrp="1" noRot="1" noChangeAspect="1" noMove="1" noResize="1" noEditPoints="1" noAdjustHandles="1" noChangeArrowheads="1" noChangeShapeType="1" noTextEdit="1"/>
-          </p:cNvSpPr>
-          <p:nvPr>
-            <p:extLst>
-              <p:ext uri="{386F3935-93C4-4BCD-93E2-E3B085C9AB24}">
-                <p16:designElem xmlns:p16="http://schemas.microsoft.com/office/powerpoint/2015/main" val="1"/>
-              </p:ext>
-            </p:extLst>
-          </p:nvPr>
-        </p:nvSpPr>
-        <p:spPr>
-          <a:xfrm>
-            <a:off x="4795736" y="0"/>
-            <a:ext cx="7396264" cy="6858000"/>
-          </a:xfrm>
-          <a:prstGeom prst="rect">
-            <a:avLst/>
-          </a:prstGeom>
-          <a:ln>
-            <a:noFill/>
-          </a:ln>
-        </p:spPr>
-        <p:style>
-          <a:lnRef idx="2">
-            <a:schemeClr val="accent1">
-              <a:shade val="50000"/>
-            </a:schemeClr>
-          </a:lnRef>
-          <a:fillRef idx="1">
-            <a:schemeClr val="accent1"/>
-          </a:fillRef>
-          <a:effectRef idx="0">
-            <a:schemeClr val="accent1"/>
-          </a:effectRef>
-          <a:fontRef idx="minor">
-            <a:schemeClr val="lt1"/>
-          </a:fontRef>
-        </p:style>
-        <p:txBody>
-          <a:bodyPr rtlCol="0" anchor="ctr"/>
-          <a:lstStyle/>
-          <a:p>
-            <a:pPr algn="ctr"/>
-            <a:endParaRPr lang="en-US"/>
-          </a:p>
-        </p:txBody>
-      </p:sp>
-      <p:sp>
-        <p:nvSpPr>
-          <p:cNvPr id="45" name="Content Placeholder 2">
-            <a:extLst>
-              <a:ext uri="{FF2B5EF4-FFF2-40B4-BE49-F238E27FC236}">
-                <a16:creationId xmlns:a16="http://schemas.microsoft.com/office/drawing/2014/main" id="{4AF99410-9266-4907-9D02-18ECBF6CDC5A}"/>
-              </a:ext>
-            </a:extLst>
-          </p:cNvPr>
-          <p:cNvSpPr>
-            <a:spLocks noGrp="1"/>
-          </p:cNvSpPr>
-          <p:nvPr>
-            <p:ph idx="1"/>
-          </p:nvPr>
-        </p:nvSpPr>
-        <p:spPr>
-          <a:xfrm>
-            <a:off x="4706578" y="589722"/>
-            <a:ext cx="6798033" cy="5321500"/>
-          </a:xfrm>
-        </p:spPr>
-        <p:txBody>
-          <a:bodyPr anchor="ctr">
-            <a:normAutofit/>
-          </a:bodyPr>
-          <a:lstStyle/>
-          <a:p>
-            <a:r>
-              <a:rPr lang="en-US" b="1"/>
-              <a:t>Partitioning Methods</a:t>
-            </a:r>
-          </a:p>
-          <a:p>
-            <a:pPr lvl="1"/>
-            <a:r>
-              <a:rPr lang="en-US"/>
-              <a:t>Split Rows</a:t>
-            </a:r>
-          </a:p>
-          <a:p>
-            <a:pPr lvl="1"/>
-            <a:r>
-              <a:rPr lang="en-US"/>
-              <a:t>Split Columns</a:t>
-            </a:r>
-          </a:p>
-          <a:p>
-            <a:pPr lvl="1"/>
-            <a:r>
-              <a:rPr lang="en-US"/>
-              <a:t>Partition by directory</a:t>
-            </a:r>
-          </a:p>
-          <a:p>
-            <a:r>
-              <a:rPr lang="en-US" b="1"/>
-              <a:t>Partitioning Criteria</a:t>
-            </a:r>
-          </a:p>
-          <a:p>
-            <a:pPr lvl="1"/>
-            <a:r>
-              <a:rPr lang="en-US"/>
-              <a:t>Key hash table</a:t>
-            </a:r>
-          </a:p>
-          <a:p>
-            <a:pPr lvl="1"/>
-            <a:r>
-              <a:rPr lang="en-US"/>
-              <a:t>Range partition</a:t>
-            </a:r>
-          </a:p>
-          <a:p>
-            <a:pPr lvl="1"/>
-            <a:r>
-              <a:rPr lang="en-US"/>
-              <a:t>Round-robin</a:t>
-            </a:r>
-          </a:p>
-          <a:p>
-            <a:r>
-              <a:rPr lang="en-US" b="1"/>
-              <a:t>Common issues with partition</a:t>
-            </a:r>
-          </a:p>
-          <a:p>
-            <a:pPr lvl="1"/>
-            <a:r>
-              <a:rPr lang="en-US"/>
-              <a:t>Joins and Denormalization</a:t>
-            </a:r>
-          </a:p>
-          <a:p>
-            <a:pPr lvl="1"/>
-            <a:r>
-              <a:rPr lang="en-US"/>
-              <a:t>Referential integrity</a:t>
-            </a:r>
-          </a:p>
-          <a:p>
-            <a:pPr lvl="1"/>
-            <a:r>
-              <a:rPr lang="en-US"/>
-              <a:t>Rebalancing</a:t>
-            </a:r>
-          </a:p>
-          <a:p>
-            <a:pPr lvl="1"/>
-            <a:endParaRPr lang="en-US"/>
-          </a:p>
-        </p:txBody>
-      </p:sp>
-    </p:spTree>
-    <p:extLst>
-      <p:ext uri="{BB962C8B-B14F-4D97-AF65-F5344CB8AC3E}">
-        <p14:creationId xmlns:p14="http://schemas.microsoft.com/office/powerpoint/2010/main" val="1875781434"/>
-      </p:ext>
-    </p:extLst>
-  </p:cSld>
-  <p:clrMapOvr>
-    <a:masterClrMapping/>
-  </p:clrMapOvr>
-</p:sld>
-</file>
-
 <file path=ppt/slides/slide6.xml><?xml version="1.0" encoding="utf-8"?>
 <p:sld xmlns:a="http://schemas.openxmlformats.org/drawingml/2006/main" xmlns:r="http://schemas.openxmlformats.org/officeDocument/2006/relationships" xmlns:p="http://schemas.openxmlformats.org/presentationml/2006/main">
   <p:cSld>
@@ -35019,171 +35425,12 @@
           <a:chExt cx="0" cy="0"/>
         </a:xfrm>
       </p:grpSpPr>
-      <p:sp useBgFill="1">
-        <p:nvSpPr>
-          <p:cNvPr id="16" name="Rectangle 15">
+      <p:grpSp>
+        <p:nvGrpSpPr>
+          <p:cNvPr id="71" name="Group 70">
             <a:extLst>
               <a:ext uri="{FF2B5EF4-FFF2-40B4-BE49-F238E27FC236}">
-                <a16:creationId xmlns:a16="http://schemas.microsoft.com/office/drawing/2014/main" id="{1A44C337-3893-4B29-A265-B1329150B6AA}"/>
-              </a:ext>
-              <a:ext uri="{C183D7F6-B498-43B3-948B-1728B52AA6E4}">
-                <adec:decorative xmlns:adec="http://schemas.microsoft.com/office/drawing/2017/decorative" val="1"/>
-              </a:ext>
-            </a:extLst>
-          </p:cNvPr>
-          <p:cNvSpPr>
-            <a:spLocks noGrp="1" noRot="1" noChangeAspect="1" noMove="1" noResize="1" noEditPoints="1" noAdjustHandles="1" noChangeArrowheads="1" noChangeShapeType="1" noTextEdit="1"/>
-          </p:cNvSpPr>
-          <p:nvPr>
-            <p:extLst>
-              <p:ext uri="{386F3935-93C4-4BCD-93E2-E3B085C9AB24}">
-                <p16:designElem xmlns:p16="http://schemas.microsoft.com/office/powerpoint/2015/main" val="1"/>
-              </p:ext>
-            </p:extLst>
-          </p:nvPr>
-        </p:nvSpPr>
-        <p:spPr>
-          <a:xfrm>
-            <a:off x="-7620" y="-1"/>
-            <a:ext cx="12207240" cy="6858001"/>
-          </a:xfrm>
-          <a:prstGeom prst="rect">
-            <a:avLst/>
-          </a:prstGeom>
-          <a:ln>
-            <a:noFill/>
-          </a:ln>
-        </p:spPr>
-        <p:style>
-          <a:lnRef idx="2">
-            <a:schemeClr val="accent1">
-              <a:shade val="50000"/>
-            </a:schemeClr>
-          </a:lnRef>
-          <a:fillRef idx="1">
-            <a:schemeClr val="accent1"/>
-          </a:fillRef>
-          <a:effectRef idx="0">
-            <a:schemeClr val="accent1"/>
-          </a:effectRef>
-          <a:fontRef idx="minor">
-            <a:schemeClr val="lt1"/>
-          </a:fontRef>
-        </p:style>
-        <p:txBody>
-          <a:bodyPr rot="0" spcFirstLastPara="0" vert="horz" wrap="square" lIns="91440" tIns="45720" rIns="91440" bIns="45720" numCol="1" spcCol="0" rtlCol="0" fromWordArt="0" anchor="ctr" anchorCtr="0" forceAA="0" compatLnSpc="1">
-            <a:prstTxWarp prst="textNoShape">
-              <a:avLst/>
-            </a:prstTxWarp>
-            <a:noAutofit/>
-          </a:bodyPr>
-          <a:lstStyle>
-            <a:defPPr>
-              <a:defRPr lang="en-US"/>
-            </a:defPPr>
-            <a:lvl1pPr marL="0" algn="l" defTabSz="914400" rtl="0" eaLnBrk="1" latinLnBrk="0" hangingPunct="1">
-              <a:defRPr sz="1800" kern="1200">
-                <a:solidFill>
-                  <a:schemeClr val="lt1"/>
-                </a:solidFill>
-                <a:latin typeface="+mn-lt"/>
-                <a:ea typeface="+mn-ea"/>
-                <a:cs typeface="+mn-cs"/>
-              </a:defRPr>
-            </a:lvl1pPr>
-            <a:lvl2pPr marL="457200" algn="l" defTabSz="914400" rtl="0" eaLnBrk="1" latinLnBrk="0" hangingPunct="1">
-              <a:defRPr sz="1800" kern="1200">
-                <a:solidFill>
-                  <a:schemeClr val="lt1"/>
-                </a:solidFill>
-                <a:latin typeface="+mn-lt"/>
-                <a:ea typeface="+mn-ea"/>
-                <a:cs typeface="+mn-cs"/>
-              </a:defRPr>
-            </a:lvl2pPr>
-            <a:lvl3pPr marL="914400" algn="l" defTabSz="914400" rtl="0" eaLnBrk="1" latinLnBrk="0" hangingPunct="1">
-              <a:defRPr sz="1800" kern="1200">
-                <a:solidFill>
-                  <a:schemeClr val="lt1"/>
-                </a:solidFill>
-                <a:latin typeface="+mn-lt"/>
-                <a:ea typeface="+mn-ea"/>
-                <a:cs typeface="+mn-cs"/>
-              </a:defRPr>
-            </a:lvl3pPr>
-            <a:lvl4pPr marL="1371600" algn="l" defTabSz="914400" rtl="0" eaLnBrk="1" latinLnBrk="0" hangingPunct="1">
-              <a:defRPr sz="1800" kern="1200">
-                <a:solidFill>
-                  <a:schemeClr val="lt1"/>
-                </a:solidFill>
-                <a:latin typeface="+mn-lt"/>
-                <a:ea typeface="+mn-ea"/>
-                <a:cs typeface="+mn-cs"/>
-              </a:defRPr>
-            </a:lvl4pPr>
-            <a:lvl5pPr marL="1828800" algn="l" defTabSz="914400" rtl="0" eaLnBrk="1" latinLnBrk="0" hangingPunct="1">
-              <a:defRPr sz="1800" kern="1200">
-                <a:solidFill>
-                  <a:schemeClr val="lt1"/>
-                </a:solidFill>
-                <a:latin typeface="+mn-lt"/>
-                <a:ea typeface="+mn-ea"/>
-                <a:cs typeface="+mn-cs"/>
-              </a:defRPr>
-            </a:lvl5pPr>
-            <a:lvl6pPr marL="2286000" algn="l" defTabSz="914400" rtl="0" eaLnBrk="1" latinLnBrk="0" hangingPunct="1">
-              <a:defRPr sz="1800" kern="1200">
-                <a:solidFill>
-                  <a:schemeClr val="lt1"/>
-                </a:solidFill>
-                <a:latin typeface="+mn-lt"/>
-                <a:ea typeface="+mn-ea"/>
-                <a:cs typeface="+mn-cs"/>
-              </a:defRPr>
-            </a:lvl6pPr>
-            <a:lvl7pPr marL="2743200" algn="l" defTabSz="914400" rtl="0" eaLnBrk="1" latinLnBrk="0" hangingPunct="1">
-              <a:defRPr sz="1800" kern="1200">
-                <a:solidFill>
-                  <a:schemeClr val="lt1"/>
-                </a:solidFill>
-                <a:latin typeface="+mn-lt"/>
-                <a:ea typeface="+mn-ea"/>
-                <a:cs typeface="+mn-cs"/>
-              </a:defRPr>
-            </a:lvl7pPr>
-            <a:lvl8pPr marL="3200400" algn="l" defTabSz="914400" rtl="0" eaLnBrk="1" latinLnBrk="0" hangingPunct="1">
-              <a:defRPr sz="1800" kern="1200">
-                <a:solidFill>
-                  <a:schemeClr val="lt1"/>
-                </a:solidFill>
-                <a:latin typeface="+mn-lt"/>
-                <a:ea typeface="+mn-ea"/>
-                <a:cs typeface="+mn-cs"/>
-              </a:defRPr>
-            </a:lvl8pPr>
-            <a:lvl9pPr marL="3657600" algn="l" defTabSz="914400" rtl="0" eaLnBrk="1" latinLnBrk="0" hangingPunct="1">
-              <a:defRPr sz="1800" kern="1200">
-                <a:solidFill>
-                  <a:schemeClr val="lt1"/>
-                </a:solidFill>
-                <a:latin typeface="+mn-lt"/>
-                <a:ea typeface="+mn-ea"/>
-                <a:cs typeface="+mn-cs"/>
-              </a:defRPr>
-            </a:lvl9pPr>
-          </a:lstStyle>
-          <a:p>
-            <a:pPr algn="ctr"/>
-            <a:endParaRPr lang="en-US"/>
-          </a:p>
-        </p:txBody>
-      </p:sp>
-      <p:grpSp>
-        <p:nvGrpSpPr>
-          <p:cNvPr id="18" name="Group 17">
-            <a:extLst>
-              <a:ext uri="{FF2B5EF4-FFF2-40B4-BE49-F238E27FC236}">
-                <a16:creationId xmlns:a16="http://schemas.microsoft.com/office/drawing/2014/main" id="{81E0B358-1267-4844-8B3D-B7A279B4175A}"/>
+                <a16:creationId xmlns:a16="http://schemas.microsoft.com/office/drawing/2014/main" id="{166BF9EE-F7AC-4FA5-AC7E-001B3A642F75}"/>
               </a:ext>
               <a:ext uri="{C183D7F6-B498-43B3-948B-1728B52AA6E4}">
                 <adec:decorative xmlns:adec="http://schemas.microsoft.com/office/drawing/2017/decorative" val="1"/>
@@ -35203,7 +35450,7 @@
         </p:nvGrpSpPr>
         <p:grpSpPr>
           <a:xfrm>
-            <a:off x="4836169" y="228600"/>
+            <a:off x="9" y="228600"/>
             <a:ext cx="2851523" cy="6638625"/>
             <a:chOff x="2487613" y="285750"/>
             <a:chExt cx="2428875" cy="5654676"/>
@@ -35211,10 +35458,10 @@
         </p:grpSpPr>
         <p:sp>
           <p:nvSpPr>
-            <p:cNvPr id="19" name="Freeform 11">
+            <p:cNvPr id="72" name="Freeform 11">
               <a:extLst>
                 <a:ext uri="{FF2B5EF4-FFF2-40B4-BE49-F238E27FC236}">
-                  <a16:creationId xmlns:a16="http://schemas.microsoft.com/office/drawing/2014/main" id="{B24AA06A-F1A5-4BB3-9486-9AE7A53B3F28}"/>
+                  <a16:creationId xmlns:a16="http://schemas.microsoft.com/office/drawing/2014/main" id="{3B48D182-44E3-4D8B-ACEF-F1A900BE4430}"/>
                 </a:ext>
                 <a:ext uri="{C183D7F6-B498-43B3-948B-1728B52AA6E4}">
                   <adec:decorative xmlns:adec="http://schemas.microsoft.com/office/drawing/2017/decorative" val="1"/>
@@ -35287,10 +35534,10 @@
         </p:sp>
         <p:sp>
           <p:nvSpPr>
-            <p:cNvPr id="20" name="Freeform 12">
+            <p:cNvPr id="73" name="Freeform 12">
               <a:extLst>
                 <a:ext uri="{FF2B5EF4-FFF2-40B4-BE49-F238E27FC236}">
-                  <a16:creationId xmlns:a16="http://schemas.microsoft.com/office/drawing/2014/main" id="{BDF97590-C600-44CB-9303-4A3679F5169E}"/>
+                  <a16:creationId xmlns:a16="http://schemas.microsoft.com/office/drawing/2014/main" id="{355A535A-A489-477F-A314-593AA8CAFB21}"/>
                 </a:ext>
                 <a:ext uri="{C183D7F6-B498-43B3-948B-1728B52AA6E4}">
                   <adec:decorative xmlns:adec="http://schemas.microsoft.com/office/drawing/2017/decorative" val="1"/>
@@ -35368,10 +35615,10 @@
         </p:sp>
         <p:sp>
           <p:nvSpPr>
-            <p:cNvPr id="21" name="Freeform 13">
+            <p:cNvPr id="74" name="Freeform 13">
               <a:extLst>
                 <a:ext uri="{FF2B5EF4-FFF2-40B4-BE49-F238E27FC236}">
-                  <a16:creationId xmlns:a16="http://schemas.microsoft.com/office/drawing/2014/main" id="{A9BBE156-3FFA-4DC4-8468-35BD28DDC605}"/>
+                  <a16:creationId xmlns:a16="http://schemas.microsoft.com/office/drawing/2014/main" id="{954C2D4C-FD83-4EF4-9312-04442ABD66BF}"/>
                 </a:ext>
                 <a:ext uri="{C183D7F6-B498-43B3-948B-1728B52AA6E4}">
                   <adec:decorative xmlns:adec="http://schemas.microsoft.com/office/drawing/2017/decorative" val="1"/>
@@ -35454,10 +35701,10 @@
         </p:sp>
         <p:sp>
           <p:nvSpPr>
-            <p:cNvPr id="22" name="Freeform 14">
+            <p:cNvPr id="75" name="Freeform 14">
               <a:extLst>
                 <a:ext uri="{FF2B5EF4-FFF2-40B4-BE49-F238E27FC236}">
-                  <a16:creationId xmlns:a16="http://schemas.microsoft.com/office/drawing/2014/main" id="{F7960DE5-3810-4B1E-B1E2-3BAFEA91EDD4}"/>
+                  <a16:creationId xmlns:a16="http://schemas.microsoft.com/office/drawing/2014/main" id="{C20701C2-CD9A-4698-BC97-E1085820C2C9}"/>
                 </a:ext>
                 <a:ext uri="{C183D7F6-B498-43B3-948B-1728B52AA6E4}">
                   <adec:decorative xmlns:adec="http://schemas.microsoft.com/office/drawing/2017/decorative" val="1"/>
@@ -35520,10 +35767,10 @@
         </p:sp>
         <p:sp>
           <p:nvSpPr>
-            <p:cNvPr id="23" name="Freeform 15">
+            <p:cNvPr id="76" name="Freeform 15">
               <a:extLst>
                 <a:ext uri="{FF2B5EF4-FFF2-40B4-BE49-F238E27FC236}">
-                  <a16:creationId xmlns:a16="http://schemas.microsoft.com/office/drawing/2014/main" id="{359E957C-CE11-446F-8AA7-B3E98390B89F}"/>
+                  <a16:creationId xmlns:a16="http://schemas.microsoft.com/office/drawing/2014/main" id="{62575C35-466F-42AE-87A1-D691849AB8CF}"/>
                 </a:ext>
                 <a:ext uri="{C183D7F6-B498-43B3-948B-1728B52AA6E4}">
                   <adec:decorative xmlns:adec="http://schemas.microsoft.com/office/drawing/2017/decorative" val="1"/>
@@ -35621,10 +35868,10 @@
         </p:sp>
         <p:sp>
           <p:nvSpPr>
-            <p:cNvPr id="24" name="Freeform 16">
+            <p:cNvPr id="77" name="Freeform 16">
               <a:extLst>
                 <a:ext uri="{FF2B5EF4-FFF2-40B4-BE49-F238E27FC236}">
-                  <a16:creationId xmlns:a16="http://schemas.microsoft.com/office/drawing/2014/main" id="{A3E9FE34-CA9E-4443-BEBF-D1B9A1C6C24D}"/>
+                  <a16:creationId xmlns:a16="http://schemas.microsoft.com/office/drawing/2014/main" id="{58236F37-6119-45AC-80A0-CD2C311B5051}"/>
                 </a:ext>
                 <a:ext uri="{C183D7F6-B498-43B3-948B-1728B52AA6E4}">
                   <adec:decorative xmlns:adec="http://schemas.microsoft.com/office/drawing/2017/decorative" val="1"/>
@@ -35717,10 +35964,10 @@
         </p:sp>
         <p:sp>
           <p:nvSpPr>
-            <p:cNvPr id="25" name="Freeform 17">
+            <p:cNvPr id="78" name="Freeform 17">
               <a:extLst>
                 <a:ext uri="{FF2B5EF4-FFF2-40B4-BE49-F238E27FC236}">
-                  <a16:creationId xmlns:a16="http://schemas.microsoft.com/office/drawing/2014/main" id="{4F39D814-8A48-4509-BDEB-826F10659156}"/>
+                  <a16:creationId xmlns:a16="http://schemas.microsoft.com/office/drawing/2014/main" id="{F3FDD799-39FE-4D6F-9A64-2F472B215078}"/>
                 </a:ext>
                 <a:ext uri="{C183D7F6-B498-43B3-948B-1728B52AA6E4}">
                   <adec:decorative xmlns:adec="http://schemas.microsoft.com/office/drawing/2017/decorative" val="1"/>
@@ -35793,10 +36040,10 @@
         </p:sp>
         <p:sp>
           <p:nvSpPr>
-            <p:cNvPr id="26" name="Freeform 18">
+            <p:cNvPr id="79" name="Freeform 18">
               <a:extLst>
                 <a:ext uri="{FF2B5EF4-FFF2-40B4-BE49-F238E27FC236}">
-                  <a16:creationId xmlns:a16="http://schemas.microsoft.com/office/drawing/2014/main" id="{8C6D08C0-8C49-4B87-9CF4-A1F08714FACF}"/>
+                  <a16:creationId xmlns:a16="http://schemas.microsoft.com/office/drawing/2014/main" id="{9820D241-1D49-442C-A95A-00BC1BF9E295}"/>
                 </a:ext>
                 <a:ext uri="{C183D7F6-B498-43B3-948B-1728B52AA6E4}">
                   <adec:decorative xmlns:adec="http://schemas.microsoft.com/office/drawing/2017/decorative" val="1"/>
@@ -35889,10 +36136,10 @@
         </p:sp>
         <p:sp>
           <p:nvSpPr>
-            <p:cNvPr id="27" name="Freeform 19">
+            <p:cNvPr id="80" name="Freeform 19">
               <a:extLst>
                 <a:ext uri="{FF2B5EF4-FFF2-40B4-BE49-F238E27FC236}">
-                  <a16:creationId xmlns:a16="http://schemas.microsoft.com/office/drawing/2014/main" id="{308C612B-4C0D-4863-B9CD-F86ABAA1B2BC}"/>
+                  <a16:creationId xmlns:a16="http://schemas.microsoft.com/office/drawing/2014/main" id="{EBC2197C-B383-4866-8ABD-74222400BE8E}"/>
                 </a:ext>
                 <a:ext uri="{C183D7F6-B498-43B3-948B-1728B52AA6E4}">
                   <adec:decorative xmlns:adec="http://schemas.microsoft.com/office/drawing/2017/decorative" val="1"/>
@@ -36020,10 +36267,10 @@
         </p:sp>
         <p:sp>
           <p:nvSpPr>
-            <p:cNvPr id="28" name="Freeform 20">
+            <p:cNvPr id="81" name="Freeform 20">
               <a:extLst>
                 <a:ext uri="{FF2B5EF4-FFF2-40B4-BE49-F238E27FC236}">
-                  <a16:creationId xmlns:a16="http://schemas.microsoft.com/office/drawing/2014/main" id="{600B1EC8-1B55-4390-A183-C33B5E2273BB}"/>
+                  <a16:creationId xmlns:a16="http://schemas.microsoft.com/office/drawing/2014/main" id="{404B06AA-FC93-4471-9DE4-56A401E70A50}"/>
                 </a:ext>
                 <a:ext uri="{C183D7F6-B498-43B3-948B-1728B52AA6E4}">
                   <adec:decorative xmlns:adec="http://schemas.microsoft.com/office/drawing/2017/decorative" val="1"/>
@@ -36086,10 +36333,10 @@
         </p:sp>
         <p:sp>
           <p:nvSpPr>
-            <p:cNvPr id="29" name="Freeform 21">
+            <p:cNvPr id="82" name="Freeform 21">
               <a:extLst>
                 <a:ext uri="{FF2B5EF4-FFF2-40B4-BE49-F238E27FC236}">
-                  <a16:creationId xmlns:a16="http://schemas.microsoft.com/office/drawing/2014/main" id="{1790A225-91E1-4BE5-A801-5F1E32721C5B}"/>
+                  <a16:creationId xmlns:a16="http://schemas.microsoft.com/office/drawing/2014/main" id="{E580600C-013F-4FAF-8FB7-4CC0FA80A92B}"/>
                 </a:ext>
                 <a:ext uri="{C183D7F6-B498-43B3-948B-1728B52AA6E4}">
                   <adec:decorative xmlns:adec="http://schemas.microsoft.com/office/drawing/2017/decorative" val="1"/>
@@ -36162,10 +36409,10 @@
         </p:sp>
         <p:sp>
           <p:nvSpPr>
-            <p:cNvPr id="30" name="Freeform 22">
+            <p:cNvPr id="83" name="Freeform 22">
               <a:extLst>
                 <a:ext uri="{FF2B5EF4-FFF2-40B4-BE49-F238E27FC236}">
-                  <a16:creationId xmlns:a16="http://schemas.microsoft.com/office/drawing/2014/main" id="{DFFC46A2-6BBF-47FD-BC17-5EE1DF7CB906}"/>
+                  <a16:creationId xmlns:a16="http://schemas.microsoft.com/office/drawing/2014/main" id="{9BFCF199-64B2-4AEE-88C4-E954ABF36278}"/>
                 </a:ext>
                 <a:ext uri="{C183D7F6-B498-43B3-948B-1728B52AA6E4}">
                   <adec:decorative xmlns:adec="http://schemas.microsoft.com/office/drawing/2017/decorative" val="1"/>
@@ -36249,10 +36496,10 @@
       </p:grpSp>
       <p:grpSp>
         <p:nvGrpSpPr>
-          <p:cNvPr id="32" name="Group 31">
+          <p:cNvPr id="85" name="Group 84">
             <a:extLst>
               <a:ext uri="{FF2B5EF4-FFF2-40B4-BE49-F238E27FC236}">
-                <a16:creationId xmlns:a16="http://schemas.microsoft.com/office/drawing/2014/main" id="{AF44CA9C-80E8-44E1-A79C-D6EBFC73BCA0}"/>
+                <a16:creationId xmlns:a16="http://schemas.microsoft.com/office/drawing/2014/main" id="{E312DBA5-56D8-42B2-BA94-28168C2A6703}"/>
               </a:ext>
               <a:ext uri="{C183D7F6-B498-43B3-948B-1728B52AA6E4}">
                 <adec:decorative xmlns:adec="http://schemas.microsoft.com/office/drawing/2017/decorative" val="1"/>
@@ -36272,7 +36519,7 @@
         </p:nvGrpSpPr>
         <p:grpSpPr>
           <a:xfrm>
-            <a:off x="4677117" y="-786"/>
+            <a:off x="27224" y="-786"/>
             <a:ext cx="2356675" cy="6854040"/>
             <a:chOff x="6627813" y="194833"/>
             <a:chExt cx="1952625" cy="5678918"/>
@@ -36280,10 +36527,10 @@
         </p:grpSpPr>
         <p:sp>
           <p:nvSpPr>
-            <p:cNvPr id="33" name="Freeform 27">
+            <p:cNvPr id="86" name="Freeform 27">
               <a:extLst>
                 <a:ext uri="{FF2B5EF4-FFF2-40B4-BE49-F238E27FC236}">
-                  <a16:creationId xmlns:a16="http://schemas.microsoft.com/office/drawing/2014/main" id="{8CB9417F-98D9-4998-B00B-A5932E4C7D73}"/>
+                  <a16:creationId xmlns:a16="http://schemas.microsoft.com/office/drawing/2014/main" id="{7AD46C74-3117-46B0-B267-0F61B57CACE3}"/>
                 </a:ext>
                 <a:ext uri="{C183D7F6-B498-43B3-948B-1728B52AA6E4}">
                   <adec:decorative xmlns:adec="http://schemas.microsoft.com/office/drawing/2017/decorative" val="1"/>
@@ -36399,10 +36646,10 @@
         </p:sp>
         <p:sp>
           <p:nvSpPr>
-            <p:cNvPr id="34" name="Freeform 28">
+            <p:cNvPr id="87" name="Freeform 28">
               <a:extLst>
                 <a:ext uri="{FF2B5EF4-FFF2-40B4-BE49-F238E27FC236}">
-                  <a16:creationId xmlns:a16="http://schemas.microsoft.com/office/drawing/2014/main" id="{FA79AA3D-583E-4A1E-AF7E-CBD980F5963B}"/>
+                  <a16:creationId xmlns:a16="http://schemas.microsoft.com/office/drawing/2014/main" id="{8C13B810-9664-45D8-8510-D6ED0ADD7217}"/>
                 </a:ext>
                 <a:ext uri="{C183D7F6-B498-43B3-948B-1728B52AA6E4}">
                   <adec:decorative xmlns:adec="http://schemas.microsoft.com/office/drawing/2017/decorative" val="1"/>
@@ -36483,10 +36730,10 @@
         </p:sp>
         <p:sp>
           <p:nvSpPr>
-            <p:cNvPr id="35" name="Freeform 29">
+            <p:cNvPr id="88" name="Freeform 29">
               <a:extLst>
                 <a:ext uri="{FF2B5EF4-FFF2-40B4-BE49-F238E27FC236}">
-                  <a16:creationId xmlns:a16="http://schemas.microsoft.com/office/drawing/2014/main" id="{D80C9F17-A6B2-4A12-BC77-F84264A669FA}"/>
+                  <a16:creationId xmlns:a16="http://schemas.microsoft.com/office/drawing/2014/main" id="{10306E52-A922-4458-BCCE-C3C840CC7556}"/>
                 </a:ext>
                 <a:ext uri="{C183D7F6-B498-43B3-948B-1728B52AA6E4}">
                   <adec:decorative xmlns:adec="http://schemas.microsoft.com/office/drawing/2017/decorative" val="1"/>
@@ -36567,10 +36814,10 @@
         </p:sp>
         <p:sp>
           <p:nvSpPr>
-            <p:cNvPr id="36" name="Freeform 30">
+            <p:cNvPr id="89" name="Freeform 30">
               <a:extLst>
                 <a:ext uri="{FF2B5EF4-FFF2-40B4-BE49-F238E27FC236}">
-                  <a16:creationId xmlns:a16="http://schemas.microsoft.com/office/drawing/2014/main" id="{949C9A53-ED97-44CE-BDD5-ED2489211608}"/>
+                  <a16:creationId xmlns:a16="http://schemas.microsoft.com/office/drawing/2014/main" id="{CB578819-B7E7-4250-932F-52AE2A2A9A57}"/>
                 </a:ext>
                 <a:ext uri="{C183D7F6-B498-43B3-948B-1728B52AA6E4}">
                   <adec:decorative xmlns:adec="http://schemas.microsoft.com/office/drawing/2017/decorative" val="1"/>
@@ -36666,10 +36913,10 @@
         </p:sp>
         <p:sp>
           <p:nvSpPr>
-            <p:cNvPr id="37" name="Freeform 31">
+            <p:cNvPr id="90" name="Freeform 31">
               <a:extLst>
                 <a:ext uri="{FF2B5EF4-FFF2-40B4-BE49-F238E27FC236}">
-                  <a16:creationId xmlns:a16="http://schemas.microsoft.com/office/drawing/2014/main" id="{0F9FDAE7-225B-4072-8907-6EAA06174457}"/>
+                  <a16:creationId xmlns:a16="http://schemas.microsoft.com/office/drawing/2014/main" id="{454B9C91-B623-424A-B16E-F764F189D300}"/>
                 </a:ext>
                 <a:ext uri="{C183D7F6-B498-43B3-948B-1728B52AA6E4}">
                   <adec:decorative xmlns:adec="http://schemas.microsoft.com/office/drawing/2017/decorative" val="1"/>
@@ -36775,10 +37022,10 @@
         </p:sp>
         <p:sp>
           <p:nvSpPr>
-            <p:cNvPr id="38" name="Freeform 32">
+            <p:cNvPr id="91" name="Freeform 32">
               <a:extLst>
                 <a:ext uri="{FF2B5EF4-FFF2-40B4-BE49-F238E27FC236}">
-                  <a16:creationId xmlns:a16="http://schemas.microsoft.com/office/drawing/2014/main" id="{9D49818B-8EA3-4B41-9783-EFE0C618C363}"/>
+                  <a16:creationId xmlns:a16="http://schemas.microsoft.com/office/drawing/2014/main" id="{EFD03C4A-8484-41E6-B458-032F1DCA70AA}"/>
                 </a:ext>
                 <a:ext uri="{C183D7F6-B498-43B3-948B-1728B52AA6E4}">
                   <adec:decorative xmlns:adec="http://schemas.microsoft.com/office/drawing/2017/decorative" val="1"/>
@@ -36839,10 +37086,10 @@
         </p:sp>
         <p:sp>
           <p:nvSpPr>
-            <p:cNvPr id="39" name="Freeform 33">
+            <p:cNvPr id="92" name="Freeform 33">
               <a:extLst>
                 <a:ext uri="{FF2B5EF4-FFF2-40B4-BE49-F238E27FC236}">
-                  <a16:creationId xmlns:a16="http://schemas.microsoft.com/office/drawing/2014/main" id="{01903E65-D822-4457-B0A5-2F4168224164}"/>
+                  <a16:creationId xmlns:a16="http://schemas.microsoft.com/office/drawing/2014/main" id="{DDC2F3C3-1D4E-4913-9C5C-F9A65B47E5CA}"/>
                 </a:ext>
                 <a:ext uri="{C183D7F6-B498-43B3-948B-1728B52AA6E4}">
                   <adec:decorative xmlns:adec="http://schemas.microsoft.com/office/drawing/2017/decorative" val="1"/>
@@ -36918,10 +37165,10 @@
         </p:sp>
         <p:sp>
           <p:nvSpPr>
-            <p:cNvPr id="40" name="Freeform 34">
+            <p:cNvPr id="93" name="Freeform 34">
               <a:extLst>
                 <a:ext uri="{FF2B5EF4-FFF2-40B4-BE49-F238E27FC236}">
-                  <a16:creationId xmlns:a16="http://schemas.microsoft.com/office/drawing/2014/main" id="{A5CF9DAB-75BF-43D9-B1E7-817D1FAA0003}"/>
+                  <a16:creationId xmlns:a16="http://schemas.microsoft.com/office/drawing/2014/main" id="{1E15BCA2-2420-4C53-ADE9-40FBAC238443}"/>
                 </a:ext>
                 <a:ext uri="{C183D7F6-B498-43B3-948B-1728B52AA6E4}">
                   <adec:decorative xmlns:adec="http://schemas.microsoft.com/office/drawing/2017/decorative" val="1"/>
@@ -37042,10 +37289,10 @@
         </p:sp>
         <p:sp>
           <p:nvSpPr>
-            <p:cNvPr id="41" name="Freeform 35">
+            <p:cNvPr id="94" name="Freeform 35">
               <a:extLst>
                 <a:ext uri="{FF2B5EF4-FFF2-40B4-BE49-F238E27FC236}">
-                  <a16:creationId xmlns:a16="http://schemas.microsoft.com/office/drawing/2014/main" id="{BB22916D-4BCF-4A4C-8714-A2564D34C369}"/>
+                  <a16:creationId xmlns:a16="http://schemas.microsoft.com/office/drawing/2014/main" id="{73D5FBF4-7129-4C51-B603-E3BC3341951B}"/>
                 </a:ext>
                 <a:ext uri="{C183D7F6-B498-43B3-948B-1728B52AA6E4}">
                   <adec:decorative xmlns:adec="http://schemas.microsoft.com/office/drawing/2017/decorative" val="1"/>
@@ -37106,10 +37353,10 @@
         </p:sp>
         <p:sp>
           <p:nvSpPr>
-            <p:cNvPr id="42" name="Freeform 36">
+            <p:cNvPr id="95" name="Freeform 36">
               <a:extLst>
                 <a:ext uri="{FF2B5EF4-FFF2-40B4-BE49-F238E27FC236}">
-                  <a16:creationId xmlns:a16="http://schemas.microsoft.com/office/drawing/2014/main" id="{4CD9F734-569E-44E7-BD53-6214E0F18C8F}"/>
+                  <a16:creationId xmlns:a16="http://schemas.microsoft.com/office/drawing/2014/main" id="{0165B164-CE2A-494C-88FC-507232B37C08}"/>
                 </a:ext>
                 <a:ext uri="{C183D7F6-B498-43B3-948B-1728B52AA6E4}">
                   <adec:decorative xmlns:adec="http://schemas.microsoft.com/office/drawing/2017/decorative" val="1"/>
@@ -37190,10 +37437,10 @@
         </p:sp>
         <p:sp>
           <p:nvSpPr>
-            <p:cNvPr id="43" name="Freeform 37">
+            <p:cNvPr id="96" name="Freeform 37">
               <a:extLst>
                 <a:ext uri="{FF2B5EF4-FFF2-40B4-BE49-F238E27FC236}">
-                  <a16:creationId xmlns:a16="http://schemas.microsoft.com/office/drawing/2014/main" id="{7A5DAACB-2F42-40C8-BF6A-75B79299F902}"/>
+                  <a16:creationId xmlns:a16="http://schemas.microsoft.com/office/drawing/2014/main" id="{87F127E5-B10B-4D18-BCF0-E7C3C7F401EC}"/>
                 </a:ext>
                 <a:ext uri="{C183D7F6-B498-43B3-948B-1728B52AA6E4}">
                   <adec:decorative xmlns:adec="http://schemas.microsoft.com/office/drawing/2017/decorative" val="1"/>
@@ -37269,10 +37516,10 @@
         </p:sp>
         <p:sp>
           <p:nvSpPr>
-            <p:cNvPr id="44" name="Freeform 38">
+            <p:cNvPr id="97" name="Freeform 38">
               <a:extLst>
                 <a:ext uri="{FF2B5EF4-FFF2-40B4-BE49-F238E27FC236}">
-                  <a16:creationId xmlns:a16="http://schemas.microsoft.com/office/drawing/2014/main" id="{AD78E0F9-8568-4672-A22F-4ED5B1A96F59}"/>
+                  <a16:creationId xmlns:a16="http://schemas.microsoft.com/office/drawing/2014/main" id="{FC692D59-F28D-4E42-B435-225F2C6CFA31}"/>
                 </a:ext>
                 <a:ext uri="{C183D7F6-B498-43B3-948B-1728B52AA6E4}">
                   <adec:decorative xmlns:adec="http://schemas.microsoft.com/office/drawing/2017/decorative" val="1"/>
@@ -37354,46 +37601,10 @@
       </p:grpSp>
       <p:sp>
         <p:nvSpPr>
-          <p:cNvPr id="2" name="Title 1">
+          <p:cNvPr id="99" name="Rectangle 98">
             <a:extLst>
               <a:ext uri="{FF2B5EF4-FFF2-40B4-BE49-F238E27FC236}">
-                <a16:creationId xmlns:a16="http://schemas.microsoft.com/office/drawing/2014/main" id="{3F999010-0AD2-4734-A779-852A1FBE6FFA}"/>
-              </a:ext>
-            </a:extLst>
-          </p:cNvPr>
-          <p:cNvSpPr>
-            <a:spLocks noGrp="1"/>
-          </p:cNvSpPr>
-          <p:nvPr>
-            <p:ph type="title"/>
-          </p:nvPr>
-        </p:nvSpPr>
-        <p:spPr>
-          <a:xfrm>
-            <a:off x="6483096" y="624110"/>
-            <a:ext cx="5021516" cy="1280890"/>
-          </a:xfrm>
-        </p:spPr>
-        <p:txBody>
-          <a:bodyPr>
-            <a:normAutofit/>
-          </a:bodyPr>
-          <a:lstStyle/>
-          <a:p>
-            <a:r>
-              <a:rPr lang="en-US"/>
-              <a:t>Reliability</a:t>
-            </a:r>
-            <a:endParaRPr lang="en-US" dirty="0"/>
-          </a:p>
-        </p:txBody>
-      </p:sp>
-      <p:sp>
-        <p:nvSpPr>
-          <p:cNvPr id="46" name="Rectangle 45">
-            <a:extLst>
-              <a:ext uri="{FF2B5EF4-FFF2-40B4-BE49-F238E27FC236}">
-                <a16:creationId xmlns:a16="http://schemas.microsoft.com/office/drawing/2014/main" id="{AA5CD610-ED7C-4CED-A9A1-174432C88AF8}"/>
+                <a16:creationId xmlns:a16="http://schemas.microsoft.com/office/drawing/2014/main" id="{1996130F-9AB5-4DE9-8574-3AF891C5C172}"/>
               </a:ext>
               <a:ext uri="{C183D7F6-B498-43B3-948B-1728B52AA6E4}">
                 <adec:decorative xmlns:adec="http://schemas.microsoft.com/office/drawing/2017/decorative" val="1"/>
@@ -37413,7 +37624,7 @@
         </p:nvSpPr>
         <p:spPr>
           <a:xfrm>
-            <a:off x="4645704" y="0"/>
+            <a:off x="0" y="0"/>
             <a:ext cx="182880" cy="6858000"/>
           </a:xfrm>
           <a:prstGeom prst="rect">
@@ -37444,10 +37655,10 @@
       </p:sp>
       <p:sp>
         <p:nvSpPr>
-          <p:cNvPr id="48" name="Freeform 11">
+          <p:cNvPr id="101" name="Freeform 11">
             <a:extLst>
               <a:ext uri="{FF2B5EF4-FFF2-40B4-BE49-F238E27FC236}">
-                <a16:creationId xmlns:a16="http://schemas.microsoft.com/office/drawing/2014/main" id="{0C4379BF-8C7A-480A-BC36-DA55D92A9356}"/>
+                <a16:creationId xmlns:a16="http://schemas.microsoft.com/office/drawing/2014/main" id="{7326F4E6-9131-42DA-97B2-0BA8D1E258AD}"/>
               </a:ext>
               <a:ext uri="{C183D7F6-B498-43B3-948B-1728B52AA6E4}">
                 <adec:decorative xmlns:adec="http://schemas.microsoft.com/office/drawing/2017/decorative" val="1"/>
@@ -37467,7 +37678,7 @@
         </p:nvSpPr>
         <p:spPr bwMode="auto">
           <a:xfrm flipV="1">
-            <a:off x="4645704" y="714375"/>
+            <a:off x="-4189" y="714375"/>
             <a:ext cx="1588527" cy="507297"/>
           </a:xfrm>
           <a:custGeom>
@@ -37541,178 +37752,12 @@
           </a:ln>
         </p:spPr>
       </p:sp>
-      <p:pic>
-        <p:nvPicPr>
-          <p:cNvPr id="12" name="Picture 11">
+      <p:sp useBgFill="1">
+        <p:nvSpPr>
+          <p:cNvPr id="103" name="Rectangle 102">
             <a:extLst>
               <a:ext uri="{FF2B5EF4-FFF2-40B4-BE49-F238E27FC236}">
-                <a16:creationId xmlns:a16="http://schemas.microsoft.com/office/drawing/2014/main" id="{88029CD4-2F25-493B-B210-5B323F7CCBA2}"/>
-              </a:ext>
-            </a:extLst>
-          </p:cNvPr>
-          <p:cNvPicPr>
-            <a:picLocks noChangeAspect="1"/>
-          </p:cNvPicPr>
-          <p:nvPr/>
-        </p:nvPicPr>
-        <p:blipFill rotWithShape="1">
-          <a:blip r:embed="rId2"/>
-          <a:srcRect l="7404" r="47131" b="-2"/>
-          <a:stretch/>
-        </p:blipFill>
-        <p:spPr>
-          <a:xfrm>
-            <a:off x="-1555" y="1731"/>
-            <a:ext cx="4671091" cy="6858000"/>
-          </a:xfrm>
-          <a:prstGeom prst="rect">
-            <a:avLst/>
-          </a:prstGeom>
-        </p:spPr>
-      </p:pic>
-      <p:sp>
-        <p:nvSpPr>
-          <p:cNvPr id="3" name="Content Placeholder 2">
-            <a:extLst>
-              <a:ext uri="{FF2B5EF4-FFF2-40B4-BE49-F238E27FC236}">
-                <a16:creationId xmlns:a16="http://schemas.microsoft.com/office/drawing/2014/main" id="{9A2DD622-5A78-4E21-8BAC-AD94DABB6550}"/>
-              </a:ext>
-            </a:extLst>
-          </p:cNvPr>
-          <p:cNvSpPr>
-            <a:spLocks noGrp="1"/>
-          </p:cNvSpPr>
-          <p:nvPr>
-            <p:ph idx="1"/>
-          </p:nvPr>
-        </p:nvSpPr>
-        <p:spPr>
-          <a:xfrm>
-            <a:off x="6438191" y="2133600"/>
-            <a:ext cx="5066419" cy="3777622"/>
-          </a:xfrm>
-        </p:spPr>
-        <p:txBody>
-          <a:bodyPr>
-            <a:normAutofit/>
-          </a:bodyPr>
-          <a:lstStyle/>
-          <a:p>
-            <a:r>
-              <a:rPr lang="en-US"/>
-              <a:t>Requirement</a:t>
-            </a:r>
-          </a:p>
-          <a:p>
-            <a:pPr lvl="1"/>
-            <a:r>
-              <a:rPr lang="en-US"/>
-              <a:t>A transaction can be complicated with many steps. It should either complete or fail, no unknown state.</a:t>
-            </a:r>
-          </a:p>
-          <a:p>
-            <a:pPr lvl="1"/>
-            <a:r>
-              <a:rPr lang="en-US"/>
-              <a:t>Timeout is common, retry should not cause duplicate</a:t>
-            </a:r>
-          </a:p>
-          <a:p>
-            <a:r>
-              <a:rPr lang="en-US"/>
-              <a:t>Solution</a:t>
-            </a:r>
-          </a:p>
-          <a:p>
-            <a:pPr lvl="1"/>
-            <a:r>
-              <a:rPr lang="en-US" altLang="zh-CN"/>
-              <a:t>I</a:t>
-            </a:r>
-            <a:r>
-              <a:rPr lang="en-US"/>
-              <a:t>dempotency </a:t>
-            </a:r>
-          </a:p>
-          <a:p>
-            <a:pPr lvl="1"/>
-            <a:r>
-              <a:rPr lang="en-US"/>
-              <a:t>State machine</a:t>
-            </a:r>
-          </a:p>
-          <a:p>
-            <a:pPr lvl="1"/>
-            <a:r>
-              <a:rPr lang="en-US"/>
-              <a:t>Write ahead log </a:t>
-            </a:r>
-            <a:endParaRPr lang="en-US" dirty="0"/>
-          </a:p>
-        </p:txBody>
-      </p:sp>
-    </p:spTree>
-    <p:extLst>
-      <p:ext uri="{BB962C8B-B14F-4D97-AF65-F5344CB8AC3E}">
-        <p14:creationId xmlns:p14="http://schemas.microsoft.com/office/powerpoint/2010/main" val="616571486"/>
-      </p:ext>
-    </p:extLst>
-  </p:cSld>
-  <p:clrMapOvr>
-    <a:masterClrMapping/>
-  </p:clrMapOvr>
-</p:sld>
-</file>
-
-<file path=ppt/slides/slide7.xml><?xml version="1.0" encoding="utf-8"?>
-<p:sld xmlns:a="http://schemas.openxmlformats.org/drawingml/2006/main" xmlns:r="http://schemas.openxmlformats.org/officeDocument/2006/relationships" xmlns:p="http://schemas.openxmlformats.org/presentationml/2006/main">
-  <p:cSld>
-    <p:bg>
-      <p:bgPr>
-        <a:gradFill rotWithShape="1">
-          <a:gsLst>
-            <a:gs pos="0">
-              <a:schemeClr val="bg2">
-                <a:tint val="90000"/>
-                <a:satMod val="92000"/>
-                <a:lumMod val="120000"/>
-              </a:schemeClr>
-            </a:gs>
-            <a:gs pos="100000">
-              <a:schemeClr val="bg2">
-                <a:shade val="98000"/>
-                <a:satMod val="120000"/>
-                <a:lumMod val="98000"/>
-              </a:schemeClr>
-            </a:gs>
-          </a:gsLst>
-          <a:path path="circle">
-            <a:fillToRect l="50000" t="50000" r="100000" b="100000"/>
-          </a:path>
-        </a:gradFill>
-        <a:effectLst/>
-      </p:bgPr>
-    </p:bg>
-    <p:spTree>
-      <p:nvGrpSpPr>
-        <p:cNvPr id="1" name=""/>
-        <p:cNvGrpSpPr/>
-        <p:nvPr/>
-      </p:nvGrpSpPr>
-      <p:grpSpPr>
-        <a:xfrm>
-          <a:off x="0" y="0"/>
-          <a:ext cx="0" cy="0"/>
-          <a:chOff x="0" y="0"/>
-          <a:chExt cx="0" cy="0"/>
-        </a:xfrm>
-      </p:grpSpPr>
-      <p:sp useBgFill="1">
-        <p:nvSpPr>
-          <p:cNvPr id="16" name="Rectangle 15">
-            <a:extLst>
-              <a:ext uri="{FF2B5EF4-FFF2-40B4-BE49-F238E27FC236}">
-                <a16:creationId xmlns:a16="http://schemas.microsoft.com/office/drawing/2014/main" id="{1A44C337-3893-4B29-A265-B1329150B6AA}"/>
+                <a16:creationId xmlns:a16="http://schemas.microsoft.com/office/drawing/2014/main" id="{3F4C104D-5F30-4811-9376-566B26E4719A}"/>
               </a:ext>
               <a:ext uri="{C183D7F6-B498-43B3-948B-1728B52AA6E4}">
                 <adec:decorative xmlns:adec="http://schemas.microsoft.com/office/drawing/2017/decorative" val="1"/>
@@ -37732,8 +37777,8 @@
         </p:nvSpPr>
         <p:spPr>
           <a:xfrm>
-            <a:off x="-7620" y="-1"/>
-            <a:ext cx="12207240" cy="6858001"/>
+            <a:off x="0" y="-786"/>
+            <a:ext cx="12192000" cy="6854038"/>
           </a:xfrm>
           <a:prstGeom prst="rect">
             <a:avLst/>
@@ -37759,2293 +37804,20 @@
           </a:fontRef>
         </p:style>
         <p:txBody>
-          <a:bodyPr rot="0" spcFirstLastPara="0" vert="horz" wrap="square" lIns="91440" tIns="45720" rIns="91440" bIns="45720" numCol="1" spcCol="0" rtlCol="0" fromWordArt="0" anchor="ctr" anchorCtr="0" forceAA="0" compatLnSpc="1">
-            <a:prstTxWarp prst="textNoShape">
-              <a:avLst/>
-            </a:prstTxWarp>
-            <a:noAutofit/>
-          </a:bodyPr>
-          <a:lstStyle>
-            <a:defPPr>
-              <a:defRPr lang="en-US"/>
-            </a:defPPr>
-            <a:lvl1pPr marL="0" algn="l" defTabSz="914400" rtl="0" eaLnBrk="1" latinLnBrk="0" hangingPunct="1">
-              <a:defRPr sz="1800" kern="1200">
-                <a:solidFill>
-                  <a:schemeClr val="lt1"/>
-                </a:solidFill>
-                <a:latin typeface="+mn-lt"/>
-                <a:ea typeface="+mn-ea"/>
-                <a:cs typeface="+mn-cs"/>
-              </a:defRPr>
-            </a:lvl1pPr>
-            <a:lvl2pPr marL="457200" algn="l" defTabSz="914400" rtl="0" eaLnBrk="1" latinLnBrk="0" hangingPunct="1">
-              <a:defRPr sz="1800" kern="1200">
-                <a:solidFill>
-                  <a:schemeClr val="lt1"/>
-                </a:solidFill>
-                <a:latin typeface="+mn-lt"/>
-                <a:ea typeface="+mn-ea"/>
-                <a:cs typeface="+mn-cs"/>
-              </a:defRPr>
-            </a:lvl2pPr>
-            <a:lvl3pPr marL="914400" algn="l" defTabSz="914400" rtl="0" eaLnBrk="1" latinLnBrk="0" hangingPunct="1">
-              <a:defRPr sz="1800" kern="1200">
-                <a:solidFill>
-                  <a:schemeClr val="lt1"/>
-                </a:solidFill>
-                <a:latin typeface="+mn-lt"/>
-                <a:ea typeface="+mn-ea"/>
-                <a:cs typeface="+mn-cs"/>
-              </a:defRPr>
-            </a:lvl3pPr>
-            <a:lvl4pPr marL="1371600" algn="l" defTabSz="914400" rtl="0" eaLnBrk="1" latinLnBrk="0" hangingPunct="1">
-              <a:defRPr sz="1800" kern="1200">
-                <a:solidFill>
-                  <a:schemeClr val="lt1"/>
-                </a:solidFill>
-                <a:latin typeface="+mn-lt"/>
-                <a:ea typeface="+mn-ea"/>
-                <a:cs typeface="+mn-cs"/>
-              </a:defRPr>
-            </a:lvl4pPr>
-            <a:lvl5pPr marL="1828800" algn="l" defTabSz="914400" rtl="0" eaLnBrk="1" latinLnBrk="0" hangingPunct="1">
-              <a:defRPr sz="1800" kern="1200">
-                <a:solidFill>
-                  <a:schemeClr val="lt1"/>
-                </a:solidFill>
-                <a:latin typeface="+mn-lt"/>
-                <a:ea typeface="+mn-ea"/>
-                <a:cs typeface="+mn-cs"/>
-              </a:defRPr>
-            </a:lvl5pPr>
-            <a:lvl6pPr marL="2286000" algn="l" defTabSz="914400" rtl="0" eaLnBrk="1" latinLnBrk="0" hangingPunct="1">
-              <a:defRPr sz="1800" kern="1200">
-                <a:solidFill>
-                  <a:schemeClr val="lt1"/>
-                </a:solidFill>
-                <a:latin typeface="+mn-lt"/>
-                <a:ea typeface="+mn-ea"/>
-                <a:cs typeface="+mn-cs"/>
-              </a:defRPr>
-            </a:lvl6pPr>
-            <a:lvl7pPr marL="2743200" algn="l" defTabSz="914400" rtl="0" eaLnBrk="1" latinLnBrk="0" hangingPunct="1">
-              <a:defRPr sz="1800" kern="1200">
-                <a:solidFill>
-                  <a:schemeClr val="lt1"/>
-                </a:solidFill>
-                <a:latin typeface="+mn-lt"/>
-                <a:ea typeface="+mn-ea"/>
-                <a:cs typeface="+mn-cs"/>
-              </a:defRPr>
-            </a:lvl7pPr>
-            <a:lvl8pPr marL="3200400" algn="l" defTabSz="914400" rtl="0" eaLnBrk="1" latinLnBrk="0" hangingPunct="1">
-              <a:defRPr sz="1800" kern="1200">
-                <a:solidFill>
-                  <a:schemeClr val="lt1"/>
-                </a:solidFill>
-                <a:latin typeface="+mn-lt"/>
-                <a:ea typeface="+mn-ea"/>
-                <a:cs typeface="+mn-cs"/>
-              </a:defRPr>
-            </a:lvl8pPr>
-            <a:lvl9pPr marL="3657600" algn="l" defTabSz="914400" rtl="0" eaLnBrk="1" latinLnBrk="0" hangingPunct="1">
-              <a:defRPr sz="1800" kern="1200">
-                <a:solidFill>
-                  <a:schemeClr val="lt1"/>
-                </a:solidFill>
-                <a:latin typeface="+mn-lt"/>
-                <a:ea typeface="+mn-ea"/>
-                <a:cs typeface="+mn-cs"/>
-              </a:defRPr>
-            </a:lvl9pPr>
-          </a:lstStyle>
+          <a:bodyPr rtlCol="0" anchor="ctr"/>
+          <a:lstStyle/>
           <a:p>
             <a:pPr algn="ctr"/>
             <a:endParaRPr lang="en-US"/>
           </a:p>
         </p:txBody>
       </p:sp>
-      <p:grpSp>
-        <p:nvGrpSpPr>
-          <p:cNvPr id="18" name="Group 17">
-            <a:extLst>
-              <a:ext uri="{FF2B5EF4-FFF2-40B4-BE49-F238E27FC236}">
-                <a16:creationId xmlns:a16="http://schemas.microsoft.com/office/drawing/2014/main" id="{81E0B358-1267-4844-8B3D-B7A279B4175A}"/>
-              </a:ext>
-              <a:ext uri="{C183D7F6-B498-43B3-948B-1728B52AA6E4}">
-                <adec:decorative xmlns:adec="http://schemas.microsoft.com/office/drawing/2017/decorative" val="1"/>
-              </a:ext>
-            </a:extLst>
-          </p:cNvPr>
-          <p:cNvGrpSpPr>
-            <a:grpSpLocks noGrp="1" noUngrp="1" noRot="1" noChangeAspect="1" noMove="1" noResize="1"/>
-          </p:cNvGrpSpPr>
-          <p:nvPr>
-            <p:extLst>
-              <p:ext uri="{386F3935-93C4-4BCD-93E2-E3B085C9AB24}">
-                <p16:designElem xmlns:p16="http://schemas.microsoft.com/office/powerpoint/2015/main" val="1"/>
-              </p:ext>
-            </p:extLst>
-          </p:nvPr>
-        </p:nvGrpSpPr>
-        <p:grpSpPr>
-          <a:xfrm>
-            <a:off x="4836169" y="228600"/>
-            <a:ext cx="2851523" cy="6638625"/>
-            <a:chOff x="2487613" y="285750"/>
-            <a:chExt cx="2428875" cy="5654676"/>
-          </a:xfrm>
-        </p:grpSpPr>
-        <p:sp>
-          <p:nvSpPr>
-            <p:cNvPr id="19" name="Freeform 11">
-              <a:extLst>
-                <a:ext uri="{FF2B5EF4-FFF2-40B4-BE49-F238E27FC236}">
-                  <a16:creationId xmlns:a16="http://schemas.microsoft.com/office/drawing/2014/main" id="{B24AA06A-F1A5-4BB3-9486-9AE7A53B3F28}"/>
-                </a:ext>
-                <a:ext uri="{C183D7F6-B498-43B3-948B-1728B52AA6E4}">
-                  <adec:decorative xmlns:adec="http://schemas.microsoft.com/office/drawing/2017/decorative" val="1"/>
-                </a:ext>
-              </a:extLst>
-            </p:cNvPr>
-            <p:cNvSpPr/>
-            <p:nvPr>
-              <p:extLst>
-                <p:ext uri="{386F3935-93C4-4BCD-93E2-E3B085C9AB24}">
-                  <p16:designElem xmlns:p16="http://schemas.microsoft.com/office/powerpoint/2015/main" val="1"/>
-                </p:ext>
-              </p:extLst>
-            </p:nvPr>
-          </p:nvSpPr>
-          <p:spPr bwMode="auto">
-            <a:xfrm>
-              <a:off x="2487613" y="2284413"/>
-              <a:ext cx="85725" cy="533400"/>
-            </a:xfrm>
-            <a:custGeom>
-              <a:avLst/>
-              <a:gdLst/>
-              <a:ahLst/>
-              <a:cxnLst/>
-              <a:rect l="0" t="0" r="r" b="b"/>
-              <a:pathLst>
-                <a:path w="22" h="136">
-                  <a:moveTo>
-                    <a:pt x="22" y="136"/>
-                  </a:moveTo>
-                  <a:cubicBezTo>
-                    <a:pt x="20" y="117"/>
-                    <a:pt x="19" y="99"/>
-                    <a:pt x="17" y="80"/>
-                  </a:cubicBezTo>
-                  <a:cubicBezTo>
-                    <a:pt x="11" y="54"/>
-                    <a:pt x="6" y="27"/>
-                    <a:pt x="0" y="0"/>
-                  </a:cubicBezTo>
-                  <a:cubicBezTo>
-                    <a:pt x="0" y="35"/>
-                    <a:pt x="0" y="35"/>
-                    <a:pt x="0" y="35"/>
-                  </a:cubicBezTo>
-                  <a:cubicBezTo>
-                    <a:pt x="6" y="64"/>
-                    <a:pt x="13" y="94"/>
-                    <a:pt x="20" y="124"/>
-                  </a:cubicBezTo>
-                  <a:cubicBezTo>
-                    <a:pt x="20" y="128"/>
-                    <a:pt x="21" y="132"/>
-                    <a:pt x="22" y="136"/>
-                  </a:cubicBezTo>
-                  <a:close/>
-                </a:path>
-              </a:pathLst>
-            </a:custGeom>
-            <a:solidFill>
-              <a:schemeClr val="tx2">
-                <a:alpha val="20000"/>
-              </a:schemeClr>
-            </a:solidFill>
-            <a:ln>
-              <a:noFill/>
-            </a:ln>
-          </p:spPr>
-        </p:sp>
-        <p:sp>
-          <p:nvSpPr>
-            <p:cNvPr id="20" name="Freeform 12">
-              <a:extLst>
-                <a:ext uri="{FF2B5EF4-FFF2-40B4-BE49-F238E27FC236}">
-                  <a16:creationId xmlns:a16="http://schemas.microsoft.com/office/drawing/2014/main" id="{BDF97590-C600-44CB-9303-4A3679F5169E}"/>
-                </a:ext>
-                <a:ext uri="{C183D7F6-B498-43B3-948B-1728B52AA6E4}">
-                  <adec:decorative xmlns:adec="http://schemas.microsoft.com/office/drawing/2017/decorative" val="1"/>
-                </a:ext>
-              </a:extLst>
-            </p:cNvPr>
-            <p:cNvSpPr/>
-            <p:nvPr>
-              <p:extLst>
-                <p:ext uri="{386F3935-93C4-4BCD-93E2-E3B085C9AB24}">
-                  <p16:designElem xmlns:p16="http://schemas.microsoft.com/office/powerpoint/2015/main" val="1"/>
-                </p:ext>
-              </p:extLst>
-            </p:nvPr>
-          </p:nvSpPr>
-          <p:spPr bwMode="auto">
-            <a:xfrm>
-              <a:off x="2597151" y="2779713"/>
-              <a:ext cx="550863" cy="1978025"/>
-            </a:xfrm>
-            <a:custGeom>
-              <a:avLst/>
-              <a:gdLst/>
-              <a:ahLst/>
-              <a:cxnLst/>
-              <a:rect l="0" t="0" r="r" b="b"/>
-              <a:pathLst>
-                <a:path w="140" h="504">
-                  <a:moveTo>
-                    <a:pt x="86" y="350"/>
-                  </a:moveTo>
-                  <a:cubicBezTo>
-                    <a:pt x="103" y="402"/>
-                    <a:pt x="120" y="453"/>
-                    <a:pt x="139" y="504"/>
-                  </a:cubicBezTo>
-                  <a:cubicBezTo>
-                    <a:pt x="139" y="495"/>
-                    <a:pt x="139" y="487"/>
-                    <a:pt x="140" y="478"/>
-                  </a:cubicBezTo>
-                  <a:cubicBezTo>
-                    <a:pt x="124" y="435"/>
-                    <a:pt x="109" y="391"/>
-                    <a:pt x="95" y="347"/>
-                  </a:cubicBezTo>
-                  <a:cubicBezTo>
-                    <a:pt x="58" y="233"/>
-                    <a:pt x="27" y="117"/>
-                    <a:pt x="0" y="0"/>
-                  </a:cubicBezTo>
-                  <a:cubicBezTo>
-                    <a:pt x="2" y="20"/>
-                    <a:pt x="4" y="41"/>
-                    <a:pt x="6" y="61"/>
-                  </a:cubicBezTo>
-                  <a:cubicBezTo>
-                    <a:pt x="30" y="158"/>
-                    <a:pt x="56" y="255"/>
-                    <a:pt x="86" y="350"/>
-                  </a:cubicBezTo>
-                  <a:close/>
-                </a:path>
-              </a:pathLst>
-            </a:custGeom>
-            <a:solidFill>
-              <a:schemeClr val="tx2">
-                <a:alpha val="20000"/>
-              </a:schemeClr>
-            </a:solidFill>
-            <a:ln>
-              <a:noFill/>
-            </a:ln>
-          </p:spPr>
-        </p:sp>
-        <p:sp>
-          <p:nvSpPr>
-            <p:cNvPr id="21" name="Freeform 13">
-              <a:extLst>
-                <a:ext uri="{FF2B5EF4-FFF2-40B4-BE49-F238E27FC236}">
-                  <a16:creationId xmlns:a16="http://schemas.microsoft.com/office/drawing/2014/main" id="{A9BBE156-3FFA-4DC4-8468-35BD28DDC605}"/>
-                </a:ext>
-                <a:ext uri="{C183D7F6-B498-43B3-948B-1728B52AA6E4}">
-                  <adec:decorative xmlns:adec="http://schemas.microsoft.com/office/drawing/2017/decorative" val="1"/>
-                </a:ext>
-              </a:extLst>
-            </p:cNvPr>
-            <p:cNvSpPr/>
-            <p:nvPr>
-              <p:extLst>
-                <p:ext uri="{386F3935-93C4-4BCD-93E2-E3B085C9AB24}">
-                  <p16:designElem xmlns:p16="http://schemas.microsoft.com/office/powerpoint/2015/main" val="1"/>
-                </p:ext>
-              </p:extLst>
-            </p:nvPr>
-          </p:nvSpPr>
-          <p:spPr bwMode="auto">
-            <a:xfrm>
-              <a:off x="3175001" y="4730750"/>
-              <a:ext cx="519113" cy="1209675"/>
-            </a:xfrm>
-            <a:custGeom>
-              <a:avLst/>
-              <a:gdLst/>
-              <a:ahLst/>
-              <a:cxnLst/>
-              <a:rect l="0" t="0" r="r" b="b"/>
-              <a:pathLst>
-                <a:path w="132" h="308">
-                  <a:moveTo>
-                    <a:pt x="8" y="22"/>
-                  </a:moveTo>
-                  <a:cubicBezTo>
-                    <a:pt x="5" y="15"/>
-                    <a:pt x="2" y="8"/>
-                    <a:pt x="0" y="0"/>
-                  </a:cubicBezTo>
-                  <a:cubicBezTo>
-                    <a:pt x="0" y="10"/>
-                    <a:pt x="0" y="19"/>
-                    <a:pt x="0" y="29"/>
-                  </a:cubicBezTo>
-                  <a:cubicBezTo>
-                    <a:pt x="21" y="85"/>
-                    <a:pt x="44" y="140"/>
-                    <a:pt x="68" y="194"/>
-                  </a:cubicBezTo>
-                  <a:cubicBezTo>
-                    <a:pt x="85" y="232"/>
-                    <a:pt x="104" y="270"/>
-                    <a:pt x="123" y="308"/>
-                  </a:cubicBezTo>
-                  <a:cubicBezTo>
-                    <a:pt x="132" y="308"/>
-                    <a:pt x="132" y="308"/>
-                    <a:pt x="132" y="308"/>
-                  </a:cubicBezTo>
-                  <a:cubicBezTo>
-                    <a:pt x="113" y="269"/>
-                    <a:pt x="94" y="230"/>
-                    <a:pt x="77" y="190"/>
-                  </a:cubicBezTo>
-                  <a:cubicBezTo>
-                    <a:pt x="52" y="135"/>
-                    <a:pt x="29" y="79"/>
-                    <a:pt x="8" y="22"/>
-                  </a:cubicBezTo>
-                  <a:close/>
-                </a:path>
-              </a:pathLst>
-            </a:custGeom>
-            <a:solidFill>
-              <a:schemeClr val="tx2">
-                <a:alpha val="20000"/>
-              </a:schemeClr>
-            </a:solidFill>
-            <a:ln>
-              <a:noFill/>
-            </a:ln>
-          </p:spPr>
-        </p:sp>
-        <p:sp>
-          <p:nvSpPr>
-            <p:cNvPr id="22" name="Freeform 14">
-              <a:extLst>
-                <a:ext uri="{FF2B5EF4-FFF2-40B4-BE49-F238E27FC236}">
-                  <a16:creationId xmlns:a16="http://schemas.microsoft.com/office/drawing/2014/main" id="{F7960DE5-3810-4B1E-B1E2-3BAFEA91EDD4}"/>
-                </a:ext>
-                <a:ext uri="{C183D7F6-B498-43B3-948B-1728B52AA6E4}">
-                  <adec:decorative xmlns:adec="http://schemas.microsoft.com/office/drawing/2017/decorative" val="1"/>
-                </a:ext>
-              </a:extLst>
-            </p:cNvPr>
-            <p:cNvSpPr/>
-            <p:nvPr>
-              <p:extLst>
-                <p:ext uri="{386F3935-93C4-4BCD-93E2-E3B085C9AB24}">
-                  <p16:designElem xmlns:p16="http://schemas.microsoft.com/office/powerpoint/2015/main" val="1"/>
-                </p:ext>
-              </p:extLst>
-            </p:nvPr>
-          </p:nvSpPr>
-          <p:spPr bwMode="auto">
-            <a:xfrm>
-              <a:off x="3305176" y="5630863"/>
-              <a:ext cx="146050" cy="309563"/>
-            </a:xfrm>
-            <a:custGeom>
-              <a:avLst/>
-              <a:gdLst/>
-              <a:ahLst/>
-              <a:cxnLst/>
-              <a:rect l="0" t="0" r="r" b="b"/>
-              <a:pathLst>
-                <a:path w="37" h="79">
-                  <a:moveTo>
-                    <a:pt x="28" y="79"/>
-                  </a:moveTo>
-                  <a:cubicBezTo>
-                    <a:pt x="37" y="79"/>
-                    <a:pt x="37" y="79"/>
-                    <a:pt x="37" y="79"/>
-                  </a:cubicBezTo>
-                  <a:cubicBezTo>
-                    <a:pt x="24" y="53"/>
-                    <a:pt x="12" y="27"/>
-                    <a:pt x="0" y="0"/>
-                  </a:cubicBezTo>
-                  <a:cubicBezTo>
-                    <a:pt x="8" y="27"/>
-                    <a:pt x="17" y="53"/>
-                    <a:pt x="28" y="79"/>
-                  </a:cubicBezTo>
-                  <a:close/>
-                </a:path>
-              </a:pathLst>
-            </a:custGeom>
-            <a:solidFill>
-              <a:schemeClr val="tx2">
-                <a:alpha val="20000"/>
-              </a:schemeClr>
-            </a:solidFill>
-            <a:ln>
-              <a:noFill/>
-            </a:ln>
-          </p:spPr>
-        </p:sp>
-        <p:sp>
-          <p:nvSpPr>
-            <p:cNvPr id="23" name="Freeform 15">
-              <a:extLst>
-                <a:ext uri="{FF2B5EF4-FFF2-40B4-BE49-F238E27FC236}">
-                  <a16:creationId xmlns:a16="http://schemas.microsoft.com/office/drawing/2014/main" id="{359E957C-CE11-446F-8AA7-B3E98390B89F}"/>
-                </a:ext>
-                <a:ext uri="{C183D7F6-B498-43B3-948B-1728B52AA6E4}">
-                  <adec:decorative xmlns:adec="http://schemas.microsoft.com/office/drawing/2017/decorative" val="1"/>
-                </a:ext>
-              </a:extLst>
-            </p:cNvPr>
-            <p:cNvSpPr/>
-            <p:nvPr>
-              <p:extLst>
-                <p:ext uri="{386F3935-93C4-4BCD-93E2-E3B085C9AB24}">
-                  <p16:designElem xmlns:p16="http://schemas.microsoft.com/office/powerpoint/2015/main" val="1"/>
-                </p:ext>
-              </p:extLst>
-            </p:nvPr>
-          </p:nvSpPr>
-          <p:spPr bwMode="auto">
-            <a:xfrm>
-              <a:off x="2573338" y="2817813"/>
-              <a:ext cx="700088" cy="2835275"/>
-            </a:xfrm>
-            <a:custGeom>
-              <a:avLst/>
-              <a:gdLst/>
-              <a:ahLst/>
-              <a:cxnLst/>
-              <a:rect l="0" t="0" r="r" b="b"/>
-              <a:pathLst>
-                <a:path w="178" h="722">
-                  <a:moveTo>
-                    <a:pt x="162" y="660"/>
-                  </a:moveTo>
-                  <a:cubicBezTo>
-                    <a:pt x="145" y="618"/>
-                    <a:pt x="130" y="576"/>
-                    <a:pt x="116" y="534"/>
-                  </a:cubicBezTo>
-                  <a:cubicBezTo>
-                    <a:pt x="84" y="437"/>
-                    <a:pt x="59" y="337"/>
-                    <a:pt x="40" y="236"/>
-                  </a:cubicBezTo>
-                  <a:cubicBezTo>
-                    <a:pt x="29" y="175"/>
-                    <a:pt x="20" y="113"/>
-                    <a:pt x="12" y="51"/>
-                  </a:cubicBezTo>
-                  <a:cubicBezTo>
-                    <a:pt x="8" y="34"/>
-                    <a:pt x="4" y="17"/>
-                    <a:pt x="0" y="0"/>
-                  </a:cubicBezTo>
-                  <a:cubicBezTo>
-                    <a:pt x="8" y="79"/>
-                    <a:pt x="19" y="159"/>
-                    <a:pt x="33" y="237"/>
-                  </a:cubicBezTo>
-                  <a:cubicBezTo>
-                    <a:pt x="51" y="339"/>
-                    <a:pt x="76" y="439"/>
-                    <a:pt x="107" y="537"/>
-                  </a:cubicBezTo>
-                  <a:cubicBezTo>
-                    <a:pt x="123" y="586"/>
-                    <a:pt x="141" y="634"/>
-                    <a:pt x="160" y="681"/>
-                  </a:cubicBezTo>
-                  <a:cubicBezTo>
-                    <a:pt x="166" y="695"/>
-                    <a:pt x="172" y="708"/>
-                    <a:pt x="178" y="722"/>
-                  </a:cubicBezTo>
-                  <a:cubicBezTo>
-                    <a:pt x="176" y="717"/>
-                    <a:pt x="175" y="713"/>
-                    <a:pt x="174" y="708"/>
-                  </a:cubicBezTo>
-                  <a:cubicBezTo>
-                    <a:pt x="169" y="692"/>
-                    <a:pt x="165" y="676"/>
-                    <a:pt x="162" y="660"/>
-                  </a:cubicBezTo>
-                  <a:close/>
-                </a:path>
-              </a:pathLst>
-            </a:custGeom>
-            <a:solidFill>
-              <a:schemeClr val="tx2">
-                <a:alpha val="20000"/>
-              </a:schemeClr>
-            </a:solidFill>
-            <a:ln>
-              <a:noFill/>
-            </a:ln>
-          </p:spPr>
-        </p:sp>
-        <p:sp>
-          <p:nvSpPr>
-            <p:cNvPr id="24" name="Freeform 16">
-              <a:extLst>
-                <a:ext uri="{FF2B5EF4-FFF2-40B4-BE49-F238E27FC236}">
-                  <a16:creationId xmlns:a16="http://schemas.microsoft.com/office/drawing/2014/main" id="{A3E9FE34-CA9E-4443-BEBF-D1B9A1C6C24D}"/>
-                </a:ext>
-                <a:ext uri="{C183D7F6-B498-43B3-948B-1728B52AA6E4}">
-                  <adec:decorative xmlns:adec="http://schemas.microsoft.com/office/drawing/2017/decorative" val="1"/>
-                </a:ext>
-              </a:extLst>
-            </p:cNvPr>
-            <p:cNvSpPr/>
-            <p:nvPr>
-              <p:extLst>
-                <p:ext uri="{386F3935-93C4-4BCD-93E2-E3B085C9AB24}">
-                  <p16:designElem xmlns:p16="http://schemas.microsoft.com/office/powerpoint/2015/main" val="1"/>
-                </p:ext>
-              </p:extLst>
-            </p:nvPr>
-          </p:nvSpPr>
-          <p:spPr bwMode="auto">
-            <a:xfrm>
-              <a:off x="2506663" y="285750"/>
-              <a:ext cx="90488" cy="2493963"/>
-            </a:xfrm>
-            <a:custGeom>
-              <a:avLst/>
-              <a:gdLst/>
-              <a:ahLst/>
-              <a:cxnLst/>
-              <a:rect l="0" t="0" r="r" b="b"/>
-              <a:pathLst>
-                <a:path w="23" h="635">
-                  <a:moveTo>
-                    <a:pt x="11" y="577"/>
-                  </a:moveTo>
-                  <a:cubicBezTo>
-                    <a:pt x="12" y="581"/>
-                    <a:pt x="12" y="585"/>
-                    <a:pt x="12" y="589"/>
-                  </a:cubicBezTo>
-                  <a:cubicBezTo>
-                    <a:pt x="15" y="603"/>
-                    <a:pt x="19" y="617"/>
-                    <a:pt x="22" y="632"/>
-                  </a:cubicBezTo>
-                  <a:cubicBezTo>
-                    <a:pt x="22" y="633"/>
-                    <a:pt x="22" y="634"/>
-                    <a:pt x="23" y="635"/>
-                  </a:cubicBezTo>
-                  <a:cubicBezTo>
-                    <a:pt x="21" y="615"/>
-                    <a:pt x="19" y="596"/>
-                    <a:pt x="17" y="576"/>
-                  </a:cubicBezTo>
-                  <a:cubicBezTo>
-                    <a:pt x="9" y="474"/>
-                    <a:pt x="5" y="372"/>
-                    <a:pt x="5" y="269"/>
-                  </a:cubicBezTo>
-                  <a:cubicBezTo>
-                    <a:pt x="6" y="179"/>
-                    <a:pt x="9" y="90"/>
-                    <a:pt x="15" y="0"/>
-                  </a:cubicBezTo>
-                  <a:cubicBezTo>
-                    <a:pt x="12" y="0"/>
-                    <a:pt x="12" y="0"/>
-                    <a:pt x="12" y="0"/>
-                  </a:cubicBezTo>
-                  <a:cubicBezTo>
-                    <a:pt x="5" y="89"/>
-                    <a:pt x="2" y="179"/>
-                    <a:pt x="1" y="269"/>
-                  </a:cubicBezTo>
-                  <a:cubicBezTo>
-                    <a:pt x="0" y="372"/>
-                    <a:pt x="3" y="474"/>
-                    <a:pt x="11" y="577"/>
-                  </a:cubicBezTo>
-                  <a:close/>
-                </a:path>
-              </a:pathLst>
-            </a:custGeom>
-            <a:solidFill>
-              <a:schemeClr val="tx2">
-                <a:alpha val="20000"/>
-              </a:schemeClr>
-            </a:solidFill>
-            <a:ln>
-              <a:noFill/>
-            </a:ln>
-          </p:spPr>
-        </p:sp>
-        <p:sp>
-          <p:nvSpPr>
-            <p:cNvPr id="25" name="Freeform 17">
-              <a:extLst>
-                <a:ext uri="{FF2B5EF4-FFF2-40B4-BE49-F238E27FC236}">
-                  <a16:creationId xmlns:a16="http://schemas.microsoft.com/office/drawing/2014/main" id="{4F39D814-8A48-4509-BDEB-826F10659156}"/>
-                </a:ext>
-                <a:ext uri="{C183D7F6-B498-43B3-948B-1728B52AA6E4}">
-                  <adec:decorative xmlns:adec="http://schemas.microsoft.com/office/drawing/2017/decorative" val="1"/>
-                </a:ext>
-              </a:extLst>
-            </p:cNvPr>
-            <p:cNvSpPr/>
-            <p:nvPr>
-              <p:extLst>
-                <p:ext uri="{386F3935-93C4-4BCD-93E2-E3B085C9AB24}">
-                  <p16:designElem xmlns:p16="http://schemas.microsoft.com/office/powerpoint/2015/main" val="1"/>
-                </p:ext>
-              </p:extLst>
-            </p:nvPr>
-          </p:nvSpPr>
-          <p:spPr bwMode="auto">
-            <a:xfrm>
-              <a:off x="2554288" y="2598738"/>
-              <a:ext cx="66675" cy="420688"/>
-            </a:xfrm>
-            <a:custGeom>
-              <a:avLst/>
-              <a:gdLst/>
-              <a:ahLst/>
-              <a:cxnLst/>
-              <a:rect l="0" t="0" r="r" b="b"/>
-              <a:pathLst>
-                <a:path w="17" h="107">
-                  <a:moveTo>
-                    <a:pt x="0" y="0"/>
-                  </a:moveTo>
-                  <a:cubicBezTo>
-                    <a:pt x="2" y="19"/>
-                    <a:pt x="3" y="37"/>
-                    <a:pt x="5" y="56"/>
-                  </a:cubicBezTo>
-                  <a:cubicBezTo>
-                    <a:pt x="9" y="73"/>
-                    <a:pt x="13" y="90"/>
-                    <a:pt x="17" y="107"/>
-                  </a:cubicBezTo>
-                  <a:cubicBezTo>
-                    <a:pt x="15" y="87"/>
-                    <a:pt x="13" y="66"/>
-                    <a:pt x="11" y="46"/>
-                  </a:cubicBezTo>
-                  <a:cubicBezTo>
-                    <a:pt x="10" y="45"/>
-                    <a:pt x="10" y="44"/>
-                    <a:pt x="10" y="43"/>
-                  </a:cubicBezTo>
-                  <a:cubicBezTo>
-                    <a:pt x="7" y="28"/>
-                    <a:pt x="3" y="14"/>
-                    <a:pt x="0" y="0"/>
-                  </a:cubicBezTo>
-                  <a:close/>
-                </a:path>
-              </a:pathLst>
-            </a:custGeom>
-            <a:solidFill>
-              <a:schemeClr val="tx2">
-                <a:alpha val="20000"/>
-              </a:schemeClr>
-            </a:solidFill>
-            <a:ln>
-              <a:noFill/>
-            </a:ln>
-          </p:spPr>
-        </p:sp>
-        <p:sp>
-          <p:nvSpPr>
-            <p:cNvPr id="26" name="Freeform 18">
-              <a:extLst>
-                <a:ext uri="{FF2B5EF4-FFF2-40B4-BE49-F238E27FC236}">
-                  <a16:creationId xmlns:a16="http://schemas.microsoft.com/office/drawing/2014/main" id="{8C6D08C0-8C49-4B87-9CF4-A1F08714FACF}"/>
-                </a:ext>
-                <a:ext uri="{C183D7F6-B498-43B3-948B-1728B52AA6E4}">
-                  <adec:decorative xmlns:adec="http://schemas.microsoft.com/office/drawing/2017/decorative" val="1"/>
-                </a:ext>
-              </a:extLst>
-            </p:cNvPr>
-            <p:cNvSpPr/>
-            <p:nvPr>
-              <p:extLst>
-                <p:ext uri="{386F3935-93C4-4BCD-93E2-E3B085C9AB24}">
-                  <p16:designElem xmlns:p16="http://schemas.microsoft.com/office/powerpoint/2015/main" val="1"/>
-                </p:ext>
-              </p:extLst>
-            </p:nvPr>
-          </p:nvSpPr>
-          <p:spPr bwMode="auto">
-            <a:xfrm>
-              <a:off x="3143251" y="4757738"/>
-              <a:ext cx="161925" cy="873125"/>
-            </a:xfrm>
-            <a:custGeom>
-              <a:avLst/>
-              <a:gdLst/>
-              <a:ahLst/>
-              <a:cxnLst/>
-              <a:rect l="0" t="0" r="r" b="b"/>
-              <a:pathLst>
-                <a:path w="41" h="222">
-                  <a:moveTo>
-                    <a:pt x="0" y="0"/>
-                  </a:moveTo>
-                  <a:cubicBezTo>
-                    <a:pt x="0" y="31"/>
-                    <a:pt x="2" y="62"/>
-                    <a:pt x="5" y="93"/>
-                  </a:cubicBezTo>
-                  <a:cubicBezTo>
-                    <a:pt x="8" y="117"/>
-                    <a:pt x="12" y="142"/>
-                    <a:pt x="17" y="166"/>
-                  </a:cubicBezTo>
-                  <a:cubicBezTo>
-                    <a:pt x="19" y="172"/>
-                    <a:pt x="22" y="178"/>
-                    <a:pt x="24" y="184"/>
-                  </a:cubicBezTo>
-                  <a:cubicBezTo>
-                    <a:pt x="30" y="197"/>
-                    <a:pt x="35" y="209"/>
-                    <a:pt x="41" y="222"/>
-                  </a:cubicBezTo>
-                  <a:cubicBezTo>
-                    <a:pt x="40" y="219"/>
-                    <a:pt x="39" y="215"/>
-                    <a:pt x="38" y="212"/>
-                  </a:cubicBezTo>
-                  <a:cubicBezTo>
-                    <a:pt x="26" y="172"/>
-                    <a:pt x="18" y="132"/>
-                    <a:pt x="13" y="92"/>
-                  </a:cubicBezTo>
-                  <a:cubicBezTo>
-                    <a:pt x="11" y="68"/>
-                    <a:pt x="9" y="45"/>
-                    <a:pt x="8" y="22"/>
-                  </a:cubicBezTo>
-                  <a:cubicBezTo>
-                    <a:pt x="8" y="21"/>
-                    <a:pt x="7" y="20"/>
-                    <a:pt x="7" y="18"/>
-                  </a:cubicBezTo>
-                  <a:cubicBezTo>
-                    <a:pt x="5" y="12"/>
-                    <a:pt x="2" y="6"/>
-                    <a:pt x="0" y="0"/>
-                  </a:cubicBezTo>
-                  <a:close/>
-                </a:path>
-              </a:pathLst>
-            </a:custGeom>
-            <a:solidFill>
-              <a:schemeClr val="tx2">
-                <a:alpha val="20000"/>
-              </a:schemeClr>
-            </a:solidFill>
-            <a:ln>
-              <a:noFill/>
-            </a:ln>
-          </p:spPr>
-        </p:sp>
-        <p:sp>
-          <p:nvSpPr>
-            <p:cNvPr id="27" name="Freeform 19">
-              <a:extLst>
-                <a:ext uri="{FF2B5EF4-FFF2-40B4-BE49-F238E27FC236}">
-                  <a16:creationId xmlns:a16="http://schemas.microsoft.com/office/drawing/2014/main" id="{308C612B-4C0D-4863-B9CD-F86ABAA1B2BC}"/>
-                </a:ext>
-                <a:ext uri="{C183D7F6-B498-43B3-948B-1728B52AA6E4}">
-                  <adec:decorative xmlns:adec="http://schemas.microsoft.com/office/drawing/2017/decorative" val="1"/>
-                </a:ext>
-              </a:extLst>
-            </p:cNvPr>
-            <p:cNvSpPr/>
-            <p:nvPr>
-              <p:extLst>
-                <p:ext uri="{386F3935-93C4-4BCD-93E2-E3B085C9AB24}">
-                  <p16:designElem xmlns:p16="http://schemas.microsoft.com/office/powerpoint/2015/main" val="1"/>
-                </p:ext>
-              </p:extLst>
-            </p:nvPr>
-          </p:nvSpPr>
-          <p:spPr bwMode="auto">
-            <a:xfrm>
-              <a:off x="3148013" y="1282700"/>
-              <a:ext cx="1768475" cy="3448050"/>
-            </a:xfrm>
-            <a:custGeom>
-              <a:avLst/>
-              <a:gdLst/>
-              <a:ahLst/>
-              <a:cxnLst/>
-              <a:rect l="0" t="0" r="r" b="b"/>
-              <a:pathLst>
-                <a:path w="450" h="878">
-                  <a:moveTo>
-                    <a:pt x="7" y="854"/>
-                  </a:moveTo>
-                  <a:cubicBezTo>
-                    <a:pt x="10" y="772"/>
-                    <a:pt x="26" y="691"/>
-                    <a:pt x="50" y="613"/>
-                  </a:cubicBezTo>
-                  <a:cubicBezTo>
-                    <a:pt x="75" y="535"/>
-                    <a:pt x="109" y="460"/>
-                    <a:pt x="149" y="388"/>
-                  </a:cubicBezTo>
-                  <a:cubicBezTo>
-                    <a:pt x="189" y="316"/>
-                    <a:pt x="235" y="248"/>
-                    <a:pt x="285" y="183"/>
-                  </a:cubicBezTo>
-                  <a:cubicBezTo>
-                    <a:pt x="310" y="151"/>
-                    <a:pt x="337" y="119"/>
-                    <a:pt x="364" y="89"/>
-                  </a:cubicBezTo>
-                  <a:cubicBezTo>
-                    <a:pt x="378" y="74"/>
-                    <a:pt x="392" y="58"/>
-                    <a:pt x="406" y="44"/>
-                  </a:cubicBezTo>
-                  <a:cubicBezTo>
-                    <a:pt x="421" y="29"/>
-                    <a:pt x="435" y="15"/>
-                    <a:pt x="450" y="1"/>
-                  </a:cubicBezTo>
-                  <a:cubicBezTo>
-                    <a:pt x="450" y="0"/>
-                    <a:pt x="450" y="0"/>
-                    <a:pt x="450" y="0"/>
-                  </a:cubicBezTo>
-                  <a:cubicBezTo>
-                    <a:pt x="434" y="14"/>
-                    <a:pt x="420" y="28"/>
-                    <a:pt x="405" y="43"/>
-                  </a:cubicBezTo>
-                  <a:cubicBezTo>
-                    <a:pt x="391" y="57"/>
-                    <a:pt x="377" y="72"/>
-                    <a:pt x="363" y="88"/>
-                  </a:cubicBezTo>
-                  <a:cubicBezTo>
-                    <a:pt x="335" y="118"/>
-                    <a:pt x="308" y="149"/>
-                    <a:pt x="283" y="181"/>
-                  </a:cubicBezTo>
-                  <a:cubicBezTo>
-                    <a:pt x="232" y="246"/>
-                    <a:pt x="185" y="314"/>
-                    <a:pt x="145" y="386"/>
-                  </a:cubicBezTo>
-                  <a:cubicBezTo>
-                    <a:pt x="104" y="457"/>
-                    <a:pt x="70" y="533"/>
-                    <a:pt x="45" y="611"/>
-                  </a:cubicBezTo>
-                  <a:cubicBezTo>
-                    <a:pt x="19" y="690"/>
-                    <a:pt x="3" y="771"/>
-                    <a:pt x="0" y="854"/>
-                  </a:cubicBezTo>
-                  <a:cubicBezTo>
-                    <a:pt x="0" y="856"/>
-                    <a:pt x="0" y="857"/>
-                    <a:pt x="0" y="859"/>
-                  </a:cubicBezTo>
-                  <a:cubicBezTo>
-                    <a:pt x="2" y="865"/>
-                    <a:pt x="4" y="872"/>
-                    <a:pt x="7" y="878"/>
-                  </a:cubicBezTo>
-                  <a:cubicBezTo>
-                    <a:pt x="7" y="870"/>
-                    <a:pt x="7" y="862"/>
-                    <a:pt x="7" y="854"/>
-                  </a:cubicBezTo>
-                  <a:close/>
-                </a:path>
-              </a:pathLst>
-            </a:custGeom>
-            <a:solidFill>
-              <a:schemeClr val="tx2">
-                <a:alpha val="20000"/>
-              </a:schemeClr>
-            </a:solidFill>
-            <a:ln>
-              <a:noFill/>
-            </a:ln>
-          </p:spPr>
-        </p:sp>
-        <p:sp>
-          <p:nvSpPr>
-            <p:cNvPr id="28" name="Freeform 20">
-              <a:extLst>
-                <a:ext uri="{FF2B5EF4-FFF2-40B4-BE49-F238E27FC236}">
-                  <a16:creationId xmlns:a16="http://schemas.microsoft.com/office/drawing/2014/main" id="{600B1EC8-1B55-4390-A183-C33B5E2273BB}"/>
-                </a:ext>
-                <a:ext uri="{C183D7F6-B498-43B3-948B-1728B52AA6E4}">
-                  <adec:decorative xmlns:adec="http://schemas.microsoft.com/office/drawing/2017/decorative" val="1"/>
-                </a:ext>
-              </a:extLst>
-            </p:cNvPr>
-            <p:cNvSpPr/>
-            <p:nvPr>
-              <p:extLst>
-                <p:ext uri="{386F3935-93C4-4BCD-93E2-E3B085C9AB24}">
-                  <p16:designElem xmlns:p16="http://schemas.microsoft.com/office/powerpoint/2015/main" val="1"/>
-                </p:ext>
-              </p:extLst>
-            </p:nvPr>
-          </p:nvSpPr>
-          <p:spPr bwMode="auto">
-            <a:xfrm>
-              <a:off x="3273426" y="5653088"/>
-              <a:ext cx="138113" cy="287338"/>
-            </a:xfrm>
-            <a:custGeom>
-              <a:avLst/>
-              <a:gdLst/>
-              <a:ahLst/>
-              <a:cxnLst/>
-              <a:rect l="0" t="0" r="r" b="b"/>
-              <a:pathLst>
-                <a:path w="35" h="73">
-                  <a:moveTo>
-                    <a:pt x="0" y="0"/>
-                  </a:moveTo>
-                  <a:cubicBezTo>
-                    <a:pt x="7" y="24"/>
-                    <a:pt x="16" y="49"/>
-                    <a:pt x="26" y="73"/>
-                  </a:cubicBezTo>
-                  <a:cubicBezTo>
-                    <a:pt x="35" y="73"/>
-                    <a:pt x="35" y="73"/>
-                    <a:pt x="35" y="73"/>
-                  </a:cubicBezTo>
-                  <a:cubicBezTo>
-                    <a:pt x="23" y="49"/>
-                    <a:pt x="11" y="24"/>
-                    <a:pt x="0" y="0"/>
-                  </a:cubicBezTo>
-                  <a:close/>
-                </a:path>
-              </a:pathLst>
-            </a:custGeom>
-            <a:solidFill>
-              <a:schemeClr val="tx2">
-                <a:alpha val="20000"/>
-              </a:schemeClr>
-            </a:solidFill>
-            <a:ln>
-              <a:noFill/>
-            </a:ln>
-          </p:spPr>
-        </p:sp>
-        <p:sp>
-          <p:nvSpPr>
-            <p:cNvPr id="29" name="Freeform 21">
-              <a:extLst>
-                <a:ext uri="{FF2B5EF4-FFF2-40B4-BE49-F238E27FC236}">
-                  <a16:creationId xmlns:a16="http://schemas.microsoft.com/office/drawing/2014/main" id="{1790A225-91E1-4BE5-A801-5F1E32721C5B}"/>
-                </a:ext>
-                <a:ext uri="{C183D7F6-B498-43B3-948B-1728B52AA6E4}">
-                  <adec:decorative xmlns:adec="http://schemas.microsoft.com/office/drawing/2017/decorative" val="1"/>
-                </a:ext>
-              </a:extLst>
-            </p:cNvPr>
-            <p:cNvSpPr/>
-            <p:nvPr>
-              <p:extLst>
-                <p:ext uri="{386F3935-93C4-4BCD-93E2-E3B085C9AB24}">
-                  <p16:designElem xmlns:p16="http://schemas.microsoft.com/office/powerpoint/2015/main" val="1"/>
-                </p:ext>
-              </p:extLst>
-            </p:nvPr>
-          </p:nvSpPr>
-          <p:spPr bwMode="auto">
-            <a:xfrm>
-              <a:off x="3143251" y="4656138"/>
-              <a:ext cx="31750" cy="188913"/>
-            </a:xfrm>
-            <a:custGeom>
-              <a:avLst/>
-              <a:gdLst/>
-              <a:ahLst/>
-              <a:cxnLst/>
-              <a:rect l="0" t="0" r="r" b="b"/>
-              <a:pathLst>
-                <a:path w="8" h="48">
-                  <a:moveTo>
-                    <a:pt x="7" y="44"/>
-                  </a:moveTo>
-                  <a:cubicBezTo>
-                    <a:pt x="7" y="46"/>
-                    <a:pt x="8" y="47"/>
-                    <a:pt x="8" y="48"/>
-                  </a:cubicBezTo>
-                  <a:cubicBezTo>
-                    <a:pt x="8" y="38"/>
-                    <a:pt x="8" y="29"/>
-                    <a:pt x="8" y="19"/>
-                  </a:cubicBezTo>
-                  <a:cubicBezTo>
-                    <a:pt x="5" y="13"/>
-                    <a:pt x="3" y="6"/>
-                    <a:pt x="1" y="0"/>
-                  </a:cubicBezTo>
-                  <a:cubicBezTo>
-                    <a:pt x="0" y="9"/>
-                    <a:pt x="0" y="17"/>
-                    <a:pt x="0" y="26"/>
-                  </a:cubicBezTo>
-                  <a:cubicBezTo>
-                    <a:pt x="2" y="32"/>
-                    <a:pt x="5" y="38"/>
-                    <a:pt x="7" y="44"/>
-                  </a:cubicBezTo>
-                  <a:close/>
-                </a:path>
-              </a:pathLst>
-            </a:custGeom>
-            <a:solidFill>
-              <a:schemeClr val="tx2">
-                <a:alpha val="20000"/>
-              </a:schemeClr>
-            </a:solidFill>
-            <a:ln>
-              <a:noFill/>
-            </a:ln>
-          </p:spPr>
-        </p:sp>
-        <p:sp>
-          <p:nvSpPr>
-            <p:cNvPr id="30" name="Freeform 22">
-              <a:extLst>
-                <a:ext uri="{FF2B5EF4-FFF2-40B4-BE49-F238E27FC236}">
-                  <a16:creationId xmlns:a16="http://schemas.microsoft.com/office/drawing/2014/main" id="{DFFC46A2-6BBF-47FD-BC17-5EE1DF7CB906}"/>
-                </a:ext>
-                <a:ext uri="{C183D7F6-B498-43B3-948B-1728B52AA6E4}">
-                  <adec:decorative xmlns:adec="http://schemas.microsoft.com/office/drawing/2017/decorative" val="1"/>
-                </a:ext>
-              </a:extLst>
-            </p:cNvPr>
-            <p:cNvSpPr/>
-            <p:nvPr>
-              <p:extLst>
-                <p:ext uri="{386F3935-93C4-4BCD-93E2-E3B085C9AB24}">
-                  <p16:designElem xmlns:p16="http://schemas.microsoft.com/office/powerpoint/2015/main" val="1"/>
-                </p:ext>
-              </p:extLst>
-            </p:nvPr>
-          </p:nvSpPr>
-          <p:spPr bwMode="auto">
-            <a:xfrm>
-              <a:off x="3211513" y="5410200"/>
-              <a:ext cx="203200" cy="530225"/>
-            </a:xfrm>
-            <a:custGeom>
-              <a:avLst/>
-              <a:gdLst/>
-              <a:ahLst/>
-              <a:cxnLst/>
-              <a:rect l="0" t="0" r="r" b="b"/>
-              <a:pathLst>
-                <a:path w="52" h="135">
-                  <a:moveTo>
-                    <a:pt x="7" y="18"/>
-                  </a:moveTo>
-                  <a:cubicBezTo>
-                    <a:pt x="5" y="12"/>
-                    <a:pt x="2" y="6"/>
-                    <a:pt x="0" y="0"/>
-                  </a:cubicBezTo>
-                  <a:cubicBezTo>
-                    <a:pt x="3" y="16"/>
-                    <a:pt x="7" y="32"/>
-                    <a:pt x="12" y="48"/>
-                  </a:cubicBezTo>
-                  <a:cubicBezTo>
-                    <a:pt x="13" y="53"/>
-                    <a:pt x="14" y="57"/>
-                    <a:pt x="16" y="62"/>
-                  </a:cubicBezTo>
-                  <a:cubicBezTo>
-                    <a:pt x="27" y="86"/>
-                    <a:pt x="39" y="111"/>
-                    <a:pt x="51" y="135"/>
-                  </a:cubicBezTo>
-                  <a:cubicBezTo>
-                    <a:pt x="52" y="135"/>
-                    <a:pt x="52" y="135"/>
-                    <a:pt x="52" y="135"/>
-                  </a:cubicBezTo>
-                  <a:cubicBezTo>
-                    <a:pt x="41" y="109"/>
-                    <a:pt x="32" y="83"/>
-                    <a:pt x="24" y="56"/>
-                  </a:cubicBezTo>
-                  <a:cubicBezTo>
-                    <a:pt x="18" y="43"/>
-                    <a:pt x="13" y="31"/>
-                    <a:pt x="7" y="18"/>
-                  </a:cubicBezTo>
-                  <a:close/>
-                </a:path>
-              </a:pathLst>
-            </a:custGeom>
-            <a:solidFill>
-              <a:schemeClr val="tx2">
-                <a:alpha val="20000"/>
-              </a:schemeClr>
-            </a:solidFill>
-            <a:ln>
-              <a:noFill/>
-            </a:ln>
-          </p:spPr>
-        </p:sp>
-      </p:grpSp>
-      <p:grpSp>
-        <p:nvGrpSpPr>
-          <p:cNvPr id="32" name="Group 31">
-            <a:extLst>
-              <a:ext uri="{FF2B5EF4-FFF2-40B4-BE49-F238E27FC236}">
-                <a16:creationId xmlns:a16="http://schemas.microsoft.com/office/drawing/2014/main" id="{AF44CA9C-80E8-44E1-A79C-D6EBFC73BCA0}"/>
-              </a:ext>
-              <a:ext uri="{C183D7F6-B498-43B3-948B-1728B52AA6E4}">
-                <adec:decorative xmlns:adec="http://schemas.microsoft.com/office/drawing/2017/decorative" val="1"/>
-              </a:ext>
-            </a:extLst>
-          </p:cNvPr>
-          <p:cNvGrpSpPr>
-            <a:grpSpLocks noGrp="1" noUngrp="1" noRot="1" noChangeAspect="1" noMove="1" noResize="1"/>
-          </p:cNvGrpSpPr>
-          <p:nvPr>
-            <p:extLst>
-              <p:ext uri="{386F3935-93C4-4BCD-93E2-E3B085C9AB24}">
-                <p16:designElem xmlns:p16="http://schemas.microsoft.com/office/powerpoint/2015/main" val="1"/>
-              </p:ext>
-            </p:extLst>
-          </p:nvPr>
-        </p:nvGrpSpPr>
-        <p:grpSpPr>
-          <a:xfrm>
-            <a:off x="4677117" y="-786"/>
-            <a:ext cx="2356675" cy="6854040"/>
-            <a:chOff x="6627813" y="194833"/>
-            <a:chExt cx="1952625" cy="5678918"/>
-          </a:xfrm>
-        </p:grpSpPr>
-        <p:sp>
-          <p:nvSpPr>
-            <p:cNvPr id="33" name="Freeform 27">
-              <a:extLst>
-                <a:ext uri="{FF2B5EF4-FFF2-40B4-BE49-F238E27FC236}">
-                  <a16:creationId xmlns:a16="http://schemas.microsoft.com/office/drawing/2014/main" id="{8CB9417F-98D9-4998-B00B-A5932E4C7D73}"/>
-                </a:ext>
-                <a:ext uri="{C183D7F6-B498-43B3-948B-1728B52AA6E4}">
-                  <adec:decorative xmlns:adec="http://schemas.microsoft.com/office/drawing/2017/decorative" val="1"/>
-                </a:ext>
-              </a:extLst>
-            </p:cNvPr>
-            <p:cNvSpPr/>
-            <p:nvPr>
-              <p:extLst>
-                <p:ext uri="{386F3935-93C4-4BCD-93E2-E3B085C9AB24}">
-                  <p16:designElem xmlns:p16="http://schemas.microsoft.com/office/powerpoint/2015/main" val="1"/>
-                </p:ext>
-              </p:extLst>
-            </p:nvPr>
-          </p:nvSpPr>
-          <p:spPr bwMode="auto">
-            <a:xfrm>
-              <a:off x="6627813" y="194833"/>
-              <a:ext cx="409575" cy="3646488"/>
-            </a:xfrm>
-            <a:custGeom>
-              <a:avLst/>
-              <a:gdLst/>
-              <a:ahLst/>
-              <a:cxnLst/>
-              <a:rect l="0" t="0" r="r" b="b"/>
-              <a:pathLst>
-                <a:path w="103" h="920">
-                  <a:moveTo>
-                    <a:pt x="7" y="210"/>
-                  </a:moveTo>
-                  <a:cubicBezTo>
-                    <a:pt x="11" y="288"/>
-                    <a:pt x="17" y="367"/>
-                    <a:pt x="26" y="445"/>
-                  </a:cubicBezTo>
-                  <a:cubicBezTo>
-                    <a:pt x="34" y="523"/>
-                    <a:pt x="44" y="601"/>
-                    <a:pt x="57" y="679"/>
-                  </a:cubicBezTo>
-                  <a:cubicBezTo>
-                    <a:pt x="69" y="757"/>
-                    <a:pt x="84" y="834"/>
-                    <a:pt x="101" y="911"/>
-                  </a:cubicBezTo>
-                  <a:cubicBezTo>
-                    <a:pt x="102" y="914"/>
-                    <a:pt x="103" y="917"/>
-                    <a:pt x="103" y="920"/>
-                  </a:cubicBezTo>
-                  <a:cubicBezTo>
-                    <a:pt x="102" y="905"/>
-                    <a:pt x="100" y="889"/>
-                    <a:pt x="99" y="874"/>
-                  </a:cubicBezTo>
-                  <a:cubicBezTo>
-                    <a:pt x="99" y="871"/>
-                    <a:pt x="99" y="868"/>
-                    <a:pt x="99" y="866"/>
-                  </a:cubicBezTo>
-                  <a:cubicBezTo>
-                    <a:pt x="85" y="803"/>
-                    <a:pt x="73" y="741"/>
-                    <a:pt x="63" y="678"/>
-                  </a:cubicBezTo>
-                  <a:cubicBezTo>
-                    <a:pt x="50" y="600"/>
-                    <a:pt x="39" y="523"/>
-                    <a:pt x="30" y="444"/>
-                  </a:cubicBezTo>
-                  <a:cubicBezTo>
-                    <a:pt x="21" y="366"/>
-                    <a:pt x="14" y="288"/>
-                    <a:pt x="9" y="209"/>
-                  </a:cubicBezTo>
-                  <a:cubicBezTo>
-                    <a:pt x="7" y="170"/>
-                    <a:pt x="5" y="131"/>
-                    <a:pt x="3" y="92"/>
-                  </a:cubicBezTo>
-                  <a:cubicBezTo>
-                    <a:pt x="2" y="61"/>
-                    <a:pt x="1" y="31"/>
-                    <a:pt x="1" y="0"/>
-                  </a:cubicBezTo>
-                  <a:cubicBezTo>
-                    <a:pt x="0" y="0"/>
-                    <a:pt x="0" y="0"/>
-                    <a:pt x="0" y="0"/>
-                  </a:cubicBezTo>
-                  <a:cubicBezTo>
-                    <a:pt x="0" y="31"/>
-                    <a:pt x="1" y="61"/>
-                    <a:pt x="1" y="92"/>
-                  </a:cubicBezTo>
-                  <a:cubicBezTo>
-                    <a:pt x="3" y="131"/>
-                    <a:pt x="4" y="170"/>
-                    <a:pt x="7" y="210"/>
-                  </a:cubicBezTo>
-                  <a:close/>
-                </a:path>
-              </a:pathLst>
-            </a:custGeom>
-            <a:solidFill>
-              <a:schemeClr val="tx2"/>
-            </a:solidFill>
-            <a:ln>
-              <a:noFill/>
-            </a:ln>
-          </p:spPr>
-        </p:sp>
-        <p:sp>
-          <p:nvSpPr>
-            <p:cNvPr id="34" name="Freeform 28">
-              <a:extLst>
-                <a:ext uri="{FF2B5EF4-FFF2-40B4-BE49-F238E27FC236}">
-                  <a16:creationId xmlns:a16="http://schemas.microsoft.com/office/drawing/2014/main" id="{FA79AA3D-583E-4A1E-AF7E-CBD980F5963B}"/>
-                </a:ext>
-                <a:ext uri="{C183D7F6-B498-43B3-948B-1728B52AA6E4}">
-                  <adec:decorative xmlns:adec="http://schemas.microsoft.com/office/drawing/2017/decorative" val="1"/>
-                </a:ext>
-              </a:extLst>
-            </p:cNvPr>
-            <p:cNvSpPr/>
-            <p:nvPr>
-              <p:extLst>
-                <p:ext uri="{386F3935-93C4-4BCD-93E2-E3B085C9AB24}">
-                  <p16:designElem xmlns:p16="http://schemas.microsoft.com/office/powerpoint/2015/main" val="1"/>
-                </p:ext>
-              </p:extLst>
-            </p:nvPr>
-          </p:nvSpPr>
-          <p:spPr bwMode="auto">
-            <a:xfrm>
-              <a:off x="7061201" y="3771900"/>
-              <a:ext cx="350838" cy="1309688"/>
-            </a:xfrm>
-            <a:custGeom>
-              <a:avLst/>
-              <a:gdLst/>
-              <a:ahLst/>
-              <a:cxnLst/>
-              <a:rect l="0" t="0" r="r" b="b"/>
-              <a:pathLst>
-                <a:path w="88" h="330">
-                  <a:moveTo>
-                    <a:pt x="53" y="229"/>
-                  </a:moveTo>
-                  <a:cubicBezTo>
-                    <a:pt x="64" y="263"/>
-                    <a:pt x="75" y="297"/>
-                    <a:pt x="88" y="330"/>
-                  </a:cubicBezTo>
-                  <a:cubicBezTo>
-                    <a:pt x="88" y="323"/>
-                    <a:pt x="88" y="315"/>
-                    <a:pt x="88" y="308"/>
-                  </a:cubicBezTo>
-                  <a:cubicBezTo>
-                    <a:pt x="88" y="307"/>
-                    <a:pt x="88" y="305"/>
-                    <a:pt x="88" y="304"/>
-                  </a:cubicBezTo>
-                  <a:cubicBezTo>
-                    <a:pt x="79" y="278"/>
-                    <a:pt x="70" y="252"/>
-                    <a:pt x="62" y="226"/>
-                  </a:cubicBezTo>
-                  <a:cubicBezTo>
-                    <a:pt x="38" y="152"/>
-                    <a:pt x="17" y="76"/>
-                    <a:pt x="0" y="0"/>
-                  </a:cubicBezTo>
-                  <a:cubicBezTo>
-                    <a:pt x="2" y="21"/>
-                    <a:pt x="4" y="42"/>
-                    <a:pt x="7" y="63"/>
-                  </a:cubicBezTo>
-                  <a:cubicBezTo>
-                    <a:pt x="21" y="119"/>
-                    <a:pt x="36" y="174"/>
-                    <a:pt x="53" y="229"/>
-                  </a:cubicBezTo>
-                  <a:close/>
-                </a:path>
-              </a:pathLst>
-            </a:custGeom>
-            <a:solidFill>
-              <a:schemeClr val="tx2"/>
-            </a:solidFill>
-            <a:ln>
-              <a:noFill/>
-            </a:ln>
-          </p:spPr>
-        </p:sp>
-        <p:sp>
-          <p:nvSpPr>
-            <p:cNvPr id="35" name="Freeform 29">
-              <a:extLst>
-                <a:ext uri="{FF2B5EF4-FFF2-40B4-BE49-F238E27FC236}">
-                  <a16:creationId xmlns:a16="http://schemas.microsoft.com/office/drawing/2014/main" id="{D80C9F17-A6B2-4A12-BC77-F84264A669FA}"/>
-                </a:ext>
-                <a:ext uri="{C183D7F6-B498-43B3-948B-1728B52AA6E4}">
-                  <adec:decorative xmlns:adec="http://schemas.microsoft.com/office/drawing/2017/decorative" val="1"/>
-                </a:ext>
-              </a:extLst>
-            </p:cNvPr>
-            <p:cNvSpPr/>
-            <p:nvPr>
-              <p:extLst>
-                <p:ext uri="{386F3935-93C4-4BCD-93E2-E3B085C9AB24}">
-                  <p16:designElem xmlns:p16="http://schemas.microsoft.com/office/powerpoint/2015/main" val="1"/>
-                </p:ext>
-              </p:extLst>
-            </p:nvPr>
-          </p:nvSpPr>
-          <p:spPr bwMode="auto">
-            <a:xfrm>
-              <a:off x="7439026" y="5053013"/>
-              <a:ext cx="357188" cy="820738"/>
-            </a:xfrm>
-            <a:custGeom>
-              <a:avLst/>
-              <a:gdLst/>
-              <a:ahLst/>
-              <a:cxnLst/>
-              <a:rect l="0" t="0" r="r" b="b"/>
-              <a:pathLst>
-                <a:path w="90" h="207">
-                  <a:moveTo>
-                    <a:pt x="6" y="15"/>
-                  </a:moveTo>
-                  <a:cubicBezTo>
-                    <a:pt x="4" y="10"/>
-                    <a:pt x="2" y="5"/>
-                    <a:pt x="0" y="0"/>
-                  </a:cubicBezTo>
-                  <a:cubicBezTo>
-                    <a:pt x="0" y="9"/>
-                    <a:pt x="0" y="19"/>
-                    <a:pt x="1" y="29"/>
-                  </a:cubicBezTo>
-                  <a:cubicBezTo>
-                    <a:pt x="14" y="62"/>
-                    <a:pt x="27" y="95"/>
-                    <a:pt x="42" y="127"/>
-                  </a:cubicBezTo>
-                  <a:cubicBezTo>
-                    <a:pt x="54" y="154"/>
-                    <a:pt x="67" y="181"/>
-                    <a:pt x="80" y="207"/>
-                  </a:cubicBezTo>
-                  <a:cubicBezTo>
-                    <a:pt x="90" y="207"/>
-                    <a:pt x="90" y="207"/>
-                    <a:pt x="90" y="207"/>
-                  </a:cubicBezTo>
-                  <a:cubicBezTo>
-                    <a:pt x="76" y="180"/>
-                    <a:pt x="63" y="152"/>
-                    <a:pt x="50" y="123"/>
-                  </a:cubicBezTo>
-                  <a:cubicBezTo>
-                    <a:pt x="34" y="88"/>
-                    <a:pt x="20" y="51"/>
-                    <a:pt x="6" y="15"/>
-                  </a:cubicBezTo>
-                  <a:close/>
-                </a:path>
-              </a:pathLst>
-            </a:custGeom>
-            <a:solidFill>
-              <a:schemeClr val="tx2"/>
-            </a:solidFill>
-            <a:ln>
-              <a:noFill/>
-            </a:ln>
-          </p:spPr>
-        </p:sp>
-        <p:sp>
-          <p:nvSpPr>
-            <p:cNvPr id="36" name="Freeform 30">
-              <a:extLst>
-                <a:ext uri="{FF2B5EF4-FFF2-40B4-BE49-F238E27FC236}">
-                  <a16:creationId xmlns:a16="http://schemas.microsoft.com/office/drawing/2014/main" id="{949C9A53-ED97-44CE-BDD5-ED2489211608}"/>
-                </a:ext>
-                <a:ext uri="{C183D7F6-B498-43B3-948B-1728B52AA6E4}">
-                  <adec:decorative xmlns:adec="http://schemas.microsoft.com/office/drawing/2017/decorative" val="1"/>
-                </a:ext>
-              </a:extLst>
-            </p:cNvPr>
-            <p:cNvSpPr/>
-            <p:nvPr>
-              <p:extLst>
-                <p:ext uri="{386F3935-93C4-4BCD-93E2-E3B085C9AB24}">
-                  <p16:designElem xmlns:p16="http://schemas.microsoft.com/office/powerpoint/2015/main" val="1"/>
-                </p:ext>
-              </p:extLst>
-            </p:nvPr>
-          </p:nvSpPr>
-          <p:spPr bwMode="auto">
-            <a:xfrm>
-              <a:off x="7037388" y="3811588"/>
-              <a:ext cx="457200" cy="1852613"/>
-            </a:xfrm>
-            <a:custGeom>
-              <a:avLst/>
-              <a:gdLst/>
-              <a:ahLst/>
-              <a:cxnLst/>
-              <a:rect l="0" t="0" r="r" b="b"/>
-              <a:pathLst>
-                <a:path w="115" h="467">
-                  <a:moveTo>
-                    <a:pt x="101" y="409"/>
-                  </a:moveTo>
-                  <a:cubicBezTo>
-                    <a:pt x="93" y="388"/>
-                    <a:pt x="85" y="366"/>
-                    <a:pt x="78" y="344"/>
-                  </a:cubicBezTo>
-                  <a:cubicBezTo>
-                    <a:pt x="57" y="281"/>
-                    <a:pt x="41" y="216"/>
-                    <a:pt x="29" y="151"/>
-                  </a:cubicBezTo>
-                  <a:cubicBezTo>
-                    <a:pt x="22" y="119"/>
-                    <a:pt x="17" y="86"/>
-                    <a:pt x="13" y="53"/>
-                  </a:cubicBezTo>
-                  <a:cubicBezTo>
-                    <a:pt x="9" y="35"/>
-                    <a:pt x="4" y="18"/>
-                    <a:pt x="0" y="0"/>
-                  </a:cubicBezTo>
-                  <a:cubicBezTo>
-                    <a:pt x="5" y="51"/>
-                    <a:pt x="12" y="102"/>
-                    <a:pt x="21" y="152"/>
-                  </a:cubicBezTo>
-                  <a:cubicBezTo>
-                    <a:pt x="33" y="218"/>
-                    <a:pt x="49" y="283"/>
-                    <a:pt x="69" y="347"/>
-                  </a:cubicBezTo>
-                  <a:cubicBezTo>
-                    <a:pt x="79" y="378"/>
-                    <a:pt x="90" y="410"/>
-                    <a:pt x="103" y="441"/>
-                  </a:cubicBezTo>
-                  <a:cubicBezTo>
-                    <a:pt x="107" y="449"/>
-                    <a:pt x="111" y="458"/>
-                    <a:pt x="115" y="467"/>
-                  </a:cubicBezTo>
-                  <a:cubicBezTo>
-                    <a:pt x="114" y="464"/>
-                    <a:pt x="113" y="461"/>
-                    <a:pt x="112" y="458"/>
-                  </a:cubicBezTo>
-                  <a:cubicBezTo>
-                    <a:pt x="108" y="442"/>
-                    <a:pt x="104" y="425"/>
-                    <a:pt x="101" y="409"/>
-                  </a:cubicBezTo>
-                  <a:close/>
-                </a:path>
-              </a:pathLst>
-            </a:custGeom>
-            <a:solidFill>
-              <a:schemeClr val="tx2"/>
-            </a:solidFill>
-            <a:ln>
-              <a:noFill/>
-            </a:ln>
-          </p:spPr>
-        </p:sp>
-        <p:sp>
-          <p:nvSpPr>
-            <p:cNvPr id="37" name="Freeform 31">
-              <a:extLst>
-                <a:ext uri="{FF2B5EF4-FFF2-40B4-BE49-F238E27FC236}">
-                  <a16:creationId xmlns:a16="http://schemas.microsoft.com/office/drawing/2014/main" id="{0F9FDAE7-225B-4072-8907-6EAA06174457}"/>
-                </a:ext>
-                <a:ext uri="{C183D7F6-B498-43B3-948B-1728B52AA6E4}">
-                  <adec:decorative xmlns:adec="http://schemas.microsoft.com/office/drawing/2017/decorative" val="1"/>
-                </a:ext>
-              </a:extLst>
-            </p:cNvPr>
-            <p:cNvSpPr/>
-            <p:nvPr>
-              <p:extLst>
-                <p:ext uri="{386F3935-93C4-4BCD-93E2-E3B085C9AB24}">
-                  <p16:designElem xmlns:p16="http://schemas.microsoft.com/office/powerpoint/2015/main" val="1"/>
-                </p:ext>
-              </p:extLst>
-            </p:nvPr>
-          </p:nvSpPr>
-          <p:spPr bwMode="auto">
-            <a:xfrm>
-              <a:off x="6992938" y="1263650"/>
-              <a:ext cx="144463" cy="2508250"/>
-            </a:xfrm>
-            <a:custGeom>
-              <a:avLst/>
-              <a:gdLst/>
-              <a:ahLst/>
-              <a:cxnLst/>
-              <a:rect l="0" t="0" r="r" b="b"/>
-              <a:pathLst>
-                <a:path w="36" h="633">
-                  <a:moveTo>
-                    <a:pt x="17" y="633"/>
-                  </a:moveTo>
-                  <a:cubicBezTo>
-                    <a:pt x="15" y="621"/>
-                    <a:pt x="14" y="609"/>
-                    <a:pt x="13" y="597"/>
-                  </a:cubicBezTo>
-                  <a:cubicBezTo>
-                    <a:pt x="8" y="530"/>
-                    <a:pt x="5" y="464"/>
-                    <a:pt x="5" y="398"/>
-                  </a:cubicBezTo>
-                  <a:cubicBezTo>
-                    <a:pt x="5" y="331"/>
-                    <a:pt x="8" y="265"/>
-                    <a:pt x="13" y="198"/>
-                  </a:cubicBezTo>
-                  <a:cubicBezTo>
-                    <a:pt x="15" y="165"/>
-                    <a:pt x="18" y="132"/>
-                    <a:pt x="22" y="99"/>
-                  </a:cubicBezTo>
-                  <a:cubicBezTo>
-                    <a:pt x="26" y="66"/>
-                    <a:pt x="30" y="33"/>
-                    <a:pt x="36" y="0"/>
-                  </a:cubicBezTo>
-                  <a:cubicBezTo>
-                    <a:pt x="35" y="0"/>
-                    <a:pt x="35" y="0"/>
-                    <a:pt x="35" y="0"/>
-                  </a:cubicBezTo>
-                  <a:cubicBezTo>
-                    <a:pt x="29" y="33"/>
-                    <a:pt x="24" y="66"/>
-                    <a:pt x="20" y="99"/>
-                  </a:cubicBezTo>
-                  <a:cubicBezTo>
-                    <a:pt x="16" y="132"/>
-                    <a:pt x="13" y="165"/>
-                    <a:pt x="10" y="198"/>
-                  </a:cubicBezTo>
-                  <a:cubicBezTo>
-                    <a:pt x="4" y="264"/>
-                    <a:pt x="1" y="331"/>
-                    <a:pt x="1" y="398"/>
-                  </a:cubicBezTo>
-                  <a:cubicBezTo>
-                    <a:pt x="0" y="461"/>
-                    <a:pt x="2" y="525"/>
-                    <a:pt x="7" y="589"/>
-                  </a:cubicBezTo>
-                  <a:cubicBezTo>
-                    <a:pt x="10" y="603"/>
-                    <a:pt x="13" y="618"/>
-                    <a:pt x="16" y="632"/>
-                  </a:cubicBezTo>
-                  <a:cubicBezTo>
-                    <a:pt x="16" y="632"/>
-                    <a:pt x="17" y="633"/>
-                    <a:pt x="17" y="633"/>
-                  </a:cubicBezTo>
-                  <a:close/>
-                </a:path>
-              </a:pathLst>
-            </a:custGeom>
-            <a:solidFill>
-              <a:schemeClr val="tx2"/>
-            </a:solidFill>
-            <a:ln>
-              <a:noFill/>
-            </a:ln>
-          </p:spPr>
-        </p:sp>
-        <p:sp>
-          <p:nvSpPr>
-            <p:cNvPr id="38" name="Freeform 32">
-              <a:extLst>
-                <a:ext uri="{FF2B5EF4-FFF2-40B4-BE49-F238E27FC236}">
-                  <a16:creationId xmlns:a16="http://schemas.microsoft.com/office/drawing/2014/main" id="{9D49818B-8EA3-4B41-9783-EFE0C618C363}"/>
-                </a:ext>
-                <a:ext uri="{C183D7F6-B498-43B3-948B-1728B52AA6E4}">
-                  <adec:decorative xmlns:adec="http://schemas.microsoft.com/office/drawing/2017/decorative" val="1"/>
-                </a:ext>
-              </a:extLst>
-            </p:cNvPr>
-            <p:cNvSpPr/>
-            <p:nvPr>
-              <p:extLst>
-                <p:ext uri="{386F3935-93C4-4BCD-93E2-E3B085C9AB24}">
-                  <p16:designElem xmlns:p16="http://schemas.microsoft.com/office/powerpoint/2015/main" val="1"/>
-                </p:ext>
-              </p:extLst>
-            </p:nvPr>
-          </p:nvSpPr>
-          <p:spPr bwMode="auto">
-            <a:xfrm>
-              <a:off x="7526338" y="5640388"/>
-              <a:ext cx="111125" cy="233363"/>
-            </a:xfrm>
-            <a:custGeom>
-              <a:avLst/>
-              <a:gdLst/>
-              <a:ahLst/>
-              <a:cxnLst/>
-              <a:rect l="0" t="0" r="r" b="b"/>
-              <a:pathLst>
-                <a:path w="28" h="59">
-                  <a:moveTo>
-                    <a:pt x="22" y="59"/>
-                  </a:moveTo>
-                  <a:cubicBezTo>
-                    <a:pt x="28" y="59"/>
-                    <a:pt x="28" y="59"/>
-                    <a:pt x="28" y="59"/>
-                  </a:cubicBezTo>
-                  <a:cubicBezTo>
-                    <a:pt x="18" y="40"/>
-                    <a:pt x="9" y="20"/>
-                    <a:pt x="0" y="0"/>
-                  </a:cubicBezTo>
-                  <a:cubicBezTo>
-                    <a:pt x="6" y="20"/>
-                    <a:pt x="13" y="40"/>
-                    <a:pt x="22" y="59"/>
-                  </a:cubicBezTo>
-                  <a:close/>
-                </a:path>
-              </a:pathLst>
-            </a:custGeom>
-            <a:solidFill>
-              <a:schemeClr val="tx2"/>
-            </a:solidFill>
-            <a:ln>
-              <a:noFill/>
-            </a:ln>
-          </p:spPr>
-        </p:sp>
-        <p:sp>
-          <p:nvSpPr>
-            <p:cNvPr id="39" name="Freeform 33">
-              <a:extLst>
-                <a:ext uri="{FF2B5EF4-FFF2-40B4-BE49-F238E27FC236}">
-                  <a16:creationId xmlns:a16="http://schemas.microsoft.com/office/drawing/2014/main" id="{01903E65-D822-4457-B0A5-2F4168224164}"/>
-                </a:ext>
-                <a:ext uri="{C183D7F6-B498-43B3-948B-1728B52AA6E4}">
-                  <adec:decorative xmlns:adec="http://schemas.microsoft.com/office/drawing/2017/decorative" val="1"/>
-                </a:ext>
-              </a:extLst>
-            </p:cNvPr>
-            <p:cNvSpPr/>
-            <p:nvPr>
-              <p:extLst>
-                <p:ext uri="{386F3935-93C4-4BCD-93E2-E3B085C9AB24}">
-                  <p16:designElem xmlns:p16="http://schemas.microsoft.com/office/powerpoint/2015/main" val="1"/>
-                </p:ext>
-              </p:extLst>
-            </p:nvPr>
-          </p:nvSpPr>
-          <p:spPr bwMode="auto">
-            <a:xfrm>
-              <a:off x="7021513" y="3598863"/>
-              <a:ext cx="68263" cy="423863"/>
-            </a:xfrm>
-            <a:custGeom>
-              <a:avLst/>
-              <a:gdLst/>
-              <a:ahLst/>
-              <a:cxnLst/>
-              <a:rect l="0" t="0" r="r" b="b"/>
-              <a:pathLst>
-                <a:path w="17" h="107">
-                  <a:moveTo>
-                    <a:pt x="4" y="54"/>
-                  </a:moveTo>
-                  <a:cubicBezTo>
-                    <a:pt x="8" y="72"/>
-                    <a:pt x="13" y="89"/>
-                    <a:pt x="17" y="107"/>
-                  </a:cubicBezTo>
-                  <a:cubicBezTo>
-                    <a:pt x="14" y="86"/>
-                    <a:pt x="12" y="65"/>
-                    <a:pt x="10" y="44"/>
-                  </a:cubicBezTo>
-                  <a:cubicBezTo>
-                    <a:pt x="10" y="44"/>
-                    <a:pt x="9" y="43"/>
-                    <a:pt x="9" y="43"/>
-                  </a:cubicBezTo>
-                  <a:cubicBezTo>
-                    <a:pt x="6" y="29"/>
-                    <a:pt x="3" y="14"/>
-                    <a:pt x="0" y="0"/>
-                  </a:cubicBezTo>
-                  <a:cubicBezTo>
-                    <a:pt x="0" y="2"/>
-                    <a:pt x="0" y="5"/>
-                    <a:pt x="0" y="8"/>
-                  </a:cubicBezTo>
-                  <a:cubicBezTo>
-                    <a:pt x="1" y="23"/>
-                    <a:pt x="3" y="39"/>
-                    <a:pt x="4" y="54"/>
-                  </a:cubicBezTo>
-                  <a:close/>
-                </a:path>
-              </a:pathLst>
-            </a:custGeom>
-            <a:solidFill>
-              <a:schemeClr val="tx2"/>
-            </a:solidFill>
-            <a:ln>
-              <a:noFill/>
-            </a:ln>
-          </p:spPr>
-        </p:sp>
-        <p:sp>
-          <p:nvSpPr>
-            <p:cNvPr id="40" name="Freeform 34">
-              <a:extLst>
-                <a:ext uri="{FF2B5EF4-FFF2-40B4-BE49-F238E27FC236}">
-                  <a16:creationId xmlns:a16="http://schemas.microsoft.com/office/drawing/2014/main" id="{A5CF9DAB-75BF-43D9-B1E7-817D1FAA0003}"/>
-                </a:ext>
-                <a:ext uri="{C183D7F6-B498-43B3-948B-1728B52AA6E4}">
-                  <adec:decorative xmlns:adec="http://schemas.microsoft.com/office/drawing/2017/decorative" val="1"/>
-                </a:ext>
-              </a:extLst>
-            </p:cNvPr>
-            <p:cNvSpPr/>
-            <p:nvPr>
-              <p:extLst>
-                <p:ext uri="{386F3935-93C4-4BCD-93E2-E3B085C9AB24}">
-                  <p16:designElem xmlns:p16="http://schemas.microsoft.com/office/powerpoint/2015/main" val="1"/>
-                </p:ext>
-              </p:extLst>
-            </p:nvPr>
-          </p:nvSpPr>
-          <p:spPr bwMode="auto">
-            <a:xfrm>
-              <a:off x="7412038" y="2801938"/>
-              <a:ext cx="1168400" cy="2251075"/>
-            </a:xfrm>
-            <a:custGeom>
-              <a:avLst/>
-              <a:gdLst/>
-              <a:ahLst/>
-              <a:cxnLst/>
-              <a:rect l="0" t="0" r="r" b="b"/>
-              <a:pathLst>
-                <a:path w="294" h="568">
-                  <a:moveTo>
-                    <a:pt x="8" y="553"/>
-                  </a:moveTo>
-                  <a:cubicBezTo>
-                    <a:pt x="9" y="501"/>
-                    <a:pt x="19" y="448"/>
-                    <a:pt x="35" y="397"/>
-                  </a:cubicBezTo>
-                  <a:cubicBezTo>
-                    <a:pt x="51" y="347"/>
-                    <a:pt x="73" y="298"/>
-                    <a:pt x="99" y="252"/>
-                  </a:cubicBezTo>
-                  <a:cubicBezTo>
-                    <a:pt x="124" y="205"/>
-                    <a:pt x="154" y="161"/>
-                    <a:pt x="187" y="119"/>
-                  </a:cubicBezTo>
-                  <a:cubicBezTo>
-                    <a:pt x="203" y="98"/>
-                    <a:pt x="220" y="77"/>
-                    <a:pt x="238" y="58"/>
-                  </a:cubicBezTo>
-                  <a:cubicBezTo>
-                    <a:pt x="247" y="48"/>
-                    <a:pt x="256" y="38"/>
-                    <a:pt x="265" y="28"/>
-                  </a:cubicBezTo>
-                  <a:cubicBezTo>
-                    <a:pt x="274" y="19"/>
-                    <a:pt x="284" y="9"/>
-                    <a:pt x="294" y="0"/>
-                  </a:cubicBezTo>
-                  <a:cubicBezTo>
-                    <a:pt x="293" y="0"/>
-                    <a:pt x="293" y="0"/>
-                    <a:pt x="293" y="0"/>
-                  </a:cubicBezTo>
-                  <a:cubicBezTo>
-                    <a:pt x="283" y="9"/>
-                    <a:pt x="273" y="18"/>
-                    <a:pt x="264" y="27"/>
-                  </a:cubicBezTo>
-                  <a:cubicBezTo>
-                    <a:pt x="255" y="37"/>
-                    <a:pt x="246" y="47"/>
-                    <a:pt x="237" y="56"/>
-                  </a:cubicBezTo>
-                  <a:cubicBezTo>
-                    <a:pt x="218" y="76"/>
-                    <a:pt x="201" y="96"/>
-                    <a:pt x="185" y="117"/>
-                  </a:cubicBezTo>
-                  <a:cubicBezTo>
-                    <a:pt x="151" y="159"/>
-                    <a:pt x="121" y="203"/>
-                    <a:pt x="95" y="249"/>
-                  </a:cubicBezTo>
-                  <a:cubicBezTo>
-                    <a:pt x="68" y="296"/>
-                    <a:pt x="46" y="345"/>
-                    <a:pt x="30" y="396"/>
-                  </a:cubicBezTo>
-                  <a:cubicBezTo>
-                    <a:pt x="13" y="445"/>
-                    <a:pt x="3" y="497"/>
-                    <a:pt x="0" y="549"/>
-                  </a:cubicBezTo>
-                  <a:cubicBezTo>
-                    <a:pt x="3" y="555"/>
-                    <a:pt x="5" y="561"/>
-                    <a:pt x="7" y="568"/>
-                  </a:cubicBezTo>
-                  <a:cubicBezTo>
-                    <a:pt x="7" y="563"/>
-                    <a:pt x="7" y="558"/>
-                    <a:pt x="8" y="553"/>
-                  </a:cubicBezTo>
-                  <a:close/>
-                </a:path>
-              </a:pathLst>
-            </a:custGeom>
-            <a:solidFill>
-              <a:schemeClr val="tx2"/>
-            </a:solidFill>
-            <a:ln>
-              <a:noFill/>
-            </a:ln>
-          </p:spPr>
-        </p:sp>
-        <p:sp>
-          <p:nvSpPr>
-            <p:cNvPr id="41" name="Freeform 35">
-              <a:extLst>
-                <a:ext uri="{FF2B5EF4-FFF2-40B4-BE49-F238E27FC236}">
-                  <a16:creationId xmlns:a16="http://schemas.microsoft.com/office/drawing/2014/main" id="{BB22916D-4BCF-4A4C-8714-A2564D34C369}"/>
-                </a:ext>
-                <a:ext uri="{C183D7F6-B498-43B3-948B-1728B52AA6E4}">
-                  <adec:decorative xmlns:adec="http://schemas.microsoft.com/office/drawing/2017/decorative" val="1"/>
-                </a:ext>
-              </a:extLst>
-            </p:cNvPr>
-            <p:cNvSpPr/>
-            <p:nvPr>
-              <p:extLst>
-                <p:ext uri="{386F3935-93C4-4BCD-93E2-E3B085C9AB24}">
-                  <p16:designElem xmlns:p16="http://schemas.microsoft.com/office/powerpoint/2015/main" val="1"/>
-                </p:ext>
-              </p:extLst>
-            </p:nvPr>
-          </p:nvSpPr>
-          <p:spPr bwMode="auto">
-            <a:xfrm>
-              <a:off x="7494588" y="5664200"/>
-              <a:ext cx="100013" cy="209550"/>
-            </a:xfrm>
-            <a:custGeom>
-              <a:avLst/>
-              <a:gdLst/>
-              <a:ahLst/>
-              <a:cxnLst/>
-              <a:rect l="0" t="0" r="r" b="b"/>
-              <a:pathLst>
-                <a:path w="25" h="53">
-                  <a:moveTo>
-                    <a:pt x="0" y="0"/>
-                  </a:moveTo>
-                  <a:cubicBezTo>
-                    <a:pt x="5" y="18"/>
-                    <a:pt x="12" y="36"/>
-                    <a:pt x="19" y="53"/>
-                  </a:cubicBezTo>
-                  <a:cubicBezTo>
-                    <a:pt x="25" y="53"/>
-                    <a:pt x="25" y="53"/>
-                    <a:pt x="25" y="53"/>
-                  </a:cubicBezTo>
-                  <a:cubicBezTo>
-                    <a:pt x="16" y="36"/>
-                    <a:pt x="8" y="18"/>
-                    <a:pt x="0" y="0"/>
-                  </a:cubicBezTo>
-                  <a:close/>
-                </a:path>
-              </a:pathLst>
-            </a:custGeom>
-            <a:solidFill>
-              <a:schemeClr val="tx2"/>
-            </a:solidFill>
-            <a:ln>
-              <a:noFill/>
-            </a:ln>
-          </p:spPr>
-        </p:sp>
-        <p:sp>
-          <p:nvSpPr>
-            <p:cNvPr id="42" name="Freeform 36">
-              <a:extLst>
-                <a:ext uri="{FF2B5EF4-FFF2-40B4-BE49-F238E27FC236}">
-                  <a16:creationId xmlns:a16="http://schemas.microsoft.com/office/drawing/2014/main" id="{4CD9F734-569E-44E7-BD53-6214E0F18C8F}"/>
-                </a:ext>
-                <a:ext uri="{C183D7F6-B498-43B3-948B-1728B52AA6E4}">
-                  <adec:decorative xmlns:adec="http://schemas.microsoft.com/office/drawing/2017/decorative" val="1"/>
-                </a:ext>
-              </a:extLst>
-            </p:cNvPr>
-            <p:cNvSpPr/>
-            <p:nvPr>
-              <p:extLst>
-                <p:ext uri="{386F3935-93C4-4BCD-93E2-E3B085C9AB24}">
-                  <p16:designElem xmlns:p16="http://schemas.microsoft.com/office/powerpoint/2015/main" val="1"/>
-                </p:ext>
-              </p:extLst>
-            </p:nvPr>
-          </p:nvSpPr>
-          <p:spPr bwMode="auto">
-            <a:xfrm>
-              <a:off x="7412038" y="5081588"/>
-              <a:ext cx="114300" cy="558800"/>
-            </a:xfrm>
-            <a:custGeom>
-              <a:avLst/>
-              <a:gdLst/>
-              <a:ahLst/>
-              <a:cxnLst/>
-              <a:rect l="0" t="0" r="r" b="b"/>
-              <a:pathLst>
-                <a:path w="29" h="141">
-                  <a:moveTo>
-                    <a:pt x="0" y="0"/>
-                  </a:moveTo>
-                  <a:cubicBezTo>
-                    <a:pt x="0" y="30"/>
-                    <a:pt x="2" y="60"/>
-                    <a:pt x="7" y="89"/>
-                  </a:cubicBezTo>
-                  <a:cubicBezTo>
-                    <a:pt x="11" y="98"/>
-                    <a:pt x="14" y="108"/>
-                    <a:pt x="18" y="117"/>
-                  </a:cubicBezTo>
-                  <a:cubicBezTo>
-                    <a:pt x="22" y="125"/>
-                    <a:pt x="25" y="133"/>
-                    <a:pt x="29" y="141"/>
-                  </a:cubicBezTo>
-                  <a:cubicBezTo>
-                    <a:pt x="28" y="139"/>
-                    <a:pt x="28" y="137"/>
-                    <a:pt x="27" y="135"/>
-                  </a:cubicBezTo>
-                  <a:cubicBezTo>
-                    <a:pt x="16" y="98"/>
-                    <a:pt x="10" y="60"/>
-                    <a:pt x="8" y="22"/>
-                  </a:cubicBezTo>
-                  <a:cubicBezTo>
-                    <a:pt x="7" y="18"/>
-                    <a:pt x="5" y="15"/>
-                    <a:pt x="4" y="11"/>
-                  </a:cubicBezTo>
-                  <a:cubicBezTo>
-                    <a:pt x="2" y="7"/>
-                    <a:pt x="1" y="3"/>
-                    <a:pt x="0" y="0"/>
-                  </a:cubicBezTo>
-                  <a:close/>
-                </a:path>
-              </a:pathLst>
-            </a:custGeom>
-            <a:solidFill>
-              <a:schemeClr val="tx2"/>
-            </a:solidFill>
-            <a:ln>
-              <a:noFill/>
-            </a:ln>
-          </p:spPr>
-        </p:sp>
-        <p:sp>
-          <p:nvSpPr>
-            <p:cNvPr id="43" name="Freeform 37">
-              <a:extLst>
-                <a:ext uri="{FF2B5EF4-FFF2-40B4-BE49-F238E27FC236}">
-                  <a16:creationId xmlns:a16="http://schemas.microsoft.com/office/drawing/2014/main" id="{7A5DAACB-2F42-40C8-BF6A-75B79299F902}"/>
-                </a:ext>
-                <a:ext uri="{C183D7F6-B498-43B3-948B-1728B52AA6E4}">
-                  <adec:decorative xmlns:adec="http://schemas.microsoft.com/office/drawing/2017/decorative" val="1"/>
-                </a:ext>
-              </a:extLst>
-            </p:cNvPr>
-            <p:cNvSpPr/>
-            <p:nvPr>
-              <p:extLst>
-                <p:ext uri="{386F3935-93C4-4BCD-93E2-E3B085C9AB24}">
-                  <p16:designElem xmlns:p16="http://schemas.microsoft.com/office/powerpoint/2015/main" val="1"/>
-                </p:ext>
-              </p:extLst>
-            </p:nvPr>
-          </p:nvSpPr>
-          <p:spPr bwMode="auto">
-            <a:xfrm>
-              <a:off x="7412038" y="4978400"/>
-              <a:ext cx="31750" cy="188913"/>
-            </a:xfrm>
-            <a:custGeom>
-              <a:avLst/>
-              <a:gdLst/>
-              <a:ahLst/>
-              <a:cxnLst/>
-              <a:rect l="0" t="0" r="r" b="b"/>
-              <a:pathLst>
-                <a:path w="8" h="48">
-                  <a:moveTo>
-                    <a:pt x="0" y="26"/>
-                  </a:moveTo>
-                  <a:cubicBezTo>
-                    <a:pt x="1" y="29"/>
-                    <a:pt x="2" y="33"/>
-                    <a:pt x="4" y="37"/>
-                  </a:cubicBezTo>
-                  <a:cubicBezTo>
-                    <a:pt x="5" y="41"/>
-                    <a:pt x="7" y="44"/>
-                    <a:pt x="8" y="48"/>
-                  </a:cubicBezTo>
-                  <a:cubicBezTo>
-                    <a:pt x="7" y="38"/>
-                    <a:pt x="7" y="28"/>
-                    <a:pt x="7" y="19"/>
-                  </a:cubicBezTo>
-                  <a:cubicBezTo>
-                    <a:pt x="5" y="12"/>
-                    <a:pt x="3" y="6"/>
-                    <a:pt x="0" y="0"/>
-                  </a:cubicBezTo>
-                  <a:cubicBezTo>
-                    <a:pt x="0" y="1"/>
-                    <a:pt x="0" y="3"/>
-                    <a:pt x="0" y="4"/>
-                  </a:cubicBezTo>
-                  <a:cubicBezTo>
-                    <a:pt x="0" y="11"/>
-                    <a:pt x="0" y="19"/>
-                    <a:pt x="0" y="26"/>
-                  </a:cubicBezTo>
-                  <a:close/>
-                </a:path>
-              </a:pathLst>
-            </a:custGeom>
-            <a:solidFill>
-              <a:schemeClr val="tx2"/>
-            </a:solidFill>
-            <a:ln>
-              <a:noFill/>
-            </a:ln>
-          </p:spPr>
-        </p:sp>
-        <p:sp>
-          <p:nvSpPr>
-            <p:cNvPr id="44" name="Freeform 38">
-              <a:extLst>
-                <a:ext uri="{FF2B5EF4-FFF2-40B4-BE49-F238E27FC236}">
-                  <a16:creationId xmlns:a16="http://schemas.microsoft.com/office/drawing/2014/main" id="{AD78E0F9-8568-4672-A22F-4ED5B1A96F59}"/>
-                </a:ext>
-                <a:ext uri="{C183D7F6-B498-43B3-948B-1728B52AA6E4}">
-                  <adec:decorative xmlns:adec="http://schemas.microsoft.com/office/drawing/2017/decorative" val="1"/>
-                </a:ext>
-              </a:extLst>
-            </p:cNvPr>
-            <p:cNvSpPr/>
-            <p:nvPr>
-              <p:extLst>
-                <p:ext uri="{386F3935-93C4-4BCD-93E2-E3B085C9AB24}">
-                  <p16:designElem xmlns:p16="http://schemas.microsoft.com/office/powerpoint/2015/main" val="1"/>
-                </p:ext>
-              </p:extLst>
-            </p:nvPr>
-          </p:nvSpPr>
-          <p:spPr bwMode="auto">
-            <a:xfrm>
-              <a:off x="7439026" y="5434013"/>
-              <a:ext cx="174625" cy="439738"/>
-            </a:xfrm>
-            <a:custGeom>
-              <a:avLst/>
-              <a:gdLst/>
-              <a:ahLst/>
-              <a:cxnLst/>
-              <a:rect l="0" t="0" r="r" b="b"/>
-              <a:pathLst>
-                <a:path w="44" h="111">
-                  <a:moveTo>
-                    <a:pt x="11" y="28"/>
-                  </a:moveTo>
-                  <a:cubicBezTo>
-                    <a:pt x="7" y="19"/>
-                    <a:pt x="4" y="9"/>
-                    <a:pt x="0" y="0"/>
-                  </a:cubicBezTo>
-                  <a:cubicBezTo>
-                    <a:pt x="3" y="16"/>
-                    <a:pt x="7" y="33"/>
-                    <a:pt x="11" y="49"/>
-                  </a:cubicBezTo>
-                  <a:cubicBezTo>
-                    <a:pt x="12" y="52"/>
-                    <a:pt x="13" y="55"/>
-                    <a:pt x="14" y="58"/>
-                  </a:cubicBezTo>
-                  <a:cubicBezTo>
-                    <a:pt x="22" y="76"/>
-                    <a:pt x="30" y="94"/>
-                    <a:pt x="39" y="111"/>
-                  </a:cubicBezTo>
-                  <a:cubicBezTo>
-                    <a:pt x="44" y="111"/>
-                    <a:pt x="44" y="111"/>
-                    <a:pt x="44" y="111"/>
-                  </a:cubicBezTo>
-                  <a:cubicBezTo>
-                    <a:pt x="35" y="92"/>
-                    <a:pt x="28" y="72"/>
-                    <a:pt x="22" y="52"/>
-                  </a:cubicBezTo>
-                  <a:cubicBezTo>
-                    <a:pt x="18" y="44"/>
-                    <a:pt x="15" y="36"/>
-                    <a:pt x="11" y="28"/>
-                  </a:cubicBezTo>
-                  <a:close/>
-                </a:path>
-              </a:pathLst>
-            </a:custGeom>
-            <a:solidFill>
-              <a:schemeClr val="tx2"/>
-            </a:solidFill>
-            <a:ln>
-              <a:noFill/>
-            </a:ln>
-          </p:spPr>
-        </p:sp>
-      </p:grpSp>
       <p:sp>
         <p:nvSpPr>
           <p:cNvPr id="2" name="Title 1">
             <a:extLst>
               <a:ext uri="{FF2B5EF4-FFF2-40B4-BE49-F238E27FC236}">
-                <a16:creationId xmlns:a16="http://schemas.microsoft.com/office/drawing/2014/main" id="{3F999010-0AD2-4734-A779-852A1FBE6FFA}"/>
+                <a16:creationId xmlns:a16="http://schemas.microsoft.com/office/drawing/2014/main" id="{B71860D7-6174-42B0-A5E2-D828CE39B4E2}"/>
               </a:ext>
             </a:extLst>
           </p:cNvPr>
@@ -40058,29 +37830,29 @@
         </p:nvSpPr>
         <p:spPr>
           <a:xfrm>
-            <a:off x="6483096" y="624110"/>
-            <a:ext cx="5021516" cy="1280890"/>
+            <a:off x="649224" y="645106"/>
+            <a:ext cx="3650279" cy="1259894"/>
           </a:xfrm>
         </p:spPr>
         <p:txBody>
-          <a:bodyPr>
+          <a:bodyPr vert="horz" lIns="91440" tIns="45720" rIns="91440" bIns="45720" rtlCol="0" anchor="t">
             <a:normAutofit/>
           </a:bodyPr>
           <a:lstStyle/>
           <a:p>
             <a:r>
-              <a:rPr lang="en-US" dirty="0"/>
-              <a:t>Availability</a:t>
+              <a:rPr lang="en-US" sz="3600" b="1"/>
+              <a:t>Load Balance</a:t>
             </a:r>
           </a:p>
         </p:txBody>
       </p:sp>
       <p:sp>
         <p:nvSpPr>
-          <p:cNvPr id="46" name="Rectangle 45">
+          <p:cNvPr id="105" name="Rectangle 104">
             <a:extLst>
               <a:ext uri="{FF2B5EF4-FFF2-40B4-BE49-F238E27FC236}">
-                <a16:creationId xmlns:a16="http://schemas.microsoft.com/office/drawing/2014/main" id="{AA5CD610-ED7C-4CED-A9A1-174432C88AF8}"/>
+                <a16:creationId xmlns:a16="http://schemas.microsoft.com/office/drawing/2014/main" id="{0815E34B-5D02-4E01-A936-E8E1C0AB6F12}"/>
               </a:ext>
               <a:ext uri="{C183D7F6-B498-43B3-948B-1728B52AA6E4}">
                 <adec:decorative xmlns:adec="http://schemas.microsoft.com/office/drawing/2017/decorative" val="1"/>
@@ -40100,7 +37872,7 @@
         </p:nvSpPr>
         <p:spPr>
           <a:xfrm>
-            <a:off x="4645704" y="0"/>
+            <a:off x="0" y="0"/>
             <a:ext cx="182880" cy="6858000"/>
           </a:xfrm>
           <a:prstGeom prst="rect">
@@ -40131,314 +37903,6 @@
       </p:sp>
       <p:sp>
         <p:nvSpPr>
-          <p:cNvPr id="48" name="Freeform 11">
-            <a:extLst>
-              <a:ext uri="{FF2B5EF4-FFF2-40B4-BE49-F238E27FC236}">
-                <a16:creationId xmlns:a16="http://schemas.microsoft.com/office/drawing/2014/main" id="{0C4379BF-8C7A-480A-BC36-DA55D92A9356}"/>
-              </a:ext>
-              <a:ext uri="{C183D7F6-B498-43B3-948B-1728B52AA6E4}">
-                <adec:decorative xmlns:adec="http://schemas.microsoft.com/office/drawing/2017/decorative" val="1"/>
-              </a:ext>
-            </a:extLst>
-          </p:cNvPr>
-          <p:cNvSpPr>
-            <a:spLocks noGrp="1" noRot="1" noChangeAspect="1" noMove="1" noResize="1" noEditPoints="1" noAdjustHandles="1" noChangeArrowheads="1" noChangeShapeType="1" noTextEdit="1"/>
-          </p:cNvSpPr>
-          <p:nvPr>
-            <p:extLst>
-              <p:ext uri="{386F3935-93C4-4BCD-93E2-E3B085C9AB24}">
-                <p16:designElem xmlns:p16="http://schemas.microsoft.com/office/powerpoint/2015/main" val="1"/>
-              </p:ext>
-            </p:extLst>
-          </p:nvPr>
-        </p:nvSpPr>
-        <p:spPr bwMode="auto">
-          <a:xfrm flipV="1">
-            <a:off x="4645704" y="714375"/>
-            <a:ext cx="1588527" cy="507297"/>
-          </a:xfrm>
-          <a:custGeom>
-            <a:avLst/>
-            <a:gdLst/>
-            <a:ahLst/>
-            <a:cxnLst/>
-            <a:rect l="l" t="t" r="r" b="b"/>
-            <a:pathLst>
-              <a:path w="9248" h="10000">
-                <a:moveTo>
-                  <a:pt x="9248" y="4701"/>
-                </a:moveTo>
-                <a:lnTo>
-                  <a:pt x="7915" y="188"/>
-                </a:lnTo>
-                <a:cubicBezTo>
-                  <a:pt x="7906" y="156"/>
-                  <a:pt x="7895" y="126"/>
-                  <a:pt x="7886" y="94"/>
-                </a:cubicBezTo>
-                <a:cubicBezTo>
-                  <a:pt x="7859" y="0"/>
-                  <a:pt x="7831" y="0"/>
-                  <a:pt x="7803" y="0"/>
-                </a:cubicBezTo>
-                <a:lnTo>
-                  <a:pt x="7275" y="0"/>
-                </a:lnTo>
-                <a:lnTo>
-                  <a:pt x="0" y="70"/>
-                </a:lnTo>
-                <a:cubicBezTo>
-                  <a:pt x="8" y="3380"/>
-                  <a:pt x="17" y="6690"/>
-                  <a:pt x="25" y="10000"/>
-                </a:cubicBezTo>
-                <a:lnTo>
-                  <a:pt x="7275" y="9966"/>
-                </a:lnTo>
-                <a:lnTo>
-                  <a:pt x="7803" y="9966"/>
-                </a:lnTo>
-                <a:cubicBezTo>
-                  <a:pt x="7831" y="9966"/>
-                  <a:pt x="7859" y="9872"/>
-                  <a:pt x="7886" y="9872"/>
-                </a:cubicBezTo>
-                <a:cubicBezTo>
-                  <a:pt x="7886" y="9778"/>
-                  <a:pt x="7915" y="9778"/>
-                  <a:pt x="7915" y="9778"/>
-                </a:cubicBezTo>
-                <a:lnTo>
-                  <a:pt x="9248" y="5265"/>
-                </a:lnTo>
-                <a:cubicBezTo>
-                  <a:pt x="9303" y="5077"/>
-                  <a:pt x="9303" y="4889"/>
-                  <a:pt x="9248" y="4701"/>
-                </a:cubicBezTo>
-                <a:close/>
-              </a:path>
-            </a:pathLst>
-          </a:custGeom>
-          <a:solidFill>
-            <a:schemeClr val="accent1"/>
-          </a:solidFill>
-          <a:ln>
-            <a:noFill/>
-          </a:ln>
-        </p:spPr>
-      </p:sp>
-      <p:pic>
-        <p:nvPicPr>
-          <p:cNvPr id="12" name="Picture 11">
-            <a:extLst>
-              <a:ext uri="{FF2B5EF4-FFF2-40B4-BE49-F238E27FC236}">
-                <a16:creationId xmlns:a16="http://schemas.microsoft.com/office/drawing/2014/main" id="{924D2981-0F78-4128-B28D-50F45CF7C54B}"/>
-              </a:ext>
-            </a:extLst>
-          </p:cNvPr>
-          <p:cNvPicPr>
-            <a:picLocks noChangeAspect="1"/>
-          </p:cNvPicPr>
-          <p:nvPr/>
-        </p:nvPicPr>
-        <p:blipFill rotWithShape="1">
-          <a:blip r:embed="rId2"/>
-          <a:srcRect l="50071" r="4295" b="2"/>
-          <a:stretch/>
-        </p:blipFill>
-        <p:spPr>
-          <a:xfrm>
-            <a:off x="-1555" y="1731"/>
-            <a:ext cx="4671091" cy="6858000"/>
-          </a:xfrm>
-          <a:prstGeom prst="rect">
-            <a:avLst/>
-          </a:prstGeom>
-        </p:spPr>
-      </p:pic>
-      <p:sp>
-        <p:nvSpPr>
-          <p:cNvPr id="3" name="Content Placeholder 2">
-            <a:extLst>
-              <a:ext uri="{FF2B5EF4-FFF2-40B4-BE49-F238E27FC236}">
-                <a16:creationId xmlns:a16="http://schemas.microsoft.com/office/drawing/2014/main" id="{9A2DD622-5A78-4E21-8BAC-AD94DABB6550}"/>
-              </a:ext>
-            </a:extLst>
-          </p:cNvPr>
-          <p:cNvSpPr>
-            <a:spLocks noGrp="1"/>
-          </p:cNvSpPr>
-          <p:nvPr>
-            <p:ph idx="1"/>
-          </p:nvPr>
-        </p:nvSpPr>
-        <p:spPr>
-          <a:xfrm>
-            <a:off x="6438191" y="2133600"/>
-            <a:ext cx="5066419" cy="3777622"/>
-          </a:xfrm>
-        </p:spPr>
-        <p:txBody>
-          <a:bodyPr>
-            <a:normAutofit/>
-          </a:bodyPr>
-          <a:lstStyle/>
-          <a:p>
-            <a:r>
-              <a:rPr lang="en-US" dirty="0"/>
-              <a:t>Requirement</a:t>
-            </a:r>
-          </a:p>
-          <a:p>
-            <a:pPr lvl="1"/>
-            <a:r>
-              <a:rPr lang="en-US" dirty="0"/>
-              <a:t>Service should be available even part of the system is down</a:t>
-            </a:r>
-          </a:p>
-          <a:p>
-            <a:pPr lvl="1"/>
-            <a:r>
-              <a:rPr lang="en-US" dirty="0"/>
-              <a:t>API availability and data availability</a:t>
-            </a:r>
-          </a:p>
-          <a:p>
-            <a:r>
-              <a:rPr lang="en-US" dirty="0"/>
-              <a:t>Solution</a:t>
-            </a:r>
-          </a:p>
-          <a:p>
-            <a:pPr lvl="1"/>
-            <a:r>
-              <a:rPr lang="en-US" dirty="0"/>
-              <a:t>Redundancy</a:t>
-            </a:r>
-          </a:p>
-          <a:p>
-            <a:pPr lvl="1"/>
-            <a:r>
-              <a:rPr lang="en-US" dirty="0"/>
-              <a:t>Replication</a:t>
-            </a:r>
-          </a:p>
-          <a:p>
-            <a:pPr lvl="1"/>
-            <a:r>
-              <a:rPr lang="en-US" dirty="0"/>
-              <a:t>CAP Theorem</a:t>
-            </a:r>
-          </a:p>
-        </p:txBody>
-      </p:sp>
-    </p:spTree>
-    <p:extLst>
-      <p:ext uri="{BB962C8B-B14F-4D97-AF65-F5344CB8AC3E}">
-        <p14:creationId xmlns:p14="http://schemas.microsoft.com/office/powerpoint/2010/main" val="1144523152"/>
-      </p:ext>
-    </p:extLst>
-  </p:cSld>
-  <p:clrMapOvr>
-    <a:masterClrMapping/>
-  </p:clrMapOvr>
-</p:sld>
-</file>
-
-<file path=ppt/slides/slide8.xml><?xml version="1.0" encoding="utf-8"?>
-<p:sld xmlns:a="http://schemas.openxmlformats.org/drawingml/2006/main" xmlns:r="http://schemas.openxmlformats.org/officeDocument/2006/relationships" xmlns:p="http://schemas.openxmlformats.org/presentationml/2006/main">
-  <p:cSld>
-    <p:spTree>
-      <p:nvGrpSpPr>
-        <p:cNvPr id="1" name=""/>
-        <p:cNvGrpSpPr/>
-        <p:nvPr/>
-      </p:nvGrpSpPr>
-      <p:grpSpPr>
-        <a:xfrm>
-          <a:off x="0" y="0"/>
-          <a:ext cx="0" cy="0"/>
-          <a:chOff x="0" y="0"/>
-          <a:chExt cx="0" cy="0"/>
-        </a:xfrm>
-      </p:grpSpPr>
-      <p:sp>
-        <p:nvSpPr>
-          <p:cNvPr id="2" name="Title 1">
-            <a:extLst>
-              <a:ext uri="{FF2B5EF4-FFF2-40B4-BE49-F238E27FC236}">
-                <a16:creationId xmlns:a16="http://schemas.microsoft.com/office/drawing/2014/main" id="{B71860D7-6174-42B0-A5E2-D828CE39B4E2}"/>
-              </a:ext>
-            </a:extLst>
-          </p:cNvPr>
-          <p:cNvSpPr>
-            <a:spLocks noGrp="1"/>
-          </p:cNvSpPr>
-          <p:nvPr>
-            <p:ph type="title"/>
-          </p:nvPr>
-        </p:nvSpPr>
-        <p:spPr>
-          <a:xfrm>
-            <a:off x="1491933" y="3657600"/>
-            <a:ext cx="3727767" cy="566738"/>
-          </a:xfrm>
-        </p:spPr>
-        <p:txBody>
-          <a:bodyPr>
-            <a:normAutofit fontScale="90000"/>
-          </a:bodyPr>
-          <a:lstStyle/>
-          <a:p>
-            <a:r>
-              <a:rPr lang="en-US" sz="3200" b="1" dirty="0"/>
-              <a:t>Load Balance</a:t>
-            </a:r>
-          </a:p>
-        </p:txBody>
-      </p:sp>
-      <p:pic>
-        <p:nvPicPr>
-          <p:cNvPr id="5" name="Picture 4" descr="C:\Users\huanminw\AppData\Local\Microsoft\Windows\INetCache\Content.MSO\B5CDBECB.tmp">
-            <a:extLst>
-              <a:ext uri="{FF2B5EF4-FFF2-40B4-BE49-F238E27FC236}">
-                <a16:creationId xmlns:a16="http://schemas.microsoft.com/office/drawing/2014/main" id="{B1C07A80-39C6-4D61-B462-DFE633E7244C}"/>
-              </a:ext>
-            </a:extLst>
-          </p:cNvPr>
-          <p:cNvPicPr/>
-          <p:nvPr/>
-        </p:nvPicPr>
-        <p:blipFill>
-          <a:blip r:embed="rId2">
-            <a:extLst>
-              <a:ext uri="{28A0092B-C50C-407E-A947-70E740481C1C}">
-                <a14:useLocalDpi xmlns:a14="http://schemas.microsoft.com/office/drawing/2010/main" val="0"/>
-              </a:ext>
-            </a:extLst>
-          </a:blip>
-          <a:srcRect/>
-          <a:stretch>
-            <a:fillRect/>
-          </a:stretch>
-        </p:blipFill>
-        <p:spPr bwMode="auto">
-          <a:xfrm>
-            <a:off x="648928" y="427038"/>
-            <a:ext cx="9974580" cy="2308542"/>
-          </a:xfrm>
-          <a:prstGeom prst="rect">
-            <a:avLst/>
-          </a:prstGeom>
-          <a:noFill/>
-          <a:ln>
-            <a:noFill/>
-          </a:ln>
-        </p:spPr>
-      </p:pic>
-      <p:sp>
-        <p:nvSpPr>
           <p:cNvPr id="6" name="Content Placeholder 2">
             <a:extLst>
               <a:ext uri="{FF2B5EF4-FFF2-40B4-BE49-F238E27FC236}">
@@ -40453,15 +37917,15 @@
         </p:nvSpPr>
         <p:spPr>
           <a:xfrm>
-            <a:off x="5575258" y="1935539"/>
-            <a:ext cx="6798033" cy="5321500"/>
+            <a:off x="649225" y="2133600"/>
+            <a:ext cx="3650278" cy="3759253"/>
           </a:xfrm>
           <a:prstGeom prst="rect">
             <a:avLst/>
           </a:prstGeom>
         </p:spPr>
         <p:txBody>
-          <a:bodyPr vert="horz" lIns="91440" tIns="45720" rIns="91440" bIns="45720" rtlCol="0" anchor="ctr">
+          <a:bodyPr vert="horz" lIns="91440" tIns="45720" rIns="91440" bIns="45720" rtlCol="0">
             <a:normAutofit/>
           </a:bodyPr>
           <a:lstStyle>
@@ -40683,75 +38147,407 @@
             </a:lvl9pPr>
           </a:lstStyle>
           <a:p>
-            <a:pPr algn="l"/>
+            <a:pPr algn="l">
+              <a:lnSpc>
+                <a:spcPct val="90000"/>
+              </a:lnSpc>
+              <a:buFont typeface="Wingdings 3" charset="2"/>
+              <a:buChar char=""/>
+            </a:pPr>
             <a:r>
               <a:rPr lang="en-US" b="1" dirty="0"/>
               <a:t>Benefits of Load Balancing</a:t>
             </a:r>
+            <a:endParaRPr lang="en-US" b="1"/>
           </a:p>
           <a:p>
-            <a:pPr lvl="1"/>
+            <a:pPr lvl="1">
+              <a:lnSpc>
+                <a:spcPct val="90000"/>
+              </a:lnSpc>
+              <a:buFont typeface="Wingdings 3" charset="2"/>
+              <a:buChar char=""/>
+            </a:pPr>
             <a:r>
               <a:rPr lang="en-US" dirty="0"/>
               <a:t>Fail fast, less downtime</a:t>
             </a:r>
+            <a:endParaRPr lang="en-US"/>
           </a:p>
           <a:p>
-            <a:pPr lvl="1"/>
+            <a:pPr lvl="1">
+              <a:lnSpc>
+                <a:spcPct val="90000"/>
+              </a:lnSpc>
+              <a:buFont typeface="Wingdings 3" charset="2"/>
+              <a:buChar char=""/>
+            </a:pPr>
             <a:r>
               <a:rPr lang="en-US" dirty="0"/>
               <a:t>Less stressed component</a:t>
             </a:r>
+            <a:endParaRPr lang="en-US"/>
           </a:p>
           <a:p>
-            <a:pPr lvl="1"/>
+            <a:pPr lvl="1">
+              <a:lnSpc>
+                <a:spcPct val="90000"/>
+              </a:lnSpc>
+              <a:buFont typeface="Wingdings 3" charset="2"/>
+              <a:buChar char=""/>
+            </a:pPr>
             <a:r>
               <a:rPr lang="en-US" dirty="0"/>
               <a:t>High throughput and less latency</a:t>
             </a:r>
+            <a:endParaRPr lang="en-US"/>
           </a:p>
           <a:p>
-            <a:pPr algn="l"/>
+            <a:pPr algn="l">
+              <a:lnSpc>
+                <a:spcPct val="90000"/>
+              </a:lnSpc>
+              <a:buFont typeface="Wingdings 3" charset="2"/>
+              <a:buChar char=""/>
+            </a:pPr>
             <a:r>
               <a:rPr lang="en-US" b="1" dirty="0"/>
               <a:t>Algorithms</a:t>
             </a:r>
+            <a:endParaRPr lang="en-US" b="1"/>
           </a:p>
           <a:p>
-            <a:pPr lvl="1"/>
+            <a:pPr lvl="1">
+              <a:lnSpc>
+                <a:spcPct val="90000"/>
+              </a:lnSpc>
+              <a:buFont typeface="Wingdings 3" charset="2"/>
+              <a:buChar char=""/>
+            </a:pPr>
             <a:r>
               <a:rPr lang="en-US" dirty="0"/>
               <a:t>Least Connection </a:t>
             </a:r>
+            <a:endParaRPr lang="en-US"/>
           </a:p>
           <a:p>
-            <a:pPr lvl="1"/>
+            <a:pPr lvl="1">
+              <a:lnSpc>
+                <a:spcPct val="90000"/>
+              </a:lnSpc>
+              <a:buFont typeface="Wingdings 3" charset="2"/>
+              <a:buChar char=""/>
+            </a:pPr>
             <a:r>
               <a:rPr lang="en-US" dirty="0"/>
               <a:t>Round Robin</a:t>
             </a:r>
+            <a:endParaRPr lang="en-US"/>
           </a:p>
           <a:p>
-            <a:pPr lvl="1"/>
+            <a:pPr lvl="1">
+              <a:lnSpc>
+                <a:spcPct val="90000"/>
+              </a:lnSpc>
+              <a:buFont typeface="Wingdings 3" charset="2"/>
+              <a:buChar char=""/>
+            </a:pPr>
             <a:r>
               <a:rPr lang="en-US" dirty="0"/>
               <a:t>Least response time</a:t>
             </a:r>
+            <a:endParaRPr lang="en-US"/>
           </a:p>
           <a:p>
-            <a:pPr lvl="1"/>
+            <a:pPr lvl="1">
+              <a:lnSpc>
+                <a:spcPct val="90000"/>
+              </a:lnSpc>
+              <a:buFont typeface="Wingdings 3" charset="2"/>
+              <a:buChar char=""/>
+            </a:pPr>
             <a:r>
               <a:rPr lang="en-US" dirty="0"/>
               <a:t>Least bandwidth used.</a:t>
             </a:r>
+            <a:endParaRPr lang="en-US"/>
           </a:p>
           <a:p>
-            <a:pPr algn="l"/>
+            <a:pPr algn="l">
+              <a:lnSpc>
+                <a:spcPct val="90000"/>
+              </a:lnSpc>
+              <a:buFont typeface="Wingdings 3" charset="2"/>
+              <a:buChar char=""/>
+            </a:pPr>
             <a:r>
               <a:rPr lang="en-US" b="1" dirty="0"/>
               <a:t>Watch for stateful API</a:t>
             </a:r>
-            <a:endParaRPr lang="en-US" dirty="0"/>
+            <a:endParaRPr lang="en-US"/>
+          </a:p>
+        </p:txBody>
+      </p:sp>
+      <p:pic>
+        <p:nvPicPr>
+          <p:cNvPr id="1026" name="Picture 2">
+            <a:extLst>
+              <a:ext uri="{FF2B5EF4-FFF2-40B4-BE49-F238E27FC236}">
+                <a16:creationId xmlns:a16="http://schemas.microsoft.com/office/drawing/2014/main" id="{BE4B437F-0249-4AF1-BF4B-DCBA67C3D401}"/>
+              </a:ext>
+            </a:extLst>
+          </p:cNvPr>
+          <p:cNvPicPr>
+            <a:picLocks noChangeAspect="1" noChangeArrowheads="1"/>
+          </p:cNvPicPr>
+          <p:nvPr/>
+        </p:nvPicPr>
+        <p:blipFill>
+          <a:blip r:embed="rId2">
+            <a:extLst>
+              <a:ext uri="{28A0092B-C50C-407E-A947-70E740481C1C}">
+                <a14:useLocalDpi xmlns:a14="http://schemas.microsoft.com/office/drawing/2010/main" val="0"/>
+              </a:ext>
+            </a:extLst>
+          </a:blip>
+          <a:stretch>
+            <a:fillRect/>
+          </a:stretch>
+        </p:blipFill>
+        <p:spPr bwMode="auto">
+          <a:xfrm>
+            <a:off x="4619543" y="1562840"/>
+            <a:ext cx="6953577" cy="3407253"/>
+          </a:xfrm>
+          <a:prstGeom prst="rect">
+            <a:avLst/>
+          </a:prstGeom>
+          <a:noFill/>
+          <a:extLst>
+            <a:ext uri="{909E8E84-426E-40DD-AFC4-6F175D3DCCD1}">
+              <a14:hiddenFill xmlns:a14="http://schemas.microsoft.com/office/drawing/2010/main">
+                <a:solidFill>
+                  <a:srgbClr val="FFFFFF"/>
+                </a:solidFill>
+              </a14:hiddenFill>
+            </a:ext>
+          </a:extLst>
+        </p:spPr>
+      </p:pic>
+      <p:sp>
+        <p:nvSpPr>
+          <p:cNvPr id="107" name="Freeform 11">
+            <a:extLst>
+              <a:ext uri="{FF2B5EF4-FFF2-40B4-BE49-F238E27FC236}">
+                <a16:creationId xmlns:a16="http://schemas.microsoft.com/office/drawing/2014/main" id="{7DE3414B-B032-4710-A468-D3285E38C5FF}"/>
+              </a:ext>
+              <a:ext uri="{C183D7F6-B498-43B3-948B-1728B52AA6E4}">
+                <adec:decorative xmlns:adec="http://schemas.microsoft.com/office/drawing/2017/decorative" val="1"/>
+              </a:ext>
+            </a:extLst>
+          </p:cNvPr>
+          <p:cNvSpPr>
+            <a:spLocks noGrp="1" noRot="1" noChangeAspect="1" noMove="1" noResize="1" noEditPoints="1" noAdjustHandles="1" noChangeArrowheads="1" noChangeShapeType="1" noTextEdit="1"/>
+          </p:cNvSpPr>
+          <p:nvPr>
+            <p:extLst>
+              <p:ext uri="{386F3935-93C4-4BCD-93E2-E3B085C9AB24}">
+                <p16:designElem xmlns:p16="http://schemas.microsoft.com/office/powerpoint/2015/main" val="1"/>
+              </p:ext>
+            </p:extLst>
+          </p:nvPr>
+        </p:nvSpPr>
+        <p:spPr>
+          <a:xfrm>
+            <a:off x="-1" y="6061223"/>
+            <a:ext cx="1038036" cy="506277"/>
+          </a:xfrm>
+          <a:custGeom>
+            <a:avLst/>
+            <a:gdLst>
+              <a:gd name="connsiteX0" fmla="*/ 0 w 1038036"/>
+              <a:gd name="connsiteY0" fmla="*/ 0 h 506277"/>
+              <a:gd name="connsiteX1" fmla="*/ 182880 w 1038036"/>
+              <a:gd name="connsiteY1" fmla="*/ 0 h 506277"/>
+              <a:gd name="connsiteX2" fmla="*/ 291705 w 1038036"/>
+              <a:gd name="connsiteY2" fmla="*/ 0 h 506277"/>
+              <a:gd name="connsiteX3" fmla="*/ 291705 w 1038036"/>
+              <a:gd name="connsiteY3" fmla="*/ 151 h 506277"/>
+              <a:gd name="connsiteX4" fmla="*/ 692049 w 1038036"/>
+              <a:gd name="connsiteY4" fmla="*/ 705 h 506277"/>
+              <a:gd name="connsiteX5" fmla="*/ 782744 w 1038036"/>
+              <a:gd name="connsiteY5" fmla="*/ 705 h 506277"/>
+              <a:gd name="connsiteX6" fmla="*/ 797001 w 1038036"/>
+              <a:gd name="connsiteY6" fmla="*/ 5473 h 506277"/>
+              <a:gd name="connsiteX7" fmla="*/ 801982 w 1038036"/>
+              <a:gd name="connsiteY7" fmla="*/ 10242 h 506277"/>
+              <a:gd name="connsiteX8" fmla="*/ 1030951 w 1038036"/>
+              <a:gd name="connsiteY8" fmla="*/ 239185 h 506277"/>
+              <a:gd name="connsiteX9" fmla="*/ 1030951 w 1038036"/>
+              <a:gd name="connsiteY9" fmla="*/ 267797 h 506277"/>
+              <a:gd name="connsiteX10" fmla="*/ 801982 w 1038036"/>
+              <a:gd name="connsiteY10" fmla="*/ 496740 h 506277"/>
+              <a:gd name="connsiteX11" fmla="*/ 797001 w 1038036"/>
+              <a:gd name="connsiteY11" fmla="*/ 501508 h 506277"/>
+              <a:gd name="connsiteX12" fmla="*/ 782744 w 1038036"/>
+              <a:gd name="connsiteY12" fmla="*/ 506277 h 506277"/>
+              <a:gd name="connsiteX13" fmla="*/ 692049 w 1038036"/>
+              <a:gd name="connsiteY13" fmla="*/ 506277 h 506277"/>
+              <a:gd name="connsiteX14" fmla="*/ 291705 w 1038036"/>
+              <a:gd name="connsiteY14" fmla="*/ 505140 h 506277"/>
+              <a:gd name="connsiteX15" fmla="*/ 291705 w 1038036"/>
+              <a:gd name="connsiteY15" fmla="*/ 506277 h 506277"/>
+              <a:gd name="connsiteX16" fmla="*/ 0 w 1038036"/>
+              <a:gd name="connsiteY16" fmla="*/ 506277 h 506277"/>
+            </a:gdLst>
+            <a:ahLst/>
+            <a:cxnLst>
+              <a:cxn ang="0">
+                <a:pos x="connsiteX0" y="connsiteY0"/>
+              </a:cxn>
+              <a:cxn ang="0">
+                <a:pos x="connsiteX1" y="connsiteY1"/>
+              </a:cxn>
+              <a:cxn ang="0">
+                <a:pos x="connsiteX2" y="connsiteY2"/>
+              </a:cxn>
+              <a:cxn ang="0">
+                <a:pos x="connsiteX3" y="connsiteY3"/>
+              </a:cxn>
+              <a:cxn ang="0">
+                <a:pos x="connsiteX4" y="connsiteY4"/>
+              </a:cxn>
+              <a:cxn ang="0">
+                <a:pos x="connsiteX5" y="connsiteY5"/>
+              </a:cxn>
+              <a:cxn ang="0">
+                <a:pos x="connsiteX6" y="connsiteY6"/>
+              </a:cxn>
+              <a:cxn ang="0">
+                <a:pos x="connsiteX7" y="connsiteY7"/>
+              </a:cxn>
+              <a:cxn ang="0">
+                <a:pos x="connsiteX8" y="connsiteY8"/>
+              </a:cxn>
+              <a:cxn ang="0">
+                <a:pos x="connsiteX9" y="connsiteY9"/>
+              </a:cxn>
+              <a:cxn ang="0">
+                <a:pos x="connsiteX10" y="connsiteY10"/>
+              </a:cxn>
+              <a:cxn ang="0">
+                <a:pos x="connsiteX11" y="connsiteY11"/>
+              </a:cxn>
+              <a:cxn ang="0">
+                <a:pos x="connsiteX12" y="connsiteY12"/>
+              </a:cxn>
+              <a:cxn ang="0">
+                <a:pos x="connsiteX13" y="connsiteY13"/>
+              </a:cxn>
+              <a:cxn ang="0">
+                <a:pos x="connsiteX14" y="connsiteY14"/>
+              </a:cxn>
+              <a:cxn ang="0">
+                <a:pos x="connsiteX15" y="connsiteY15"/>
+              </a:cxn>
+              <a:cxn ang="0">
+                <a:pos x="connsiteX16" y="connsiteY16"/>
+              </a:cxn>
+            </a:cxnLst>
+            <a:rect l="l" t="t" r="r" b="b"/>
+            <a:pathLst>
+              <a:path w="1038036" h="506277">
+                <a:moveTo>
+                  <a:pt x="0" y="0"/>
+                </a:moveTo>
+                <a:lnTo>
+                  <a:pt x="182880" y="0"/>
+                </a:lnTo>
+                <a:lnTo>
+                  <a:pt x="291705" y="0"/>
+                </a:lnTo>
+                <a:lnTo>
+                  <a:pt x="291705" y="151"/>
+                </a:lnTo>
+                <a:lnTo>
+                  <a:pt x="692049" y="705"/>
+                </a:lnTo>
+                <a:lnTo>
+                  <a:pt x="782744" y="705"/>
+                </a:lnTo>
+                <a:cubicBezTo>
+                  <a:pt x="787553" y="705"/>
+                  <a:pt x="792363" y="5473"/>
+                  <a:pt x="797001" y="5473"/>
+                </a:cubicBezTo>
+                <a:cubicBezTo>
+                  <a:pt x="797001" y="10242"/>
+                  <a:pt x="801982" y="10242"/>
+                  <a:pt x="801982" y="10242"/>
+                </a:cubicBezTo>
+                <a:lnTo>
+                  <a:pt x="1030951" y="239185"/>
+                </a:lnTo>
+                <a:cubicBezTo>
+                  <a:pt x="1040398" y="248722"/>
+                  <a:pt x="1040398" y="258259"/>
+                  <a:pt x="1030951" y="267797"/>
+                </a:cubicBezTo>
+                <a:lnTo>
+                  <a:pt x="801982" y="496740"/>
+                </a:lnTo>
+                <a:cubicBezTo>
+                  <a:pt x="800436" y="498363"/>
+                  <a:pt x="798547" y="499885"/>
+                  <a:pt x="797001" y="501508"/>
+                </a:cubicBezTo>
+                <a:cubicBezTo>
+                  <a:pt x="792363" y="506277"/>
+                  <a:pt x="787553" y="506277"/>
+                  <a:pt x="782744" y="506277"/>
+                </a:cubicBezTo>
+                <a:lnTo>
+                  <a:pt x="692049" y="506277"/>
+                </a:lnTo>
+                <a:lnTo>
+                  <a:pt x="291705" y="505140"/>
+                </a:lnTo>
+                <a:lnTo>
+                  <a:pt x="291705" y="506277"/>
+                </a:lnTo>
+                <a:lnTo>
+                  <a:pt x="0" y="506277"/>
+                </a:lnTo>
+                <a:close/>
+              </a:path>
+            </a:pathLst>
+          </a:custGeom>
+          <a:ln>
+            <a:noFill/>
+          </a:ln>
+        </p:spPr>
+        <p:style>
+          <a:lnRef idx="2">
+            <a:schemeClr val="accent1">
+              <a:shade val="50000"/>
+            </a:schemeClr>
+          </a:lnRef>
+          <a:fillRef idx="1">
+            <a:schemeClr val="accent1"/>
+          </a:fillRef>
+          <a:effectRef idx="0">
+            <a:schemeClr val="accent1"/>
+          </a:effectRef>
+          <a:fontRef idx="minor">
+            <a:schemeClr val="lt1"/>
+          </a:fontRef>
+        </p:style>
+        <p:txBody>
+          <a:bodyPr rtlCol="0" anchor="ctr"/>
+          <a:lstStyle/>
+          <a:p>
+            <a:pPr algn="ctr"/>
+            <a:endParaRPr lang="en-US"/>
           </a:p>
         </p:txBody>
       </p:sp>
@@ -40759,6 +38555,861 @@
     <p:extLst>
       <p:ext uri="{BB962C8B-B14F-4D97-AF65-F5344CB8AC3E}">
         <p14:creationId xmlns:p14="http://schemas.microsoft.com/office/powerpoint/2010/main" val="1937746528"/>
+      </p:ext>
+    </p:extLst>
+  </p:cSld>
+  <p:clrMapOvr>
+    <a:masterClrMapping/>
+  </p:clrMapOvr>
+</p:sld>
+</file>
+
+<file path=ppt/slides/slide7.xml><?xml version="1.0" encoding="utf-8"?>
+<p:sld xmlns:a="http://schemas.openxmlformats.org/drawingml/2006/main" xmlns:r="http://schemas.openxmlformats.org/officeDocument/2006/relationships" xmlns:p="http://schemas.openxmlformats.org/presentationml/2006/main">
+  <p:cSld>
+    <p:bg>
+      <p:bgPr>
+        <a:gradFill rotWithShape="1">
+          <a:gsLst>
+            <a:gs pos="0">
+              <a:schemeClr val="bg2">
+                <a:tint val="90000"/>
+                <a:satMod val="92000"/>
+                <a:lumMod val="120000"/>
+              </a:schemeClr>
+            </a:gs>
+            <a:gs pos="100000">
+              <a:schemeClr val="bg2">
+                <a:shade val="98000"/>
+                <a:satMod val="120000"/>
+                <a:lumMod val="98000"/>
+              </a:schemeClr>
+            </a:gs>
+          </a:gsLst>
+          <a:path path="circle">
+            <a:fillToRect l="50000" t="50000" r="100000" b="100000"/>
+          </a:path>
+        </a:gradFill>
+        <a:effectLst/>
+      </p:bgPr>
+    </p:bg>
+    <p:spTree>
+      <p:nvGrpSpPr>
+        <p:cNvPr id="1" name=""/>
+        <p:cNvGrpSpPr/>
+        <p:nvPr/>
+      </p:nvGrpSpPr>
+      <p:grpSpPr>
+        <a:xfrm>
+          <a:off x="0" y="0"/>
+          <a:ext cx="0" cy="0"/>
+          <a:chOff x="0" y="0"/>
+          <a:chExt cx="0" cy="0"/>
+        </a:xfrm>
+      </p:grpSpPr>
+      <p:sp useBgFill="1">
+        <p:nvSpPr>
+          <p:cNvPr id="71" name="Rectangle 70">
+            <a:extLst>
+              <a:ext uri="{FF2B5EF4-FFF2-40B4-BE49-F238E27FC236}">
+                <a16:creationId xmlns:a16="http://schemas.microsoft.com/office/drawing/2014/main" id="{3F4C104D-5F30-4811-9376-566B26E4719A}"/>
+              </a:ext>
+              <a:ext uri="{C183D7F6-B498-43B3-948B-1728B52AA6E4}">
+                <adec:decorative xmlns:adec="http://schemas.microsoft.com/office/drawing/2017/decorative" val="1"/>
+              </a:ext>
+            </a:extLst>
+          </p:cNvPr>
+          <p:cNvSpPr>
+            <a:spLocks noGrp="1" noRot="1" noChangeAspect="1" noMove="1" noResize="1" noEditPoints="1" noAdjustHandles="1" noChangeArrowheads="1" noChangeShapeType="1" noTextEdit="1"/>
+          </p:cNvSpPr>
+          <p:nvPr>
+            <p:extLst>
+              <p:ext uri="{386F3935-93C4-4BCD-93E2-E3B085C9AB24}">
+                <p16:designElem xmlns:p16="http://schemas.microsoft.com/office/powerpoint/2015/main" val="1"/>
+              </p:ext>
+            </p:extLst>
+          </p:nvPr>
+        </p:nvSpPr>
+        <p:spPr>
+          <a:xfrm>
+            <a:off x="0" y="-786"/>
+            <a:ext cx="12192000" cy="6854038"/>
+          </a:xfrm>
+          <a:prstGeom prst="rect">
+            <a:avLst/>
+          </a:prstGeom>
+          <a:ln>
+            <a:noFill/>
+          </a:ln>
+        </p:spPr>
+        <p:style>
+          <a:lnRef idx="2">
+            <a:schemeClr val="accent1">
+              <a:shade val="50000"/>
+            </a:schemeClr>
+          </a:lnRef>
+          <a:fillRef idx="1">
+            <a:schemeClr val="accent1"/>
+          </a:fillRef>
+          <a:effectRef idx="0">
+            <a:schemeClr val="accent1"/>
+          </a:effectRef>
+          <a:fontRef idx="minor">
+            <a:schemeClr val="lt1"/>
+          </a:fontRef>
+        </p:style>
+        <p:txBody>
+          <a:bodyPr rtlCol="0" anchor="ctr"/>
+          <a:lstStyle/>
+          <a:p>
+            <a:pPr algn="ctr"/>
+            <a:endParaRPr lang="en-US"/>
+          </a:p>
+        </p:txBody>
+      </p:sp>
+      <p:sp>
+        <p:nvSpPr>
+          <p:cNvPr id="2" name="Title 1">
+            <a:extLst>
+              <a:ext uri="{FF2B5EF4-FFF2-40B4-BE49-F238E27FC236}">
+                <a16:creationId xmlns:a16="http://schemas.microsoft.com/office/drawing/2014/main" id="{5DE2721A-D484-4EFE-A254-7D85775665D0}"/>
+              </a:ext>
+            </a:extLst>
+          </p:cNvPr>
+          <p:cNvSpPr>
+            <a:spLocks noGrp="1"/>
+          </p:cNvSpPr>
+          <p:nvPr>
+            <p:ph type="title"/>
+          </p:nvPr>
+        </p:nvSpPr>
+        <p:spPr>
+          <a:xfrm>
+            <a:off x="649224" y="645106"/>
+            <a:ext cx="3650279" cy="1259894"/>
+          </a:xfrm>
+        </p:spPr>
+        <p:txBody>
+          <a:bodyPr>
+            <a:normAutofit/>
+          </a:bodyPr>
+          <a:lstStyle/>
+          <a:p>
+            <a:r>
+              <a:rPr lang="en-US"/>
+              <a:t>Data Partitioning</a:t>
+            </a:r>
+          </a:p>
+        </p:txBody>
+      </p:sp>
+      <p:sp>
+        <p:nvSpPr>
+          <p:cNvPr id="73" name="Rectangle 72">
+            <a:extLst>
+              <a:ext uri="{FF2B5EF4-FFF2-40B4-BE49-F238E27FC236}">
+                <a16:creationId xmlns:a16="http://schemas.microsoft.com/office/drawing/2014/main" id="{0815E34B-5D02-4E01-A936-E8E1C0AB6F12}"/>
+              </a:ext>
+              <a:ext uri="{C183D7F6-B498-43B3-948B-1728B52AA6E4}">
+                <adec:decorative xmlns:adec="http://schemas.microsoft.com/office/drawing/2017/decorative" val="1"/>
+              </a:ext>
+            </a:extLst>
+          </p:cNvPr>
+          <p:cNvSpPr>
+            <a:spLocks noGrp="1" noRot="1" noChangeAspect="1" noMove="1" noResize="1" noEditPoints="1" noAdjustHandles="1" noChangeArrowheads="1" noChangeShapeType="1" noTextEdit="1"/>
+          </p:cNvSpPr>
+          <p:nvPr>
+            <p:extLst>
+              <p:ext uri="{386F3935-93C4-4BCD-93E2-E3B085C9AB24}">
+                <p16:designElem xmlns:p16="http://schemas.microsoft.com/office/powerpoint/2015/main" val="1"/>
+              </p:ext>
+            </p:extLst>
+          </p:nvPr>
+        </p:nvSpPr>
+        <p:spPr>
+          <a:xfrm>
+            <a:off x="0" y="0"/>
+            <a:ext cx="182880" cy="6858000"/>
+          </a:xfrm>
+          <a:prstGeom prst="rect">
+            <a:avLst/>
+          </a:prstGeom>
+          <a:solidFill>
+            <a:schemeClr val="tx2"/>
+          </a:solidFill>
+          <a:ln>
+            <a:noFill/>
+          </a:ln>
+          <a:effectLst/>
+        </p:spPr>
+        <p:style>
+          <a:lnRef idx="1">
+            <a:schemeClr val="accent1"/>
+          </a:lnRef>
+          <a:fillRef idx="3">
+            <a:schemeClr val="accent1"/>
+          </a:fillRef>
+          <a:effectRef idx="2">
+            <a:schemeClr val="accent1"/>
+          </a:effectRef>
+          <a:fontRef idx="minor">
+            <a:schemeClr val="lt1"/>
+          </a:fontRef>
+        </p:style>
+      </p:sp>
+      <p:sp>
+        <p:nvSpPr>
+          <p:cNvPr id="45" name="Content Placeholder 2">
+            <a:extLst>
+              <a:ext uri="{FF2B5EF4-FFF2-40B4-BE49-F238E27FC236}">
+                <a16:creationId xmlns:a16="http://schemas.microsoft.com/office/drawing/2014/main" id="{4AF99410-9266-4907-9D02-18ECBF6CDC5A}"/>
+              </a:ext>
+            </a:extLst>
+          </p:cNvPr>
+          <p:cNvSpPr>
+            <a:spLocks noGrp="1"/>
+          </p:cNvSpPr>
+          <p:nvPr>
+            <p:ph idx="1"/>
+          </p:nvPr>
+        </p:nvSpPr>
+        <p:spPr>
+          <a:xfrm>
+            <a:off x="649225" y="2133600"/>
+            <a:ext cx="3650278" cy="3759253"/>
+          </a:xfrm>
+        </p:spPr>
+        <p:txBody>
+          <a:bodyPr>
+            <a:normAutofit lnSpcReduction="10000"/>
+          </a:bodyPr>
+          <a:lstStyle/>
+          <a:p>
+            <a:pPr>
+              <a:lnSpc>
+                <a:spcPct val="90000"/>
+              </a:lnSpc>
+            </a:pPr>
+            <a:r>
+              <a:rPr lang="en-US" sz="1400" b="1" dirty="0"/>
+              <a:t>Partitioning Methods</a:t>
+            </a:r>
+          </a:p>
+          <a:p>
+            <a:pPr lvl="1">
+              <a:lnSpc>
+                <a:spcPct val="90000"/>
+              </a:lnSpc>
+            </a:pPr>
+            <a:r>
+              <a:rPr lang="en-US" sz="1400" dirty="0"/>
+              <a:t>Split Rows</a:t>
+            </a:r>
+          </a:p>
+          <a:p>
+            <a:pPr lvl="1">
+              <a:lnSpc>
+                <a:spcPct val="90000"/>
+              </a:lnSpc>
+            </a:pPr>
+            <a:r>
+              <a:rPr lang="en-US" sz="1400" dirty="0"/>
+              <a:t>Split Columns</a:t>
+            </a:r>
+          </a:p>
+          <a:p>
+            <a:pPr lvl="1">
+              <a:lnSpc>
+                <a:spcPct val="90000"/>
+              </a:lnSpc>
+            </a:pPr>
+            <a:r>
+              <a:rPr lang="en-US" sz="1400" dirty="0"/>
+              <a:t>Partition by directory</a:t>
+            </a:r>
+          </a:p>
+          <a:p>
+            <a:pPr>
+              <a:lnSpc>
+                <a:spcPct val="90000"/>
+              </a:lnSpc>
+            </a:pPr>
+            <a:r>
+              <a:rPr lang="en-US" sz="1400" b="1" dirty="0"/>
+              <a:t>Partitioning Criteria</a:t>
+            </a:r>
+          </a:p>
+          <a:p>
+            <a:pPr lvl="1">
+              <a:lnSpc>
+                <a:spcPct val="90000"/>
+              </a:lnSpc>
+            </a:pPr>
+            <a:r>
+              <a:rPr lang="en-US" sz="1400" dirty="0"/>
+              <a:t>Key hash table</a:t>
+            </a:r>
+          </a:p>
+          <a:p>
+            <a:pPr lvl="1">
+              <a:lnSpc>
+                <a:spcPct val="90000"/>
+              </a:lnSpc>
+            </a:pPr>
+            <a:r>
+              <a:rPr lang="en-US" sz="1400" dirty="0"/>
+              <a:t>Range partition</a:t>
+            </a:r>
+          </a:p>
+          <a:p>
+            <a:pPr lvl="1">
+              <a:lnSpc>
+                <a:spcPct val="90000"/>
+              </a:lnSpc>
+            </a:pPr>
+            <a:r>
+              <a:rPr lang="en-US" sz="1400" dirty="0"/>
+              <a:t>Round-robin</a:t>
+            </a:r>
+          </a:p>
+          <a:p>
+            <a:pPr>
+              <a:lnSpc>
+                <a:spcPct val="90000"/>
+              </a:lnSpc>
+            </a:pPr>
+            <a:r>
+              <a:rPr lang="en-US" sz="1400" b="1" dirty="0"/>
+              <a:t>Common issues with partition</a:t>
+            </a:r>
+          </a:p>
+          <a:p>
+            <a:pPr lvl="1">
+              <a:lnSpc>
+                <a:spcPct val="90000"/>
+              </a:lnSpc>
+            </a:pPr>
+            <a:r>
+              <a:rPr lang="en-US" sz="1400" dirty="0"/>
+              <a:t>Joins and Denormalization</a:t>
+            </a:r>
+          </a:p>
+          <a:p>
+            <a:pPr lvl="1">
+              <a:lnSpc>
+                <a:spcPct val="90000"/>
+              </a:lnSpc>
+            </a:pPr>
+            <a:r>
+              <a:rPr lang="en-US" sz="1400" dirty="0"/>
+              <a:t>Referential integrity</a:t>
+            </a:r>
+          </a:p>
+          <a:p>
+            <a:pPr lvl="1">
+              <a:lnSpc>
+                <a:spcPct val="90000"/>
+              </a:lnSpc>
+            </a:pPr>
+            <a:r>
+              <a:rPr lang="en-US" sz="1400" dirty="0"/>
+              <a:t>Rebalancing</a:t>
+            </a:r>
+          </a:p>
+          <a:p>
+            <a:pPr lvl="1">
+              <a:lnSpc>
+                <a:spcPct val="90000"/>
+              </a:lnSpc>
+            </a:pPr>
+            <a:endParaRPr lang="en-US" sz="1400" dirty="0"/>
+          </a:p>
+        </p:txBody>
+      </p:sp>
+      <p:pic>
+        <p:nvPicPr>
+          <p:cNvPr id="2050" name="Picture 2" descr="Partitioning Techniques DataBase">
+            <a:extLst>
+              <a:ext uri="{FF2B5EF4-FFF2-40B4-BE49-F238E27FC236}">
+                <a16:creationId xmlns:a16="http://schemas.microsoft.com/office/drawing/2014/main" id="{65B1C4B3-6DB5-4093-95D0-AF92030725B1}"/>
+              </a:ext>
+            </a:extLst>
+          </p:cNvPr>
+          <p:cNvPicPr>
+            <a:picLocks noChangeAspect="1" noChangeArrowheads="1"/>
+          </p:cNvPicPr>
+          <p:nvPr/>
+        </p:nvPicPr>
+        <p:blipFill>
+          <a:blip r:embed="rId2">
+            <a:extLst>
+              <a:ext uri="{28A0092B-C50C-407E-A947-70E740481C1C}">
+                <a14:useLocalDpi xmlns:a14="http://schemas.microsoft.com/office/drawing/2010/main" val="0"/>
+              </a:ext>
+            </a:extLst>
+          </a:blip>
+          <a:stretch>
+            <a:fillRect/>
+          </a:stretch>
+        </p:blipFill>
+        <p:spPr bwMode="auto">
+          <a:xfrm>
+            <a:off x="4619543" y="1571531"/>
+            <a:ext cx="7416513" cy="3615549"/>
+          </a:xfrm>
+          <a:prstGeom prst="rect">
+            <a:avLst/>
+          </a:prstGeom>
+          <a:noFill/>
+          <a:extLst>
+            <a:ext uri="{909E8E84-426E-40DD-AFC4-6F175D3DCCD1}">
+              <a14:hiddenFill xmlns:a14="http://schemas.microsoft.com/office/drawing/2010/main">
+                <a:solidFill>
+                  <a:srgbClr val="FFFFFF"/>
+                </a:solidFill>
+              </a14:hiddenFill>
+            </a:ext>
+          </a:extLst>
+        </p:spPr>
+      </p:pic>
+      <p:sp>
+        <p:nvSpPr>
+          <p:cNvPr id="75" name="Freeform 11">
+            <a:extLst>
+              <a:ext uri="{FF2B5EF4-FFF2-40B4-BE49-F238E27FC236}">
+                <a16:creationId xmlns:a16="http://schemas.microsoft.com/office/drawing/2014/main" id="{7DE3414B-B032-4710-A468-D3285E38C5FF}"/>
+              </a:ext>
+              <a:ext uri="{C183D7F6-B498-43B3-948B-1728B52AA6E4}">
+                <adec:decorative xmlns:adec="http://schemas.microsoft.com/office/drawing/2017/decorative" val="1"/>
+              </a:ext>
+            </a:extLst>
+          </p:cNvPr>
+          <p:cNvSpPr>
+            <a:spLocks noGrp="1" noRot="1" noChangeAspect="1" noMove="1" noResize="1" noEditPoints="1" noAdjustHandles="1" noChangeArrowheads="1" noChangeShapeType="1" noTextEdit="1"/>
+          </p:cNvSpPr>
+          <p:nvPr>
+            <p:extLst>
+              <p:ext uri="{386F3935-93C4-4BCD-93E2-E3B085C9AB24}">
+                <p16:designElem xmlns:p16="http://schemas.microsoft.com/office/powerpoint/2015/main" val="1"/>
+              </p:ext>
+            </p:extLst>
+          </p:nvPr>
+        </p:nvSpPr>
+        <p:spPr>
+          <a:xfrm>
+            <a:off x="-1" y="6061223"/>
+            <a:ext cx="1038036" cy="506277"/>
+          </a:xfrm>
+          <a:custGeom>
+            <a:avLst/>
+            <a:gdLst>
+              <a:gd name="connsiteX0" fmla="*/ 0 w 1038036"/>
+              <a:gd name="connsiteY0" fmla="*/ 0 h 506277"/>
+              <a:gd name="connsiteX1" fmla="*/ 182880 w 1038036"/>
+              <a:gd name="connsiteY1" fmla="*/ 0 h 506277"/>
+              <a:gd name="connsiteX2" fmla="*/ 291705 w 1038036"/>
+              <a:gd name="connsiteY2" fmla="*/ 0 h 506277"/>
+              <a:gd name="connsiteX3" fmla="*/ 291705 w 1038036"/>
+              <a:gd name="connsiteY3" fmla="*/ 151 h 506277"/>
+              <a:gd name="connsiteX4" fmla="*/ 692049 w 1038036"/>
+              <a:gd name="connsiteY4" fmla="*/ 705 h 506277"/>
+              <a:gd name="connsiteX5" fmla="*/ 782744 w 1038036"/>
+              <a:gd name="connsiteY5" fmla="*/ 705 h 506277"/>
+              <a:gd name="connsiteX6" fmla="*/ 797001 w 1038036"/>
+              <a:gd name="connsiteY6" fmla="*/ 5473 h 506277"/>
+              <a:gd name="connsiteX7" fmla="*/ 801982 w 1038036"/>
+              <a:gd name="connsiteY7" fmla="*/ 10242 h 506277"/>
+              <a:gd name="connsiteX8" fmla="*/ 1030951 w 1038036"/>
+              <a:gd name="connsiteY8" fmla="*/ 239185 h 506277"/>
+              <a:gd name="connsiteX9" fmla="*/ 1030951 w 1038036"/>
+              <a:gd name="connsiteY9" fmla="*/ 267797 h 506277"/>
+              <a:gd name="connsiteX10" fmla="*/ 801982 w 1038036"/>
+              <a:gd name="connsiteY10" fmla="*/ 496740 h 506277"/>
+              <a:gd name="connsiteX11" fmla="*/ 797001 w 1038036"/>
+              <a:gd name="connsiteY11" fmla="*/ 501508 h 506277"/>
+              <a:gd name="connsiteX12" fmla="*/ 782744 w 1038036"/>
+              <a:gd name="connsiteY12" fmla="*/ 506277 h 506277"/>
+              <a:gd name="connsiteX13" fmla="*/ 692049 w 1038036"/>
+              <a:gd name="connsiteY13" fmla="*/ 506277 h 506277"/>
+              <a:gd name="connsiteX14" fmla="*/ 291705 w 1038036"/>
+              <a:gd name="connsiteY14" fmla="*/ 505140 h 506277"/>
+              <a:gd name="connsiteX15" fmla="*/ 291705 w 1038036"/>
+              <a:gd name="connsiteY15" fmla="*/ 506277 h 506277"/>
+              <a:gd name="connsiteX16" fmla="*/ 0 w 1038036"/>
+              <a:gd name="connsiteY16" fmla="*/ 506277 h 506277"/>
+            </a:gdLst>
+            <a:ahLst/>
+            <a:cxnLst>
+              <a:cxn ang="0">
+                <a:pos x="connsiteX0" y="connsiteY0"/>
+              </a:cxn>
+              <a:cxn ang="0">
+                <a:pos x="connsiteX1" y="connsiteY1"/>
+              </a:cxn>
+              <a:cxn ang="0">
+                <a:pos x="connsiteX2" y="connsiteY2"/>
+              </a:cxn>
+              <a:cxn ang="0">
+                <a:pos x="connsiteX3" y="connsiteY3"/>
+              </a:cxn>
+              <a:cxn ang="0">
+                <a:pos x="connsiteX4" y="connsiteY4"/>
+              </a:cxn>
+              <a:cxn ang="0">
+                <a:pos x="connsiteX5" y="connsiteY5"/>
+              </a:cxn>
+              <a:cxn ang="0">
+                <a:pos x="connsiteX6" y="connsiteY6"/>
+              </a:cxn>
+              <a:cxn ang="0">
+                <a:pos x="connsiteX7" y="connsiteY7"/>
+              </a:cxn>
+              <a:cxn ang="0">
+                <a:pos x="connsiteX8" y="connsiteY8"/>
+              </a:cxn>
+              <a:cxn ang="0">
+                <a:pos x="connsiteX9" y="connsiteY9"/>
+              </a:cxn>
+              <a:cxn ang="0">
+                <a:pos x="connsiteX10" y="connsiteY10"/>
+              </a:cxn>
+              <a:cxn ang="0">
+                <a:pos x="connsiteX11" y="connsiteY11"/>
+              </a:cxn>
+              <a:cxn ang="0">
+                <a:pos x="connsiteX12" y="connsiteY12"/>
+              </a:cxn>
+              <a:cxn ang="0">
+                <a:pos x="connsiteX13" y="connsiteY13"/>
+              </a:cxn>
+              <a:cxn ang="0">
+                <a:pos x="connsiteX14" y="connsiteY14"/>
+              </a:cxn>
+              <a:cxn ang="0">
+                <a:pos x="connsiteX15" y="connsiteY15"/>
+              </a:cxn>
+              <a:cxn ang="0">
+                <a:pos x="connsiteX16" y="connsiteY16"/>
+              </a:cxn>
+            </a:cxnLst>
+            <a:rect l="l" t="t" r="r" b="b"/>
+            <a:pathLst>
+              <a:path w="1038036" h="506277">
+                <a:moveTo>
+                  <a:pt x="0" y="0"/>
+                </a:moveTo>
+                <a:lnTo>
+                  <a:pt x="182880" y="0"/>
+                </a:lnTo>
+                <a:lnTo>
+                  <a:pt x="291705" y="0"/>
+                </a:lnTo>
+                <a:lnTo>
+                  <a:pt x="291705" y="151"/>
+                </a:lnTo>
+                <a:lnTo>
+                  <a:pt x="692049" y="705"/>
+                </a:lnTo>
+                <a:lnTo>
+                  <a:pt x="782744" y="705"/>
+                </a:lnTo>
+                <a:cubicBezTo>
+                  <a:pt x="787553" y="705"/>
+                  <a:pt x="792363" y="5473"/>
+                  <a:pt x="797001" y="5473"/>
+                </a:cubicBezTo>
+                <a:cubicBezTo>
+                  <a:pt x="797001" y="10242"/>
+                  <a:pt x="801982" y="10242"/>
+                  <a:pt x="801982" y="10242"/>
+                </a:cubicBezTo>
+                <a:lnTo>
+                  <a:pt x="1030951" y="239185"/>
+                </a:lnTo>
+                <a:cubicBezTo>
+                  <a:pt x="1040398" y="248722"/>
+                  <a:pt x="1040398" y="258259"/>
+                  <a:pt x="1030951" y="267797"/>
+                </a:cubicBezTo>
+                <a:lnTo>
+                  <a:pt x="801982" y="496740"/>
+                </a:lnTo>
+                <a:cubicBezTo>
+                  <a:pt x="800436" y="498363"/>
+                  <a:pt x="798547" y="499885"/>
+                  <a:pt x="797001" y="501508"/>
+                </a:cubicBezTo>
+                <a:cubicBezTo>
+                  <a:pt x="792363" y="506277"/>
+                  <a:pt x="787553" y="506277"/>
+                  <a:pt x="782744" y="506277"/>
+                </a:cubicBezTo>
+                <a:lnTo>
+                  <a:pt x="692049" y="506277"/>
+                </a:lnTo>
+                <a:lnTo>
+                  <a:pt x="291705" y="505140"/>
+                </a:lnTo>
+                <a:lnTo>
+                  <a:pt x="291705" y="506277"/>
+                </a:lnTo>
+                <a:lnTo>
+                  <a:pt x="0" y="506277"/>
+                </a:lnTo>
+                <a:close/>
+              </a:path>
+            </a:pathLst>
+          </a:custGeom>
+          <a:ln>
+            <a:noFill/>
+          </a:ln>
+        </p:spPr>
+        <p:style>
+          <a:lnRef idx="2">
+            <a:schemeClr val="accent1">
+              <a:shade val="50000"/>
+            </a:schemeClr>
+          </a:lnRef>
+          <a:fillRef idx="1">
+            <a:schemeClr val="accent1"/>
+          </a:fillRef>
+          <a:effectRef idx="0">
+            <a:schemeClr val="accent1"/>
+          </a:effectRef>
+          <a:fontRef idx="minor">
+            <a:schemeClr val="lt1"/>
+          </a:fontRef>
+        </p:style>
+        <p:txBody>
+          <a:bodyPr rtlCol="0" anchor="ctr"/>
+          <a:lstStyle/>
+          <a:p>
+            <a:pPr algn="ctr"/>
+            <a:endParaRPr lang="en-US"/>
+          </a:p>
+        </p:txBody>
+      </p:sp>
+    </p:spTree>
+    <p:extLst>
+      <p:ext uri="{BB962C8B-B14F-4D97-AF65-F5344CB8AC3E}">
+        <p14:creationId xmlns:p14="http://schemas.microsoft.com/office/powerpoint/2010/main" val="1875781434"/>
+      </p:ext>
+    </p:extLst>
+  </p:cSld>
+  <p:clrMapOvr>
+    <a:masterClrMapping/>
+  </p:clrMapOvr>
+</p:sld>
+</file>
+
+<file path=ppt/slides/slide8.xml><?xml version="1.0" encoding="utf-8"?>
+<p:sld xmlns:a="http://schemas.openxmlformats.org/drawingml/2006/main" xmlns:r="http://schemas.openxmlformats.org/officeDocument/2006/relationships" xmlns:p="http://schemas.openxmlformats.org/presentationml/2006/main">
+  <p:cSld>
+    <p:bg>
+      <p:bgPr>
+        <a:gradFill rotWithShape="1">
+          <a:gsLst>
+            <a:gs pos="0">
+              <a:schemeClr val="bg2">
+                <a:tint val="90000"/>
+                <a:satMod val="92000"/>
+                <a:lumMod val="120000"/>
+              </a:schemeClr>
+            </a:gs>
+            <a:gs pos="100000">
+              <a:schemeClr val="bg2">
+                <a:shade val="98000"/>
+                <a:satMod val="120000"/>
+                <a:lumMod val="98000"/>
+              </a:schemeClr>
+            </a:gs>
+          </a:gsLst>
+          <a:path path="circle">
+            <a:fillToRect l="50000" t="50000" r="100000" b="100000"/>
+          </a:path>
+        </a:gradFill>
+        <a:effectLst/>
+      </p:bgPr>
+    </p:bg>
+    <p:spTree>
+      <p:nvGrpSpPr>
+        <p:cNvPr id="1" name=""/>
+        <p:cNvGrpSpPr/>
+        <p:nvPr/>
+      </p:nvGrpSpPr>
+      <p:grpSpPr>
+        <a:xfrm>
+          <a:off x="0" y="0"/>
+          <a:ext cx="0" cy="0"/>
+          <a:chOff x="0" y="0"/>
+          <a:chExt cx="0" cy="0"/>
+        </a:xfrm>
+      </p:grpSpPr>
+      <p:sp>
+        <p:nvSpPr>
+          <p:cNvPr id="2" name="Title 1">
+            <a:extLst>
+              <a:ext uri="{FF2B5EF4-FFF2-40B4-BE49-F238E27FC236}">
+                <a16:creationId xmlns:a16="http://schemas.microsoft.com/office/drawing/2014/main" id="{3F999010-0AD2-4734-A779-852A1FBE6FFA}"/>
+              </a:ext>
+            </a:extLst>
+          </p:cNvPr>
+          <p:cNvSpPr>
+            <a:spLocks noGrp="1"/>
+          </p:cNvSpPr>
+          <p:nvPr>
+            <p:ph type="title"/>
+          </p:nvPr>
+        </p:nvSpPr>
+        <p:spPr>
+          <a:xfrm>
+            <a:off x="1640156" y="592212"/>
+            <a:ext cx="8911687" cy="1280890"/>
+          </a:xfrm>
+        </p:spPr>
+        <p:txBody>
+          <a:bodyPr>
+            <a:normAutofit/>
+          </a:bodyPr>
+          <a:lstStyle/>
+          <a:p>
+            <a:r>
+              <a:rPr lang="en-US" dirty="0"/>
+              <a:t>Reliability</a:t>
+            </a:r>
+          </a:p>
+        </p:txBody>
+      </p:sp>
+      <p:sp>
+        <p:nvSpPr>
+          <p:cNvPr id="3" name="Content Placeholder 2">
+            <a:extLst>
+              <a:ext uri="{FF2B5EF4-FFF2-40B4-BE49-F238E27FC236}">
+                <a16:creationId xmlns:a16="http://schemas.microsoft.com/office/drawing/2014/main" id="{9A2DD622-5A78-4E21-8BAC-AD94DABB6550}"/>
+              </a:ext>
+            </a:extLst>
+          </p:cNvPr>
+          <p:cNvSpPr>
+            <a:spLocks noGrp="1"/>
+          </p:cNvSpPr>
+          <p:nvPr>
+            <p:ph idx="1"/>
+          </p:nvPr>
+        </p:nvSpPr>
+        <p:spPr>
+          <a:xfrm>
+            <a:off x="1640156" y="2359278"/>
+            <a:ext cx="7046644" cy="2935736"/>
+          </a:xfrm>
+        </p:spPr>
+        <p:txBody>
+          <a:bodyPr>
+            <a:normAutofit/>
+          </a:bodyPr>
+          <a:lstStyle/>
+          <a:p>
+            <a:r>
+              <a:rPr lang="en-US" dirty="0"/>
+              <a:t>Requirement</a:t>
+            </a:r>
+          </a:p>
+          <a:p>
+            <a:pPr lvl="1"/>
+            <a:r>
+              <a:rPr lang="en-US" dirty="0"/>
+              <a:t>A transaction can be complicated with many steps. It should either complete or fail, no unknown state.</a:t>
+            </a:r>
+          </a:p>
+          <a:p>
+            <a:pPr lvl="1"/>
+            <a:r>
+              <a:rPr lang="en-US" dirty="0"/>
+              <a:t>Timeout is common, retry should not cause duplicate</a:t>
+            </a:r>
+          </a:p>
+          <a:p>
+            <a:r>
+              <a:rPr lang="en-US" dirty="0"/>
+              <a:t>Solution</a:t>
+            </a:r>
+          </a:p>
+          <a:p>
+            <a:pPr lvl="1"/>
+            <a:r>
+              <a:rPr lang="en-US" altLang="zh-CN" dirty="0"/>
+              <a:t>I</a:t>
+            </a:r>
+            <a:r>
+              <a:rPr lang="en-US" dirty="0"/>
+              <a:t>dempotency </a:t>
+            </a:r>
+          </a:p>
+          <a:p>
+            <a:pPr lvl="1"/>
+            <a:r>
+              <a:rPr lang="en-US" dirty="0"/>
+              <a:t>State machine</a:t>
+            </a:r>
+          </a:p>
+          <a:p>
+            <a:pPr lvl="1"/>
+            <a:r>
+              <a:rPr lang="en-US" dirty="0"/>
+              <a:t>Write ahead log </a:t>
+            </a:r>
+          </a:p>
+        </p:txBody>
+      </p:sp>
+      <p:pic>
+        <p:nvPicPr>
+          <p:cNvPr id="4104" name="Picture 8" descr="Example of the reliability of a simple transaction | Download Scientific  Diagram">
+            <a:extLst>
+              <a:ext uri="{FF2B5EF4-FFF2-40B4-BE49-F238E27FC236}">
+                <a16:creationId xmlns:a16="http://schemas.microsoft.com/office/drawing/2014/main" id="{1981B94A-3470-4231-A9CB-8E44C31E1222}"/>
+              </a:ext>
+            </a:extLst>
+          </p:cNvPr>
+          <p:cNvPicPr>
+            <a:picLocks noChangeAspect="1" noChangeArrowheads="1"/>
+          </p:cNvPicPr>
+          <p:nvPr/>
+        </p:nvPicPr>
+        <p:blipFill>
+          <a:blip r:embed="rId2">
+            <a:extLst>
+              <a:ext uri="{28A0092B-C50C-407E-A947-70E740481C1C}">
+                <a14:useLocalDpi xmlns:a14="http://schemas.microsoft.com/office/drawing/2010/main" val="0"/>
+              </a:ext>
+            </a:extLst>
+          </a:blip>
+          <a:srcRect/>
+          <a:stretch>
+            <a:fillRect/>
+          </a:stretch>
+        </p:blipFill>
+        <p:spPr bwMode="auto">
+          <a:xfrm>
+            <a:off x="4651362" y="4019817"/>
+            <a:ext cx="6023725" cy="2689163"/>
+          </a:xfrm>
+          <a:prstGeom prst="rect">
+            <a:avLst/>
+          </a:prstGeom>
+          <a:noFill/>
+          <a:extLst>
+            <a:ext uri="{909E8E84-426E-40DD-AFC4-6F175D3DCCD1}">
+              <a14:hiddenFill xmlns:a14="http://schemas.microsoft.com/office/drawing/2010/main">
+                <a:solidFill>
+                  <a:srgbClr val="FFFFFF"/>
+                </a:solidFill>
+              </a14:hiddenFill>
+            </a:ext>
+          </a:extLst>
+        </p:spPr>
+      </p:pic>
+    </p:spTree>
+    <p:extLst>
+      <p:ext uri="{BB962C8B-B14F-4D97-AF65-F5344CB8AC3E}">
+        <p14:creationId xmlns:p14="http://schemas.microsoft.com/office/powerpoint/2010/main" val="616571486"/>
       </p:ext>
     </p:extLst>
   </p:cSld>
@@ -40811,12 +39462,12 @@
           <a:chExt cx="0" cy="0"/>
         </a:xfrm>
       </p:grpSpPr>
-      <p:sp>
+      <p:sp useBgFill="1">
         <p:nvSpPr>
-          <p:cNvPr id="10" name="Rectangle 9">
+          <p:cNvPr id="73" name="Rectangle 72">
             <a:extLst>
               <a:ext uri="{FF2B5EF4-FFF2-40B4-BE49-F238E27FC236}">
-                <a16:creationId xmlns:a16="http://schemas.microsoft.com/office/drawing/2014/main" id="{A3D9AEEE-1CCD-43C0-BA3E-16D60A6E23C0}"/>
+                <a16:creationId xmlns:a16="http://schemas.microsoft.com/office/drawing/2014/main" id="{B2EC7880-C5D9-40A8-A6B0-3198AD07AD1B}"/>
               </a:ext>
               <a:ext uri="{C183D7F6-B498-43B3-948B-1728B52AA6E4}">
                 <adec:decorative xmlns:adec="http://schemas.microsoft.com/office/drawing/2017/decorative" val="1"/>
@@ -40836,15 +39487,12 @@
         </p:nvSpPr>
         <p:spPr>
           <a:xfrm>
-            <a:off x="1" y="0"/>
-            <a:ext cx="4059079" cy="6858000"/>
+            <a:off x="0" y="-786"/>
+            <a:ext cx="12192000" cy="6854038"/>
           </a:xfrm>
           <a:prstGeom prst="rect">
             <a:avLst/>
           </a:prstGeom>
-          <a:solidFill>
-            <a:schemeClr val="tx2"/>
-          </a:solidFill>
           <a:ln>
             <a:noFill/>
           </a:ln>
@@ -40879,7 +39527,7 @@
           <p:cNvPr id="2" name="Title 1">
             <a:extLst>
               <a:ext uri="{FF2B5EF4-FFF2-40B4-BE49-F238E27FC236}">
-                <a16:creationId xmlns:a16="http://schemas.microsoft.com/office/drawing/2014/main" id="{0A49776F-A000-4849-9138-ED798B055342}"/>
+                <a16:creationId xmlns:a16="http://schemas.microsoft.com/office/drawing/2014/main" id="{3F999010-0AD2-4734-A779-852A1FBE6FFA}"/>
               </a:ext>
             </a:extLst>
           </p:cNvPr>
@@ -40892,8 +39540,8 @@
         </p:nvSpPr>
         <p:spPr>
           <a:xfrm>
-            <a:off x="1259893" y="3101093"/>
-            <a:ext cx="2454052" cy="3029344"/>
+            <a:off x="649224" y="645106"/>
+            <a:ext cx="3650279" cy="1259894"/>
           </a:xfrm>
         </p:spPr>
         <p:txBody>
@@ -40903,22 +39551,18 @@
           <a:lstStyle/>
           <a:p>
             <a:r>
-              <a:rPr lang="en-US" sz="3000">
-                <a:solidFill>
-                  <a:schemeClr val="bg1"/>
-                </a:solidFill>
-              </a:rPr>
-              <a:t>Client Server connection</a:t>
+              <a:rPr lang="en-US" dirty="0"/>
+              <a:t>Availability</a:t>
             </a:r>
           </a:p>
         </p:txBody>
       </p:sp>
       <p:sp>
         <p:nvSpPr>
-          <p:cNvPr id="12" name="Freeform 11">
+          <p:cNvPr id="75" name="Rectangle 74">
             <a:extLst>
               <a:ext uri="{FF2B5EF4-FFF2-40B4-BE49-F238E27FC236}">
-                <a16:creationId xmlns:a16="http://schemas.microsoft.com/office/drawing/2014/main" id="{60F880A6-33D3-4EEC-A780-B73559B9F24C}"/>
+                <a16:creationId xmlns:a16="http://schemas.microsoft.com/office/drawing/2014/main" id="{94543A62-A2AB-454A-878E-D3D9190D5FC7}"/>
               </a:ext>
               <a:ext uri="{C183D7F6-B498-43B3-948B-1728B52AA6E4}">
                 <adec:decorative xmlns:adec="http://schemas.microsoft.com/office/drawing/2017/decorative" val="1"/>
@@ -40936,66 +39580,223 @@
             </p:extLst>
           </p:nvPr>
         </p:nvSpPr>
+        <p:spPr>
+          <a:xfrm>
+            <a:off x="0" y="0"/>
+            <a:ext cx="182880" cy="6858000"/>
+          </a:xfrm>
+          <a:prstGeom prst="rect">
+            <a:avLst/>
+          </a:prstGeom>
+          <a:solidFill>
+            <a:schemeClr val="tx2"/>
+          </a:solidFill>
+          <a:ln>
+            <a:noFill/>
+          </a:ln>
+          <a:effectLst/>
+        </p:spPr>
+        <p:style>
+          <a:lnRef idx="1">
+            <a:schemeClr val="accent1"/>
+          </a:lnRef>
+          <a:fillRef idx="3">
+            <a:schemeClr val="accent1"/>
+          </a:fillRef>
+          <a:effectRef idx="2">
+            <a:schemeClr val="accent1"/>
+          </a:effectRef>
+          <a:fontRef idx="minor">
+            <a:schemeClr val="lt1"/>
+          </a:fontRef>
+        </p:style>
+      </p:sp>
+      <p:sp>
+        <p:nvSpPr>
+          <p:cNvPr id="3" name="Content Placeholder 2">
+            <a:extLst>
+              <a:ext uri="{FF2B5EF4-FFF2-40B4-BE49-F238E27FC236}">
+                <a16:creationId xmlns:a16="http://schemas.microsoft.com/office/drawing/2014/main" id="{9A2DD622-5A78-4E21-8BAC-AD94DABB6550}"/>
+              </a:ext>
+            </a:extLst>
+          </p:cNvPr>
+          <p:cNvSpPr>
+            <a:spLocks noGrp="1"/>
+          </p:cNvSpPr>
+          <p:nvPr>
+            <p:ph idx="1"/>
+          </p:nvPr>
+        </p:nvSpPr>
+        <p:spPr>
+          <a:xfrm>
+            <a:off x="649225" y="2133600"/>
+            <a:ext cx="3650278" cy="3759253"/>
+          </a:xfrm>
+        </p:spPr>
+        <p:txBody>
+          <a:bodyPr>
+            <a:normAutofit/>
+          </a:bodyPr>
+          <a:lstStyle/>
+          <a:p>
+            <a:r>
+              <a:rPr lang="en-US" dirty="0"/>
+              <a:t>Requirement</a:t>
+            </a:r>
+          </a:p>
+          <a:p>
+            <a:pPr lvl="1"/>
+            <a:r>
+              <a:rPr lang="en-US" dirty="0"/>
+              <a:t>Service should be available even part of the system is down</a:t>
+            </a:r>
+          </a:p>
+          <a:p>
+            <a:pPr lvl="1"/>
+            <a:r>
+              <a:rPr lang="en-US" dirty="0"/>
+              <a:t>API availability and data availability</a:t>
+            </a:r>
+          </a:p>
+          <a:p>
+            <a:r>
+              <a:rPr lang="en-US" dirty="0"/>
+              <a:t>Solution</a:t>
+            </a:r>
+          </a:p>
+          <a:p>
+            <a:pPr lvl="1"/>
+            <a:r>
+              <a:rPr lang="en-US" dirty="0"/>
+              <a:t>Redundancy</a:t>
+            </a:r>
+          </a:p>
+          <a:p>
+            <a:pPr lvl="1"/>
+            <a:r>
+              <a:rPr lang="en-US" dirty="0"/>
+              <a:t>Replication</a:t>
+            </a:r>
+          </a:p>
+          <a:p>
+            <a:pPr lvl="1"/>
+            <a:r>
+              <a:rPr lang="en-US" dirty="0"/>
+              <a:t>CAP Theorem</a:t>
+            </a:r>
+          </a:p>
+        </p:txBody>
+      </p:sp>
+      <p:pic>
+        <p:nvPicPr>
+          <p:cNvPr id="3076" name="Picture 4" descr="Availability and the Cloud">
+            <a:extLst>
+              <a:ext uri="{FF2B5EF4-FFF2-40B4-BE49-F238E27FC236}">
+                <a16:creationId xmlns:a16="http://schemas.microsoft.com/office/drawing/2014/main" id="{C7A30BAB-16DF-4C20-9D1D-A7874B49CB3C}"/>
+              </a:ext>
+            </a:extLst>
+          </p:cNvPr>
+          <p:cNvPicPr>
+            <a:picLocks noChangeAspect="1" noChangeArrowheads="1"/>
+          </p:cNvPicPr>
+          <p:nvPr/>
+        </p:nvPicPr>
+        <p:blipFill rotWithShape="1">
+          <a:blip r:embed="rId2">
+            <a:extLst>
+              <a:ext uri="{28A0092B-C50C-407E-A947-70E740481C1C}">
+                <a14:useLocalDpi xmlns:a14="http://schemas.microsoft.com/office/drawing/2010/main" val="0"/>
+              </a:ext>
+            </a:extLst>
+          </a:blip>
+          <a:srcRect t="964" r="2" b="25764"/>
+          <a:stretch/>
+        </p:blipFill>
         <p:spPr bwMode="auto">
-          <a:xfrm flipV="1">
-            <a:off x="-159" y="3179901"/>
-            <a:ext cx="1098194" cy="514066"/>
+          <a:xfrm>
+            <a:off x="4619543" y="640080"/>
+            <a:ext cx="6953577" cy="5252773"/>
+          </a:xfrm>
+          <a:prstGeom prst="rect">
+            <a:avLst/>
+          </a:prstGeom>
+          <a:noFill/>
+          <a:extLst>
+            <a:ext uri="{909E8E84-426E-40DD-AFC4-6F175D3DCCD1}">
+              <a14:hiddenFill xmlns:a14="http://schemas.microsoft.com/office/drawing/2010/main">
+                <a:solidFill>
+                  <a:srgbClr val="FFFFFF"/>
+                </a:solidFill>
+              </a14:hiddenFill>
+            </a:ext>
+          </a:extLst>
+        </p:spPr>
+      </p:pic>
+      <p:sp>
+        <p:nvSpPr>
+          <p:cNvPr id="77" name="Freeform 11">
+            <a:extLst>
+              <a:ext uri="{FF2B5EF4-FFF2-40B4-BE49-F238E27FC236}">
+                <a16:creationId xmlns:a16="http://schemas.microsoft.com/office/drawing/2014/main" id="{50553464-41F1-4160-9D02-7C5EC7013BDA}"/>
+              </a:ext>
+              <a:ext uri="{C183D7F6-B498-43B3-948B-1728B52AA6E4}">
+                <adec:decorative xmlns:adec="http://schemas.microsoft.com/office/drawing/2017/decorative" val="1"/>
+              </a:ext>
+            </a:extLst>
+          </p:cNvPr>
+          <p:cNvSpPr>
+            <a:spLocks noGrp="1" noRot="1" noChangeAspect="1" noMove="1" noResize="1" noEditPoints="1" noAdjustHandles="1" noChangeArrowheads="1" noChangeShapeType="1" noTextEdit="1"/>
+          </p:cNvSpPr>
+          <p:nvPr>
+            <p:extLst>
+              <p:ext uri="{386F3935-93C4-4BCD-93E2-E3B085C9AB24}">
+                <p16:designElem xmlns:p16="http://schemas.microsoft.com/office/powerpoint/2015/main" val="1"/>
+              </p:ext>
+            </p:extLst>
+          </p:nvPr>
+        </p:nvSpPr>
+        <p:spPr>
+          <a:xfrm>
+            <a:off x="-1" y="6061223"/>
+            <a:ext cx="1038036" cy="506277"/>
           </a:xfrm>
           <a:custGeom>
             <a:avLst/>
             <a:gdLst>
-              <a:gd name="connsiteX0" fmla="*/ 10000 w 10044"/>
-              <a:gd name="connsiteY0" fmla="*/ 4701 h 9966"/>
-              <a:gd name="connsiteX1" fmla="*/ 8559 w 10044"/>
-              <a:gd name="connsiteY1" fmla="*/ 188 h 9966"/>
-              <a:gd name="connsiteX2" fmla="*/ 8527 w 10044"/>
-              <a:gd name="connsiteY2" fmla="*/ 94 h 9966"/>
-              <a:gd name="connsiteX3" fmla="*/ 8438 w 10044"/>
-              <a:gd name="connsiteY3" fmla="*/ 0 h 9966"/>
-              <a:gd name="connsiteX4" fmla="*/ 7867 w 10044"/>
-              <a:gd name="connsiteY4" fmla="*/ 0 h 9966"/>
-              <a:gd name="connsiteX5" fmla="*/ 0 w 10044"/>
-              <a:gd name="connsiteY5" fmla="*/ 70 h 9966"/>
-              <a:gd name="connsiteX6" fmla="*/ 3132 w 10044"/>
-              <a:gd name="connsiteY6" fmla="*/ 9763 h 9966"/>
-              <a:gd name="connsiteX7" fmla="*/ 7867 w 10044"/>
-              <a:gd name="connsiteY7" fmla="*/ 9966 h 9966"/>
-              <a:gd name="connsiteX8" fmla="*/ 8438 w 10044"/>
-              <a:gd name="connsiteY8" fmla="*/ 9966 h 9966"/>
-              <a:gd name="connsiteX9" fmla="*/ 8527 w 10044"/>
-              <a:gd name="connsiteY9" fmla="*/ 9872 h 9966"/>
-              <a:gd name="connsiteX10" fmla="*/ 8559 w 10044"/>
-              <a:gd name="connsiteY10" fmla="*/ 9778 h 9966"/>
-              <a:gd name="connsiteX11" fmla="*/ 10000 w 10044"/>
-              <a:gd name="connsiteY11" fmla="*/ 5265 h 9966"/>
-              <a:gd name="connsiteX12" fmla="*/ 10000 w 10044"/>
-              <a:gd name="connsiteY12" fmla="*/ 4701 h 9966"/>
-              <a:gd name="connsiteX0" fmla="*/ 6839 w 6883"/>
-              <a:gd name="connsiteY0" fmla="*/ 4885 h 10168"/>
-              <a:gd name="connsiteX1" fmla="*/ 5405 w 6883"/>
-              <a:gd name="connsiteY1" fmla="*/ 357 h 10168"/>
-              <a:gd name="connsiteX2" fmla="*/ 5373 w 6883"/>
-              <a:gd name="connsiteY2" fmla="*/ 262 h 10168"/>
-              <a:gd name="connsiteX3" fmla="*/ 5284 w 6883"/>
-              <a:gd name="connsiteY3" fmla="*/ 168 h 10168"/>
-              <a:gd name="connsiteX4" fmla="*/ 4716 w 6883"/>
-              <a:gd name="connsiteY4" fmla="*/ 168 h 10168"/>
-              <a:gd name="connsiteX5" fmla="*/ 50 w 6883"/>
-              <a:gd name="connsiteY5" fmla="*/ 0 h 10168"/>
-              <a:gd name="connsiteX6" fmla="*/ 1 w 6883"/>
-              <a:gd name="connsiteY6" fmla="*/ 9964 h 10168"/>
-              <a:gd name="connsiteX7" fmla="*/ 4716 w 6883"/>
-              <a:gd name="connsiteY7" fmla="*/ 10168 h 10168"/>
-              <a:gd name="connsiteX8" fmla="*/ 5284 w 6883"/>
-              <a:gd name="connsiteY8" fmla="*/ 10168 h 10168"/>
-              <a:gd name="connsiteX9" fmla="*/ 5373 w 6883"/>
-              <a:gd name="connsiteY9" fmla="*/ 10074 h 10168"/>
-              <a:gd name="connsiteX10" fmla="*/ 5405 w 6883"/>
-              <a:gd name="connsiteY10" fmla="*/ 9979 h 10168"/>
-              <a:gd name="connsiteX11" fmla="*/ 6839 w 6883"/>
-              <a:gd name="connsiteY11" fmla="*/ 5451 h 10168"/>
-              <a:gd name="connsiteX12" fmla="*/ 6839 w 6883"/>
-              <a:gd name="connsiteY12" fmla="*/ 4885 h 10168"/>
+              <a:gd name="connsiteX0" fmla="*/ 0 w 1038036"/>
+              <a:gd name="connsiteY0" fmla="*/ 0 h 506277"/>
+              <a:gd name="connsiteX1" fmla="*/ 182880 w 1038036"/>
+              <a:gd name="connsiteY1" fmla="*/ 0 h 506277"/>
+              <a:gd name="connsiteX2" fmla="*/ 291705 w 1038036"/>
+              <a:gd name="connsiteY2" fmla="*/ 0 h 506277"/>
+              <a:gd name="connsiteX3" fmla="*/ 291705 w 1038036"/>
+              <a:gd name="connsiteY3" fmla="*/ 151 h 506277"/>
+              <a:gd name="connsiteX4" fmla="*/ 692049 w 1038036"/>
+              <a:gd name="connsiteY4" fmla="*/ 705 h 506277"/>
+              <a:gd name="connsiteX5" fmla="*/ 782744 w 1038036"/>
+              <a:gd name="connsiteY5" fmla="*/ 705 h 506277"/>
+              <a:gd name="connsiteX6" fmla="*/ 797001 w 1038036"/>
+              <a:gd name="connsiteY6" fmla="*/ 5473 h 506277"/>
+              <a:gd name="connsiteX7" fmla="*/ 801982 w 1038036"/>
+              <a:gd name="connsiteY7" fmla="*/ 10242 h 506277"/>
+              <a:gd name="connsiteX8" fmla="*/ 1030951 w 1038036"/>
+              <a:gd name="connsiteY8" fmla="*/ 239185 h 506277"/>
+              <a:gd name="connsiteX9" fmla="*/ 1030951 w 1038036"/>
+              <a:gd name="connsiteY9" fmla="*/ 267797 h 506277"/>
+              <a:gd name="connsiteX10" fmla="*/ 801982 w 1038036"/>
+              <a:gd name="connsiteY10" fmla="*/ 496740 h 506277"/>
+              <a:gd name="connsiteX11" fmla="*/ 797001 w 1038036"/>
+              <a:gd name="connsiteY11" fmla="*/ 501508 h 506277"/>
+              <a:gd name="connsiteX12" fmla="*/ 782744 w 1038036"/>
+              <a:gd name="connsiteY12" fmla="*/ 506277 h 506277"/>
+              <a:gd name="connsiteX13" fmla="*/ 692049 w 1038036"/>
+              <a:gd name="connsiteY13" fmla="*/ 506277 h 506277"/>
+              <a:gd name="connsiteX14" fmla="*/ 291705 w 1038036"/>
+              <a:gd name="connsiteY14" fmla="*/ 505140 h 506277"/>
+              <a:gd name="connsiteX15" fmla="*/ 291705 w 1038036"/>
+              <a:gd name="connsiteY15" fmla="*/ 506277 h 506277"/>
+              <a:gd name="connsiteX16" fmla="*/ 0 w 1038036"/>
+              <a:gd name="connsiteY16" fmla="*/ 506277 h 506277"/>
             </a:gdLst>
             <a:ahLst/>
             <a:cxnLst>
@@ -41038,104 +39839,87 @@
               <a:cxn ang="0">
                 <a:pos x="connsiteX12" y="connsiteY12"/>
               </a:cxn>
+              <a:cxn ang="0">
+                <a:pos x="connsiteX13" y="connsiteY13"/>
+              </a:cxn>
+              <a:cxn ang="0">
+                <a:pos x="connsiteX14" y="connsiteY14"/>
+              </a:cxn>
+              <a:cxn ang="0">
+                <a:pos x="connsiteX15" y="connsiteY15"/>
+              </a:cxn>
+              <a:cxn ang="0">
+                <a:pos x="connsiteX16" y="connsiteY16"/>
+              </a:cxn>
             </a:cxnLst>
             <a:rect l="l" t="t" r="r" b="b"/>
             <a:pathLst>
-              <a:path w="6883" h="10168">
+              <a:path w="1038036" h="506277">
                 <a:moveTo>
-                  <a:pt x="6839" y="4885"/>
+                  <a:pt x="0" y="0"/>
                 </a:moveTo>
                 <a:lnTo>
-                  <a:pt x="5405" y="357"/>
+                  <a:pt x="182880" y="0"/>
+                </a:lnTo>
+                <a:lnTo>
+                  <a:pt x="291705" y="0"/>
+                </a:lnTo>
+                <a:lnTo>
+                  <a:pt x="291705" y="151"/>
+                </a:lnTo>
+                <a:lnTo>
+                  <a:pt x="692049" y="705"/>
+                </a:lnTo>
+                <a:lnTo>
+                  <a:pt x="782744" y="705"/>
                 </a:lnTo>
                 <a:cubicBezTo>
-                  <a:pt x="5395" y="325"/>
-                  <a:pt x="5383" y="294"/>
-                  <a:pt x="5373" y="262"/>
+                  <a:pt x="787553" y="705"/>
+                  <a:pt x="792363" y="5473"/>
+                  <a:pt x="797001" y="5473"/>
                 </a:cubicBezTo>
                 <a:cubicBezTo>
-                  <a:pt x="5344" y="168"/>
-                  <a:pt x="5314" y="168"/>
-                  <a:pt x="5284" y="168"/>
+                  <a:pt x="797001" y="10242"/>
+                  <a:pt x="801982" y="10242"/>
+                  <a:pt x="801982" y="10242"/>
                 </a:cubicBezTo>
                 <a:lnTo>
-                  <a:pt x="4716" y="168"/>
+                  <a:pt x="1030951" y="239185"/>
+                </a:lnTo>
+                <a:cubicBezTo>
+                  <a:pt x="1040398" y="248722"/>
+                  <a:pt x="1040398" y="258259"/>
+                  <a:pt x="1030951" y="267797"/>
+                </a:cubicBezTo>
+                <a:lnTo>
+                  <a:pt x="801982" y="496740"/>
+                </a:lnTo>
+                <a:cubicBezTo>
+                  <a:pt x="800436" y="498363"/>
+                  <a:pt x="798547" y="499885"/>
+                  <a:pt x="797001" y="501508"/>
+                </a:cubicBezTo>
+                <a:cubicBezTo>
+                  <a:pt x="792363" y="506277"/>
+                  <a:pt x="787553" y="506277"/>
+                  <a:pt x="782744" y="506277"/>
+                </a:cubicBezTo>
+                <a:lnTo>
+                  <a:pt x="692049" y="506277"/>
                 </a:lnTo>
                 <a:lnTo>
-                  <a:pt x="50" y="0"/>
-                </a:lnTo>
-                <a:cubicBezTo>
-                  <a:pt x="59" y="3322"/>
-                  <a:pt x="-8" y="6643"/>
-                  <a:pt x="1" y="9964"/>
-                </a:cubicBezTo>
-                <a:lnTo>
-                  <a:pt x="4716" y="10168"/>
+                  <a:pt x="291705" y="505140"/>
                 </a:lnTo>
                 <a:lnTo>
-                  <a:pt x="5284" y="10168"/>
+                  <a:pt x="291705" y="506277"/>
                 </a:lnTo>
-                <a:cubicBezTo>
-                  <a:pt x="5314" y="10168"/>
-                  <a:pt x="5344" y="10074"/>
-                  <a:pt x="5373" y="10074"/>
-                </a:cubicBezTo>
-                <a:cubicBezTo>
-                  <a:pt x="5373" y="9979"/>
-                  <a:pt x="5405" y="9979"/>
-                  <a:pt x="5405" y="9979"/>
-                </a:cubicBezTo>
                 <a:lnTo>
-                  <a:pt x="6839" y="5451"/>
+                  <a:pt x="0" y="506277"/>
                 </a:lnTo>
-                <a:cubicBezTo>
-                  <a:pt x="6898" y="5262"/>
-                  <a:pt x="6898" y="5074"/>
-                  <a:pt x="6839" y="4885"/>
-                </a:cubicBezTo>
                 <a:close/>
               </a:path>
             </a:pathLst>
           </a:custGeom>
-          <a:solidFill>
-            <a:schemeClr val="accent1"/>
-          </a:solidFill>
-          <a:ln>
-            <a:noFill/>
-          </a:ln>
-        </p:spPr>
-      </p:sp>
-      <p:sp useBgFill="1">
-        <p:nvSpPr>
-          <p:cNvPr id="14" name="Rectangle 13">
-            <a:extLst>
-              <a:ext uri="{FF2B5EF4-FFF2-40B4-BE49-F238E27FC236}">
-                <a16:creationId xmlns:a16="http://schemas.microsoft.com/office/drawing/2014/main" id="{2C6246ED-0535-4496-A8F6-1E80CC4EB853}"/>
-              </a:ext>
-              <a:ext uri="{C183D7F6-B498-43B3-948B-1728B52AA6E4}">
-                <adec:decorative xmlns:adec="http://schemas.microsoft.com/office/drawing/2017/decorative" val="1"/>
-              </a:ext>
-            </a:extLst>
-          </p:cNvPr>
-          <p:cNvSpPr>
-            <a:spLocks noGrp="1" noRot="1" noChangeAspect="1" noMove="1" noResize="1" noEditPoints="1" noAdjustHandles="1" noChangeArrowheads="1" noChangeShapeType="1" noTextEdit="1"/>
-          </p:cNvSpPr>
-          <p:nvPr>
-            <p:extLst>
-              <p:ext uri="{386F3935-93C4-4BCD-93E2-E3B085C9AB24}">
-                <p16:designElem xmlns:p16="http://schemas.microsoft.com/office/powerpoint/2015/main" val="1"/>
-              </p:ext>
-            </p:extLst>
-          </p:nvPr>
-        </p:nvSpPr>
-        <p:spPr>
-          <a:xfrm>
-            <a:off x="4795736" y="0"/>
-            <a:ext cx="7396264" cy="6858000"/>
-          </a:xfrm>
-          <a:prstGeom prst="rect">
-            <a:avLst/>
-          </a:prstGeom>
           <a:ln>
             <a:noFill/>
           </a:ln>
@@ -41165,41 +39949,10 @@
           </a:p>
         </p:txBody>
       </p:sp>
-      <p:graphicFrame>
-        <p:nvGraphicFramePr>
-          <p:cNvPr id="5" name="Content Placeholder 2">
-            <a:extLst>
-              <a:ext uri="{FF2B5EF4-FFF2-40B4-BE49-F238E27FC236}">
-                <a16:creationId xmlns:a16="http://schemas.microsoft.com/office/drawing/2014/main" id="{89865526-1C9C-4F37-8C91-AAC40FF86930}"/>
-              </a:ext>
-            </a:extLst>
-          </p:cNvPr>
-          <p:cNvGraphicFramePr>
-            <a:graphicFrameLocks noGrp="1"/>
-          </p:cNvGraphicFramePr>
-          <p:nvPr>
-            <p:ph idx="1"/>
-            <p:extLst>
-              <p:ext uri="{D42A27DB-BD31-4B8C-83A1-F6EECF244321}">
-                <p14:modId xmlns:p14="http://schemas.microsoft.com/office/powerpoint/2010/main" val="2658538576"/>
-              </p:ext>
-            </p:extLst>
-          </p:nvPr>
-        </p:nvGraphicFramePr>
-        <p:xfrm>
-          <a:off x="4713144" y="641551"/>
-          <a:ext cx="6832212" cy="5264779"/>
-        </p:xfrm>
-        <a:graphic>
-          <a:graphicData uri="http://schemas.openxmlformats.org/drawingml/2006/diagram">
-            <dgm:relIds xmlns:dgm="http://schemas.openxmlformats.org/drawingml/2006/diagram" xmlns:r="http://schemas.openxmlformats.org/officeDocument/2006/relationships" r:dm="rId2" r:lo="rId3" r:qs="rId4" r:cs="rId5"/>
-          </a:graphicData>
-        </a:graphic>
-      </p:graphicFrame>
     </p:spTree>
     <p:extLst>
       <p:ext uri="{BB962C8B-B14F-4D97-AF65-F5344CB8AC3E}">
-        <p14:creationId xmlns:p14="http://schemas.microsoft.com/office/powerpoint/2010/main" val="2705017050"/>
+        <p14:creationId xmlns:p14="http://schemas.microsoft.com/office/powerpoint/2010/main" val="1144523152"/>
       </p:ext>
     </p:extLst>
   </p:cSld>
@@ -41745,4 +40498,10 @@
     </a:ext>
   </a:extLst>
 </a:theme>
+</file>
+
+<file path=docMetadata/LabelInfo.xml><?xml version="1.0" encoding="utf-8"?>
+<clbl:labelList xmlns:clbl="http://schemas.microsoft.com/office/2020/mipLabelMetadata">
+  <clbl:label id="{f42aa342-8706-4288-bd11-ebb85995028c}" enabled="1" method="Privileged" siteId="{72f988bf-86f1-41af-91ab-2d7cd011db47}" removed="0"/>
+</clbl:labelList>
 </file>
--- a/Cloud/Design Principle.pptx
+++ b/Cloud/Design Principle.pptx
@@ -7747,7 +7747,7 @@
 <dgm:dataModel xmlns:dgm="http://schemas.openxmlformats.org/drawingml/2006/diagram" xmlns:a="http://schemas.openxmlformats.org/drawingml/2006/main">
   <dgm:ptLst>
     <dgm:pt modelId="{62D447AB-99AC-4535-937E-78E12F99AD11}" type="doc">
-      <dgm:prSet loTypeId="urn:microsoft.com/office/officeart/2005/8/layout/list1" loCatId="list" qsTypeId="urn:microsoft.com/office/officeart/2005/8/quickstyle/simple4" qsCatId="simple" csTypeId="urn:microsoft.com/office/officeart/2005/8/colors/accent2_2" csCatId="accent2"/>
+      <dgm:prSet loTypeId="urn:microsoft.com/office/officeart/2005/8/layout/list1" loCatId="list" qsTypeId="urn:microsoft.com/office/officeart/2005/8/quickstyle/simple4" qsCatId="simple" csTypeId="urn:microsoft.com/office/officeart/2005/8/colors/accent2_2" csCatId="accent2" phldr="1"/>
       <dgm:spPr/>
       <dgm:t>
         <a:bodyPr/>
@@ -7801,8 +7801,8 @@
         <a:lstStyle/>
         <a:p>
           <a:r>
-            <a:rPr lang="en-US"/>
-            <a:t>OLTP table limit as 100-200GB and 10 million rows.</a:t>
+            <a:rPr lang="en-US" dirty="0"/>
+            <a:t>OLTP table limit as 300-500GB and 10 million rows.</a:t>
           </a:r>
         </a:p>
       </dgm:t>
@@ -8053,7 +8053,7 @@
         <a:lstStyle/>
         <a:p>
           <a:r>
-            <a:rPr lang="en-US"/>
+            <a:rPr lang="en-US" dirty="0"/>
             <a:t>Relational ? Read only? Batch? Streaming?</a:t>
           </a:r>
         </a:p>
@@ -11965,8 +11965,8 @@
             <a:buChar char="•"/>
           </a:pPr>
           <a:r>
-            <a:rPr lang="en-US" sz="1900" kern="1200"/>
-            <a:t>OLTP table limit as 100-200GB and 10 million rows.</a:t>
+            <a:rPr lang="en-US" sz="1900" kern="1200" dirty="0"/>
+            <a:t>OLTP table limit as 300-500GB and 10 million rows.</a:t>
           </a:r>
         </a:p>
         <a:p>
@@ -12487,7 +12487,7 @@
             <a:buChar char="•"/>
           </a:pPr>
           <a:r>
-            <a:rPr lang="en-US" sz="1900" kern="1200"/>
+            <a:rPr lang="en-US" sz="1900" kern="1200" dirty="0"/>
             <a:t>Relational ? Read only? Batch? Streaming?</a:t>
           </a:r>
         </a:p>
@@ -22952,7 +22952,7 @@
           <a:p>
             <a:fld id="{AFCD47C7-CE9A-47E3-873C-B88942A7EEC6}" type="datetimeFigureOut">
               <a:rPr lang="en-US" smtClean="0"/>
-              <a:t>1/18/2022</a:t>
+              <a:t>10/17/2023</a:t>
             </a:fld>
             <a:endParaRPr lang="en-US"/>
           </a:p>
@@ -23576,7 +23576,7 @@
             <a:fld id="{B61BEF0D-F0BB-DE4B-95CE-6DB70DBA9567}" type="datetimeFigureOut">
               <a:rPr lang="en-US" dirty="0"/>
               <a:pPr/>
-              <a:t>1/18/2022</a:t>
+              <a:t>10/17/2023</a:t>
             </a:fld>
             <a:endParaRPr lang="en-US" dirty="0"/>
           </a:p>
@@ -23911,7 +23911,7 @@
             <a:fld id="{B61BEF0D-F0BB-DE4B-95CE-6DB70DBA9567}" type="datetimeFigureOut">
               <a:rPr lang="en-US" dirty="0"/>
               <a:pPr/>
-              <a:t>1/18/2022</a:t>
+              <a:t>10/17/2023</a:t>
             </a:fld>
             <a:endParaRPr lang="en-US" dirty="0"/>
           </a:p>
@@ -24309,7 +24309,7 @@
             <a:fld id="{B61BEF0D-F0BB-DE4B-95CE-6DB70DBA9567}" type="datetimeFigureOut">
               <a:rPr lang="en-US" dirty="0"/>
               <a:pPr/>
-              <a:t>1/18/2022</a:t>
+              <a:t>10/17/2023</a:t>
             </a:fld>
             <a:endParaRPr lang="en-US" dirty="0"/>
           </a:p>
@@ -24642,7 +24642,7 @@
             <a:fld id="{B61BEF0D-F0BB-DE4B-95CE-6DB70DBA9567}" type="datetimeFigureOut">
               <a:rPr lang="en-US" dirty="0"/>
               <a:pPr/>
-              <a:t>1/18/2022</a:t>
+              <a:t>10/17/2023</a:t>
             </a:fld>
             <a:endParaRPr lang="en-US" dirty="0"/>
           </a:p>
@@ -24959,7 +24959,7 @@
             <a:fld id="{B61BEF0D-F0BB-DE4B-95CE-6DB70DBA9567}" type="datetimeFigureOut">
               <a:rPr lang="en-US" dirty="0"/>
               <a:pPr/>
-              <a:t>1/18/2022</a:t>
+              <a:t>10/17/2023</a:t>
             </a:fld>
             <a:endParaRPr lang="en-US" dirty="0"/>
           </a:p>
@@ -25352,7 +25352,7 @@
             <a:fld id="{B61BEF0D-F0BB-DE4B-95CE-6DB70DBA9567}" type="datetimeFigureOut">
               <a:rPr lang="en-US" dirty="0"/>
               <a:pPr/>
-              <a:t>1/18/2022</a:t>
+              <a:t>10/17/2023</a:t>
             </a:fld>
             <a:endParaRPr lang="en-US" dirty="0"/>
           </a:p>
@@ -25606,7 +25606,7 @@
             <a:fld id="{B61BEF0D-F0BB-DE4B-95CE-6DB70DBA9567}" type="datetimeFigureOut">
               <a:rPr lang="en-US" dirty="0"/>
               <a:pPr/>
-              <a:t>1/18/2022</a:t>
+              <a:t>10/17/2023</a:t>
             </a:fld>
             <a:endParaRPr lang="en-US" dirty="0"/>
           </a:p>
@@ -25865,7 +25865,7 @@
             <a:fld id="{B61BEF0D-F0BB-DE4B-95CE-6DB70DBA9567}" type="datetimeFigureOut">
               <a:rPr lang="en-US" dirty="0"/>
               <a:pPr/>
-              <a:t>1/18/2022</a:t>
+              <a:t>10/17/2023</a:t>
             </a:fld>
             <a:endParaRPr lang="en-US" dirty="0"/>
           </a:p>
@@ -26124,7 +26124,7 @@
             <a:fld id="{B61BEF0D-F0BB-DE4B-95CE-6DB70DBA9567}" type="datetimeFigureOut">
               <a:rPr lang="en-US" dirty="0"/>
               <a:pPr/>
-              <a:t>1/18/2022</a:t>
+              <a:t>10/17/2023</a:t>
             </a:fld>
             <a:endParaRPr lang="en-US" dirty="0"/>
           </a:p>
@@ -26450,7 +26450,7 @@
             <a:fld id="{B61BEF0D-F0BB-DE4B-95CE-6DB70DBA9567}" type="datetimeFigureOut">
               <a:rPr lang="en-US" dirty="0"/>
               <a:pPr/>
-              <a:t>1/18/2022</a:t>
+              <a:t>10/17/2023</a:t>
             </a:fld>
             <a:endParaRPr lang="en-US" dirty="0"/>
           </a:p>
@@ -26770,7 +26770,7 @@
             <a:fld id="{B61BEF0D-F0BB-DE4B-95CE-6DB70DBA9567}" type="datetimeFigureOut">
               <a:rPr lang="en-US" dirty="0"/>
               <a:pPr/>
-              <a:t>1/18/2022</a:t>
+              <a:t>10/17/2023</a:t>
             </a:fld>
             <a:endParaRPr lang="en-US" dirty="0"/>
           </a:p>
@@ -27224,7 +27224,7 @@
             <a:fld id="{B61BEF0D-F0BB-DE4B-95CE-6DB70DBA9567}" type="datetimeFigureOut">
               <a:rPr lang="en-US" dirty="0"/>
               <a:pPr/>
-              <a:t>1/18/2022</a:t>
+              <a:t>10/17/2023</a:t>
             </a:fld>
             <a:endParaRPr lang="en-US" dirty="0"/>
           </a:p>
@@ -27426,7 +27426,7 @@
             <a:fld id="{B61BEF0D-F0BB-DE4B-95CE-6DB70DBA9567}" type="datetimeFigureOut">
               <a:rPr lang="en-US" dirty="0"/>
               <a:pPr/>
-              <a:t>1/18/2022</a:t>
+              <a:t>10/17/2023</a:t>
             </a:fld>
             <a:endParaRPr lang="en-US" dirty="0"/>
           </a:p>
@@ -27600,7 +27600,7 @@
             <a:fld id="{B61BEF0D-F0BB-DE4B-95CE-6DB70DBA9567}" type="datetimeFigureOut">
               <a:rPr lang="en-US" dirty="0"/>
               <a:pPr/>
-              <a:t>1/18/2022</a:t>
+              <a:t>10/17/2023</a:t>
             </a:fld>
             <a:endParaRPr lang="en-US" dirty="0"/>
           </a:p>
@@ -27930,7 +27930,7 @@
             <a:fld id="{B61BEF0D-F0BB-DE4B-95CE-6DB70DBA9567}" type="datetimeFigureOut">
               <a:rPr lang="en-US" dirty="0"/>
               <a:pPr/>
-              <a:t>1/18/2022</a:t>
+              <a:t>10/17/2023</a:t>
             </a:fld>
             <a:endParaRPr lang="en-US" dirty="0"/>
           </a:p>
@@ -28272,7 +28272,7 @@
             <a:fld id="{B61BEF0D-F0BB-DE4B-95CE-6DB70DBA9567}" type="datetimeFigureOut">
               <a:rPr lang="en-US" dirty="0"/>
               <a:pPr/>
-              <a:t>1/18/2022</a:t>
+              <a:t>10/17/2023</a:t>
             </a:fld>
             <a:endParaRPr lang="en-US" dirty="0"/>
           </a:p>
@@ -30386,7 +30386,7 @@
             <a:fld id="{B61BEF0D-F0BB-DE4B-95CE-6DB70DBA9567}" type="datetimeFigureOut">
               <a:rPr lang="en-US" dirty="0"/>
               <a:pPr/>
-              <a:t>1/18/2022</a:t>
+              <a:t>10/17/2023</a:t>
             </a:fld>
             <a:endParaRPr lang="en-US" dirty="0"/>
           </a:p>
@@ -31305,6 +31305,13 @@
             <a:noFill/>
           </a:ln>
         </p:spPr>
+        <p:txBody>
+          <a:bodyPr/>
+          <a:lstStyle/>
+          <a:p>
+            <a:endParaRPr lang="en-US"/>
+          </a:p>
+        </p:txBody>
       </p:sp>
       <p:sp useBgFill="1">
         <p:nvSpPr>
@@ -31914,6 +31921,13 @@
             <a:noFill/>
           </a:ln>
         </p:spPr>
+        <p:txBody>
+          <a:bodyPr/>
+          <a:lstStyle/>
+          <a:p>
+            <a:endParaRPr lang="en-US"/>
+          </a:p>
+        </p:txBody>
       </p:sp>
       <p:sp useBgFill="1">
         <p:nvSpPr>
@@ -31991,7 +32005,7 @@
             <p:ph idx="1"/>
             <p:extLst>
               <p:ext uri="{D42A27DB-BD31-4B8C-83A1-F6EECF244321}">
-                <p14:modId xmlns:p14="http://schemas.microsoft.com/office/powerpoint/2010/main" val="3851862143"/>
+                <p14:modId xmlns:p14="http://schemas.microsoft.com/office/powerpoint/2010/main" val="1866590029"/>
               </p:ext>
             </p:extLst>
           </p:nvPr>
@@ -32355,6 +32369,13 @@
             <a:noFill/>
           </a:ln>
         </p:spPr>
+        <p:txBody>
+          <a:bodyPr/>
+          <a:lstStyle/>
+          <a:p>
+            <a:endParaRPr lang="en-US"/>
+          </a:p>
+        </p:txBody>
       </p:sp>
       <p:sp useBgFill="1">
         <p:nvSpPr>
@@ -32796,6 +32817,13 @@
             <a:noFill/>
           </a:ln>
         </p:spPr>
+        <p:txBody>
+          <a:bodyPr/>
+          <a:lstStyle/>
+          <a:p>
+            <a:endParaRPr lang="en-US"/>
+          </a:p>
+        </p:txBody>
       </p:sp>
       <p:sp useBgFill="1">
         <p:nvSpPr>
@@ -33159,6 +33187,13 @@
             <a:schemeClr val="lt1"/>
           </a:fontRef>
         </p:style>
+        <p:txBody>
+          <a:bodyPr/>
+          <a:lstStyle/>
+          <a:p>
+            <a:endParaRPr lang="en-US"/>
+          </a:p>
+        </p:txBody>
       </p:sp>
       <p:pic>
         <p:nvPicPr>
@@ -33626,14 +33661,14 @@
           <a:lstStyle/>
           <a:p>
             <a:r>
-              <a:rPr lang="en-US" b="1">
+              <a:rPr lang="en-US" b="1" dirty="0">
                 <a:solidFill>
                   <a:srgbClr val="FEFFFF"/>
                 </a:solidFill>
               </a:rPr>
               <a:t>Step 1: Requirements clarifications</a:t>
             </a:r>
-            <a:endParaRPr lang="en-US">
+            <a:endParaRPr lang="en-US" dirty="0">
               <a:solidFill>
                 <a:srgbClr val="FEFFFF"/>
               </a:solidFill>
@@ -33641,14 +33676,14 @@
           </a:p>
           <a:p>
             <a:r>
-              <a:rPr lang="en-US" b="1">
+              <a:rPr lang="en-US" b="1" dirty="0">
                 <a:solidFill>
                   <a:srgbClr val="FEFFFF"/>
                 </a:solidFill>
               </a:rPr>
               <a:t>Step 2: System interface definition</a:t>
             </a:r>
-            <a:endParaRPr lang="en-US">
+            <a:endParaRPr lang="en-US" dirty="0">
               <a:solidFill>
                 <a:srgbClr val="FEFFFF"/>
               </a:solidFill>
@@ -33656,7 +33691,7 @@
           </a:p>
           <a:p>
             <a:r>
-              <a:rPr lang="en-US" b="1">
+              <a:rPr lang="en-US" b="1" dirty="0">
                 <a:solidFill>
                   <a:srgbClr val="FEFFFF"/>
                 </a:solidFill>
@@ -33666,14 +33701,14 @@
           </a:p>
           <a:p>
             <a:r>
-              <a:rPr lang="en-US" b="1">
+              <a:rPr lang="en-US" b="1" dirty="0">
                 <a:solidFill>
                   <a:srgbClr val="FEFFFF"/>
                 </a:solidFill>
               </a:rPr>
               <a:t>Step 4: Defining data model</a:t>
             </a:r>
-            <a:endParaRPr lang="en-US">
+            <a:endParaRPr lang="en-US" dirty="0">
               <a:solidFill>
                 <a:srgbClr val="FEFFFF"/>
               </a:solidFill>
@@ -33681,14 +33716,14 @@
           </a:p>
           <a:p>
             <a:r>
-              <a:rPr lang="en-US" b="1">
+              <a:rPr lang="en-US" b="1" dirty="0">
                 <a:solidFill>
                   <a:srgbClr val="FEFFFF"/>
                 </a:solidFill>
               </a:rPr>
               <a:t>Step 5: High-level design</a:t>
             </a:r>
-            <a:endParaRPr lang="en-US">
+            <a:endParaRPr lang="en-US" dirty="0">
               <a:solidFill>
                 <a:srgbClr val="FEFFFF"/>
               </a:solidFill>
@@ -33696,14 +33731,14 @@
           </a:p>
           <a:p>
             <a:r>
-              <a:rPr lang="en-US" b="1">
+              <a:rPr lang="en-US" b="1" dirty="0">
                 <a:solidFill>
                   <a:srgbClr val="FEFFFF"/>
                 </a:solidFill>
               </a:rPr>
               <a:t>Step 6: Detailed design</a:t>
             </a:r>
-            <a:endParaRPr lang="en-US">
+            <a:endParaRPr lang="en-US" dirty="0">
               <a:solidFill>
                 <a:srgbClr val="FEFFFF"/>
               </a:solidFill>
@@ -33711,14 +33746,14 @@
           </a:p>
           <a:p>
             <a:r>
-              <a:rPr lang="en-US" b="1">
+              <a:rPr lang="en-US" b="1" dirty="0">
                 <a:solidFill>
                   <a:srgbClr val="FEFFFF"/>
                 </a:solidFill>
               </a:rPr>
               <a:t>Step 7: Identifying and resolving bottlenecks</a:t>
             </a:r>
-            <a:endParaRPr lang="en-US">
+            <a:endParaRPr lang="en-US" dirty="0">
               <a:solidFill>
                 <a:srgbClr val="FEFFFF"/>
               </a:solidFill>
@@ -33728,14 +33763,14 @@
             <a:pPr marL="0" indent="0">
               <a:buNone/>
             </a:pPr>
-            <a:endParaRPr lang="en-US">
+            <a:endParaRPr lang="en-US" dirty="0">
               <a:solidFill>
                 <a:srgbClr val="FEFFFF"/>
               </a:solidFill>
             </a:endParaRPr>
           </a:p>
           <a:p>
-            <a:endParaRPr lang="en-US">
+            <a:endParaRPr lang="en-US" dirty="0">
               <a:solidFill>
                 <a:srgbClr val="FEFFFF"/>
               </a:solidFill>
@@ -33948,6 +33983,13 @@
             <a:schemeClr val="lt1"/>
           </a:fontRef>
         </p:style>
+        <p:txBody>
+          <a:bodyPr/>
+          <a:lstStyle/>
+          <a:p>
+            <a:endParaRPr lang="en-US"/>
+          </a:p>
+        </p:txBody>
       </p:sp>
       <p:sp>
         <p:nvSpPr>
@@ -34047,6 +34089,13 @@
             <a:noFill/>
           </a:ln>
         </p:spPr>
+        <p:txBody>
+          <a:bodyPr/>
+          <a:lstStyle/>
+          <a:p>
+            <a:endParaRPr lang="en-US"/>
+          </a:p>
+        </p:txBody>
       </p:sp>
       <p:graphicFrame>
         <p:nvGraphicFramePr>
@@ -35277,6 +35326,13 @@
             <a:noFill/>
           </a:ln>
         </p:spPr>
+        <p:txBody>
+          <a:bodyPr/>
+          <a:lstStyle/>
+          <a:p>
+            <a:endParaRPr lang="en-US"/>
+          </a:p>
+        </p:txBody>
       </p:sp>
       <p:sp useBgFill="1">
         <p:nvSpPr>
@@ -35531,6 +35587,13 @@
               <a:noFill/>
             </a:ln>
           </p:spPr>
+          <p:txBody>
+            <a:bodyPr/>
+            <a:lstStyle/>
+            <a:p>
+              <a:endParaRPr lang="en-US"/>
+            </a:p>
+          </p:txBody>
         </p:sp>
         <p:sp>
           <p:nvSpPr>
@@ -35612,6 +35675,13 @@
               <a:noFill/>
             </a:ln>
           </p:spPr>
+          <p:txBody>
+            <a:bodyPr/>
+            <a:lstStyle/>
+            <a:p>
+              <a:endParaRPr lang="en-US"/>
+            </a:p>
+          </p:txBody>
         </p:sp>
         <p:sp>
           <p:nvSpPr>
@@ -35698,6 +35768,13 @@
               <a:noFill/>
             </a:ln>
           </p:spPr>
+          <p:txBody>
+            <a:bodyPr/>
+            <a:lstStyle/>
+            <a:p>
+              <a:endParaRPr lang="en-US"/>
+            </a:p>
+          </p:txBody>
         </p:sp>
         <p:sp>
           <p:nvSpPr>
@@ -35764,6 +35841,13 @@
               <a:noFill/>
             </a:ln>
           </p:spPr>
+          <p:txBody>
+            <a:bodyPr/>
+            <a:lstStyle/>
+            <a:p>
+              <a:endParaRPr lang="en-US"/>
+            </a:p>
+          </p:txBody>
         </p:sp>
         <p:sp>
           <p:nvSpPr>
@@ -35865,6 +35949,13 @@
               <a:noFill/>
             </a:ln>
           </p:spPr>
+          <p:txBody>
+            <a:bodyPr/>
+            <a:lstStyle/>
+            <a:p>
+              <a:endParaRPr lang="en-US"/>
+            </a:p>
+          </p:txBody>
         </p:sp>
         <p:sp>
           <p:nvSpPr>
@@ -35961,6 +36052,13 @@
               <a:noFill/>
             </a:ln>
           </p:spPr>
+          <p:txBody>
+            <a:bodyPr/>
+            <a:lstStyle/>
+            <a:p>
+              <a:endParaRPr lang="en-US"/>
+            </a:p>
+          </p:txBody>
         </p:sp>
         <p:sp>
           <p:nvSpPr>
@@ -36037,6 +36135,13 @@
               <a:noFill/>
             </a:ln>
           </p:spPr>
+          <p:txBody>
+            <a:bodyPr/>
+            <a:lstStyle/>
+            <a:p>
+              <a:endParaRPr lang="en-US"/>
+            </a:p>
+          </p:txBody>
         </p:sp>
         <p:sp>
           <p:nvSpPr>
@@ -36133,6 +36238,13 @@
               <a:noFill/>
             </a:ln>
           </p:spPr>
+          <p:txBody>
+            <a:bodyPr/>
+            <a:lstStyle/>
+            <a:p>
+              <a:endParaRPr lang="en-US"/>
+            </a:p>
+          </p:txBody>
         </p:sp>
         <p:sp>
           <p:nvSpPr>
@@ -36264,6 +36376,13 @@
               <a:noFill/>
             </a:ln>
           </p:spPr>
+          <p:txBody>
+            <a:bodyPr/>
+            <a:lstStyle/>
+            <a:p>
+              <a:endParaRPr lang="en-US"/>
+            </a:p>
+          </p:txBody>
         </p:sp>
         <p:sp>
           <p:nvSpPr>
@@ -36330,6 +36449,13 @@
               <a:noFill/>
             </a:ln>
           </p:spPr>
+          <p:txBody>
+            <a:bodyPr/>
+            <a:lstStyle/>
+            <a:p>
+              <a:endParaRPr lang="en-US"/>
+            </a:p>
+          </p:txBody>
         </p:sp>
         <p:sp>
           <p:nvSpPr>
@@ -36406,6 +36532,13 @@
               <a:noFill/>
             </a:ln>
           </p:spPr>
+          <p:txBody>
+            <a:bodyPr/>
+            <a:lstStyle/>
+            <a:p>
+              <a:endParaRPr lang="en-US"/>
+            </a:p>
+          </p:txBody>
         </p:sp>
         <p:sp>
           <p:nvSpPr>
@@ -36492,6 +36625,13 @@
               <a:noFill/>
             </a:ln>
           </p:spPr>
+          <p:txBody>
+            <a:bodyPr/>
+            <a:lstStyle/>
+            <a:p>
+              <a:endParaRPr lang="en-US"/>
+            </a:p>
+          </p:txBody>
         </p:sp>
       </p:grpSp>
       <p:grpSp>
@@ -36643,6 +36783,13 @@
               <a:noFill/>
             </a:ln>
           </p:spPr>
+          <p:txBody>
+            <a:bodyPr/>
+            <a:lstStyle/>
+            <a:p>
+              <a:endParaRPr lang="en-US"/>
+            </a:p>
+          </p:txBody>
         </p:sp>
         <p:sp>
           <p:nvSpPr>
@@ -36727,6 +36874,13 @@
               <a:noFill/>
             </a:ln>
           </p:spPr>
+          <p:txBody>
+            <a:bodyPr/>
+            <a:lstStyle/>
+            <a:p>
+              <a:endParaRPr lang="en-US"/>
+            </a:p>
+          </p:txBody>
         </p:sp>
         <p:sp>
           <p:nvSpPr>
@@ -36811,6 +36965,13 @@
               <a:noFill/>
             </a:ln>
           </p:spPr>
+          <p:txBody>
+            <a:bodyPr/>
+            <a:lstStyle/>
+            <a:p>
+              <a:endParaRPr lang="en-US"/>
+            </a:p>
+          </p:txBody>
         </p:sp>
         <p:sp>
           <p:nvSpPr>
@@ -36910,6 +37071,13 @@
               <a:noFill/>
             </a:ln>
           </p:spPr>
+          <p:txBody>
+            <a:bodyPr/>
+            <a:lstStyle/>
+            <a:p>
+              <a:endParaRPr lang="en-US"/>
+            </a:p>
+          </p:txBody>
         </p:sp>
         <p:sp>
           <p:nvSpPr>
@@ -37019,6 +37187,13 @@
               <a:noFill/>
             </a:ln>
           </p:spPr>
+          <p:txBody>
+            <a:bodyPr/>
+            <a:lstStyle/>
+            <a:p>
+              <a:endParaRPr lang="en-US"/>
+            </a:p>
+          </p:txBody>
         </p:sp>
         <p:sp>
           <p:nvSpPr>
@@ -37083,6 +37258,13 @@
               <a:noFill/>
             </a:ln>
           </p:spPr>
+          <p:txBody>
+            <a:bodyPr/>
+            <a:lstStyle/>
+            <a:p>
+              <a:endParaRPr lang="en-US"/>
+            </a:p>
+          </p:txBody>
         </p:sp>
         <p:sp>
           <p:nvSpPr>
@@ -37162,6 +37344,13 @@
               <a:noFill/>
             </a:ln>
           </p:spPr>
+          <p:txBody>
+            <a:bodyPr/>
+            <a:lstStyle/>
+            <a:p>
+              <a:endParaRPr lang="en-US"/>
+            </a:p>
+          </p:txBody>
         </p:sp>
         <p:sp>
           <p:nvSpPr>
@@ -37286,6 +37475,13 @@
               <a:noFill/>
             </a:ln>
           </p:spPr>
+          <p:txBody>
+            <a:bodyPr/>
+            <a:lstStyle/>
+            <a:p>
+              <a:endParaRPr lang="en-US"/>
+            </a:p>
+          </p:txBody>
         </p:sp>
         <p:sp>
           <p:nvSpPr>
@@ -37350,6 +37546,13 @@
               <a:noFill/>
             </a:ln>
           </p:spPr>
+          <p:txBody>
+            <a:bodyPr/>
+            <a:lstStyle/>
+            <a:p>
+              <a:endParaRPr lang="en-US"/>
+            </a:p>
+          </p:txBody>
         </p:sp>
         <p:sp>
           <p:nvSpPr>
@@ -37434,6 +37637,13 @@
               <a:noFill/>
             </a:ln>
           </p:spPr>
+          <p:txBody>
+            <a:bodyPr/>
+            <a:lstStyle/>
+            <a:p>
+              <a:endParaRPr lang="en-US"/>
+            </a:p>
+          </p:txBody>
         </p:sp>
         <p:sp>
           <p:nvSpPr>
@@ -37513,6 +37723,13 @@
               <a:noFill/>
             </a:ln>
           </p:spPr>
+          <p:txBody>
+            <a:bodyPr/>
+            <a:lstStyle/>
+            <a:p>
+              <a:endParaRPr lang="en-US"/>
+            </a:p>
+          </p:txBody>
         </p:sp>
         <p:sp>
           <p:nvSpPr>
@@ -37597,6 +37814,13 @@
               <a:noFill/>
             </a:ln>
           </p:spPr>
+          <p:txBody>
+            <a:bodyPr/>
+            <a:lstStyle/>
+            <a:p>
+              <a:endParaRPr lang="en-US"/>
+            </a:p>
+          </p:txBody>
         </p:sp>
       </p:grpSp>
       <p:sp>
@@ -37652,6 +37876,13 @@
             <a:schemeClr val="lt1"/>
           </a:fontRef>
         </p:style>
+        <p:txBody>
+          <a:bodyPr/>
+          <a:lstStyle/>
+          <a:p>
+            <a:endParaRPr lang="en-US"/>
+          </a:p>
+        </p:txBody>
       </p:sp>
       <p:sp>
         <p:nvSpPr>
@@ -37751,6 +37982,13 @@
             <a:noFill/>
           </a:ln>
         </p:spPr>
+        <p:txBody>
+          <a:bodyPr/>
+          <a:lstStyle/>
+          <a:p>
+            <a:endParaRPr lang="en-US"/>
+          </a:p>
+        </p:txBody>
       </p:sp>
       <p:sp useBgFill="1">
         <p:nvSpPr>
@@ -37900,6 +38138,13 @@
             <a:schemeClr val="lt1"/>
           </a:fontRef>
         </p:style>
+        <p:txBody>
+          <a:bodyPr/>
+          <a:lstStyle/>
+          <a:p>
+            <a:endParaRPr lang="en-US"/>
+          </a:p>
+        </p:txBody>
       </p:sp>
       <p:sp>
         <p:nvSpPr>
@@ -38755,6 +39000,13 @@
             <a:schemeClr val="lt1"/>
           </a:fontRef>
         </p:style>
+        <p:txBody>
+          <a:bodyPr/>
+          <a:lstStyle/>
+          <a:p>
+            <a:endParaRPr lang="en-US"/>
+          </a:p>
+        </p:txBody>
       </p:sp>
       <p:sp>
         <p:nvSpPr>
@@ -39610,6 +39862,13 @@
             <a:schemeClr val="lt1"/>
           </a:fontRef>
         </p:style>
+        <p:txBody>
+          <a:bodyPr/>
+          <a:lstStyle/>
+          <a:p>
+            <a:endParaRPr lang="en-US"/>
+          </a:p>
+        </p:txBody>
       </p:sp>
       <p:sp>
         <p:nvSpPr>

--- a/Cloud/Design Principle.pptx
+++ b/Cloud/Design Principle.pptx
@@ -5,23 +5,28 @@
     <p:sldMasterId id="2147483648" r:id="rId1"/>
   </p:sldMasterIdLst>
   <p:notesMasterIdLst>
-    <p:notesMasterId r:id="rId16"/>
+    <p:notesMasterId r:id="rId21"/>
   </p:notesMasterIdLst>
   <p:sldIdLst>
     <p:sldId id="256" r:id="rId2"/>
     <p:sldId id="258" r:id="rId3"/>
     <p:sldId id="257" r:id="rId4"/>
     <p:sldId id="270" r:id="rId5"/>
-    <p:sldId id="259" r:id="rId6"/>
-    <p:sldId id="261" r:id="rId7"/>
-    <p:sldId id="262" r:id="rId8"/>
-    <p:sldId id="267" r:id="rId9"/>
-    <p:sldId id="268" r:id="rId10"/>
-    <p:sldId id="263" r:id="rId11"/>
-    <p:sldId id="264" r:id="rId12"/>
-    <p:sldId id="265" r:id="rId13"/>
-    <p:sldId id="269" r:id="rId14"/>
-    <p:sldId id="266" r:id="rId15"/>
+    <p:sldId id="271" r:id="rId6"/>
+    <p:sldId id="274" r:id="rId7"/>
+    <p:sldId id="275" r:id="rId8"/>
+    <p:sldId id="273" r:id="rId9"/>
+    <p:sldId id="276" r:id="rId10"/>
+    <p:sldId id="259" r:id="rId11"/>
+    <p:sldId id="261" r:id="rId12"/>
+    <p:sldId id="262" r:id="rId13"/>
+    <p:sldId id="267" r:id="rId14"/>
+    <p:sldId id="268" r:id="rId15"/>
+    <p:sldId id="263" r:id="rId16"/>
+    <p:sldId id="264" r:id="rId17"/>
+    <p:sldId id="265" r:id="rId18"/>
+    <p:sldId id="269" r:id="rId19"/>
+    <p:sldId id="266" r:id="rId20"/>
   </p:sldIdLst>
   <p:sldSz cx="12192000" cy="6858000"/>
   <p:notesSz cx="6858000" cy="9144000"/>
@@ -22952,7 +22957,7 @@
           <a:p>
             <a:fld id="{AFCD47C7-CE9A-47E3-873C-B88942A7EEC6}" type="datetimeFigureOut">
               <a:rPr lang="en-US" smtClean="0"/>
-              <a:t>10/17/2023</a:t>
+              <a:t>10/28/2023</a:t>
             </a:fld>
             <a:endParaRPr lang="en-US"/>
           </a:p>
@@ -23576,7 +23581,7 @@
             <a:fld id="{B61BEF0D-F0BB-DE4B-95CE-6DB70DBA9567}" type="datetimeFigureOut">
               <a:rPr lang="en-US" dirty="0"/>
               <a:pPr/>
-              <a:t>10/17/2023</a:t>
+              <a:t>10/28/2023</a:t>
             </a:fld>
             <a:endParaRPr lang="en-US" dirty="0"/>
           </a:p>
@@ -23911,7 +23916,7 @@
             <a:fld id="{B61BEF0D-F0BB-DE4B-95CE-6DB70DBA9567}" type="datetimeFigureOut">
               <a:rPr lang="en-US" dirty="0"/>
               <a:pPr/>
-              <a:t>10/17/2023</a:t>
+              <a:t>10/28/2023</a:t>
             </a:fld>
             <a:endParaRPr lang="en-US" dirty="0"/>
           </a:p>
@@ -24309,7 +24314,7 @@
             <a:fld id="{B61BEF0D-F0BB-DE4B-95CE-6DB70DBA9567}" type="datetimeFigureOut">
               <a:rPr lang="en-US" dirty="0"/>
               <a:pPr/>
-              <a:t>10/17/2023</a:t>
+              <a:t>10/28/2023</a:t>
             </a:fld>
             <a:endParaRPr lang="en-US" dirty="0"/>
           </a:p>
@@ -24642,7 +24647,7 @@
             <a:fld id="{B61BEF0D-F0BB-DE4B-95CE-6DB70DBA9567}" type="datetimeFigureOut">
               <a:rPr lang="en-US" dirty="0"/>
               <a:pPr/>
-              <a:t>10/17/2023</a:t>
+              <a:t>10/28/2023</a:t>
             </a:fld>
             <a:endParaRPr lang="en-US" dirty="0"/>
           </a:p>
@@ -24959,7 +24964,7 @@
             <a:fld id="{B61BEF0D-F0BB-DE4B-95CE-6DB70DBA9567}" type="datetimeFigureOut">
               <a:rPr lang="en-US" dirty="0"/>
               <a:pPr/>
-              <a:t>10/17/2023</a:t>
+              <a:t>10/28/2023</a:t>
             </a:fld>
             <a:endParaRPr lang="en-US" dirty="0"/>
           </a:p>
@@ -25352,7 +25357,7 @@
             <a:fld id="{B61BEF0D-F0BB-DE4B-95CE-6DB70DBA9567}" type="datetimeFigureOut">
               <a:rPr lang="en-US" dirty="0"/>
               <a:pPr/>
-              <a:t>10/17/2023</a:t>
+              <a:t>10/28/2023</a:t>
             </a:fld>
             <a:endParaRPr lang="en-US" dirty="0"/>
           </a:p>
@@ -25606,7 +25611,7 @@
             <a:fld id="{B61BEF0D-F0BB-DE4B-95CE-6DB70DBA9567}" type="datetimeFigureOut">
               <a:rPr lang="en-US" dirty="0"/>
               <a:pPr/>
-              <a:t>10/17/2023</a:t>
+              <a:t>10/28/2023</a:t>
             </a:fld>
             <a:endParaRPr lang="en-US" dirty="0"/>
           </a:p>
@@ -25865,7 +25870,7 @@
             <a:fld id="{B61BEF0D-F0BB-DE4B-95CE-6DB70DBA9567}" type="datetimeFigureOut">
               <a:rPr lang="en-US" dirty="0"/>
               <a:pPr/>
-              <a:t>10/17/2023</a:t>
+              <a:t>10/28/2023</a:t>
             </a:fld>
             <a:endParaRPr lang="en-US" dirty="0"/>
           </a:p>
@@ -26124,7 +26129,7 @@
             <a:fld id="{B61BEF0D-F0BB-DE4B-95CE-6DB70DBA9567}" type="datetimeFigureOut">
               <a:rPr lang="en-US" dirty="0"/>
               <a:pPr/>
-              <a:t>10/17/2023</a:t>
+              <a:t>10/28/2023</a:t>
             </a:fld>
             <a:endParaRPr lang="en-US" dirty="0"/>
           </a:p>
@@ -26450,7 +26455,7 @@
             <a:fld id="{B61BEF0D-F0BB-DE4B-95CE-6DB70DBA9567}" type="datetimeFigureOut">
               <a:rPr lang="en-US" dirty="0"/>
               <a:pPr/>
-              <a:t>10/17/2023</a:t>
+              <a:t>10/28/2023</a:t>
             </a:fld>
             <a:endParaRPr lang="en-US" dirty="0"/>
           </a:p>
@@ -26770,7 +26775,7 @@
             <a:fld id="{B61BEF0D-F0BB-DE4B-95CE-6DB70DBA9567}" type="datetimeFigureOut">
               <a:rPr lang="en-US" dirty="0"/>
               <a:pPr/>
-              <a:t>10/17/2023</a:t>
+              <a:t>10/28/2023</a:t>
             </a:fld>
             <a:endParaRPr lang="en-US" dirty="0"/>
           </a:p>
@@ -27224,7 +27229,7 @@
             <a:fld id="{B61BEF0D-F0BB-DE4B-95CE-6DB70DBA9567}" type="datetimeFigureOut">
               <a:rPr lang="en-US" dirty="0"/>
               <a:pPr/>
-              <a:t>10/17/2023</a:t>
+              <a:t>10/28/2023</a:t>
             </a:fld>
             <a:endParaRPr lang="en-US" dirty="0"/>
           </a:p>
@@ -27426,7 +27431,7 @@
             <a:fld id="{B61BEF0D-F0BB-DE4B-95CE-6DB70DBA9567}" type="datetimeFigureOut">
               <a:rPr lang="en-US" dirty="0"/>
               <a:pPr/>
-              <a:t>10/17/2023</a:t>
+              <a:t>10/28/2023</a:t>
             </a:fld>
             <a:endParaRPr lang="en-US" dirty="0"/>
           </a:p>
@@ -27600,7 +27605,7 @@
             <a:fld id="{B61BEF0D-F0BB-DE4B-95CE-6DB70DBA9567}" type="datetimeFigureOut">
               <a:rPr lang="en-US" dirty="0"/>
               <a:pPr/>
-              <a:t>10/17/2023</a:t>
+              <a:t>10/28/2023</a:t>
             </a:fld>
             <a:endParaRPr lang="en-US" dirty="0"/>
           </a:p>
@@ -27930,7 +27935,7 @@
             <a:fld id="{B61BEF0D-F0BB-DE4B-95CE-6DB70DBA9567}" type="datetimeFigureOut">
               <a:rPr lang="en-US" dirty="0"/>
               <a:pPr/>
-              <a:t>10/17/2023</a:t>
+              <a:t>10/28/2023</a:t>
             </a:fld>
             <a:endParaRPr lang="en-US" dirty="0"/>
           </a:p>
@@ -28272,7 +28277,7 @@
             <a:fld id="{B61BEF0D-F0BB-DE4B-95CE-6DB70DBA9567}" type="datetimeFigureOut">
               <a:rPr lang="en-US" dirty="0"/>
               <a:pPr/>
-              <a:t>10/17/2023</a:t>
+              <a:t>10/28/2023</a:t>
             </a:fld>
             <a:endParaRPr lang="en-US" dirty="0"/>
           </a:p>
@@ -30386,7 +30391,7 @@
             <a:fld id="{B61BEF0D-F0BB-DE4B-95CE-6DB70DBA9567}" type="datetimeFigureOut">
               <a:rPr lang="en-US" dirty="0"/>
               <a:pPr/>
-              <a:t>10/17/2023</a:t>
+              <a:t>10/28/2023</a:t>
             </a:fld>
             <a:endParaRPr lang="en-US" dirty="0"/>
           </a:p>
@@ -30923,7 +30928,7 @@
           <a:p>
             <a:r>
               <a:rPr lang="en-US" dirty="0"/>
-              <a:t>Design Principle</a:t>
+              <a:t>Design Pattern</a:t>
             </a:r>
           </a:p>
         </p:txBody>
@@ -30970,4027 +30975,6 @@
 </file>
 
 <file path=ppt/slides/slide10.xml><?xml version="1.0" encoding="utf-8"?>
-<p:sld xmlns:a="http://schemas.openxmlformats.org/drawingml/2006/main" xmlns:r="http://schemas.openxmlformats.org/officeDocument/2006/relationships" xmlns:p="http://schemas.openxmlformats.org/presentationml/2006/main">
-  <p:cSld>
-    <p:bg>
-      <p:bgPr>
-        <a:gradFill rotWithShape="1">
-          <a:gsLst>
-            <a:gs pos="0">
-              <a:schemeClr val="bg2">
-                <a:tint val="90000"/>
-                <a:satMod val="92000"/>
-                <a:lumMod val="120000"/>
-              </a:schemeClr>
-            </a:gs>
-            <a:gs pos="100000">
-              <a:schemeClr val="bg2">
-                <a:shade val="98000"/>
-                <a:satMod val="120000"/>
-                <a:lumMod val="98000"/>
-              </a:schemeClr>
-            </a:gs>
-          </a:gsLst>
-          <a:path path="circle">
-            <a:fillToRect l="50000" t="50000" r="100000" b="100000"/>
-          </a:path>
-        </a:gradFill>
-        <a:effectLst/>
-      </p:bgPr>
-    </p:bg>
-    <p:spTree>
-      <p:nvGrpSpPr>
-        <p:cNvPr id="1" name=""/>
-        <p:cNvGrpSpPr/>
-        <p:nvPr/>
-      </p:nvGrpSpPr>
-      <p:grpSpPr>
-        <a:xfrm>
-          <a:off x="0" y="0"/>
-          <a:ext cx="0" cy="0"/>
-          <a:chOff x="0" y="0"/>
-          <a:chExt cx="0" cy="0"/>
-        </a:xfrm>
-      </p:grpSpPr>
-      <p:sp>
-        <p:nvSpPr>
-          <p:cNvPr id="10" name="Rectangle 9">
-            <a:extLst>
-              <a:ext uri="{FF2B5EF4-FFF2-40B4-BE49-F238E27FC236}">
-                <a16:creationId xmlns:a16="http://schemas.microsoft.com/office/drawing/2014/main" id="{A3D9AEEE-1CCD-43C0-BA3E-16D60A6E23C0}"/>
-              </a:ext>
-              <a:ext uri="{C183D7F6-B498-43B3-948B-1728B52AA6E4}">
-                <adec:decorative xmlns:adec="http://schemas.microsoft.com/office/drawing/2017/decorative" val="1"/>
-              </a:ext>
-            </a:extLst>
-          </p:cNvPr>
-          <p:cNvSpPr>
-            <a:spLocks noGrp="1" noRot="1" noChangeAspect="1" noMove="1" noResize="1" noEditPoints="1" noAdjustHandles="1" noChangeArrowheads="1" noChangeShapeType="1" noTextEdit="1"/>
-          </p:cNvSpPr>
-          <p:nvPr>
-            <p:extLst>
-              <p:ext uri="{386F3935-93C4-4BCD-93E2-E3B085C9AB24}">
-                <p16:designElem xmlns:p16="http://schemas.microsoft.com/office/powerpoint/2015/main" val="1"/>
-              </p:ext>
-            </p:extLst>
-          </p:nvPr>
-        </p:nvSpPr>
-        <p:spPr>
-          <a:xfrm>
-            <a:off x="1" y="0"/>
-            <a:ext cx="4059079" cy="6858000"/>
-          </a:xfrm>
-          <a:prstGeom prst="rect">
-            <a:avLst/>
-          </a:prstGeom>
-          <a:solidFill>
-            <a:schemeClr val="tx2"/>
-          </a:solidFill>
-          <a:ln>
-            <a:noFill/>
-          </a:ln>
-        </p:spPr>
-        <p:style>
-          <a:lnRef idx="2">
-            <a:schemeClr val="accent1">
-              <a:shade val="50000"/>
-            </a:schemeClr>
-          </a:lnRef>
-          <a:fillRef idx="1">
-            <a:schemeClr val="accent1"/>
-          </a:fillRef>
-          <a:effectRef idx="0">
-            <a:schemeClr val="accent1"/>
-          </a:effectRef>
-          <a:fontRef idx="minor">
-            <a:schemeClr val="lt1"/>
-          </a:fontRef>
-        </p:style>
-        <p:txBody>
-          <a:bodyPr rtlCol="0" anchor="ctr"/>
-          <a:lstStyle/>
-          <a:p>
-            <a:pPr algn="ctr"/>
-            <a:endParaRPr lang="en-US"/>
-          </a:p>
-        </p:txBody>
-      </p:sp>
-      <p:sp>
-        <p:nvSpPr>
-          <p:cNvPr id="2" name="Title 1">
-            <a:extLst>
-              <a:ext uri="{FF2B5EF4-FFF2-40B4-BE49-F238E27FC236}">
-                <a16:creationId xmlns:a16="http://schemas.microsoft.com/office/drawing/2014/main" id="{0A49776F-A000-4849-9138-ED798B055342}"/>
-              </a:ext>
-            </a:extLst>
-          </p:cNvPr>
-          <p:cNvSpPr>
-            <a:spLocks noGrp="1"/>
-          </p:cNvSpPr>
-          <p:nvPr>
-            <p:ph type="title"/>
-          </p:nvPr>
-        </p:nvSpPr>
-        <p:spPr>
-          <a:xfrm>
-            <a:off x="1259893" y="3101093"/>
-            <a:ext cx="2454052" cy="3029344"/>
-          </a:xfrm>
-        </p:spPr>
-        <p:txBody>
-          <a:bodyPr>
-            <a:normAutofit/>
-          </a:bodyPr>
-          <a:lstStyle/>
-          <a:p>
-            <a:r>
-              <a:rPr lang="en-US" sz="3000">
-                <a:solidFill>
-                  <a:schemeClr val="bg1"/>
-                </a:solidFill>
-              </a:rPr>
-              <a:t>Client Server connection</a:t>
-            </a:r>
-          </a:p>
-        </p:txBody>
-      </p:sp>
-      <p:sp>
-        <p:nvSpPr>
-          <p:cNvPr id="12" name="Freeform 11">
-            <a:extLst>
-              <a:ext uri="{FF2B5EF4-FFF2-40B4-BE49-F238E27FC236}">
-                <a16:creationId xmlns:a16="http://schemas.microsoft.com/office/drawing/2014/main" id="{60F880A6-33D3-4EEC-A780-B73559B9F24C}"/>
-              </a:ext>
-              <a:ext uri="{C183D7F6-B498-43B3-948B-1728B52AA6E4}">
-                <adec:decorative xmlns:adec="http://schemas.microsoft.com/office/drawing/2017/decorative" val="1"/>
-              </a:ext>
-            </a:extLst>
-          </p:cNvPr>
-          <p:cNvSpPr>
-            <a:spLocks noGrp="1" noRot="1" noChangeAspect="1" noMove="1" noResize="1" noEditPoints="1" noAdjustHandles="1" noChangeArrowheads="1" noChangeShapeType="1" noTextEdit="1"/>
-          </p:cNvSpPr>
-          <p:nvPr>
-            <p:extLst>
-              <p:ext uri="{386F3935-93C4-4BCD-93E2-E3B085C9AB24}">
-                <p16:designElem xmlns:p16="http://schemas.microsoft.com/office/powerpoint/2015/main" val="1"/>
-              </p:ext>
-            </p:extLst>
-          </p:nvPr>
-        </p:nvSpPr>
-        <p:spPr bwMode="auto">
-          <a:xfrm flipV="1">
-            <a:off x="-159" y="3179901"/>
-            <a:ext cx="1098194" cy="514066"/>
-          </a:xfrm>
-          <a:custGeom>
-            <a:avLst/>
-            <a:gdLst>
-              <a:gd name="connsiteX0" fmla="*/ 10000 w 10044"/>
-              <a:gd name="connsiteY0" fmla="*/ 4701 h 9966"/>
-              <a:gd name="connsiteX1" fmla="*/ 8559 w 10044"/>
-              <a:gd name="connsiteY1" fmla="*/ 188 h 9966"/>
-              <a:gd name="connsiteX2" fmla="*/ 8527 w 10044"/>
-              <a:gd name="connsiteY2" fmla="*/ 94 h 9966"/>
-              <a:gd name="connsiteX3" fmla="*/ 8438 w 10044"/>
-              <a:gd name="connsiteY3" fmla="*/ 0 h 9966"/>
-              <a:gd name="connsiteX4" fmla="*/ 7867 w 10044"/>
-              <a:gd name="connsiteY4" fmla="*/ 0 h 9966"/>
-              <a:gd name="connsiteX5" fmla="*/ 0 w 10044"/>
-              <a:gd name="connsiteY5" fmla="*/ 70 h 9966"/>
-              <a:gd name="connsiteX6" fmla="*/ 3132 w 10044"/>
-              <a:gd name="connsiteY6" fmla="*/ 9763 h 9966"/>
-              <a:gd name="connsiteX7" fmla="*/ 7867 w 10044"/>
-              <a:gd name="connsiteY7" fmla="*/ 9966 h 9966"/>
-              <a:gd name="connsiteX8" fmla="*/ 8438 w 10044"/>
-              <a:gd name="connsiteY8" fmla="*/ 9966 h 9966"/>
-              <a:gd name="connsiteX9" fmla="*/ 8527 w 10044"/>
-              <a:gd name="connsiteY9" fmla="*/ 9872 h 9966"/>
-              <a:gd name="connsiteX10" fmla="*/ 8559 w 10044"/>
-              <a:gd name="connsiteY10" fmla="*/ 9778 h 9966"/>
-              <a:gd name="connsiteX11" fmla="*/ 10000 w 10044"/>
-              <a:gd name="connsiteY11" fmla="*/ 5265 h 9966"/>
-              <a:gd name="connsiteX12" fmla="*/ 10000 w 10044"/>
-              <a:gd name="connsiteY12" fmla="*/ 4701 h 9966"/>
-              <a:gd name="connsiteX0" fmla="*/ 6839 w 6883"/>
-              <a:gd name="connsiteY0" fmla="*/ 4885 h 10168"/>
-              <a:gd name="connsiteX1" fmla="*/ 5405 w 6883"/>
-              <a:gd name="connsiteY1" fmla="*/ 357 h 10168"/>
-              <a:gd name="connsiteX2" fmla="*/ 5373 w 6883"/>
-              <a:gd name="connsiteY2" fmla="*/ 262 h 10168"/>
-              <a:gd name="connsiteX3" fmla="*/ 5284 w 6883"/>
-              <a:gd name="connsiteY3" fmla="*/ 168 h 10168"/>
-              <a:gd name="connsiteX4" fmla="*/ 4716 w 6883"/>
-              <a:gd name="connsiteY4" fmla="*/ 168 h 10168"/>
-              <a:gd name="connsiteX5" fmla="*/ 50 w 6883"/>
-              <a:gd name="connsiteY5" fmla="*/ 0 h 10168"/>
-              <a:gd name="connsiteX6" fmla="*/ 1 w 6883"/>
-              <a:gd name="connsiteY6" fmla="*/ 9964 h 10168"/>
-              <a:gd name="connsiteX7" fmla="*/ 4716 w 6883"/>
-              <a:gd name="connsiteY7" fmla="*/ 10168 h 10168"/>
-              <a:gd name="connsiteX8" fmla="*/ 5284 w 6883"/>
-              <a:gd name="connsiteY8" fmla="*/ 10168 h 10168"/>
-              <a:gd name="connsiteX9" fmla="*/ 5373 w 6883"/>
-              <a:gd name="connsiteY9" fmla="*/ 10074 h 10168"/>
-              <a:gd name="connsiteX10" fmla="*/ 5405 w 6883"/>
-              <a:gd name="connsiteY10" fmla="*/ 9979 h 10168"/>
-              <a:gd name="connsiteX11" fmla="*/ 6839 w 6883"/>
-              <a:gd name="connsiteY11" fmla="*/ 5451 h 10168"/>
-              <a:gd name="connsiteX12" fmla="*/ 6839 w 6883"/>
-              <a:gd name="connsiteY12" fmla="*/ 4885 h 10168"/>
-            </a:gdLst>
-            <a:ahLst/>
-            <a:cxnLst>
-              <a:cxn ang="0">
-                <a:pos x="connsiteX0" y="connsiteY0"/>
-              </a:cxn>
-              <a:cxn ang="0">
-                <a:pos x="connsiteX1" y="connsiteY1"/>
-              </a:cxn>
-              <a:cxn ang="0">
-                <a:pos x="connsiteX2" y="connsiteY2"/>
-              </a:cxn>
-              <a:cxn ang="0">
-                <a:pos x="connsiteX3" y="connsiteY3"/>
-              </a:cxn>
-              <a:cxn ang="0">
-                <a:pos x="connsiteX4" y="connsiteY4"/>
-              </a:cxn>
-              <a:cxn ang="0">
-                <a:pos x="connsiteX5" y="connsiteY5"/>
-              </a:cxn>
-              <a:cxn ang="0">
-                <a:pos x="connsiteX6" y="connsiteY6"/>
-              </a:cxn>
-              <a:cxn ang="0">
-                <a:pos x="connsiteX7" y="connsiteY7"/>
-              </a:cxn>
-              <a:cxn ang="0">
-                <a:pos x="connsiteX8" y="connsiteY8"/>
-              </a:cxn>
-              <a:cxn ang="0">
-                <a:pos x="connsiteX9" y="connsiteY9"/>
-              </a:cxn>
-              <a:cxn ang="0">
-                <a:pos x="connsiteX10" y="connsiteY10"/>
-              </a:cxn>
-              <a:cxn ang="0">
-                <a:pos x="connsiteX11" y="connsiteY11"/>
-              </a:cxn>
-              <a:cxn ang="0">
-                <a:pos x="connsiteX12" y="connsiteY12"/>
-              </a:cxn>
-            </a:cxnLst>
-            <a:rect l="l" t="t" r="r" b="b"/>
-            <a:pathLst>
-              <a:path w="6883" h="10168">
-                <a:moveTo>
-                  <a:pt x="6839" y="4885"/>
-                </a:moveTo>
-                <a:lnTo>
-                  <a:pt x="5405" y="357"/>
-                </a:lnTo>
-                <a:cubicBezTo>
-                  <a:pt x="5395" y="325"/>
-                  <a:pt x="5383" y="294"/>
-                  <a:pt x="5373" y="262"/>
-                </a:cubicBezTo>
-                <a:cubicBezTo>
-                  <a:pt x="5344" y="168"/>
-                  <a:pt x="5314" y="168"/>
-                  <a:pt x="5284" y="168"/>
-                </a:cubicBezTo>
-                <a:lnTo>
-                  <a:pt x="4716" y="168"/>
-                </a:lnTo>
-                <a:lnTo>
-                  <a:pt x="50" y="0"/>
-                </a:lnTo>
-                <a:cubicBezTo>
-                  <a:pt x="59" y="3322"/>
-                  <a:pt x="-8" y="6643"/>
-                  <a:pt x="1" y="9964"/>
-                </a:cubicBezTo>
-                <a:lnTo>
-                  <a:pt x="4716" y="10168"/>
-                </a:lnTo>
-                <a:lnTo>
-                  <a:pt x="5284" y="10168"/>
-                </a:lnTo>
-                <a:cubicBezTo>
-                  <a:pt x="5314" y="10168"/>
-                  <a:pt x="5344" y="10074"/>
-                  <a:pt x="5373" y="10074"/>
-                </a:cubicBezTo>
-                <a:cubicBezTo>
-                  <a:pt x="5373" y="9979"/>
-                  <a:pt x="5405" y="9979"/>
-                  <a:pt x="5405" y="9979"/>
-                </a:cubicBezTo>
-                <a:lnTo>
-                  <a:pt x="6839" y="5451"/>
-                </a:lnTo>
-                <a:cubicBezTo>
-                  <a:pt x="6898" y="5262"/>
-                  <a:pt x="6898" y="5074"/>
-                  <a:pt x="6839" y="4885"/>
-                </a:cubicBezTo>
-                <a:close/>
-              </a:path>
-            </a:pathLst>
-          </a:custGeom>
-          <a:solidFill>
-            <a:schemeClr val="accent1"/>
-          </a:solidFill>
-          <a:ln>
-            <a:noFill/>
-          </a:ln>
-        </p:spPr>
-        <p:txBody>
-          <a:bodyPr/>
-          <a:lstStyle/>
-          <a:p>
-            <a:endParaRPr lang="en-US"/>
-          </a:p>
-        </p:txBody>
-      </p:sp>
-      <p:sp useBgFill="1">
-        <p:nvSpPr>
-          <p:cNvPr id="14" name="Rectangle 13">
-            <a:extLst>
-              <a:ext uri="{FF2B5EF4-FFF2-40B4-BE49-F238E27FC236}">
-                <a16:creationId xmlns:a16="http://schemas.microsoft.com/office/drawing/2014/main" id="{2C6246ED-0535-4496-A8F6-1E80CC4EB853}"/>
-              </a:ext>
-              <a:ext uri="{C183D7F6-B498-43B3-948B-1728B52AA6E4}">
-                <adec:decorative xmlns:adec="http://schemas.microsoft.com/office/drawing/2017/decorative" val="1"/>
-              </a:ext>
-            </a:extLst>
-          </p:cNvPr>
-          <p:cNvSpPr>
-            <a:spLocks noGrp="1" noRot="1" noChangeAspect="1" noMove="1" noResize="1" noEditPoints="1" noAdjustHandles="1" noChangeArrowheads="1" noChangeShapeType="1" noTextEdit="1"/>
-          </p:cNvSpPr>
-          <p:nvPr>
-            <p:extLst>
-              <p:ext uri="{386F3935-93C4-4BCD-93E2-E3B085C9AB24}">
-                <p16:designElem xmlns:p16="http://schemas.microsoft.com/office/powerpoint/2015/main" val="1"/>
-              </p:ext>
-            </p:extLst>
-          </p:nvPr>
-        </p:nvSpPr>
-        <p:spPr>
-          <a:xfrm>
-            <a:off x="4795736" y="0"/>
-            <a:ext cx="7396264" cy="6858000"/>
-          </a:xfrm>
-          <a:prstGeom prst="rect">
-            <a:avLst/>
-          </a:prstGeom>
-          <a:ln>
-            <a:noFill/>
-          </a:ln>
-        </p:spPr>
-        <p:style>
-          <a:lnRef idx="2">
-            <a:schemeClr val="accent1">
-              <a:shade val="50000"/>
-            </a:schemeClr>
-          </a:lnRef>
-          <a:fillRef idx="1">
-            <a:schemeClr val="accent1"/>
-          </a:fillRef>
-          <a:effectRef idx="0">
-            <a:schemeClr val="accent1"/>
-          </a:effectRef>
-          <a:fontRef idx="minor">
-            <a:schemeClr val="lt1"/>
-          </a:fontRef>
-        </p:style>
-        <p:txBody>
-          <a:bodyPr rtlCol="0" anchor="ctr"/>
-          <a:lstStyle/>
-          <a:p>
-            <a:pPr algn="ctr"/>
-            <a:endParaRPr lang="en-US"/>
-          </a:p>
-        </p:txBody>
-      </p:sp>
-      <p:graphicFrame>
-        <p:nvGraphicFramePr>
-          <p:cNvPr id="5" name="Content Placeholder 2">
-            <a:extLst>
-              <a:ext uri="{FF2B5EF4-FFF2-40B4-BE49-F238E27FC236}">
-                <a16:creationId xmlns:a16="http://schemas.microsoft.com/office/drawing/2014/main" id="{89865526-1C9C-4F37-8C91-AAC40FF86930}"/>
-              </a:ext>
-            </a:extLst>
-          </p:cNvPr>
-          <p:cNvGraphicFramePr>
-            <a:graphicFrameLocks noGrp="1"/>
-          </p:cNvGraphicFramePr>
-          <p:nvPr>
-            <p:ph idx="1"/>
-            <p:extLst>
-              <p:ext uri="{D42A27DB-BD31-4B8C-83A1-F6EECF244321}">
-                <p14:modId xmlns:p14="http://schemas.microsoft.com/office/powerpoint/2010/main" val="2658538576"/>
-              </p:ext>
-            </p:extLst>
-          </p:nvPr>
-        </p:nvGraphicFramePr>
-        <p:xfrm>
-          <a:off x="4713144" y="641551"/>
-          <a:ext cx="6832212" cy="5264779"/>
-        </p:xfrm>
-        <a:graphic>
-          <a:graphicData uri="http://schemas.openxmlformats.org/drawingml/2006/diagram">
-            <dgm:relIds xmlns:dgm="http://schemas.openxmlformats.org/drawingml/2006/diagram" xmlns:r="http://schemas.openxmlformats.org/officeDocument/2006/relationships" r:dm="rId2" r:lo="rId3" r:qs="rId4" r:cs="rId5"/>
-          </a:graphicData>
-        </a:graphic>
-      </p:graphicFrame>
-    </p:spTree>
-    <p:extLst>
-      <p:ext uri="{BB962C8B-B14F-4D97-AF65-F5344CB8AC3E}">
-        <p14:creationId xmlns:p14="http://schemas.microsoft.com/office/powerpoint/2010/main" val="2705017050"/>
-      </p:ext>
-    </p:extLst>
-  </p:cSld>
-  <p:clrMapOvr>
-    <a:masterClrMapping/>
-  </p:clrMapOvr>
-</p:sld>
-</file>
-
-<file path=ppt/slides/slide11.xml><?xml version="1.0" encoding="utf-8"?>
-<p:sld xmlns:a="http://schemas.openxmlformats.org/drawingml/2006/main" xmlns:r="http://schemas.openxmlformats.org/officeDocument/2006/relationships" xmlns:p="http://schemas.openxmlformats.org/presentationml/2006/main">
-  <p:cSld>
-    <p:bg>
-      <p:bgPr>
-        <a:gradFill rotWithShape="1">
-          <a:gsLst>
-            <a:gs pos="0">
-              <a:schemeClr val="bg2">
-                <a:tint val="90000"/>
-                <a:satMod val="92000"/>
-                <a:lumMod val="120000"/>
-              </a:schemeClr>
-            </a:gs>
-            <a:gs pos="100000">
-              <a:schemeClr val="bg2">
-                <a:shade val="98000"/>
-                <a:satMod val="120000"/>
-                <a:lumMod val="98000"/>
-              </a:schemeClr>
-            </a:gs>
-          </a:gsLst>
-          <a:path path="circle">
-            <a:fillToRect l="50000" t="50000" r="100000" b="100000"/>
-          </a:path>
-        </a:gradFill>
-        <a:effectLst/>
-      </p:bgPr>
-    </p:bg>
-    <p:spTree>
-      <p:nvGrpSpPr>
-        <p:cNvPr id="1" name=""/>
-        <p:cNvGrpSpPr/>
-        <p:nvPr/>
-      </p:nvGrpSpPr>
-      <p:grpSpPr>
-        <a:xfrm>
-          <a:off x="0" y="0"/>
-          <a:ext cx="0" cy="0"/>
-          <a:chOff x="0" y="0"/>
-          <a:chExt cx="0" cy="0"/>
-        </a:xfrm>
-      </p:grpSpPr>
-      <p:sp>
-        <p:nvSpPr>
-          <p:cNvPr id="2" name="Title 1">
-            <a:extLst>
-              <a:ext uri="{FF2B5EF4-FFF2-40B4-BE49-F238E27FC236}">
-                <a16:creationId xmlns:a16="http://schemas.microsoft.com/office/drawing/2014/main" id="{D34FE178-9D6D-4870-AE2D-2765E6CA11AD}"/>
-              </a:ext>
-            </a:extLst>
-          </p:cNvPr>
-          <p:cNvSpPr>
-            <a:spLocks noGrp="1"/>
-          </p:cNvSpPr>
-          <p:nvPr>
-            <p:ph type="title"/>
-          </p:nvPr>
-        </p:nvSpPr>
-        <p:spPr>
-          <a:xfrm>
-            <a:off x="1640156" y="772966"/>
-            <a:ext cx="8911687" cy="1280890"/>
-          </a:xfrm>
-        </p:spPr>
-        <p:txBody>
-          <a:bodyPr>
-            <a:normAutofit/>
-          </a:bodyPr>
-          <a:lstStyle/>
-          <a:p>
-            <a:r>
-              <a:rPr lang="en-US"/>
-              <a:t>Cache</a:t>
-            </a:r>
-          </a:p>
-        </p:txBody>
-      </p:sp>
-      <p:pic>
-        <p:nvPicPr>
-          <p:cNvPr id="3" name="Picture 4" descr="Using an in-memory cache in different instances of an application">
-            <a:extLst>
-              <a:ext uri="{FF2B5EF4-FFF2-40B4-BE49-F238E27FC236}">
-                <a16:creationId xmlns:a16="http://schemas.microsoft.com/office/drawing/2014/main" id="{F6EBF936-7545-4D37-AC83-4CB0293832B7}"/>
-              </a:ext>
-            </a:extLst>
-          </p:cNvPr>
-          <p:cNvPicPr>
-            <a:picLocks noChangeAspect="1" noChangeArrowheads="1"/>
-          </p:cNvPicPr>
-          <p:nvPr/>
-        </p:nvPicPr>
-        <p:blipFill>
-          <a:blip r:embed="rId2">
-            <a:extLst>
-              <a:ext uri="{28A0092B-C50C-407E-A947-70E740481C1C}">
-                <a14:useLocalDpi xmlns:a14="http://schemas.microsoft.com/office/drawing/2010/main" val="0"/>
-              </a:ext>
-            </a:extLst>
-          </a:blip>
-          <a:stretch>
-            <a:fillRect/>
-          </a:stretch>
-        </p:blipFill>
-        <p:spPr bwMode="auto">
-          <a:xfrm>
-            <a:off x="8016950" y="2274218"/>
-            <a:ext cx="3944678" cy="3567134"/>
-          </a:xfrm>
-          <a:prstGeom prst="rect">
-            <a:avLst/>
-          </a:prstGeom>
-          <a:noFill/>
-          <a:extLst>
-            <a:ext uri="{909E8E84-426E-40DD-AFC4-6F175D3DCCD1}">
-              <a14:hiddenFill xmlns:a14="http://schemas.microsoft.com/office/drawing/2010/main">
-                <a:solidFill>
-                  <a:srgbClr val="FFFFFF"/>
-                </a:solidFill>
-              </a14:hiddenFill>
-            </a:ext>
-          </a:extLst>
-        </p:spPr>
-      </p:pic>
-      <p:graphicFrame>
-        <p:nvGraphicFramePr>
-          <p:cNvPr id="5" name="Content Placeholder 2">
-            <a:extLst>
-              <a:ext uri="{FF2B5EF4-FFF2-40B4-BE49-F238E27FC236}">
-                <a16:creationId xmlns:a16="http://schemas.microsoft.com/office/drawing/2014/main" id="{6CDD7B73-53F1-4675-A0E6-58A00A26D30E}"/>
-              </a:ext>
-            </a:extLst>
-          </p:cNvPr>
-          <p:cNvGraphicFramePr>
-            <a:graphicFrameLocks noGrp="1"/>
-          </p:cNvGraphicFramePr>
-          <p:nvPr>
-            <p:ph idx="1"/>
-            <p:extLst>
-              <p:ext uri="{D42A27DB-BD31-4B8C-83A1-F6EECF244321}">
-                <p14:modId xmlns:p14="http://schemas.microsoft.com/office/powerpoint/2010/main" val="845985821"/>
-              </p:ext>
-            </p:extLst>
-          </p:nvPr>
-        </p:nvGraphicFramePr>
-        <p:xfrm>
-          <a:off x="1636443" y="2274218"/>
-          <a:ext cx="5835121" cy="3785860"/>
-        </p:xfrm>
-        <a:graphic>
-          <a:graphicData uri="http://schemas.openxmlformats.org/drawingml/2006/diagram">
-            <dgm:relIds xmlns:dgm="http://schemas.openxmlformats.org/drawingml/2006/diagram" xmlns:r="http://schemas.openxmlformats.org/officeDocument/2006/relationships" r:dm="rId3" r:lo="rId4" r:qs="rId5" r:cs="rId6"/>
-          </a:graphicData>
-        </a:graphic>
-      </p:graphicFrame>
-    </p:spTree>
-    <p:extLst>
-      <p:ext uri="{BB962C8B-B14F-4D97-AF65-F5344CB8AC3E}">
-        <p14:creationId xmlns:p14="http://schemas.microsoft.com/office/powerpoint/2010/main" val="1041835174"/>
-      </p:ext>
-    </p:extLst>
-  </p:cSld>
-  <p:clrMapOvr>
-    <a:masterClrMapping/>
-  </p:clrMapOvr>
-</p:sld>
-</file>
-
-<file path=ppt/slides/slide12.xml><?xml version="1.0" encoding="utf-8"?>
-<p:sld xmlns:a="http://schemas.openxmlformats.org/drawingml/2006/main" xmlns:r="http://schemas.openxmlformats.org/officeDocument/2006/relationships" xmlns:p="http://schemas.openxmlformats.org/presentationml/2006/main">
-  <p:cSld>
-    <p:bg>
-      <p:bgPr>
-        <a:gradFill rotWithShape="1">
-          <a:gsLst>
-            <a:gs pos="0">
-              <a:schemeClr val="bg2">
-                <a:tint val="90000"/>
-                <a:satMod val="92000"/>
-                <a:lumMod val="120000"/>
-              </a:schemeClr>
-            </a:gs>
-            <a:gs pos="100000">
-              <a:schemeClr val="bg2">
-                <a:shade val="98000"/>
-                <a:satMod val="120000"/>
-                <a:lumMod val="98000"/>
-              </a:schemeClr>
-            </a:gs>
-          </a:gsLst>
-          <a:path path="circle">
-            <a:fillToRect l="50000" t="50000" r="100000" b="100000"/>
-          </a:path>
-        </a:gradFill>
-        <a:effectLst/>
-      </p:bgPr>
-    </p:bg>
-    <p:spTree>
-      <p:nvGrpSpPr>
-        <p:cNvPr id="1" name=""/>
-        <p:cNvGrpSpPr/>
-        <p:nvPr/>
-      </p:nvGrpSpPr>
-      <p:grpSpPr>
-        <a:xfrm>
-          <a:off x="0" y="0"/>
-          <a:ext cx="0" cy="0"/>
-          <a:chOff x="0" y="0"/>
-          <a:chExt cx="0" cy="0"/>
-        </a:xfrm>
-      </p:grpSpPr>
-      <p:sp>
-        <p:nvSpPr>
-          <p:cNvPr id="16" name="Rectangle 9">
-            <a:extLst>
-              <a:ext uri="{FF2B5EF4-FFF2-40B4-BE49-F238E27FC236}">
-                <a16:creationId xmlns:a16="http://schemas.microsoft.com/office/drawing/2014/main" id="{A3D9AEEE-1CCD-43C0-BA3E-16D60A6E23C0}"/>
-              </a:ext>
-              <a:ext uri="{C183D7F6-B498-43B3-948B-1728B52AA6E4}">
-                <adec:decorative xmlns:adec="http://schemas.microsoft.com/office/drawing/2017/decorative" val="1"/>
-              </a:ext>
-            </a:extLst>
-          </p:cNvPr>
-          <p:cNvSpPr>
-            <a:spLocks noGrp="1" noRot="1" noChangeAspect="1" noMove="1" noResize="1" noEditPoints="1" noAdjustHandles="1" noChangeArrowheads="1" noChangeShapeType="1" noTextEdit="1"/>
-          </p:cNvSpPr>
-          <p:nvPr>
-            <p:extLst>
-              <p:ext uri="{386F3935-93C4-4BCD-93E2-E3B085C9AB24}">
-                <p16:designElem xmlns:p16="http://schemas.microsoft.com/office/powerpoint/2015/main" val="1"/>
-              </p:ext>
-            </p:extLst>
-          </p:nvPr>
-        </p:nvSpPr>
-        <p:spPr>
-          <a:xfrm>
-            <a:off x="1" y="0"/>
-            <a:ext cx="4059079" cy="6858000"/>
-          </a:xfrm>
-          <a:prstGeom prst="rect">
-            <a:avLst/>
-          </a:prstGeom>
-          <a:solidFill>
-            <a:schemeClr val="tx2"/>
-          </a:solidFill>
-          <a:ln>
-            <a:noFill/>
-          </a:ln>
-        </p:spPr>
-        <p:style>
-          <a:lnRef idx="2">
-            <a:schemeClr val="accent1">
-              <a:shade val="50000"/>
-            </a:schemeClr>
-          </a:lnRef>
-          <a:fillRef idx="1">
-            <a:schemeClr val="accent1"/>
-          </a:fillRef>
-          <a:effectRef idx="0">
-            <a:schemeClr val="accent1"/>
-          </a:effectRef>
-          <a:fontRef idx="minor">
-            <a:schemeClr val="lt1"/>
-          </a:fontRef>
-        </p:style>
-        <p:txBody>
-          <a:bodyPr rtlCol="0" anchor="ctr"/>
-          <a:lstStyle/>
-          <a:p>
-            <a:pPr algn="ctr"/>
-            <a:endParaRPr lang="en-US"/>
-          </a:p>
-        </p:txBody>
-      </p:sp>
-      <p:sp>
-        <p:nvSpPr>
-          <p:cNvPr id="2" name="Title 1">
-            <a:extLst>
-              <a:ext uri="{FF2B5EF4-FFF2-40B4-BE49-F238E27FC236}">
-                <a16:creationId xmlns:a16="http://schemas.microsoft.com/office/drawing/2014/main" id="{834EEDAD-8E71-44B7-8F1E-0AEDAA248904}"/>
-              </a:ext>
-            </a:extLst>
-          </p:cNvPr>
-          <p:cNvSpPr>
-            <a:spLocks noGrp="1"/>
-          </p:cNvSpPr>
-          <p:nvPr>
-            <p:ph type="title"/>
-          </p:nvPr>
-        </p:nvSpPr>
-        <p:spPr>
-          <a:xfrm>
-            <a:off x="1259893" y="3101093"/>
-            <a:ext cx="2454052" cy="3029344"/>
-          </a:xfrm>
-        </p:spPr>
-        <p:txBody>
-          <a:bodyPr>
-            <a:normAutofit/>
-          </a:bodyPr>
-          <a:lstStyle/>
-          <a:p>
-            <a:r>
-              <a:rPr lang="en-US" sz="3200">
-                <a:solidFill>
-                  <a:schemeClr val="bg1"/>
-                </a:solidFill>
-              </a:rPr>
-              <a:t>SQL vs No SQL</a:t>
-            </a:r>
-          </a:p>
-        </p:txBody>
-      </p:sp>
-      <p:sp>
-        <p:nvSpPr>
-          <p:cNvPr id="17" name="Freeform 11">
-            <a:extLst>
-              <a:ext uri="{FF2B5EF4-FFF2-40B4-BE49-F238E27FC236}">
-                <a16:creationId xmlns:a16="http://schemas.microsoft.com/office/drawing/2014/main" id="{60F880A6-33D3-4EEC-A780-B73559B9F24C}"/>
-              </a:ext>
-              <a:ext uri="{C183D7F6-B498-43B3-948B-1728B52AA6E4}">
-                <adec:decorative xmlns:adec="http://schemas.microsoft.com/office/drawing/2017/decorative" val="1"/>
-              </a:ext>
-            </a:extLst>
-          </p:cNvPr>
-          <p:cNvSpPr>
-            <a:spLocks noGrp="1" noRot="1" noChangeAspect="1" noMove="1" noResize="1" noEditPoints="1" noAdjustHandles="1" noChangeArrowheads="1" noChangeShapeType="1" noTextEdit="1"/>
-          </p:cNvSpPr>
-          <p:nvPr>
-            <p:extLst>
-              <p:ext uri="{386F3935-93C4-4BCD-93E2-E3B085C9AB24}">
-                <p16:designElem xmlns:p16="http://schemas.microsoft.com/office/powerpoint/2015/main" val="1"/>
-              </p:ext>
-            </p:extLst>
-          </p:nvPr>
-        </p:nvSpPr>
-        <p:spPr bwMode="auto">
-          <a:xfrm flipV="1">
-            <a:off x="-159" y="3179901"/>
-            <a:ext cx="1098194" cy="514066"/>
-          </a:xfrm>
-          <a:custGeom>
-            <a:avLst/>
-            <a:gdLst>
-              <a:gd name="connsiteX0" fmla="*/ 10000 w 10044"/>
-              <a:gd name="connsiteY0" fmla="*/ 4701 h 9966"/>
-              <a:gd name="connsiteX1" fmla="*/ 8559 w 10044"/>
-              <a:gd name="connsiteY1" fmla="*/ 188 h 9966"/>
-              <a:gd name="connsiteX2" fmla="*/ 8527 w 10044"/>
-              <a:gd name="connsiteY2" fmla="*/ 94 h 9966"/>
-              <a:gd name="connsiteX3" fmla="*/ 8438 w 10044"/>
-              <a:gd name="connsiteY3" fmla="*/ 0 h 9966"/>
-              <a:gd name="connsiteX4" fmla="*/ 7867 w 10044"/>
-              <a:gd name="connsiteY4" fmla="*/ 0 h 9966"/>
-              <a:gd name="connsiteX5" fmla="*/ 0 w 10044"/>
-              <a:gd name="connsiteY5" fmla="*/ 70 h 9966"/>
-              <a:gd name="connsiteX6" fmla="*/ 3132 w 10044"/>
-              <a:gd name="connsiteY6" fmla="*/ 9763 h 9966"/>
-              <a:gd name="connsiteX7" fmla="*/ 7867 w 10044"/>
-              <a:gd name="connsiteY7" fmla="*/ 9966 h 9966"/>
-              <a:gd name="connsiteX8" fmla="*/ 8438 w 10044"/>
-              <a:gd name="connsiteY8" fmla="*/ 9966 h 9966"/>
-              <a:gd name="connsiteX9" fmla="*/ 8527 w 10044"/>
-              <a:gd name="connsiteY9" fmla="*/ 9872 h 9966"/>
-              <a:gd name="connsiteX10" fmla="*/ 8559 w 10044"/>
-              <a:gd name="connsiteY10" fmla="*/ 9778 h 9966"/>
-              <a:gd name="connsiteX11" fmla="*/ 10000 w 10044"/>
-              <a:gd name="connsiteY11" fmla="*/ 5265 h 9966"/>
-              <a:gd name="connsiteX12" fmla="*/ 10000 w 10044"/>
-              <a:gd name="connsiteY12" fmla="*/ 4701 h 9966"/>
-              <a:gd name="connsiteX0" fmla="*/ 6839 w 6883"/>
-              <a:gd name="connsiteY0" fmla="*/ 4885 h 10168"/>
-              <a:gd name="connsiteX1" fmla="*/ 5405 w 6883"/>
-              <a:gd name="connsiteY1" fmla="*/ 357 h 10168"/>
-              <a:gd name="connsiteX2" fmla="*/ 5373 w 6883"/>
-              <a:gd name="connsiteY2" fmla="*/ 262 h 10168"/>
-              <a:gd name="connsiteX3" fmla="*/ 5284 w 6883"/>
-              <a:gd name="connsiteY3" fmla="*/ 168 h 10168"/>
-              <a:gd name="connsiteX4" fmla="*/ 4716 w 6883"/>
-              <a:gd name="connsiteY4" fmla="*/ 168 h 10168"/>
-              <a:gd name="connsiteX5" fmla="*/ 50 w 6883"/>
-              <a:gd name="connsiteY5" fmla="*/ 0 h 10168"/>
-              <a:gd name="connsiteX6" fmla="*/ 1 w 6883"/>
-              <a:gd name="connsiteY6" fmla="*/ 9964 h 10168"/>
-              <a:gd name="connsiteX7" fmla="*/ 4716 w 6883"/>
-              <a:gd name="connsiteY7" fmla="*/ 10168 h 10168"/>
-              <a:gd name="connsiteX8" fmla="*/ 5284 w 6883"/>
-              <a:gd name="connsiteY8" fmla="*/ 10168 h 10168"/>
-              <a:gd name="connsiteX9" fmla="*/ 5373 w 6883"/>
-              <a:gd name="connsiteY9" fmla="*/ 10074 h 10168"/>
-              <a:gd name="connsiteX10" fmla="*/ 5405 w 6883"/>
-              <a:gd name="connsiteY10" fmla="*/ 9979 h 10168"/>
-              <a:gd name="connsiteX11" fmla="*/ 6839 w 6883"/>
-              <a:gd name="connsiteY11" fmla="*/ 5451 h 10168"/>
-              <a:gd name="connsiteX12" fmla="*/ 6839 w 6883"/>
-              <a:gd name="connsiteY12" fmla="*/ 4885 h 10168"/>
-            </a:gdLst>
-            <a:ahLst/>
-            <a:cxnLst>
-              <a:cxn ang="0">
-                <a:pos x="connsiteX0" y="connsiteY0"/>
-              </a:cxn>
-              <a:cxn ang="0">
-                <a:pos x="connsiteX1" y="connsiteY1"/>
-              </a:cxn>
-              <a:cxn ang="0">
-                <a:pos x="connsiteX2" y="connsiteY2"/>
-              </a:cxn>
-              <a:cxn ang="0">
-                <a:pos x="connsiteX3" y="connsiteY3"/>
-              </a:cxn>
-              <a:cxn ang="0">
-                <a:pos x="connsiteX4" y="connsiteY4"/>
-              </a:cxn>
-              <a:cxn ang="0">
-                <a:pos x="connsiteX5" y="connsiteY5"/>
-              </a:cxn>
-              <a:cxn ang="0">
-                <a:pos x="connsiteX6" y="connsiteY6"/>
-              </a:cxn>
-              <a:cxn ang="0">
-                <a:pos x="connsiteX7" y="connsiteY7"/>
-              </a:cxn>
-              <a:cxn ang="0">
-                <a:pos x="connsiteX8" y="connsiteY8"/>
-              </a:cxn>
-              <a:cxn ang="0">
-                <a:pos x="connsiteX9" y="connsiteY9"/>
-              </a:cxn>
-              <a:cxn ang="0">
-                <a:pos x="connsiteX10" y="connsiteY10"/>
-              </a:cxn>
-              <a:cxn ang="0">
-                <a:pos x="connsiteX11" y="connsiteY11"/>
-              </a:cxn>
-              <a:cxn ang="0">
-                <a:pos x="connsiteX12" y="connsiteY12"/>
-              </a:cxn>
-            </a:cxnLst>
-            <a:rect l="l" t="t" r="r" b="b"/>
-            <a:pathLst>
-              <a:path w="6883" h="10168">
-                <a:moveTo>
-                  <a:pt x="6839" y="4885"/>
-                </a:moveTo>
-                <a:lnTo>
-                  <a:pt x="5405" y="357"/>
-                </a:lnTo>
-                <a:cubicBezTo>
-                  <a:pt x="5395" y="325"/>
-                  <a:pt x="5383" y="294"/>
-                  <a:pt x="5373" y="262"/>
-                </a:cubicBezTo>
-                <a:cubicBezTo>
-                  <a:pt x="5344" y="168"/>
-                  <a:pt x="5314" y="168"/>
-                  <a:pt x="5284" y="168"/>
-                </a:cubicBezTo>
-                <a:lnTo>
-                  <a:pt x="4716" y="168"/>
-                </a:lnTo>
-                <a:lnTo>
-                  <a:pt x="50" y="0"/>
-                </a:lnTo>
-                <a:cubicBezTo>
-                  <a:pt x="59" y="3322"/>
-                  <a:pt x="-8" y="6643"/>
-                  <a:pt x="1" y="9964"/>
-                </a:cubicBezTo>
-                <a:lnTo>
-                  <a:pt x="4716" y="10168"/>
-                </a:lnTo>
-                <a:lnTo>
-                  <a:pt x="5284" y="10168"/>
-                </a:lnTo>
-                <a:cubicBezTo>
-                  <a:pt x="5314" y="10168"/>
-                  <a:pt x="5344" y="10074"/>
-                  <a:pt x="5373" y="10074"/>
-                </a:cubicBezTo>
-                <a:cubicBezTo>
-                  <a:pt x="5373" y="9979"/>
-                  <a:pt x="5405" y="9979"/>
-                  <a:pt x="5405" y="9979"/>
-                </a:cubicBezTo>
-                <a:lnTo>
-                  <a:pt x="6839" y="5451"/>
-                </a:lnTo>
-                <a:cubicBezTo>
-                  <a:pt x="6898" y="5262"/>
-                  <a:pt x="6898" y="5074"/>
-                  <a:pt x="6839" y="4885"/>
-                </a:cubicBezTo>
-                <a:close/>
-              </a:path>
-            </a:pathLst>
-          </a:custGeom>
-          <a:solidFill>
-            <a:schemeClr val="accent1"/>
-          </a:solidFill>
-          <a:ln>
-            <a:noFill/>
-          </a:ln>
-        </p:spPr>
-        <p:txBody>
-          <a:bodyPr/>
-          <a:lstStyle/>
-          <a:p>
-            <a:endParaRPr lang="en-US"/>
-          </a:p>
-        </p:txBody>
-      </p:sp>
-      <p:sp useBgFill="1">
-        <p:nvSpPr>
-          <p:cNvPr id="18" name="Rectangle 13">
-            <a:extLst>
-              <a:ext uri="{FF2B5EF4-FFF2-40B4-BE49-F238E27FC236}">
-                <a16:creationId xmlns:a16="http://schemas.microsoft.com/office/drawing/2014/main" id="{2C6246ED-0535-4496-A8F6-1E80CC4EB853}"/>
-              </a:ext>
-              <a:ext uri="{C183D7F6-B498-43B3-948B-1728B52AA6E4}">
-                <adec:decorative xmlns:adec="http://schemas.microsoft.com/office/drawing/2017/decorative" val="1"/>
-              </a:ext>
-            </a:extLst>
-          </p:cNvPr>
-          <p:cNvSpPr>
-            <a:spLocks noGrp="1" noRot="1" noChangeAspect="1" noMove="1" noResize="1" noEditPoints="1" noAdjustHandles="1" noChangeArrowheads="1" noChangeShapeType="1" noTextEdit="1"/>
-          </p:cNvSpPr>
-          <p:nvPr>
-            <p:extLst>
-              <p:ext uri="{386F3935-93C4-4BCD-93E2-E3B085C9AB24}">
-                <p16:designElem xmlns:p16="http://schemas.microsoft.com/office/powerpoint/2015/main" val="1"/>
-              </p:ext>
-            </p:extLst>
-          </p:nvPr>
-        </p:nvSpPr>
-        <p:spPr>
-          <a:xfrm>
-            <a:off x="4795736" y="0"/>
-            <a:ext cx="7396264" cy="6858000"/>
-          </a:xfrm>
-          <a:prstGeom prst="rect">
-            <a:avLst/>
-          </a:prstGeom>
-          <a:ln>
-            <a:noFill/>
-          </a:ln>
-        </p:spPr>
-        <p:style>
-          <a:lnRef idx="2">
-            <a:schemeClr val="accent1">
-              <a:shade val="50000"/>
-            </a:schemeClr>
-          </a:lnRef>
-          <a:fillRef idx="1">
-            <a:schemeClr val="accent1"/>
-          </a:fillRef>
-          <a:effectRef idx="0">
-            <a:schemeClr val="accent1"/>
-          </a:effectRef>
-          <a:fontRef idx="minor">
-            <a:schemeClr val="lt1"/>
-          </a:fontRef>
-        </p:style>
-        <p:txBody>
-          <a:bodyPr rtlCol="0" anchor="ctr"/>
-          <a:lstStyle/>
-          <a:p>
-            <a:pPr algn="ctr"/>
-            <a:endParaRPr lang="en-US"/>
-          </a:p>
-        </p:txBody>
-      </p:sp>
-      <p:graphicFrame>
-        <p:nvGraphicFramePr>
-          <p:cNvPr id="19" name="Content Placeholder 2">
-            <a:extLst>
-              <a:ext uri="{FF2B5EF4-FFF2-40B4-BE49-F238E27FC236}">
-                <a16:creationId xmlns:a16="http://schemas.microsoft.com/office/drawing/2014/main" id="{57483E98-AF71-44D3-A916-74D996DA9356}"/>
-              </a:ext>
-            </a:extLst>
-          </p:cNvPr>
-          <p:cNvGraphicFramePr>
-            <a:graphicFrameLocks noGrp="1"/>
-          </p:cNvGraphicFramePr>
-          <p:nvPr>
-            <p:ph idx="1"/>
-            <p:extLst>
-              <p:ext uri="{D42A27DB-BD31-4B8C-83A1-F6EECF244321}">
-                <p14:modId xmlns:p14="http://schemas.microsoft.com/office/powerpoint/2010/main" val="1866590029"/>
-              </p:ext>
-            </p:extLst>
-          </p:nvPr>
-        </p:nvGraphicFramePr>
-        <p:xfrm>
-          <a:off x="4713144" y="641551"/>
-          <a:ext cx="6832212" cy="5264779"/>
-        </p:xfrm>
-        <a:graphic>
-          <a:graphicData uri="http://schemas.openxmlformats.org/drawingml/2006/diagram">
-            <dgm:relIds xmlns:dgm="http://schemas.openxmlformats.org/drawingml/2006/diagram" xmlns:r="http://schemas.openxmlformats.org/officeDocument/2006/relationships" r:dm="rId2" r:lo="rId3" r:qs="rId4" r:cs="rId5"/>
-          </a:graphicData>
-        </a:graphic>
-      </p:graphicFrame>
-    </p:spTree>
-    <p:extLst>
-      <p:ext uri="{BB962C8B-B14F-4D97-AF65-F5344CB8AC3E}">
-        <p14:creationId xmlns:p14="http://schemas.microsoft.com/office/powerpoint/2010/main" val="1430944752"/>
-      </p:ext>
-    </p:extLst>
-  </p:cSld>
-  <p:clrMapOvr>
-    <a:masterClrMapping/>
-  </p:clrMapOvr>
-</p:sld>
-</file>
-
-<file path=ppt/slides/slide13.xml><?xml version="1.0" encoding="utf-8"?>
-<p:sld xmlns:a="http://schemas.openxmlformats.org/drawingml/2006/main" xmlns:r="http://schemas.openxmlformats.org/officeDocument/2006/relationships" xmlns:p="http://schemas.openxmlformats.org/presentationml/2006/main">
-  <p:cSld>
-    <p:bg>
-      <p:bgPr>
-        <a:gradFill rotWithShape="1">
-          <a:gsLst>
-            <a:gs pos="0">
-              <a:schemeClr val="bg2">
-                <a:tint val="90000"/>
-                <a:satMod val="92000"/>
-                <a:lumMod val="120000"/>
-              </a:schemeClr>
-            </a:gs>
-            <a:gs pos="100000">
-              <a:schemeClr val="bg2">
-                <a:shade val="98000"/>
-                <a:satMod val="120000"/>
-                <a:lumMod val="98000"/>
-              </a:schemeClr>
-            </a:gs>
-          </a:gsLst>
-          <a:path path="circle">
-            <a:fillToRect l="50000" t="50000" r="100000" b="100000"/>
-          </a:path>
-        </a:gradFill>
-        <a:effectLst/>
-      </p:bgPr>
-    </p:bg>
-    <p:spTree>
-      <p:nvGrpSpPr>
-        <p:cNvPr id="1" name=""/>
-        <p:cNvGrpSpPr/>
-        <p:nvPr/>
-      </p:nvGrpSpPr>
-      <p:grpSpPr>
-        <a:xfrm>
-          <a:off x="0" y="0"/>
-          <a:ext cx="0" cy="0"/>
-          <a:chOff x="0" y="0"/>
-          <a:chExt cx="0" cy="0"/>
-        </a:xfrm>
-      </p:grpSpPr>
-      <p:sp>
-        <p:nvSpPr>
-          <p:cNvPr id="10" name="Rectangle 9">
-            <a:extLst>
-              <a:ext uri="{FF2B5EF4-FFF2-40B4-BE49-F238E27FC236}">
-                <a16:creationId xmlns:a16="http://schemas.microsoft.com/office/drawing/2014/main" id="{A3D9AEEE-1CCD-43C0-BA3E-16D60A6E23C0}"/>
-              </a:ext>
-              <a:ext uri="{C183D7F6-B498-43B3-948B-1728B52AA6E4}">
-                <adec:decorative xmlns:adec="http://schemas.microsoft.com/office/drawing/2017/decorative" val="1"/>
-              </a:ext>
-            </a:extLst>
-          </p:cNvPr>
-          <p:cNvSpPr>
-            <a:spLocks noGrp="1" noRot="1" noChangeAspect="1" noMove="1" noResize="1" noEditPoints="1" noAdjustHandles="1" noChangeArrowheads="1" noChangeShapeType="1" noTextEdit="1"/>
-          </p:cNvSpPr>
-          <p:nvPr>
-            <p:extLst>
-              <p:ext uri="{386F3935-93C4-4BCD-93E2-E3B085C9AB24}">
-                <p16:designElem xmlns:p16="http://schemas.microsoft.com/office/powerpoint/2015/main" val="1"/>
-              </p:ext>
-            </p:extLst>
-          </p:nvPr>
-        </p:nvSpPr>
-        <p:spPr>
-          <a:xfrm>
-            <a:off x="1" y="0"/>
-            <a:ext cx="4059079" cy="6858000"/>
-          </a:xfrm>
-          <a:prstGeom prst="rect">
-            <a:avLst/>
-          </a:prstGeom>
-          <a:solidFill>
-            <a:schemeClr val="tx2"/>
-          </a:solidFill>
-          <a:ln>
-            <a:noFill/>
-          </a:ln>
-        </p:spPr>
-        <p:style>
-          <a:lnRef idx="2">
-            <a:schemeClr val="accent1">
-              <a:shade val="50000"/>
-            </a:schemeClr>
-          </a:lnRef>
-          <a:fillRef idx="1">
-            <a:schemeClr val="accent1"/>
-          </a:fillRef>
-          <a:effectRef idx="0">
-            <a:schemeClr val="accent1"/>
-          </a:effectRef>
-          <a:fontRef idx="minor">
-            <a:schemeClr val="lt1"/>
-          </a:fontRef>
-        </p:style>
-        <p:txBody>
-          <a:bodyPr rtlCol="0" anchor="ctr"/>
-          <a:lstStyle/>
-          <a:p>
-            <a:pPr algn="ctr"/>
-            <a:endParaRPr lang="en-US"/>
-          </a:p>
-        </p:txBody>
-      </p:sp>
-      <p:sp>
-        <p:nvSpPr>
-          <p:cNvPr id="2" name="Title 1">
-            <a:extLst>
-              <a:ext uri="{FF2B5EF4-FFF2-40B4-BE49-F238E27FC236}">
-                <a16:creationId xmlns:a16="http://schemas.microsoft.com/office/drawing/2014/main" id="{B6FCBFED-801E-4AEB-9456-FAF14E81A7C2}"/>
-              </a:ext>
-            </a:extLst>
-          </p:cNvPr>
-          <p:cNvSpPr>
-            <a:spLocks noGrp="1"/>
-          </p:cNvSpPr>
-          <p:nvPr>
-            <p:ph type="title"/>
-          </p:nvPr>
-        </p:nvSpPr>
-        <p:spPr>
-          <a:xfrm>
-            <a:off x="1259893" y="3101093"/>
-            <a:ext cx="2454052" cy="3029344"/>
-          </a:xfrm>
-        </p:spPr>
-        <p:txBody>
-          <a:bodyPr>
-            <a:normAutofit/>
-          </a:bodyPr>
-          <a:lstStyle/>
-          <a:p>
-            <a:r>
-              <a:rPr lang="en-US" sz="3000">
-                <a:solidFill>
-                  <a:schemeClr val="bg1"/>
-                </a:solidFill>
-              </a:rPr>
-              <a:t>Data Consistency</a:t>
-            </a:r>
-          </a:p>
-        </p:txBody>
-      </p:sp>
-      <p:sp>
-        <p:nvSpPr>
-          <p:cNvPr id="12" name="Freeform 11">
-            <a:extLst>
-              <a:ext uri="{FF2B5EF4-FFF2-40B4-BE49-F238E27FC236}">
-                <a16:creationId xmlns:a16="http://schemas.microsoft.com/office/drawing/2014/main" id="{60F880A6-33D3-4EEC-A780-B73559B9F24C}"/>
-              </a:ext>
-              <a:ext uri="{C183D7F6-B498-43B3-948B-1728B52AA6E4}">
-                <adec:decorative xmlns:adec="http://schemas.microsoft.com/office/drawing/2017/decorative" val="1"/>
-              </a:ext>
-            </a:extLst>
-          </p:cNvPr>
-          <p:cNvSpPr>
-            <a:spLocks noGrp="1" noRot="1" noChangeAspect="1" noMove="1" noResize="1" noEditPoints="1" noAdjustHandles="1" noChangeArrowheads="1" noChangeShapeType="1" noTextEdit="1"/>
-          </p:cNvSpPr>
-          <p:nvPr>
-            <p:extLst>
-              <p:ext uri="{386F3935-93C4-4BCD-93E2-E3B085C9AB24}">
-                <p16:designElem xmlns:p16="http://schemas.microsoft.com/office/powerpoint/2015/main" val="1"/>
-              </p:ext>
-            </p:extLst>
-          </p:nvPr>
-        </p:nvSpPr>
-        <p:spPr bwMode="auto">
-          <a:xfrm flipV="1">
-            <a:off x="-159" y="3179901"/>
-            <a:ext cx="1098194" cy="514066"/>
-          </a:xfrm>
-          <a:custGeom>
-            <a:avLst/>
-            <a:gdLst>
-              <a:gd name="connsiteX0" fmla="*/ 10000 w 10044"/>
-              <a:gd name="connsiteY0" fmla="*/ 4701 h 9966"/>
-              <a:gd name="connsiteX1" fmla="*/ 8559 w 10044"/>
-              <a:gd name="connsiteY1" fmla="*/ 188 h 9966"/>
-              <a:gd name="connsiteX2" fmla="*/ 8527 w 10044"/>
-              <a:gd name="connsiteY2" fmla="*/ 94 h 9966"/>
-              <a:gd name="connsiteX3" fmla="*/ 8438 w 10044"/>
-              <a:gd name="connsiteY3" fmla="*/ 0 h 9966"/>
-              <a:gd name="connsiteX4" fmla="*/ 7867 w 10044"/>
-              <a:gd name="connsiteY4" fmla="*/ 0 h 9966"/>
-              <a:gd name="connsiteX5" fmla="*/ 0 w 10044"/>
-              <a:gd name="connsiteY5" fmla="*/ 70 h 9966"/>
-              <a:gd name="connsiteX6" fmla="*/ 3132 w 10044"/>
-              <a:gd name="connsiteY6" fmla="*/ 9763 h 9966"/>
-              <a:gd name="connsiteX7" fmla="*/ 7867 w 10044"/>
-              <a:gd name="connsiteY7" fmla="*/ 9966 h 9966"/>
-              <a:gd name="connsiteX8" fmla="*/ 8438 w 10044"/>
-              <a:gd name="connsiteY8" fmla="*/ 9966 h 9966"/>
-              <a:gd name="connsiteX9" fmla="*/ 8527 w 10044"/>
-              <a:gd name="connsiteY9" fmla="*/ 9872 h 9966"/>
-              <a:gd name="connsiteX10" fmla="*/ 8559 w 10044"/>
-              <a:gd name="connsiteY10" fmla="*/ 9778 h 9966"/>
-              <a:gd name="connsiteX11" fmla="*/ 10000 w 10044"/>
-              <a:gd name="connsiteY11" fmla="*/ 5265 h 9966"/>
-              <a:gd name="connsiteX12" fmla="*/ 10000 w 10044"/>
-              <a:gd name="connsiteY12" fmla="*/ 4701 h 9966"/>
-              <a:gd name="connsiteX0" fmla="*/ 6839 w 6883"/>
-              <a:gd name="connsiteY0" fmla="*/ 4885 h 10168"/>
-              <a:gd name="connsiteX1" fmla="*/ 5405 w 6883"/>
-              <a:gd name="connsiteY1" fmla="*/ 357 h 10168"/>
-              <a:gd name="connsiteX2" fmla="*/ 5373 w 6883"/>
-              <a:gd name="connsiteY2" fmla="*/ 262 h 10168"/>
-              <a:gd name="connsiteX3" fmla="*/ 5284 w 6883"/>
-              <a:gd name="connsiteY3" fmla="*/ 168 h 10168"/>
-              <a:gd name="connsiteX4" fmla="*/ 4716 w 6883"/>
-              <a:gd name="connsiteY4" fmla="*/ 168 h 10168"/>
-              <a:gd name="connsiteX5" fmla="*/ 50 w 6883"/>
-              <a:gd name="connsiteY5" fmla="*/ 0 h 10168"/>
-              <a:gd name="connsiteX6" fmla="*/ 1 w 6883"/>
-              <a:gd name="connsiteY6" fmla="*/ 9964 h 10168"/>
-              <a:gd name="connsiteX7" fmla="*/ 4716 w 6883"/>
-              <a:gd name="connsiteY7" fmla="*/ 10168 h 10168"/>
-              <a:gd name="connsiteX8" fmla="*/ 5284 w 6883"/>
-              <a:gd name="connsiteY8" fmla="*/ 10168 h 10168"/>
-              <a:gd name="connsiteX9" fmla="*/ 5373 w 6883"/>
-              <a:gd name="connsiteY9" fmla="*/ 10074 h 10168"/>
-              <a:gd name="connsiteX10" fmla="*/ 5405 w 6883"/>
-              <a:gd name="connsiteY10" fmla="*/ 9979 h 10168"/>
-              <a:gd name="connsiteX11" fmla="*/ 6839 w 6883"/>
-              <a:gd name="connsiteY11" fmla="*/ 5451 h 10168"/>
-              <a:gd name="connsiteX12" fmla="*/ 6839 w 6883"/>
-              <a:gd name="connsiteY12" fmla="*/ 4885 h 10168"/>
-            </a:gdLst>
-            <a:ahLst/>
-            <a:cxnLst>
-              <a:cxn ang="0">
-                <a:pos x="connsiteX0" y="connsiteY0"/>
-              </a:cxn>
-              <a:cxn ang="0">
-                <a:pos x="connsiteX1" y="connsiteY1"/>
-              </a:cxn>
-              <a:cxn ang="0">
-                <a:pos x="connsiteX2" y="connsiteY2"/>
-              </a:cxn>
-              <a:cxn ang="0">
-                <a:pos x="connsiteX3" y="connsiteY3"/>
-              </a:cxn>
-              <a:cxn ang="0">
-                <a:pos x="connsiteX4" y="connsiteY4"/>
-              </a:cxn>
-              <a:cxn ang="0">
-                <a:pos x="connsiteX5" y="connsiteY5"/>
-              </a:cxn>
-              <a:cxn ang="0">
-                <a:pos x="connsiteX6" y="connsiteY6"/>
-              </a:cxn>
-              <a:cxn ang="0">
-                <a:pos x="connsiteX7" y="connsiteY7"/>
-              </a:cxn>
-              <a:cxn ang="0">
-                <a:pos x="connsiteX8" y="connsiteY8"/>
-              </a:cxn>
-              <a:cxn ang="0">
-                <a:pos x="connsiteX9" y="connsiteY9"/>
-              </a:cxn>
-              <a:cxn ang="0">
-                <a:pos x="connsiteX10" y="connsiteY10"/>
-              </a:cxn>
-              <a:cxn ang="0">
-                <a:pos x="connsiteX11" y="connsiteY11"/>
-              </a:cxn>
-              <a:cxn ang="0">
-                <a:pos x="connsiteX12" y="connsiteY12"/>
-              </a:cxn>
-            </a:cxnLst>
-            <a:rect l="l" t="t" r="r" b="b"/>
-            <a:pathLst>
-              <a:path w="6883" h="10168">
-                <a:moveTo>
-                  <a:pt x="6839" y="4885"/>
-                </a:moveTo>
-                <a:lnTo>
-                  <a:pt x="5405" y="357"/>
-                </a:lnTo>
-                <a:cubicBezTo>
-                  <a:pt x="5395" y="325"/>
-                  <a:pt x="5383" y="294"/>
-                  <a:pt x="5373" y="262"/>
-                </a:cubicBezTo>
-                <a:cubicBezTo>
-                  <a:pt x="5344" y="168"/>
-                  <a:pt x="5314" y="168"/>
-                  <a:pt x="5284" y="168"/>
-                </a:cubicBezTo>
-                <a:lnTo>
-                  <a:pt x="4716" y="168"/>
-                </a:lnTo>
-                <a:lnTo>
-                  <a:pt x="50" y="0"/>
-                </a:lnTo>
-                <a:cubicBezTo>
-                  <a:pt x="59" y="3322"/>
-                  <a:pt x="-8" y="6643"/>
-                  <a:pt x="1" y="9964"/>
-                </a:cubicBezTo>
-                <a:lnTo>
-                  <a:pt x="4716" y="10168"/>
-                </a:lnTo>
-                <a:lnTo>
-                  <a:pt x="5284" y="10168"/>
-                </a:lnTo>
-                <a:cubicBezTo>
-                  <a:pt x="5314" y="10168"/>
-                  <a:pt x="5344" y="10074"/>
-                  <a:pt x="5373" y="10074"/>
-                </a:cubicBezTo>
-                <a:cubicBezTo>
-                  <a:pt x="5373" y="9979"/>
-                  <a:pt x="5405" y="9979"/>
-                  <a:pt x="5405" y="9979"/>
-                </a:cubicBezTo>
-                <a:lnTo>
-                  <a:pt x="6839" y="5451"/>
-                </a:lnTo>
-                <a:cubicBezTo>
-                  <a:pt x="6898" y="5262"/>
-                  <a:pt x="6898" y="5074"/>
-                  <a:pt x="6839" y="4885"/>
-                </a:cubicBezTo>
-                <a:close/>
-              </a:path>
-            </a:pathLst>
-          </a:custGeom>
-          <a:solidFill>
-            <a:schemeClr val="accent1"/>
-          </a:solidFill>
-          <a:ln>
-            <a:noFill/>
-          </a:ln>
-        </p:spPr>
-        <p:txBody>
-          <a:bodyPr/>
-          <a:lstStyle/>
-          <a:p>
-            <a:endParaRPr lang="en-US"/>
-          </a:p>
-        </p:txBody>
-      </p:sp>
-      <p:sp useBgFill="1">
-        <p:nvSpPr>
-          <p:cNvPr id="14" name="Rectangle 13">
-            <a:extLst>
-              <a:ext uri="{FF2B5EF4-FFF2-40B4-BE49-F238E27FC236}">
-                <a16:creationId xmlns:a16="http://schemas.microsoft.com/office/drawing/2014/main" id="{2C6246ED-0535-4496-A8F6-1E80CC4EB853}"/>
-              </a:ext>
-              <a:ext uri="{C183D7F6-B498-43B3-948B-1728B52AA6E4}">
-                <adec:decorative xmlns:adec="http://schemas.microsoft.com/office/drawing/2017/decorative" val="1"/>
-              </a:ext>
-            </a:extLst>
-          </p:cNvPr>
-          <p:cNvSpPr>
-            <a:spLocks noGrp="1" noRot="1" noChangeAspect="1" noMove="1" noResize="1" noEditPoints="1" noAdjustHandles="1" noChangeArrowheads="1" noChangeShapeType="1" noTextEdit="1"/>
-          </p:cNvSpPr>
-          <p:nvPr>
-            <p:extLst>
-              <p:ext uri="{386F3935-93C4-4BCD-93E2-E3B085C9AB24}">
-                <p16:designElem xmlns:p16="http://schemas.microsoft.com/office/powerpoint/2015/main" val="1"/>
-              </p:ext>
-            </p:extLst>
-          </p:nvPr>
-        </p:nvSpPr>
-        <p:spPr>
-          <a:xfrm>
-            <a:off x="4795736" y="0"/>
-            <a:ext cx="7396264" cy="6858000"/>
-          </a:xfrm>
-          <a:prstGeom prst="rect">
-            <a:avLst/>
-          </a:prstGeom>
-          <a:ln>
-            <a:noFill/>
-          </a:ln>
-        </p:spPr>
-        <p:style>
-          <a:lnRef idx="2">
-            <a:schemeClr val="accent1">
-              <a:shade val="50000"/>
-            </a:schemeClr>
-          </a:lnRef>
-          <a:fillRef idx="1">
-            <a:schemeClr val="accent1"/>
-          </a:fillRef>
-          <a:effectRef idx="0">
-            <a:schemeClr val="accent1"/>
-          </a:effectRef>
-          <a:fontRef idx="minor">
-            <a:schemeClr val="lt1"/>
-          </a:fontRef>
-        </p:style>
-        <p:txBody>
-          <a:bodyPr rtlCol="0" anchor="ctr"/>
-          <a:lstStyle/>
-          <a:p>
-            <a:pPr algn="ctr"/>
-            <a:endParaRPr lang="en-US"/>
-          </a:p>
-        </p:txBody>
-      </p:sp>
-      <p:graphicFrame>
-        <p:nvGraphicFramePr>
-          <p:cNvPr id="5" name="Content Placeholder 2">
-            <a:extLst>
-              <a:ext uri="{FF2B5EF4-FFF2-40B4-BE49-F238E27FC236}">
-                <a16:creationId xmlns:a16="http://schemas.microsoft.com/office/drawing/2014/main" id="{72980326-5E19-4FB4-9720-2E3D33DC5B35}"/>
-              </a:ext>
-            </a:extLst>
-          </p:cNvPr>
-          <p:cNvGraphicFramePr>
-            <a:graphicFrameLocks noGrp="1"/>
-          </p:cNvGraphicFramePr>
-          <p:nvPr>
-            <p:ph idx="1"/>
-            <p:extLst>
-              <p:ext uri="{D42A27DB-BD31-4B8C-83A1-F6EECF244321}">
-                <p14:modId xmlns:p14="http://schemas.microsoft.com/office/powerpoint/2010/main" val="548616360"/>
-              </p:ext>
-            </p:extLst>
-          </p:nvPr>
-        </p:nvGraphicFramePr>
-        <p:xfrm>
-          <a:off x="4713144" y="641551"/>
-          <a:ext cx="6832212" cy="5264779"/>
-        </p:xfrm>
-        <a:graphic>
-          <a:graphicData uri="http://schemas.openxmlformats.org/drawingml/2006/diagram">
-            <dgm:relIds xmlns:dgm="http://schemas.openxmlformats.org/drawingml/2006/diagram" xmlns:r="http://schemas.openxmlformats.org/officeDocument/2006/relationships" r:dm="rId2" r:lo="rId3" r:qs="rId4" r:cs="rId5"/>
-          </a:graphicData>
-        </a:graphic>
-      </p:graphicFrame>
-    </p:spTree>
-    <p:extLst>
-      <p:ext uri="{BB962C8B-B14F-4D97-AF65-F5344CB8AC3E}">
-        <p14:creationId xmlns:p14="http://schemas.microsoft.com/office/powerpoint/2010/main" val="599986821"/>
-      </p:ext>
-    </p:extLst>
-  </p:cSld>
-  <p:clrMapOvr>
-    <a:masterClrMapping/>
-  </p:clrMapOvr>
-</p:sld>
-</file>
-
-<file path=ppt/slides/slide14.xml><?xml version="1.0" encoding="utf-8"?>
-<p:sld xmlns:a="http://schemas.openxmlformats.org/drawingml/2006/main" xmlns:r="http://schemas.openxmlformats.org/officeDocument/2006/relationships" xmlns:p="http://schemas.openxmlformats.org/presentationml/2006/main">
-  <p:cSld>
-    <p:bg>
-      <p:bgPr>
-        <a:gradFill rotWithShape="1">
-          <a:gsLst>
-            <a:gs pos="0">
-              <a:schemeClr val="bg2">
-                <a:tint val="90000"/>
-                <a:satMod val="92000"/>
-                <a:lumMod val="120000"/>
-              </a:schemeClr>
-            </a:gs>
-            <a:gs pos="100000">
-              <a:schemeClr val="bg2">
-                <a:shade val="98000"/>
-                <a:satMod val="120000"/>
-                <a:lumMod val="98000"/>
-              </a:schemeClr>
-            </a:gs>
-          </a:gsLst>
-          <a:path path="circle">
-            <a:fillToRect l="50000" t="50000" r="100000" b="100000"/>
-          </a:path>
-        </a:gradFill>
-        <a:effectLst/>
-      </p:bgPr>
-    </p:bg>
-    <p:spTree>
-      <p:nvGrpSpPr>
-        <p:cNvPr id="1" name=""/>
-        <p:cNvGrpSpPr/>
-        <p:nvPr/>
-      </p:nvGrpSpPr>
-      <p:grpSpPr>
-        <a:xfrm>
-          <a:off x="0" y="0"/>
-          <a:ext cx="0" cy="0"/>
-          <a:chOff x="0" y="0"/>
-          <a:chExt cx="0" cy="0"/>
-        </a:xfrm>
-      </p:grpSpPr>
-      <p:sp>
-        <p:nvSpPr>
-          <p:cNvPr id="10" name="Rectangle 9">
-            <a:extLst>
-              <a:ext uri="{FF2B5EF4-FFF2-40B4-BE49-F238E27FC236}">
-                <a16:creationId xmlns:a16="http://schemas.microsoft.com/office/drawing/2014/main" id="{A3D9AEEE-1CCD-43C0-BA3E-16D60A6E23C0}"/>
-              </a:ext>
-              <a:ext uri="{C183D7F6-B498-43B3-948B-1728B52AA6E4}">
-                <adec:decorative xmlns:adec="http://schemas.microsoft.com/office/drawing/2017/decorative" val="1"/>
-              </a:ext>
-            </a:extLst>
-          </p:cNvPr>
-          <p:cNvSpPr>
-            <a:spLocks noGrp="1" noRot="1" noChangeAspect="1" noMove="1" noResize="1" noEditPoints="1" noAdjustHandles="1" noChangeArrowheads="1" noChangeShapeType="1" noTextEdit="1"/>
-          </p:cNvSpPr>
-          <p:nvPr>
-            <p:extLst>
-              <p:ext uri="{386F3935-93C4-4BCD-93E2-E3B085C9AB24}">
-                <p16:designElem xmlns:p16="http://schemas.microsoft.com/office/powerpoint/2015/main" val="1"/>
-              </p:ext>
-            </p:extLst>
-          </p:nvPr>
-        </p:nvSpPr>
-        <p:spPr>
-          <a:xfrm>
-            <a:off x="1" y="0"/>
-            <a:ext cx="4059079" cy="6858000"/>
-          </a:xfrm>
-          <a:prstGeom prst="rect">
-            <a:avLst/>
-          </a:prstGeom>
-          <a:solidFill>
-            <a:schemeClr val="tx2"/>
-          </a:solidFill>
-          <a:ln>
-            <a:noFill/>
-          </a:ln>
-        </p:spPr>
-        <p:style>
-          <a:lnRef idx="2">
-            <a:schemeClr val="accent1">
-              <a:shade val="50000"/>
-            </a:schemeClr>
-          </a:lnRef>
-          <a:fillRef idx="1">
-            <a:schemeClr val="accent1"/>
-          </a:fillRef>
-          <a:effectRef idx="0">
-            <a:schemeClr val="accent1"/>
-          </a:effectRef>
-          <a:fontRef idx="minor">
-            <a:schemeClr val="lt1"/>
-          </a:fontRef>
-        </p:style>
-        <p:txBody>
-          <a:bodyPr rtlCol="0" anchor="ctr"/>
-          <a:lstStyle/>
-          <a:p>
-            <a:pPr algn="ctr"/>
-            <a:endParaRPr lang="en-US"/>
-          </a:p>
-        </p:txBody>
-      </p:sp>
-      <p:sp>
-        <p:nvSpPr>
-          <p:cNvPr id="2" name="Title 1">
-            <a:extLst>
-              <a:ext uri="{FF2B5EF4-FFF2-40B4-BE49-F238E27FC236}">
-                <a16:creationId xmlns:a16="http://schemas.microsoft.com/office/drawing/2014/main" id="{FF56FC2A-20F4-4F0D-A8C8-0491168DC201}"/>
-              </a:ext>
-            </a:extLst>
-          </p:cNvPr>
-          <p:cNvSpPr>
-            <a:spLocks noGrp="1"/>
-          </p:cNvSpPr>
-          <p:nvPr>
-            <p:ph type="title"/>
-          </p:nvPr>
-        </p:nvSpPr>
-        <p:spPr>
-          <a:xfrm>
-            <a:off x="1259893" y="3101093"/>
-            <a:ext cx="2454052" cy="3029344"/>
-          </a:xfrm>
-        </p:spPr>
-        <p:txBody>
-          <a:bodyPr>
-            <a:normAutofit/>
-          </a:bodyPr>
-          <a:lstStyle/>
-          <a:p>
-            <a:r>
-              <a:rPr lang="en-US" sz="3200">
-                <a:solidFill>
-                  <a:schemeClr val="bg1"/>
-                </a:solidFill>
-              </a:rPr>
-              <a:t>Operation</a:t>
-            </a:r>
-          </a:p>
-        </p:txBody>
-      </p:sp>
-      <p:sp>
-        <p:nvSpPr>
-          <p:cNvPr id="12" name="Freeform 11">
-            <a:extLst>
-              <a:ext uri="{FF2B5EF4-FFF2-40B4-BE49-F238E27FC236}">
-                <a16:creationId xmlns:a16="http://schemas.microsoft.com/office/drawing/2014/main" id="{60F880A6-33D3-4EEC-A780-B73559B9F24C}"/>
-              </a:ext>
-              <a:ext uri="{C183D7F6-B498-43B3-948B-1728B52AA6E4}">
-                <adec:decorative xmlns:adec="http://schemas.microsoft.com/office/drawing/2017/decorative" val="1"/>
-              </a:ext>
-            </a:extLst>
-          </p:cNvPr>
-          <p:cNvSpPr>
-            <a:spLocks noGrp="1" noRot="1" noChangeAspect="1" noMove="1" noResize="1" noEditPoints="1" noAdjustHandles="1" noChangeArrowheads="1" noChangeShapeType="1" noTextEdit="1"/>
-          </p:cNvSpPr>
-          <p:nvPr>
-            <p:extLst>
-              <p:ext uri="{386F3935-93C4-4BCD-93E2-E3B085C9AB24}">
-                <p16:designElem xmlns:p16="http://schemas.microsoft.com/office/powerpoint/2015/main" val="1"/>
-              </p:ext>
-            </p:extLst>
-          </p:nvPr>
-        </p:nvSpPr>
-        <p:spPr bwMode="auto">
-          <a:xfrm flipV="1">
-            <a:off x="-159" y="3179901"/>
-            <a:ext cx="1098194" cy="514066"/>
-          </a:xfrm>
-          <a:custGeom>
-            <a:avLst/>
-            <a:gdLst>
-              <a:gd name="connsiteX0" fmla="*/ 10000 w 10044"/>
-              <a:gd name="connsiteY0" fmla="*/ 4701 h 9966"/>
-              <a:gd name="connsiteX1" fmla="*/ 8559 w 10044"/>
-              <a:gd name="connsiteY1" fmla="*/ 188 h 9966"/>
-              <a:gd name="connsiteX2" fmla="*/ 8527 w 10044"/>
-              <a:gd name="connsiteY2" fmla="*/ 94 h 9966"/>
-              <a:gd name="connsiteX3" fmla="*/ 8438 w 10044"/>
-              <a:gd name="connsiteY3" fmla="*/ 0 h 9966"/>
-              <a:gd name="connsiteX4" fmla="*/ 7867 w 10044"/>
-              <a:gd name="connsiteY4" fmla="*/ 0 h 9966"/>
-              <a:gd name="connsiteX5" fmla="*/ 0 w 10044"/>
-              <a:gd name="connsiteY5" fmla="*/ 70 h 9966"/>
-              <a:gd name="connsiteX6" fmla="*/ 3132 w 10044"/>
-              <a:gd name="connsiteY6" fmla="*/ 9763 h 9966"/>
-              <a:gd name="connsiteX7" fmla="*/ 7867 w 10044"/>
-              <a:gd name="connsiteY7" fmla="*/ 9966 h 9966"/>
-              <a:gd name="connsiteX8" fmla="*/ 8438 w 10044"/>
-              <a:gd name="connsiteY8" fmla="*/ 9966 h 9966"/>
-              <a:gd name="connsiteX9" fmla="*/ 8527 w 10044"/>
-              <a:gd name="connsiteY9" fmla="*/ 9872 h 9966"/>
-              <a:gd name="connsiteX10" fmla="*/ 8559 w 10044"/>
-              <a:gd name="connsiteY10" fmla="*/ 9778 h 9966"/>
-              <a:gd name="connsiteX11" fmla="*/ 10000 w 10044"/>
-              <a:gd name="connsiteY11" fmla="*/ 5265 h 9966"/>
-              <a:gd name="connsiteX12" fmla="*/ 10000 w 10044"/>
-              <a:gd name="connsiteY12" fmla="*/ 4701 h 9966"/>
-              <a:gd name="connsiteX0" fmla="*/ 6839 w 6883"/>
-              <a:gd name="connsiteY0" fmla="*/ 4885 h 10168"/>
-              <a:gd name="connsiteX1" fmla="*/ 5405 w 6883"/>
-              <a:gd name="connsiteY1" fmla="*/ 357 h 10168"/>
-              <a:gd name="connsiteX2" fmla="*/ 5373 w 6883"/>
-              <a:gd name="connsiteY2" fmla="*/ 262 h 10168"/>
-              <a:gd name="connsiteX3" fmla="*/ 5284 w 6883"/>
-              <a:gd name="connsiteY3" fmla="*/ 168 h 10168"/>
-              <a:gd name="connsiteX4" fmla="*/ 4716 w 6883"/>
-              <a:gd name="connsiteY4" fmla="*/ 168 h 10168"/>
-              <a:gd name="connsiteX5" fmla="*/ 50 w 6883"/>
-              <a:gd name="connsiteY5" fmla="*/ 0 h 10168"/>
-              <a:gd name="connsiteX6" fmla="*/ 1 w 6883"/>
-              <a:gd name="connsiteY6" fmla="*/ 9964 h 10168"/>
-              <a:gd name="connsiteX7" fmla="*/ 4716 w 6883"/>
-              <a:gd name="connsiteY7" fmla="*/ 10168 h 10168"/>
-              <a:gd name="connsiteX8" fmla="*/ 5284 w 6883"/>
-              <a:gd name="connsiteY8" fmla="*/ 10168 h 10168"/>
-              <a:gd name="connsiteX9" fmla="*/ 5373 w 6883"/>
-              <a:gd name="connsiteY9" fmla="*/ 10074 h 10168"/>
-              <a:gd name="connsiteX10" fmla="*/ 5405 w 6883"/>
-              <a:gd name="connsiteY10" fmla="*/ 9979 h 10168"/>
-              <a:gd name="connsiteX11" fmla="*/ 6839 w 6883"/>
-              <a:gd name="connsiteY11" fmla="*/ 5451 h 10168"/>
-              <a:gd name="connsiteX12" fmla="*/ 6839 w 6883"/>
-              <a:gd name="connsiteY12" fmla="*/ 4885 h 10168"/>
-            </a:gdLst>
-            <a:ahLst/>
-            <a:cxnLst>
-              <a:cxn ang="0">
-                <a:pos x="connsiteX0" y="connsiteY0"/>
-              </a:cxn>
-              <a:cxn ang="0">
-                <a:pos x="connsiteX1" y="connsiteY1"/>
-              </a:cxn>
-              <a:cxn ang="0">
-                <a:pos x="connsiteX2" y="connsiteY2"/>
-              </a:cxn>
-              <a:cxn ang="0">
-                <a:pos x="connsiteX3" y="connsiteY3"/>
-              </a:cxn>
-              <a:cxn ang="0">
-                <a:pos x="connsiteX4" y="connsiteY4"/>
-              </a:cxn>
-              <a:cxn ang="0">
-                <a:pos x="connsiteX5" y="connsiteY5"/>
-              </a:cxn>
-              <a:cxn ang="0">
-                <a:pos x="connsiteX6" y="connsiteY6"/>
-              </a:cxn>
-              <a:cxn ang="0">
-                <a:pos x="connsiteX7" y="connsiteY7"/>
-              </a:cxn>
-              <a:cxn ang="0">
-                <a:pos x="connsiteX8" y="connsiteY8"/>
-              </a:cxn>
-              <a:cxn ang="0">
-                <a:pos x="connsiteX9" y="connsiteY9"/>
-              </a:cxn>
-              <a:cxn ang="0">
-                <a:pos x="connsiteX10" y="connsiteY10"/>
-              </a:cxn>
-              <a:cxn ang="0">
-                <a:pos x="connsiteX11" y="connsiteY11"/>
-              </a:cxn>
-              <a:cxn ang="0">
-                <a:pos x="connsiteX12" y="connsiteY12"/>
-              </a:cxn>
-            </a:cxnLst>
-            <a:rect l="l" t="t" r="r" b="b"/>
-            <a:pathLst>
-              <a:path w="6883" h="10168">
-                <a:moveTo>
-                  <a:pt x="6839" y="4885"/>
-                </a:moveTo>
-                <a:lnTo>
-                  <a:pt x="5405" y="357"/>
-                </a:lnTo>
-                <a:cubicBezTo>
-                  <a:pt x="5395" y="325"/>
-                  <a:pt x="5383" y="294"/>
-                  <a:pt x="5373" y="262"/>
-                </a:cubicBezTo>
-                <a:cubicBezTo>
-                  <a:pt x="5344" y="168"/>
-                  <a:pt x="5314" y="168"/>
-                  <a:pt x="5284" y="168"/>
-                </a:cubicBezTo>
-                <a:lnTo>
-                  <a:pt x="4716" y="168"/>
-                </a:lnTo>
-                <a:lnTo>
-                  <a:pt x="50" y="0"/>
-                </a:lnTo>
-                <a:cubicBezTo>
-                  <a:pt x="59" y="3322"/>
-                  <a:pt x="-8" y="6643"/>
-                  <a:pt x="1" y="9964"/>
-                </a:cubicBezTo>
-                <a:lnTo>
-                  <a:pt x="4716" y="10168"/>
-                </a:lnTo>
-                <a:lnTo>
-                  <a:pt x="5284" y="10168"/>
-                </a:lnTo>
-                <a:cubicBezTo>
-                  <a:pt x="5314" y="10168"/>
-                  <a:pt x="5344" y="10074"/>
-                  <a:pt x="5373" y="10074"/>
-                </a:cubicBezTo>
-                <a:cubicBezTo>
-                  <a:pt x="5373" y="9979"/>
-                  <a:pt x="5405" y="9979"/>
-                  <a:pt x="5405" y="9979"/>
-                </a:cubicBezTo>
-                <a:lnTo>
-                  <a:pt x="6839" y="5451"/>
-                </a:lnTo>
-                <a:cubicBezTo>
-                  <a:pt x="6898" y="5262"/>
-                  <a:pt x="6898" y="5074"/>
-                  <a:pt x="6839" y="4885"/>
-                </a:cubicBezTo>
-                <a:close/>
-              </a:path>
-            </a:pathLst>
-          </a:custGeom>
-          <a:solidFill>
-            <a:schemeClr val="accent1"/>
-          </a:solidFill>
-          <a:ln>
-            <a:noFill/>
-          </a:ln>
-        </p:spPr>
-        <p:txBody>
-          <a:bodyPr/>
-          <a:lstStyle/>
-          <a:p>
-            <a:endParaRPr lang="en-US"/>
-          </a:p>
-        </p:txBody>
-      </p:sp>
-      <p:sp useBgFill="1">
-        <p:nvSpPr>
-          <p:cNvPr id="14" name="Rectangle 13">
-            <a:extLst>
-              <a:ext uri="{FF2B5EF4-FFF2-40B4-BE49-F238E27FC236}">
-                <a16:creationId xmlns:a16="http://schemas.microsoft.com/office/drawing/2014/main" id="{2C6246ED-0535-4496-A8F6-1E80CC4EB853}"/>
-              </a:ext>
-              <a:ext uri="{C183D7F6-B498-43B3-948B-1728B52AA6E4}">
-                <adec:decorative xmlns:adec="http://schemas.microsoft.com/office/drawing/2017/decorative" val="1"/>
-              </a:ext>
-            </a:extLst>
-          </p:cNvPr>
-          <p:cNvSpPr>
-            <a:spLocks noGrp="1" noRot="1" noChangeAspect="1" noMove="1" noResize="1" noEditPoints="1" noAdjustHandles="1" noChangeArrowheads="1" noChangeShapeType="1" noTextEdit="1"/>
-          </p:cNvSpPr>
-          <p:nvPr>
-            <p:extLst>
-              <p:ext uri="{386F3935-93C4-4BCD-93E2-E3B085C9AB24}">
-                <p16:designElem xmlns:p16="http://schemas.microsoft.com/office/powerpoint/2015/main" val="1"/>
-              </p:ext>
-            </p:extLst>
-          </p:nvPr>
-        </p:nvSpPr>
-        <p:spPr>
-          <a:xfrm>
-            <a:off x="4795736" y="0"/>
-            <a:ext cx="7396264" cy="6858000"/>
-          </a:xfrm>
-          <a:prstGeom prst="rect">
-            <a:avLst/>
-          </a:prstGeom>
-          <a:ln>
-            <a:noFill/>
-          </a:ln>
-        </p:spPr>
-        <p:style>
-          <a:lnRef idx="2">
-            <a:schemeClr val="accent1">
-              <a:shade val="50000"/>
-            </a:schemeClr>
-          </a:lnRef>
-          <a:fillRef idx="1">
-            <a:schemeClr val="accent1"/>
-          </a:fillRef>
-          <a:effectRef idx="0">
-            <a:schemeClr val="accent1"/>
-          </a:effectRef>
-          <a:fontRef idx="minor">
-            <a:schemeClr val="lt1"/>
-          </a:fontRef>
-        </p:style>
-        <p:txBody>
-          <a:bodyPr rtlCol="0" anchor="ctr"/>
-          <a:lstStyle/>
-          <a:p>
-            <a:pPr algn="ctr"/>
-            <a:endParaRPr lang="en-US"/>
-          </a:p>
-        </p:txBody>
-      </p:sp>
-      <p:graphicFrame>
-        <p:nvGraphicFramePr>
-          <p:cNvPr id="5" name="Content Placeholder 2">
-            <a:extLst>
-              <a:ext uri="{FF2B5EF4-FFF2-40B4-BE49-F238E27FC236}">
-                <a16:creationId xmlns:a16="http://schemas.microsoft.com/office/drawing/2014/main" id="{D08B24B8-C706-4EF0-9C06-35DD9F8C019D}"/>
-              </a:ext>
-            </a:extLst>
-          </p:cNvPr>
-          <p:cNvGraphicFramePr>
-            <a:graphicFrameLocks noGrp="1"/>
-          </p:cNvGraphicFramePr>
-          <p:nvPr>
-            <p:ph idx="1"/>
-            <p:extLst>
-              <p:ext uri="{D42A27DB-BD31-4B8C-83A1-F6EECF244321}">
-                <p14:modId xmlns:p14="http://schemas.microsoft.com/office/powerpoint/2010/main" val="2390931995"/>
-              </p:ext>
-            </p:extLst>
-          </p:nvPr>
-        </p:nvGraphicFramePr>
-        <p:xfrm>
-          <a:off x="4713144" y="641551"/>
-          <a:ext cx="6832212" cy="5264779"/>
-        </p:xfrm>
-        <a:graphic>
-          <a:graphicData uri="http://schemas.openxmlformats.org/drawingml/2006/diagram">
-            <dgm:relIds xmlns:dgm="http://schemas.openxmlformats.org/drawingml/2006/diagram" xmlns:r="http://schemas.openxmlformats.org/officeDocument/2006/relationships" r:dm="rId2" r:lo="rId3" r:qs="rId4" r:cs="rId5"/>
-          </a:graphicData>
-        </a:graphic>
-      </p:graphicFrame>
-    </p:spTree>
-    <p:extLst>
-      <p:ext uri="{BB962C8B-B14F-4D97-AF65-F5344CB8AC3E}">
-        <p14:creationId xmlns:p14="http://schemas.microsoft.com/office/powerpoint/2010/main" val="4053071767"/>
-      </p:ext>
-    </p:extLst>
-  </p:cSld>
-  <p:clrMapOvr>
-    <a:masterClrMapping/>
-  </p:clrMapOvr>
-</p:sld>
-</file>
-
-<file path=ppt/slides/slide2.xml><?xml version="1.0" encoding="utf-8"?>
-<p:sld xmlns:a="http://schemas.openxmlformats.org/drawingml/2006/main" xmlns:r="http://schemas.openxmlformats.org/officeDocument/2006/relationships" xmlns:p="http://schemas.openxmlformats.org/presentationml/2006/main">
-  <p:cSld>
-    <p:bg>
-      <p:bgPr>
-        <a:gradFill rotWithShape="1">
-          <a:gsLst>
-            <a:gs pos="0">
-              <a:schemeClr val="bg2">
-                <a:tint val="90000"/>
-                <a:satMod val="92000"/>
-                <a:lumMod val="120000"/>
-              </a:schemeClr>
-            </a:gs>
-            <a:gs pos="100000">
-              <a:schemeClr val="bg2">
-                <a:shade val="98000"/>
-                <a:satMod val="120000"/>
-                <a:lumMod val="98000"/>
-              </a:schemeClr>
-            </a:gs>
-          </a:gsLst>
-          <a:path path="circle">
-            <a:fillToRect l="50000" t="50000" r="100000" b="100000"/>
-          </a:path>
-        </a:gradFill>
-        <a:effectLst/>
-      </p:bgPr>
-    </p:bg>
-    <p:spTree>
-      <p:nvGrpSpPr>
-        <p:cNvPr id="1" name=""/>
-        <p:cNvGrpSpPr/>
-        <p:nvPr/>
-      </p:nvGrpSpPr>
-      <p:grpSpPr>
-        <a:xfrm>
-          <a:off x="0" y="0"/>
-          <a:ext cx="0" cy="0"/>
-          <a:chOff x="0" y="0"/>
-          <a:chExt cx="0" cy="0"/>
-        </a:xfrm>
-      </p:grpSpPr>
-      <p:sp useBgFill="1">
-        <p:nvSpPr>
-          <p:cNvPr id="9" name="Rectangle 8">
-            <a:extLst>
-              <a:ext uri="{FF2B5EF4-FFF2-40B4-BE49-F238E27FC236}">
-                <a16:creationId xmlns:a16="http://schemas.microsoft.com/office/drawing/2014/main" id="{39EE869B-085D-43B3-AED8-9B065561249F}"/>
-              </a:ext>
-              <a:ext uri="{C183D7F6-B498-43B3-948B-1728B52AA6E4}">
-                <adec:decorative xmlns:adec="http://schemas.microsoft.com/office/drawing/2017/decorative" val="1"/>
-              </a:ext>
-            </a:extLst>
-          </p:cNvPr>
-          <p:cNvSpPr>
-            <a:spLocks noGrp="1" noRot="1" noChangeAspect="1" noMove="1" noResize="1" noEditPoints="1" noAdjustHandles="1" noChangeArrowheads="1" noChangeShapeType="1" noTextEdit="1"/>
-          </p:cNvSpPr>
-          <p:nvPr>
-            <p:extLst>
-              <p:ext uri="{386F3935-93C4-4BCD-93E2-E3B085C9AB24}">
-                <p16:designElem xmlns:p16="http://schemas.microsoft.com/office/powerpoint/2015/main" val="1"/>
-              </p:ext>
-            </p:extLst>
-          </p:nvPr>
-        </p:nvSpPr>
-        <p:spPr>
-          <a:xfrm>
-            <a:off x="-7620" y="-1"/>
-            <a:ext cx="12207240" cy="6858001"/>
-          </a:xfrm>
-          <a:prstGeom prst="rect">
-            <a:avLst/>
-          </a:prstGeom>
-          <a:ln>
-            <a:noFill/>
-          </a:ln>
-        </p:spPr>
-        <p:style>
-          <a:lnRef idx="2">
-            <a:schemeClr val="accent1">
-              <a:shade val="50000"/>
-            </a:schemeClr>
-          </a:lnRef>
-          <a:fillRef idx="1">
-            <a:schemeClr val="accent1"/>
-          </a:fillRef>
-          <a:effectRef idx="0">
-            <a:schemeClr val="accent1"/>
-          </a:effectRef>
-          <a:fontRef idx="minor">
-            <a:schemeClr val="lt1"/>
-          </a:fontRef>
-        </p:style>
-        <p:txBody>
-          <a:bodyPr rot="0" spcFirstLastPara="0" vert="horz" wrap="square" lIns="91440" tIns="45720" rIns="91440" bIns="45720" numCol="1" spcCol="0" rtlCol="0" fromWordArt="0" anchor="ctr" anchorCtr="0" forceAA="0" compatLnSpc="1">
-            <a:prstTxWarp prst="textNoShape">
-              <a:avLst/>
-            </a:prstTxWarp>
-            <a:noAutofit/>
-          </a:bodyPr>
-          <a:lstStyle>
-            <a:defPPr>
-              <a:defRPr lang="en-US"/>
-            </a:defPPr>
-            <a:lvl1pPr marL="0" algn="l" defTabSz="914400" rtl="0" eaLnBrk="1" latinLnBrk="0" hangingPunct="1">
-              <a:defRPr sz="1800" kern="1200">
-                <a:solidFill>
-                  <a:schemeClr val="lt1"/>
-                </a:solidFill>
-                <a:latin typeface="+mn-lt"/>
-                <a:ea typeface="+mn-ea"/>
-                <a:cs typeface="+mn-cs"/>
-              </a:defRPr>
-            </a:lvl1pPr>
-            <a:lvl2pPr marL="457200" algn="l" defTabSz="914400" rtl="0" eaLnBrk="1" latinLnBrk="0" hangingPunct="1">
-              <a:defRPr sz="1800" kern="1200">
-                <a:solidFill>
-                  <a:schemeClr val="lt1"/>
-                </a:solidFill>
-                <a:latin typeface="+mn-lt"/>
-                <a:ea typeface="+mn-ea"/>
-                <a:cs typeface="+mn-cs"/>
-              </a:defRPr>
-            </a:lvl2pPr>
-            <a:lvl3pPr marL="914400" algn="l" defTabSz="914400" rtl="0" eaLnBrk="1" latinLnBrk="0" hangingPunct="1">
-              <a:defRPr sz="1800" kern="1200">
-                <a:solidFill>
-                  <a:schemeClr val="lt1"/>
-                </a:solidFill>
-                <a:latin typeface="+mn-lt"/>
-                <a:ea typeface="+mn-ea"/>
-                <a:cs typeface="+mn-cs"/>
-              </a:defRPr>
-            </a:lvl3pPr>
-            <a:lvl4pPr marL="1371600" algn="l" defTabSz="914400" rtl="0" eaLnBrk="1" latinLnBrk="0" hangingPunct="1">
-              <a:defRPr sz="1800" kern="1200">
-                <a:solidFill>
-                  <a:schemeClr val="lt1"/>
-                </a:solidFill>
-                <a:latin typeface="+mn-lt"/>
-                <a:ea typeface="+mn-ea"/>
-                <a:cs typeface="+mn-cs"/>
-              </a:defRPr>
-            </a:lvl4pPr>
-            <a:lvl5pPr marL="1828800" algn="l" defTabSz="914400" rtl="0" eaLnBrk="1" latinLnBrk="0" hangingPunct="1">
-              <a:defRPr sz="1800" kern="1200">
-                <a:solidFill>
-                  <a:schemeClr val="lt1"/>
-                </a:solidFill>
-                <a:latin typeface="+mn-lt"/>
-                <a:ea typeface="+mn-ea"/>
-                <a:cs typeface="+mn-cs"/>
-              </a:defRPr>
-            </a:lvl5pPr>
-            <a:lvl6pPr marL="2286000" algn="l" defTabSz="914400" rtl="0" eaLnBrk="1" latinLnBrk="0" hangingPunct="1">
-              <a:defRPr sz="1800" kern="1200">
-                <a:solidFill>
-                  <a:schemeClr val="lt1"/>
-                </a:solidFill>
-                <a:latin typeface="+mn-lt"/>
-                <a:ea typeface="+mn-ea"/>
-                <a:cs typeface="+mn-cs"/>
-              </a:defRPr>
-            </a:lvl6pPr>
-            <a:lvl7pPr marL="2743200" algn="l" defTabSz="914400" rtl="0" eaLnBrk="1" latinLnBrk="0" hangingPunct="1">
-              <a:defRPr sz="1800" kern="1200">
-                <a:solidFill>
-                  <a:schemeClr val="lt1"/>
-                </a:solidFill>
-                <a:latin typeface="+mn-lt"/>
-                <a:ea typeface="+mn-ea"/>
-                <a:cs typeface="+mn-cs"/>
-              </a:defRPr>
-            </a:lvl7pPr>
-            <a:lvl8pPr marL="3200400" algn="l" defTabSz="914400" rtl="0" eaLnBrk="1" latinLnBrk="0" hangingPunct="1">
-              <a:defRPr sz="1800" kern="1200">
-                <a:solidFill>
-                  <a:schemeClr val="lt1"/>
-                </a:solidFill>
-                <a:latin typeface="+mn-lt"/>
-                <a:ea typeface="+mn-ea"/>
-                <a:cs typeface="+mn-cs"/>
-              </a:defRPr>
-            </a:lvl8pPr>
-            <a:lvl9pPr marL="3657600" algn="l" defTabSz="914400" rtl="0" eaLnBrk="1" latinLnBrk="0" hangingPunct="1">
-              <a:defRPr sz="1800" kern="1200">
-                <a:solidFill>
-                  <a:schemeClr val="lt1"/>
-                </a:solidFill>
-                <a:latin typeface="+mn-lt"/>
-                <a:ea typeface="+mn-ea"/>
-                <a:cs typeface="+mn-cs"/>
-              </a:defRPr>
-            </a:lvl9pPr>
-          </a:lstStyle>
-          <a:p>
-            <a:pPr algn="ctr"/>
-            <a:endParaRPr lang="en-US"/>
-          </a:p>
-        </p:txBody>
-      </p:sp>
-      <p:sp>
-        <p:nvSpPr>
-          <p:cNvPr id="11" name="Rectangle 10">
-            <a:extLst>
-              <a:ext uri="{FF2B5EF4-FFF2-40B4-BE49-F238E27FC236}">
-                <a16:creationId xmlns:a16="http://schemas.microsoft.com/office/drawing/2014/main" id="{C54E744A-A072-47AF-981A-37186176C2CC}"/>
-              </a:ext>
-              <a:ext uri="{C183D7F6-B498-43B3-948B-1728B52AA6E4}">
-                <adec:decorative xmlns:adec="http://schemas.microsoft.com/office/drawing/2017/decorative" val="1"/>
-              </a:ext>
-            </a:extLst>
-          </p:cNvPr>
-          <p:cNvSpPr>
-            <a:spLocks noGrp="1" noRot="1" noChangeAspect="1" noMove="1" noResize="1" noEditPoints="1" noAdjustHandles="1" noChangeArrowheads="1" noChangeShapeType="1" noTextEdit="1"/>
-          </p:cNvSpPr>
-          <p:nvPr>
-            <p:extLst>
-              <p:ext uri="{386F3935-93C4-4BCD-93E2-E3B085C9AB24}">
-                <p16:designElem xmlns:p16="http://schemas.microsoft.com/office/powerpoint/2015/main" val="1"/>
-              </p:ext>
-            </p:extLst>
-          </p:nvPr>
-        </p:nvSpPr>
-        <p:spPr bwMode="white">
-          <a:xfrm>
-            <a:off x="-1" y="0"/>
-            <a:ext cx="8229600" cy="6858000"/>
-          </a:xfrm>
-          <a:prstGeom prst="rect">
-            <a:avLst/>
-          </a:prstGeom>
-          <a:solidFill>
-            <a:schemeClr val="tx2">
-              <a:lumMod val="10000"/>
-              <a:alpha val="90000"/>
-            </a:schemeClr>
-          </a:solidFill>
-          <a:ln>
-            <a:noFill/>
-          </a:ln>
-          <a:effectLst/>
-        </p:spPr>
-        <p:style>
-          <a:lnRef idx="1">
-            <a:schemeClr val="accent1"/>
-          </a:lnRef>
-          <a:fillRef idx="3">
-            <a:schemeClr val="accent1"/>
-          </a:fillRef>
-          <a:effectRef idx="2">
-            <a:schemeClr val="accent1"/>
-          </a:effectRef>
-          <a:fontRef idx="minor">
-            <a:schemeClr val="lt1"/>
-          </a:fontRef>
-        </p:style>
-        <p:txBody>
-          <a:bodyPr/>
-          <a:lstStyle/>
-          <a:p>
-            <a:endParaRPr lang="en-US"/>
-          </a:p>
-        </p:txBody>
-      </p:sp>
-      <p:pic>
-        <p:nvPicPr>
-          <p:cNvPr id="5" name="Picture 4" descr="The inside of a building&#10;&#10;Description automatically generated">
-            <a:extLst>
-              <a:ext uri="{FF2B5EF4-FFF2-40B4-BE49-F238E27FC236}">
-                <a16:creationId xmlns:a16="http://schemas.microsoft.com/office/drawing/2014/main" id="{4F2C868B-4CE5-4BFA-ABB1-F983EA2A7935}"/>
-              </a:ext>
-            </a:extLst>
-          </p:cNvPr>
-          <p:cNvPicPr>
-            <a:picLocks noChangeAspect="1"/>
-          </p:cNvPicPr>
-          <p:nvPr/>
-        </p:nvPicPr>
-        <p:blipFill rotWithShape="1">
-          <a:blip r:embed="rId3"/>
-          <a:srcRect l="30230" r="26437"/>
-          <a:stretch/>
-        </p:blipFill>
-        <p:spPr>
-          <a:xfrm>
-            <a:off x="8229598" y="10"/>
-            <a:ext cx="3962401" cy="6857990"/>
-          </a:xfrm>
-          <a:prstGeom prst="rect">
-            <a:avLst/>
-          </a:prstGeom>
-        </p:spPr>
-      </p:pic>
-      <p:sp>
-        <p:nvSpPr>
-          <p:cNvPr id="13" name="Freeform 5">
-            <a:extLst>
-              <a:ext uri="{FF2B5EF4-FFF2-40B4-BE49-F238E27FC236}">
-                <a16:creationId xmlns:a16="http://schemas.microsoft.com/office/drawing/2014/main" id="{F0254341-1068-4FB7-8AEF-220C6EB4101F}"/>
-              </a:ext>
-              <a:ext uri="{C183D7F6-B498-43B3-948B-1728B52AA6E4}">
-                <adec:decorative xmlns:adec="http://schemas.microsoft.com/office/drawing/2017/decorative" val="1"/>
-              </a:ext>
-            </a:extLst>
-          </p:cNvPr>
-          <p:cNvSpPr>
-            <a:spLocks noGrp="1" noRot="1" noChangeAspect="1" noMove="1" noResize="1" noEditPoints="1" noAdjustHandles="1" noChangeArrowheads="1" noChangeShapeType="1" noTextEdit="1"/>
-          </p:cNvSpPr>
-          <p:nvPr>
-            <p:extLst>
-              <p:ext uri="{386F3935-93C4-4BCD-93E2-E3B085C9AB24}">
-                <p16:designElem xmlns:p16="http://schemas.microsoft.com/office/powerpoint/2015/main" val="1"/>
-              </p:ext>
-            </p:extLst>
-          </p:nvPr>
-        </p:nvSpPr>
-        <p:spPr bwMode="grayWhite">
-          <a:xfrm>
-            <a:off x="1" y="659027"/>
-            <a:ext cx="9042690" cy="1035152"/>
-          </a:xfrm>
-          <a:custGeom>
-            <a:avLst/>
-            <a:gdLst>
-              <a:gd name="T0" fmla="*/ 1900 w 1902"/>
-              <a:gd name="T1" fmla="*/ 77 h 163"/>
-              <a:gd name="T2" fmla="*/ 1826 w 1902"/>
-              <a:gd name="T3" fmla="*/ 3 h 163"/>
-              <a:gd name="T4" fmla="*/ 1825 w 1902"/>
-              <a:gd name="T5" fmla="*/ 2 h 163"/>
-              <a:gd name="T6" fmla="*/ 1819 w 1902"/>
-              <a:gd name="T7" fmla="*/ 0 h 163"/>
-              <a:gd name="T8" fmla="*/ 1363 w 1902"/>
-              <a:gd name="T9" fmla="*/ 0 h 163"/>
-              <a:gd name="T10" fmla="*/ 1348 w 1902"/>
-              <a:gd name="T11" fmla="*/ 0 h 163"/>
-              <a:gd name="T12" fmla="*/ 1225 w 1902"/>
-              <a:gd name="T13" fmla="*/ 0 h 163"/>
-              <a:gd name="T14" fmla="*/ 1033 w 1902"/>
-              <a:gd name="T15" fmla="*/ 0 h 163"/>
-              <a:gd name="T16" fmla="*/ 892 w 1902"/>
-              <a:gd name="T17" fmla="*/ 0 h 163"/>
-              <a:gd name="T18" fmla="*/ 786 w 1902"/>
-              <a:gd name="T19" fmla="*/ 0 h 163"/>
-              <a:gd name="T20" fmla="*/ 577 w 1902"/>
-              <a:gd name="T21" fmla="*/ 0 h 163"/>
-              <a:gd name="T22" fmla="*/ 562 w 1902"/>
-              <a:gd name="T23" fmla="*/ 0 h 163"/>
-              <a:gd name="T24" fmla="*/ 439 w 1902"/>
-              <a:gd name="T25" fmla="*/ 0 h 163"/>
-              <a:gd name="T26" fmla="*/ 106 w 1902"/>
-              <a:gd name="T27" fmla="*/ 0 h 163"/>
-              <a:gd name="T28" fmla="*/ 0 w 1902"/>
-              <a:gd name="T29" fmla="*/ 0 h 163"/>
-              <a:gd name="T30" fmla="*/ 0 w 1902"/>
-              <a:gd name="T31" fmla="*/ 163 h 163"/>
-              <a:gd name="T32" fmla="*/ 106 w 1902"/>
-              <a:gd name="T33" fmla="*/ 163 h 163"/>
-              <a:gd name="T34" fmla="*/ 439 w 1902"/>
-              <a:gd name="T35" fmla="*/ 163 h 163"/>
-              <a:gd name="T36" fmla="*/ 562 w 1902"/>
-              <a:gd name="T37" fmla="*/ 163 h 163"/>
-              <a:gd name="T38" fmla="*/ 577 w 1902"/>
-              <a:gd name="T39" fmla="*/ 163 h 163"/>
-              <a:gd name="T40" fmla="*/ 786 w 1902"/>
-              <a:gd name="T41" fmla="*/ 163 h 163"/>
-              <a:gd name="T42" fmla="*/ 892 w 1902"/>
-              <a:gd name="T43" fmla="*/ 163 h 163"/>
-              <a:gd name="T44" fmla="*/ 1033 w 1902"/>
-              <a:gd name="T45" fmla="*/ 163 h 163"/>
-              <a:gd name="T46" fmla="*/ 1225 w 1902"/>
-              <a:gd name="T47" fmla="*/ 163 h 163"/>
-              <a:gd name="T48" fmla="*/ 1348 w 1902"/>
-              <a:gd name="T49" fmla="*/ 163 h 163"/>
-              <a:gd name="T50" fmla="*/ 1363 w 1902"/>
-              <a:gd name="T51" fmla="*/ 163 h 163"/>
-              <a:gd name="T52" fmla="*/ 1819 w 1902"/>
-              <a:gd name="T53" fmla="*/ 163 h 163"/>
-              <a:gd name="T54" fmla="*/ 1825 w 1902"/>
-              <a:gd name="T55" fmla="*/ 161 h 163"/>
-              <a:gd name="T56" fmla="*/ 1826 w 1902"/>
-              <a:gd name="T57" fmla="*/ 160 h 163"/>
-              <a:gd name="T58" fmla="*/ 1900 w 1902"/>
-              <a:gd name="T59" fmla="*/ 86 h 163"/>
-              <a:gd name="T60" fmla="*/ 1900 w 1902"/>
-              <a:gd name="T61" fmla="*/ 77 h 163"/>
-            </a:gdLst>
-            <a:ahLst/>
-            <a:cxnLst>
-              <a:cxn ang="0">
-                <a:pos x="T0" y="T1"/>
-              </a:cxn>
-              <a:cxn ang="0">
-                <a:pos x="T2" y="T3"/>
-              </a:cxn>
-              <a:cxn ang="0">
-                <a:pos x="T4" y="T5"/>
-              </a:cxn>
-              <a:cxn ang="0">
-                <a:pos x="T6" y="T7"/>
-              </a:cxn>
-              <a:cxn ang="0">
-                <a:pos x="T8" y="T9"/>
-              </a:cxn>
-              <a:cxn ang="0">
-                <a:pos x="T10" y="T11"/>
-              </a:cxn>
-              <a:cxn ang="0">
-                <a:pos x="T12" y="T13"/>
-              </a:cxn>
-              <a:cxn ang="0">
-                <a:pos x="T14" y="T15"/>
-              </a:cxn>
-              <a:cxn ang="0">
-                <a:pos x="T16" y="T17"/>
-              </a:cxn>
-              <a:cxn ang="0">
-                <a:pos x="T18" y="T19"/>
-              </a:cxn>
-              <a:cxn ang="0">
-                <a:pos x="T20" y="T21"/>
-              </a:cxn>
-              <a:cxn ang="0">
-                <a:pos x="T22" y="T23"/>
-              </a:cxn>
-              <a:cxn ang="0">
-                <a:pos x="T24" y="T25"/>
-              </a:cxn>
-              <a:cxn ang="0">
-                <a:pos x="T26" y="T27"/>
-              </a:cxn>
-              <a:cxn ang="0">
-                <a:pos x="T28" y="T29"/>
-              </a:cxn>
-              <a:cxn ang="0">
-                <a:pos x="T30" y="T31"/>
-              </a:cxn>
-              <a:cxn ang="0">
-                <a:pos x="T32" y="T33"/>
-              </a:cxn>
-              <a:cxn ang="0">
-                <a:pos x="T34" y="T35"/>
-              </a:cxn>
-              <a:cxn ang="0">
-                <a:pos x="T36" y="T37"/>
-              </a:cxn>
-              <a:cxn ang="0">
-                <a:pos x="T38" y="T39"/>
-              </a:cxn>
-              <a:cxn ang="0">
-                <a:pos x="T40" y="T41"/>
-              </a:cxn>
-              <a:cxn ang="0">
-                <a:pos x="T42" y="T43"/>
-              </a:cxn>
-              <a:cxn ang="0">
-                <a:pos x="T44" y="T45"/>
-              </a:cxn>
-              <a:cxn ang="0">
-                <a:pos x="T46" y="T47"/>
-              </a:cxn>
-              <a:cxn ang="0">
-                <a:pos x="T48" y="T49"/>
-              </a:cxn>
-              <a:cxn ang="0">
-                <a:pos x="T50" y="T51"/>
-              </a:cxn>
-              <a:cxn ang="0">
-                <a:pos x="T52" y="T53"/>
-              </a:cxn>
-              <a:cxn ang="0">
-                <a:pos x="T54" y="T55"/>
-              </a:cxn>
-              <a:cxn ang="0">
-                <a:pos x="T56" y="T57"/>
-              </a:cxn>
-              <a:cxn ang="0">
-                <a:pos x="T58" y="T59"/>
-              </a:cxn>
-              <a:cxn ang="0">
-                <a:pos x="T60" y="T61"/>
-              </a:cxn>
-            </a:cxnLst>
-            <a:rect l="0" t="0" r="r" b="b"/>
-            <a:pathLst>
-              <a:path w="1902" h="163">
-                <a:moveTo>
-                  <a:pt x="1900" y="77"/>
-                </a:moveTo>
-                <a:cubicBezTo>
-                  <a:pt x="1826" y="3"/>
-                  <a:pt x="1826" y="3"/>
-                  <a:pt x="1826" y="3"/>
-                </a:cubicBezTo>
-                <a:cubicBezTo>
-                  <a:pt x="1825" y="2"/>
-                  <a:pt x="1825" y="2"/>
-                  <a:pt x="1825" y="2"/>
-                </a:cubicBezTo>
-                <a:cubicBezTo>
-                  <a:pt x="1823" y="1"/>
-                  <a:pt x="1821" y="0"/>
-                  <a:pt x="1819" y="0"/>
-                </a:cubicBezTo>
-                <a:cubicBezTo>
-                  <a:pt x="1363" y="0"/>
-                  <a:pt x="1363" y="0"/>
-                  <a:pt x="1363" y="0"/>
-                </a:cubicBezTo>
-                <a:cubicBezTo>
-                  <a:pt x="1348" y="0"/>
-                  <a:pt x="1348" y="0"/>
-                  <a:pt x="1348" y="0"/>
-                </a:cubicBezTo>
-                <a:cubicBezTo>
-                  <a:pt x="1225" y="0"/>
-                  <a:pt x="1225" y="0"/>
-                  <a:pt x="1225" y="0"/>
-                </a:cubicBezTo>
-                <a:cubicBezTo>
-                  <a:pt x="1033" y="0"/>
-                  <a:pt x="1033" y="0"/>
-                  <a:pt x="1033" y="0"/>
-                </a:cubicBezTo>
-                <a:cubicBezTo>
-                  <a:pt x="892" y="0"/>
-                  <a:pt x="892" y="0"/>
-                  <a:pt x="892" y="0"/>
-                </a:cubicBezTo>
-                <a:cubicBezTo>
-                  <a:pt x="786" y="0"/>
-                  <a:pt x="786" y="0"/>
-                  <a:pt x="786" y="0"/>
-                </a:cubicBezTo>
-                <a:cubicBezTo>
-                  <a:pt x="577" y="0"/>
-                  <a:pt x="577" y="0"/>
-                  <a:pt x="577" y="0"/>
-                </a:cubicBezTo>
-                <a:cubicBezTo>
-                  <a:pt x="562" y="0"/>
-                  <a:pt x="562" y="0"/>
-                  <a:pt x="562" y="0"/>
-                </a:cubicBezTo>
-                <a:cubicBezTo>
-                  <a:pt x="439" y="0"/>
-                  <a:pt x="439" y="0"/>
-                  <a:pt x="439" y="0"/>
-                </a:cubicBezTo>
-                <a:cubicBezTo>
-                  <a:pt x="106" y="0"/>
-                  <a:pt x="106" y="0"/>
-                  <a:pt x="106" y="0"/>
-                </a:cubicBezTo>
-                <a:cubicBezTo>
-                  <a:pt x="0" y="0"/>
-                  <a:pt x="0" y="0"/>
-                  <a:pt x="0" y="0"/>
-                </a:cubicBezTo>
-                <a:cubicBezTo>
-                  <a:pt x="0" y="163"/>
-                  <a:pt x="0" y="163"/>
-                  <a:pt x="0" y="163"/>
-                </a:cubicBezTo>
-                <a:cubicBezTo>
-                  <a:pt x="106" y="163"/>
-                  <a:pt x="106" y="163"/>
-                  <a:pt x="106" y="163"/>
-                </a:cubicBezTo>
-                <a:cubicBezTo>
-                  <a:pt x="439" y="163"/>
-                  <a:pt x="439" y="163"/>
-                  <a:pt x="439" y="163"/>
-                </a:cubicBezTo>
-                <a:cubicBezTo>
-                  <a:pt x="562" y="163"/>
-                  <a:pt x="562" y="163"/>
-                  <a:pt x="562" y="163"/>
-                </a:cubicBezTo>
-                <a:cubicBezTo>
-                  <a:pt x="577" y="163"/>
-                  <a:pt x="577" y="163"/>
-                  <a:pt x="577" y="163"/>
-                </a:cubicBezTo>
-                <a:cubicBezTo>
-                  <a:pt x="786" y="163"/>
-                  <a:pt x="786" y="163"/>
-                  <a:pt x="786" y="163"/>
-                </a:cubicBezTo>
-                <a:cubicBezTo>
-                  <a:pt x="892" y="163"/>
-                  <a:pt x="892" y="163"/>
-                  <a:pt x="892" y="163"/>
-                </a:cubicBezTo>
-                <a:cubicBezTo>
-                  <a:pt x="1033" y="163"/>
-                  <a:pt x="1033" y="163"/>
-                  <a:pt x="1033" y="163"/>
-                </a:cubicBezTo>
-                <a:cubicBezTo>
-                  <a:pt x="1225" y="163"/>
-                  <a:pt x="1225" y="163"/>
-                  <a:pt x="1225" y="163"/>
-                </a:cubicBezTo>
-                <a:cubicBezTo>
-                  <a:pt x="1348" y="163"/>
-                  <a:pt x="1348" y="163"/>
-                  <a:pt x="1348" y="163"/>
-                </a:cubicBezTo>
-                <a:cubicBezTo>
-                  <a:pt x="1363" y="163"/>
-                  <a:pt x="1363" y="163"/>
-                  <a:pt x="1363" y="163"/>
-                </a:cubicBezTo>
-                <a:cubicBezTo>
-                  <a:pt x="1819" y="163"/>
-                  <a:pt x="1819" y="163"/>
-                  <a:pt x="1819" y="163"/>
-                </a:cubicBezTo>
-                <a:cubicBezTo>
-                  <a:pt x="1821" y="163"/>
-                  <a:pt x="1823" y="162"/>
-                  <a:pt x="1825" y="161"/>
-                </a:cubicBezTo>
-                <a:cubicBezTo>
-                  <a:pt x="1825" y="160"/>
-                  <a:pt x="1825" y="160"/>
-                  <a:pt x="1826" y="160"/>
-                </a:cubicBezTo>
-                <a:cubicBezTo>
-                  <a:pt x="1900" y="86"/>
-                  <a:pt x="1900" y="86"/>
-                  <a:pt x="1900" y="86"/>
-                </a:cubicBezTo>
-                <a:cubicBezTo>
-                  <a:pt x="1902" y="83"/>
-                  <a:pt x="1902" y="79"/>
-                  <a:pt x="1900" y="77"/>
-                </a:cubicBezTo>
-                <a:close/>
-              </a:path>
-            </a:pathLst>
-          </a:custGeom>
-          <a:solidFill>
-            <a:schemeClr val="accent1"/>
-          </a:solidFill>
-          <a:ln>
-            <a:noFill/>
-          </a:ln>
-        </p:spPr>
-        <p:txBody>
-          <a:bodyPr vert="horz" wrap="square" lIns="91440" tIns="45720" rIns="91440" bIns="45720" numCol="1" anchor="t" anchorCtr="0" compatLnSpc="1">
-            <a:prstTxWarp prst="textNoShape">
-              <a:avLst/>
-            </a:prstTxWarp>
-          </a:bodyPr>
-          <a:lstStyle/>
-          <a:p>
-            <a:endParaRPr lang="en-US"/>
-          </a:p>
-        </p:txBody>
-      </p:sp>
-      <p:sp>
-        <p:nvSpPr>
-          <p:cNvPr id="2" name="Title 1">
-            <a:extLst>
-              <a:ext uri="{FF2B5EF4-FFF2-40B4-BE49-F238E27FC236}">
-                <a16:creationId xmlns:a16="http://schemas.microsoft.com/office/drawing/2014/main" id="{1066E4FA-73DF-473C-A042-968C813D7B47}"/>
-              </a:ext>
-            </a:extLst>
-          </p:cNvPr>
-          <p:cNvSpPr>
-            <a:spLocks noGrp="1"/>
-          </p:cNvSpPr>
-          <p:nvPr>
-            <p:ph type="title"/>
-          </p:nvPr>
-        </p:nvSpPr>
-        <p:spPr>
-          <a:xfrm>
-            <a:off x="541867" y="787400"/>
-            <a:ext cx="7145866" cy="778933"/>
-          </a:xfrm>
-        </p:spPr>
-        <p:txBody>
-          <a:bodyPr anchor="ctr">
-            <a:normAutofit/>
-          </a:bodyPr>
-          <a:lstStyle/>
-          <a:p>
-            <a:r>
-              <a:rPr lang="en-US" sz="3200">
-                <a:solidFill>
-                  <a:srgbClr val="FEFFFF"/>
-                </a:solidFill>
-              </a:rPr>
-              <a:t>Step by Step</a:t>
-            </a:r>
-          </a:p>
-        </p:txBody>
-      </p:sp>
-      <p:sp>
-        <p:nvSpPr>
-          <p:cNvPr id="3" name="Content Placeholder 2">
-            <a:extLst>
-              <a:ext uri="{FF2B5EF4-FFF2-40B4-BE49-F238E27FC236}">
-                <a16:creationId xmlns:a16="http://schemas.microsoft.com/office/drawing/2014/main" id="{D367EB2E-C1A0-4320-A193-FAE35192E1FD}"/>
-              </a:ext>
-            </a:extLst>
-          </p:cNvPr>
-          <p:cNvSpPr>
-            <a:spLocks noGrp="1"/>
-          </p:cNvSpPr>
-          <p:nvPr>
-            <p:ph idx="1"/>
-          </p:nvPr>
-        </p:nvSpPr>
-        <p:spPr>
-          <a:xfrm>
-            <a:off x="541866" y="2032000"/>
-            <a:ext cx="7145867" cy="3879222"/>
-          </a:xfrm>
-        </p:spPr>
-        <p:txBody>
-          <a:bodyPr>
-            <a:normAutofit/>
-          </a:bodyPr>
-          <a:lstStyle/>
-          <a:p>
-            <a:r>
-              <a:rPr lang="en-US" b="1" dirty="0">
-                <a:solidFill>
-                  <a:srgbClr val="FEFFFF"/>
-                </a:solidFill>
-              </a:rPr>
-              <a:t>Step 1: Requirements clarifications</a:t>
-            </a:r>
-            <a:endParaRPr lang="en-US" dirty="0">
-              <a:solidFill>
-                <a:srgbClr val="FEFFFF"/>
-              </a:solidFill>
-            </a:endParaRPr>
-          </a:p>
-          <a:p>
-            <a:r>
-              <a:rPr lang="en-US" b="1" dirty="0">
-                <a:solidFill>
-                  <a:srgbClr val="FEFFFF"/>
-                </a:solidFill>
-              </a:rPr>
-              <a:t>Step 2: System interface definition</a:t>
-            </a:r>
-            <a:endParaRPr lang="en-US" dirty="0">
-              <a:solidFill>
-                <a:srgbClr val="FEFFFF"/>
-              </a:solidFill>
-            </a:endParaRPr>
-          </a:p>
-          <a:p>
-            <a:r>
-              <a:rPr lang="en-US" b="1" dirty="0">
-                <a:solidFill>
-                  <a:srgbClr val="FEFFFF"/>
-                </a:solidFill>
-              </a:rPr>
-              <a:t>Step 3: Scale estimation</a:t>
-            </a:r>
-          </a:p>
-          <a:p>
-            <a:r>
-              <a:rPr lang="en-US" b="1" dirty="0">
-                <a:solidFill>
-                  <a:srgbClr val="FEFFFF"/>
-                </a:solidFill>
-              </a:rPr>
-              <a:t>Step 4: Defining data model</a:t>
-            </a:r>
-            <a:endParaRPr lang="en-US" dirty="0">
-              <a:solidFill>
-                <a:srgbClr val="FEFFFF"/>
-              </a:solidFill>
-            </a:endParaRPr>
-          </a:p>
-          <a:p>
-            <a:r>
-              <a:rPr lang="en-US" b="1" dirty="0">
-                <a:solidFill>
-                  <a:srgbClr val="FEFFFF"/>
-                </a:solidFill>
-              </a:rPr>
-              <a:t>Step 5: High-level design</a:t>
-            </a:r>
-            <a:endParaRPr lang="en-US" dirty="0">
-              <a:solidFill>
-                <a:srgbClr val="FEFFFF"/>
-              </a:solidFill>
-            </a:endParaRPr>
-          </a:p>
-          <a:p>
-            <a:r>
-              <a:rPr lang="en-US" b="1" dirty="0">
-                <a:solidFill>
-                  <a:srgbClr val="FEFFFF"/>
-                </a:solidFill>
-              </a:rPr>
-              <a:t>Step 6: Detailed design</a:t>
-            </a:r>
-            <a:endParaRPr lang="en-US" dirty="0">
-              <a:solidFill>
-                <a:srgbClr val="FEFFFF"/>
-              </a:solidFill>
-            </a:endParaRPr>
-          </a:p>
-          <a:p>
-            <a:r>
-              <a:rPr lang="en-US" b="1" dirty="0">
-                <a:solidFill>
-                  <a:srgbClr val="FEFFFF"/>
-                </a:solidFill>
-              </a:rPr>
-              <a:t>Step 7: Identifying and resolving bottlenecks</a:t>
-            </a:r>
-            <a:endParaRPr lang="en-US" dirty="0">
-              <a:solidFill>
-                <a:srgbClr val="FEFFFF"/>
-              </a:solidFill>
-            </a:endParaRPr>
-          </a:p>
-          <a:p>
-            <a:pPr marL="0" indent="0">
-              <a:buNone/>
-            </a:pPr>
-            <a:endParaRPr lang="en-US" dirty="0">
-              <a:solidFill>
-                <a:srgbClr val="FEFFFF"/>
-              </a:solidFill>
-            </a:endParaRPr>
-          </a:p>
-          <a:p>
-            <a:endParaRPr lang="en-US" dirty="0">
-              <a:solidFill>
-                <a:srgbClr val="FEFFFF"/>
-              </a:solidFill>
-            </a:endParaRPr>
-          </a:p>
-        </p:txBody>
-      </p:sp>
-    </p:spTree>
-    <p:extLst>
-      <p:ext uri="{BB962C8B-B14F-4D97-AF65-F5344CB8AC3E}">
-        <p14:creationId xmlns:p14="http://schemas.microsoft.com/office/powerpoint/2010/main" val="1382926393"/>
-      </p:ext>
-    </p:extLst>
-  </p:cSld>
-  <p:clrMapOvr>
-    <a:overrideClrMapping bg1="dk1" tx1="lt1" bg2="dk2" tx2="lt2" accent1="accent1" accent2="accent2" accent3="accent3" accent4="accent4" accent5="accent5" accent6="accent6" hlink="hlink" folHlink="folHlink"/>
-  </p:clrMapOvr>
-</p:sld>
-</file>
-
-<file path=ppt/slides/slide3.xml><?xml version="1.0" encoding="utf-8"?>
-<p:sld xmlns:a="http://schemas.openxmlformats.org/drawingml/2006/main" xmlns:r="http://schemas.openxmlformats.org/officeDocument/2006/relationships" xmlns:p="http://schemas.openxmlformats.org/presentationml/2006/main">
-  <p:cSld>
-    <p:bg>
-      <p:bgPr>
-        <a:gradFill rotWithShape="1">
-          <a:gsLst>
-            <a:gs pos="0">
-              <a:schemeClr val="bg2">
-                <a:tint val="90000"/>
-                <a:satMod val="92000"/>
-                <a:lumMod val="120000"/>
-              </a:schemeClr>
-            </a:gs>
-            <a:gs pos="100000">
-              <a:schemeClr val="bg2">
-                <a:shade val="98000"/>
-                <a:satMod val="120000"/>
-                <a:lumMod val="98000"/>
-              </a:schemeClr>
-            </a:gs>
-          </a:gsLst>
-          <a:path path="circle">
-            <a:fillToRect l="50000" t="50000" r="100000" b="100000"/>
-          </a:path>
-        </a:gradFill>
-        <a:effectLst/>
-      </p:bgPr>
-    </p:bg>
-    <p:spTree>
-      <p:nvGrpSpPr>
-        <p:cNvPr id="1" name=""/>
-        <p:cNvGrpSpPr/>
-        <p:nvPr/>
-      </p:nvGrpSpPr>
-      <p:grpSpPr>
-        <a:xfrm>
-          <a:off x="0" y="0"/>
-          <a:ext cx="0" cy="0"/>
-          <a:chOff x="0" y="0"/>
-          <a:chExt cx="0" cy="0"/>
-        </a:xfrm>
-      </p:grpSpPr>
-      <p:sp useBgFill="1">
-        <p:nvSpPr>
-          <p:cNvPr id="10" name="Rectangle 9">
-            <a:extLst>
-              <a:ext uri="{FF2B5EF4-FFF2-40B4-BE49-F238E27FC236}">
-                <a16:creationId xmlns:a16="http://schemas.microsoft.com/office/drawing/2014/main" id="{175CD74B-9CE8-4F20-A3E4-A22A7F036042}"/>
-              </a:ext>
-              <a:ext uri="{C183D7F6-B498-43B3-948B-1728B52AA6E4}">
-                <adec:decorative xmlns:adec="http://schemas.microsoft.com/office/drawing/2017/decorative" val="1"/>
-              </a:ext>
-            </a:extLst>
-          </p:cNvPr>
-          <p:cNvSpPr>
-            <a:spLocks noGrp="1" noRot="1" noChangeAspect="1" noMove="1" noResize="1" noEditPoints="1" noAdjustHandles="1" noChangeArrowheads="1" noChangeShapeType="1" noTextEdit="1"/>
-          </p:cNvSpPr>
-          <p:nvPr>
-            <p:extLst>
-              <p:ext uri="{386F3935-93C4-4BCD-93E2-E3B085C9AB24}">
-                <p16:designElem xmlns:p16="http://schemas.microsoft.com/office/powerpoint/2015/main" val="1"/>
-              </p:ext>
-            </p:extLst>
-          </p:nvPr>
-        </p:nvSpPr>
-        <p:spPr>
-          <a:xfrm>
-            <a:off x="1" y="0"/>
-            <a:ext cx="12192000" cy="6858000"/>
-          </a:xfrm>
-          <a:prstGeom prst="rect">
-            <a:avLst/>
-          </a:prstGeom>
-          <a:ln>
-            <a:noFill/>
-          </a:ln>
-        </p:spPr>
-        <p:style>
-          <a:lnRef idx="2">
-            <a:schemeClr val="accent1">
-              <a:shade val="50000"/>
-            </a:schemeClr>
-          </a:lnRef>
-          <a:fillRef idx="1">
-            <a:schemeClr val="accent1"/>
-          </a:fillRef>
-          <a:effectRef idx="0">
-            <a:schemeClr val="accent1"/>
-          </a:effectRef>
-          <a:fontRef idx="minor">
-            <a:schemeClr val="lt1"/>
-          </a:fontRef>
-        </p:style>
-        <p:txBody>
-          <a:bodyPr rtlCol="0" anchor="ctr"/>
-          <a:lstStyle/>
-          <a:p>
-            <a:pPr algn="ctr"/>
-            <a:endParaRPr lang="en-US" dirty="0"/>
-          </a:p>
-        </p:txBody>
-      </p:sp>
-      <p:sp>
-        <p:nvSpPr>
-          <p:cNvPr id="2" name="Title 1">
-            <a:extLst>
-              <a:ext uri="{FF2B5EF4-FFF2-40B4-BE49-F238E27FC236}">
-                <a16:creationId xmlns:a16="http://schemas.microsoft.com/office/drawing/2014/main" id="{1066E4FA-73DF-473C-A042-968C813D7B47}"/>
-              </a:ext>
-            </a:extLst>
-          </p:cNvPr>
-          <p:cNvSpPr>
-            <a:spLocks noGrp="1"/>
-          </p:cNvSpPr>
-          <p:nvPr>
-            <p:ph type="title"/>
-          </p:nvPr>
-        </p:nvSpPr>
-        <p:spPr>
-          <a:xfrm>
-            <a:off x="1794897" y="624110"/>
-            <a:ext cx="9712998" cy="1280890"/>
-          </a:xfrm>
-        </p:spPr>
-        <p:txBody>
-          <a:bodyPr>
-            <a:normAutofit/>
-          </a:bodyPr>
-          <a:lstStyle/>
-          <a:p>
-            <a:r>
-              <a:rPr lang="en-US" b="1" dirty="0"/>
-              <a:t>Key Characteristics of Distributed Systems</a:t>
-            </a:r>
-            <a:endParaRPr lang="en-US" dirty="0"/>
-          </a:p>
-        </p:txBody>
-      </p:sp>
-      <p:sp>
-        <p:nvSpPr>
-          <p:cNvPr id="12" name="Rectangle 11">
-            <a:extLst>
-              <a:ext uri="{FF2B5EF4-FFF2-40B4-BE49-F238E27FC236}">
-                <a16:creationId xmlns:a16="http://schemas.microsoft.com/office/drawing/2014/main" id="{99C44665-BECF-4482-A00C-E4BE2A87DC7B}"/>
-              </a:ext>
-              <a:ext uri="{C183D7F6-B498-43B3-948B-1728B52AA6E4}">
-                <adec:decorative xmlns:adec="http://schemas.microsoft.com/office/drawing/2017/decorative" val="1"/>
-              </a:ext>
-            </a:extLst>
-          </p:cNvPr>
-          <p:cNvSpPr>
-            <a:spLocks noGrp="1" noRot="1" noChangeAspect="1" noMove="1" noResize="1" noEditPoints="1" noAdjustHandles="1" noChangeArrowheads="1" noChangeShapeType="1" noTextEdit="1"/>
-          </p:cNvSpPr>
-          <p:nvPr>
-            <p:extLst>
-              <p:ext uri="{386F3935-93C4-4BCD-93E2-E3B085C9AB24}">
-                <p16:designElem xmlns:p16="http://schemas.microsoft.com/office/powerpoint/2015/main" val="1"/>
-              </p:ext>
-            </p:extLst>
-          </p:nvPr>
-        </p:nvSpPr>
-        <p:spPr>
-          <a:xfrm>
-            <a:off x="0" y="0"/>
-            <a:ext cx="182880" cy="6858000"/>
-          </a:xfrm>
-          <a:prstGeom prst="rect">
-            <a:avLst/>
-          </a:prstGeom>
-          <a:solidFill>
-            <a:schemeClr val="tx2"/>
-          </a:solidFill>
-          <a:ln>
-            <a:noFill/>
-          </a:ln>
-          <a:effectLst/>
-        </p:spPr>
-        <p:style>
-          <a:lnRef idx="1">
-            <a:schemeClr val="accent1"/>
-          </a:lnRef>
-          <a:fillRef idx="3">
-            <a:schemeClr val="accent1"/>
-          </a:fillRef>
-          <a:effectRef idx="2">
-            <a:schemeClr val="accent1"/>
-          </a:effectRef>
-          <a:fontRef idx="minor">
-            <a:schemeClr val="lt1"/>
-          </a:fontRef>
-        </p:style>
-        <p:txBody>
-          <a:bodyPr/>
-          <a:lstStyle/>
-          <a:p>
-            <a:endParaRPr lang="en-US"/>
-          </a:p>
-        </p:txBody>
-      </p:sp>
-      <p:sp>
-        <p:nvSpPr>
-          <p:cNvPr id="14" name="Freeform 11">
-            <a:extLst>
-              <a:ext uri="{FF2B5EF4-FFF2-40B4-BE49-F238E27FC236}">
-                <a16:creationId xmlns:a16="http://schemas.microsoft.com/office/drawing/2014/main" id="{20398C1D-D011-4BA8-AC81-E829677B87FF}"/>
-              </a:ext>
-              <a:ext uri="{C183D7F6-B498-43B3-948B-1728B52AA6E4}">
-                <adec:decorative xmlns:adec="http://schemas.microsoft.com/office/drawing/2017/decorative" val="1"/>
-              </a:ext>
-            </a:extLst>
-          </p:cNvPr>
-          <p:cNvSpPr>
-            <a:spLocks noGrp="1" noRot="1" noChangeAspect="1" noMove="1" noResize="1" noEditPoints="1" noAdjustHandles="1" noChangeArrowheads="1" noChangeShapeType="1" noTextEdit="1"/>
-          </p:cNvSpPr>
-          <p:nvPr>
-            <p:extLst>
-              <p:ext uri="{386F3935-93C4-4BCD-93E2-E3B085C9AB24}">
-                <p16:designElem xmlns:p16="http://schemas.microsoft.com/office/powerpoint/2015/main" val="1"/>
-              </p:ext>
-            </p:extLst>
-          </p:nvPr>
-        </p:nvSpPr>
-        <p:spPr bwMode="auto">
-          <a:xfrm flipV="1">
-            <a:off x="-4189" y="714375"/>
-            <a:ext cx="1588527" cy="507297"/>
-          </a:xfrm>
-          <a:custGeom>
-            <a:avLst/>
-            <a:gdLst/>
-            <a:ahLst/>
-            <a:cxnLst/>
-            <a:rect l="l" t="t" r="r" b="b"/>
-            <a:pathLst>
-              <a:path w="9248" h="10000">
-                <a:moveTo>
-                  <a:pt x="9248" y="4701"/>
-                </a:moveTo>
-                <a:lnTo>
-                  <a:pt x="7915" y="188"/>
-                </a:lnTo>
-                <a:cubicBezTo>
-                  <a:pt x="7906" y="156"/>
-                  <a:pt x="7895" y="126"/>
-                  <a:pt x="7886" y="94"/>
-                </a:cubicBezTo>
-                <a:cubicBezTo>
-                  <a:pt x="7859" y="0"/>
-                  <a:pt x="7831" y="0"/>
-                  <a:pt x="7803" y="0"/>
-                </a:cubicBezTo>
-                <a:lnTo>
-                  <a:pt x="7275" y="0"/>
-                </a:lnTo>
-                <a:lnTo>
-                  <a:pt x="0" y="70"/>
-                </a:lnTo>
-                <a:cubicBezTo>
-                  <a:pt x="8" y="3380"/>
-                  <a:pt x="17" y="6690"/>
-                  <a:pt x="25" y="10000"/>
-                </a:cubicBezTo>
-                <a:lnTo>
-                  <a:pt x="7275" y="9966"/>
-                </a:lnTo>
-                <a:lnTo>
-                  <a:pt x="7803" y="9966"/>
-                </a:lnTo>
-                <a:cubicBezTo>
-                  <a:pt x="7831" y="9966"/>
-                  <a:pt x="7859" y="9872"/>
-                  <a:pt x="7886" y="9872"/>
-                </a:cubicBezTo>
-                <a:cubicBezTo>
-                  <a:pt x="7886" y="9778"/>
-                  <a:pt x="7915" y="9778"/>
-                  <a:pt x="7915" y="9778"/>
-                </a:cubicBezTo>
-                <a:lnTo>
-                  <a:pt x="9248" y="5265"/>
-                </a:lnTo>
-                <a:cubicBezTo>
-                  <a:pt x="9303" y="5077"/>
-                  <a:pt x="9303" y="4889"/>
-                  <a:pt x="9248" y="4701"/>
-                </a:cubicBezTo>
-                <a:close/>
-              </a:path>
-            </a:pathLst>
-          </a:custGeom>
-          <a:solidFill>
-            <a:schemeClr val="accent1"/>
-          </a:solidFill>
-          <a:ln>
-            <a:noFill/>
-          </a:ln>
-        </p:spPr>
-        <p:txBody>
-          <a:bodyPr/>
-          <a:lstStyle/>
-          <a:p>
-            <a:endParaRPr lang="en-US"/>
-          </a:p>
-        </p:txBody>
-      </p:sp>
-      <p:graphicFrame>
-        <p:nvGraphicFramePr>
-          <p:cNvPr id="5" name="Content Placeholder 2">
-            <a:extLst>
-              <a:ext uri="{FF2B5EF4-FFF2-40B4-BE49-F238E27FC236}">
-                <a16:creationId xmlns:a16="http://schemas.microsoft.com/office/drawing/2014/main" id="{0E6B7E67-5F76-46B5-B16B-12D97606AACA}"/>
-              </a:ext>
-            </a:extLst>
-          </p:cNvPr>
-          <p:cNvGraphicFramePr>
-            <a:graphicFrameLocks noGrp="1"/>
-          </p:cNvGraphicFramePr>
-          <p:nvPr>
-            <p:ph idx="1"/>
-            <p:extLst>
-              <p:ext uri="{D42A27DB-BD31-4B8C-83A1-F6EECF244321}">
-                <p14:modId xmlns:p14="http://schemas.microsoft.com/office/powerpoint/2010/main" val="1620073991"/>
-              </p:ext>
-            </p:extLst>
-          </p:nvPr>
-        </p:nvGraphicFramePr>
-        <p:xfrm>
-          <a:off x="1794897" y="2222983"/>
-          <a:ext cx="8987404" cy="3653941"/>
-        </p:xfrm>
-        <a:graphic>
-          <a:graphicData uri="http://schemas.openxmlformats.org/drawingml/2006/diagram">
-            <dgm:relIds xmlns:dgm="http://schemas.openxmlformats.org/drawingml/2006/diagram" xmlns:r="http://schemas.openxmlformats.org/officeDocument/2006/relationships" r:dm="rId3" r:lo="rId4" r:qs="rId5" r:cs="rId6"/>
-          </a:graphicData>
-        </a:graphic>
-      </p:graphicFrame>
-    </p:spTree>
-    <p:extLst>
-      <p:ext uri="{BB962C8B-B14F-4D97-AF65-F5344CB8AC3E}">
-        <p14:creationId xmlns:p14="http://schemas.microsoft.com/office/powerpoint/2010/main" val="3647783133"/>
-      </p:ext>
-    </p:extLst>
-  </p:cSld>
-  <p:clrMapOvr>
-    <a:masterClrMapping/>
-  </p:clrMapOvr>
-</p:sld>
-</file>
-
-<file path=ppt/slides/slide4.xml><?xml version="1.0" encoding="utf-8"?>
-<p:sld xmlns:a="http://schemas.openxmlformats.org/drawingml/2006/main" xmlns:r="http://schemas.openxmlformats.org/officeDocument/2006/relationships" xmlns:p="http://schemas.openxmlformats.org/presentationml/2006/main">
-  <p:cSld>
-    <p:spTree>
-      <p:nvGrpSpPr>
-        <p:cNvPr id="1" name=""/>
-        <p:cNvGrpSpPr/>
-        <p:nvPr/>
-      </p:nvGrpSpPr>
-      <p:grpSpPr>
-        <a:xfrm>
-          <a:off x="0" y="0"/>
-          <a:ext cx="0" cy="0"/>
-          <a:chOff x="0" y="0"/>
-          <a:chExt cx="0" cy="0"/>
-        </a:xfrm>
-      </p:grpSpPr>
-      <p:sp>
-        <p:nvSpPr>
-          <p:cNvPr id="16" name="Rectangle 15">
-            <a:extLst>
-              <a:ext uri="{FF2B5EF4-FFF2-40B4-BE49-F238E27FC236}">
-                <a16:creationId xmlns:a16="http://schemas.microsoft.com/office/drawing/2014/main" id="{AAAC1693-A60F-40FE-9F84-177C67DE1697}"/>
-              </a:ext>
-            </a:extLst>
-          </p:cNvPr>
-          <p:cNvSpPr/>
-          <p:nvPr/>
-        </p:nvSpPr>
-        <p:spPr>
-          <a:xfrm>
-            <a:off x="5917977" y="117335"/>
-            <a:ext cx="6190407" cy="5429755"/>
-          </a:xfrm>
-          <a:prstGeom prst="rect">
-            <a:avLst/>
-          </a:prstGeom>
-        </p:spPr>
-        <p:style>
-          <a:lnRef idx="3">
-            <a:schemeClr val="lt1"/>
-          </a:lnRef>
-          <a:fillRef idx="1">
-            <a:schemeClr val="accent6"/>
-          </a:fillRef>
-          <a:effectRef idx="1">
-            <a:schemeClr val="accent6"/>
-          </a:effectRef>
-          <a:fontRef idx="minor">
-            <a:schemeClr val="lt1"/>
-          </a:fontRef>
-        </p:style>
-        <p:txBody>
-          <a:bodyPr rtlCol="0" anchor="ctr"/>
-          <a:lstStyle/>
-          <a:p>
-            <a:pPr algn="ctr"/>
-            <a:endParaRPr lang="en-US" dirty="0"/>
-          </a:p>
-        </p:txBody>
-      </p:sp>
-      <p:pic>
-        <p:nvPicPr>
-          <p:cNvPr id="3" name="Graphic 2" descr="Confused person with solid fill">
-            <a:extLst>
-              <a:ext uri="{FF2B5EF4-FFF2-40B4-BE49-F238E27FC236}">
-                <a16:creationId xmlns:a16="http://schemas.microsoft.com/office/drawing/2014/main" id="{B92A2641-D45D-4837-8D70-9908DFE1F8B4}"/>
-              </a:ext>
-            </a:extLst>
-          </p:cNvPr>
-          <p:cNvPicPr>
-            <a:picLocks noChangeAspect="1"/>
-          </p:cNvPicPr>
-          <p:nvPr/>
-        </p:nvPicPr>
-        <p:blipFill>
-          <a:blip r:embed="rId2">
-            <a:extLst>
-              <a:ext uri="{96DAC541-7B7A-43D3-8B79-37D633B846F1}">
-                <asvg:svgBlip xmlns:asvg="http://schemas.microsoft.com/office/drawing/2016/SVG/main" r:embed="rId3"/>
-              </a:ext>
-            </a:extLst>
-          </a:blip>
-          <a:stretch>
-            <a:fillRect/>
-          </a:stretch>
-        </p:blipFill>
-        <p:spPr>
-          <a:xfrm>
-            <a:off x="1549288" y="1998732"/>
-            <a:ext cx="914400" cy="914400"/>
-          </a:xfrm>
-          <a:prstGeom prst="rect">
-            <a:avLst/>
-          </a:prstGeom>
-        </p:spPr>
-      </p:pic>
-      <p:sp>
-        <p:nvSpPr>
-          <p:cNvPr id="4" name="Rectangle: Rounded Corners 3">
-            <a:extLst>
-              <a:ext uri="{FF2B5EF4-FFF2-40B4-BE49-F238E27FC236}">
-                <a16:creationId xmlns:a16="http://schemas.microsoft.com/office/drawing/2014/main" id="{546F275B-1C29-49A5-B6F7-3DBBC847CF1F}"/>
-              </a:ext>
-            </a:extLst>
-          </p:cNvPr>
-          <p:cNvSpPr/>
-          <p:nvPr/>
-        </p:nvSpPr>
-        <p:spPr>
-          <a:xfrm>
-            <a:off x="3178821" y="1319001"/>
-            <a:ext cx="1869260" cy="679731"/>
-          </a:xfrm>
-          <a:prstGeom prst="roundRect">
-            <a:avLst/>
-          </a:prstGeom>
-        </p:spPr>
-        <p:style>
-          <a:lnRef idx="2">
-            <a:schemeClr val="accent6"/>
-          </a:lnRef>
-          <a:fillRef idx="1">
-            <a:schemeClr val="lt1"/>
-          </a:fillRef>
-          <a:effectRef idx="0">
-            <a:schemeClr val="accent6"/>
-          </a:effectRef>
-          <a:fontRef idx="minor">
-            <a:schemeClr val="dk1"/>
-          </a:fontRef>
-        </p:style>
-        <p:txBody>
-          <a:bodyPr rtlCol="0" anchor="ctr"/>
-          <a:lstStyle/>
-          <a:p>
-            <a:pPr algn="ctr"/>
-            <a:r>
-              <a:rPr lang="en-US" dirty="0"/>
-              <a:t>Web UI</a:t>
-            </a:r>
-          </a:p>
-        </p:txBody>
-      </p:sp>
-      <p:sp>
-        <p:nvSpPr>
-          <p:cNvPr id="7" name="Rectangle: Rounded Corners 6">
-            <a:extLst>
-              <a:ext uri="{FF2B5EF4-FFF2-40B4-BE49-F238E27FC236}">
-                <a16:creationId xmlns:a16="http://schemas.microsoft.com/office/drawing/2014/main" id="{B1527DC6-C2EA-438B-82D7-3836A49047A2}"/>
-              </a:ext>
-            </a:extLst>
-          </p:cNvPr>
-          <p:cNvSpPr/>
-          <p:nvPr/>
-        </p:nvSpPr>
-        <p:spPr>
-          <a:xfrm>
-            <a:off x="6265934" y="827410"/>
-            <a:ext cx="1869260" cy="679731"/>
-          </a:xfrm>
-          <a:prstGeom prst="roundRect">
-            <a:avLst/>
-          </a:prstGeom>
-        </p:spPr>
-        <p:style>
-          <a:lnRef idx="2">
-            <a:schemeClr val="accent5">
-              <a:shade val="50000"/>
-            </a:schemeClr>
-          </a:lnRef>
-          <a:fillRef idx="1">
-            <a:schemeClr val="accent5"/>
-          </a:fillRef>
-          <a:effectRef idx="0">
-            <a:schemeClr val="accent5"/>
-          </a:effectRef>
-          <a:fontRef idx="minor">
-            <a:schemeClr val="lt1"/>
-          </a:fontRef>
-        </p:style>
-        <p:txBody>
-          <a:bodyPr rtlCol="0" anchor="ctr"/>
-          <a:lstStyle/>
-          <a:p>
-            <a:pPr algn="ctr"/>
-            <a:r>
-              <a:rPr lang="en-US" dirty="0"/>
-              <a:t>API</a:t>
-            </a:r>
-          </a:p>
-        </p:txBody>
-      </p:sp>
-      <p:sp>
-        <p:nvSpPr>
-          <p:cNvPr id="9" name="Rectangle: Rounded Corners 8">
-            <a:extLst>
-              <a:ext uri="{FF2B5EF4-FFF2-40B4-BE49-F238E27FC236}">
-                <a16:creationId xmlns:a16="http://schemas.microsoft.com/office/drawing/2014/main" id="{8751673D-20CB-4802-BA40-1640BFF019F6}"/>
-              </a:ext>
-            </a:extLst>
-          </p:cNvPr>
-          <p:cNvSpPr/>
-          <p:nvPr/>
-        </p:nvSpPr>
-        <p:spPr>
-          <a:xfrm>
-            <a:off x="3419901" y="2896947"/>
-            <a:ext cx="1869260" cy="679731"/>
-          </a:xfrm>
-          <a:prstGeom prst="roundRect">
-            <a:avLst/>
-          </a:prstGeom>
-        </p:spPr>
-        <p:style>
-          <a:lnRef idx="2">
-            <a:schemeClr val="accent6"/>
-          </a:lnRef>
-          <a:fillRef idx="1">
-            <a:schemeClr val="lt1"/>
-          </a:fillRef>
-          <a:effectRef idx="0">
-            <a:schemeClr val="accent6"/>
-          </a:effectRef>
-          <a:fontRef idx="minor">
-            <a:schemeClr val="dk1"/>
-          </a:fontRef>
-        </p:style>
-        <p:txBody>
-          <a:bodyPr rtlCol="0" anchor="ctr"/>
-          <a:lstStyle/>
-          <a:p>
-            <a:pPr algn="ctr"/>
-            <a:r>
-              <a:rPr lang="en-US" dirty="0"/>
-              <a:t>App</a:t>
-            </a:r>
-          </a:p>
-        </p:txBody>
-      </p:sp>
-      <p:cxnSp>
-        <p:nvCxnSpPr>
-          <p:cNvPr id="11" name="Straight Arrow Connector 10">
-            <a:extLst>
-              <a:ext uri="{FF2B5EF4-FFF2-40B4-BE49-F238E27FC236}">
-                <a16:creationId xmlns:a16="http://schemas.microsoft.com/office/drawing/2014/main" id="{5513FE94-D8FB-4DF6-8989-AFC2D17F69BD}"/>
-              </a:ext>
-            </a:extLst>
-          </p:cNvPr>
-          <p:cNvCxnSpPr>
-            <a:cxnSpLocks/>
-            <a:stCxn id="3" idx="3"/>
-            <a:endCxn id="4" idx="1"/>
-          </p:cNvCxnSpPr>
-          <p:nvPr/>
-        </p:nvCxnSpPr>
-        <p:spPr>
-          <a:xfrm flipV="1">
-            <a:off x="2463688" y="1658867"/>
-            <a:ext cx="715133" cy="797065"/>
-          </a:xfrm>
-          <a:prstGeom prst="straightConnector1">
-            <a:avLst/>
-          </a:prstGeom>
-          <a:ln>
-            <a:tailEnd type="triangle"/>
-          </a:ln>
-        </p:spPr>
-        <p:style>
-          <a:lnRef idx="1">
-            <a:schemeClr val="accent1"/>
-          </a:lnRef>
-          <a:fillRef idx="0">
-            <a:schemeClr val="accent1"/>
-          </a:fillRef>
-          <a:effectRef idx="0">
-            <a:schemeClr val="accent1"/>
-          </a:effectRef>
-          <a:fontRef idx="minor">
-            <a:schemeClr val="tx1"/>
-          </a:fontRef>
-        </p:style>
-      </p:cxnSp>
-      <p:cxnSp>
-        <p:nvCxnSpPr>
-          <p:cNvPr id="15" name="Straight Arrow Connector 14">
-            <a:extLst>
-              <a:ext uri="{FF2B5EF4-FFF2-40B4-BE49-F238E27FC236}">
-                <a16:creationId xmlns:a16="http://schemas.microsoft.com/office/drawing/2014/main" id="{C15A9A43-3150-4355-B718-0C7CCC871C90}"/>
-              </a:ext>
-            </a:extLst>
-          </p:cNvPr>
-          <p:cNvCxnSpPr>
-            <a:cxnSpLocks/>
-            <a:stCxn id="3" idx="3"/>
-            <a:endCxn id="9" idx="1"/>
-          </p:cNvCxnSpPr>
-          <p:nvPr/>
-        </p:nvCxnSpPr>
-        <p:spPr>
-          <a:xfrm>
-            <a:off x="2463688" y="2455932"/>
-            <a:ext cx="956213" cy="780881"/>
-          </a:xfrm>
-          <a:prstGeom prst="straightConnector1">
-            <a:avLst/>
-          </a:prstGeom>
-          <a:ln>
-            <a:tailEnd type="triangle"/>
-          </a:ln>
-        </p:spPr>
-        <p:style>
-          <a:lnRef idx="1">
-            <a:schemeClr val="accent1"/>
-          </a:lnRef>
-          <a:fillRef idx="0">
-            <a:schemeClr val="accent1"/>
-          </a:fillRef>
-          <a:effectRef idx="0">
-            <a:schemeClr val="accent1"/>
-          </a:effectRef>
-          <a:fontRef idx="minor">
-            <a:schemeClr val="tx1"/>
-          </a:fontRef>
-        </p:style>
-      </p:cxnSp>
-      <p:sp>
-        <p:nvSpPr>
-          <p:cNvPr id="17" name="TextBox 16">
-            <a:extLst>
-              <a:ext uri="{FF2B5EF4-FFF2-40B4-BE49-F238E27FC236}">
-                <a16:creationId xmlns:a16="http://schemas.microsoft.com/office/drawing/2014/main" id="{220212D4-F461-4B4D-941F-880B6CFB10BF}"/>
-              </a:ext>
-            </a:extLst>
-          </p:cNvPr>
-          <p:cNvSpPr txBox="1"/>
-          <p:nvPr/>
-        </p:nvSpPr>
-        <p:spPr>
-          <a:xfrm>
-            <a:off x="8549370" y="4389138"/>
-            <a:ext cx="1509165" cy="369332"/>
-          </a:xfrm>
-          <a:prstGeom prst="rect">
-            <a:avLst/>
-          </a:prstGeom>
-          <a:noFill/>
-        </p:spPr>
-        <p:txBody>
-          <a:bodyPr wrap="square" rtlCol="0">
-            <a:spAutoFit/>
-          </a:bodyPr>
-          <a:lstStyle/>
-          <a:p>
-            <a:r>
-              <a:rPr lang="en-US" dirty="0"/>
-              <a:t>Backend</a:t>
-            </a:r>
-          </a:p>
-        </p:txBody>
-      </p:sp>
-      <p:sp>
-        <p:nvSpPr>
-          <p:cNvPr id="18" name="Oval 17">
-            <a:extLst>
-              <a:ext uri="{FF2B5EF4-FFF2-40B4-BE49-F238E27FC236}">
-                <a16:creationId xmlns:a16="http://schemas.microsoft.com/office/drawing/2014/main" id="{EE5C3A4B-B7F5-47DB-8D57-A07F209575DB}"/>
-              </a:ext>
-            </a:extLst>
-          </p:cNvPr>
-          <p:cNvSpPr/>
-          <p:nvPr/>
-        </p:nvSpPr>
-        <p:spPr>
-          <a:xfrm>
-            <a:off x="7174862" y="2807499"/>
-            <a:ext cx="1675052" cy="793020"/>
-          </a:xfrm>
-          <a:prstGeom prst="ellipse">
-            <a:avLst/>
-          </a:prstGeom>
-        </p:spPr>
-        <p:style>
-          <a:lnRef idx="2">
-            <a:schemeClr val="accent2">
-              <a:shade val="50000"/>
-            </a:schemeClr>
-          </a:lnRef>
-          <a:fillRef idx="1">
-            <a:schemeClr val="accent2"/>
-          </a:fillRef>
-          <a:effectRef idx="0">
-            <a:schemeClr val="accent2"/>
-          </a:effectRef>
-          <a:fontRef idx="minor">
-            <a:schemeClr val="lt1"/>
-          </a:fontRef>
-        </p:style>
-        <p:txBody>
-          <a:bodyPr rtlCol="0" anchor="ctr"/>
-          <a:lstStyle/>
-          <a:p>
-            <a:pPr algn="ctr"/>
-            <a:r>
-              <a:rPr lang="en-US" dirty="0"/>
-              <a:t>Services</a:t>
-            </a:r>
-          </a:p>
-        </p:txBody>
-      </p:sp>
-      <p:cxnSp>
-        <p:nvCxnSpPr>
-          <p:cNvPr id="22" name="Straight Arrow Connector 21">
-            <a:extLst>
-              <a:ext uri="{FF2B5EF4-FFF2-40B4-BE49-F238E27FC236}">
-                <a16:creationId xmlns:a16="http://schemas.microsoft.com/office/drawing/2014/main" id="{C2D651AB-B4D6-4612-9E10-FC74E0BE22AD}"/>
-              </a:ext>
-            </a:extLst>
-          </p:cNvPr>
-          <p:cNvCxnSpPr>
-            <a:cxnSpLocks/>
-            <a:stCxn id="9" idx="3"/>
-            <a:endCxn id="7" idx="1"/>
-          </p:cNvCxnSpPr>
-          <p:nvPr/>
-        </p:nvCxnSpPr>
-        <p:spPr>
-          <a:xfrm flipV="1">
-            <a:off x="5289161" y="1167276"/>
-            <a:ext cx="976773" cy="2069537"/>
-          </a:xfrm>
-          <a:prstGeom prst="straightConnector1">
-            <a:avLst/>
-          </a:prstGeom>
-          <a:ln>
-            <a:tailEnd type="triangle"/>
-          </a:ln>
-        </p:spPr>
-        <p:style>
-          <a:lnRef idx="1">
-            <a:schemeClr val="accent1"/>
-          </a:lnRef>
-          <a:fillRef idx="0">
-            <a:schemeClr val="accent1"/>
-          </a:fillRef>
-          <a:effectRef idx="0">
-            <a:schemeClr val="accent1"/>
-          </a:effectRef>
-          <a:fontRef idx="minor">
-            <a:schemeClr val="tx1"/>
-          </a:fontRef>
-        </p:style>
-      </p:cxnSp>
-      <p:cxnSp>
-        <p:nvCxnSpPr>
-          <p:cNvPr id="24" name="Straight Arrow Connector 23">
-            <a:extLst>
-              <a:ext uri="{FF2B5EF4-FFF2-40B4-BE49-F238E27FC236}">
-                <a16:creationId xmlns:a16="http://schemas.microsoft.com/office/drawing/2014/main" id="{4CBC51FF-20D9-406A-BBF5-84B8BC214CD2}"/>
-              </a:ext>
-            </a:extLst>
-          </p:cNvPr>
-          <p:cNvCxnSpPr>
-            <a:cxnSpLocks/>
-            <a:stCxn id="4" idx="3"/>
-            <a:endCxn id="7" idx="1"/>
-          </p:cNvCxnSpPr>
-          <p:nvPr/>
-        </p:nvCxnSpPr>
-        <p:spPr>
-          <a:xfrm flipV="1">
-            <a:off x="5048081" y="1167276"/>
-            <a:ext cx="1217853" cy="491591"/>
-          </a:xfrm>
-          <a:prstGeom prst="straightConnector1">
-            <a:avLst/>
-          </a:prstGeom>
-          <a:ln>
-            <a:tailEnd type="triangle"/>
-          </a:ln>
-        </p:spPr>
-        <p:style>
-          <a:lnRef idx="1">
-            <a:schemeClr val="accent1"/>
-          </a:lnRef>
-          <a:fillRef idx="0">
-            <a:schemeClr val="accent1"/>
-          </a:fillRef>
-          <a:effectRef idx="0">
-            <a:schemeClr val="accent1"/>
-          </a:effectRef>
-          <a:fontRef idx="minor">
-            <a:schemeClr val="tx1"/>
-          </a:fontRef>
-        </p:style>
-      </p:cxnSp>
-      <p:sp>
-        <p:nvSpPr>
-          <p:cNvPr id="26" name="Cylinder 25">
-            <a:extLst>
-              <a:ext uri="{FF2B5EF4-FFF2-40B4-BE49-F238E27FC236}">
-                <a16:creationId xmlns:a16="http://schemas.microsoft.com/office/drawing/2014/main" id="{B6E8587E-E6F8-4011-9388-7BBDF23AF7DA}"/>
-              </a:ext>
-            </a:extLst>
-          </p:cNvPr>
-          <p:cNvSpPr/>
-          <p:nvPr/>
-        </p:nvSpPr>
-        <p:spPr>
-          <a:xfrm>
-            <a:off x="10531070" y="2310275"/>
-            <a:ext cx="1344626" cy="1642684"/>
-          </a:xfrm>
-          <a:prstGeom prst="can">
-            <a:avLst/>
-          </a:prstGeom>
-        </p:spPr>
-        <p:style>
-          <a:lnRef idx="2">
-            <a:schemeClr val="accent3">
-              <a:shade val="50000"/>
-            </a:schemeClr>
-          </a:lnRef>
-          <a:fillRef idx="1">
-            <a:schemeClr val="accent3"/>
-          </a:fillRef>
-          <a:effectRef idx="0">
-            <a:schemeClr val="accent3"/>
-          </a:effectRef>
-          <a:fontRef idx="minor">
-            <a:schemeClr val="lt1"/>
-          </a:fontRef>
-        </p:style>
-        <p:txBody>
-          <a:bodyPr rtlCol="0" anchor="ctr"/>
-          <a:lstStyle/>
-          <a:p>
-            <a:pPr algn="ctr"/>
-            <a:r>
-              <a:rPr lang="en-US" dirty="0"/>
-              <a:t>datastore</a:t>
-            </a:r>
-          </a:p>
-        </p:txBody>
-      </p:sp>
-      <p:sp>
-        <p:nvSpPr>
-          <p:cNvPr id="27" name="Hexagon 26">
-            <a:extLst>
-              <a:ext uri="{FF2B5EF4-FFF2-40B4-BE49-F238E27FC236}">
-                <a16:creationId xmlns:a16="http://schemas.microsoft.com/office/drawing/2014/main" id="{8A201502-2769-42F1-82F0-5483407F89B3}"/>
-              </a:ext>
-            </a:extLst>
-          </p:cNvPr>
-          <p:cNvSpPr/>
-          <p:nvPr/>
-        </p:nvSpPr>
-        <p:spPr>
-          <a:xfrm>
-            <a:off x="8891637" y="1072988"/>
-            <a:ext cx="1593119" cy="778858"/>
-          </a:xfrm>
-          <a:prstGeom prst="hexagon">
-            <a:avLst/>
-          </a:prstGeom>
-          <a:solidFill>
-            <a:srgbClr val="00B0F0"/>
-          </a:solidFill>
-        </p:spPr>
-        <p:style>
-          <a:lnRef idx="2">
-            <a:schemeClr val="accent1">
-              <a:shade val="50000"/>
-            </a:schemeClr>
-          </a:lnRef>
-          <a:fillRef idx="1">
-            <a:schemeClr val="accent1"/>
-          </a:fillRef>
-          <a:effectRef idx="0">
-            <a:schemeClr val="accent1"/>
-          </a:effectRef>
-          <a:fontRef idx="minor">
-            <a:schemeClr val="lt1"/>
-          </a:fontRef>
-        </p:style>
-        <p:txBody>
-          <a:bodyPr rtlCol="0" anchor="ctr"/>
-          <a:lstStyle/>
-          <a:p>
-            <a:pPr algn="ctr"/>
-            <a:r>
-              <a:rPr lang="en-US" dirty="0"/>
-              <a:t>Request queue</a:t>
-            </a:r>
-          </a:p>
-        </p:txBody>
-      </p:sp>
-      <p:cxnSp>
-        <p:nvCxnSpPr>
-          <p:cNvPr id="29" name="Straight Arrow Connector 28" descr="async">
-            <a:extLst>
-              <a:ext uri="{FF2B5EF4-FFF2-40B4-BE49-F238E27FC236}">
-                <a16:creationId xmlns:a16="http://schemas.microsoft.com/office/drawing/2014/main" id="{1D69A753-2869-4E3D-8DAD-296DC401FF3A}"/>
-              </a:ext>
-            </a:extLst>
-          </p:cNvPr>
-          <p:cNvCxnSpPr>
-            <a:cxnSpLocks/>
-            <a:stCxn id="7" idx="3"/>
-            <a:endCxn id="27" idx="3"/>
-          </p:cNvCxnSpPr>
-          <p:nvPr/>
-        </p:nvCxnSpPr>
-        <p:spPr>
-          <a:xfrm>
-            <a:off x="8135194" y="1167276"/>
-            <a:ext cx="756443" cy="295141"/>
-          </a:xfrm>
-          <a:prstGeom prst="straightConnector1">
-            <a:avLst/>
-          </a:prstGeom>
-          <a:ln>
-            <a:tailEnd type="triangle"/>
-          </a:ln>
-        </p:spPr>
-        <p:style>
-          <a:lnRef idx="1">
-            <a:schemeClr val="accent1"/>
-          </a:lnRef>
-          <a:fillRef idx="0">
-            <a:schemeClr val="accent1"/>
-          </a:fillRef>
-          <a:effectRef idx="0">
-            <a:schemeClr val="accent1"/>
-          </a:effectRef>
-          <a:fontRef idx="minor">
-            <a:schemeClr val="tx1"/>
-          </a:fontRef>
-        </p:style>
-      </p:cxnSp>
-      <p:cxnSp>
-        <p:nvCxnSpPr>
-          <p:cNvPr id="32" name="Straight Arrow Connector 31">
-            <a:extLst>
-              <a:ext uri="{FF2B5EF4-FFF2-40B4-BE49-F238E27FC236}">
-                <a16:creationId xmlns:a16="http://schemas.microsoft.com/office/drawing/2014/main" id="{C473AEDE-DC81-436A-BA5A-A9A6E29D06E9}"/>
-              </a:ext>
-            </a:extLst>
-          </p:cNvPr>
-          <p:cNvCxnSpPr>
-            <a:cxnSpLocks/>
-            <a:stCxn id="27" idx="2"/>
-            <a:endCxn id="18" idx="0"/>
-          </p:cNvCxnSpPr>
-          <p:nvPr/>
-        </p:nvCxnSpPr>
-        <p:spPr>
-          <a:xfrm flipH="1">
-            <a:off x="8012388" y="1851846"/>
-            <a:ext cx="1073964" cy="955653"/>
-          </a:xfrm>
-          <a:prstGeom prst="straightConnector1">
-            <a:avLst/>
-          </a:prstGeom>
-          <a:ln>
-            <a:tailEnd type="triangle"/>
-          </a:ln>
-        </p:spPr>
-        <p:style>
-          <a:lnRef idx="1">
-            <a:schemeClr val="accent1"/>
-          </a:lnRef>
-          <a:fillRef idx="0">
-            <a:schemeClr val="accent1"/>
-          </a:fillRef>
-          <a:effectRef idx="0">
-            <a:schemeClr val="accent1"/>
-          </a:effectRef>
-          <a:fontRef idx="minor">
-            <a:schemeClr val="tx1"/>
-          </a:fontRef>
-        </p:style>
-      </p:cxnSp>
-      <p:cxnSp>
-        <p:nvCxnSpPr>
-          <p:cNvPr id="36" name="Straight Arrow Connector 35">
-            <a:extLst>
-              <a:ext uri="{FF2B5EF4-FFF2-40B4-BE49-F238E27FC236}">
-                <a16:creationId xmlns:a16="http://schemas.microsoft.com/office/drawing/2014/main" id="{D0A556BE-B0E6-4131-A95E-438627BF86A8}"/>
-              </a:ext>
-            </a:extLst>
-          </p:cNvPr>
-          <p:cNvCxnSpPr>
-            <a:cxnSpLocks/>
-            <a:stCxn id="7" idx="2"/>
-            <a:endCxn id="18" idx="0"/>
-          </p:cNvCxnSpPr>
-          <p:nvPr/>
-        </p:nvCxnSpPr>
-        <p:spPr>
-          <a:xfrm>
-            <a:off x="7200564" y="1507141"/>
-            <a:ext cx="811824" cy="1300358"/>
-          </a:xfrm>
-          <a:prstGeom prst="straightConnector1">
-            <a:avLst/>
-          </a:prstGeom>
-          <a:ln>
-            <a:tailEnd type="triangle"/>
-          </a:ln>
-        </p:spPr>
-        <p:style>
-          <a:lnRef idx="1">
-            <a:schemeClr val="accent1"/>
-          </a:lnRef>
-          <a:fillRef idx="0">
-            <a:schemeClr val="accent1"/>
-          </a:fillRef>
-          <a:effectRef idx="0">
-            <a:schemeClr val="accent1"/>
-          </a:effectRef>
-          <a:fontRef idx="minor">
-            <a:schemeClr val="tx1"/>
-          </a:fontRef>
-        </p:style>
-      </p:cxnSp>
-      <p:cxnSp>
-        <p:nvCxnSpPr>
-          <p:cNvPr id="49" name="Straight Arrow Connector 48">
-            <a:extLst>
-              <a:ext uri="{FF2B5EF4-FFF2-40B4-BE49-F238E27FC236}">
-                <a16:creationId xmlns:a16="http://schemas.microsoft.com/office/drawing/2014/main" id="{57C2E06F-5DD9-4E1F-9BFC-DDAAE7139D89}"/>
-              </a:ext>
-            </a:extLst>
-          </p:cNvPr>
-          <p:cNvCxnSpPr>
-            <a:cxnSpLocks/>
-            <a:stCxn id="18" idx="6"/>
-          </p:cNvCxnSpPr>
-          <p:nvPr/>
-        </p:nvCxnSpPr>
-        <p:spPr>
-          <a:xfrm>
-            <a:off x="8849914" y="3204009"/>
-            <a:ext cx="1681156" cy="32804"/>
-          </a:xfrm>
-          <a:prstGeom prst="straightConnector1">
-            <a:avLst/>
-          </a:prstGeom>
-          <a:ln>
-            <a:headEnd type="triangle"/>
-            <a:tailEnd type="triangle"/>
-          </a:ln>
-        </p:spPr>
-        <p:style>
-          <a:lnRef idx="1">
-            <a:schemeClr val="accent1"/>
-          </a:lnRef>
-          <a:fillRef idx="0">
-            <a:schemeClr val="accent1"/>
-          </a:fillRef>
-          <a:effectRef idx="0">
-            <a:schemeClr val="accent1"/>
-          </a:effectRef>
-          <a:fontRef idx="minor">
-            <a:schemeClr val="tx1"/>
-          </a:fontRef>
-        </p:style>
-      </p:cxnSp>
-      <p:sp>
-        <p:nvSpPr>
-          <p:cNvPr id="50" name="TextBox 49">
-            <a:extLst>
-              <a:ext uri="{FF2B5EF4-FFF2-40B4-BE49-F238E27FC236}">
-                <a16:creationId xmlns:a16="http://schemas.microsoft.com/office/drawing/2014/main" id="{04EEA221-C774-41BE-9072-E9EE95811FA6}"/>
-              </a:ext>
-            </a:extLst>
-          </p:cNvPr>
-          <p:cNvSpPr txBox="1"/>
-          <p:nvPr/>
-        </p:nvSpPr>
-        <p:spPr>
-          <a:xfrm>
-            <a:off x="2638004" y="5923370"/>
-            <a:ext cx="2832212" cy="679731"/>
-          </a:xfrm>
-          <a:prstGeom prst="rect">
-            <a:avLst/>
-          </a:prstGeom>
-          <a:noFill/>
-        </p:spPr>
-        <p:txBody>
-          <a:bodyPr wrap="square" rtlCol="0">
-            <a:spAutoFit/>
-          </a:bodyPr>
-          <a:lstStyle/>
-          <a:p>
-            <a:endParaRPr lang="en-US" dirty="0"/>
-          </a:p>
-        </p:txBody>
-      </p:sp>
-      <p:sp>
-        <p:nvSpPr>
-          <p:cNvPr id="83" name="TextBox 82">
-            <a:extLst>
-              <a:ext uri="{FF2B5EF4-FFF2-40B4-BE49-F238E27FC236}">
-                <a16:creationId xmlns:a16="http://schemas.microsoft.com/office/drawing/2014/main" id="{BA4DADE9-4C8A-4E96-9F7F-1041ADAFC658}"/>
-              </a:ext>
-            </a:extLst>
-          </p:cNvPr>
-          <p:cNvSpPr txBox="1"/>
-          <p:nvPr/>
-        </p:nvSpPr>
-        <p:spPr>
-          <a:xfrm>
-            <a:off x="2941794" y="5785012"/>
-            <a:ext cx="4041633" cy="461665"/>
-          </a:xfrm>
-          <a:prstGeom prst="rect">
-            <a:avLst/>
-          </a:prstGeom>
-          <a:noFill/>
-        </p:spPr>
-        <p:txBody>
-          <a:bodyPr wrap="square" rtlCol="0">
-            <a:spAutoFit/>
-          </a:bodyPr>
-          <a:lstStyle/>
-          <a:p>
-            <a:r>
-              <a:rPr lang="en-US" sz="2400" b="1" dirty="0"/>
-              <a:t>Common Architecture</a:t>
-            </a:r>
-          </a:p>
-        </p:txBody>
-      </p:sp>
-    </p:spTree>
-    <p:extLst>
-      <p:ext uri="{BB962C8B-B14F-4D97-AF65-F5344CB8AC3E}">
-        <p14:creationId xmlns:p14="http://schemas.microsoft.com/office/powerpoint/2010/main" val="2896029087"/>
-      </p:ext>
-    </p:extLst>
-  </p:cSld>
-  <p:clrMapOvr>
-    <a:masterClrMapping/>
-  </p:clrMapOvr>
-</p:sld>
-</file>
-
-<file path=ppt/slides/slide5.xml><?xml version="1.0" encoding="utf-8"?>
 <p:sld xmlns:a="http://schemas.openxmlformats.org/drawingml/2006/main" xmlns:r="http://schemas.openxmlformats.org/officeDocument/2006/relationships" xmlns:p="http://schemas.openxmlformats.org/presentationml/2006/main">
   <p:cSld>
     <p:bg>
@@ -35438,7 +31422,7 @@
 </p:sld>
 </file>
 
-<file path=ppt/slides/slide6.xml><?xml version="1.0" encoding="utf-8"?>
+<file path=ppt/slides/slide11.xml><?xml version="1.0" encoding="utf-8"?>
 <p:sld xmlns:a="http://schemas.openxmlformats.org/drawingml/2006/main" xmlns:r="http://schemas.openxmlformats.org/officeDocument/2006/relationships" xmlns:p="http://schemas.openxmlformats.org/presentationml/2006/main">
   <p:cSld>
     <p:bg>
@@ -38809,7 +34793,7 @@
 </p:sld>
 </file>
 
-<file path=ppt/slides/slide7.xml><?xml version="1.0" encoding="utf-8"?>
+<file path=ppt/slides/slide12.xml><?xml version="1.0" encoding="utf-8"?>
 <p:sld xmlns:a="http://schemas.openxmlformats.org/drawingml/2006/main" xmlns:r="http://schemas.openxmlformats.org/officeDocument/2006/relationships" xmlns:p="http://schemas.openxmlformats.org/presentationml/2006/main">
   <p:cSld>
     <p:bg>
@@ -39453,7 +35437,7 @@
 </p:sld>
 </file>
 
-<file path=ppt/slides/slide8.xml><?xml version="1.0" encoding="utf-8"?>
+<file path=ppt/slides/slide13.xml><?xml version="1.0" encoding="utf-8"?>
 <p:sld xmlns:a="http://schemas.openxmlformats.org/drawingml/2006/main" xmlns:r="http://schemas.openxmlformats.org/officeDocument/2006/relationships" xmlns:p="http://schemas.openxmlformats.org/presentationml/2006/main">
   <p:cSld>
     <p:bg>
@@ -39671,7 +35655,7 @@
 </p:sld>
 </file>
 
-<file path=ppt/slides/slide9.xml><?xml version="1.0" encoding="utf-8"?>
+<file path=ppt/slides/slide14.xml><?xml version="1.0" encoding="utf-8"?>
 <p:sld xmlns:a="http://schemas.openxmlformats.org/drawingml/2006/main" xmlns:r="http://schemas.openxmlformats.org/officeDocument/2006/relationships" xmlns:p="http://schemas.openxmlformats.org/presentationml/2006/main">
   <p:cSld>
     <p:bg>
@@ -40212,6 +36196,4412 @@
     <p:extLst>
       <p:ext uri="{BB962C8B-B14F-4D97-AF65-F5344CB8AC3E}">
         <p14:creationId xmlns:p14="http://schemas.microsoft.com/office/powerpoint/2010/main" val="1144523152"/>
+      </p:ext>
+    </p:extLst>
+  </p:cSld>
+  <p:clrMapOvr>
+    <a:masterClrMapping/>
+  </p:clrMapOvr>
+</p:sld>
+</file>
+
+<file path=ppt/slides/slide15.xml><?xml version="1.0" encoding="utf-8"?>
+<p:sld xmlns:a="http://schemas.openxmlformats.org/drawingml/2006/main" xmlns:r="http://schemas.openxmlformats.org/officeDocument/2006/relationships" xmlns:p="http://schemas.openxmlformats.org/presentationml/2006/main">
+  <p:cSld>
+    <p:bg>
+      <p:bgPr>
+        <a:gradFill rotWithShape="1">
+          <a:gsLst>
+            <a:gs pos="0">
+              <a:schemeClr val="bg2">
+                <a:tint val="90000"/>
+                <a:satMod val="92000"/>
+                <a:lumMod val="120000"/>
+              </a:schemeClr>
+            </a:gs>
+            <a:gs pos="100000">
+              <a:schemeClr val="bg2">
+                <a:shade val="98000"/>
+                <a:satMod val="120000"/>
+                <a:lumMod val="98000"/>
+              </a:schemeClr>
+            </a:gs>
+          </a:gsLst>
+          <a:path path="circle">
+            <a:fillToRect l="50000" t="50000" r="100000" b="100000"/>
+          </a:path>
+        </a:gradFill>
+        <a:effectLst/>
+      </p:bgPr>
+    </p:bg>
+    <p:spTree>
+      <p:nvGrpSpPr>
+        <p:cNvPr id="1" name=""/>
+        <p:cNvGrpSpPr/>
+        <p:nvPr/>
+      </p:nvGrpSpPr>
+      <p:grpSpPr>
+        <a:xfrm>
+          <a:off x="0" y="0"/>
+          <a:ext cx="0" cy="0"/>
+          <a:chOff x="0" y="0"/>
+          <a:chExt cx="0" cy="0"/>
+        </a:xfrm>
+      </p:grpSpPr>
+      <p:sp>
+        <p:nvSpPr>
+          <p:cNvPr id="10" name="Rectangle 9">
+            <a:extLst>
+              <a:ext uri="{FF2B5EF4-FFF2-40B4-BE49-F238E27FC236}">
+                <a16:creationId xmlns:a16="http://schemas.microsoft.com/office/drawing/2014/main" id="{A3D9AEEE-1CCD-43C0-BA3E-16D60A6E23C0}"/>
+              </a:ext>
+              <a:ext uri="{C183D7F6-B498-43B3-948B-1728B52AA6E4}">
+                <adec:decorative xmlns:adec="http://schemas.microsoft.com/office/drawing/2017/decorative" val="1"/>
+              </a:ext>
+            </a:extLst>
+          </p:cNvPr>
+          <p:cNvSpPr>
+            <a:spLocks noGrp="1" noRot="1" noChangeAspect="1" noMove="1" noResize="1" noEditPoints="1" noAdjustHandles="1" noChangeArrowheads="1" noChangeShapeType="1" noTextEdit="1"/>
+          </p:cNvSpPr>
+          <p:nvPr>
+            <p:extLst>
+              <p:ext uri="{386F3935-93C4-4BCD-93E2-E3B085C9AB24}">
+                <p16:designElem xmlns:p16="http://schemas.microsoft.com/office/powerpoint/2015/main" val="1"/>
+              </p:ext>
+            </p:extLst>
+          </p:nvPr>
+        </p:nvSpPr>
+        <p:spPr>
+          <a:xfrm>
+            <a:off x="1" y="0"/>
+            <a:ext cx="4059079" cy="6858000"/>
+          </a:xfrm>
+          <a:prstGeom prst="rect">
+            <a:avLst/>
+          </a:prstGeom>
+          <a:solidFill>
+            <a:schemeClr val="tx2"/>
+          </a:solidFill>
+          <a:ln>
+            <a:noFill/>
+          </a:ln>
+        </p:spPr>
+        <p:style>
+          <a:lnRef idx="2">
+            <a:schemeClr val="accent1">
+              <a:shade val="50000"/>
+            </a:schemeClr>
+          </a:lnRef>
+          <a:fillRef idx="1">
+            <a:schemeClr val="accent1"/>
+          </a:fillRef>
+          <a:effectRef idx="0">
+            <a:schemeClr val="accent1"/>
+          </a:effectRef>
+          <a:fontRef idx="minor">
+            <a:schemeClr val="lt1"/>
+          </a:fontRef>
+        </p:style>
+        <p:txBody>
+          <a:bodyPr rtlCol="0" anchor="ctr"/>
+          <a:lstStyle/>
+          <a:p>
+            <a:pPr algn="ctr"/>
+            <a:endParaRPr lang="en-US"/>
+          </a:p>
+        </p:txBody>
+      </p:sp>
+      <p:sp>
+        <p:nvSpPr>
+          <p:cNvPr id="2" name="Title 1">
+            <a:extLst>
+              <a:ext uri="{FF2B5EF4-FFF2-40B4-BE49-F238E27FC236}">
+                <a16:creationId xmlns:a16="http://schemas.microsoft.com/office/drawing/2014/main" id="{0A49776F-A000-4849-9138-ED798B055342}"/>
+              </a:ext>
+            </a:extLst>
+          </p:cNvPr>
+          <p:cNvSpPr>
+            <a:spLocks noGrp="1"/>
+          </p:cNvSpPr>
+          <p:nvPr>
+            <p:ph type="title"/>
+          </p:nvPr>
+        </p:nvSpPr>
+        <p:spPr>
+          <a:xfrm>
+            <a:off x="1259893" y="3101093"/>
+            <a:ext cx="2454052" cy="3029344"/>
+          </a:xfrm>
+        </p:spPr>
+        <p:txBody>
+          <a:bodyPr>
+            <a:normAutofit/>
+          </a:bodyPr>
+          <a:lstStyle/>
+          <a:p>
+            <a:r>
+              <a:rPr lang="en-US" sz="3000">
+                <a:solidFill>
+                  <a:schemeClr val="bg1"/>
+                </a:solidFill>
+              </a:rPr>
+              <a:t>Client Server connection</a:t>
+            </a:r>
+          </a:p>
+        </p:txBody>
+      </p:sp>
+      <p:sp>
+        <p:nvSpPr>
+          <p:cNvPr id="12" name="Freeform 11">
+            <a:extLst>
+              <a:ext uri="{FF2B5EF4-FFF2-40B4-BE49-F238E27FC236}">
+                <a16:creationId xmlns:a16="http://schemas.microsoft.com/office/drawing/2014/main" id="{60F880A6-33D3-4EEC-A780-B73559B9F24C}"/>
+              </a:ext>
+              <a:ext uri="{C183D7F6-B498-43B3-948B-1728B52AA6E4}">
+                <adec:decorative xmlns:adec="http://schemas.microsoft.com/office/drawing/2017/decorative" val="1"/>
+              </a:ext>
+            </a:extLst>
+          </p:cNvPr>
+          <p:cNvSpPr>
+            <a:spLocks noGrp="1" noRot="1" noChangeAspect="1" noMove="1" noResize="1" noEditPoints="1" noAdjustHandles="1" noChangeArrowheads="1" noChangeShapeType="1" noTextEdit="1"/>
+          </p:cNvSpPr>
+          <p:nvPr>
+            <p:extLst>
+              <p:ext uri="{386F3935-93C4-4BCD-93E2-E3B085C9AB24}">
+                <p16:designElem xmlns:p16="http://schemas.microsoft.com/office/powerpoint/2015/main" val="1"/>
+              </p:ext>
+            </p:extLst>
+          </p:nvPr>
+        </p:nvSpPr>
+        <p:spPr bwMode="auto">
+          <a:xfrm flipV="1">
+            <a:off x="-159" y="3179901"/>
+            <a:ext cx="1098194" cy="514066"/>
+          </a:xfrm>
+          <a:custGeom>
+            <a:avLst/>
+            <a:gdLst>
+              <a:gd name="connsiteX0" fmla="*/ 10000 w 10044"/>
+              <a:gd name="connsiteY0" fmla="*/ 4701 h 9966"/>
+              <a:gd name="connsiteX1" fmla="*/ 8559 w 10044"/>
+              <a:gd name="connsiteY1" fmla="*/ 188 h 9966"/>
+              <a:gd name="connsiteX2" fmla="*/ 8527 w 10044"/>
+              <a:gd name="connsiteY2" fmla="*/ 94 h 9966"/>
+              <a:gd name="connsiteX3" fmla="*/ 8438 w 10044"/>
+              <a:gd name="connsiteY3" fmla="*/ 0 h 9966"/>
+              <a:gd name="connsiteX4" fmla="*/ 7867 w 10044"/>
+              <a:gd name="connsiteY4" fmla="*/ 0 h 9966"/>
+              <a:gd name="connsiteX5" fmla="*/ 0 w 10044"/>
+              <a:gd name="connsiteY5" fmla="*/ 70 h 9966"/>
+              <a:gd name="connsiteX6" fmla="*/ 3132 w 10044"/>
+              <a:gd name="connsiteY6" fmla="*/ 9763 h 9966"/>
+              <a:gd name="connsiteX7" fmla="*/ 7867 w 10044"/>
+              <a:gd name="connsiteY7" fmla="*/ 9966 h 9966"/>
+              <a:gd name="connsiteX8" fmla="*/ 8438 w 10044"/>
+              <a:gd name="connsiteY8" fmla="*/ 9966 h 9966"/>
+              <a:gd name="connsiteX9" fmla="*/ 8527 w 10044"/>
+              <a:gd name="connsiteY9" fmla="*/ 9872 h 9966"/>
+              <a:gd name="connsiteX10" fmla="*/ 8559 w 10044"/>
+              <a:gd name="connsiteY10" fmla="*/ 9778 h 9966"/>
+              <a:gd name="connsiteX11" fmla="*/ 10000 w 10044"/>
+              <a:gd name="connsiteY11" fmla="*/ 5265 h 9966"/>
+              <a:gd name="connsiteX12" fmla="*/ 10000 w 10044"/>
+              <a:gd name="connsiteY12" fmla="*/ 4701 h 9966"/>
+              <a:gd name="connsiteX0" fmla="*/ 6839 w 6883"/>
+              <a:gd name="connsiteY0" fmla="*/ 4885 h 10168"/>
+              <a:gd name="connsiteX1" fmla="*/ 5405 w 6883"/>
+              <a:gd name="connsiteY1" fmla="*/ 357 h 10168"/>
+              <a:gd name="connsiteX2" fmla="*/ 5373 w 6883"/>
+              <a:gd name="connsiteY2" fmla="*/ 262 h 10168"/>
+              <a:gd name="connsiteX3" fmla="*/ 5284 w 6883"/>
+              <a:gd name="connsiteY3" fmla="*/ 168 h 10168"/>
+              <a:gd name="connsiteX4" fmla="*/ 4716 w 6883"/>
+              <a:gd name="connsiteY4" fmla="*/ 168 h 10168"/>
+              <a:gd name="connsiteX5" fmla="*/ 50 w 6883"/>
+              <a:gd name="connsiteY5" fmla="*/ 0 h 10168"/>
+              <a:gd name="connsiteX6" fmla="*/ 1 w 6883"/>
+              <a:gd name="connsiteY6" fmla="*/ 9964 h 10168"/>
+              <a:gd name="connsiteX7" fmla="*/ 4716 w 6883"/>
+              <a:gd name="connsiteY7" fmla="*/ 10168 h 10168"/>
+              <a:gd name="connsiteX8" fmla="*/ 5284 w 6883"/>
+              <a:gd name="connsiteY8" fmla="*/ 10168 h 10168"/>
+              <a:gd name="connsiteX9" fmla="*/ 5373 w 6883"/>
+              <a:gd name="connsiteY9" fmla="*/ 10074 h 10168"/>
+              <a:gd name="connsiteX10" fmla="*/ 5405 w 6883"/>
+              <a:gd name="connsiteY10" fmla="*/ 9979 h 10168"/>
+              <a:gd name="connsiteX11" fmla="*/ 6839 w 6883"/>
+              <a:gd name="connsiteY11" fmla="*/ 5451 h 10168"/>
+              <a:gd name="connsiteX12" fmla="*/ 6839 w 6883"/>
+              <a:gd name="connsiteY12" fmla="*/ 4885 h 10168"/>
+            </a:gdLst>
+            <a:ahLst/>
+            <a:cxnLst>
+              <a:cxn ang="0">
+                <a:pos x="connsiteX0" y="connsiteY0"/>
+              </a:cxn>
+              <a:cxn ang="0">
+                <a:pos x="connsiteX1" y="connsiteY1"/>
+              </a:cxn>
+              <a:cxn ang="0">
+                <a:pos x="connsiteX2" y="connsiteY2"/>
+              </a:cxn>
+              <a:cxn ang="0">
+                <a:pos x="connsiteX3" y="connsiteY3"/>
+              </a:cxn>
+              <a:cxn ang="0">
+                <a:pos x="connsiteX4" y="connsiteY4"/>
+              </a:cxn>
+              <a:cxn ang="0">
+                <a:pos x="connsiteX5" y="connsiteY5"/>
+              </a:cxn>
+              <a:cxn ang="0">
+                <a:pos x="connsiteX6" y="connsiteY6"/>
+              </a:cxn>
+              <a:cxn ang="0">
+                <a:pos x="connsiteX7" y="connsiteY7"/>
+              </a:cxn>
+              <a:cxn ang="0">
+                <a:pos x="connsiteX8" y="connsiteY8"/>
+              </a:cxn>
+              <a:cxn ang="0">
+                <a:pos x="connsiteX9" y="connsiteY9"/>
+              </a:cxn>
+              <a:cxn ang="0">
+                <a:pos x="connsiteX10" y="connsiteY10"/>
+              </a:cxn>
+              <a:cxn ang="0">
+                <a:pos x="connsiteX11" y="connsiteY11"/>
+              </a:cxn>
+              <a:cxn ang="0">
+                <a:pos x="connsiteX12" y="connsiteY12"/>
+              </a:cxn>
+            </a:cxnLst>
+            <a:rect l="l" t="t" r="r" b="b"/>
+            <a:pathLst>
+              <a:path w="6883" h="10168">
+                <a:moveTo>
+                  <a:pt x="6839" y="4885"/>
+                </a:moveTo>
+                <a:lnTo>
+                  <a:pt x="5405" y="357"/>
+                </a:lnTo>
+                <a:cubicBezTo>
+                  <a:pt x="5395" y="325"/>
+                  <a:pt x="5383" y="294"/>
+                  <a:pt x="5373" y="262"/>
+                </a:cubicBezTo>
+                <a:cubicBezTo>
+                  <a:pt x="5344" y="168"/>
+                  <a:pt x="5314" y="168"/>
+                  <a:pt x="5284" y="168"/>
+                </a:cubicBezTo>
+                <a:lnTo>
+                  <a:pt x="4716" y="168"/>
+                </a:lnTo>
+                <a:lnTo>
+                  <a:pt x="50" y="0"/>
+                </a:lnTo>
+                <a:cubicBezTo>
+                  <a:pt x="59" y="3322"/>
+                  <a:pt x="-8" y="6643"/>
+                  <a:pt x="1" y="9964"/>
+                </a:cubicBezTo>
+                <a:lnTo>
+                  <a:pt x="4716" y="10168"/>
+                </a:lnTo>
+                <a:lnTo>
+                  <a:pt x="5284" y="10168"/>
+                </a:lnTo>
+                <a:cubicBezTo>
+                  <a:pt x="5314" y="10168"/>
+                  <a:pt x="5344" y="10074"/>
+                  <a:pt x="5373" y="10074"/>
+                </a:cubicBezTo>
+                <a:cubicBezTo>
+                  <a:pt x="5373" y="9979"/>
+                  <a:pt x="5405" y="9979"/>
+                  <a:pt x="5405" y="9979"/>
+                </a:cubicBezTo>
+                <a:lnTo>
+                  <a:pt x="6839" y="5451"/>
+                </a:lnTo>
+                <a:cubicBezTo>
+                  <a:pt x="6898" y="5262"/>
+                  <a:pt x="6898" y="5074"/>
+                  <a:pt x="6839" y="4885"/>
+                </a:cubicBezTo>
+                <a:close/>
+              </a:path>
+            </a:pathLst>
+          </a:custGeom>
+          <a:solidFill>
+            <a:schemeClr val="accent1"/>
+          </a:solidFill>
+          <a:ln>
+            <a:noFill/>
+          </a:ln>
+        </p:spPr>
+        <p:txBody>
+          <a:bodyPr/>
+          <a:lstStyle/>
+          <a:p>
+            <a:endParaRPr lang="en-US"/>
+          </a:p>
+        </p:txBody>
+      </p:sp>
+      <p:sp useBgFill="1">
+        <p:nvSpPr>
+          <p:cNvPr id="14" name="Rectangle 13">
+            <a:extLst>
+              <a:ext uri="{FF2B5EF4-FFF2-40B4-BE49-F238E27FC236}">
+                <a16:creationId xmlns:a16="http://schemas.microsoft.com/office/drawing/2014/main" id="{2C6246ED-0535-4496-A8F6-1E80CC4EB853}"/>
+              </a:ext>
+              <a:ext uri="{C183D7F6-B498-43B3-948B-1728B52AA6E4}">
+                <adec:decorative xmlns:adec="http://schemas.microsoft.com/office/drawing/2017/decorative" val="1"/>
+              </a:ext>
+            </a:extLst>
+          </p:cNvPr>
+          <p:cNvSpPr>
+            <a:spLocks noGrp="1" noRot="1" noChangeAspect="1" noMove="1" noResize="1" noEditPoints="1" noAdjustHandles="1" noChangeArrowheads="1" noChangeShapeType="1" noTextEdit="1"/>
+          </p:cNvSpPr>
+          <p:nvPr>
+            <p:extLst>
+              <p:ext uri="{386F3935-93C4-4BCD-93E2-E3B085C9AB24}">
+                <p16:designElem xmlns:p16="http://schemas.microsoft.com/office/powerpoint/2015/main" val="1"/>
+              </p:ext>
+            </p:extLst>
+          </p:nvPr>
+        </p:nvSpPr>
+        <p:spPr>
+          <a:xfrm>
+            <a:off x="4795736" y="0"/>
+            <a:ext cx="7396264" cy="6858000"/>
+          </a:xfrm>
+          <a:prstGeom prst="rect">
+            <a:avLst/>
+          </a:prstGeom>
+          <a:ln>
+            <a:noFill/>
+          </a:ln>
+        </p:spPr>
+        <p:style>
+          <a:lnRef idx="2">
+            <a:schemeClr val="accent1">
+              <a:shade val="50000"/>
+            </a:schemeClr>
+          </a:lnRef>
+          <a:fillRef idx="1">
+            <a:schemeClr val="accent1"/>
+          </a:fillRef>
+          <a:effectRef idx="0">
+            <a:schemeClr val="accent1"/>
+          </a:effectRef>
+          <a:fontRef idx="minor">
+            <a:schemeClr val="lt1"/>
+          </a:fontRef>
+        </p:style>
+        <p:txBody>
+          <a:bodyPr rtlCol="0" anchor="ctr"/>
+          <a:lstStyle/>
+          <a:p>
+            <a:pPr algn="ctr"/>
+            <a:endParaRPr lang="en-US"/>
+          </a:p>
+        </p:txBody>
+      </p:sp>
+      <p:graphicFrame>
+        <p:nvGraphicFramePr>
+          <p:cNvPr id="5" name="Content Placeholder 2">
+            <a:extLst>
+              <a:ext uri="{FF2B5EF4-FFF2-40B4-BE49-F238E27FC236}">
+                <a16:creationId xmlns:a16="http://schemas.microsoft.com/office/drawing/2014/main" id="{89865526-1C9C-4F37-8C91-AAC40FF86930}"/>
+              </a:ext>
+            </a:extLst>
+          </p:cNvPr>
+          <p:cNvGraphicFramePr>
+            <a:graphicFrameLocks noGrp="1"/>
+          </p:cNvGraphicFramePr>
+          <p:nvPr>
+            <p:ph idx="1"/>
+            <p:extLst>
+              <p:ext uri="{D42A27DB-BD31-4B8C-83A1-F6EECF244321}">
+                <p14:modId xmlns:p14="http://schemas.microsoft.com/office/powerpoint/2010/main" val="2658538576"/>
+              </p:ext>
+            </p:extLst>
+          </p:nvPr>
+        </p:nvGraphicFramePr>
+        <p:xfrm>
+          <a:off x="4713144" y="641551"/>
+          <a:ext cx="6832212" cy="5264779"/>
+        </p:xfrm>
+        <a:graphic>
+          <a:graphicData uri="http://schemas.openxmlformats.org/drawingml/2006/diagram">
+            <dgm:relIds xmlns:dgm="http://schemas.openxmlformats.org/drawingml/2006/diagram" xmlns:r="http://schemas.openxmlformats.org/officeDocument/2006/relationships" r:dm="rId2" r:lo="rId3" r:qs="rId4" r:cs="rId5"/>
+          </a:graphicData>
+        </a:graphic>
+      </p:graphicFrame>
+    </p:spTree>
+    <p:extLst>
+      <p:ext uri="{BB962C8B-B14F-4D97-AF65-F5344CB8AC3E}">
+        <p14:creationId xmlns:p14="http://schemas.microsoft.com/office/powerpoint/2010/main" val="2705017050"/>
+      </p:ext>
+    </p:extLst>
+  </p:cSld>
+  <p:clrMapOvr>
+    <a:masterClrMapping/>
+  </p:clrMapOvr>
+</p:sld>
+</file>
+
+<file path=ppt/slides/slide16.xml><?xml version="1.0" encoding="utf-8"?>
+<p:sld xmlns:a="http://schemas.openxmlformats.org/drawingml/2006/main" xmlns:r="http://schemas.openxmlformats.org/officeDocument/2006/relationships" xmlns:p="http://schemas.openxmlformats.org/presentationml/2006/main">
+  <p:cSld>
+    <p:bg>
+      <p:bgPr>
+        <a:gradFill rotWithShape="1">
+          <a:gsLst>
+            <a:gs pos="0">
+              <a:schemeClr val="bg2">
+                <a:tint val="90000"/>
+                <a:satMod val="92000"/>
+                <a:lumMod val="120000"/>
+              </a:schemeClr>
+            </a:gs>
+            <a:gs pos="100000">
+              <a:schemeClr val="bg2">
+                <a:shade val="98000"/>
+                <a:satMod val="120000"/>
+                <a:lumMod val="98000"/>
+              </a:schemeClr>
+            </a:gs>
+          </a:gsLst>
+          <a:path path="circle">
+            <a:fillToRect l="50000" t="50000" r="100000" b="100000"/>
+          </a:path>
+        </a:gradFill>
+        <a:effectLst/>
+      </p:bgPr>
+    </p:bg>
+    <p:spTree>
+      <p:nvGrpSpPr>
+        <p:cNvPr id="1" name=""/>
+        <p:cNvGrpSpPr/>
+        <p:nvPr/>
+      </p:nvGrpSpPr>
+      <p:grpSpPr>
+        <a:xfrm>
+          <a:off x="0" y="0"/>
+          <a:ext cx="0" cy="0"/>
+          <a:chOff x="0" y="0"/>
+          <a:chExt cx="0" cy="0"/>
+        </a:xfrm>
+      </p:grpSpPr>
+      <p:sp>
+        <p:nvSpPr>
+          <p:cNvPr id="2" name="Title 1">
+            <a:extLst>
+              <a:ext uri="{FF2B5EF4-FFF2-40B4-BE49-F238E27FC236}">
+                <a16:creationId xmlns:a16="http://schemas.microsoft.com/office/drawing/2014/main" id="{D34FE178-9D6D-4870-AE2D-2765E6CA11AD}"/>
+              </a:ext>
+            </a:extLst>
+          </p:cNvPr>
+          <p:cNvSpPr>
+            <a:spLocks noGrp="1"/>
+          </p:cNvSpPr>
+          <p:nvPr>
+            <p:ph type="title"/>
+          </p:nvPr>
+        </p:nvSpPr>
+        <p:spPr>
+          <a:xfrm>
+            <a:off x="1640156" y="772966"/>
+            <a:ext cx="8911687" cy="1280890"/>
+          </a:xfrm>
+        </p:spPr>
+        <p:txBody>
+          <a:bodyPr>
+            <a:normAutofit/>
+          </a:bodyPr>
+          <a:lstStyle/>
+          <a:p>
+            <a:r>
+              <a:rPr lang="en-US"/>
+              <a:t>Cache</a:t>
+            </a:r>
+          </a:p>
+        </p:txBody>
+      </p:sp>
+      <p:pic>
+        <p:nvPicPr>
+          <p:cNvPr id="3" name="Picture 4" descr="Using an in-memory cache in different instances of an application">
+            <a:extLst>
+              <a:ext uri="{FF2B5EF4-FFF2-40B4-BE49-F238E27FC236}">
+                <a16:creationId xmlns:a16="http://schemas.microsoft.com/office/drawing/2014/main" id="{F6EBF936-7545-4D37-AC83-4CB0293832B7}"/>
+              </a:ext>
+            </a:extLst>
+          </p:cNvPr>
+          <p:cNvPicPr>
+            <a:picLocks noChangeAspect="1" noChangeArrowheads="1"/>
+          </p:cNvPicPr>
+          <p:nvPr/>
+        </p:nvPicPr>
+        <p:blipFill>
+          <a:blip r:embed="rId2">
+            <a:extLst>
+              <a:ext uri="{28A0092B-C50C-407E-A947-70E740481C1C}">
+                <a14:useLocalDpi xmlns:a14="http://schemas.microsoft.com/office/drawing/2010/main" val="0"/>
+              </a:ext>
+            </a:extLst>
+          </a:blip>
+          <a:stretch>
+            <a:fillRect/>
+          </a:stretch>
+        </p:blipFill>
+        <p:spPr bwMode="auto">
+          <a:xfrm>
+            <a:off x="8016950" y="2274218"/>
+            <a:ext cx="3944678" cy="3567134"/>
+          </a:xfrm>
+          <a:prstGeom prst="rect">
+            <a:avLst/>
+          </a:prstGeom>
+          <a:noFill/>
+          <a:extLst>
+            <a:ext uri="{909E8E84-426E-40DD-AFC4-6F175D3DCCD1}">
+              <a14:hiddenFill xmlns:a14="http://schemas.microsoft.com/office/drawing/2010/main">
+                <a:solidFill>
+                  <a:srgbClr val="FFFFFF"/>
+                </a:solidFill>
+              </a14:hiddenFill>
+            </a:ext>
+          </a:extLst>
+        </p:spPr>
+      </p:pic>
+      <p:graphicFrame>
+        <p:nvGraphicFramePr>
+          <p:cNvPr id="5" name="Content Placeholder 2">
+            <a:extLst>
+              <a:ext uri="{FF2B5EF4-FFF2-40B4-BE49-F238E27FC236}">
+                <a16:creationId xmlns:a16="http://schemas.microsoft.com/office/drawing/2014/main" id="{6CDD7B73-53F1-4675-A0E6-58A00A26D30E}"/>
+              </a:ext>
+            </a:extLst>
+          </p:cNvPr>
+          <p:cNvGraphicFramePr>
+            <a:graphicFrameLocks noGrp="1"/>
+          </p:cNvGraphicFramePr>
+          <p:nvPr>
+            <p:ph idx="1"/>
+            <p:extLst>
+              <p:ext uri="{D42A27DB-BD31-4B8C-83A1-F6EECF244321}">
+                <p14:modId xmlns:p14="http://schemas.microsoft.com/office/powerpoint/2010/main" val="845985821"/>
+              </p:ext>
+            </p:extLst>
+          </p:nvPr>
+        </p:nvGraphicFramePr>
+        <p:xfrm>
+          <a:off x="1636443" y="2274218"/>
+          <a:ext cx="5835121" cy="3785860"/>
+        </p:xfrm>
+        <a:graphic>
+          <a:graphicData uri="http://schemas.openxmlformats.org/drawingml/2006/diagram">
+            <dgm:relIds xmlns:dgm="http://schemas.openxmlformats.org/drawingml/2006/diagram" xmlns:r="http://schemas.openxmlformats.org/officeDocument/2006/relationships" r:dm="rId3" r:lo="rId4" r:qs="rId5" r:cs="rId6"/>
+          </a:graphicData>
+        </a:graphic>
+      </p:graphicFrame>
+    </p:spTree>
+    <p:extLst>
+      <p:ext uri="{BB962C8B-B14F-4D97-AF65-F5344CB8AC3E}">
+        <p14:creationId xmlns:p14="http://schemas.microsoft.com/office/powerpoint/2010/main" val="1041835174"/>
+      </p:ext>
+    </p:extLst>
+  </p:cSld>
+  <p:clrMapOvr>
+    <a:masterClrMapping/>
+  </p:clrMapOvr>
+</p:sld>
+</file>
+
+<file path=ppt/slides/slide17.xml><?xml version="1.0" encoding="utf-8"?>
+<p:sld xmlns:a="http://schemas.openxmlformats.org/drawingml/2006/main" xmlns:r="http://schemas.openxmlformats.org/officeDocument/2006/relationships" xmlns:p="http://schemas.openxmlformats.org/presentationml/2006/main">
+  <p:cSld>
+    <p:bg>
+      <p:bgPr>
+        <a:gradFill rotWithShape="1">
+          <a:gsLst>
+            <a:gs pos="0">
+              <a:schemeClr val="bg2">
+                <a:tint val="90000"/>
+                <a:satMod val="92000"/>
+                <a:lumMod val="120000"/>
+              </a:schemeClr>
+            </a:gs>
+            <a:gs pos="100000">
+              <a:schemeClr val="bg2">
+                <a:shade val="98000"/>
+                <a:satMod val="120000"/>
+                <a:lumMod val="98000"/>
+              </a:schemeClr>
+            </a:gs>
+          </a:gsLst>
+          <a:path path="circle">
+            <a:fillToRect l="50000" t="50000" r="100000" b="100000"/>
+          </a:path>
+        </a:gradFill>
+        <a:effectLst/>
+      </p:bgPr>
+    </p:bg>
+    <p:spTree>
+      <p:nvGrpSpPr>
+        <p:cNvPr id="1" name=""/>
+        <p:cNvGrpSpPr/>
+        <p:nvPr/>
+      </p:nvGrpSpPr>
+      <p:grpSpPr>
+        <a:xfrm>
+          <a:off x="0" y="0"/>
+          <a:ext cx="0" cy="0"/>
+          <a:chOff x="0" y="0"/>
+          <a:chExt cx="0" cy="0"/>
+        </a:xfrm>
+      </p:grpSpPr>
+      <p:sp>
+        <p:nvSpPr>
+          <p:cNvPr id="16" name="Rectangle 9">
+            <a:extLst>
+              <a:ext uri="{FF2B5EF4-FFF2-40B4-BE49-F238E27FC236}">
+                <a16:creationId xmlns:a16="http://schemas.microsoft.com/office/drawing/2014/main" id="{A3D9AEEE-1CCD-43C0-BA3E-16D60A6E23C0}"/>
+              </a:ext>
+              <a:ext uri="{C183D7F6-B498-43B3-948B-1728B52AA6E4}">
+                <adec:decorative xmlns:adec="http://schemas.microsoft.com/office/drawing/2017/decorative" val="1"/>
+              </a:ext>
+            </a:extLst>
+          </p:cNvPr>
+          <p:cNvSpPr>
+            <a:spLocks noGrp="1" noRot="1" noChangeAspect="1" noMove="1" noResize="1" noEditPoints="1" noAdjustHandles="1" noChangeArrowheads="1" noChangeShapeType="1" noTextEdit="1"/>
+          </p:cNvSpPr>
+          <p:nvPr>
+            <p:extLst>
+              <p:ext uri="{386F3935-93C4-4BCD-93E2-E3B085C9AB24}">
+                <p16:designElem xmlns:p16="http://schemas.microsoft.com/office/powerpoint/2015/main" val="1"/>
+              </p:ext>
+            </p:extLst>
+          </p:nvPr>
+        </p:nvSpPr>
+        <p:spPr>
+          <a:xfrm>
+            <a:off x="1" y="0"/>
+            <a:ext cx="4059079" cy="6858000"/>
+          </a:xfrm>
+          <a:prstGeom prst="rect">
+            <a:avLst/>
+          </a:prstGeom>
+          <a:solidFill>
+            <a:schemeClr val="tx2"/>
+          </a:solidFill>
+          <a:ln>
+            <a:noFill/>
+          </a:ln>
+        </p:spPr>
+        <p:style>
+          <a:lnRef idx="2">
+            <a:schemeClr val="accent1">
+              <a:shade val="50000"/>
+            </a:schemeClr>
+          </a:lnRef>
+          <a:fillRef idx="1">
+            <a:schemeClr val="accent1"/>
+          </a:fillRef>
+          <a:effectRef idx="0">
+            <a:schemeClr val="accent1"/>
+          </a:effectRef>
+          <a:fontRef idx="minor">
+            <a:schemeClr val="lt1"/>
+          </a:fontRef>
+        </p:style>
+        <p:txBody>
+          <a:bodyPr rtlCol="0" anchor="ctr"/>
+          <a:lstStyle/>
+          <a:p>
+            <a:pPr algn="ctr"/>
+            <a:endParaRPr lang="en-US"/>
+          </a:p>
+        </p:txBody>
+      </p:sp>
+      <p:sp>
+        <p:nvSpPr>
+          <p:cNvPr id="2" name="Title 1">
+            <a:extLst>
+              <a:ext uri="{FF2B5EF4-FFF2-40B4-BE49-F238E27FC236}">
+                <a16:creationId xmlns:a16="http://schemas.microsoft.com/office/drawing/2014/main" id="{834EEDAD-8E71-44B7-8F1E-0AEDAA248904}"/>
+              </a:ext>
+            </a:extLst>
+          </p:cNvPr>
+          <p:cNvSpPr>
+            <a:spLocks noGrp="1"/>
+          </p:cNvSpPr>
+          <p:nvPr>
+            <p:ph type="title"/>
+          </p:nvPr>
+        </p:nvSpPr>
+        <p:spPr>
+          <a:xfrm>
+            <a:off x="1259893" y="3101093"/>
+            <a:ext cx="2454052" cy="3029344"/>
+          </a:xfrm>
+        </p:spPr>
+        <p:txBody>
+          <a:bodyPr>
+            <a:normAutofit/>
+          </a:bodyPr>
+          <a:lstStyle/>
+          <a:p>
+            <a:r>
+              <a:rPr lang="en-US" sz="3200">
+                <a:solidFill>
+                  <a:schemeClr val="bg1"/>
+                </a:solidFill>
+              </a:rPr>
+              <a:t>SQL vs No SQL</a:t>
+            </a:r>
+          </a:p>
+        </p:txBody>
+      </p:sp>
+      <p:sp>
+        <p:nvSpPr>
+          <p:cNvPr id="17" name="Freeform 11">
+            <a:extLst>
+              <a:ext uri="{FF2B5EF4-FFF2-40B4-BE49-F238E27FC236}">
+                <a16:creationId xmlns:a16="http://schemas.microsoft.com/office/drawing/2014/main" id="{60F880A6-33D3-4EEC-A780-B73559B9F24C}"/>
+              </a:ext>
+              <a:ext uri="{C183D7F6-B498-43B3-948B-1728B52AA6E4}">
+                <adec:decorative xmlns:adec="http://schemas.microsoft.com/office/drawing/2017/decorative" val="1"/>
+              </a:ext>
+            </a:extLst>
+          </p:cNvPr>
+          <p:cNvSpPr>
+            <a:spLocks noGrp="1" noRot="1" noChangeAspect="1" noMove="1" noResize="1" noEditPoints="1" noAdjustHandles="1" noChangeArrowheads="1" noChangeShapeType="1" noTextEdit="1"/>
+          </p:cNvSpPr>
+          <p:nvPr>
+            <p:extLst>
+              <p:ext uri="{386F3935-93C4-4BCD-93E2-E3B085C9AB24}">
+                <p16:designElem xmlns:p16="http://schemas.microsoft.com/office/powerpoint/2015/main" val="1"/>
+              </p:ext>
+            </p:extLst>
+          </p:nvPr>
+        </p:nvSpPr>
+        <p:spPr bwMode="auto">
+          <a:xfrm flipV="1">
+            <a:off x="-159" y="3179901"/>
+            <a:ext cx="1098194" cy="514066"/>
+          </a:xfrm>
+          <a:custGeom>
+            <a:avLst/>
+            <a:gdLst>
+              <a:gd name="connsiteX0" fmla="*/ 10000 w 10044"/>
+              <a:gd name="connsiteY0" fmla="*/ 4701 h 9966"/>
+              <a:gd name="connsiteX1" fmla="*/ 8559 w 10044"/>
+              <a:gd name="connsiteY1" fmla="*/ 188 h 9966"/>
+              <a:gd name="connsiteX2" fmla="*/ 8527 w 10044"/>
+              <a:gd name="connsiteY2" fmla="*/ 94 h 9966"/>
+              <a:gd name="connsiteX3" fmla="*/ 8438 w 10044"/>
+              <a:gd name="connsiteY3" fmla="*/ 0 h 9966"/>
+              <a:gd name="connsiteX4" fmla="*/ 7867 w 10044"/>
+              <a:gd name="connsiteY4" fmla="*/ 0 h 9966"/>
+              <a:gd name="connsiteX5" fmla="*/ 0 w 10044"/>
+              <a:gd name="connsiteY5" fmla="*/ 70 h 9966"/>
+              <a:gd name="connsiteX6" fmla="*/ 3132 w 10044"/>
+              <a:gd name="connsiteY6" fmla="*/ 9763 h 9966"/>
+              <a:gd name="connsiteX7" fmla="*/ 7867 w 10044"/>
+              <a:gd name="connsiteY7" fmla="*/ 9966 h 9966"/>
+              <a:gd name="connsiteX8" fmla="*/ 8438 w 10044"/>
+              <a:gd name="connsiteY8" fmla="*/ 9966 h 9966"/>
+              <a:gd name="connsiteX9" fmla="*/ 8527 w 10044"/>
+              <a:gd name="connsiteY9" fmla="*/ 9872 h 9966"/>
+              <a:gd name="connsiteX10" fmla="*/ 8559 w 10044"/>
+              <a:gd name="connsiteY10" fmla="*/ 9778 h 9966"/>
+              <a:gd name="connsiteX11" fmla="*/ 10000 w 10044"/>
+              <a:gd name="connsiteY11" fmla="*/ 5265 h 9966"/>
+              <a:gd name="connsiteX12" fmla="*/ 10000 w 10044"/>
+              <a:gd name="connsiteY12" fmla="*/ 4701 h 9966"/>
+              <a:gd name="connsiteX0" fmla="*/ 6839 w 6883"/>
+              <a:gd name="connsiteY0" fmla="*/ 4885 h 10168"/>
+              <a:gd name="connsiteX1" fmla="*/ 5405 w 6883"/>
+              <a:gd name="connsiteY1" fmla="*/ 357 h 10168"/>
+              <a:gd name="connsiteX2" fmla="*/ 5373 w 6883"/>
+              <a:gd name="connsiteY2" fmla="*/ 262 h 10168"/>
+              <a:gd name="connsiteX3" fmla="*/ 5284 w 6883"/>
+              <a:gd name="connsiteY3" fmla="*/ 168 h 10168"/>
+              <a:gd name="connsiteX4" fmla="*/ 4716 w 6883"/>
+              <a:gd name="connsiteY4" fmla="*/ 168 h 10168"/>
+              <a:gd name="connsiteX5" fmla="*/ 50 w 6883"/>
+              <a:gd name="connsiteY5" fmla="*/ 0 h 10168"/>
+              <a:gd name="connsiteX6" fmla="*/ 1 w 6883"/>
+              <a:gd name="connsiteY6" fmla="*/ 9964 h 10168"/>
+              <a:gd name="connsiteX7" fmla="*/ 4716 w 6883"/>
+              <a:gd name="connsiteY7" fmla="*/ 10168 h 10168"/>
+              <a:gd name="connsiteX8" fmla="*/ 5284 w 6883"/>
+              <a:gd name="connsiteY8" fmla="*/ 10168 h 10168"/>
+              <a:gd name="connsiteX9" fmla="*/ 5373 w 6883"/>
+              <a:gd name="connsiteY9" fmla="*/ 10074 h 10168"/>
+              <a:gd name="connsiteX10" fmla="*/ 5405 w 6883"/>
+              <a:gd name="connsiteY10" fmla="*/ 9979 h 10168"/>
+              <a:gd name="connsiteX11" fmla="*/ 6839 w 6883"/>
+              <a:gd name="connsiteY11" fmla="*/ 5451 h 10168"/>
+              <a:gd name="connsiteX12" fmla="*/ 6839 w 6883"/>
+              <a:gd name="connsiteY12" fmla="*/ 4885 h 10168"/>
+            </a:gdLst>
+            <a:ahLst/>
+            <a:cxnLst>
+              <a:cxn ang="0">
+                <a:pos x="connsiteX0" y="connsiteY0"/>
+              </a:cxn>
+              <a:cxn ang="0">
+                <a:pos x="connsiteX1" y="connsiteY1"/>
+              </a:cxn>
+              <a:cxn ang="0">
+                <a:pos x="connsiteX2" y="connsiteY2"/>
+              </a:cxn>
+              <a:cxn ang="0">
+                <a:pos x="connsiteX3" y="connsiteY3"/>
+              </a:cxn>
+              <a:cxn ang="0">
+                <a:pos x="connsiteX4" y="connsiteY4"/>
+              </a:cxn>
+              <a:cxn ang="0">
+                <a:pos x="connsiteX5" y="connsiteY5"/>
+              </a:cxn>
+              <a:cxn ang="0">
+                <a:pos x="connsiteX6" y="connsiteY6"/>
+              </a:cxn>
+              <a:cxn ang="0">
+                <a:pos x="connsiteX7" y="connsiteY7"/>
+              </a:cxn>
+              <a:cxn ang="0">
+                <a:pos x="connsiteX8" y="connsiteY8"/>
+              </a:cxn>
+              <a:cxn ang="0">
+                <a:pos x="connsiteX9" y="connsiteY9"/>
+              </a:cxn>
+              <a:cxn ang="0">
+                <a:pos x="connsiteX10" y="connsiteY10"/>
+              </a:cxn>
+              <a:cxn ang="0">
+                <a:pos x="connsiteX11" y="connsiteY11"/>
+              </a:cxn>
+              <a:cxn ang="0">
+                <a:pos x="connsiteX12" y="connsiteY12"/>
+              </a:cxn>
+            </a:cxnLst>
+            <a:rect l="l" t="t" r="r" b="b"/>
+            <a:pathLst>
+              <a:path w="6883" h="10168">
+                <a:moveTo>
+                  <a:pt x="6839" y="4885"/>
+                </a:moveTo>
+                <a:lnTo>
+                  <a:pt x="5405" y="357"/>
+                </a:lnTo>
+                <a:cubicBezTo>
+                  <a:pt x="5395" y="325"/>
+                  <a:pt x="5383" y="294"/>
+                  <a:pt x="5373" y="262"/>
+                </a:cubicBezTo>
+                <a:cubicBezTo>
+                  <a:pt x="5344" y="168"/>
+                  <a:pt x="5314" y="168"/>
+                  <a:pt x="5284" y="168"/>
+                </a:cubicBezTo>
+                <a:lnTo>
+                  <a:pt x="4716" y="168"/>
+                </a:lnTo>
+                <a:lnTo>
+                  <a:pt x="50" y="0"/>
+                </a:lnTo>
+                <a:cubicBezTo>
+                  <a:pt x="59" y="3322"/>
+                  <a:pt x="-8" y="6643"/>
+                  <a:pt x="1" y="9964"/>
+                </a:cubicBezTo>
+                <a:lnTo>
+                  <a:pt x="4716" y="10168"/>
+                </a:lnTo>
+                <a:lnTo>
+                  <a:pt x="5284" y="10168"/>
+                </a:lnTo>
+                <a:cubicBezTo>
+                  <a:pt x="5314" y="10168"/>
+                  <a:pt x="5344" y="10074"/>
+                  <a:pt x="5373" y="10074"/>
+                </a:cubicBezTo>
+                <a:cubicBezTo>
+                  <a:pt x="5373" y="9979"/>
+                  <a:pt x="5405" y="9979"/>
+                  <a:pt x="5405" y="9979"/>
+                </a:cubicBezTo>
+                <a:lnTo>
+                  <a:pt x="6839" y="5451"/>
+                </a:lnTo>
+                <a:cubicBezTo>
+                  <a:pt x="6898" y="5262"/>
+                  <a:pt x="6898" y="5074"/>
+                  <a:pt x="6839" y="4885"/>
+                </a:cubicBezTo>
+                <a:close/>
+              </a:path>
+            </a:pathLst>
+          </a:custGeom>
+          <a:solidFill>
+            <a:schemeClr val="accent1"/>
+          </a:solidFill>
+          <a:ln>
+            <a:noFill/>
+          </a:ln>
+        </p:spPr>
+        <p:txBody>
+          <a:bodyPr/>
+          <a:lstStyle/>
+          <a:p>
+            <a:endParaRPr lang="en-US"/>
+          </a:p>
+        </p:txBody>
+      </p:sp>
+      <p:sp useBgFill="1">
+        <p:nvSpPr>
+          <p:cNvPr id="18" name="Rectangle 13">
+            <a:extLst>
+              <a:ext uri="{FF2B5EF4-FFF2-40B4-BE49-F238E27FC236}">
+                <a16:creationId xmlns:a16="http://schemas.microsoft.com/office/drawing/2014/main" id="{2C6246ED-0535-4496-A8F6-1E80CC4EB853}"/>
+              </a:ext>
+              <a:ext uri="{C183D7F6-B498-43B3-948B-1728B52AA6E4}">
+                <adec:decorative xmlns:adec="http://schemas.microsoft.com/office/drawing/2017/decorative" val="1"/>
+              </a:ext>
+            </a:extLst>
+          </p:cNvPr>
+          <p:cNvSpPr>
+            <a:spLocks noGrp="1" noRot="1" noChangeAspect="1" noMove="1" noResize="1" noEditPoints="1" noAdjustHandles="1" noChangeArrowheads="1" noChangeShapeType="1" noTextEdit="1"/>
+          </p:cNvSpPr>
+          <p:nvPr>
+            <p:extLst>
+              <p:ext uri="{386F3935-93C4-4BCD-93E2-E3B085C9AB24}">
+                <p16:designElem xmlns:p16="http://schemas.microsoft.com/office/powerpoint/2015/main" val="1"/>
+              </p:ext>
+            </p:extLst>
+          </p:nvPr>
+        </p:nvSpPr>
+        <p:spPr>
+          <a:xfrm>
+            <a:off x="4795736" y="0"/>
+            <a:ext cx="7396264" cy="6858000"/>
+          </a:xfrm>
+          <a:prstGeom prst="rect">
+            <a:avLst/>
+          </a:prstGeom>
+          <a:ln>
+            <a:noFill/>
+          </a:ln>
+        </p:spPr>
+        <p:style>
+          <a:lnRef idx="2">
+            <a:schemeClr val="accent1">
+              <a:shade val="50000"/>
+            </a:schemeClr>
+          </a:lnRef>
+          <a:fillRef idx="1">
+            <a:schemeClr val="accent1"/>
+          </a:fillRef>
+          <a:effectRef idx="0">
+            <a:schemeClr val="accent1"/>
+          </a:effectRef>
+          <a:fontRef idx="minor">
+            <a:schemeClr val="lt1"/>
+          </a:fontRef>
+        </p:style>
+        <p:txBody>
+          <a:bodyPr rtlCol="0" anchor="ctr"/>
+          <a:lstStyle/>
+          <a:p>
+            <a:pPr algn="ctr"/>
+            <a:endParaRPr lang="en-US"/>
+          </a:p>
+        </p:txBody>
+      </p:sp>
+      <p:graphicFrame>
+        <p:nvGraphicFramePr>
+          <p:cNvPr id="19" name="Content Placeholder 2">
+            <a:extLst>
+              <a:ext uri="{FF2B5EF4-FFF2-40B4-BE49-F238E27FC236}">
+                <a16:creationId xmlns:a16="http://schemas.microsoft.com/office/drawing/2014/main" id="{57483E98-AF71-44D3-A916-74D996DA9356}"/>
+              </a:ext>
+            </a:extLst>
+          </p:cNvPr>
+          <p:cNvGraphicFramePr>
+            <a:graphicFrameLocks noGrp="1"/>
+          </p:cNvGraphicFramePr>
+          <p:nvPr>
+            <p:ph idx="1"/>
+            <p:extLst>
+              <p:ext uri="{D42A27DB-BD31-4B8C-83A1-F6EECF244321}">
+                <p14:modId xmlns:p14="http://schemas.microsoft.com/office/powerpoint/2010/main" val="1866590029"/>
+              </p:ext>
+            </p:extLst>
+          </p:nvPr>
+        </p:nvGraphicFramePr>
+        <p:xfrm>
+          <a:off x="4713144" y="641551"/>
+          <a:ext cx="6832212" cy="5264779"/>
+        </p:xfrm>
+        <a:graphic>
+          <a:graphicData uri="http://schemas.openxmlformats.org/drawingml/2006/diagram">
+            <dgm:relIds xmlns:dgm="http://schemas.openxmlformats.org/drawingml/2006/diagram" xmlns:r="http://schemas.openxmlformats.org/officeDocument/2006/relationships" r:dm="rId2" r:lo="rId3" r:qs="rId4" r:cs="rId5"/>
+          </a:graphicData>
+        </a:graphic>
+      </p:graphicFrame>
+    </p:spTree>
+    <p:extLst>
+      <p:ext uri="{BB962C8B-B14F-4D97-AF65-F5344CB8AC3E}">
+        <p14:creationId xmlns:p14="http://schemas.microsoft.com/office/powerpoint/2010/main" val="1430944752"/>
+      </p:ext>
+    </p:extLst>
+  </p:cSld>
+  <p:clrMapOvr>
+    <a:masterClrMapping/>
+  </p:clrMapOvr>
+</p:sld>
+</file>
+
+<file path=ppt/slides/slide18.xml><?xml version="1.0" encoding="utf-8"?>
+<p:sld xmlns:a="http://schemas.openxmlformats.org/drawingml/2006/main" xmlns:r="http://schemas.openxmlformats.org/officeDocument/2006/relationships" xmlns:p="http://schemas.openxmlformats.org/presentationml/2006/main">
+  <p:cSld>
+    <p:bg>
+      <p:bgPr>
+        <a:gradFill rotWithShape="1">
+          <a:gsLst>
+            <a:gs pos="0">
+              <a:schemeClr val="bg2">
+                <a:tint val="90000"/>
+                <a:satMod val="92000"/>
+                <a:lumMod val="120000"/>
+              </a:schemeClr>
+            </a:gs>
+            <a:gs pos="100000">
+              <a:schemeClr val="bg2">
+                <a:shade val="98000"/>
+                <a:satMod val="120000"/>
+                <a:lumMod val="98000"/>
+              </a:schemeClr>
+            </a:gs>
+          </a:gsLst>
+          <a:path path="circle">
+            <a:fillToRect l="50000" t="50000" r="100000" b="100000"/>
+          </a:path>
+        </a:gradFill>
+        <a:effectLst/>
+      </p:bgPr>
+    </p:bg>
+    <p:spTree>
+      <p:nvGrpSpPr>
+        <p:cNvPr id="1" name=""/>
+        <p:cNvGrpSpPr/>
+        <p:nvPr/>
+      </p:nvGrpSpPr>
+      <p:grpSpPr>
+        <a:xfrm>
+          <a:off x="0" y="0"/>
+          <a:ext cx="0" cy="0"/>
+          <a:chOff x="0" y="0"/>
+          <a:chExt cx="0" cy="0"/>
+        </a:xfrm>
+      </p:grpSpPr>
+      <p:sp>
+        <p:nvSpPr>
+          <p:cNvPr id="10" name="Rectangle 9">
+            <a:extLst>
+              <a:ext uri="{FF2B5EF4-FFF2-40B4-BE49-F238E27FC236}">
+                <a16:creationId xmlns:a16="http://schemas.microsoft.com/office/drawing/2014/main" id="{A3D9AEEE-1CCD-43C0-BA3E-16D60A6E23C0}"/>
+              </a:ext>
+              <a:ext uri="{C183D7F6-B498-43B3-948B-1728B52AA6E4}">
+                <adec:decorative xmlns:adec="http://schemas.microsoft.com/office/drawing/2017/decorative" val="1"/>
+              </a:ext>
+            </a:extLst>
+          </p:cNvPr>
+          <p:cNvSpPr>
+            <a:spLocks noGrp="1" noRot="1" noChangeAspect="1" noMove="1" noResize="1" noEditPoints="1" noAdjustHandles="1" noChangeArrowheads="1" noChangeShapeType="1" noTextEdit="1"/>
+          </p:cNvSpPr>
+          <p:nvPr>
+            <p:extLst>
+              <p:ext uri="{386F3935-93C4-4BCD-93E2-E3B085C9AB24}">
+                <p16:designElem xmlns:p16="http://schemas.microsoft.com/office/powerpoint/2015/main" val="1"/>
+              </p:ext>
+            </p:extLst>
+          </p:nvPr>
+        </p:nvSpPr>
+        <p:spPr>
+          <a:xfrm>
+            <a:off x="1" y="0"/>
+            <a:ext cx="4059079" cy="6858000"/>
+          </a:xfrm>
+          <a:prstGeom prst="rect">
+            <a:avLst/>
+          </a:prstGeom>
+          <a:solidFill>
+            <a:schemeClr val="tx2"/>
+          </a:solidFill>
+          <a:ln>
+            <a:noFill/>
+          </a:ln>
+        </p:spPr>
+        <p:style>
+          <a:lnRef idx="2">
+            <a:schemeClr val="accent1">
+              <a:shade val="50000"/>
+            </a:schemeClr>
+          </a:lnRef>
+          <a:fillRef idx="1">
+            <a:schemeClr val="accent1"/>
+          </a:fillRef>
+          <a:effectRef idx="0">
+            <a:schemeClr val="accent1"/>
+          </a:effectRef>
+          <a:fontRef idx="minor">
+            <a:schemeClr val="lt1"/>
+          </a:fontRef>
+        </p:style>
+        <p:txBody>
+          <a:bodyPr rtlCol="0" anchor="ctr"/>
+          <a:lstStyle/>
+          <a:p>
+            <a:pPr algn="ctr"/>
+            <a:endParaRPr lang="en-US"/>
+          </a:p>
+        </p:txBody>
+      </p:sp>
+      <p:sp>
+        <p:nvSpPr>
+          <p:cNvPr id="2" name="Title 1">
+            <a:extLst>
+              <a:ext uri="{FF2B5EF4-FFF2-40B4-BE49-F238E27FC236}">
+                <a16:creationId xmlns:a16="http://schemas.microsoft.com/office/drawing/2014/main" id="{B6FCBFED-801E-4AEB-9456-FAF14E81A7C2}"/>
+              </a:ext>
+            </a:extLst>
+          </p:cNvPr>
+          <p:cNvSpPr>
+            <a:spLocks noGrp="1"/>
+          </p:cNvSpPr>
+          <p:nvPr>
+            <p:ph type="title"/>
+          </p:nvPr>
+        </p:nvSpPr>
+        <p:spPr>
+          <a:xfrm>
+            <a:off x="1259893" y="3101093"/>
+            <a:ext cx="2454052" cy="3029344"/>
+          </a:xfrm>
+        </p:spPr>
+        <p:txBody>
+          <a:bodyPr>
+            <a:normAutofit/>
+          </a:bodyPr>
+          <a:lstStyle/>
+          <a:p>
+            <a:r>
+              <a:rPr lang="en-US" sz="3000">
+                <a:solidFill>
+                  <a:schemeClr val="bg1"/>
+                </a:solidFill>
+              </a:rPr>
+              <a:t>Data Consistency</a:t>
+            </a:r>
+          </a:p>
+        </p:txBody>
+      </p:sp>
+      <p:sp>
+        <p:nvSpPr>
+          <p:cNvPr id="12" name="Freeform 11">
+            <a:extLst>
+              <a:ext uri="{FF2B5EF4-FFF2-40B4-BE49-F238E27FC236}">
+                <a16:creationId xmlns:a16="http://schemas.microsoft.com/office/drawing/2014/main" id="{60F880A6-33D3-4EEC-A780-B73559B9F24C}"/>
+              </a:ext>
+              <a:ext uri="{C183D7F6-B498-43B3-948B-1728B52AA6E4}">
+                <adec:decorative xmlns:adec="http://schemas.microsoft.com/office/drawing/2017/decorative" val="1"/>
+              </a:ext>
+            </a:extLst>
+          </p:cNvPr>
+          <p:cNvSpPr>
+            <a:spLocks noGrp="1" noRot="1" noChangeAspect="1" noMove="1" noResize="1" noEditPoints="1" noAdjustHandles="1" noChangeArrowheads="1" noChangeShapeType="1" noTextEdit="1"/>
+          </p:cNvSpPr>
+          <p:nvPr>
+            <p:extLst>
+              <p:ext uri="{386F3935-93C4-4BCD-93E2-E3B085C9AB24}">
+                <p16:designElem xmlns:p16="http://schemas.microsoft.com/office/powerpoint/2015/main" val="1"/>
+              </p:ext>
+            </p:extLst>
+          </p:nvPr>
+        </p:nvSpPr>
+        <p:spPr bwMode="auto">
+          <a:xfrm flipV="1">
+            <a:off x="-159" y="3179901"/>
+            <a:ext cx="1098194" cy="514066"/>
+          </a:xfrm>
+          <a:custGeom>
+            <a:avLst/>
+            <a:gdLst>
+              <a:gd name="connsiteX0" fmla="*/ 10000 w 10044"/>
+              <a:gd name="connsiteY0" fmla="*/ 4701 h 9966"/>
+              <a:gd name="connsiteX1" fmla="*/ 8559 w 10044"/>
+              <a:gd name="connsiteY1" fmla="*/ 188 h 9966"/>
+              <a:gd name="connsiteX2" fmla="*/ 8527 w 10044"/>
+              <a:gd name="connsiteY2" fmla="*/ 94 h 9966"/>
+              <a:gd name="connsiteX3" fmla="*/ 8438 w 10044"/>
+              <a:gd name="connsiteY3" fmla="*/ 0 h 9966"/>
+              <a:gd name="connsiteX4" fmla="*/ 7867 w 10044"/>
+              <a:gd name="connsiteY4" fmla="*/ 0 h 9966"/>
+              <a:gd name="connsiteX5" fmla="*/ 0 w 10044"/>
+              <a:gd name="connsiteY5" fmla="*/ 70 h 9966"/>
+              <a:gd name="connsiteX6" fmla="*/ 3132 w 10044"/>
+              <a:gd name="connsiteY6" fmla="*/ 9763 h 9966"/>
+              <a:gd name="connsiteX7" fmla="*/ 7867 w 10044"/>
+              <a:gd name="connsiteY7" fmla="*/ 9966 h 9966"/>
+              <a:gd name="connsiteX8" fmla="*/ 8438 w 10044"/>
+              <a:gd name="connsiteY8" fmla="*/ 9966 h 9966"/>
+              <a:gd name="connsiteX9" fmla="*/ 8527 w 10044"/>
+              <a:gd name="connsiteY9" fmla="*/ 9872 h 9966"/>
+              <a:gd name="connsiteX10" fmla="*/ 8559 w 10044"/>
+              <a:gd name="connsiteY10" fmla="*/ 9778 h 9966"/>
+              <a:gd name="connsiteX11" fmla="*/ 10000 w 10044"/>
+              <a:gd name="connsiteY11" fmla="*/ 5265 h 9966"/>
+              <a:gd name="connsiteX12" fmla="*/ 10000 w 10044"/>
+              <a:gd name="connsiteY12" fmla="*/ 4701 h 9966"/>
+              <a:gd name="connsiteX0" fmla="*/ 6839 w 6883"/>
+              <a:gd name="connsiteY0" fmla="*/ 4885 h 10168"/>
+              <a:gd name="connsiteX1" fmla="*/ 5405 w 6883"/>
+              <a:gd name="connsiteY1" fmla="*/ 357 h 10168"/>
+              <a:gd name="connsiteX2" fmla="*/ 5373 w 6883"/>
+              <a:gd name="connsiteY2" fmla="*/ 262 h 10168"/>
+              <a:gd name="connsiteX3" fmla="*/ 5284 w 6883"/>
+              <a:gd name="connsiteY3" fmla="*/ 168 h 10168"/>
+              <a:gd name="connsiteX4" fmla="*/ 4716 w 6883"/>
+              <a:gd name="connsiteY4" fmla="*/ 168 h 10168"/>
+              <a:gd name="connsiteX5" fmla="*/ 50 w 6883"/>
+              <a:gd name="connsiteY5" fmla="*/ 0 h 10168"/>
+              <a:gd name="connsiteX6" fmla="*/ 1 w 6883"/>
+              <a:gd name="connsiteY6" fmla="*/ 9964 h 10168"/>
+              <a:gd name="connsiteX7" fmla="*/ 4716 w 6883"/>
+              <a:gd name="connsiteY7" fmla="*/ 10168 h 10168"/>
+              <a:gd name="connsiteX8" fmla="*/ 5284 w 6883"/>
+              <a:gd name="connsiteY8" fmla="*/ 10168 h 10168"/>
+              <a:gd name="connsiteX9" fmla="*/ 5373 w 6883"/>
+              <a:gd name="connsiteY9" fmla="*/ 10074 h 10168"/>
+              <a:gd name="connsiteX10" fmla="*/ 5405 w 6883"/>
+              <a:gd name="connsiteY10" fmla="*/ 9979 h 10168"/>
+              <a:gd name="connsiteX11" fmla="*/ 6839 w 6883"/>
+              <a:gd name="connsiteY11" fmla="*/ 5451 h 10168"/>
+              <a:gd name="connsiteX12" fmla="*/ 6839 w 6883"/>
+              <a:gd name="connsiteY12" fmla="*/ 4885 h 10168"/>
+            </a:gdLst>
+            <a:ahLst/>
+            <a:cxnLst>
+              <a:cxn ang="0">
+                <a:pos x="connsiteX0" y="connsiteY0"/>
+              </a:cxn>
+              <a:cxn ang="0">
+                <a:pos x="connsiteX1" y="connsiteY1"/>
+              </a:cxn>
+              <a:cxn ang="0">
+                <a:pos x="connsiteX2" y="connsiteY2"/>
+              </a:cxn>
+              <a:cxn ang="0">
+                <a:pos x="connsiteX3" y="connsiteY3"/>
+              </a:cxn>
+              <a:cxn ang="0">
+                <a:pos x="connsiteX4" y="connsiteY4"/>
+              </a:cxn>
+              <a:cxn ang="0">
+                <a:pos x="connsiteX5" y="connsiteY5"/>
+              </a:cxn>
+              <a:cxn ang="0">
+                <a:pos x="connsiteX6" y="connsiteY6"/>
+              </a:cxn>
+              <a:cxn ang="0">
+                <a:pos x="connsiteX7" y="connsiteY7"/>
+              </a:cxn>
+              <a:cxn ang="0">
+                <a:pos x="connsiteX8" y="connsiteY8"/>
+              </a:cxn>
+              <a:cxn ang="0">
+                <a:pos x="connsiteX9" y="connsiteY9"/>
+              </a:cxn>
+              <a:cxn ang="0">
+                <a:pos x="connsiteX10" y="connsiteY10"/>
+              </a:cxn>
+              <a:cxn ang="0">
+                <a:pos x="connsiteX11" y="connsiteY11"/>
+              </a:cxn>
+              <a:cxn ang="0">
+                <a:pos x="connsiteX12" y="connsiteY12"/>
+              </a:cxn>
+            </a:cxnLst>
+            <a:rect l="l" t="t" r="r" b="b"/>
+            <a:pathLst>
+              <a:path w="6883" h="10168">
+                <a:moveTo>
+                  <a:pt x="6839" y="4885"/>
+                </a:moveTo>
+                <a:lnTo>
+                  <a:pt x="5405" y="357"/>
+                </a:lnTo>
+                <a:cubicBezTo>
+                  <a:pt x="5395" y="325"/>
+                  <a:pt x="5383" y="294"/>
+                  <a:pt x="5373" y="262"/>
+                </a:cubicBezTo>
+                <a:cubicBezTo>
+                  <a:pt x="5344" y="168"/>
+                  <a:pt x="5314" y="168"/>
+                  <a:pt x="5284" y="168"/>
+                </a:cubicBezTo>
+                <a:lnTo>
+                  <a:pt x="4716" y="168"/>
+                </a:lnTo>
+                <a:lnTo>
+                  <a:pt x="50" y="0"/>
+                </a:lnTo>
+                <a:cubicBezTo>
+                  <a:pt x="59" y="3322"/>
+                  <a:pt x="-8" y="6643"/>
+                  <a:pt x="1" y="9964"/>
+                </a:cubicBezTo>
+                <a:lnTo>
+                  <a:pt x="4716" y="10168"/>
+                </a:lnTo>
+                <a:lnTo>
+                  <a:pt x="5284" y="10168"/>
+                </a:lnTo>
+                <a:cubicBezTo>
+                  <a:pt x="5314" y="10168"/>
+                  <a:pt x="5344" y="10074"/>
+                  <a:pt x="5373" y="10074"/>
+                </a:cubicBezTo>
+                <a:cubicBezTo>
+                  <a:pt x="5373" y="9979"/>
+                  <a:pt x="5405" y="9979"/>
+                  <a:pt x="5405" y="9979"/>
+                </a:cubicBezTo>
+                <a:lnTo>
+                  <a:pt x="6839" y="5451"/>
+                </a:lnTo>
+                <a:cubicBezTo>
+                  <a:pt x="6898" y="5262"/>
+                  <a:pt x="6898" y="5074"/>
+                  <a:pt x="6839" y="4885"/>
+                </a:cubicBezTo>
+                <a:close/>
+              </a:path>
+            </a:pathLst>
+          </a:custGeom>
+          <a:solidFill>
+            <a:schemeClr val="accent1"/>
+          </a:solidFill>
+          <a:ln>
+            <a:noFill/>
+          </a:ln>
+        </p:spPr>
+        <p:txBody>
+          <a:bodyPr/>
+          <a:lstStyle/>
+          <a:p>
+            <a:endParaRPr lang="en-US"/>
+          </a:p>
+        </p:txBody>
+      </p:sp>
+      <p:sp useBgFill="1">
+        <p:nvSpPr>
+          <p:cNvPr id="14" name="Rectangle 13">
+            <a:extLst>
+              <a:ext uri="{FF2B5EF4-FFF2-40B4-BE49-F238E27FC236}">
+                <a16:creationId xmlns:a16="http://schemas.microsoft.com/office/drawing/2014/main" id="{2C6246ED-0535-4496-A8F6-1E80CC4EB853}"/>
+              </a:ext>
+              <a:ext uri="{C183D7F6-B498-43B3-948B-1728B52AA6E4}">
+                <adec:decorative xmlns:adec="http://schemas.microsoft.com/office/drawing/2017/decorative" val="1"/>
+              </a:ext>
+            </a:extLst>
+          </p:cNvPr>
+          <p:cNvSpPr>
+            <a:spLocks noGrp="1" noRot="1" noChangeAspect="1" noMove="1" noResize="1" noEditPoints="1" noAdjustHandles="1" noChangeArrowheads="1" noChangeShapeType="1" noTextEdit="1"/>
+          </p:cNvSpPr>
+          <p:nvPr>
+            <p:extLst>
+              <p:ext uri="{386F3935-93C4-4BCD-93E2-E3B085C9AB24}">
+                <p16:designElem xmlns:p16="http://schemas.microsoft.com/office/powerpoint/2015/main" val="1"/>
+              </p:ext>
+            </p:extLst>
+          </p:nvPr>
+        </p:nvSpPr>
+        <p:spPr>
+          <a:xfrm>
+            <a:off x="4795736" y="0"/>
+            <a:ext cx="7396264" cy="6858000"/>
+          </a:xfrm>
+          <a:prstGeom prst="rect">
+            <a:avLst/>
+          </a:prstGeom>
+          <a:ln>
+            <a:noFill/>
+          </a:ln>
+        </p:spPr>
+        <p:style>
+          <a:lnRef idx="2">
+            <a:schemeClr val="accent1">
+              <a:shade val="50000"/>
+            </a:schemeClr>
+          </a:lnRef>
+          <a:fillRef idx="1">
+            <a:schemeClr val="accent1"/>
+          </a:fillRef>
+          <a:effectRef idx="0">
+            <a:schemeClr val="accent1"/>
+          </a:effectRef>
+          <a:fontRef idx="minor">
+            <a:schemeClr val="lt1"/>
+          </a:fontRef>
+        </p:style>
+        <p:txBody>
+          <a:bodyPr rtlCol="0" anchor="ctr"/>
+          <a:lstStyle/>
+          <a:p>
+            <a:pPr algn="ctr"/>
+            <a:endParaRPr lang="en-US"/>
+          </a:p>
+        </p:txBody>
+      </p:sp>
+      <p:graphicFrame>
+        <p:nvGraphicFramePr>
+          <p:cNvPr id="5" name="Content Placeholder 2">
+            <a:extLst>
+              <a:ext uri="{FF2B5EF4-FFF2-40B4-BE49-F238E27FC236}">
+                <a16:creationId xmlns:a16="http://schemas.microsoft.com/office/drawing/2014/main" id="{72980326-5E19-4FB4-9720-2E3D33DC5B35}"/>
+              </a:ext>
+            </a:extLst>
+          </p:cNvPr>
+          <p:cNvGraphicFramePr>
+            <a:graphicFrameLocks noGrp="1"/>
+          </p:cNvGraphicFramePr>
+          <p:nvPr>
+            <p:ph idx="1"/>
+            <p:extLst>
+              <p:ext uri="{D42A27DB-BD31-4B8C-83A1-F6EECF244321}">
+                <p14:modId xmlns:p14="http://schemas.microsoft.com/office/powerpoint/2010/main" val="548616360"/>
+              </p:ext>
+            </p:extLst>
+          </p:nvPr>
+        </p:nvGraphicFramePr>
+        <p:xfrm>
+          <a:off x="4713144" y="641551"/>
+          <a:ext cx="6832212" cy="5264779"/>
+        </p:xfrm>
+        <a:graphic>
+          <a:graphicData uri="http://schemas.openxmlformats.org/drawingml/2006/diagram">
+            <dgm:relIds xmlns:dgm="http://schemas.openxmlformats.org/drawingml/2006/diagram" xmlns:r="http://schemas.openxmlformats.org/officeDocument/2006/relationships" r:dm="rId2" r:lo="rId3" r:qs="rId4" r:cs="rId5"/>
+          </a:graphicData>
+        </a:graphic>
+      </p:graphicFrame>
+    </p:spTree>
+    <p:extLst>
+      <p:ext uri="{BB962C8B-B14F-4D97-AF65-F5344CB8AC3E}">
+        <p14:creationId xmlns:p14="http://schemas.microsoft.com/office/powerpoint/2010/main" val="599986821"/>
+      </p:ext>
+    </p:extLst>
+  </p:cSld>
+  <p:clrMapOvr>
+    <a:masterClrMapping/>
+  </p:clrMapOvr>
+</p:sld>
+</file>
+
+<file path=ppt/slides/slide19.xml><?xml version="1.0" encoding="utf-8"?>
+<p:sld xmlns:a="http://schemas.openxmlformats.org/drawingml/2006/main" xmlns:r="http://schemas.openxmlformats.org/officeDocument/2006/relationships" xmlns:p="http://schemas.openxmlformats.org/presentationml/2006/main">
+  <p:cSld>
+    <p:bg>
+      <p:bgPr>
+        <a:gradFill rotWithShape="1">
+          <a:gsLst>
+            <a:gs pos="0">
+              <a:schemeClr val="bg2">
+                <a:tint val="90000"/>
+                <a:satMod val="92000"/>
+                <a:lumMod val="120000"/>
+              </a:schemeClr>
+            </a:gs>
+            <a:gs pos="100000">
+              <a:schemeClr val="bg2">
+                <a:shade val="98000"/>
+                <a:satMod val="120000"/>
+                <a:lumMod val="98000"/>
+              </a:schemeClr>
+            </a:gs>
+          </a:gsLst>
+          <a:path path="circle">
+            <a:fillToRect l="50000" t="50000" r="100000" b="100000"/>
+          </a:path>
+        </a:gradFill>
+        <a:effectLst/>
+      </p:bgPr>
+    </p:bg>
+    <p:spTree>
+      <p:nvGrpSpPr>
+        <p:cNvPr id="1" name=""/>
+        <p:cNvGrpSpPr/>
+        <p:nvPr/>
+      </p:nvGrpSpPr>
+      <p:grpSpPr>
+        <a:xfrm>
+          <a:off x="0" y="0"/>
+          <a:ext cx="0" cy="0"/>
+          <a:chOff x="0" y="0"/>
+          <a:chExt cx="0" cy="0"/>
+        </a:xfrm>
+      </p:grpSpPr>
+      <p:sp>
+        <p:nvSpPr>
+          <p:cNvPr id="10" name="Rectangle 9">
+            <a:extLst>
+              <a:ext uri="{FF2B5EF4-FFF2-40B4-BE49-F238E27FC236}">
+                <a16:creationId xmlns:a16="http://schemas.microsoft.com/office/drawing/2014/main" id="{A3D9AEEE-1CCD-43C0-BA3E-16D60A6E23C0}"/>
+              </a:ext>
+              <a:ext uri="{C183D7F6-B498-43B3-948B-1728B52AA6E4}">
+                <adec:decorative xmlns:adec="http://schemas.microsoft.com/office/drawing/2017/decorative" val="1"/>
+              </a:ext>
+            </a:extLst>
+          </p:cNvPr>
+          <p:cNvSpPr>
+            <a:spLocks noGrp="1" noRot="1" noChangeAspect="1" noMove="1" noResize="1" noEditPoints="1" noAdjustHandles="1" noChangeArrowheads="1" noChangeShapeType="1" noTextEdit="1"/>
+          </p:cNvSpPr>
+          <p:nvPr>
+            <p:extLst>
+              <p:ext uri="{386F3935-93C4-4BCD-93E2-E3B085C9AB24}">
+                <p16:designElem xmlns:p16="http://schemas.microsoft.com/office/powerpoint/2015/main" val="1"/>
+              </p:ext>
+            </p:extLst>
+          </p:nvPr>
+        </p:nvSpPr>
+        <p:spPr>
+          <a:xfrm>
+            <a:off x="1" y="0"/>
+            <a:ext cx="4059079" cy="6858000"/>
+          </a:xfrm>
+          <a:prstGeom prst="rect">
+            <a:avLst/>
+          </a:prstGeom>
+          <a:solidFill>
+            <a:schemeClr val="tx2"/>
+          </a:solidFill>
+          <a:ln>
+            <a:noFill/>
+          </a:ln>
+        </p:spPr>
+        <p:style>
+          <a:lnRef idx="2">
+            <a:schemeClr val="accent1">
+              <a:shade val="50000"/>
+            </a:schemeClr>
+          </a:lnRef>
+          <a:fillRef idx="1">
+            <a:schemeClr val="accent1"/>
+          </a:fillRef>
+          <a:effectRef idx="0">
+            <a:schemeClr val="accent1"/>
+          </a:effectRef>
+          <a:fontRef idx="minor">
+            <a:schemeClr val="lt1"/>
+          </a:fontRef>
+        </p:style>
+        <p:txBody>
+          <a:bodyPr rtlCol="0" anchor="ctr"/>
+          <a:lstStyle/>
+          <a:p>
+            <a:pPr algn="ctr"/>
+            <a:endParaRPr lang="en-US"/>
+          </a:p>
+        </p:txBody>
+      </p:sp>
+      <p:sp>
+        <p:nvSpPr>
+          <p:cNvPr id="2" name="Title 1">
+            <a:extLst>
+              <a:ext uri="{FF2B5EF4-FFF2-40B4-BE49-F238E27FC236}">
+                <a16:creationId xmlns:a16="http://schemas.microsoft.com/office/drawing/2014/main" id="{FF56FC2A-20F4-4F0D-A8C8-0491168DC201}"/>
+              </a:ext>
+            </a:extLst>
+          </p:cNvPr>
+          <p:cNvSpPr>
+            <a:spLocks noGrp="1"/>
+          </p:cNvSpPr>
+          <p:nvPr>
+            <p:ph type="title"/>
+          </p:nvPr>
+        </p:nvSpPr>
+        <p:spPr>
+          <a:xfrm>
+            <a:off x="1259893" y="3101093"/>
+            <a:ext cx="2454052" cy="3029344"/>
+          </a:xfrm>
+        </p:spPr>
+        <p:txBody>
+          <a:bodyPr>
+            <a:normAutofit/>
+          </a:bodyPr>
+          <a:lstStyle/>
+          <a:p>
+            <a:r>
+              <a:rPr lang="en-US" sz="3200">
+                <a:solidFill>
+                  <a:schemeClr val="bg1"/>
+                </a:solidFill>
+              </a:rPr>
+              <a:t>Operation</a:t>
+            </a:r>
+          </a:p>
+        </p:txBody>
+      </p:sp>
+      <p:sp>
+        <p:nvSpPr>
+          <p:cNvPr id="12" name="Freeform 11">
+            <a:extLst>
+              <a:ext uri="{FF2B5EF4-FFF2-40B4-BE49-F238E27FC236}">
+                <a16:creationId xmlns:a16="http://schemas.microsoft.com/office/drawing/2014/main" id="{60F880A6-33D3-4EEC-A780-B73559B9F24C}"/>
+              </a:ext>
+              <a:ext uri="{C183D7F6-B498-43B3-948B-1728B52AA6E4}">
+                <adec:decorative xmlns:adec="http://schemas.microsoft.com/office/drawing/2017/decorative" val="1"/>
+              </a:ext>
+            </a:extLst>
+          </p:cNvPr>
+          <p:cNvSpPr>
+            <a:spLocks noGrp="1" noRot="1" noChangeAspect="1" noMove="1" noResize="1" noEditPoints="1" noAdjustHandles="1" noChangeArrowheads="1" noChangeShapeType="1" noTextEdit="1"/>
+          </p:cNvSpPr>
+          <p:nvPr>
+            <p:extLst>
+              <p:ext uri="{386F3935-93C4-4BCD-93E2-E3B085C9AB24}">
+                <p16:designElem xmlns:p16="http://schemas.microsoft.com/office/powerpoint/2015/main" val="1"/>
+              </p:ext>
+            </p:extLst>
+          </p:nvPr>
+        </p:nvSpPr>
+        <p:spPr bwMode="auto">
+          <a:xfrm flipV="1">
+            <a:off x="-159" y="3179901"/>
+            <a:ext cx="1098194" cy="514066"/>
+          </a:xfrm>
+          <a:custGeom>
+            <a:avLst/>
+            <a:gdLst>
+              <a:gd name="connsiteX0" fmla="*/ 10000 w 10044"/>
+              <a:gd name="connsiteY0" fmla="*/ 4701 h 9966"/>
+              <a:gd name="connsiteX1" fmla="*/ 8559 w 10044"/>
+              <a:gd name="connsiteY1" fmla="*/ 188 h 9966"/>
+              <a:gd name="connsiteX2" fmla="*/ 8527 w 10044"/>
+              <a:gd name="connsiteY2" fmla="*/ 94 h 9966"/>
+              <a:gd name="connsiteX3" fmla="*/ 8438 w 10044"/>
+              <a:gd name="connsiteY3" fmla="*/ 0 h 9966"/>
+              <a:gd name="connsiteX4" fmla="*/ 7867 w 10044"/>
+              <a:gd name="connsiteY4" fmla="*/ 0 h 9966"/>
+              <a:gd name="connsiteX5" fmla="*/ 0 w 10044"/>
+              <a:gd name="connsiteY5" fmla="*/ 70 h 9966"/>
+              <a:gd name="connsiteX6" fmla="*/ 3132 w 10044"/>
+              <a:gd name="connsiteY6" fmla="*/ 9763 h 9966"/>
+              <a:gd name="connsiteX7" fmla="*/ 7867 w 10044"/>
+              <a:gd name="connsiteY7" fmla="*/ 9966 h 9966"/>
+              <a:gd name="connsiteX8" fmla="*/ 8438 w 10044"/>
+              <a:gd name="connsiteY8" fmla="*/ 9966 h 9966"/>
+              <a:gd name="connsiteX9" fmla="*/ 8527 w 10044"/>
+              <a:gd name="connsiteY9" fmla="*/ 9872 h 9966"/>
+              <a:gd name="connsiteX10" fmla="*/ 8559 w 10044"/>
+              <a:gd name="connsiteY10" fmla="*/ 9778 h 9966"/>
+              <a:gd name="connsiteX11" fmla="*/ 10000 w 10044"/>
+              <a:gd name="connsiteY11" fmla="*/ 5265 h 9966"/>
+              <a:gd name="connsiteX12" fmla="*/ 10000 w 10044"/>
+              <a:gd name="connsiteY12" fmla="*/ 4701 h 9966"/>
+              <a:gd name="connsiteX0" fmla="*/ 6839 w 6883"/>
+              <a:gd name="connsiteY0" fmla="*/ 4885 h 10168"/>
+              <a:gd name="connsiteX1" fmla="*/ 5405 w 6883"/>
+              <a:gd name="connsiteY1" fmla="*/ 357 h 10168"/>
+              <a:gd name="connsiteX2" fmla="*/ 5373 w 6883"/>
+              <a:gd name="connsiteY2" fmla="*/ 262 h 10168"/>
+              <a:gd name="connsiteX3" fmla="*/ 5284 w 6883"/>
+              <a:gd name="connsiteY3" fmla="*/ 168 h 10168"/>
+              <a:gd name="connsiteX4" fmla="*/ 4716 w 6883"/>
+              <a:gd name="connsiteY4" fmla="*/ 168 h 10168"/>
+              <a:gd name="connsiteX5" fmla="*/ 50 w 6883"/>
+              <a:gd name="connsiteY5" fmla="*/ 0 h 10168"/>
+              <a:gd name="connsiteX6" fmla="*/ 1 w 6883"/>
+              <a:gd name="connsiteY6" fmla="*/ 9964 h 10168"/>
+              <a:gd name="connsiteX7" fmla="*/ 4716 w 6883"/>
+              <a:gd name="connsiteY7" fmla="*/ 10168 h 10168"/>
+              <a:gd name="connsiteX8" fmla="*/ 5284 w 6883"/>
+              <a:gd name="connsiteY8" fmla="*/ 10168 h 10168"/>
+              <a:gd name="connsiteX9" fmla="*/ 5373 w 6883"/>
+              <a:gd name="connsiteY9" fmla="*/ 10074 h 10168"/>
+              <a:gd name="connsiteX10" fmla="*/ 5405 w 6883"/>
+              <a:gd name="connsiteY10" fmla="*/ 9979 h 10168"/>
+              <a:gd name="connsiteX11" fmla="*/ 6839 w 6883"/>
+              <a:gd name="connsiteY11" fmla="*/ 5451 h 10168"/>
+              <a:gd name="connsiteX12" fmla="*/ 6839 w 6883"/>
+              <a:gd name="connsiteY12" fmla="*/ 4885 h 10168"/>
+            </a:gdLst>
+            <a:ahLst/>
+            <a:cxnLst>
+              <a:cxn ang="0">
+                <a:pos x="connsiteX0" y="connsiteY0"/>
+              </a:cxn>
+              <a:cxn ang="0">
+                <a:pos x="connsiteX1" y="connsiteY1"/>
+              </a:cxn>
+              <a:cxn ang="0">
+                <a:pos x="connsiteX2" y="connsiteY2"/>
+              </a:cxn>
+              <a:cxn ang="0">
+                <a:pos x="connsiteX3" y="connsiteY3"/>
+              </a:cxn>
+              <a:cxn ang="0">
+                <a:pos x="connsiteX4" y="connsiteY4"/>
+              </a:cxn>
+              <a:cxn ang="0">
+                <a:pos x="connsiteX5" y="connsiteY5"/>
+              </a:cxn>
+              <a:cxn ang="0">
+                <a:pos x="connsiteX6" y="connsiteY6"/>
+              </a:cxn>
+              <a:cxn ang="0">
+                <a:pos x="connsiteX7" y="connsiteY7"/>
+              </a:cxn>
+              <a:cxn ang="0">
+                <a:pos x="connsiteX8" y="connsiteY8"/>
+              </a:cxn>
+              <a:cxn ang="0">
+                <a:pos x="connsiteX9" y="connsiteY9"/>
+              </a:cxn>
+              <a:cxn ang="0">
+                <a:pos x="connsiteX10" y="connsiteY10"/>
+              </a:cxn>
+              <a:cxn ang="0">
+                <a:pos x="connsiteX11" y="connsiteY11"/>
+              </a:cxn>
+              <a:cxn ang="0">
+                <a:pos x="connsiteX12" y="connsiteY12"/>
+              </a:cxn>
+            </a:cxnLst>
+            <a:rect l="l" t="t" r="r" b="b"/>
+            <a:pathLst>
+              <a:path w="6883" h="10168">
+                <a:moveTo>
+                  <a:pt x="6839" y="4885"/>
+                </a:moveTo>
+                <a:lnTo>
+                  <a:pt x="5405" y="357"/>
+                </a:lnTo>
+                <a:cubicBezTo>
+                  <a:pt x="5395" y="325"/>
+                  <a:pt x="5383" y="294"/>
+                  <a:pt x="5373" y="262"/>
+                </a:cubicBezTo>
+                <a:cubicBezTo>
+                  <a:pt x="5344" y="168"/>
+                  <a:pt x="5314" y="168"/>
+                  <a:pt x="5284" y="168"/>
+                </a:cubicBezTo>
+                <a:lnTo>
+                  <a:pt x="4716" y="168"/>
+                </a:lnTo>
+                <a:lnTo>
+                  <a:pt x="50" y="0"/>
+                </a:lnTo>
+                <a:cubicBezTo>
+                  <a:pt x="59" y="3322"/>
+                  <a:pt x="-8" y="6643"/>
+                  <a:pt x="1" y="9964"/>
+                </a:cubicBezTo>
+                <a:lnTo>
+                  <a:pt x="4716" y="10168"/>
+                </a:lnTo>
+                <a:lnTo>
+                  <a:pt x="5284" y="10168"/>
+                </a:lnTo>
+                <a:cubicBezTo>
+                  <a:pt x="5314" y="10168"/>
+                  <a:pt x="5344" y="10074"/>
+                  <a:pt x="5373" y="10074"/>
+                </a:cubicBezTo>
+                <a:cubicBezTo>
+                  <a:pt x="5373" y="9979"/>
+                  <a:pt x="5405" y="9979"/>
+                  <a:pt x="5405" y="9979"/>
+                </a:cubicBezTo>
+                <a:lnTo>
+                  <a:pt x="6839" y="5451"/>
+                </a:lnTo>
+                <a:cubicBezTo>
+                  <a:pt x="6898" y="5262"/>
+                  <a:pt x="6898" y="5074"/>
+                  <a:pt x="6839" y="4885"/>
+                </a:cubicBezTo>
+                <a:close/>
+              </a:path>
+            </a:pathLst>
+          </a:custGeom>
+          <a:solidFill>
+            <a:schemeClr val="accent1"/>
+          </a:solidFill>
+          <a:ln>
+            <a:noFill/>
+          </a:ln>
+        </p:spPr>
+        <p:txBody>
+          <a:bodyPr/>
+          <a:lstStyle/>
+          <a:p>
+            <a:endParaRPr lang="en-US"/>
+          </a:p>
+        </p:txBody>
+      </p:sp>
+      <p:sp useBgFill="1">
+        <p:nvSpPr>
+          <p:cNvPr id="14" name="Rectangle 13">
+            <a:extLst>
+              <a:ext uri="{FF2B5EF4-FFF2-40B4-BE49-F238E27FC236}">
+                <a16:creationId xmlns:a16="http://schemas.microsoft.com/office/drawing/2014/main" id="{2C6246ED-0535-4496-A8F6-1E80CC4EB853}"/>
+              </a:ext>
+              <a:ext uri="{C183D7F6-B498-43B3-948B-1728B52AA6E4}">
+                <adec:decorative xmlns:adec="http://schemas.microsoft.com/office/drawing/2017/decorative" val="1"/>
+              </a:ext>
+            </a:extLst>
+          </p:cNvPr>
+          <p:cNvSpPr>
+            <a:spLocks noGrp="1" noRot="1" noChangeAspect="1" noMove="1" noResize="1" noEditPoints="1" noAdjustHandles="1" noChangeArrowheads="1" noChangeShapeType="1" noTextEdit="1"/>
+          </p:cNvSpPr>
+          <p:nvPr>
+            <p:extLst>
+              <p:ext uri="{386F3935-93C4-4BCD-93E2-E3B085C9AB24}">
+                <p16:designElem xmlns:p16="http://schemas.microsoft.com/office/powerpoint/2015/main" val="1"/>
+              </p:ext>
+            </p:extLst>
+          </p:nvPr>
+        </p:nvSpPr>
+        <p:spPr>
+          <a:xfrm>
+            <a:off x="4795736" y="0"/>
+            <a:ext cx="7396264" cy="6858000"/>
+          </a:xfrm>
+          <a:prstGeom prst="rect">
+            <a:avLst/>
+          </a:prstGeom>
+          <a:ln>
+            <a:noFill/>
+          </a:ln>
+        </p:spPr>
+        <p:style>
+          <a:lnRef idx="2">
+            <a:schemeClr val="accent1">
+              <a:shade val="50000"/>
+            </a:schemeClr>
+          </a:lnRef>
+          <a:fillRef idx="1">
+            <a:schemeClr val="accent1"/>
+          </a:fillRef>
+          <a:effectRef idx="0">
+            <a:schemeClr val="accent1"/>
+          </a:effectRef>
+          <a:fontRef idx="minor">
+            <a:schemeClr val="lt1"/>
+          </a:fontRef>
+        </p:style>
+        <p:txBody>
+          <a:bodyPr rtlCol="0" anchor="ctr"/>
+          <a:lstStyle/>
+          <a:p>
+            <a:pPr algn="ctr"/>
+            <a:endParaRPr lang="en-US"/>
+          </a:p>
+        </p:txBody>
+      </p:sp>
+      <p:graphicFrame>
+        <p:nvGraphicFramePr>
+          <p:cNvPr id="5" name="Content Placeholder 2">
+            <a:extLst>
+              <a:ext uri="{FF2B5EF4-FFF2-40B4-BE49-F238E27FC236}">
+                <a16:creationId xmlns:a16="http://schemas.microsoft.com/office/drawing/2014/main" id="{D08B24B8-C706-4EF0-9C06-35DD9F8C019D}"/>
+              </a:ext>
+            </a:extLst>
+          </p:cNvPr>
+          <p:cNvGraphicFramePr>
+            <a:graphicFrameLocks noGrp="1"/>
+          </p:cNvGraphicFramePr>
+          <p:nvPr>
+            <p:ph idx="1"/>
+            <p:extLst>
+              <p:ext uri="{D42A27DB-BD31-4B8C-83A1-F6EECF244321}">
+                <p14:modId xmlns:p14="http://schemas.microsoft.com/office/powerpoint/2010/main" val="2390931995"/>
+              </p:ext>
+            </p:extLst>
+          </p:nvPr>
+        </p:nvGraphicFramePr>
+        <p:xfrm>
+          <a:off x="4713144" y="641551"/>
+          <a:ext cx="6832212" cy="5264779"/>
+        </p:xfrm>
+        <a:graphic>
+          <a:graphicData uri="http://schemas.openxmlformats.org/drawingml/2006/diagram">
+            <dgm:relIds xmlns:dgm="http://schemas.openxmlformats.org/drawingml/2006/diagram" xmlns:r="http://schemas.openxmlformats.org/officeDocument/2006/relationships" r:dm="rId2" r:lo="rId3" r:qs="rId4" r:cs="rId5"/>
+          </a:graphicData>
+        </a:graphic>
+      </p:graphicFrame>
+    </p:spTree>
+    <p:extLst>
+      <p:ext uri="{BB962C8B-B14F-4D97-AF65-F5344CB8AC3E}">
+        <p14:creationId xmlns:p14="http://schemas.microsoft.com/office/powerpoint/2010/main" val="4053071767"/>
+      </p:ext>
+    </p:extLst>
+  </p:cSld>
+  <p:clrMapOvr>
+    <a:masterClrMapping/>
+  </p:clrMapOvr>
+</p:sld>
+</file>
+
+<file path=ppt/slides/slide2.xml><?xml version="1.0" encoding="utf-8"?>
+<p:sld xmlns:a="http://schemas.openxmlformats.org/drawingml/2006/main" xmlns:r="http://schemas.openxmlformats.org/officeDocument/2006/relationships" xmlns:p="http://schemas.openxmlformats.org/presentationml/2006/main">
+  <p:cSld>
+    <p:bg>
+      <p:bgPr>
+        <a:gradFill rotWithShape="1">
+          <a:gsLst>
+            <a:gs pos="0">
+              <a:schemeClr val="bg2">
+                <a:tint val="90000"/>
+                <a:satMod val="92000"/>
+                <a:lumMod val="120000"/>
+              </a:schemeClr>
+            </a:gs>
+            <a:gs pos="100000">
+              <a:schemeClr val="bg2">
+                <a:shade val="98000"/>
+                <a:satMod val="120000"/>
+                <a:lumMod val="98000"/>
+              </a:schemeClr>
+            </a:gs>
+          </a:gsLst>
+          <a:path path="circle">
+            <a:fillToRect l="50000" t="50000" r="100000" b="100000"/>
+          </a:path>
+        </a:gradFill>
+        <a:effectLst/>
+      </p:bgPr>
+    </p:bg>
+    <p:spTree>
+      <p:nvGrpSpPr>
+        <p:cNvPr id="1" name=""/>
+        <p:cNvGrpSpPr/>
+        <p:nvPr/>
+      </p:nvGrpSpPr>
+      <p:grpSpPr>
+        <a:xfrm>
+          <a:off x="0" y="0"/>
+          <a:ext cx="0" cy="0"/>
+          <a:chOff x="0" y="0"/>
+          <a:chExt cx="0" cy="0"/>
+        </a:xfrm>
+      </p:grpSpPr>
+      <p:sp useBgFill="1">
+        <p:nvSpPr>
+          <p:cNvPr id="9" name="Rectangle 8">
+            <a:extLst>
+              <a:ext uri="{FF2B5EF4-FFF2-40B4-BE49-F238E27FC236}">
+                <a16:creationId xmlns:a16="http://schemas.microsoft.com/office/drawing/2014/main" id="{39EE869B-085D-43B3-AED8-9B065561249F}"/>
+              </a:ext>
+              <a:ext uri="{C183D7F6-B498-43B3-948B-1728B52AA6E4}">
+                <adec:decorative xmlns:adec="http://schemas.microsoft.com/office/drawing/2017/decorative" val="1"/>
+              </a:ext>
+            </a:extLst>
+          </p:cNvPr>
+          <p:cNvSpPr>
+            <a:spLocks noGrp="1" noRot="1" noChangeAspect="1" noMove="1" noResize="1" noEditPoints="1" noAdjustHandles="1" noChangeArrowheads="1" noChangeShapeType="1" noTextEdit="1"/>
+          </p:cNvSpPr>
+          <p:nvPr>
+            <p:extLst>
+              <p:ext uri="{386F3935-93C4-4BCD-93E2-E3B085C9AB24}">
+                <p16:designElem xmlns:p16="http://schemas.microsoft.com/office/powerpoint/2015/main" val="1"/>
+              </p:ext>
+            </p:extLst>
+          </p:nvPr>
+        </p:nvSpPr>
+        <p:spPr>
+          <a:xfrm>
+            <a:off x="-7620" y="-1"/>
+            <a:ext cx="12207240" cy="6858001"/>
+          </a:xfrm>
+          <a:prstGeom prst="rect">
+            <a:avLst/>
+          </a:prstGeom>
+          <a:ln>
+            <a:noFill/>
+          </a:ln>
+        </p:spPr>
+        <p:style>
+          <a:lnRef idx="2">
+            <a:schemeClr val="accent1">
+              <a:shade val="50000"/>
+            </a:schemeClr>
+          </a:lnRef>
+          <a:fillRef idx="1">
+            <a:schemeClr val="accent1"/>
+          </a:fillRef>
+          <a:effectRef idx="0">
+            <a:schemeClr val="accent1"/>
+          </a:effectRef>
+          <a:fontRef idx="minor">
+            <a:schemeClr val="lt1"/>
+          </a:fontRef>
+        </p:style>
+        <p:txBody>
+          <a:bodyPr rot="0" spcFirstLastPara="0" vert="horz" wrap="square" lIns="91440" tIns="45720" rIns="91440" bIns="45720" numCol="1" spcCol="0" rtlCol="0" fromWordArt="0" anchor="ctr" anchorCtr="0" forceAA="0" compatLnSpc="1">
+            <a:prstTxWarp prst="textNoShape">
+              <a:avLst/>
+            </a:prstTxWarp>
+            <a:noAutofit/>
+          </a:bodyPr>
+          <a:lstStyle>
+            <a:defPPr>
+              <a:defRPr lang="en-US"/>
+            </a:defPPr>
+            <a:lvl1pPr marL="0" algn="l" defTabSz="914400" rtl="0" eaLnBrk="1" latinLnBrk="0" hangingPunct="1">
+              <a:defRPr sz="1800" kern="1200">
+                <a:solidFill>
+                  <a:schemeClr val="lt1"/>
+                </a:solidFill>
+                <a:latin typeface="+mn-lt"/>
+                <a:ea typeface="+mn-ea"/>
+                <a:cs typeface="+mn-cs"/>
+              </a:defRPr>
+            </a:lvl1pPr>
+            <a:lvl2pPr marL="457200" algn="l" defTabSz="914400" rtl="0" eaLnBrk="1" latinLnBrk="0" hangingPunct="1">
+              <a:defRPr sz="1800" kern="1200">
+                <a:solidFill>
+                  <a:schemeClr val="lt1"/>
+                </a:solidFill>
+                <a:latin typeface="+mn-lt"/>
+                <a:ea typeface="+mn-ea"/>
+                <a:cs typeface="+mn-cs"/>
+              </a:defRPr>
+            </a:lvl2pPr>
+            <a:lvl3pPr marL="914400" algn="l" defTabSz="914400" rtl="0" eaLnBrk="1" latinLnBrk="0" hangingPunct="1">
+              <a:defRPr sz="1800" kern="1200">
+                <a:solidFill>
+                  <a:schemeClr val="lt1"/>
+                </a:solidFill>
+                <a:latin typeface="+mn-lt"/>
+                <a:ea typeface="+mn-ea"/>
+                <a:cs typeface="+mn-cs"/>
+              </a:defRPr>
+            </a:lvl3pPr>
+            <a:lvl4pPr marL="1371600" algn="l" defTabSz="914400" rtl="0" eaLnBrk="1" latinLnBrk="0" hangingPunct="1">
+              <a:defRPr sz="1800" kern="1200">
+                <a:solidFill>
+                  <a:schemeClr val="lt1"/>
+                </a:solidFill>
+                <a:latin typeface="+mn-lt"/>
+                <a:ea typeface="+mn-ea"/>
+                <a:cs typeface="+mn-cs"/>
+              </a:defRPr>
+            </a:lvl4pPr>
+            <a:lvl5pPr marL="1828800" algn="l" defTabSz="914400" rtl="0" eaLnBrk="1" latinLnBrk="0" hangingPunct="1">
+              <a:defRPr sz="1800" kern="1200">
+                <a:solidFill>
+                  <a:schemeClr val="lt1"/>
+                </a:solidFill>
+                <a:latin typeface="+mn-lt"/>
+                <a:ea typeface="+mn-ea"/>
+                <a:cs typeface="+mn-cs"/>
+              </a:defRPr>
+            </a:lvl5pPr>
+            <a:lvl6pPr marL="2286000" algn="l" defTabSz="914400" rtl="0" eaLnBrk="1" latinLnBrk="0" hangingPunct="1">
+              <a:defRPr sz="1800" kern="1200">
+                <a:solidFill>
+                  <a:schemeClr val="lt1"/>
+                </a:solidFill>
+                <a:latin typeface="+mn-lt"/>
+                <a:ea typeface="+mn-ea"/>
+                <a:cs typeface="+mn-cs"/>
+              </a:defRPr>
+            </a:lvl6pPr>
+            <a:lvl7pPr marL="2743200" algn="l" defTabSz="914400" rtl="0" eaLnBrk="1" latinLnBrk="0" hangingPunct="1">
+              <a:defRPr sz="1800" kern="1200">
+                <a:solidFill>
+                  <a:schemeClr val="lt1"/>
+                </a:solidFill>
+                <a:latin typeface="+mn-lt"/>
+                <a:ea typeface="+mn-ea"/>
+                <a:cs typeface="+mn-cs"/>
+              </a:defRPr>
+            </a:lvl7pPr>
+            <a:lvl8pPr marL="3200400" algn="l" defTabSz="914400" rtl="0" eaLnBrk="1" latinLnBrk="0" hangingPunct="1">
+              <a:defRPr sz="1800" kern="1200">
+                <a:solidFill>
+                  <a:schemeClr val="lt1"/>
+                </a:solidFill>
+                <a:latin typeface="+mn-lt"/>
+                <a:ea typeface="+mn-ea"/>
+                <a:cs typeface="+mn-cs"/>
+              </a:defRPr>
+            </a:lvl8pPr>
+            <a:lvl9pPr marL="3657600" algn="l" defTabSz="914400" rtl="0" eaLnBrk="1" latinLnBrk="0" hangingPunct="1">
+              <a:defRPr sz="1800" kern="1200">
+                <a:solidFill>
+                  <a:schemeClr val="lt1"/>
+                </a:solidFill>
+                <a:latin typeface="+mn-lt"/>
+                <a:ea typeface="+mn-ea"/>
+                <a:cs typeface="+mn-cs"/>
+              </a:defRPr>
+            </a:lvl9pPr>
+          </a:lstStyle>
+          <a:p>
+            <a:pPr algn="ctr"/>
+            <a:endParaRPr lang="en-US"/>
+          </a:p>
+        </p:txBody>
+      </p:sp>
+      <p:sp>
+        <p:nvSpPr>
+          <p:cNvPr id="11" name="Rectangle 10">
+            <a:extLst>
+              <a:ext uri="{FF2B5EF4-FFF2-40B4-BE49-F238E27FC236}">
+                <a16:creationId xmlns:a16="http://schemas.microsoft.com/office/drawing/2014/main" id="{C54E744A-A072-47AF-981A-37186176C2CC}"/>
+              </a:ext>
+              <a:ext uri="{C183D7F6-B498-43B3-948B-1728B52AA6E4}">
+                <adec:decorative xmlns:adec="http://schemas.microsoft.com/office/drawing/2017/decorative" val="1"/>
+              </a:ext>
+            </a:extLst>
+          </p:cNvPr>
+          <p:cNvSpPr>
+            <a:spLocks noGrp="1" noRot="1" noChangeAspect="1" noMove="1" noResize="1" noEditPoints="1" noAdjustHandles="1" noChangeArrowheads="1" noChangeShapeType="1" noTextEdit="1"/>
+          </p:cNvSpPr>
+          <p:nvPr>
+            <p:extLst>
+              <p:ext uri="{386F3935-93C4-4BCD-93E2-E3B085C9AB24}">
+                <p16:designElem xmlns:p16="http://schemas.microsoft.com/office/powerpoint/2015/main" val="1"/>
+              </p:ext>
+            </p:extLst>
+          </p:nvPr>
+        </p:nvSpPr>
+        <p:spPr bwMode="white">
+          <a:xfrm>
+            <a:off x="-1" y="0"/>
+            <a:ext cx="8229600" cy="6858000"/>
+          </a:xfrm>
+          <a:prstGeom prst="rect">
+            <a:avLst/>
+          </a:prstGeom>
+          <a:solidFill>
+            <a:schemeClr val="tx2">
+              <a:lumMod val="10000"/>
+              <a:alpha val="90000"/>
+            </a:schemeClr>
+          </a:solidFill>
+          <a:ln>
+            <a:noFill/>
+          </a:ln>
+          <a:effectLst/>
+        </p:spPr>
+        <p:style>
+          <a:lnRef idx="1">
+            <a:schemeClr val="accent1"/>
+          </a:lnRef>
+          <a:fillRef idx="3">
+            <a:schemeClr val="accent1"/>
+          </a:fillRef>
+          <a:effectRef idx="2">
+            <a:schemeClr val="accent1"/>
+          </a:effectRef>
+          <a:fontRef idx="minor">
+            <a:schemeClr val="lt1"/>
+          </a:fontRef>
+        </p:style>
+        <p:txBody>
+          <a:bodyPr/>
+          <a:lstStyle/>
+          <a:p>
+            <a:endParaRPr lang="en-US"/>
+          </a:p>
+        </p:txBody>
+      </p:sp>
+      <p:pic>
+        <p:nvPicPr>
+          <p:cNvPr id="5" name="Picture 4" descr="The inside of a building&#10;&#10;Description automatically generated">
+            <a:extLst>
+              <a:ext uri="{FF2B5EF4-FFF2-40B4-BE49-F238E27FC236}">
+                <a16:creationId xmlns:a16="http://schemas.microsoft.com/office/drawing/2014/main" id="{4F2C868B-4CE5-4BFA-ABB1-F983EA2A7935}"/>
+              </a:ext>
+            </a:extLst>
+          </p:cNvPr>
+          <p:cNvPicPr>
+            <a:picLocks noChangeAspect="1"/>
+          </p:cNvPicPr>
+          <p:nvPr/>
+        </p:nvPicPr>
+        <p:blipFill rotWithShape="1">
+          <a:blip r:embed="rId3"/>
+          <a:srcRect l="30230" r="26437"/>
+          <a:stretch/>
+        </p:blipFill>
+        <p:spPr>
+          <a:xfrm>
+            <a:off x="8229598" y="10"/>
+            <a:ext cx="3962401" cy="6857990"/>
+          </a:xfrm>
+          <a:prstGeom prst="rect">
+            <a:avLst/>
+          </a:prstGeom>
+        </p:spPr>
+      </p:pic>
+      <p:sp>
+        <p:nvSpPr>
+          <p:cNvPr id="13" name="Freeform 5">
+            <a:extLst>
+              <a:ext uri="{FF2B5EF4-FFF2-40B4-BE49-F238E27FC236}">
+                <a16:creationId xmlns:a16="http://schemas.microsoft.com/office/drawing/2014/main" id="{F0254341-1068-4FB7-8AEF-220C6EB4101F}"/>
+              </a:ext>
+              <a:ext uri="{C183D7F6-B498-43B3-948B-1728B52AA6E4}">
+                <adec:decorative xmlns:adec="http://schemas.microsoft.com/office/drawing/2017/decorative" val="1"/>
+              </a:ext>
+            </a:extLst>
+          </p:cNvPr>
+          <p:cNvSpPr>
+            <a:spLocks noGrp="1" noRot="1" noChangeAspect="1" noMove="1" noResize="1" noEditPoints="1" noAdjustHandles="1" noChangeArrowheads="1" noChangeShapeType="1" noTextEdit="1"/>
+          </p:cNvSpPr>
+          <p:nvPr>
+            <p:extLst>
+              <p:ext uri="{386F3935-93C4-4BCD-93E2-E3B085C9AB24}">
+                <p16:designElem xmlns:p16="http://schemas.microsoft.com/office/powerpoint/2015/main" val="1"/>
+              </p:ext>
+            </p:extLst>
+          </p:nvPr>
+        </p:nvSpPr>
+        <p:spPr bwMode="grayWhite">
+          <a:xfrm>
+            <a:off x="1" y="659027"/>
+            <a:ext cx="9042690" cy="1035152"/>
+          </a:xfrm>
+          <a:custGeom>
+            <a:avLst/>
+            <a:gdLst>
+              <a:gd name="T0" fmla="*/ 1900 w 1902"/>
+              <a:gd name="T1" fmla="*/ 77 h 163"/>
+              <a:gd name="T2" fmla="*/ 1826 w 1902"/>
+              <a:gd name="T3" fmla="*/ 3 h 163"/>
+              <a:gd name="T4" fmla="*/ 1825 w 1902"/>
+              <a:gd name="T5" fmla="*/ 2 h 163"/>
+              <a:gd name="T6" fmla="*/ 1819 w 1902"/>
+              <a:gd name="T7" fmla="*/ 0 h 163"/>
+              <a:gd name="T8" fmla="*/ 1363 w 1902"/>
+              <a:gd name="T9" fmla="*/ 0 h 163"/>
+              <a:gd name="T10" fmla="*/ 1348 w 1902"/>
+              <a:gd name="T11" fmla="*/ 0 h 163"/>
+              <a:gd name="T12" fmla="*/ 1225 w 1902"/>
+              <a:gd name="T13" fmla="*/ 0 h 163"/>
+              <a:gd name="T14" fmla="*/ 1033 w 1902"/>
+              <a:gd name="T15" fmla="*/ 0 h 163"/>
+              <a:gd name="T16" fmla="*/ 892 w 1902"/>
+              <a:gd name="T17" fmla="*/ 0 h 163"/>
+              <a:gd name="T18" fmla="*/ 786 w 1902"/>
+              <a:gd name="T19" fmla="*/ 0 h 163"/>
+              <a:gd name="T20" fmla="*/ 577 w 1902"/>
+              <a:gd name="T21" fmla="*/ 0 h 163"/>
+              <a:gd name="T22" fmla="*/ 562 w 1902"/>
+              <a:gd name="T23" fmla="*/ 0 h 163"/>
+              <a:gd name="T24" fmla="*/ 439 w 1902"/>
+              <a:gd name="T25" fmla="*/ 0 h 163"/>
+              <a:gd name="T26" fmla="*/ 106 w 1902"/>
+              <a:gd name="T27" fmla="*/ 0 h 163"/>
+              <a:gd name="T28" fmla="*/ 0 w 1902"/>
+              <a:gd name="T29" fmla="*/ 0 h 163"/>
+              <a:gd name="T30" fmla="*/ 0 w 1902"/>
+              <a:gd name="T31" fmla="*/ 163 h 163"/>
+              <a:gd name="T32" fmla="*/ 106 w 1902"/>
+              <a:gd name="T33" fmla="*/ 163 h 163"/>
+              <a:gd name="T34" fmla="*/ 439 w 1902"/>
+              <a:gd name="T35" fmla="*/ 163 h 163"/>
+              <a:gd name="T36" fmla="*/ 562 w 1902"/>
+              <a:gd name="T37" fmla="*/ 163 h 163"/>
+              <a:gd name="T38" fmla="*/ 577 w 1902"/>
+              <a:gd name="T39" fmla="*/ 163 h 163"/>
+              <a:gd name="T40" fmla="*/ 786 w 1902"/>
+              <a:gd name="T41" fmla="*/ 163 h 163"/>
+              <a:gd name="T42" fmla="*/ 892 w 1902"/>
+              <a:gd name="T43" fmla="*/ 163 h 163"/>
+              <a:gd name="T44" fmla="*/ 1033 w 1902"/>
+              <a:gd name="T45" fmla="*/ 163 h 163"/>
+              <a:gd name="T46" fmla="*/ 1225 w 1902"/>
+              <a:gd name="T47" fmla="*/ 163 h 163"/>
+              <a:gd name="T48" fmla="*/ 1348 w 1902"/>
+              <a:gd name="T49" fmla="*/ 163 h 163"/>
+              <a:gd name="T50" fmla="*/ 1363 w 1902"/>
+              <a:gd name="T51" fmla="*/ 163 h 163"/>
+              <a:gd name="T52" fmla="*/ 1819 w 1902"/>
+              <a:gd name="T53" fmla="*/ 163 h 163"/>
+              <a:gd name="T54" fmla="*/ 1825 w 1902"/>
+              <a:gd name="T55" fmla="*/ 161 h 163"/>
+              <a:gd name="T56" fmla="*/ 1826 w 1902"/>
+              <a:gd name="T57" fmla="*/ 160 h 163"/>
+              <a:gd name="T58" fmla="*/ 1900 w 1902"/>
+              <a:gd name="T59" fmla="*/ 86 h 163"/>
+              <a:gd name="T60" fmla="*/ 1900 w 1902"/>
+              <a:gd name="T61" fmla="*/ 77 h 163"/>
+            </a:gdLst>
+            <a:ahLst/>
+            <a:cxnLst>
+              <a:cxn ang="0">
+                <a:pos x="T0" y="T1"/>
+              </a:cxn>
+              <a:cxn ang="0">
+                <a:pos x="T2" y="T3"/>
+              </a:cxn>
+              <a:cxn ang="0">
+                <a:pos x="T4" y="T5"/>
+              </a:cxn>
+              <a:cxn ang="0">
+                <a:pos x="T6" y="T7"/>
+              </a:cxn>
+              <a:cxn ang="0">
+                <a:pos x="T8" y="T9"/>
+              </a:cxn>
+              <a:cxn ang="0">
+                <a:pos x="T10" y="T11"/>
+              </a:cxn>
+              <a:cxn ang="0">
+                <a:pos x="T12" y="T13"/>
+              </a:cxn>
+              <a:cxn ang="0">
+                <a:pos x="T14" y="T15"/>
+              </a:cxn>
+              <a:cxn ang="0">
+                <a:pos x="T16" y="T17"/>
+              </a:cxn>
+              <a:cxn ang="0">
+                <a:pos x="T18" y="T19"/>
+              </a:cxn>
+              <a:cxn ang="0">
+                <a:pos x="T20" y="T21"/>
+              </a:cxn>
+              <a:cxn ang="0">
+                <a:pos x="T22" y="T23"/>
+              </a:cxn>
+              <a:cxn ang="0">
+                <a:pos x="T24" y="T25"/>
+              </a:cxn>
+              <a:cxn ang="0">
+                <a:pos x="T26" y="T27"/>
+              </a:cxn>
+              <a:cxn ang="0">
+                <a:pos x="T28" y="T29"/>
+              </a:cxn>
+              <a:cxn ang="0">
+                <a:pos x="T30" y="T31"/>
+              </a:cxn>
+              <a:cxn ang="0">
+                <a:pos x="T32" y="T33"/>
+              </a:cxn>
+              <a:cxn ang="0">
+                <a:pos x="T34" y="T35"/>
+              </a:cxn>
+              <a:cxn ang="0">
+                <a:pos x="T36" y="T37"/>
+              </a:cxn>
+              <a:cxn ang="0">
+                <a:pos x="T38" y="T39"/>
+              </a:cxn>
+              <a:cxn ang="0">
+                <a:pos x="T40" y="T41"/>
+              </a:cxn>
+              <a:cxn ang="0">
+                <a:pos x="T42" y="T43"/>
+              </a:cxn>
+              <a:cxn ang="0">
+                <a:pos x="T44" y="T45"/>
+              </a:cxn>
+              <a:cxn ang="0">
+                <a:pos x="T46" y="T47"/>
+              </a:cxn>
+              <a:cxn ang="0">
+                <a:pos x="T48" y="T49"/>
+              </a:cxn>
+              <a:cxn ang="0">
+                <a:pos x="T50" y="T51"/>
+              </a:cxn>
+              <a:cxn ang="0">
+                <a:pos x="T52" y="T53"/>
+              </a:cxn>
+              <a:cxn ang="0">
+                <a:pos x="T54" y="T55"/>
+              </a:cxn>
+              <a:cxn ang="0">
+                <a:pos x="T56" y="T57"/>
+              </a:cxn>
+              <a:cxn ang="0">
+                <a:pos x="T58" y="T59"/>
+              </a:cxn>
+              <a:cxn ang="0">
+                <a:pos x="T60" y="T61"/>
+              </a:cxn>
+            </a:cxnLst>
+            <a:rect l="0" t="0" r="r" b="b"/>
+            <a:pathLst>
+              <a:path w="1902" h="163">
+                <a:moveTo>
+                  <a:pt x="1900" y="77"/>
+                </a:moveTo>
+                <a:cubicBezTo>
+                  <a:pt x="1826" y="3"/>
+                  <a:pt x="1826" y="3"/>
+                  <a:pt x="1826" y="3"/>
+                </a:cubicBezTo>
+                <a:cubicBezTo>
+                  <a:pt x="1825" y="2"/>
+                  <a:pt x="1825" y="2"/>
+                  <a:pt x="1825" y="2"/>
+                </a:cubicBezTo>
+                <a:cubicBezTo>
+                  <a:pt x="1823" y="1"/>
+                  <a:pt x="1821" y="0"/>
+                  <a:pt x="1819" y="0"/>
+                </a:cubicBezTo>
+                <a:cubicBezTo>
+                  <a:pt x="1363" y="0"/>
+                  <a:pt x="1363" y="0"/>
+                  <a:pt x="1363" y="0"/>
+                </a:cubicBezTo>
+                <a:cubicBezTo>
+                  <a:pt x="1348" y="0"/>
+                  <a:pt x="1348" y="0"/>
+                  <a:pt x="1348" y="0"/>
+                </a:cubicBezTo>
+                <a:cubicBezTo>
+                  <a:pt x="1225" y="0"/>
+                  <a:pt x="1225" y="0"/>
+                  <a:pt x="1225" y="0"/>
+                </a:cubicBezTo>
+                <a:cubicBezTo>
+                  <a:pt x="1033" y="0"/>
+                  <a:pt x="1033" y="0"/>
+                  <a:pt x="1033" y="0"/>
+                </a:cubicBezTo>
+                <a:cubicBezTo>
+                  <a:pt x="892" y="0"/>
+                  <a:pt x="892" y="0"/>
+                  <a:pt x="892" y="0"/>
+                </a:cubicBezTo>
+                <a:cubicBezTo>
+                  <a:pt x="786" y="0"/>
+                  <a:pt x="786" y="0"/>
+                  <a:pt x="786" y="0"/>
+                </a:cubicBezTo>
+                <a:cubicBezTo>
+                  <a:pt x="577" y="0"/>
+                  <a:pt x="577" y="0"/>
+                  <a:pt x="577" y="0"/>
+                </a:cubicBezTo>
+                <a:cubicBezTo>
+                  <a:pt x="562" y="0"/>
+                  <a:pt x="562" y="0"/>
+                  <a:pt x="562" y="0"/>
+                </a:cubicBezTo>
+                <a:cubicBezTo>
+                  <a:pt x="439" y="0"/>
+                  <a:pt x="439" y="0"/>
+                  <a:pt x="439" y="0"/>
+                </a:cubicBezTo>
+                <a:cubicBezTo>
+                  <a:pt x="106" y="0"/>
+                  <a:pt x="106" y="0"/>
+                  <a:pt x="106" y="0"/>
+                </a:cubicBezTo>
+                <a:cubicBezTo>
+                  <a:pt x="0" y="0"/>
+                  <a:pt x="0" y="0"/>
+                  <a:pt x="0" y="0"/>
+                </a:cubicBezTo>
+                <a:cubicBezTo>
+                  <a:pt x="0" y="163"/>
+                  <a:pt x="0" y="163"/>
+                  <a:pt x="0" y="163"/>
+                </a:cubicBezTo>
+                <a:cubicBezTo>
+                  <a:pt x="106" y="163"/>
+                  <a:pt x="106" y="163"/>
+                  <a:pt x="106" y="163"/>
+                </a:cubicBezTo>
+                <a:cubicBezTo>
+                  <a:pt x="439" y="163"/>
+                  <a:pt x="439" y="163"/>
+                  <a:pt x="439" y="163"/>
+                </a:cubicBezTo>
+                <a:cubicBezTo>
+                  <a:pt x="562" y="163"/>
+                  <a:pt x="562" y="163"/>
+                  <a:pt x="562" y="163"/>
+                </a:cubicBezTo>
+                <a:cubicBezTo>
+                  <a:pt x="577" y="163"/>
+                  <a:pt x="577" y="163"/>
+                  <a:pt x="577" y="163"/>
+                </a:cubicBezTo>
+                <a:cubicBezTo>
+                  <a:pt x="786" y="163"/>
+                  <a:pt x="786" y="163"/>
+                  <a:pt x="786" y="163"/>
+                </a:cubicBezTo>
+                <a:cubicBezTo>
+                  <a:pt x="892" y="163"/>
+                  <a:pt x="892" y="163"/>
+                  <a:pt x="892" y="163"/>
+                </a:cubicBezTo>
+                <a:cubicBezTo>
+                  <a:pt x="1033" y="163"/>
+                  <a:pt x="1033" y="163"/>
+                  <a:pt x="1033" y="163"/>
+                </a:cubicBezTo>
+                <a:cubicBezTo>
+                  <a:pt x="1225" y="163"/>
+                  <a:pt x="1225" y="163"/>
+                  <a:pt x="1225" y="163"/>
+                </a:cubicBezTo>
+                <a:cubicBezTo>
+                  <a:pt x="1348" y="163"/>
+                  <a:pt x="1348" y="163"/>
+                  <a:pt x="1348" y="163"/>
+                </a:cubicBezTo>
+                <a:cubicBezTo>
+                  <a:pt x="1363" y="163"/>
+                  <a:pt x="1363" y="163"/>
+                  <a:pt x="1363" y="163"/>
+                </a:cubicBezTo>
+                <a:cubicBezTo>
+                  <a:pt x="1819" y="163"/>
+                  <a:pt x="1819" y="163"/>
+                  <a:pt x="1819" y="163"/>
+                </a:cubicBezTo>
+                <a:cubicBezTo>
+                  <a:pt x="1821" y="163"/>
+                  <a:pt x="1823" y="162"/>
+                  <a:pt x="1825" y="161"/>
+                </a:cubicBezTo>
+                <a:cubicBezTo>
+                  <a:pt x="1825" y="160"/>
+                  <a:pt x="1825" y="160"/>
+                  <a:pt x="1826" y="160"/>
+                </a:cubicBezTo>
+                <a:cubicBezTo>
+                  <a:pt x="1900" y="86"/>
+                  <a:pt x="1900" y="86"/>
+                  <a:pt x="1900" y="86"/>
+                </a:cubicBezTo>
+                <a:cubicBezTo>
+                  <a:pt x="1902" y="83"/>
+                  <a:pt x="1902" y="79"/>
+                  <a:pt x="1900" y="77"/>
+                </a:cubicBezTo>
+                <a:close/>
+              </a:path>
+            </a:pathLst>
+          </a:custGeom>
+          <a:solidFill>
+            <a:schemeClr val="accent1"/>
+          </a:solidFill>
+          <a:ln>
+            <a:noFill/>
+          </a:ln>
+        </p:spPr>
+        <p:txBody>
+          <a:bodyPr vert="horz" wrap="square" lIns="91440" tIns="45720" rIns="91440" bIns="45720" numCol="1" anchor="t" anchorCtr="0" compatLnSpc="1">
+            <a:prstTxWarp prst="textNoShape">
+              <a:avLst/>
+            </a:prstTxWarp>
+          </a:bodyPr>
+          <a:lstStyle/>
+          <a:p>
+            <a:endParaRPr lang="en-US"/>
+          </a:p>
+        </p:txBody>
+      </p:sp>
+      <p:sp>
+        <p:nvSpPr>
+          <p:cNvPr id="2" name="Title 1">
+            <a:extLst>
+              <a:ext uri="{FF2B5EF4-FFF2-40B4-BE49-F238E27FC236}">
+                <a16:creationId xmlns:a16="http://schemas.microsoft.com/office/drawing/2014/main" id="{1066E4FA-73DF-473C-A042-968C813D7B47}"/>
+              </a:ext>
+            </a:extLst>
+          </p:cNvPr>
+          <p:cNvSpPr>
+            <a:spLocks noGrp="1"/>
+          </p:cNvSpPr>
+          <p:nvPr>
+            <p:ph type="title"/>
+          </p:nvPr>
+        </p:nvSpPr>
+        <p:spPr>
+          <a:xfrm>
+            <a:off x="541867" y="787400"/>
+            <a:ext cx="7145866" cy="778933"/>
+          </a:xfrm>
+        </p:spPr>
+        <p:txBody>
+          <a:bodyPr anchor="ctr">
+            <a:normAutofit/>
+          </a:bodyPr>
+          <a:lstStyle/>
+          <a:p>
+            <a:r>
+              <a:rPr lang="en-US" sz="3200">
+                <a:solidFill>
+                  <a:srgbClr val="FEFFFF"/>
+                </a:solidFill>
+              </a:rPr>
+              <a:t>Step by Step</a:t>
+            </a:r>
+          </a:p>
+        </p:txBody>
+      </p:sp>
+      <p:sp>
+        <p:nvSpPr>
+          <p:cNvPr id="3" name="Content Placeholder 2">
+            <a:extLst>
+              <a:ext uri="{FF2B5EF4-FFF2-40B4-BE49-F238E27FC236}">
+                <a16:creationId xmlns:a16="http://schemas.microsoft.com/office/drawing/2014/main" id="{D367EB2E-C1A0-4320-A193-FAE35192E1FD}"/>
+              </a:ext>
+            </a:extLst>
+          </p:cNvPr>
+          <p:cNvSpPr>
+            <a:spLocks noGrp="1"/>
+          </p:cNvSpPr>
+          <p:nvPr>
+            <p:ph idx="1"/>
+          </p:nvPr>
+        </p:nvSpPr>
+        <p:spPr>
+          <a:xfrm>
+            <a:off x="541866" y="2032000"/>
+            <a:ext cx="7145867" cy="3879222"/>
+          </a:xfrm>
+        </p:spPr>
+        <p:txBody>
+          <a:bodyPr>
+            <a:normAutofit/>
+          </a:bodyPr>
+          <a:lstStyle/>
+          <a:p>
+            <a:r>
+              <a:rPr lang="en-US" b="1" dirty="0">
+                <a:solidFill>
+                  <a:srgbClr val="FEFFFF"/>
+                </a:solidFill>
+              </a:rPr>
+              <a:t>Step 1: Requirements clarifications</a:t>
+            </a:r>
+            <a:endParaRPr lang="en-US" dirty="0">
+              <a:solidFill>
+                <a:srgbClr val="FEFFFF"/>
+              </a:solidFill>
+            </a:endParaRPr>
+          </a:p>
+          <a:p>
+            <a:r>
+              <a:rPr lang="en-US" b="1" dirty="0">
+                <a:solidFill>
+                  <a:srgbClr val="FEFFFF"/>
+                </a:solidFill>
+              </a:rPr>
+              <a:t>Step 2: System interface definition</a:t>
+            </a:r>
+            <a:endParaRPr lang="en-US" dirty="0">
+              <a:solidFill>
+                <a:srgbClr val="FEFFFF"/>
+              </a:solidFill>
+            </a:endParaRPr>
+          </a:p>
+          <a:p>
+            <a:r>
+              <a:rPr lang="en-US" b="1" dirty="0">
+                <a:solidFill>
+                  <a:srgbClr val="FEFFFF"/>
+                </a:solidFill>
+              </a:rPr>
+              <a:t>Step 3: Scale estimation</a:t>
+            </a:r>
+          </a:p>
+          <a:p>
+            <a:r>
+              <a:rPr lang="en-US" b="1" dirty="0">
+                <a:solidFill>
+                  <a:srgbClr val="FEFFFF"/>
+                </a:solidFill>
+              </a:rPr>
+              <a:t>Step 4: Defining data model</a:t>
+            </a:r>
+            <a:endParaRPr lang="en-US" dirty="0">
+              <a:solidFill>
+                <a:srgbClr val="FEFFFF"/>
+              </a:solidFill>
+            </a:endParaRPr>
+          </a:p>
+          <a:p>
+            <a:r>
+              <a:rPr lang="en-US" b="1" dirty="0">
+                <a:solidFill>
+                  <a:srgbClr val="FEFFFF"/>
+                </a:solidFill>
+              </a:rPr>
+              <a:t>Step 5: High-level design</a:t>
+            </a:r>
+            <a:endParaRPr lang="en-US" dirty="0">
+              <a:solidFill>
+                <a:srgbClr val="FEFFFF"/>
+              </a:solidFill>
+            </a:endParaRPr>
+          </a:p>
+          <a:p>
+            <a:r>
+              <a:rPr lang="en-US" b="1" dirty="0">
+                <a:solidFill>
+                  <a:srgbClr val="FEFFFF"/>
+                </a:solidFill>
+              </a:rPr>
+              <a:t>Step 6: Detailed design</a:t>
+            </a:r>
+            <a:endParaRPr lang="en-US" dirty="0">
+              <a:solidFill>
+                <a:srgbClr val="FEFFFF"/>
+              </a:solidFill>
+            </a:endParaRPr>
+          </a:p>
+          <a:p>
+            <a:r>
+              <a:rPr lang="en-US" b="1" dirty="0">
+                <a:solidFill>
+                  <a:srgbClr val="FEFFFF"/>
+                </a:solidFill>
+              </a:rPr>
+              <a:t>Step 7: Identifying and resolving bottlenecks</a:t>
+            </a:r>
+            <a:endParaRPr lang="en-US" dirty="0">
+              <a:solidFill>
+                <a:srgbClr val="FEFFFF"/>
+              </a:solidFill>
+            </a:endParaRPr>
+          </a:p>
+          <a:p>
+            <a:pPr marL="0" indent="0">
+              <a:buNone/>
+            </a:pPr>
+            <a:endParaRPr lang="en-US" dirty="0">
+              <a:solidFill>
+                <a:srgbClr val="FEFFFF"/>
+              </a:solidFill>
+            </a:endParaRPr>
+          </a:p>
+          <a:p>
+            <a:endParaRPr lang="en-US" dirty="0">
+              <a:solidFill>
+                <a:srgbClr val="FEFFFF"/>
+              </a:solidFill>
+            </a:endParaRPr>
+          </a:p>
+        </p:txBody>
+      </p:sp>
+    </p:spTree>
+    <p:extLst>
+      <p:ext uri="{BB962C8B-B14F-4D97-AF65-F5344CB8AC3E}">
+        <p14:creationId xmlns:p14="http://schemas.microsoft.com/office/powerpoint/2010/main" val="1382926393"/>
+      </p:ext>
+    </p:extLst>
+  </p:cSld>
+  <p:clrMapOvr>
+    <a:overrideClrMapping bg1="dk1" tx1="lt1" bg2="dk2" tx2="lt2" accent1="accent1" accent2="accent2" accent3="accent3" accent4="accent4" accent5="accent5" accent6="accent6" hlink="hlink" folHlink="folHlink"/>
+  </p:clrMapOvr>
+</p:sld>
+</file>
+
+<file path=ppt/slides/slide3.xml><?xml version="1.0" encoding="utf-8"?>
+<p:sld xmlns:a="http://schemas.openxmlformats.org/drawingml/2006/main" xmlns:r="http://schemas.openxmlformats.org/officeDocument/2006/relationships" xmlns:p="http://schemas.openxmlformats.org/presentationml/2006/main">
+  <p:cSld>
+    <p:bg>
+      <p:bgPr>
+        <a:gradFill rotWithShape="1">
+          <a:gsLst>
+            <a:gs pos="0">
+              <a:schemeClr val="bg2">
+                <a:tint val="90000"/>
+                <a:satMod val="92000"/>
+                <a:lumMod val="120000"/>
+              </a:schemeClr>
+            </a:gs>
+            <a:gs pos="100000">
+              <a:schemeClr val="bg2">
+                <a:shade val="98000"/>
+                <a:satMod val="120000"/>
+                <a:lumMod val="98000"/>
+              </a:schemeClr>
+            </a:gs>
+          </a:gsLst>
+          <a:path path="circle">
+            <a:fillToRect l="50000" t="50000" r="100000" b="100000"/>
+          </a:path>
+        </a:gradFill>
+        <a:effectLst/>
+      </p:bgPr>
+    </p:bg>
+    <p:spTree>
+      <p:nvGrpSpPr>
+        <p:cNvPr id="1" name=""/>
+        <p:cNvGrpSpPr/>
+        <p:nvPr/>
+      </p:nvGrpSpPr>
+      <p:grpSpPr>
+        <a:xfrm>
+          <a:off x="0" y="0"/>
+          <a:ext cx="0" cy="0"/>
+          <a:chOff x="0" y="0"/>
+          <a:chExt cx="0" cy="0"/>
+        </a:xfrm>
+      </p:grpSpPr>
+      <p:sp useBgFill="1">
+        <p:nvSpPr>
+          <p:cNvPr id="10" name="Rectangle 9">
+            <a:extLst>
+              <a:ext uri="{FF2B5EF4-FFF2-40B4-BE49-F238E27FC236}">
+                <a16:creationId xmlns:a16="http://schemas.microsoft.com/office/drawing/2014/main" id="{175CD74B-9CE8-4F20-A3E4-A22A7F036042}"/>
+              </a:ext>
+              <a:ext uri="{C183D7F6-B498-43B3-948B-1728B52AA6E4}">
+                <adec:decorative xmlns:adec="http://schemas.microsoft.com/office/drawing/2017/decorative" val="1"/>
+              </a:ext>
+            </a:extLst>
+          </p:cNvPr>
+          <p:cNvSpPr>
+            <a:spLocks noGrp="1" noRot="1" noChangeAspect="1" noMove="1" noResize="1" noEditPoints="1" noAdjustHandles="1" noChangeArrowheads="1" noChangeShapeType="1" noTextEdit="1"/>
+          </p:cNvSpPr>
+          <p:nvPr>
+            <p:extLst>
+              <p:ext uri="{386F3935-93C4-4BCD-93E2-E3B085C9AB24}">
+                <p16:designElem xmlns:p16="http://schemas.microsoft.com/office/powerpoint/2015/main" val="1"/>
+              </p:ext>
+            </p:extLst>
+          </p:nvPr>
+        </p:nvSpPr>
+        <p:spPr>
+          <a:xfrm>
+            <a:off x="1" y="0"/>
+            <a:ext cx="12192000" cy="6858000"/>
+          </a:xfrm>
+          <a:prstGeom prst="rect">
+            <a:avLst/>
+          </a:prstGeom>
+          <a:ln>
+            <a:noFill/>
+          </a:ln>
+        </p:spPr>
+        <p:style>
+          <a:lnRef idx="2">
+            <a:schemeClr val="accent1">
+              <a:shade val="50000"/>
+            </a:schemeClr>
+          </a:lnRef>
+          <a:fillRef idx="1">
+            <a:schemeClr val="accent1"/>
+          </a:fillRef>
+          <a:effectRef idx="0">
+            <a:schemeClr val="accent1"/>
+          </a:effectRef>
+          <a:fontRef idx="minor">
+            <a:schemeClr val="lt1"/>
+          </a:fontRef>
+        </p:style>
+        <p:txBody>
+          <a:bodyPr rtlCol="0" anchor="ctr"/>
+          <a:lstStyle/>
+          <a:p>
+            <a:pPr algn="ctr"/>
+            <a:endParaRPr lang="en-US" dirty="0"/>
+          </a:p>
+        </p:txBody>
+      </p:sp>
+      <p:sp>
+        <p:nvSpPr>
+          <p:cNvPr id="2" name="Title 1">
+            <a:extLst>
+              <a:ext uri="{FF2B5EF4-FFF2-40B4-BE49-F238E27FC236}">
+                <a16:creationId xmlns:a16="http://schemas.microsoft.com/office/drawing/2014/main" id="{1066E4FA-73DF-473C-A042-968C813D7B47}"/>
+              </a:ext>
+            </a:extLst>
+          </p:cNvPr>
+          <p:cNvSpPr>
+            <a:spLocks noGrp="1"/>
+          </p:cNvSpPr>
+          <p:nvPr>
+            <p:ph type="title"/>
+          </p:nvPr>
+        </p:nvSpPr>
+        <p:spPr>
+          <a:xfrm>
+            <a:off x="1794897" y="624110"/>
+            <a:ext cx="9712998" cy="1280890"/>
+          </a:xfrm>
+        </p:spPr>
+        <p:txBody>
+          <a:bodyPr>
+            <a:normAutofit/>
+          </a:bodyPr>
+          <a:lstStyle/>
+          <a:p>
+            <a:r>
+              <a:rPr lang="en-US" b="1" dirty="0"/>
+              <a:t>Key Characteristics of Distributed Systems</a:t>
+            </a:r>
+            <a:endParaRPr lang="en-US" dirty="0"/>
+          </a:p>
+        </p:txBody>
+      </p:sp>
+      <p:sp>
+        <p:nvSpPr>
+          <p:cNvPr id="12" name="Rectangle 11">
+            <a:extLst>
+              <a:ext uri="{FF2B5EF4-FFF2-40B4-BE49-F238E27FC236}">
+                <a16:creationId xmlns:a16="http://schemas.microsoft.com/office/drawing/2014/main" id="{99C44665-BECF-4482-A00C-E4BE2A87DC7B}"/>
+              </a:ext>
+              <a:ext uri="{C183D7F6-B498-43B3-948B-1728B52AA6E4}">
+                <adec:decorative xmlns:adec="http://schemas.microsoft.com/office/drawing/2017/decorative" val="1"/>
+              </a:ext>
+            </a:extLst>
+          </p:cNvPr>
+          <p:cNvSpPr>
+            <a:spLocks noGrp="1" noRot="1" noChangeAspect="1" noMove="1" noResize="1" noEditPoints="1" noAdjustHandles="1" noChangeArrowheads="1" noChangeShapeType="1" noTextEdit="1"/>
+          </p:cNvSpPr>
+          <p:nvPr>
+            <p:extLst>
+              <p:ext uri="{386F3935-93C4-4BCD-93E2-E3B085C9AB24}">
+                <p16:designElem xmlns:p16="http://schemas.microsoft.com/office/powerpoint/2015/main" val="1"/>
+              </p:ext>
+            </p:extLst>
+          </p:nvPr>
+        </p:nvSpPr>
+        <p:spPr>
+          <a:xfrm>
+            <a:off x="0" y="0"/>
+            <a:ext cx="182880" cy="6858000"/>
+          </a:xfrm>
+          <a:prstGeom prst="rect">
+            <a:avLst/>
+          </a:prstGeom>
+          <a:solidFill>
+            <a:schemeClr val="tx2"/>
+          </a:solidFill>
+          <a:ln>
+            <a:noFill/>
+          </a:ln>
+          <a:effectLst/>
+        </p:spPr>
+        <p:style>
+          <a:lnRef idx="1">
+            <a:schemeClr val="accent1"/>
+          </a:lnRef>
+          <a:fillRef idx="3">
+            <a:schemeClr val="accent1"/>
+          </a:fillRef>
+          <a:effectRef idx="2">
+            <a:schemeClr val="accent1"/>
+          </a:effectRef>
+          <a:fontRef idx="minor">
+            <a:schemeClr val="lt1"/>
+          </a:fontRef>
+        </p:style>
+        <p:txBody>
+          <a:bodyPr/>
+          <a:lstStyle/>
+          <a:p>
+            <a:endParaRPr lang="en-US"/>
+          </a:p>
+        </p:txBody>
+      </p:sp>
+      <p:sp>
+        <p:nvSpPr>
+          <p:cNvPr id="14" name="Freeform 11">
+            <a:extLst>
+              <a:ext uri="{FF2B5EF4-FFF2-40B4-BE49-F238E27FC236}">
+                <a16:creationId xmlns:a16="http://schemas.microsoft.com/office/drawing/2014/main" id="{20398C1D-D011-4BA8-AC81-E829677B87FF}"/>
+              </a:ext>
+              <a:ext uri="{C183D7F6-B498-43B3-948B-1728B52AA6E4}">
+                <adec:decorative xmlns:adec="http://schemas.microsoft.com/office/drawing/2017/decorative" val="1"/>
+              </a:ext>
+            </a:extLst>
+          </p:cNvPr>
+          <p:cNvSpPr>
+            <a:spLocks noGrp="1" noRot="1" noChangeAspect="1" noMove="1" noResize="1" noEditPoints="1" noAdjustHandles="1" noChangeArrowheads="1" noChangeShapeType="1" noTextEdit="1"/>
+          </p:cNvSpPr>
+          <p:nvPr>
+            <p:extLst>
+              <p:ext uri="{386F3935-93C4-4BCD-93E2-E3B085C9AB24}">
+                <p16:designElem xmlns:p16="http://schemas.microsoft.com/office/powerpoint/2015/main" val="1"/>
+              </p:ext>
+            </p:extLst>
+          </p:nvPr>
+        </p:nvSpPr>
+        <p:spPr bwMode="auto">
+          <a:xfrm flipV="1">
+            <a:off x="-4189" y="714375"/>
+            <a:ext cx="1588527" cy="507297"/>
+          </a:xfrm>
+          <a:custGeom>
+            <a:avLst/>
+            <a:gdLst/>
+            <a:ahLst/>
+            <a:cxnLst/>
+            <a:rect l="l" t="t" r="r" b="b"/>
+            <a:pathLst>
+              <a:path w="9248" h="10000">
+                <a:moveTo>
+                  <a:pt x="9248" y="4701"/>
+                </a:moveTo>
+                <a:lnTo>
+                  <a:pt x="7915" y="188"/>
+                </a:lnTo>
+                <a:cubicBezTo>
+                  <a:pt x="7906" y="156"/>
+                  <a:pt x="7895" y="126"/>
+                  <a:pt x="7886" y="94"/>
+                </a:cubicBezTo>
+                <a:cubicBezTo>
+                  <a:pt x="7859" y="0"/>
+                  <a:pt x="7831" y="0"/>
+                  <a:pt x="7803" y="0"/>
+                </a:cubicBezTo>
+                <a:lnTo>
+                  <a:pt x="7275" y="0"/>
+                </a:lnTo>
+                <a:lnTo>
+                  <a:pt x="0" y="70"/>
+                </a:lnTo>
+                <a:cubicBezTo>
+                  <a:pt x="8" y="3380"/>
+                  <a:pt x="17" y="6690"/>
+                  <a:pt x="25" y="10000"/>
+                </a:cubicBezTo>
+                <a:lnTo>
+                  <a:pt x="7275" y="9966"/>
+                </a:lnTo>
+                <a:lnTo>
+                  <a:pt x="7803" y="9966"/>
+                </a:lnTo>
+                <a:cubicBezTo>
+                  <a:pt x="7831" y="9966"/>
+                  <a:pt x="7859" y="9872"/>
+                  <a:pt x="7886" y="9872"/>
+                </a:cubicBezTo>
+                <a:cubicBezTo>
+                  <a:pt x="7886" y="9778"/>
+                  <a:pt x="7915" y="9778"/>
+                  <a:pt x="7915" y="9778"/>
+                </a:cubicBezTo>
+                <a:lnTo>
+                  <a:pt x="9248" y="5265"/>
+                </a:lnTo>
+                <a:cubicBezTo>
+                  <a:pt x="9303" y="5077"/>
+                  <a:pt x="9303" y="4889"/>
+                  <a:pt x="9248" y="4701"/>
+                </a:cubicBezTo>
+                <a:close/>
+              </a:path>
+            </a:pathLst>
+          </a:custGeom>
+          <a:solidFill>
+            <a:schemeClr val="accent1"/>
+          </a:solidFill>
+          <a:ln>
+            <a:noFill/>
+          </a:ln>
+        </p:spPr>
+        <p:txBody>
+          <a:bodyPr/>
+          <a:lstStyle/>
+          <a:p>
+            <a:endParaRPr lang="en-US"/>
+          </a:p>
+        </p:txBody>
+      </p:sp>
+      <p:graphicFrame>
+        <p:nvGraphicFramePr>
+          <p:cNvPr id="5" name="Content Placeholder 2">
+            <a:extLst>
+              <a:ext uri="{FF2B5EF4-FFF2-40B4-BE49-F238E27FC236}">
+                <a16:creationId xmlns:a16="http://schemas.microsoft.com/office/drawing/2014/main" id="{0E6B7E67-5F76-46B5-B16B-12D97606AACA}"/>
+              </a:ext>
+            </a:extLst>
+          </p:cNvPr>
+          <p:cNvGraphicFramePr>
+            <a:graphicFrameLocks noGrp="1"/>
+          </p:cNvGraphicFramePr>
+          <p:nvPr>
+            <p:ph idx="1"/>
+            <p:extLst>
+              <p:ext uri="{D42A27DB-BD31-4B8C-83A1-F6EECF244321}">
+                <p14:modId xmlns:p14="http://schemas.microsoft.com/office/powerpoint/2010/main" val="1620073991"/>
+              </p:ext>
+            </p:extLst>
+          </p:nvPr>
+        </p:nvGraphicFramePr>
+        <p:xfrm>
+          <a:off x="1794897" y="2222983"/>
+          <a:ext cx="8987404" cy="3653941"/>
+        </p:xfrm>
+        <a:graphic>
+          <a:graphicData uri="http://schemas.openxmlformats.org/drawingml/2006/diagram">
+            <dgm:relIds xmlns:dgm="http://schemas.openxmlformats.org/drawingml/2006/diagram" xmlns:r="http://schemas.openxmlformats.org/officeDocument/2006/relationships" r:dm="rId3" r:lo="rId4" r:qs="rId5" r:cs="rId6"/>
+          </a:graphicData>
+        </a:graphic>
+      </p:graphicFrame>
+    </p:spTree>
+    <p:extLst>
+      <p:ext uri="{BB962C8B-B14F-4D97-AF65-F5344CB8AC3E}">
+        <p14:creationId xmlns:p14="http://schemas.microsoft.com/office/powerpoint/2010/main" val="3647783133"/>
+      </p:ext>
+    </p:extLst>
+  </p:cSld>
+  <p:clrMapOvr>
+    <a:masterClrMapping/>
+  </p:clrMapOvr>
+</p:sld>
+</file>
+
+<file path=ppt/slides/slide4.xml><?xml version="1.0" encoding="utf-8"?>
+<p:sld xmlns:a="http://schemas.openxmlformats.org/drawingml/2006/main" xmlns:r="http://schemas.openxmlformats.org/officeDocument/2006/relationships" xmlns:p="http://schemas.openxmlformats.org/presentationml/2006/main">
+  <p:cSld>
+    <p:spTree>
+      <p:nvGrpSpPr>
+        <p:cNvPr id="1" name=""/>
+        <p:cNvGrpSpPr/>
+        <p:nvPr/>
+      </p:nvGrpSpPr>
+      <p:grpSpPr>
+        <a:xfrm>
+          <a:off x="0" y="0"/>
+          <a:ext cx="0" cy="0"/>
+          <a:chOff x="0" y="0"/>
+          <a:chExt cx="0" cy="0"/>
+        </a:xfrm>
+      </p:grpSpPr>
+      <p:sp>
+        <p:nvSpPr>
+          <p:cNvPr id="16" name="Rectangle 15">
+            <a:extLst>
+              <a:ext uri="{FF2B5EF4-FFF2-40B4-BE49-F238E27FC236}">
+                <a16:creationId xmlns:a16="http://schemas.microsoft.com/office/drawing/2014/main" id="{AAAC1693-A60F-40FE-9F84-177C67DE1697}"/>
+              </a:ext>
+            </a:extLst>
+          </p:cNvPr>
+          <p:cNvSpPr/>
+          <p:nvPr/>
+        </p:nvSpPr>
+        <p:spPr>
+          <a:xfrm>
+            <a:off x="5917977" y="117335"/>
+            <a:ext cx="6190407" cy="5429755"/>
+          </a:xfrm>
+          <a:prstGeom prst="rect">
+            <a:avLst/>
+          </a:prstGeom>
+        </p:spPr>
+        <p:style>
+          <a:lnRef idx="3">
+            <a:schemeClr val="lt1"/>
+          </a:lnRef>
+          <a:fillRef idx="1">
+            <a:schemeClr val="accent6"/>
+          </a:fillRef>
+          <a:effectRef idx="1">
+            <a:schemeClr val="accent6"/>
+          </a:effectRef>
+          <a:fontRef idx="minor">
+            <a:schemeClr val="lt1"/>
+          </a:fontRef>
+        </p:style>
+        <p:txBody>
+          <a:bodyPr rtlCol="0" anchor="ctr"/>
+          <a:lstStyle/>
+          <a:p>
+            <a:pPr algn="ctr"/>
+            <a:endParaRPr lang="en-US" dirty="0"/>
+          </a:p>
+        </p:txBody>
+      </p:sp>
+      <p:pic>
+        <p:nvPicPr>
+          <p:cNvPr id="3" name="Graphic 2" descr="Confused person with solid fill">
+            <a:extLst>
+              <a:ext uri="{FF2B5EF4-FFF2-40B4-BE49-F238E27FC236}">
+                <a16:creationId xmlns:a16="http://schemas.microsoft.com/office/drawing/2014/main" id="{B92A2641-D45D-4837-8D70-9908DFE1F8B4}"/>
+              </a:ext>
+            </a:extLst>
+          </p:cNvPr>
+          <p:cNvPicPr>
+            <a:picLocks noChangeAspect="1"/>
+          </p:cNvPicPr>
+          <p:nvPr/>
+        </p:nvPicPr>
+        <p:blipFill>
+          <a:blip r:embed="rId2">
+            <a:extLst>
+              <a:ext uri="{96DAC541-7B7A-43D3-8B79-37D633B846F1}">
+                <asvg:svgBlip xmlns:asvg="http://schemas.microsoft.com/office/drawing/2016/SVG/main" r:embed="rId3"/>
+              </a:ext>
+            </a:extLst>
+          </a:blip>
+          <a:stretch>
+            <a:fillRect/>
+          </a:stretch>
+        </p:blipFill>
+        <p:spPr>
+          <a:xfrm>
+            <a:off x="1549288" y="1998732"/>
+            <a:ext cx="914400" cy="914400"/>
+          </a:xfrm>
+          <a:prstGeom prst="rect">
+            <a:avLst/>
+          </a:prstGeom>
+        </p:spPr>
+      </p:pic>
+      <p:sp>
+        <p:nvSpPr>
+          <p:cNvPr id="4" name="Rectangle: Rounded Corners 3">
+            <a:extLst>
+              <a:ext uri="{FF2B5EF4-FFF2-40B4-BE49-F238E27FC236}">
+                <a16:creationId xmlns:a16="http://schemas.microsoft.com/office/drawing/2014/main" id="{546F275B-1C29-49A5-B6F7-3DBBC847CF1F}"/>
+              </a:ext>
+            </a:extLst>
+          </p:cNvPr>
+          <p:cNvSpPr/>
+          <p:nvPr/>
+        </p:nvSpPr>
+        <p:spPr>
+          <a:xfrm>
+            <a:off x="3178821" y="1319001"/>
+            <a:ext cx="1869260" cy="679731"/>
+          </a:xfrm>
+          <a:prstGeom prst="roundRect">
+            <a:avLst/>
+          </a:prstGeom>
+        </p:spPr>
+        <p:style>
+          <a:lnRef idx="2">
+            <a:schemeClr val="accent6"/>
+          </a:lnRef>
+          <a:fillRef idx="1">
+            <a:schemeClr val="lt1"/>
+          </a:fillRef>
+          <a:effectRef idx="0">
+            <a:schemeClr val="accent6"/>
+          </a:effectRef>
+          <a:fontRef idx="minor">
+            <a:schemeClr val="dk1"/>
+          </a:fontRef>
+        </p:style>
+        <p:txBody>
+          <a:bodyPr rtlCol="0" anchor="ctr"/>
+          <a:lstStyle/>
+          <a:p>
+            <a:pPr algn="ctr"/>
+            <a:r>
+              <a:rPr lang="en-US" dirty="0"/>
+              <a:t>Web UI</a:t>
+            </a:r>
+          </a:p>
+        </p:txBody>
+      </p:sp>
+      <p:sp>
+        <p:nvSpPr>
+          <p:cNvPr id="7" name="Rectangle: Rounded Corners 6">
+            <a:extLst>
+              <a:ext uri="{FF2B5EF4-FFF2-40B4-BE49-F238E27FC236}">
+                <a16:creationId xmlns:a16="http://schemas.microsoft.com/office/drawing/2014/main" id="{B1527DC6-C2EA-438B-82D7-3836A49047A2}"/>
+              </a:ext>
+            </a:extLst>
+          </p:cNvPr>
+          <p:cNvSpPr/>
+          <p:nvPr/>
+        </p:nvSpPr>
+        <p:spPr>
+          <a:xfrm>
+            <a:off x="6265934" y="827410"/>
+            <a:ext cx="1869260" cy="679731"/>
+          </a:xfrm>
+          <a:prstGeom prst="roundRect">
+            <a:avLst/>
+          </a:prstGeom>
+        </p:spPr>
+        <p:style>
+          <a:lnRef idx="2">
+            <a:schemeClr val="accent5">
+              <a:shade val="50000"/>
+            </a:schemeClr>
+          </a:lnRef>
+          <a:fillRef idx="1">
+            <a:schemeClr val="accent5"/>
+          </a:fillRef>
+          <a:effectRef idx="0">
+            <a:schemeClr val="accent5"/>
+          </a:effectRef>
+          <a:fontRef idx="minor">
+            <a:schemeClr val="lt1"/>
+          </a:fontRef>
+        </p:style>
+        <p:txBody>
+          <a:bodyPr rtlCol="0" anchor="ctr"/>
+          <a:lstStyle/>
+          <a:p>
+            <a:pPr algn="ctr"/>
+            <a:r>
+              <a:rPr lang="en-US" dirty="0"/>
+              <a:t>API</a:t>
+            </a:r>
+          </a:p>
+        </p:txBody>
+      </p:sp>
+      <p:sp>
+        <p:nvSpPr>
+          <p:cNvPr id="9" name="Rectangle: Rounded Corners 8">
+            <a:extLst>
+              <a:ext uri="{FF2B5EF4-FFF2-40B4-BE49-F238E27FC236}">
+                <a16:creationId xmlns:a16="http://schemas.microsoft.com/office/drawing/2014/main" id="{8751673D-20CB-4802-BA40-1640BFF019F6}"/>
+              </a:ext>
+            </a:extLst>
+          </p:cNvPr>
+          <p:cNvSpPr/>
+          <p:nvPr/>
+        </p:nvSpPr>
+        <p:spPr>
+          <a:xfrm>
+            <a:off x="3419901" y="2896947"/>
+            <a:ext cx="1869260" cy="679731"/>
+          </a:xfrm>
+          <a:prstGeom prst="roundRect">
+            <a:avLst/>
+          </a:prstGeom>
+        </p:spPr>
+        <p:style>
+          <a:lnRef idx="2">
+            <a:schemeClr val="accent6"/>
+          </a:lnRef>
+          <a:fillRef idx="1">
+            <a:schemeClr val="lt1"/>
+          </a:fillRef>
+          <a:effectRef idx="0">
+            <a:schemeClr val="accent6"/>
+          </a:effectRef>
+          <a:fontRef idx="minor">
+            <a:schemeClr val="dk1"/>
+          </a:fontRef>
+        </p:style>
+        <p:txBody>
+          <a:bodyPr rtlCol="0" anchor="ctr"/>
+          <a:lstStyle/>
+          <a:p>
+            <a:pPr algn="ctr"/>
+            <a:r>
+              <a:rPr lang="en-US" dirty="0"/>
+              <a:t>App</a:t>
+            </a:r>
+          </a:p>
+        </p:txBody>
+      </p:sp>
+      <p:cxnSp>
+        <p:nvCxnSpPr>
+          <p:cNvPr id="11" name="Straight Arrow Connector 10">
+            <a:extLst>
+              <a:ext uri="{FF2B5EF4-FFF2-40B4-BE49-F238E27FC236}">
+                <a16:creationId xmlns:a16="http://schemas.microsoft.com/office/drawing/2014/main" id="{5513FE94-D8FB-4DF6-8989-AFC2D17F69BD}"/>
+              </a:ext>
+            </a:extLst>
+          </p:cNvPr>
+          <p:cNvCxnSpPr>
+            <a:cxnSpLocks/>
+            <a:stCxn id="3" idx="3"/>
+            <a:endCxn id="4" idx="1"/>
+          </p:cNvCxnSpPr>
+          <p:nvPr/>
+        </p:nvCxnSpPr>
+        <p:spPr>
+          <a:xfrm flipV="1">
+            <a:off x="2463688" y="1658867"/>
+            <a:ext cx="715133" cy="797065"/>
+          </a:xfrm>
+          <a:prstGeom prst="straightConnector1">
+            <a:avLst/>
+          </a:prstGeom>
+          <a:ln>
+            <a:tailEnd type="triangle"/>
+          </a:ln>
+        </p:spPr>
+        <p:style>
+          <a:lnRef idx="1">
+            <a:schemeClr val="accent1"/>
+          </a:lnRef>
+          <a:fillRef idx="0">
+            <a:schemeClr val="accent1"/>
+          </a:fillRef>
+          <a:effectRef idx="0">
+            <a:schemeClr val="accent1"/>
+          </a:effectRef>
+          <a:fontRef idx="minor">
+            <a:schemeClr val="tx1"/>
+          </a:fontRef>
+        </p:style>
+      </p:cxnSp>
+      <p:cxnSp>
+        <p:nvCxnSpPr>
+          <p:cNvPr id="15" name="Straight Arrow Connector 14">
+            <a:extLst>
+              <a:ext uri="{FF2B5EF4-FFF2-40B4-BE49-F238E27FC236}">
+                <a16:creationId xmlns:a16="http://schemas.microsoft.com/office/drawing/2014/main" id="{C15A9A43-3150-4355-B718-0C7CCC871C90}"/>
+              </a:ext>
+            </a:extLst>
+          </p:cNvPr>
+          <p:cNvCxnSpPr>
+            <a:cxnSpLocks/>
+            <a:stCxn id="3" idx="3"/>
+            <a:endCxn id="9" idx="1"/>
+          </p:cNvCxnSpPr>
+          <p:nvPr/>
+        </p:nvCxnSpPr>
+        <p:spPr>
+          <a:xfrm>
+            <a:off x="2463688" y="2455932"/>
+            <a:ext cx="956213" cy="780881"/>
+          </a:xfrm>
+          <a:prstGeom prst="straightConnector1">
+            <a:avLst/>
+          </a:prstGeom>
+          <a:ln>
+            <a:tailEnd type="triangle"/>
+          </a:ln>
+        </p:spPr>
+        <p:style>
+          <a:lnRef idx="1">
+            <a:schemeClr val="accent1"/>
+          </a:lnRef>
+          <a:fillRef idx="0">
+            <a:schemeClr val="accent1"/>
+          </a:fillRef>
+          <a:effectRef idx="0">
+            <a:schemeClr val="accent1"/>
+          </a:effectRef>
+          <a:fontRef idx="minor">
+            <a:schemeClr val="tx1"/>
+          </a:fontRef>
+        </p:style>
+      </p:cxnSp>
+      <p:sp>
+        <p:nvSpPr>
+          <p:cNvPr id="17" name="TextBox 16">
+            <a:extLst>
+              <a:ext uri="{FF2B5EF4-FFF2-40B4-BE49-F238E27FC236}">
+                <a16:creationId xmlns:a16="http://schemas.microsoft.com/office/drawing/2014/main" id="{220212D4-F461-4B4D-941F-880B6CFB10BF}"/>
+              </a:ext>
+            </a:extLst>
+          </p:cNvPr>
+          <p:cNvSpPr txBox="1"/>
+          <p:nvPr/>
+        </p:nvSpPr>
+        <p:spPr>
+          <a:xfrm>
+            <a:off x="8549370" y="4389138"/>
+            <a:ext cx="1509165" cy="369332"/>
+          </a:xfrm>
+          <a:prstGeom prst="rect">
+            <a:avLst/>
+          </a:prstGeom>
+          <a:noFill/>
+        </p:spPr>
+        <p:txBody>
+          <a:bodyPr wrap="square" rtlCol="0">
+            <a:spAutoFit/>
+          </a:bodyPr>
+          <a:lstStyle/>
+          <a:p>
+            <a:r>
+              <a:rPr lang="en-US" dirty="0"/>
+              <a:t>Backend</a:t>
+            </a:r>
+          </a:p>
+        </p:txBody>
+      </p:sp>
+      <p:sp>
+        <p:nvSpPr>
+          <p:cNvPr id="18" name="Oval 17">
+            <a:extLst>
+              <a:ext uri="{FF2B5EF4-FFF2-40B4-BE49-F238E27FC236}">
+                <a16:creationId xmlns:a16="http://schemas.microsoft.com/office/drawing/2014/main" id="{EE5C3A4B-B7F5-47DB-8D57-A07F209575DB}"/>
+              </a:ext>
+            </a:extLst>
+          </p:cNvPr>
+          <p:cNvSpPr/>
+          <p:nvPr/>
+        </p:nvSpPr>
+        <p:spPr>
+          <a:xfrm>
+            <a:off x="7174862" y="2807499"/>
+            <a:ext cx="1675052" cy="793020"/>
+          </a:xfrm>
+          <a:prstGeom prst="ellipse">
+            <a:avLst/>
+          </a:prstGeom>
+        </p:spPr>
+        <p:style>
+          <a:lnRef idx="2">
+            <a:schemeClr val="accent2">
+              <a:shade val="50000"/>
+            </a:schemeClr>
+          </a:lnRef>
+          <a:fillRef idx="1">
+            <a:schemeClr val="accent2"/>
+          </a:fillRef>
+          <a:effectRef idx="0">
+            <a:schemeClr val="accent2"/>
+          </a:effectRef>
+          <a:fontRef idx="minor">
+            <a:schemeClr val="lt1"/>
+          </a:fontRef>
+        </p:style>
+        <p:txBody>
+          <a:bodyPr rtlCol="0" anchor="ctr"/>
+          <a:lstStyle/>
+          <a:p>
+            <a:pPr algn="ctr"/>
+            <a:r>
+              <a:rPr lang="en-US" dirty="0"/>
+              <a:t>Services</a:t>
+            </a:r>
+          </a:p>
+        </p:txBody>
+      </p:sp>
+      <p:cxnSp>
+        <p:nvCxnSpPr>
+          <p:cNvPr id="22" name="Straight Arrow Connector 21">
+            <a:extLst>
+              <a:ext uri="{FF2B5EF4-FFF2-40B4-BE49-F238E27FC236}">
+                <a16:creationId xmlns:a16="http://schemas.microsoft.com/office/drawing/2014/main" id="{C2D651AB-B4D6-4612-9E10-FC74E0BE22AD}"/>
+              </a:ext>
+            </a:extLst>
+          </p:cNvPr>
+          <p:cNvCxnSpPr>
+            <a:cxnSpLocks/>
+            <a:stCxn id="9" idx="3"/>
+            <a:endCxn id="7" idx="1"/>
+          </p:cNvCxnSpPr>
+          <p:nvPr/>
+        </p:nvCxnSpPr>
+        <p:spPr>
+          <a:xfrm flipV="1">
+            <a:off x="5289161" y="1167276"/>
+            <a:ext cx="976773" cy="2069537"/>
+          </a:xfrm>
+          <a:prstGeom prst="straightConnector1">
+            <a:avLst/>
+          </a:prstGeom>
+          <a:ln>
+            <a:tailEnd type="triangle"/>
+          </a:ln>
+        </p:spPr>
+        <p:style>
+          <a:lnRef idx="1">
+            <a:schemeClr val="accent1"/>
+          </a:lnRef>
+          <a:fillRef idx="0">
+            <a:schemeClr val="accent1"/>
+          </a:fillRef>
+          <a:effectRef idx="0">
+            <a:schemeClr val="accent1"/>
+          </a:effectRef>
+          <a:fontRef idx="minor">
+            <a:schemeClr val="tx1"/>
+          </a:fontRef>
+        </p:style>
+      </p:cxnSp>
+      <p:cxnSp>
+        <p:nvCxnSpPr>
+          <p:cNvPr id="24" name="Straight Arrow Connector 23">
+            <a:extLst>
+              <a:ext uri="{FF2B5EF4-FFF2-40B4-BE49-F238E27FC236}">
+                <a16:creationId xmlns:a16="http://schemas.microsoft.com/office/drawing/2014/main" id="{4CBC51FF-20D9-406A-BBF5-84B8BC214CD2}"/>
+              </a:ext>
+            </a:extLst>
+          </p:cNvPr>
+          <p:cNvCxnSpPr>
+            <a:cxnSpLocks/>
+            <a:stCxn id="4" idx="3"/>
+            <a:endCxn id="7" idx="1"/>
+          </p:cNvCxnSpPr>
+          <p:nvPr/>
+        </p:nvCxnSpPr>
+        <p:spPr>
+          <a:xfrm flipV="1">
+            <a:off x="5048081" y="1167276"/>
+            <a:ext cx="1217853" cy="491591"/>
+          </a:xfrm>
+          <a:prstGeom prst="straightConnector1">
+            <a:avLst/>
+          </a:prstGeom>
+          <a:ln>
+            <a:tailEnd type="triangle"/>
+          </a:ln>
+        </p:spPr>
+        <p:style>
+          <a:lnRef idx="1">
+            <a:schemeClr val="accent1"/>
+          </a:lnRef>
+          <a:fillRef idx="0">
+            <a:schemeClr val="accent1"/>
+          </a:fillRef>
+          <a:effectRef idx="0">
+            <a:schemeClr val="accent1"/>
+          </a:effectRef>
+          <a:fontRef idx="minor">
+            <a:schemeClr val="tx1"/>
+          </a:fontRef>
+        </p:style>
+      </p:cxnSp>
+      <p:sp>
+        <p:nvSpPr>
+          <p:cNvPr id="26" name="Cylinder 25">
+            <a:extLst>
+              <a:ext uri="{FF2B5EF4-FFF2-40B4-BE49-F238E27FC236}">
+                <a16:creationId xmlns:a16="http://schemas.microsoft.com/office/drawing/2014/main" id="{B6E8587E-E6F8-4011-9388-7BBDF23AF7DA}"/>
+              </a:ext>
+            </a:extLst>
+          </p:cNvPr>
+          <p:cNvSpPr/>
+          <p:nvPr/>
+        </p:nvSpPr>
+        <p:spPr>
+          <a:xfrm>
+            <a:off x="10531070" y="2310275"/>
+            <a:ext cx="1344626" cy="1642684"/>
+          </a:xfrm>
+          <a:prstGeom prst="can">
+            <a:avLst/>
+          </a:prstGeom>
+        </p:spPr>
+        <p:style>
+          <a:lnRef idx="2">
+            <a:schemeClr val="accent3">
+              <a:shade val="50000"/>
+            </a:schemeClr>
+          </a:lnRef>
+          <a:fillRef idx="1">
+            <a:schemeClr val="accent3"/>
+          </a:fillRef>
+          <a:effectRef idx="0">
+            <a:schemeClr val="accent3"/>
+          </a:effectRef>
+          <a:fontRef idx="minor">
+            <a:schemeClr val="lt1"/>
+          </a:fontRef>
+        </p:style>
+        <p:txBody>
+          <a:bodyPr rtlCol="0" anchor="ctr"/>
+          <a:lstStyle/>
+          <a:p>
+            <a:pPr algn="ctr"/>
+            <a:r>
+              <a:rPr lang="en-US" dirty="0"/>
+              <a:t>datastore</a:t>
+            </a:r>
+          </a:p>
+        </p:txBody>
+      </p:sp>
+      <p:sp>
+        <p:nvSpPr>
+          <p:cNvPr id="27" name="Hexagon 26">
+            <a:extLst>
+              <a:ext uri="{FF2B5EF4-FFF2-40B4-BE49-F238E27FC236}">
+                <a16:creationId xmlns:a16="http://schemas.microsoft.com/office/drawing/2014/main" id="{8A201502-2769-42F1-82F0-5483407F89B3}"/>
+              </a:ext>
+            </a:extLst>
+          </p:cNvPr>
+          <p:cNvSpPr/>
+          <p:nvPr/>
+        </p:nvSpPr>
+        <p:spPr>
+          <a:xfrm>
+            <a:off x="8891637" y="1072988"/>
+            <a:ext cx="1593119" cy="778858"/>
+          </a:xfrm>
+          <a:prstGeom prst="hexagon">
+            <a:avLst/>
+          </a:prstGeom>
+          <a:solidFill>
+            <a:srgbClr val="00B0F0"/>
+          </a:solidFill>
+        </p:spPr>
+        <p:style>
+          <a:lnRef idx="2">
+            <a:schemeClr val="accent1">
+              <a:shade val="50000"/>
+            </a:schemeClr>
+          </a:lnRef>
+          <a:fillRef idx="1">
+            <a:schemeClr val="accent1"/>
+          </a:fillRef>
+          <a:effectRef idx="0">
+            <a:schemeClr val="accent1"/>
+          </a:effectRef>
+          <a:fontRef idx="minor">
+            <a:schemeClr val="lt1"/>
+          </a:fontRef>
+        </p:style>
+        <p:txBody>
+          <a:bodyPr rtlCol="0" anchor="ctr"/>
+          <a:lstStyle/>
+          <a:p>
+            <a:pPr algn="ctr"/>
+            <a:r>
+              <a:rPr lang="en-US" dirty="0"/>
+              <a:t>Request queue</a:t>
+            </a:r>
+          </a:p>
+        </p:txBody>
+      </p:sp>
+      <p:cxnSp>
+        <p:nvCxnSpPr>
+          <p:cNvPr id="29" name="Straight Arrow Connector 28" descr="async">
+            <a:extLst>
+              <a:ext uri="{FF2B5EF4-FFF2-40B4-BE49-F238E27FC236}">
+                <a16:creationId xmlns:a16="http://schemas.microsoft.com/office/drawing/2014/main" id="{1D69A753-2869-4E3D-8DAD-296DC401FF3A}"/>
+              </a:ext>
+            </a:extLst>
+          </p:cNvPr>
+          <p:cNvCxnSpPr>
+            <a:cxnSpLocks/>
+            <a:stCxn id="7" idx="3"/>
+            <a:endCxn id="27" idx="3"/>
+          </p:cNvCxnSpPr>
+          <p:nvPr/>
+        </p:nvCxnSpPr>
+        <p:spPr>
+          <a:xfrm>
+            <a:off x="8135194" y="1167276"/>
+            <a:ext cx="756443" cy="295141"/>
+          </a:xfrm>
+          <a:prstGeom prst="straightConnector1">
+            <a:avLst/>
+          </a:prstGeom>
+          <a:ln>
+            <a:tailEnd type="triangle"/>
+          </a:ln>
+        </p:spPr>
+        <p:style>
+          <a:lnRef idx="1">
+            <a:schemeClr val="accent1"/>
+          </a:lnRef>
+          <a:fillRef idx="0">
+            <a:schemeClr val="accent1"/>
+          </a:fillRef>
+          <a:effectRef idx="0">
+            <a:schemeClr val="accent1"/>
+          </a:effectRef>
+          <a:fontRef idx="minor">
+            <a:schemeClr val="tx1"/>
+          </a:fontRef>
+        </p:style>
+      </p:cxnSp>
+      <p:cxnSp>
+        <p:nvCxnSpPr>
+          <p:cNvPr id="32" name="Straight Arrow Connector 31">
+            <a:extLst>
+              <a:ext uri="{FF2B5EF4-FFF2-40B4-BE49-F238E27FC236}">
+                <a16:creationId xmlns:a16="http://schemas.microsoft.com/office/drawing/2014/main" id="{C473AEDE-DC81-436A-BA5A-A9A6E29D06E9}"/>
+              </a:ext>
+            </a:extLst>
+          </p:cNvPr>
+          <p:cNvCxnSpPr>
+            <a:cxnSpLocks/>
+            <a:stCxn id="27" idx="2"/>
+            <a:endCxn id="18" idx="0"/>
+          </p:cNvCxnSpPr>
+          <p:nvPr/>
+        </p:nvCxnSpPr>
+        <p:spPr>
+          <a:xfrm flipH="1">
+            <a:off x="8012388" y="1851846"/>
+            <a:ext cx="1073964" cy="955653"/>
+          </a:xfrm>
+          <a:prstGeom prst="straightConnector1">
+            <a:avLst/>
+          </a:prstGeom>
+          <a:ln>
+            <a:tailEnd type="triangle"/>
+          </a:ln>
+        </p:spPr>
+        <p:style>
+          <a:lnRef idx="1">
+            <a:schemeClr val="accent1"/>
+          </a:lnRef>
+          <a:fillRef idx="0">
+            <a:schemeClr val="accent1"/>
+          </a:fillRef>
+          <a:effectRef idx="0">
+            <a:schemeClr val="accent1"/>
+          </a:effectRef>
+          <a:fontRef idx="minor">
+            <a:schemeClr val="tx1"/>
+          </a:fontRef>
+        </p:style>
+      </p:cxnSp>
+      <p:cxnSp>
+        <p:nvCxnSpPr>
+          <p:cNvPr id="36" name="Straight Arrow Connector 35">
+            <a:extLst>
+              <a:ext uri="{FF2B5EF4-FFF2-40B4-BE49-F238E27FC236}">
+                <a16:creationId xmlns:a16="http://schemas.microsoft.com/office/drawing/2014/main" id="{D0A556BE-B0E6-4131-A95E-438627BF86A8}"/>
+              </a:ext>
+            </a:extLst>
+          </p:cNvPr>
+          <p:cNvCxnSpPr>
+            <a:cxnSpLocks/>
+            <a:stCxn id="7" idx="2"/>
+            <a:endCxn id="18" idx="0"/>
+          </p:cNvCxnSpPr>
+          <p:nvPr/>
+        </p:nvCxnSpPr>
+        <p:spPr>
+          <a:xfrm>
+            <a:off x="7200564" y="1507141"/>
+            <a:ext cx="811824" cy="1300358"/>
+          </a:xfrm>
+          <a:prstGeom prst="straightConnector1">
+            <a:avLst/>
+          </a:prstGeom>
+          <a:ln>
+            <a:tailEnd type="triangle"/>
+          </a:ln>
+        </p:spPr>
+        <p:style>
+          <a:lnRef idx="1">
+            <a:schemeClr val="accent1"/>
+          </a:lnRef>
+          <a:fillRef idx="0">
+            <a:schemeClr val="accent1"/>
+          </a:fillRef>
+          <a:effectRef idx="0">
+            <a:schemeClr val="accent1"/>
+          </a:effectRef>
+          <a:fontRef idx="minor">
+            <a:schemeClr val="tx1"/>
+          </a:fontRef>
+        </p:style>
+      </p:cxnSp>
+      <p:cxnSp>
+        <p:nvCxnSpPr>
+          <p:cNvPr id="49" name="Straight Arrow Connector 48">
+            <a:extLst>
+              <a:ext uri="{FF2B5EF4-FFF2-40B4-BE49-F238E27FC236}">
+                <a16:creationId xmlns:a16="http://schemas.microsoft.com/office/drawing/2014/main" id="{57C2E06F-5DD9-4E1F-9BFC-DDAAE7139D89}"/>
+              </a:ext>
+            </a:extLst>
+          </p:cNvPr>
+          <p:cNvCxnSpPr>
+            <a:cxnSpLocks/>
+            <a:stCxn id="18" idx="6"/>
+          </p:cNvCxnSpPr>
+          <p:nvPr/>
+        </p:nvCxnSpPr>
+        <p:spPr>
+          <a:xfrm>
+            <a:off x="8849914" y="3204009"/>
+            <a:ext cx="1681156" cy="32804"/>
+          </a:xfrm>
+          <a:prstGeom prst="straightConnector1">
+            <a:avLst/>
+          </a:prstGeom>
+          <a:ln>
+            <a:headEnd type="triangle"/>
+            <a:tailEnd type="triangle"/>
+          </a:ln>
+        </p:spPr>
+        <p:style>
+          <a:lnRef idx="1">
+            <a:schemeClr val="accent1"/>
+          </a:lnRef>
+          <a:fillRef idx="0">
+            <a:schemeClr val="accent1"/>
+          </a:fillRef>
+          <a:effectRef idx="0">
+            <a:schemeClr val="accent1"/>
+          </a:effectRef>
+          <a:fontRef idx="minor">
+            <a:schemeClr val="tx1"/>
+          </a:fontRef>
+        </p:style>
+      </p:cxnSp>
+      <p:sp>
+        <p:nvSpPr>
+          <p:cNvPr id="50" name="TextBox 49">
+            <a:extLst>
+              <a:ext uri="{FF2B5EF4-FFF2-40B4-BE49-F238E27FC236}">
+                <a16:creationId xmlns:a16="http://schemas.microsoft.com/office/drawing/2014/main" id="{04EEA221-C774-41BE-9072-E9EE95811FA6}"/>
+              </a:ext>
+            </a:extLst>
+          </p:cNvPr>
+          <p:cNvSpPr txBox="1"/>
+          <p:nvPr/>
+        </p:nvSpPr>
+        <p:spPr>
+          <a:xfrm>
+            <a:off x="2638004" y="5923370"/>
+            <a:ext cx="2832212" cy="679731"/>
+          </a:xfrm>
+          <a:prstGeom prst="rect">
+            <a:avLst/>
+          </a:prstGeom>
+          <a:noFill/>
+        </p:spPr>
+        <p:txBody>
+          <a:bodyPr wrap="square" rtlCol="0">
+            <a:spAutoFit/>
+          </a:bodyPr>
+          <a:lstStyle/>
+          <a:p>
+            <a:endParaRPr lang="en-US" dirty="0"/>
+          </a:p>
+        </p:txBody>
+      </p:sp>
+      <p:sp>
+        <p:nvSpPr>
+          <p:cNvPr id="83" name="TextBox 82">
+            <a:extLst>
+              <a:ext uri="{FF2B5EF4-FFF2-40B4-BE49-F238E27FC236}">
+                <a16:creationId xmlns:a16="http://schemas.microsoft.com/office/drawing/2014/main" id="{BA4DADE9-4C8A-4E96-9F7F-1041ADAFC658}"/>
+              </a:ext>
+            </a:extLst>
+          </p:cNvPr>
+          <p:cNvSpPr txBox="1"/>
+          <p:nvPr/>
+        </p:nvSpPr>
+        <p:spPr>
+          <a:xfrm>
+            <a:off x="2941794" y="5785012"/>
+            <a:ext cx="4041633" cy="461665"/>
+          </a:xfrm>
+          <a:prstGeom prst="rect">
+            <a:avLst/>
+          </a:prstGeom>
+          <a:noFill/>
+        </p:spPr>
+        <p:txBody>
+          <a:bodyPr wrap="square" rtlCol="0">
+            <a:spAutoFit/>
+          </a:bodyPr>
+          <a:lstStyle/>
+          <a:p>
+            <a:r>
+              <a:rPr lang="en-US" sz="2400" b="1" dirty="0"/>
+              <a:t>Common Architecture</a:t>
+            </a:r>
+          </a:p>
+        </p:txBody>
+      </p:sp>
+    </p:spTree>
+    <p:extLst>
+      <p:ext uri="{BB962C8B-B14F-4D97-AF65-F5344CB8AC3E}">
+        <p14:creationId xmlns:p14="http://schemas.microsoft.com/office/powerpoint/2010/main" val="2896029087"/>
+      </p:ext>
+    </p:extLst>
+  </p:cSld>
+  <p:clrMapOvr>
+    <a:masterClrMapping/>
+  </p:clrMapOvr>
+</p:sld>
+</file>
+
+<file path=ppt/slides/slide5.xml><?xml version="1.0" encoding="utf-8"?>
+<p:sld xmlns:a="http://schemas.openxmlformats.org/drawingml/2006/main" xmlns:r="http://schemas.openxmlformats.org/officeDocument/2006/relationships" xmlns:p="http://schemas.openxmlformats.org/presentationml/2006/main">
+  <p:cSld>
+    <p:spTree>
+      <p:nvGrpSpPr>
+        <p:cNvPr id="1" name=""/>
+        <p:cNvGrpSpPr/>
+        <p:nvPr/>
+      </p:nvGrpSpPr>
+      <p:grpSpPr>
+        <a:xfrm>
+          <a:off x="0" y="0"/>
+          <a:ext cx="0" cy="0"/>
+          <a:chOff x="0" y="0"/>
+          <a:chExt cx="0" cy="0"/>
+        </a:xfrm>
+      </p:grpSpPr>
+      <p:pic>
+        <p:nvPicPr>
+          <p:cNvPr id="1026" name="Picture 2" descr="No alternative text description for this image">
+            <a:extLst>
+              <a:ext uri="{FF2B5EF4-FFF2-40B4-BE49-F238E27FC236}">
+                <a16:creationId xmlns:a16="http://schemas.microsoft.com/office/drawing/2014/main" id="{FA258C2C-732D-B18B-4738-B503E8C32760}"/>
+              </a:ext>
+            </a:extLst>
+          </p:cNvPr>
+          <p:cNvPicPr>
+            <a:picLocks noChangeAspect="1" noChangeArrowheads="1"/>
+          </p:cNvPicPr>
+          <p:nvPr/>
+        </p:nvPicPr>
+        <p:blipFill>
+          <a:blip r:embed="rId2">
+            <a:extLst>
+              <a:ext uri="{28A0092B-C50C-407E-A947-70E740481C1C}">
+                <a14:useLocalDpi xmlns:a14="http://schemas.microsoft.com/office/drawing/2010/main" val="0"/>
+              </a:ext>
+            </a:extLst>
+          </a:blip>
+          <a:srcRect/>
+          <a:stretch>
+            <a:fillRect/>
+          </a:stretch>
+        </p:blipFill>
+        <p:spPr bwMode="auto">
+          <a:xfrm>
+            <a:off x="2091791" y="583944"/>
+            <a:ext cx="9010481" cy="5958180"/>
+          </a:xfrm>
+          <a:prstGeom prst="rect">
+            <a:avLst/>
+          </a:prstGeom>
+          <a:noFill/>
+          <a:extLst>
+            <a:ext uri="{909E8E84-426E-40DD-AFC4-6F175D3DCCD1}">
+              <a14:hiddenFill xmlns:a14="http://schemas.microsoft.com/office/drawing/2010/main">
+                <a:solidFill>
+                  <a:srgbClr val="FFFFFF"/>
+                </a:solidFill>
+              </a14:hiddenFill>
+            </a:ext>
+          </a:extLst>
+        </p:spPr>
+      </p:pic>
+    </p:spTree>
+    <p:extLst>
+      <p:ext uri="{BB962C8B-B14F-4D97-AF65-F5344CB8AC3E}">
+        <p14:creationId xmlns:p14="http://schemas.microsoft.com/office/powerpoint/2010/main" val="605676225"/>
+      </p:ext>
+    </p:extLst>
+  </p:cSld>
+  <p:clrMapOvr>
+    <a:masterClrMapping/>
+  </p:clrMapOvr>
+</p:sld>
+</file>
+
+<file path=ppt/slides/slide6.xml><?xml version="1.0" encoding="utf-8"?>
+<p:sld xmlns:a="http://schemas.openxmlformats.org/drawingml/2006/main" xmlns:r="http://schemas.openxmlformats.org/officeDocument/2006/relationships" xmlns:p="http://schemas.openxmlformats.org/presentationml/2006/main">
+  <p:cSld>
+    <p:spTree>
+      <p:nvGrpSpPr>
+        <p:cNvPr id="1" name=""/>
+        <p:cNvGrpSpPr/>
+        <p:nvPr/>
+      </p:nvGrpSpPr>
+      <p:grpSpPr>
+        <a:xfrm>
+          <a:off x="0" y="0"/>
+          <a:ext cx="0" cy="0"/>
+          <a:chOff x="0" y="0"/>
+          <a:chExt cx="0" cy="0"/>
+        </a:xfrm>
+      </p:grpSpPr>
+      <p:pic>
+        <p:nvPicPr>
+          <p:cNvPr id="4098" name="Picture 2" descr="Real Time Processing Architecture">
+            <a:extLst>
+              <a:ext uri="{FF2B5EF4-FFF2-40B4-BE49-F238E27FC236}">
+                <a16:creationId xmlns:a16="http://schemas.microsoft.com/office/drawing/2014/main" id="{094F914F-ACAB-26C3-1AE3-DBE168FC88A9}"/>
+              </a:ext>
+            </a:extLst>
+          </p:cNvPr>
+          <p:cNvPicPr>
+            <a:picLocks noChangeAspect="1" noChangeArrowheads="1"/>
+          </p:cNvPicPr>
+          <p:nvPr/>
+        </p:nvPicPr>
+        <p:blipFill>
+          <a:blip r:embed="rId2">
+            <a:extLst>
+              <a:ext uri="{28A0092B-C50C-407E-A947-70E740481C1C}">
+                <a14:useLocalDpi xmlns:a14="http://schemas.microsoft.com/office/drawing/2010/main" val="0"/>
+              </a:ext>
+            </a:extLst>
+          </a:blip>
+          <a:srcRect/>
+          <a:stretch>
+            <a:fillRect/>
+          </a:stretch>
+        </p:blipFill>
+        <p:spPr bwMode="auto">
+          <a:xfrm>
+            <a:off x="33338" y="0"/>
+            <a:ext cx="12125325" cy="6858000"/>
+          </a:xfrm>
+          <a:prstGeom prst="rect">
+            <a:avLst/>
+          </a:prstGeom>
+          <a:noFill/>
+          <a:extLst>
+            <a:ext uri="{909E8E84-426E-40DD-AFC4-6F175D3DCCD1}">
+              <a14:hiddenFill xmlns:a14="http://schemas.microsoft.com/office/drawing/2010/main">
+                <a:solidFill>
+                  <a:srgbClr val="FFFFFF"/>
+                </a:solidFill>
+              </a14:hiddenFill>
+            </a:ext>
+          </a:extLst>
+        </p:spPr>
+      </p:pic>
+    </p:spTree>
+    <p:extLst>
+      <p:ext uri="{BB962C8B-B14F-4D97-AF65-F5344CB8AC3E}">
+        <p14:creationId xmlns:p14="http://schemas.microsoft.com/office/powerpoint/2010/main" val="1030734348"/>
+      </p:ext>
+    </p:extLst>
+  </p:cSld>
+  <p:clrMapOvr>
+    <a:masterClrMapping/>
+  </p:clrMapOvr>
+</p:sld>
+</file>
+
+<file path=ppt/slides/slide7.xml><?xml version="1.0" encoding="utf-8"?>
+<p:sld xmlns:a="http://schemas.openxmlformats.org/drawingml/2006/main" xmlns:r="http://schemas.openxmlformats.org/officeDocument/2006/relationships" xmlns:p="http://schemas.openxmlformats.org/presentationml/2006/main">
+  <p:cSld>
+    <p:spTree>
+      <p:nvGrpSpPr>
+        <p:cNvPr id="1" name=""/>
+        <p:cNvGrpSpPr/>
+        <p:nvPr/>
+      </p:nvGrpSpPr>
+      <p:grpSpPr>
+        <a:xfrm>
+          <a:off x="0" y="0"/>
+          <a:ext cx="0" cy="0"/>
+          <a:chOff x="0" y="0"/>
+          <a:chExt cx="0" cy="0"/>
+        </a:xfrm>
+      </p:grpSpPr>
+      <p:pic>
+        <p:nvPicPr>
+          <p:cNvPr id="5124" name="Picture 4" descr="Top 6 Load Balancing Algorithms Every Developer Should Know - YouTube">
+            <a:extLst>
+              <a:ext uri="{FF2B5EF4-FFF2-40B4-BE49-F238E27FC236}">
+                <a16:creationId xmlns:a16="http://schemas.microsoft.com/office/drawing/2014/main" id="{39A597BC-7982-E18C-48B4-305E4BC346ED}"/>
+              </a:ext>
+            </a:extLst>
+          </p:cNvPr>
+          <p:cNvPicPr>
+            <a:picLocks noChangeAspect="1" noChangeArrowheads="1"/>
+          </p:cNvPicPr>
+          <p:nvPr/>
+        </p:nvPicPr>
+        <p:blipFill>
+          <a:blip r:embed="rId2">
+            <a:extLst>
+              <a:ext uri="{28A0092B-C50C-407E-A947-70E740481C1C}">
+                <a14:useLocalDpi xmlns:a14="http://schemas.microsoft.com/office/drawing/2010/main" val="0"/>
+              </a:ext>
+            </a:extLst>
+          </a:blip>
+          <a:srcRect/>
+          <a:stretch>
+            <a:fillRect/>
+          </a:stretch>
+        </p:blipFill>
+        <p:spPr bwMode="auto">
+          <a:xfrm>
+            <a:off x="0" y="0"/>
+            <a:ext cx="12192000" cy="6858000"/>
+          </a:xfrm>
+          <a:prstGeom prst="rect">
+            <a:avLst/>
+          </a:prstGeom>
+          <a:noFill/>
+          <a:extLst>
+            <a:ext uri="{909E8E84-426E-40DD-AFC4-6F175D3DCCD1}">
+              <a14:hiddenFill xmlns:a14="http://schemas.microsoft.com/office/drawing/2010/main">
+                <a:solidFill>
+                  <a:srgbClr val="FFFFFF"/>
+                </a:solidFill>
+              </a14:hiddenFill>
+            </a:ext>
+          </a:extLst>
+        </p:spPr>
+      </p:pic>
+    </p:spTree>
+    <p:extLst>
+      <p:ext uri="{BB962C8B-B14F-4D97-AF65-F5344CB8AC3E}">
+        <p14:creationId xmlns:p14="http://schemas.microsoft.com/office/powerpoint/2010/main" val="3562063579"/>
+      </p:ext>
+    </p:extLst>
+  </p:cSld>
+  <p:clrMapOvr>
+    <a:masterClrMapping/>
+  </p:clrMapOvr>
+</p:sld>
+</file>
+
+<file path=ppt/slides/slide8.xml><?xml version="1.0" encoding="utf-8"?>
+<p:sld xmlns:a="http://schemas.openxmlformats.org/drawingml/2006/main" xmlns:r="http://schemas.openxmlformats.org/officeDocument/2006/relationships" xmlns:p="http://schemas.openxmlformats.org/presentationml/2006/main">
+  <p:cSld>
+    <p:spTree>
+      <p:nvGrpSpPr>
+        <p:cNvPr id="1" name=""/>
+        <p:cNvGrpSpPr/>
+        <p:nvPr/>
+      </p:nvGrpSpPr>
+      <p:grpSpPr>
+        <a:xfrm>
+          <a:off x="0" y="0"/>
+          <a:ext cx="0" cy="0"/>
+          <a:chOff x="0" y="0"/>
+          <a:chExt cx="0" cy="0"/>
+        </a:xfrm>
+      </p:grpSpPr>
+      <p:pic>
+        <p:nvPicPr>
+          <p:cNvPr id="3074" name="Picture 2" descr="Top 5 Most Used Architecture Patterns - YouTube">
+            <a:extLst>
+              <a:ext uri="{FF2B5EF4-FFF2-40B4-BE49-F238E27FC236}">
+                <a16:creationId xmlns:a16="http://schemas.microsoft.com/office/drawing/2014/main" id="{E22DD2C2-C5B7-AC63-760D-A461387E5E5B}"/>
+              </a:ext>
+            </a:extLst>
+          </p:cNvPr>
+          <p:cNvPicPr>
+            <a:picLocks noChangeAspect="1" noChangeArrowheads="1"/>
+          </p:cNvPicPr>
+          <p:nvPr/>
+        </p:nvPicPr>
+        <p:blipFill>
+          <a:blip r:embed="rId2">
+            <a:extLst>
+              <a:ext uri="{28A0092B-C50C-407E-A947-70E740481C1C}">
+                <a14:useLocalDpi xmlns:a14="http://schemas.microsoft.com/office/drawing/2010/main" val="0"/>
+              </a:ext>
+            </a:extLst>
+          </a:blip>
+          <a:srcRect/>
+          <a:stretch>
+            <a:fillRect/>
+          </a:stretch>
+        </p:blipFill>
+        <p:spPr bwMode="auto">
+          <a:xfrm>
+            <a:off x="0" y="0"/>
+            <a:ext cx="12192000" cy="6858000"/>
+          </a:xfrm>
+          <a:prstGeom prst="rect">
+            <a:avLst/>
+          </a:prstGeom>
+          <a:noFill/>
+          <a:extLst>
+            <a:ext uri="{909E8E84-426E-40DD-AFC4-6F175D3DCCD1}">
+              <a14:hiddenFill xmlns:a14="http://schemas.microsoft.com/office/drawing/2010/main">
+                <a:solidFill>
+                  <a:srgbClr val="FFFFFF"/>
+                </a:solidFill>
+              </a14:hiddenFill>
+            </a:ext>
+          </a:extLst>
+        </p:spPr>
+      </p:pic>
+    </p:spTree>
+    <p:extLst>
+      <p:ext uri="{BB962C8B-B14F-4D97-AF65-F5344CB8AC3E}">
+        <p14:creationId xmlns:p14="http://schemas.microsoft.com/office/powerpoint/2010/main" val="3296581792"/>
+      </p:ext>
+    </p:extLst>
+  </p:cSld>
+  <p:clrMapOvr>
+    <a:masterClrMapping/>
+  </p:clrMapOvr>
+</p:sld>
+</file>
+
+<file path=ppt/slides/slide9.xml><?xml version="1.0" encoding="utf-8"?>
+<p:sld xmlns:a="http://schemas.openxmlformats.org/drawingml/2006/main" xmlns:r="http://schemas.openxmlformats.org/officeDocument/2006/relationships" xmlns:p="http://schemas.openxmlformats.org/presentationml/2006/main">
+  <p:cSld>
+    <p:spTree>
+      <p:nvGrpSpPr>
+        <p:cNvPr id="1" name=""/>
+        <p:cNvGrpSpPr/>
+        <p:nvPr/>
+      </p:nvGrpSpPr>
+      <p:grpSpPr>
+        <a:xfrm>
+          <a:off x="0" y="0"/>
+          <a:ext cx="0" cy="0"/>
+          <a:chOff x="0" y="0"/>
+          <a:chExt cx="0" cy="0"/>
+        </a:xfrm>
+      </p:grpSpPr>
+      <p:pic>
+        <p:nvPicPr>
+          <p:cNvPr id="6146" name="Picture 2">
+            <a:extLst>
+              <a:ext uri="{FF2B5EF4-FFF2-40B4-BE49-F238E27FC236}">
+                <a16:creationId xmlns:a16="http://schemas.microsoft.com/office/drawing/2014/main" id="{A6DAEB2D-AFAE-E497-6DD9-45735E1835FA}"/>
+              </a:ext>
+            </a:extLst>
+          </p:cNvPr>
+          <p:cNvPicPr>
+            <a:picLocks noChangeAspect="1" noChangeArrowheads="1"/>
+          </p:cNvPicPr>
+          <p:nvPr/>
+        </p:nvPicPr>
+        <p:blipFill>
+          <a:blip r:embed="rId2">
+            <a:extLst>
+              <a:ext uri="{28A0092B-C50C-407E-A947-70E740481C1C}">
+                <a14:useLocalDpi xmlns:a14="http://schemas.microsoft.com/office/drawing/2010/main" val="0"/>
+              </a:ext>
+            </a:extLst>
+          </a:blip>
+          <a:srcRect/>
+          <a:stretch>
+            <a:fillRect/>
+          </a:stretch>
+        </p:blipFill>
+        <p:spPr bwMode="auto">
+          <a:xfrm>
+            <a:off x="2206625" y="0"/>
+            <a:ext cx="7777163" cy="6858000"/>
+          </a:xfrm>
+          <a:prstGeom prst="rect">
+            <a:avLst/>
+          </a:prstGeom>
+          <a:noFill/>
+          <a:extLst>
+            <a:ext uri="{909E8E84-426E-40DD-AFC4-6F175D3DCCD1}">
+              <a14:hiddenFill xmlns:a14="http://schemas.microsoft.com/office/drawing/2010/main">
+                <a:solidFill>
+                  <a:srgbClr val="FFFFFF"/>
+                </a:solidFill>
+              </a14:hiddenFill>
+            </a:ext>
+          </a:extLst>
+        </p:spPr>
+      </p:pic>
+    </p:spTree>
+    <p:extLst>
+      <p:ext uri="{BB962C8B-B14F-4D97-AF65-F5344CB8AC3E}">
+        <p14:creationId xmlns:p14="http://schemas.microsoft.com/office/powerpoint/2010/main" val="978110786"/>
       </p:ext>
     </p:extLst>
   </p:cSld>

--- a/Cloud/Design Principle.pptx
+++ b/Cloud/Design Principle.pptx
@@ -5,7 +5,7 @@
     <p:sldMasterId id="2147483648" r:id="rId1"/>
   </p:sldMasterIdLst>
   <p:notesMasterIdLst>
-    <p:notesMasterId r:id="rId21"/>
+    <p:notesMasterId r:id="rId23"/>
   </p:notesMasterIdLst>
   <p:sldIdLst>
     <p:sldId id="256" r:id="rId2"/>
@@ -16,17 +16,19 @@
     <p:sldId id="274" r:id="rId7"/>
     <p:sldId id="275" r:id="rId8"/>
     <p:sldId id="273" r:id="rId9"/>
-    <p:sldId id="276" r:id="rId10"/>
-    <p:sldId id="259" r:id="rId11"/>
-    <p:sldId id="261" r:id="rId12"/>
-    <p:sldId id="262" r:id="rId13"/>
-    <p:sldId id="267" r:id="rId14"/>
-    <p:sldId id="268" r:id="rId15"/>
-    <p:sldId id="263" r:id="rId16"/>
-    <p:sldId id="264" r:id="rId17"/>
-    <p:sldId id="265" r:id="rId18"/>
-    <p:sldId id="269" r:id="rId19"/>
-    <p:sldId id="266" r:id="rId20"/>
+    <p:sldId id="277" r:id="rId10"/>
+    <p:sldId id="276" r:id="rId11"/>
+    <p:sldId id="278" r:id="rId12"/>
+    <p:sldId id="259" r:id="rId13"/>
+    <p:sldId id="261" r:id="rId14"/>
+    <p:sldId id="262" r:id="rId15"/>
+    <p:sldId id="267" r:id="rId16"/>
+    <p:sldId id="268" r:id="rId17"/>
+    <p:sldId id="263" r:id="rId18"/>
+    <p:sldId id="264" r:id="rId19"/>
+    <p:sldId id="265" r:id="rId20"/>
+    <p:sldId id="269" r:id="rId21"/>
+    <p:sldId id="266" r:id="rId22"/>
   </p:sldIdLst>
   <p:sldSz cx="12192000" cy="6858000"/>
   <p:notesSz cx="6858000" cy="9144000"/>
@@ -22957,7 +22959,7 @@
           <a:p>
             <a:fld id="{AFCD47C7-CE9A-47E3-873C-B88942A7EEC6}" type="datetimeFigureOut">
               <a:rPr lang="en-US" smtClean="0"/>
-              <a:t>10/28/2023</a:t>
+              <a:t>12/28/2023</a:t>
             </a:fld>
             <a:endParaRPr lang="en-US"/>
           </a:p>
@@ -23581,7 +23583,7 @@
             <a:fld id="{B61BEF0D-F0BB-DE4B-95CE-6DB70DBA9567}" type="datetimeFigureOut">
               <a:rPr lang="en-US" dirty="0"/>
               <a:pPr/>
-              <a:t>10/28/2023</a:t>
+              <a:t>12/28/2023</a:t>
             </a:fld>
             <a:endParaRPr lang="en-US" dirty="0"/>
           </a:p>
@@ -23916,7 +23918,7 @@
             <a:fld id="{B61BEF0D-F0BB-DE4B-95CE-6DB70DBA9567}" type="datetimeFigureOut">
               <a:rPr lang="en-US" dirty="0"/>
               <a:pPr/>
-              <a:t>10/28/2023</a:t>
+              <a:t>12/28/2023</a:t>
             </a:fld>
             <a:endParaRPr lang="en-US" dirty="0"/>
           </a:p>
@@ -24314,7 +24316,7 @@
             <a:fld id="{B61BEF0D-F0BB-DE4B-95CE-6DB70DBA9567}" type="datetimeFigureOut">
               <a:rPr lang="en-US" dirty="0"/>
               <a:pPr/>
-              <a:t>10/28/2023</a:t>
+              <a:t>12/28/2023</a:t>
             </a:fld>
             <a:endParaRPr lang="en-US" dirty="0"/>
           </a:p>
@@ -24647,7 +24649,7 @@
             <a:fld id="{B61BEF0D-F0BB-DE4B-95CE-6DB70DBA9567}" type="datetimeFigureOut">
               <a:rPr lang="en-US" dirty="0"/>
               <a:pPr/>
-              <a:t>10/28/2023</a:t>
+              <a:t>12/28/2023</a:t>
             </a:fld>
             <a:endParaRPr lang="en-US" dirty="0"/>
           </a:p>
@@ -24964,7 +24966,7 @@
             <a:fld id="{B61BEF0D-F0BB-DE4B-95CE-6DB70DBA9567}" type="datetimeFigureOut">
               <a:rPr lang="en-US" dirty="0"/>
               <a:pPr/>
-              <a:t>10/28/2023</a:t>
+              <a:t>12/28/2023</a:t>
             </a:fld>
             <a:endParaRPr lang="en-US" dirty="0"/>
           </a:p>
@@ -25357,7 +25359,7 @@
             <a:fld id="{B61BEF0D-F0BB-DE4B-95CE-6DB70DBA9567}" type="datetimeFigureOut">
               <a:rPr lang="en-US" dirty="0"/>
               <a:pPr/>
-              <a:t>10/28/2023</a:t>
+              <a:t>12/28/2023</a:t>
             </a:fld>
             <a:endParaRPr lang="en-US" dirty="0"/>
           </a:p>
@@ -25611,7 +25613,7 @@
             <a:fld id="{B61BEF0D-F0BB-DE4B-95CE-6DB70DBA9567}" type="datetimeFigureOut">
               <a:rPr lang="en-US" dirty="0"/>
               <a:pPr/>
-              <a:t>10/28/2023</a:t>
+              <a:t>12/28/2023</a:t>
             </a:fld>
             <a:endParaRPr lang="en-US" dirty="0"/>
           </a:p>
@@ -25870,7 +25872,7 @@
             <a:fld id="{B61BEF0D-F0BB-DE4B-95CE-6DB70DBA9567}" type="datetimeFigureOut">
               <a:rPr lang="en-US" dirty="0"/>
               <a:pPr/>
-              <a:t>10/28/2023</a:t>
+              <a:t>12/28/2023</a:t>
             </a:fld>
             <a:endParaRPr lang="en-US" dirty="0"/>
           </a:p>
@@ -26129,7 +26131,7 @@
             <a:fld id="{B61BEF0D-F0BB-DE4B-95CE-6DB70DBA9567}" type="datetimeFigureOut">
               <a:rPr lang="en-US" dirty="0"/>
               <a:pPr/>
-              <a:t>10/28/2023</a:t>
+              <a:t>12/28/2023</a:t>
             </a:fld>
             <a:endParaRPr lang="en-US" dirty="0"/>
           </a:p>
@@ -26455,7 +26457,7 @@
             <a:fld id="{B61BEF0D-F0BB-DE4B-95CE-6DB70DBA9567}" type="datetimeFigureOut">
               <a:rPr lang="en-US" dirty="0"/>
               <a:pPr/>
-              <a:t>10/28/2023</a:t>
+              <a:t>12/28/2023</a:t>
             </a:fld>
             <a:endParaRPr lang="en-US" dirty="0"/>
           </a:p>
@@ -26775,7 +26777,7 @@
             <a:fld id="{B61BEF0D-F0BB-DE4B-95CE-6DB70DBA9567}" type="datetimeFigureOut">
               <a:rPr lang="en-US" dirty="0"/>
               <a:pPr/>
-              <a:t>10/28/2023</a:t>
+              <a:t>12/28/2023</a:t>
             </a:fld>
             <a:endParaRPr lang="en-US" dirty="0"/>
           </a:p>
@@ -27229,7 +27231,7 @@
             <a:fld id="{B61BEF0D-F0BB-DE4B-95CE-6DB70DBA9567}" type="datetimeFigureOut">
               <a:rPr lang="en-US" dirty="0"/>
               <a:pPr/>
-              <a:t>10/28/2023</a:t>
+              <a:t>12/28/2023</a:t>
             </a:fld>
             <a:endParaRPr lang="en-US" dirty="0"/>
           </a:p>
@@ -27431,7 +27433,7 @@
             <a:fld id="{B61BEF0D-F0BB-DE4B-95CE-6DB70DBA9567}" type="datetimeFigureOut">
               <a:rPr lang="en-US" dirty="0"/>
               <a:pPr/>
-              <a:t>10/28/2023</a:t>
+              <a:t>12/28/2023</a:t>
             </a:fld>
             <a:endParaRPr lang="en-US" dirty="0"/>
           </a:p>
@@ -27605,7 +27607,7 @@
             <a:fld id="{B61BEF0D-F0BB-DE4B-95CE-6DB70DBA9567}" type="datetimeFigureOut">
               <a:rPr lang="en-US" dirty="0"/>
               <a:pPr/>
-              <a:t>10/28/2023</a:t>
+              <a:t>12/28/2023</a:t>
             </a:fld>
             <a:endParaRPr lang="en-US" dirty="0"/>
           </a:p>
@@ -27935,7 +27937,7 @@
             <a:fld id="{B61BEF0D-F0BB-DE4B-95CE-6DB70DBA9567}" type="datetimeFigureOut">
               <a:rPr lang="en-US" dirty="0"/>
               <a:pPr/>
-              <a:t>10/28/2023</a:t>
+              <a:t>12/28/2023</a:t>
             </a:fld>
             <a:endParaRPr lang="en-US" dirty="0"/>
           </a:p>
@@ -28277,7 +28279,7 @@
             <a:fld id="{B61BEF0D-F0BB-DE4B-95CE-6DB70DBA9567}" type="datetimeFigureOut">
               <a:rPr lang="en-US" dirty="0"/>
               <a:pPr/>
-              <a:t>10/28/2023</a:t>
+              <a:t>12/28/2023</a:t>
             </a:fld>
             <a:endParaRPr lang="en-US" dirty="0"/>
           </a:p>
@@ -30391,7 +30393,7 @@
             <a:fld id="{B61BEF0D-F0BB-DE4B-95CE-6DB70DBA9567}" type="datetimeFigureOut">
               <a:rPr lang="en-US" dirty="0"/>
               <a:pPr/>
-              <a:t>10/28/2023</a:t>
+              <a:t>12/28/2023</a:t>
             </a:fld>
             <a:endParaRPr lang="en-US" dirty="0"/>
           </a:p>
@@ -30977,6 +30979,160 @@
 <file path=ppt/slides/slide10.xml><?xml version="1.0" encoding="utf-8"?>
 <p:sld xmlns:a="http://schemas.openxmlformats.org/drawingml/2006/main" xmlns:r="http://schemas.openxmlformats.org/officeDocument/2006/relationships" xmlns:p="http://schemas.openxmlformats.org/presentationml/2006/main">
   <p:cSld>
+    <p:spTree>
+      <p:nvGrpSpPr>
+        <p:cNvPr id="1" name=""/>
+        <p:cNvGrpSpPr/>
+        <p:nvPr/>
+      </p:nvGrpSpPr>
+      <p:grpSpPr>
+        <a:xfrm>
+          <a:off x="0" y="0"/>
+          <a:ext cx="0" cy="0"/>
+          <a:chOff x="0" y="0"/>
+          <a:chExt cx="0" cy="0"/>
+        </a:xfrm>
+      </p:grpSpPr>
+      <p:pic>
+        <p:nvPicPr>
+          <p:cNvPr id="6146" name="Picture 2">
+            <a:extLst>
+              <a:ext uri="{FF2B5EF4-FFF2-40B4-BE49-F238E27FC236}">
+                <a16:creationId xmlns:a16="http://schemas.microsoft.com/office/drawing/2014/main" id="{A6DAEB2D-AFAE-E497-6DD9-45735E1835FA}"/>
+              </a:ext>
+            </a:extLst>
+          </p:cNvPr>
+          <p:cNvPicPr>
+            <a:picLocks noChangeAspect="1" noChangeArrowheads="1"/>
+          </p:cNvPicPr>
+          <p:nvPr/>
+        </p:nvPicPr>
+        <p:blipFill>
+          <a:blip r:embed="rId2">
+            <a:extLst>
+              <a:ext uri="{28A0092B-C50C-407E-A947-70E740481C1C}">
+                <a14:useLocalDpi xmlns:a14="http://schemas.microsoft.com/office/drawing/2010/main" val="0"/>
+              </a:ext>
+            </a:extLst>
+          </a:blip>
+          <a:srcRect/>
+          <a:stretch>
+            <a:fillRect/>
+          </a:stretch>
+        </p:blipFill>
+        <p:spPr bwMode="auto">
+          <a:xfrm>
+            <a:off x="2206625" y="0"/>
+            <a:ext cx="7777163" cy="6858000"/>
+          </a:xfrm>
+          <a:prstGeom prst="rect">
+            <a:avLst/>
+          </a:prstGeom>
+          <a:noFill/>
+          <a:extLst>
+            <a:ext uri="{909E8E84-426E-40DD-AFC4-6F175D3DCCD1}">
+              <a14:hiddenFill xmlns:a14="http://schemas.microsoft.com/office/drawing/2010/main">
+                <a:solidFill>
+                  <a:srgbClr val="FFFFFF"/>
+                </a:solidFill>
+              </a14:hiddenFill>
+            </a:ext>
+          </a:extLst>
+        </p:spPr>
+      </p:pic>
+    </p:spTree>
+    <p:extLst>
+      <p:ext uri="{BB962C8B-B14F-4D97-AF65-F5344CB8AC3E}">
+        <p14:creationId xmlns:p14="http://schemas.microsoft.com/office/powerpoint/2010/main" val="978110786"/>
+      </p:ext>
+    </p:extLst>
+  </p:cSld>
+  <p:clrMapOvr>
+    <a:masterClrMapping/>
+  </p:clrMapOvr>
+</p:sld>
+</file>
+
+<file path=ppt/slides/slide11.xml><?xml version="1.0" encoding="utf-8"?>
+<p:sld xmlns:a="http://schemas.openxmlformats.org/drawingml/2006/main" xmlns:r="http://schemas.openxmlformats.org/officeDocument/2006/relationships" xmlns:p="http://schemas.openxmlformats.org/presentationml/2006/main">
+  <p:cSld>
+    <p:spTree>
+      <p:nvGrpSpPr>
+        <p:cNvPr id="1" name=""/>
+        <p:cNvGrpSpPr/>
+        <p:nvPr/>
+      </p:nvGrpSpPr>
+      <p:grpSpPr>
+        <a:xfrm>
+          <a:off x="0" y="0"/>
+          <a:ext cx="0" cy="0"/>
+          <a:chOff x="0" y="0"/>
+          <a:chExt cx="0" cy="0"/>
+        </a:xfrm>
+      </p:grpSpPr>
+      <p:pic>
+        <p:nvPicPr>
+          <p:cNvPr id="2050" name="Picture 2" descr="EP58: 10 Key Data Structures We Use Every Day - by Alex Xu">
+            <a:extLst>
+              <a:ext uri="{FF2B5EF4-FFF2-40B4-BE49-F238E27FC236}">
+                <a16:creationId xmlns:a16="http://schemas.microsoft.com/office/drawing/2014/main" id="{DDC9690B-7938-6ED3-DE5D-5898B728974F}"/>
+              </a:ext>
+            </a:extLst>
+          </p:cNvPr>
+          <p:cNvPicPr>
+            <a:picLocks noChangeAspect="1" noChangeArrowheads="1"/>
+          </p:cNvPicPr>
+          <p:nvPr/>
+        </p:nvPicPr>
+        <p:blipFill>
+          <a:blip r:embed="rId2">
+            <a:extLst>
+              <a:ext uri="{28A0092B-C50C-407E-A947-70E740481C1C}">
+                <a14:useLocalDpi xmlns:a14="http://schemas.microsoft.com/office/drawing/2010/main" val="0"/>
+              </a:ext>
+            </a:extLst>
+          </a:blip>
+          <a:srcRect/>
+          <a:stretch>
+            <a:fillRect/>
+          </a:stretch>
+        </p:blipFill>
+        <p:spPr bwMode="auto">
+          <a:xfrm>
+            <a:off x="0" y="0"/>
+            <a:ext cx="12192000" cy="6858000"/>
+          </a:xfrm>
+          <a:prstGeom prst="rect">
+            <a:avLst/>
+          </a:prstGeom>
+          <a:noFill/>
+          <a:extLst>
+            <a:ext uri="{909E8E84-426E-40DD-AFC4-6F175D3DCCD1}">
+              <a14:hiddenFill xmlns:a14="http://schemas.microsoft.com/office/drawing/2010/main">
+                <a:solidFill>
+                  <a:srgbClr val="FFFFFF"/>
+                </a:solidFill>
+              </a14:hiddenFill>
+            </a:ext>
+          </a:extLst>
+        </p:spPr>
+      </p:pic>
+    </p:spTree>
+    <p:extLst>
+      <p:ext uri="{BB962C8B-B14F-4D97-AF65-F5344CB8AC3E}">
+        <p14:creationId xmlns:p14="http://schemas.microsoft.com/office/powerpoint/2010/main" val="3591169039"/>
+      </p:ext>
+    </p:extLst>
+  </p:cSld>
+  <p:clrMapOvr>
+    <a:masterClrMapping/>
+  </p:clrMapOvr>
+</p:sld>
+</file>
+
+<file path=ppt/slides/slide12.xml><?xml version="1.0" encoding="utf-8"?>
+<p:sld xmlns:a="http://schemas.openxmlformats.org/drawingml/2006/main" xmlns:r="http://schemas.openxmlformats.org/officeDocument/2006/relationships" xmlns:p="http://schemas.openxmlformats.org/presentationml/2006/main">
+  <p:cSld>
     <p:bg>
       <p:bgPr>
         <a:gradFill rotWithShape="1">
@@ -31422,7 +31578,7 @@
 </p:sld>
 </file>
 
-<file path=ppt/slides/slide11.xml><?xml version="1.0" encoding="utf-8"?>
+<file path=ppt/slides/slide13.xml><?xml version="1.0" encoding="utf-8"?>
 <p:sld xmlns:a="http://schemas.openxmlformats.org/drawingml/2006/main" xmlns:r="http://schemas.openxmlformats.org/officeDocument/2006/relationships" xmlns:p="http://schemas.openxmlformats.org/presentationml/2006/main">
   <p:cSld>
     <p:bg>
@@ -34793,7 +34949,7 @@
 </p:sld>
 </file>
 
-<file path=ppt/slides/slide12.xml><?xml version="1.0" encoding="utf-8"?>
+<file path=ppt/slides/slide14.xml><?xml version="1.0" encoding="utf-8"?>
 <p:sld xmlns:a="http://schemas.openxmlformats.org/drawingml/2006/main" xmlns:r="http://schemas.openxmlformats.org/officeDocument/2006/relationships" xmlns:p="http://schemas.openxmlformats.org/presentationml/2006/main">
   <p:cSld>
     <p:bg>
@@ -35437,7 +35593,7 @@
 </p:sld>
 </file>
 
-<file path=ppt/slides/slide13.xml><?xml version="1.0" encoding="utf-8"?>
+<file path=ppt/slides/slide15.xml><?xml version="1.0" encoding="utf-8"?>
 <p:sld xmlns:a="http://schemas.openxmlformats.org/drawingml/2006/main" xmlns:r="http://schemas.openxmlformats.org/officeDocument/2006/relationships" xmlns:p="http://schemas.openxmlformats.org/presentationml/2006/main">
   <p:cSld>
     <p:bg>
@@ -35655,7 +35811,7 @@
 </p:sld>
 </file>
 
-<file path=ppt/slides/slide14.xml><?xml version="1.0" encoding="utf-8"?>
+<file path=ppt/slides/slide16.xml><?xml version="1.0" encoding="utf-8"?>
 <p:sld xmlns:a="http://schemas.openxmlformats.org/drawingml/2006/main" xmlns:r="http://schemas.openxmlformats.org/officeDocument/2006/relationships" xmlns:p="http://schemas.openxmlformats.org/presentationml/2006/main">
   <p:cSld>
     <p:bg>
@@ -36205,7 +36361,7 @@
 </p:sld>
 </file>
 
-<file path=ppt/slides/slide15.xml><?xml version="1.0" encoding="utf-8"?>
+<file path=ppt/slides/slide17.xml><?xml version="1.0" encoding="utf-8"?>
 <p:sld xmlns:a="http://schemas.openxmlformats.org/drawingml/2006/main" xmlns:r="http://schemas.openxmlformats.org/officeDocument/2006/relationships" xmlns:p="http://schemas.openxmlformats.org/presentationml/2006/main">
   <p:cSld>
     <p:bg>
@@ -36653,7 +36809,7 @@
 </p:sld>
 </file>
 
-<file path=ppt/slides/slide16.xml><?xml version="1.0" encoding="utf-8"?>
+<file path=ppt/slides/slide18.xml><?xml version="1.0" encoding="utf-8"?>
 <p:sld xmlns:a="http://schemas.openxmlformats.org/drawingml/2006/main" xmlns:r="http://schemas.openxmlformats.org/officeDocument/2006/relationships" xmlns:p="http://schemas.openxmlformats.org/presentationml/2006/main">
   <p:cSld>
     <p:bg>
@@ -36821,7 +36977,7 @@
 </p:sld>
 </file>
 
-<file path=ppt/slides/slide17.xml><?xml version="1.0" encoding="utf-8"?>
+<file path=ppt/slides/slide19.xml><?xml version="1.0" encoding="utf-8"?>
 <p:sld xmlns:a="http://schemas.openxmlformats.org/drawingml/2006/main" xmlns:r="http://schemas.openxmlformats.org/officeDocument/2006/relationships" xmlns:p="http://schemas.openxmlformats.org/presentationml/2006/main">
   <p:cSld>
     <p:bg>
@@ -37260,902 +37416,6 @@
     <p:extLst>
       <p:ext uri="{BB962C8B-B14F-4D97-AF65-F5344CB8AC3E}">
         <p14:creationId xmlns:p14="http://schemas.microsoft.com/office/powerpoint/2010/main" val="1430944752"/>
-      </p:ext>
-    </p:extLst>
-  </p:cSld>
-  <p:clrMapOvr>
-    <a:masterClrMapping/>
-  </p:clrMapOvr>
-</p:sld>
-</file>
-
-<file path=ppt/slides/slide18.xml><?xml version="1.0" encoding="utf-8"?>
-<p:sld xmlns:a="http://schemas.openxmlformats.org/drawingml/2006/main" xmlns:r="http://schemas.openxmlformats.org/officeDocument/2006/relationships" xmlns:p="http://schemas.openxmlformats.org/presentationml/2006/main">
-  <p:cSld>
-    <p:bg>
-      <p:bgPr>
-        <a:gradFill rotWithShape="1">
-          <a:gsLst>
-            <a:gs pos="0">
-              <a:schemeClr val="bg2">
-                <a:tint val="90000"/>
-                <a:satMod val="92000"/>
-                <a:lumMod val="120000"/>
-              </a:schemeClr>
-            </a:gs>
-            <a:gs pos="100000">
-              <a:schemeClr val="bg2">
-                <a:shade val="98000"/>
-                <a:satMod val="120000"/>
-                <a:lumMod val="98000"/>
-              </a:schemeClr>
-            </a:gs>
-          </a:gsLst>
-          <a:path path="circle">
-            <a:fillToRect l="50000" t="50000" r="100000" b="100000"/>
-          </a:path>
-        </a:gradFill>
-        <a:effectLst/>
-      </p:bgPr>
-    </p:bg>
-    <p:spTree>
-      <p:nvGrpSpPr>
-        <p:cNvPr id="1" name=""/>
-        <p:cNvGrpSpPr/>
-        <p:nvPr/>
-      </p:nvGrpSpPr>
-      <p:grpSpPr>
-        <a:xfrm>
-          <a:off x="0" y="0"/>
-          <a:ext cx="0" cy="0"/>
-          <a:chOff x="0" y="0"/>
-          <a:chExt cx="0" cy="0"/>
-        </a:xfrm>
-      </p:grpSpPr>
-      <p:sp>
-        <p:nvSpPr>
-          <p:cNvPr id="10" name="Rectangle 9">
-            <a:extLst>
-              <a:ext uri="{FF2B5EF4-FFF2-40B4-BE49-F238E27FC236}">
-                <a16:creationId xmlns:a16="http://schemas.microsoft.com/office/drawing/2014/main" id="{A3D9AEEE-1CCD-43C0-BA3E-16D60A6E23C0}"/>
-              </a:ext>
-              <a:ext uri="{C183D7F6-B498-43B3-948B-1728B52AA6E4}">
-                <adec:decorative xmlns:adec="http://schemas.microsoft.com/office/drawing/2017/decorative" val="1"/>
-              </a:ext>
-            </a:extLst>
-          </p:cNvPr>
-          <p:cNvSpPr>
-            <a:spLocks noGrp="1" noRot="1" noChangeAspect="1" noMove="1" noResize="1" noEditPoints="1" noAdjustHandles="1" noChangeArrowheads="1" noChangeShapeType="1" noTextEdit="1"/>
-          </p:cNvSpPr>
-          <p:nvPr>
-            <p:extLst>
-              <p:ext uri="{386F3935-93C4-4BCD-93E2-E3B085C9AB24}">
-                <p16:designElem xmlns:p16="http://schemas.microsoft.com/office/powerpoint/2015/main" val="1"/>
-              </p:ext>
-            </p:extLst>
-          </p:nvPr>
-        </p:nvSpPr>
-        <p:spPr>
-          <a:xfrm>
-            <a:off x="1" y="0"/>
-            <a:ext cx="4059079" cy="6858000"/>
-          </a:xfrm>
-          <a:prstGeom prst="rect">
-            <a:avLst/>
-          </a:prstGeom>
-          <a:solidFill>
-            <a:schemeClr val="tx2"/>
-          </a:solidFill>
-          <a:ln>
-            <a:noFill/>
-          </a:ln>
-        </p:spPr>
-        <p:style>
-          <a:lnRef idx="2">
-            <a:schemeClr val="accent1">
-              <a:shade val="50000"/>
-            </a:schemeClr>
-          </a:lnRef>
-          <a:fillRef idx="1">
-            <a:schemeClr val="accent1"/>
-          </a:fillRef>
-          <a:effectRef idx="0">
-            <a:schemeClr val="accent1"/>
-          </a:effectRef>
-          <a:fontRef idx="minor">
-            <a:schemeClr val="lt1"/>
-          </a:fontRef>
-        </p:style>
-        <p:txBody>
-          <a:bodyPr rtlCol="0" anchor="ctr"/>
-          <a:lstStyle/>
-          <a:p>
-            <a:pPr algn="ctr"/>
-            <a:endParaRPr lang="en-US"/>
-          </a:p>
-        </p:txBody>
-      </p:sp>
-      <p:sp>
-        <p:nvSpPr>
-          <p:cNvPr id="2" name="Title 1">
-            <a:extLst>
-              <a:ext uri="{FF2B5EF4-FFF2-40B4-BE49-F238E27FC236}">
-                <a16:creationId xmlns:a16="http://schemas.microsoft.com/office/drawing/2014/main" id="{B6FCBFED-801E-4AEB-9456-FAF14E81A7C2}"/>
-              </a:ext>
-            </a:extLst>
-          </p:cNvPr>
-          <p:cNvSpPr>
-            <a:spLocks noGrp="1"/>
-          </p:cNvSpPr>
-          <p:nvPr>
-            <p:ph type="title"/>
-          </p:nvPr>
-        </p:nvSpPr>
-        <p:spPr>
-          <a:xfrm>
-            <a:off x="1259893" y="3101093"/>
-            <a:ext cx="2454052" cy="3029344"/>
-          </a:xfrm>
-        </p:spPr>
-        <p:txBody>
-          <a:bodyPr>
-            <a:normAutofit/>
-          </a:bodyPr>
-          <a:lstStyle/>
-          <a:p>
-            <a:r>
-              <a:rPr lang="en-US" sz="3000">
-                <a:solidFill>
-                  <a:schemeClr val="bg1"/>
-                </a:solidFill>
-              </a:rPr>
-              <a:t>Data Consistency</a:t>
-            </a:r>
-          </a:p>
-        </p:txBody>
-      </p:sp>
-      <p:sp>
-        <p:nvSpPr>
-          <p:cNvPr id="12" name="Freeform 11">
-            <a:extLst>
-              <a:ext uri="{FF2B5EF4-FFF2-40B4-BE49-F238E27FC236}">
-                <a16:creationId xmlns:a16="http://schemas.microsoft.com/office/drawing/2014/main" id="{60F880A6-33D3-4EEC-A780-B73559B9F24C}"/>
-              </a:ext>
-              <a:ext uri="{C183D7F6-B498-43B3-948B-1728B52AA6E4}">
-                <adec:decorative xmlns:adec="http://schemas.microsoft.com/office/drawing/2017/decorative" val="1"/>
-              </a:ext>
-            </a:extLst>
-          </p:cNvPr>
-          <p:cNvSpPr>
-            <a:spLocks noGrp="1" noRot="1" noChangeAspect="1" noMove="1" noResize="1" noEditPoints="1" noAdjustHandles="1" noChangeArrowheads="1" noChangeShapeType="1" noTextEdit="1"/>
-          </p:cNvSpPr>
-          <p:nvPr>
-            <p:extLst>
-              <p:ext uri="{386F3935-93C4-4BCD-93E2-E3B085C9AB24}">
-                <p16:designElem xmlns:p16="http://schemas.microsoft.com/office/powerpoint/2015/main" val="1"/>
-              </p:ext>
-            </p:extLst>
-          </p:nvPr>
-        </p:nvSpPr>
-        <p:spPr bwMode="auto">
-          <a:xfrm flipV="1">
-            <a:off x="-159" y="3179901"/>
-            <a:ext cx="1098194" cy="514066"/>
-          </a:xfrm>
-          <a:custGeom>
-            <a:avLst/>
-            <a:gdLst>
-              <a:gd name="connsiteX0" fmla="*/ 10000 w 10044"/>
-              <a:gd name="connsiteY0" fmla="*/ 4701 h 9966"/>
-              <a:gd name="connsiteX1" fmla="*/ 8559 w 10044"/>
-              <a:gd name="connsiteY1" fmla="*/ 188 h 9966"/>
-              <a:gd name="connsiteX2" fmla="*/ 8527 w 10044"/>
-              <a:gd name="connsiteY2" fmla="*/ 94 h 9966"/>
-              <a:gd name="connsiteX3" fmla="*/ 8438 w 10044"/>
-              <a:gd name="connsiteY3" fmla="*/ 0 h 9966"/>
-              <a:gd name="connsiteX4" fmla="*/ 7867 w 10044"/>
-              <a:gd name="connsiteY4" fmla="*/ 0 h 9966"/>
-              <a:gd name="connsiteX5" fmla="*/ 0 w 10044"/>
-              <a:gd name="connsiteY5" fmla="*/ 70 h 9966"/>
-              <a:gd name="connsiteX6" fmla="*/ 3132 w 10044"/>
-              <a:gd name="connsiteY6" fmla="*/ 9763 h 9966"/>
-              <a:gd name="connsiteX7" fmla="*/ 7867 w 10044"/>
-              <a:gd name="connsiteY7" fmla="*/ 9966 h 9966"/>
-              <a:gd name="connsiteX8" fmla="*/ 8438 w 10044"/>
-              <a:gd name="connsiteY8" fmla="*/ 9966 h 9966"/>
-              <a:gd name="connsiteX9" fmla="*/ 8527 w 10044"/>
-              <a:gd name="connsiteY9" fmla="*/ 9872 h 9966"/>
-              <a:gd name="connsiteX10" fmla="*/ 8559 w 10044"/>
-              <a:gd name="connsiteY10" fmla="*/ 9778 h 9966"/>
-              <a:gd name="connsiteX11" fmla="*/ 10000 w 10044"/>
-              <a:gd name="connsiteY11" fmla="*/ 5265 h 9966"/>
-              <a:gd name="connsiteX12" fmla="*/ 10000 w 10044"/>
-              <a:gd name="connsiteY12" fmla="*/ 4701 h 9966"/>
-              <a:gd name="connsiteX0" fmla="*/ 6839 w 6883"/>
-              <a:gd name="connsiteY0" fmla="*/ 4885 h 10168"/>
-              <a:gd name="connsiteX1" fmla="*/ 5405 w 6883"/>
-              <a:gd name="connsiteY1" fmla="*/ 357 h 10168"/>
-              <a:gd name="connsiteX2" fmla="*/ 5373 w 6883"/>
-              <a:gd name="connsiteY2" fmla="*/ 262 h 10168"/>
-              <a:gd name="connsiteX3" fmla="*/ 5284 w 6883"/>
-              <a:gd name="connsiteY3" fmla="*/ 168 h 10168"/>
-              <a:gd name="connsiteX4" fmla="*/ 4716 w 6883"/>
-              <a:gd name="connsiteY4" fmla="*/ 168 h 10168"/>
-              <a:gd name="connsiteX5" fmla="*/ 50 w 6883"/>
-              <a:gd name="connsiteY5" fmla="*/ 0 h 10168"/>
-              <a:gd name="connsiteX6" fmla="*/ 1 w 6883"/>
-              <a:gd name="connsiteY6" fmla="*/ 9964 h 10168"/>
-              <a:gd name="connsiteX7" fmla="*/ 4716 w 6883"/>
-              <a:gd name="connsiteY7" fmla="*/ 10168 h 10168"/>
-              <a:gd name="connsiteX8" fmla="*/ 5284 w 6883"/>
-              <a:gd name="connsiteY8" fmla="*/ 10168 h 10168"/>
-              <a:gd name="connsiteX9" fmla="*/ 5373 w 6883"/>
-              <a:gd name="connsiteY9" fmla="*/ 10074 h 10168"/>
-              <a:gd name="connsiteX10" fmla="*/ 5405 w 6883"/>
-              <a:gd name="connsiteY10" fmla="*/ 9979 h 10168"/>
-              <a:gd name="connsiteX11" fmla="*/ 6839 w 6883"/>
-              <a:gd name="connsiteY11" fmla="*/ 5451 h 10168"/>
-              <a:gd name="connsiteX12" fmla="*/ 6839 w 6883"/>
-              <a:gd name="connsiteY12" fmla="*/ 4885 h 10168"/>
-            </a:gdLst>
-            <a:ahLst/>
-            <a:cxnLst>
-              <a:cxn ang="0">
-                <a:pos x="connsiteX0" y="connsiteY0"/>
-              </a:cxn>
-              <a:cxn ang="0">
-                <a:pos x="connsiteX1" y="connsiteY1"/>
-              </a:cxn>
-              <a:cxn ang="0">
-                <a:pos x="connsiteX2" y="connsiteY2"/>
-              </a:cxn>
-              <a:cxn ang="0">
-                <a:pos x="connsiteX3" y="connsiteY3"/>
-              </a:cxn>
-              <a:cxn ang="0">
-                <a:pos x="connsiteX4" y="connsiteY4"/>
-              </a:cxn>
-              <a:cxn ang="0">
-                <a:pos x="connsiteX5" y="connsiteY5"/>
-              </a:cxn>
-              <a:cxn ang="0">
-                <a:pos x="connsiteX6" y="connsiteY6"/>
-              </a:cxn>
-              <a:cxn ang="0">
-                <a:pos x="connsiteX7" y="connsiteY7"/>
-              </a:cxn>
-              <a:cxn ang="0">
-                <a:pos x="connsiteX8" y="connsiteY8"/>
-              </a:cxn>
-              <a:cxn ang="0">
-                <a:pos x="connsiteX9" y="connsiteY9"/>
-              </a:cxn>
-              <a:cxn ang="0">
-                <a:pos x="connsiteX10" y="connsiteY10"/>
-              </a:cxn>
-              <a:cxn ang="0">
-                <a:pos x="connsiteX11" y="connsiteY11"/>
-              </a:cxn>
-              <a:cxn ang="0">
-                <a:pos x="connsiteX12" y="connsiteY12"/>
-              </a:cxn>
-            </a:cxnLst>
-            <a:rect l="l" t="t" r="r" b="b"/>
-            <a:pathLst>
-              <a:path w="6883" h="10168">
-                <a:moveTo>
-                  <a:pt x="6839" y="4885"/>
-                </a:moveTo>
-                <a:lnTo>
-                  <a:pt x="5405" y="357"/>
-                </a:lnTo>
-                <a:cubicBezTo>
-                  <a:pt x="5395" y="325"/>
-                  <a:pt x="5383" y="294"/>
-                  <a:pt x="5373" y="262"/>
-                </a:cubicBezTo>
-                <a:cubicBezTo>
-                  <a:pt x="5344" y="168"/>
-                  <a:pt x="5314" y="168"/>
-                  <a:pt x="5284" y="168"/>
-                </a:cubicBezTo>
-                <a:lnTo>
-                  <a:pt x="4716" y="168"/>
-                </a:lnTo>
-                <a:lnTo>
-                  <a:pt x="50" y="0"/>
-                </a:lnTo>
-                <a:cubicBezTo>
-                  <a:pt x="59" y="3322"/>
-                  <a:pt x="-8" y="6643"/>
-                  <a:pt x="1" y="9964"/>
-                </a:cubicBezTo>
-                <a:lnTo>
-                  <a:pt x="4716" y="10168"/>
-                </a:lnTo>
-                <a:lnTo>
-                  <a:pt x="5284" y="10168"/>
-                </a:lnTo>
-                <a:cubicBezTo>
-                  <a:pt x="5314" y="10168"/>
-                  <a:pt x="5344" y="10074"/>
-                  <a:pt x="5373" y="10074"/>
-                </a:cubicBezTo>
-                <a:cubicBezTo>
-                  <a:pt x="5373" y="9979"/>
-                  <a:pt x="5405" y="9979"/>
-                  <a:pt x="5405" y="9979"/>
-                </a:cubicBezTo>
-                <a:lnTo>
-                  <a:pt x="6839" y="5451"/>
-                </a:lnTo>
-                <a:cubicBezTo>
-                  <a:pt x="6898" y="5262"/>
-                  <a:pt x="6898" y="5074"/>
-                  <a:pt x="6839" y="4885"/>
-                </a:cubicBezTo>
-                <a:close/>
-              </a:path>
-            </a:pathLst>
-          </a:custGeom>
-          <a:solidFill>
-            <a:schemeClr val="accent1"/>
-          </a:solidFill>
-          <a:ln>
-            <a:noFill/>
-          </a:ln>
-        </p:spPr>
-        <p:txBody>
-          <a:bodyPr/>
-          <a:lstStyle/>
-          <a:p>
-            <a:endParaRPr lang="en-US"/>
-          </a:p>
-        </p:txBody>
-      </p:sp>
-      <p:sp useBgFill="1">
-        <p:nvSpPr>
-          <p:cNvPr id="14" name="Rectangle 13">
-            <a:extLst>
-              <a:ext uri="{FF2B5EF4-FFF2-40B4-BE49-F238E27FC236}">
-                <a16:creationId xmlns:a16="http://schemas.microsoft.com/office/drawing/2014/main" id="{2C6246ED-0535-4496-A8F6-1E80CC4EB853}"/>
-              </a:ext>
-              <a:ext uri="{C183D7F6-B498-43B3-948B-1728B52AA6E4}">
-                <adec:decorative xmlns:adec="http://schemas.microsoft.com/office/drawing/2017/decorative" val="1"/>
-              </a:ext>
-            </a:extLst>
-          </p:cNvPr>
-          <p:cNvSpPr>
-            <a:spLocks noGrp="1" noRot="1" noChangeAspect="1" noMove="1" noResize="1" noEditPoints="1" noAdjustHandles="1" noChangeArrowheads="1" noChangeShapeType="1" noTextEdit="1"/>
-          </p:cNvSpPr>
-          <p:nvPr>
-            <p:extLst>
-              <p:ext uri="{386F3935-93C4-4BCD-93E2-E3B085C9AB24}">
-                <p16:designElem xmlns:p16="http://schemas.microsoft.com/office/powerpoint/2015/main" val="1"/>
-              </p:ext>
-            </p:extLst>
-          </p:nvPr>
-        </p:nvSpPr>
-        <p:spPr>
-          <a:xfrm>
-            <a:off x="4795736" y="0"/>
-            <a:ext cx="7396264" cy="6858000"/>
-          </a:xfrm>
-          <a:prstGeom prst="rect">
-            <a:avLst/>
-          </a:prstGeom>
-          <a:ln>
-            <a:noFill/>
-          </a:ln>
-        </p:spPr>
-        <p:style>
-          <a:lnRef idx="2">
-            <a:schemeClr val="accent1">
-              <a:shade val="50000"/>
-            </a:schemeClr>
-          </a:lnRef>
-          <a:fillRef idx="1">
-            <a:schemeClr val="accent1"/>
-          </a:fillRef>
-          <a:effectRef idx="0">
-            <a:schemeClr val="accent1"/>
-          </a:effectRef>
-          <a:fontRef idx="minor">
-            <a:schemeClr val="lt1"/>
-          </a:fontRef>
-        </p:style>
-        <p:txBody>
-          <a:bodyPr rtlCol="0" anchor="ctr"/>
-          <a:lstStyle/>
-          <a:p>
-            <a:pPr algn="ctr"/>
-            <a:endParaRPr lang="en-US"/>
-          </a:p>
-        </p:txBody>
-      </p:sp>
-      <p:graphicFrame>
-        <p:nvGraphicFramePr>
-          <p:cNvPr id="5" name="Content Placeholder 2">
-            <a:extLst>
-              <a:ext uri="{FF2B5EF4-FFF2-40B4-BE49-F238E27FC236}">
-                <a16:creationId xmlns:a16="http://schemas.microsoft.com/office/drawing/2014/main" id="{72980326-5E19-4FB4-9720-2E3D33DC5B35}"/>
-              </a:ext>
-            </a:extLst>
-          </p:cNvPr>
-          <p:cNvGraphicFramePr>
-            <a:graphicFrameLocks noGrp="1"/>
-          </p:cNvGraphicFramePr>
-          <p:nvPr>
-            <p:ph idx="1"/>
-            <p:extLst>
-              <p:ext uri="{D42A27DB-BD31-4B8C-83A1-F6EECF244321}">
-                <p14:modId xmlns:p14="http://schemas.microsoft.com/office/powerpoint/2010/main" val="548616360"/>
-              </p:ext>
-            </p:extLst>
-          </p:nvPr>
-        </p:nvGraphicFramePr>
-        <p:xfrm>
-          <a:off x="4713144" y="641551"/>
-          <a:ext cx="6832212" cy="5264779"/>
-        </p:xfrm>
-        <a:graphic>
-          <a:graphicData uri="http://schemas.openxmlformats.org/drawingml/2006/diagram">
-            <dgm:relIds xmlns:dgm="http://schemas.openxmlformats.org/drawingml/2006/diagram" xmlns:r="http://schemas.openxmlformats.org/officeDocument/2006/relationships" r:dm="rId2" r:lo="rId3" r:qs="rId4" r:cs="rId5"/>
-          </a:graphicData>
-        </a:graphic>
-      </p:graphicFrame>
-    </p:spTree>
-    <p:extLst>
-      <p:ext uri="{BB962C8B-B14F-4D97-AF65-F5344CB8AC3E}">
-        <p14:creationId xmlns:p14="http://schemas.microsoft.com/office/powerpoint/2010/main" val="599986821"/>
-      </p:ext>
-    </p:extLst>
-  </p:cSld>
-  <p:clrMapOvr>
-    <a:masterClrMapping/>
-  </p:clrMapOvr>
-</p:sld>
-</file>
-
-<file path=ppt/slides/slide19.xml><?xml version="1.0" encoding="utf-8"?>
-<p:sld xmlns:a="http://schemas.openxmlformats.org/drawingml/2006/main" xmlns:r="http://schemas.openxmlformats.org/officeDocument/2006/relationships" xmlns:p="http://schemas.openxmlformats.org/presentationml/2006/main">
-  <p:cSld>
-    <p:bg>
-      <p:bgPr>
-        <a:gradFill rotWithShape="1">
-          <a:gsLst>
-            <a:gs pos="0">
-              <a:schemeClr val="bg2">
-                <a:tint val="90000"/>
-                <a:satMod val="92000"/>
-                <a:lumMod val="120000"/>
-              </a:schemeClr>
-            </a:gs>
-            <a:gs pos="100000">
-              <a:schemeClr val="bg2">
-                <a:shade val="98000"/>
-                <a:satMod val="120000"/>
-                <a:lumMod val="98000"/>
-              </a:schemeClr>
-            </a:gs>
-          </a:gsLst>
-          <a:path path="circle">
-            <a:fillToRect l="50000" t="50000" r="100000" b="100000"/>
-          </a:path>
-        </a:gradFill>
-        <a:effectLst/>
-      </p:bgPr>
-    </p:bg>
-    <p:spTree>
-      <p:nvGrpSpPr>
-        <p:cNvPr id="1" name=""/>
-        <p:cNvGrpSpPr/>
-        <p:nvPr/>
-      </p:nvGrpSpPr>
-      <p:grpSpPr>
-        <a:xfrm>
-          <a:off x="0" y="0"/>
-          <a:ext cx="0" cy="0"/>
-          <a:chOff x="0" y="0"/>
-          <a:chExt cx="0" cy="0"/>
-        </a:xfrm>
-      </p:grpSpPr>
-      <p:sp>
-        <p:nvSpPr>
-          <p:cNvPr id="10" name="Rectangle 9">
-            <a:extLst>
-              <a:ext uri="{FF2B5EF4-FFF2-40B4-BE49-F238E27FC236}">
-                <a16:creationId xmlns:a16="http://schemas.microsoft.com/office/drawing/2014/main" id="{A3D9AEEE-1CCD-43C0-BA3E-16D60A6E23C0}"/>
-              </a:ext>
-              <a:ext uri="{C183D7F6-B498-43B3-948B-1728B52AA6E4}">
-                <adec:decorative xmlns:adec="http://schemas.microsoft.com/office/drawing/2017/decorative" val="1"/>
-              </a:ext>
-            </a:extLst>
-          </p:cNvPr>
-          <p:cNvSpPr>
-            <a:spLocks noGrp="1" noRot="1" noChangeAspect="1" noMove="1" noResize="1" noEditPoints="1" noAdjustHandles="1" noChangeArrowheads="1" noChangeShapeType="1" noTextEdit="1"/>
-          </p:cNvSpPr>
-          <p:nvPr>
-            <p:extLst>
-              <p:ext uri="{386F3935-93C4-4BCD-93E2-E3B085C9AB24}">
-                <p16:designElem xmlns:p16="http://schemas.microsoft.com/office/powerpoint/2015/main" val="1"/>
-              </p:ext>
-            </p:extLst>
-          </p:nvPr>
-        </p:nvSpPr>
-        <p:spPr>
-          <a:xfrm>
-            <a:off x="1" y="0"/>
-            <a:ext cx="4059079" cy="6858000"/>
-          </a:xfrm>
-          <a:prstGeom prst="rect">
-            <a:avLst/>
-          </a:prstGeom>
-          <a:solidFill>
-            <a:schemeClr val="tx2"/>
-          </a:solidFill>
-          <a:ln>
-            <a:noFill/>
-          </a:ln>
-        </p:spPr>
-        <p:style>
-          <a:lnRef idx="2">
-            <a:schemeClr val="accent1">
-              <a:shade val="50000"/>
-            </a:schemeClr>
-          </a:lnRef>
-          <a:fillRef idx="1">
-            <a:schemeClr val="accent1"/>
-          </a:fillRef>
-          <a:effectRef idx="0">
-            <a:schemeClr val="accent1"/>
-          </a:effectRef>
-          <a:fontRef idx="minor">
-            <a:schemeClr val="lt1"/>
-          </a:fontRef>
-        </p:style>
-        <p:txBody>
-          <a:bodyPr rtlCol="0" anchor="ctr"/>
-          <a:lstStyle/>
-          <a:p>
-            <a:pPr algn="ctr"/>
-            <a:endParaRPr lang="en-US"/>
-          </a:p>
-        </p:txBody>
-      </p:sp>
-      <p:sp>
-        <p:nvSpPr>
-          <p:cNvPr id="2" name="Title 1">
-            <a:extLst>
-              <a:ext uri="{FF2B5EF4-FFF2-40B4-BE49-F238E27FC236}">
-                <a16:creationId xmlns:a16="http://schemas.microsoft.com/office/drawing/2014/main" id="{FF56FC2A-20F4-4F0D-A8C8-0491168DC201}"/>
-              </a:ext>
-            </a:extLst>
-          </p:cNvPr>
-          <p:cNvSpPr>
-            <a:spLocks noGrp="1"/>
-          </p:cNvSpPr>
-          <p:nvPr>
-            <p:ph type="title"/>
-          </p:nvPr>
-        </p:nvSpPr>
-        <p:spPr>
-          <a:xfrm>
-            <a:off x="1259893" y="3101093"/>
-            <a:ext cx="2454052" cy="3029344"/>
-          </a:xfrm>
-        </p:spPr>
-        <p:txBody>
-          <a:bodyPr>
-            <a:normAutofit/>
-          </a:bodyPr>
-          <a:lstStyle/>
-          <a:p>
-            <a:r>
-              <a:rPr lang="en-US" sz="3200">
-                <a:solidFill>
-                  <a:schemeClr val="bg1"/>
-                </a:solidFill>
-              </a:rPr>
-              <a:t>Operation</a:t>
-            </a:r>
-          </a:p>
-        </p:txBody>
-      </p:sp>
-      <p:sp>
-        <p:nvSpPr>
-          <p:cNvPr id="12" name="Freeform 11">
-            <a:extLst>
-              <a:ext uri="{FF2B5EF4-FFF2-40B4-BE49-F238E27FC236}">
-                <a16:creationId xmlns:a16="http://schemas.microsoft.com/office/drawing/2014/main" id="{60F880A6-33D3-4EEC-A780-B73559B9F24C}"/>
-              </a:ext>
-              <a:ext uri="{C183D7F6-B498-43B3-948B-1728B52AA6E4}">
-                <adec:decorative xmlns:adec="http://schemas.microsoft.com/office/drawing/2017/decorative" val="1"/>
-              </a:ext>
-            </a:extLst>
-          </p:cNvPr>
-          <p:cNvSpPr>
-            <a:spLocks noGrp="1" noRot="1" noChangeAspect="1" noMove="1" noResize="1" noEditPoints="1" noAdjustHandles="1" noChangeArrowheads="1" noChangeShapeType="1" noTextEdit="1"/>
-          </p:cNvSpPr>
-          <p:nvPr>
-            <p:extLst>
-              <p:ext uri="{386F3935-93C4-4BCD-93E2-E3B085C9AB24}">
-                <p16:designElem xmlns:p16="http://schemas.microsoft.com/office/powerpoint/2015/main" val="1"/>
-              </p:ext>
-            </p:extLst>
-          </p:nvPr>
-        </p:nvSpPr>
-        <p:spPr bwMode="auto">
-          <a:xfrm flipV="1">
-            <a:off x="-159" y="3179901"/>
-            <a:ext cx="1098194" cy="514066"/>
-          </a:xfrm>
-          <a:custGeom>
-            <a:avLst/>
-            <a:gdLst>
-              <a:gd name="connsiteX0" fmla="*/ 10000 w 10044"/>
-              <a:gd name="connsiteY0" fmla="*/ 4701 h 9966"/>
-              <a:gd name="connsiteX1" fmla="*/ 8559 w 10044"/>
-              <a:gd name="connsiteY1" fmla="*/ 188 h 9966"/>
-              <a:gd name="connsiteX2" fmla="*/ 8527 w 10044"/>
-              <a:gd name="connsiteY2" fmla="*/ 94 h 9966"/>
-              <a:gd name="connsiteX3" fmla="*/ 8438 w 10044"/>
-              <a:gd name="connsiteY3" fmla="*/ 0 h 9966"/>
-              <a:gd name="connsiteX4" fmla="*/ 7867 w 10044"/>
-              <a:gd name="connsiteY4" fmla="*/ 0 h 9966"/>
-              <a:gd name="connsiteX5" fmla="*/ 0 w 10044"/>
-              <a:gd name="connsiteY5" fmla="*/ 70 h 9966"/>
-              <a:gd name="connsiteX6" fmla="*/ 3132 w 10044"/>
-              <a:gd name="connsiteY6" fmla="*/ 9763 h 9966"/>
-              <a:gd name="connsiteX7" fmla="*/ 7867 w 10044"/>
-              <a:gd name="connsiteY7" fmla="*/ 9966 h 9966"/>
-              <a:gd name="connsiteX8" fmla="*/ 8438 w 10044"/>
-              <a:gd name="connsiteY8" fmla="*/ 9966 h 9966"/>
-              <a:gd name="connsiteX9" fmla="*/ 8527 w 10044"/>
-              <a:gd name="connsiteY9" fmla="*/ 9872 h 9966"/>
-              <a:gd name="connsiteX10" fmla="*/ 8559 w 10044"/>
-              <a:gd name="connsiteY10" fmla="*/ 9778 h 9966"/>
-              <a:gd name="connsiteX11" fmla="*/ 10000 w 10044"/>
-              <a:gd name="connsiteY11" fmla="*/ 5265 h 9966"/>
-              <a:gd name="connsiteX12" fmla="*/ 10000 w 10044"/>
-              <a:gd name="connsiteY12" fmla="*/ 4701 h 9966"/>
-              <a:gd name="connsiteX0" fmla="*/ 6839 w 6883"/>
-              <a:gd name="connsiteY0" fmla="*/ 4885 h 10168"/>
-              <a:gd name="connsiteX1" fmla="*/ 5405 w 6883"/>
-              <a:gd name="connsiteY1" fmla="*/ 357 h 10168"/>
-              <a:gd name="connsiteX2" fmla="*/ 5373 w 6883"/>
-              <a:gd name="connsiteY2" fmla="*/ 262 h 10168"/>
-              <a:gd name="connsiteX3" fmla="*/ 5284 w 6883"/>
-              <a:gd name="connsiteY3" fmla="*/ 168 h 10168"/>
-              <a:gd name="connsiteX4" fmla="*/ 4716 w 6883"/>
-              <a:gd name="connsiteY4" fmla="*/ 168 h 10168"/>
-              <a:gd name="connsiteX5" fmla="*/ 50 w 6883"/>
-              <a:gd name="connsiteY5" fmla="*/ 0 h 10168"/>
-              <a:gd name="connsiteX6" fmla="*/ 1 w 6883"/>
-              <a:gd name="connsiteY6" fmla="*/ 9964 h 10168"/>
-              <a:gd name="connsiteX7" fmla="*/ 4716 w 6883"/>
-              <a:gd name="connsiteY7" fmla="*/ 10168 h 10168"/>
-              <a:gd name="connsiteX8" fmla="*/ 5284 w 6883"/>
-              <a:gd name="connsiteY8" fmla="*/ 10168 h 10168"/>
-              <a:gd name="connsiteX9" fmla="*/ 5373 w 6883"/>
-              <a:gd name="connsiteY9" fmla="*/ 10074 h 10168"/>
-              <a:gd name="connsiteX10" fmla="*/ 5405 w 6883"/>
-              <a:gd name="connsiteY10" fmla="*/ 9979 h 10168"/>
-              <a:gd name="connsiteX11" fmla="*/ 6839 w 6883"/>
-              <a:gd name="connsiteY11" fmla="*/ 5451 h 10168"/>
-              <a:gd name="connsiteX12" fmla="*/ 6839 w 6883"/>
-              <a:gd name="connsiteY12" fmla="*/ 4885 h 10168"/>
-            </a:gdLst>
-            <a:ahLst/>
-            <a:cxnLst>
-              <a:cxn ang="0">
-                <a:pos x="connsiteX0" y="connsiteY0"/>
-              </a:cxn>
-              <a:cxn ang="0">
-                <a:pos x="connsiteX1" y="connsiteY1"/>
-              </a:cxn>
-              <a:cxn ang="0">
-                <a:pos x="connsiteX2" y="connsiteY2"/>
-              </a:cxn>
-              <a:cxn ang="0">
-                <a:pos x="connsiteX3" y="connsiteY3"/>
-              </a:cxn>
-              <a:cxn ang="0">
-                <a:pos x="connsiteX4" y="connsiteY4"/>
-              </a:cxn>
-              <a:cxn ang="0">
-                <a:pos x="connsiteX5" y="connsiteY5"/>
-              </a:cxn>
-              <a:cxn ang="0">
-                <a:pos x="connsiteX6" y="connsiteY6"/>
-              </a:cxn>
-              <a:cxn ang="0">
-                <a:pos x="connsiteX7" y="connsiteY7"/>
-              </a:cxn>
-              <a:cxn ang="0">
-                <a:pos x="connsiteX8" y="connsiteY8"/>
-              </a:cxn>
-              <a:cxn ang="0">
-                <a:pos x="connsiteX9" y="connsiteY9"/>
-              </a:cxn>
-              <a:cxn ang="0">
-                <a:pos x="connsiteX10" y="connsiteY10"/>
-              </a:cxn>
-              <a:cxn ang="0">
-                <a:pos x="connsiteX11" y="connsiteY11"/>
-              </a:cxn>
-              <a:cxn ang="0">
-                <a:pos x="connsiteX12" y="connsiteY12"/>
-              </a:cxn>
-            </a:cxnLst>
-            <a:rect l="l" t="t" r="r" b="b"/>
-            <a:pathLst>
-              <a:path w="6883" h="10168">
-                <a:moveTo>
-                  <a:pt x="6839" y="4885"/>
-                </a:moveTo>
-                <a:lnTo>
-                  <a:pt x="5405" y="357"/>
-                </a:lnTo>
-                <a:cubicBezTo>
-                  <a:pt x="5395" y="325"/>
-                  <a:pt x="5383" y="294"/>
-                  <a:pt x="5373" y="262"/>
-                </a:cubicBezTo>
-                <a:cubicBezTo>
-                  <a:pt x="5344" y="168"/>
-                  <a:pt x="5314" y="168"/>
-                  <a:pt x="5284" y="168"/>
-                </a:cubicBezTo>
-                <a:lnTo>
-                  <a:pt x="4716" y="168"/>
-                </a:lnTo>
-                <a:lnTo>
-                  <a:pt x="50" y="0"/>
-                </a:lnTo>
-                <a:cubicBezTo>
-                  <a:pt x="59" y="3322"/>
-                  <a:pt x="-8" y="6643"/>
-                  <a:pt x="1" y="9964"/>
-                </a:cubicBezTo>
-                <a:lnTo>
-                  <a:pt x="4716" y="10168"/>
-                </a:lnTo>
-                <a:lnTo>
-                  <a:pt x="5284" y="10168"/>
-                </a:lnTo>
-                <a:cubicBezTo>
-                  <a:pt x="5314" y="10168"/>
-                  <a:pt x="5344" y="10074"/>
-                  <a:pt x="5373" y="10074"/>
-                </a:cubicBezTo>
-                <a:cubicBezTo>
-                  <a:pt x="5373" y="9979"/>
-                  <a:pt x="5405" y="9979"/>
-                  <a:pt x="5405" y="9979"/>
-                </a:cubicBezTo>
-                <a:lnTo>
-                  <a:pt x="6839" y="5451"/>
-                </a:lnTo>
-                <a:cubicBezTo>
-                  <a:pt x="6898" y="5262"/>
-                  <a:pt x="6898" y="5074"/>
-                  <a:pt x="6839" y="4885"/>
-                </a:cubicBezTo>
-                <a:close/>
-              </a:path>
-            </a:pathLst>
-          </a:custGeom>
-          <a:solidFill>
-            <a:schemeClr val="accent1"/>
-          </a:solidFill>
-          <a:ln>
-            <a:noFill/>
-          </a:ln>
-        </p:spPr>
-        <p:txBody>
-          <a:bodyPr/>
-          <a:lstStyle/>
-          <a:p>
-            <a:endParaRPr lang="en-US"/>
-          </a:p>
-        </p:txBody>
-      </p:sp>
-      <p:sp useBgFill="1">
-        <p:nvSpPr>
-          <p:cNvPr id="14" name="Rectangle 13">
-            <a:extLst>
-              <a:ext uri="{FF2B5EF4-FFF2-40B4-BE49-F238E27FC236}">
-                <a16:creationId xmlns:a16="http://schemas.microsoft.com/office/drawing/2014/main" id="{2C6246ED-0535-4496-A8F6-1E80CC4EB853}"/>
-              </a:ext>
-              <a:ext uri="{C183D7F6-B498-43B3-948B-1728B52AA6E4}">
-                <adec:decorative xmlns:adec="http://schemas.microsoft.com/office/drawing/2017/decorative" val="1"/>
-              </a:ext>
-            </a:extLst>
-          </p:cNvPr>
-          <p:cNvSpPr>
-            <a:spLocks noGrp="1" noRot="1" noChangeAspect="1" noMove="1" noResize="1" noEditPoints="1" noAdjustHandles="1" noChangeArrowheads="1" noChangeShapeType="1" noTextEdit="1"/>
-          </p:cNvSpPr>
-          <p:nvPr>
-            <p:extLst>
-              <p:ext uri="{386F3935-93C4-4BCD-93E2-E3B085C9AB24}">
-                <p16:designElem xmlns:p16="http://schemas.microsoft.com/office/powerpoint/2015/main" val="1"/>
-              </p:ext>
-            </p:extLst>
-          </p:nvPr>
-        </p:nvSpPr>
-        <p:spPr>
-          <a:xfrm>
-            <a:off x="4795736" y="0"/>
-            <a:ext cx="7396264" cy="6858000"/>
-          </a:xfrm>
-          <a:prstGeom prst="rect">
-            <a:avLst/>
-          </a:prstGeom>
-          <a:ln>
-            <a:noFill/>
-          </a:ln>
-        </p:spPr>
-        <p:style>
-          <a:lnRef idx="2">
-            <a:schemeClr val="accent1">
-              <a:shade val="50000"/>
-            </a:schemeClr>
-          </a:lnRef>
-          <a:fillRef idx="1">
-            <a:schemeClr val="accent1"/>
-          </a:fillRef>
-          <a:effectRef idx="0">
-            <a:schemeClr val="accent1"/>
-          </a:effectRef>
-          <a:fontRef idx="minor">
-            <a:schemeClr val="lt1"/>
-          </a:fontRef>
-        </p:style>
-        <p:txBody>
-          <a:bodyPr rtlCol="0" anchor="ctr"/>
-          <a:lstStyle/>
-          <a:p>
-            <a:pPr algn="ctr"/>
-            <a:endParaRPr lang="en-US"/>
-          </a:p>
-        </p:txBody>
-      </p:sp>
-      <p:graphicFrame>
-        <p:nvGraphicFramePr>
-          <p:cNvPr id="5" name="Content Placeholder 2">
-            <a:extLst>
-              <a:ext uri="{FF2B5EF4-FFF2-40B4-BE49-F238E27FC236}">
-                <a16:creationId xmlns:a16="http://schemas.microsoft.com/office/drawing/2014/main" id="{D08B24B8-C706-4EF0-9C06-35DD9F8C019D}"/>
-              </a:ext>
-            </a:extLst>
-          </p:cNvPr>
-          <p:cNvGraphicFramePr>
-            <a:graphicFrameLocks noGrp="1"/>
-          </p:cNvGraphicFramePr>
-          <p:nvPr>
-            <p:ph idx="1"/>
-            <p:extLst>
-              <p:ext uri="{D42A27DB-BD31-4B8C-83A1-F6EECF244321}">
-                <p14:modId xmlns:p14="http://schemas.microsoft.com/office/powerpoint/2010/main" val="2390931995"/>
-              </p:ext>
-            </p:extLst>
-          </p:nvPr>
-        </p:nvGraphicFramePr>
-        <p:xfrm>
-          <a:off x="4713144" y="641551"/>
-          <a:ext cx="6832212" cy="5264779"/>
-        </p:xfrm>
-        <a:graphic>
-          <a:graphicData uri="http://schemas.openxmlformats.org/drawingml/2006/diagram">
-            <dgm:relIds xmlns:dgm="http://schemas.openxmlformats.org/drawingml/2006/diagram" xmlns:r="http://schemas.openxmlformats.org/officeDocument/2006/relationships" r:dm="rId2" r:lo="rId3" r:qs="rId4" r:cs="rId5"/>
-          </a:graphicData>
-        </a:graphic>
-      </p:graphicFrame>
-    </p:spTree>
-    <p:extLst>
-      <p:ext uri="{BB962C8B-B14F-4D97-AF65-F5344CB8AC3E}">
-        <p14:creationId xmlns:p14="http://schemas.microsoft.com/office/powerpoint/2010/main" val="4053071767"/>
       </p:ext>
     </p:extLst>
   </p:cSld>
@@ -39023,6 +38283,902 @@
   </p:cSld>
   <p:clrMapOvr>
     <a:overrideClrMapping bg1="dk1" tx1="lt1" bg2="dk2" tx2="lt2" accent1="accent1" accent2="accent2" accent3="accent3" accent4="accent4" accent5="accent5" accent6="accent6" hlink="hlink" folHlink="folHlink"/>
+  </p:clrMapOvr>
+</p:sld>
+</file>
+
+<file path=ppt/slides/slide20.xml><?xml version="1.0" encoding="utf-8"?>
+<p:sld xmlns:a="http://schemas.openxmlformats.org/drawingml/2006/main" xmlns:r="http://schemas.openxmlformats.org/officeDocument/2006/relationships" xmlns:p="http://schemas.openxmlformats.org/presentationml/2006/main">
+  <p:cSld>
+    <p:bg>
+      <p:bgPr>
+        <a:gradFill rotWithShape="1">
+          <a:gsLst>
+            <a:gs pos="0">
+              <a:schemeClr val="bg2">
+                <a:tint val="90000"/>
+                <a:satMod val="92000"/>
+                <a:lumMod val="120000"/>
+              </a:schemeClr>
+            </a:gs>
+            <a:gs pos="100000">
+              <a:schemeClr val="bg2">
+                <a:shade val="98000"/>
+                <a:satMod val="120000"/>
+                <a:lumMod val="98000"/>
+              </a:schemeClr>
+            </a:gs>
+          </a:gsLst>
+          <a:path path="circle">
+            <a:fillToRect l="50000" t="50000" r="100000" b="100000"/>
+          </a:path>
+        </a:gradFill>
+        <a:effectLst/>
+      </p:bgPr>
+    </p:bg>
+    <p:spTree>
+      <p:nvGrpSpPr>
+        <p:cNvPr id="1" name=""/>
+        <p:cNvGrpSpPr/>
+        <p:nvPr/>
+      </p:nvGrpSpPr>
+      <p:grpSpPr>
+        <a:xfrm>
+          <a:off x="0" y="0"/>
+          <a:ext cx="0" cy="0"/>
+          <a:chOff x="0" y="0"/>
+          <a:chExt cx="0" cy="0"/>
+        </a:xfrm>
+      </p:grpSpPr>
+      <p:sp>
+        <p:nvSpPr>
+          <p:cNvPr id="10" name="Rectangle 9">
+            <a:extLst>
+              <a:ext uri="{FF2B5EF4-FFF2-40B4-BE49-F238E27FC236}">
+                <a16:creationId xmlns:a16="http://schemas.microsoft.com/office/drawing/2014/main" id="{A3D9AEEE-1CCD-43C0-BA3E-16D60A6E23C0}"/>
+              </a:ext>
+              <a:ext uri="{C183D7F6-B498-43B3-948B-1728B52AA6E4}">
+                <adec:decorative xmlns:adec="http://schemas.microsoft.com/office/drawing/2017/decorative" val="1"/>
+              </a:ext>
+            </a:extLst>
+          </p:cNvPr>
+          <p:cNvSpPr>
+            <a:spLocks noGrp="1" noRot="1" noChangeAspect="1" noMove="1" noResize="1" noEditPoints="1" noAdjustHandles="1" noChangeArrowheads="1" noChangeShapeType="1" noTextEdit="1"/>
+          </p:cNvSpPr>
+          <p:nvPr>
+            <p:extLst>
+              <p:ext uri="{386F3935-93C4-4BCD-93E2-E3B085C9AB24}">
+                <p16:designElem xmlns:p16="http://schemas.microsoft.com/office/powerpoint/2015/main" val="1"/>
+              </p:ext>
+            </p:extLst>
+          </p:nvPr>
+        </p:nvSpPr>
+        <p:spPr>
+          <a:xfrm>
+            <a:off x="1" y="0"/>
+            <a:ext cx="4059079" cy="6858000"/>
+          </a:xfrm>
+          <a:prstGeom prst="rect">
+            <a:avLst/>
+          </a:prstGeom>
+          <a:solidFill>
+            <a:schemeClr val="tx2"/>
+          </a:solidFill>
+          <a:ln>
+            <a:noFill/>
+          </a:ln>
+        </p:spPr>
+        <p:style>
+          <a:lnRef idx="2">
+            <a:schemeClr val="accent1">
+              <a:shade val="50000"/>
+            </a:schemeClr>
+          </a:lnRef>
+          <a:fillRef idx="1">
+            <a:schemeClr val="accent1"/>
+          </a:fillRef>
+          <a:effectRef idx="0">
+            <a:schemeClr val="accent1"/>
+          </a:effectRef>
+          <a:fontRef idx="minor">
+            <a:schemeClr val="lt1"/>
+          </a:fontRef>
+        </p:style>
+        <p:txBody>
+          <a:bodyPr rtlCol="0" anchor="ctr"/>
+          <a:lstStyle/>
+          <a:p>
+            <a:pPr algn="ctr"/>
+            <a:endParaRPr lang="en-US"/>
+          </a:p>
+        </p:txBody>
+      </p:sp>
+      <p:sp>
+        <p:nvSpPr>
+          <p:cNvPr id="2" name="Title 1">
+            <a:extLst>
+              <a:ext uri="{FF2B5EF4-FFF2-40B4-BE49-F238E27FC236}">
+                <a16:creationId xmlns:a16="http://schemas.microsoft.com/office/drawing/2014/main" id="{B6FCBFED-801E-4AEB-9456-FAF14E81A7C2}"/>
+              </a:ext>
+            </a:extLst>
+          </p:cNvPr>
+          <p:cNvSpPr>
+            <a:spLocks noGrp="1"/>
+          </p:cNvSpPr>
+          <p:nvPr>
+            <p:ph type="title"/>
+          </p:nvPr>
+        </p:nvSpPr>
+        <p:spPr>
+          <a:xfrm>
+            <a:off x="1259893" y="3101093"/>
+            <a:ext cx="2454052" cy="3029344"/>
+          </a:xfrm>
+        </p:spPr>
+        <p:txBody>
+          <a:bodyPr>
+            <a:normAutofit/>
+          </a:bodyPr>
+          <a:lstStyle/>
+          <a:p>
+            <a:r>
+              <a:rPr lang="en-US" sz="3000">
+                <a:solidFill>
+                  <a:schemeClr val="bg1"/>
+                </a:solidFill>
+              </a:rPr>
+              <a:t>Data Consistency</a:t>
+            </a:r>
+          </a:p>
+        </p:txBody>
+      </p:sp>
+      <p:sp>
+        <p:nvSpPr>
+          <p:cNvPr id="12" name="Freeform 11">
+            <a:extLst>
+              <a:ext uri="{FF2B5EF4-FFF2-40B4-BE49-F238E27FC236}">
+                <a16:creationId xmlns:a16="http://schemas.microsoft.com/office/drawing/2014/main" id="{60F880A6-33D3-4EEC-A780-B73559B9F24C}"/>
+              </a:ext>
+              <a:ext uri="{C183D7F6-B498-43B3-948B-1728B52AA6E4}">
+                <adec:decorative xmlns:adec="http://schemas.microsoft.com/office/drawing/2017/decorative" val="1"/>
+              </a:ext>
+            </a:extLst>
+          </p:cNvPr>
+          <p:cNvSpPr>
+            <a:spLocks noGrp="1" noRot="1" noChangeAspect="1" noMove="1" noResize="1" noEditPoints="1" noAdjustHandles="1" noChangeArrowheads="1" noChangeShapeType="1" noTextEdit="1"/>
+          </p:cNvSpPr>
+          <p:nvPr>
+            <p:extLst>
+              <p:ext uri="{386F3935-93C4-4BCD-93E2-E3B085C9AB24}">
+                <p16:designElem xmlns:p16="http://schemas.microsoft.com/office/powerpoint/2015/main" val="1"/>
+              </p:ext>
+            </p:extLst>
+          </p:nvPr>
+        </p:nvSpPr>
+        <p:spPr bwMode="auto">
+          <a:xfrm flipV="1">
+            <a:off x="-159" y="3179901"/>
+            <a:ext cx="1098194" cy="514066"/>
+          </a:xfrm>
+          <a:custGeom>
+            <a:avLst/>
+            <a:gdLst>
+              <a:gd name="connsiteX0" fmla="*/ 10000 w 10044"/>
+              <a:gd name="connsiteY0" fmla="*/ 4701 h 9966"/>
+              <a:gd name="connsiteX1" fmla="*/ 8559 w 10044"/>
+              <a:gd name="connsiteY1" fmla="*/ 188 h 9966"/>
+              <a:gd name="connsiteX2" fmla="*/ 8527 w 10044"/>
+              <a:gd name="connsiteY2" fmla="*/ 94 h 9966"/>
+              <a:gd name="connsiteX3" fmla="*/ 8438 w 10044"/>
+              <a:gd name="connsiteY3" fmla="*/ 0 h 9966"/>
+              <a:gd name="connsiteX4" fmla="*/ 7867 w 10044"/>
+              <a:gd name="connsiteY4" fmla="*/ 0 h 9966"/>
+              <a:gd name="connsiteX5" fmla="*/ 0 w 10044"/>
+              <a:gd name="connsiteY5" fmla="*/ 70 h 9966"/>
+              <a:gd name="connsiteX6" fmla="*/ 3132 w 10044"/>
+              <a:gd name="connsiteY6" fmla="*/ 9763 h 9966"/>
+              <a:gd name="connsiteX7" fmla="*/ 7867 w 10044"/>
+              <a:gd name="connsiteY7" fmla="*/ 9966 h 9966"/>
+              <a:gd name="connsiteX8" fmla="*/ 8438 w 10044"/>
+              <a:gd name="connsiteY8" fmla="*/ 9966 h 9966"/>
+              <a:gd name="connsiteX9" fmla="*/ 8527 w 10044"/>
+              <a:gd name="connsiteY9" fmla="*/ 9872 h 9966"/>
+              <a:gd name="connsiteX10" fmla="*/ 8559 w 10044"/>
+              <a:gd name="connsiteY10" fmla="*/ 9778 h 9966"/>
+              <a:gd name="connsiteX11" fmla="*/ 10000 w 10044"/>
+              <a:gd name="connsiteY11" fmla="*/ 5265 h 9966"/>
+              <a:gd name="connsiteX12" fmla="*/ 10000 w 10044"/>
+              <a:gd name="connsiteY12" fmla="*/ 4701 h 9966"/>
+              <a:gd name="connsiteX0" fmla="*/ 6839 w 6883"/>
+              <a:gd name="connsiteY0" fmla="*/ 4885 h 10168"/>
+              <a:gd name="connsiteX1" fmla="*/ 5405 w 6883"/>
+              <a:gd name="connsiteY1" fmla="*/ 357 h 10168"/>
+              <a:gd name="connsiteX2" fmla="*/ 5373 w 6883"/>
+              <a:gd name="connsiteY2" fmla="*/ 262 h 10168"/>
+              <a:gd name="connsiteX3" fmla="*/ 5284 w 6883"/>
+              <a:gd name="connsiteY3" fmla="*/ 168 h 10168"/>
+              <a:gd name="connsiteX4" fmla="*/ 4716 w 6883"/>
+              <a:gd name="connsiteY4" fmla="*/ 168 h 10168"/>
+              <a:gd name="connsiteX5" fmla="*/ 50 w 6883"/>
+              <a:gd name="connsiteY5" fmla="*/ 0 h 10168"/>
+              <a:gd name="connsiteX6" fmla="*/ 1 w 6883"/>
+              <a:gd name="connsiteY6" fmla="*/ 9964 h 10168"/>
+              <a:gd name="connsiteX7" fmla="*/ 4716 w 6883"/>
+              <a:gd name="connsiteY7" fmla="*/ 10168 h 10168"/>
+              <a:gd name="connsiteX8" fmla="*/ 5284 w 6883"/>
+              <a:gd name="connsiteY8" fmla="*/ 10168 h 10168"/>
+              <a:gd name="connsiteX9" fmla="*/ 5373 w 6883"/>
+              <a:gd name="connsiteY9" fmla="*/ 10074 h 10168"/>
+              <a:gd name="connsiteX10" fmla="*/ 5405 w 6883"/>
+              <a:gd name="connsiteY10" fmla="*/ 9979 h 10168"/>
+              <a:gd name="connsiteX11" fmla="*/ 6839 w 6883"/>
+              <a:gd name="connsiteY11" fmla="*/ 5451 h 10168"/>
+              <a:gd name="connsiteX12" fmla="*/ 6839 w 6883"/>
+              <a:gd name="connsiteY12" fmla="*/ 4885 h 10168"/>
+            </a:gdLst>
+            <a:ahLst/>
+            <a:cxnLst>
+              <a:cxn ang="0">
+                <a:pos x="connsiteX0" y="connsiteY0"/>
+              </a:cxn>
+              <a:cxn ang="0">
+                <a:pos x="connsiteX1" y="connsiteY1"/>
+              </a:cxn>
+              <a:cxn ang="0">
+                <a:pos x="connsiteX2" y="connsiteY2"/>
+              </a:cxn>
+              <a:cxn ang="0">
+                <a:pos x="connsiteX3" y="connsiteY3"/>
+              </a:cxn>
+              <a:cxn ang="0">
+                <a:pos x="connsiteX4" y="connsiteY4"/>
+              </a:cxn>
+              <a:cxn ang="0">
+                <a:pos x="connsiteX5" y="connsiteY5"/>
+              </a:cxn>
+              <a:cxn ang="0">
+                <a:pos x="connsiteX6" y="connsiteY6"/>
+              </a:cxn>
+              <a:cxn ang="0">
+                <a:pos x="connsiteX7" y="connsiteY7"/>
+              </a:cxn>
+              <a:cxn ang="0">
+                <a:pos x="connsiteX8" y="connsiteY8"/>
+              </a:cxn>
+              <a:cxn ang="0">
+                <a:pos x="connsiteX9" y="connsiteY9"/>
+              </a:cxn>
+              <a:cxn ang="0">
+                <a:pos x="connsiteX10" y="connsiteY10"/>
+              </a:cxn>
+              <a:cxn ang="0">
+                <a:pos x="connsiteX11" y="connsiteY11"/>
+              </a:cxn>
+              <a:cxn ang="0">
+                <a:pos x="connsiteX12" y="connsiteY12"/>
+              </a:cxn>
+            </a:cxnLst>
+            <a:rect l="l" t="t" r="r" b="b"/>
+            <a:pathLst>
+              <a:path w="6883" h="10168">
+                <a:moveTo>
+                  <a:pt x="6839" y="4885"/>
+                </a:moveTo>
+                <a:lnTo>
+                  <a:pt x="5405" y="357"/>
+                </a:lnTo>
+                <a:cubicBezTo>
+                  <a:pt x="5395" y="325"/>
+                  <a:pt x="5383" y="294"/>
+                  <a:pt x="5373" y="262"/>
+                </a:cubicBezTo>
+                <a:cubicBezTo>
+                  <a:pt x="5344" y="168"/>
+                  <a:pt x="5314" y="168"/>
+                  <a:pt x="5284" y="168"/>
+                </a:cubicBezTo>
+                <a:lnTo>
+                  <a:pt x="4716" y="168"/>
+                </a:lnTo>
+                <a:lnTo>
+                  <a:pt x="50" y="0"/>
+                </a:lnTo>
+                <a:cubicBezTo>
+                  <a:pt x="59" y="3322"/>
+                  <a:pt x="-8" y="6643"/>
+                  <a:pt x="1" y="9964"/>
+                </a:cubicBezTo>
+                <a:lnTo>
+                  <a:pt x="4716" y="10168"/>
+                </a:lnTo>
+                <a:lnTo>
+                  <a:pt x="5284" y="10168"/>
+                </a:lnTo>
+                <a:cubicBezTo>
+                  <a:pt x="5314" y="10168"/>
+                  <a:pt x="5344" y="10074"/>
+                  <a:pt x="5373" y="10074"/>
+                </a:cubicBezTo>
+                <a:cubicBezTo>
+                  <a:pt x="5373" y="9979"/>
+                  <a:pt x="5405" y="9979"/>
+                  <a:pt x="5405" y="9979"/>
+                </a:cubicBezTo>
+                <a:lnTo>
+                  <a:pt x="6839" y="5451"/>
+                </a:lnTo>
+                <a:cubicBezTo>
+                  <a:pt x="6898" y="5262"/>
+                  <a:pt x="6898" y="5074"/>
+                  <a:pt x="6839" y="4885"/>
+                </a:cubicBezTo>
+                <a:close/>
+              </a:path>
+            </a:pathLst>
+          </a:custGeom>
+          <a:solidFill>
+            <a:schemeClr val="accent1"/>
+          </a:solidFill>
+          <a:ln>
+            <a:noFill/>
+          </a:ln>
+        </p:spPr>
+        <p:txBody>
+          <a:bodyPr/>
+          <a:lstStyle/>
+          <a:p>
+            <a:endParaRPr lang="en-US"/>
+          </a:p>
+        </p:txBody>
+      </p:sp>
+      <p:sp useBgFill="1">
+        <p:nvSpPr>
+          <p:cNvPr id="14" name="Rectangle 13">
+            <a:extLst>
+              <a:ext uri="{FF2B5EF4-FFF2-40B4-BE49-F238E27FC236}">
+                <a16:creationId xmlns:a16="http://schemas.microsoft.com/office/drawing/2014/main" id="{2C6246ED-0535-4496-A8F6-1E80CC4EB853}"/>
+              </a:ext>
+              <a:ext uri="{C183D7F6-B498-43B3-948B-1728B52AA6E4}">
+                <adec:decorative xmlns:adec="http://schemas.microsoft.com/office/drawing/2017/decorative" val="1"/>
+              </a:ext>
+            </a:extLst>
+          </p:cNvPr>
+          <p:cNvSpPr>
+            <a:spLocks noGrp="1" noRot="1" noChangeAspect="1" noMove="1" noResize="1" noEditPoints="1" noAdjustHandles="1" noChangeArrowheads="1" noChangeShapeType="1" noTextEdit="1"/>
+          </p:cNvSpPr>
+          <p:nvPr>
+            <p:extLst>
+              <p:ext uri="{386F3935-93C4-4BCD-93E2-E3B085C9AB24}">
+                <p16:designElem xmlns:p16="http://schemas.microsoft.com/office/powerpoint/2015/main" val="1"/>
+              </p:ext>
+            </p:extLst>
+          </p:nvPr>
+        </p:nvSpPr>
+        <p:spPr>
+          <a:xfrm>
+            <a:off x="4795736" y="0"/>
+            <a:ext cx="7396264" cy="6858000"/>
+          </a:xfrm>
+          <a:prstGeom prst="rect">
+            <a:avLst/>
+          </a:prstGeom>
+          <a:ln>
+            <a:noFill/>
+          </a:ln>
+        </p:spPr>
+        <p:style>
+          <a:lnRef idx="2">
+            <a:schemeClr val="accent1">
+              <a:shade val="50000"/>
+            </a:schemeClr>
+          </a:lnRef>
+          <a:fillRef idx="1">
+            <a:schemeClr val="accent1"/>
+          </a:fillRef>
+          <a:effectRef idx="0">
+            <a:schemeClr val="accent1"/>
+          </a:effectRef>
+          <a:fontRef idx="minor">
+            <a:schemeClr val="lt1"/>
+          </a:fontRef>
+        </p:style>
+        <p:txBody>
+          <a:bodyPr rtlCol="0" anchor="ctr"/>
+          <a:lstStyle/>
+          <a:p>
+            <a:pPr algn="ctr"/>
+            <a:endParaRPr lang="en-US"/>
+          </a:p>
+        </p:txBody>
+      </p:sp>
+      <p:graphicFrame>
+        <p:nvGraphicFramePr>
+          <p:cNvPr id="5" name="Content Placeholder 2">
+            <a:extLst>
+              <a:ext uri="{FF2B5EF4-FFF2-40B4-BE49-F238E27FC236}">
+                <a16:creationId xmlns:a16="http://schemas.microsoft.com/office/drawing/2014/main" id="{72980326-5E19-4FB4-9720-2E3D33DC5B35}"/>
+              </a:ext>
+            </a:extLst>
+          </p:cNvPr>
+          <p:cNvGraphicFramePr>
+            <a:graphicFrameLocks noGrp="1"/>
+          </p:cNvGraphicFramePr>
+          <p:nvPr>
+            <p:ph idx="1"/>
+            <p:extLst>
+              <p:ext uri="{D42A27DB-BD31-4B8C-83A1-F6EECF244321}">
+                <p14:modId xmlns:p14="http://schemas.microsoft.com/office/powerpoint/2010/main" val="548616360"/>
+              </p:ext>
+            </p:extLst>
+          </p:nvPr>
+        </p:nvGraphicFramePr>
+        <p:xfrm>
+          <a:off x="4713144" y="641551"/>
+          <a:ext cx="6832212" cy="5264779"/>
+        </p:xfrm>
+        <a:graphic>
+          <a:graphicData uri="http://schemas.openxmlformats.org/drawingml/2006/diagram">
+            <dgm:relIds xmlns:dgm="http://schemas.openxmlformats.org/drawingml/2006/diagram" xmlns:r="http://schemas.openxmlformats.org/officeDocument/2006/relationships" r:dm="rId2" r:lo="rId3" r:qs="rId4" r:cs="rId5"/>
+          </a:graphicData>
+        </a:graphic>
+      </p:graphicFrame>
+    </p:spTree>
+    <p:extLst>
+      <p:ext uri="{BB962C8B-B14F-4D97-AF65-F5344CB8AC3E}">
+        <p14:creationId xmlns:p14="http://schemas.microsoft.com/office/powerpoint/2010/main" val="599986821"/>
+      </p:ext>
+    </p:extLst>
+  </p:cSld>
+  <p:clrMapOvr>
+    <a:masterClrMapping/>
+  </p:clrMapOvr>
+</p:sld>
+</file>
+
+<file path=ppt/slides/slide21.xml><?xml version="1.0" encoding="utf-8"?>
+<p:sld xmlns:a="http://schemas.openxmlformats.org/drawingml/2006/main" xmlns:r="http://schemas.openxmlformats.org/officeDocument/2006/relationships" xmlns:p="http://schemas.openxmlformats.org/presentationml/2006/main">
+  <p:cSld>
+    <p:bg>
+      <p:bgPr>
+        <a:gradFill rotWithShape="1">
+          <a:gsLst>
+            <a:gs pos="0">
+              <a:schemeClr val="bg2">
+                <a:tint val="90000"/>
+                <a:satMod val="92000"/>
+                <a:lumMod val="120000"/>
+              </a:schemeClr>
+            </a:gs>
+            <a:gs pos="100000">
+              <a:schemeClr val="bg2">
+                <a:shade val="98000"/>
+                <a:satMod val="120000"/>
+                <a:lumMod val="98000"/>
+              </a:schemeClr>
+            </a:gs>
+          </a:gsLst>
+          <a:path path="circle">
+            <a:fillToRect l="50000" t="50000" r="100000" b="100000"/>
+          </a:path>
+        </a:gradFill>
+        <a:effectLst/>
+      </p:bgPr>
+    </p:bg>
+    <p:spTree>
+      <p:nvGrpSpPr>
+        <p:cNvPr id="1" name=""/>
+        <p:cNvGrpSpPr/>
+        <p:nvPr/>
+      </p:nvGrpSpPr>
+      <p:grpSpPr>
+        <a:xfrm>
+          <a:off x="0" y="0"/>
+          <a:ext cx="0" cy="0"/>
+          <a:chOff x="0" y="0"/>
+          <a:chExt cx="0" cy="0"/>
+        </a:xfrm>
+      </p:grpSpPr>
+      <p:sp>
+        <p:nvSpPr>
+          <p:cNvPr id="10" name="Rectangle 9">
+            <a:extLst>
+              <a:ext uri="{FF2B5EF4-FFF2-40B4-BE49-F238E27FC236}">
+                <a16:creationId xmlns:a16="http://schemas.microsoft.com/office/drawing/2014/main" id="{A3D9AEEE-1CCD-43C0-BA3E-16D60A6E23C0}"/>
+              </a:ext>
+              <a:ext uri="{C183D7F6-B498-43B3-948B-1728B52AA6E4}">
+                <adec:decorative xmlns:adec="http://schemas.microsoft.com/office/drawing/2017/decorative" val="1"/>
+              </a:ext>
+            </a:extLst>
+          </p:cNvPr>
+          <p:cNvSpPr>
+            <a:spLocks noGrp="1" noRot="1" noChangeAspect="1" noMove="1" noResize="1" noEditPoints="1" noAdjustHandles="1" noChangeArrowheads="1" noChangeShapeType="1" noTextEdit="1"/>
+          </p:cNvSpPr>
+          <p:nvPr>
+            <p:extLst>
+              <p:ext uri="{386F3935-93C4-4BCD-93E2-E3B085C9AB24}">
+                <p16:designElem xmlns:p16="http://schemas.microsoft.com/office/powerpoint/2015/main" val="1"/>
+              </p:ext>
+            </p:extLst>
+          </p:nvPr>
+        </p:nvSpPr>
+        <p:spPr>
+          <a:xfrm>
+            <a:off x="1" y="0"/>
+            <a:ext cx="4059079" cy="6858000"/>
+          </a:xfrm>
+          <a:prstGeom prst="rect">
+            <a:avLst/>
+          </a:prstGeom>
+          <a:solidFill>
+            <a:schemeClr val="tx2"/>
+          </a:solidFill>
+          <a:ln>
+            <a:noFill/>
+          </a:ln>
+        </p:spPr>
+        <p:style>
+          <a:lnRef idx="2">
+            <a:schemeClr val="accent1">
+              <a:shade val="50000"/>
+            </a:schemeClr>
+          </a:lnRef>
+          <a:fillRef idx="1">
+            <a:schemeClr val="accent1"/>
+          </a:fillRef>
+          <a:effectRef idx="0">
+            <a:schemeClr val="accent1"/>
+          </a:effectRef>
+          <a:fontRef idx="minor">
+            <a:schemeClr val="lt1"/>
+          </a:fontRef>
+        </p:style>
+        <p:txBody>
+          <a:bodyPr rtlCol="0" anchor="ctr"/>
+          <a:lstStyle/>
+          <a:p>
+            <a:pPr algn="ctr"/>
+            <a:endParaRPr lang="en-US"/>
+          </a:p>
+        </p:txBody>
+      </p:sp>
+      <p:sp>
+        <p:nvSpPr>
+          <p:cNvPr id="2" name="Title 1">
+            <a:extLst>
+              <a:ext uri="{FF2B5EF4-FFF2-40B4-BE49-F238E27FC236}">
+                <a16:creationId xmlns:a16="http://schemas.microsoft.com/office/drawing/2014/main" id="{FF56FC2A-20F4-4F0D-A8C8-0491168DC201}"/>
+              </a:ext>
+            </a:extLst>
+          </p:cNvPr>
+          <p:cNvSpPr>
+            <a:spLocks noGrp="1"/>
+          </p:cNvSpPr>
+          <p:nvPr>
+            <p:ph type="title"/>
+          </p:nvPr>
+        </p:nvSpPr>
+        <p:spPr>
+          <a:xfrm>
+            <a:off x="1259893" y="3101093"/>
+            <a:ext cx="2454052" cy="3029344"/>
+          </a:xfrm>
+        </p:spPr>
+        <p:txBody>
+          <a:bodyPr>
+            <a:normAutofit/>
+          </a:bodyPr>
+          <a:lstStyle/>
+          <a:p>
+            <a:r>
+              <a:rPr lang="en-US" sz="3200">
+                <a:solidFill>
+                  <a:schemeClr val="bg1"/>
+                </a:solidFill>
+              </a:rPr>
+              <a:t>Operation</a:t>
+            </a:r>
+          </a:p>
+        </p:txBody>
+      </p:sp>
+      <p:sp>
+        <p:nvSpPr>
+          <p:cNvPr id="12" name="Freeform 11">
+            <a:extLst>
+              <a:ext uri="{FF2B5EF4-FFF2-40B4-BE49-F238E27FC236}">
+                <a16:creationId xmlns:a16="http://schemas.microsoft.com/office/drawing/2014/main" id="{60F880A6-33D3-4EEC-A780-B73559B9F24C}"/>
+              </a:ext>
+              <a:ext uri="{C183D7F6-B498-43B3-948B-1728B52AA6E4}">
+                <adec:decorative xmlns:adec="http://schemas.microsoft.com/office/drawing/2017/decorative" val="1"/>
+              </a:ext>
+            </a:extLst>
+          </p:cNvPr>
+          <p:cNvSpPr>
+            <a:spLocks noGrp="1" noRot="1" noChangeAspect="1" noMove="1" noResize="1" noEditPoints="1" noAdjustHandles="1" noChangeArrowheads="1" noChangeShapeType="1" noTextEdit="1"/>
+          </p:cNvSpPr>
+          <p:nvPr>
+            <p:extLst>
+              <p:ext uri="{386F3935-93C4-4BCD-93E2-E3B085C9AB24}">
+                <p16:designElem xmlns:p16="http://schemas.microsoft.com/office/powerpoint/2015/main" val="1"/>
+              </p:ext>
+            </p:extLst>
+          </p:nvPr>
+        </p:nvSpPr>
+        <p:spPr bwMode="auto">
+          <a:xfrm flipV="1">
+            <a:off x="-159" y="3179901"/>
+            <a:ext cx="1098194" cy="514066"/>
+          </a:xfrm>
+          <a:custGeom>
+            <a:avLst/>
+            <a:gdLst>
+              <a:gd name="connsiteX0" fmla="*/ 10000 w 10044"/>
+              <a:gd name="connsiteY0" fmla="*/ 4701 h 9966"/>
+              <a:gd name="connsiteX1" fmla="*/ 8559 w 10044"/>
+              <a:gd name="connsiteY1" fmla="*/ 188 h 9966"/>
+              <a:gd name="connsiteX2" fmla="*/ 8527 w 10044"/>
+              <a:gd name="connsiteY2" fmla="*/ 94 h 9966"/>
+              <a:gd name="connsiteX3" fmla="*/ 8438 w 10044"/>
+              <a:gd name="connsiteY3" fmla="*/ 0 h 9966"/>
+              <a:gd name="connsiteX4" fmla="*/ 7867 w 10044"/>
+              <a:gd name="connsiteY4" fmla="*/ 0 h 9966"/>
+              <a:gd name="connsiteX5" fmla="*/ 0 w 10044"/>
+              <a:gd name="connsiteY5" fmla="*/ 70 h 9966"/>
+              <a:gd name="connsiteX6" fmla="*/ 3132 w 10044"/>
+              <a:gd name="connsiteY6" fmla="*/ 9763 h 9966"/>
+              <a:gd name="connsiteX7" fmla="*/ 7867 w 10044"/>
+              <a:gd name="connsiteY7" fmla="*/ 9966 h 9966"/>
+              <a:gd name="connsiteX8" fmla="*/ 8438 w 10044"/>
+              <a:gd name="connsiteY8" fmla="*/ 9966 h 9966"/>
+              <a:gd name="connsiteX9" fmla="*/ 8527 w 10044"/>
+              <a:gd name="connsiteY9" fmla="*/ 9872 h 9966"/>
+              <a:gd name="connsiteX10" fmla="*/ 8559 w 10044"/>
+              <a:gd name="connsiteY10" fmla="*/ 9778 h 9966"/>
+              <a:gd name="connsiteX11" fmla="*/ 10000 w 10044"/>
+              <a:gd name="connsiteY11" fmla="*/ 5265 h 9966"/>
+              <a:gd name="connsiteX12" fmla="*/ 10000 w 10044"/>
+              <a:gd name="connsiteY12" fmla="*/ 4701 h 9966"/>
+              <a:gd name="connsiteX0" fmla="*/ 6839 w 6883"/>
+              <a:gd name="connsiteY0" fmla="*/ 4885 h 10168"/>
+              <a:gd name="connsiteX1" fmla="*/ 5405 w 6883"/>
+              <a:gd name="connsiteY1" fmla="*/ 357 h 10168"/>
+              <a:gd name="connsiteX2" fmla="*/ 5373 w 6883"/>
+              <a:gd name="connsiteY2" fmla="*/ 262 h 10168"/>
+              <a:gd name="connsiteX3" fmla="*/ 5284 w 6883"/>
+              <a:gd name="connsiteY3" fmla="*/ 168 h 10168"/>
+              <a:gd name="connsiteX4" fmla="*/ 4716 w 6883"/>
+              <a:gd name="connsiteY4" fmla="*/ 168 h 10168"/>
+              <a:gd name="connsiteX5" fmla="*/ 50 w 6883"/>
+              <a:gd name="connsiteY5" fmla="*/ 0 h 10168"/>
+              <a:gd name="connsiteX6" fmla="*/ 1 w 6883"/>
+              <a:gd name="connsiteY6" fmla="*/ 9964 h 10168"/>
+              <a:gd name="connsiteX7" fmla="*/ 4716 w 6883"/>
+              <a:gd name="connsiteY7" fmla="*/ 10168 h 10168"/>
+              <a:gd name="connsiteX8" fmla="*/ 5284 w 6883"/>
+              <a:gd name="connsiteY8" fmla="*/ 10168 h 10168"/>
+              <a:gd name="connsiteX9" fmla="*/ 5373 w 6883"/>
+              <a:gd name="connsiteY9" fmla="*/ 10074 h 10168"/>
+              <a:gd name="connsiteX10" fmla="*/ 5405 w 6883"/>
+              <a:gd name="connsiteY10" fmla="*/ 9979 h 10168"/>
+              <a:gd name="connsiteX11" fmla="*/ 6839 w 6883"/>
+              <a:gd name="connsiteY11" fmla="*/ 5451 h 10168"/>
+              <a:gd name="connsiteX12" fmla="*/ 6839 w 6883"/>
+              <a:gd name="connsiteY12" fmla="*/ 4885 h 10168"/>
+            </a:gdLst>
+            <a:ahLst/>
+            <a:cxnLst>
+              <a:cxn ang="0">
+                <a:pos x="connsiteX0" y="connsiteY0"/>
+              </a:cxn>
+              <a:cxn ang="0">
+                <a:pos x="connsiteX1" y="connsiteY1"/>
+              </a:cxn>
+              <a:cxn ang="0">
+                <a:pos x="connsiteX2" y="connsiteY2"/>
+              </a:cxn>
+              <a:cxn ang="0">
+                <a:pos x="connsiteX3" y="connsiteY3"/>
+              </a:cxn>
+              <a:cxn ang="0">
+                <a:pos x="connsiteX4" y="connsiteY4"/>
+              </a:cxn>
+              <a:cxn ang="0">
+                <a:pos x="connsiteX5" y="connsiteY5"/>
+              </a:cxn>
+              <a:cxn ang="0">
+                <a:pos x="connsiteX6" y="connsiteY6"/>
+              </a:cxn>
+              <a:cxn ang="0">
+                <a:pos x="connsiteX7" y="connsiteY7"/>
+              </a:cxn>
+              <a:cxn ang="0">
+                <a:pos x="connsiteX8" y="connsiteY8"/>
+              </a:cxn>
+              <a:cxn ang="0">
+                <a:pos x="connsiteX9" y="connsiteY9"/>
+              </a:cxn>
+              <a:cxn ang="0">
+                <a:pos x="connsiteX10" y="connsiteY10"/>
+              </a:cxn>
+              <a:cxn ang="0">
+                <a:pos x="connsiteX11" y="connsiteY11"/>
+              </a:cxn>
+              <a:cxn ang="0">
+                <a:pos x="connsiteX12" y="connsiteY12"/>
+              </a:cxn>
+            </a:cxnLst>
+            <a:rect l="l" t="t" r="r" b="b"/>
+            <a:pathLst>
+              <a:path w="6883" h="10168">
+                <a:moveTo>
+                  <a:pt x="6839" y="4885"/>
+                </a:moveTo>
+                <a:lnTo>
+                  <a:pt x="5405" y="357"/>
+                </a:lnTo>
+                <a:cubicBezTo>
+                  <a:pt x="5395" y="325"/>
+                  <a:pt x="5383" y="294"/>
+                  <a:pt x="5373" y="262"/>
+                </a:cubicBezTo>
+                <a:cubicBezTo>
+                  <a:pt x="5344" y="168"/>
+                  <a:pt x="5314" y="168"/>
+                  <a:pt x="5284" y="168"/>
+                </a:cubicBezTo>
+                <a:lnTo>
+                  <a:pt x="4716" y="168"/>
+                </a:lnTo>
+                <a:lnTo>
+                  <a:pt x="50" y="0"/>
+                </a:lnTo>
+                <a:cubicBezTo>
+                  <a:pt x="59" y="3322"/>
+                  <a:pt x="-8" y="6643"/>
+                  <a:pt x="1" y="9964"/>
+                </a:cubicBezTo>
+                <a:lnTo>
+                  <a:pt x="4716" y="10168"/>
+                </a:lnTo>
+                <a:lnTo>
+                  <a:pt x="5284" y="10168"/>
+                </a:lnTo>
+                <a:cubicBezTo>
+                  <a:pt x="5314" y="10168"/>
+                  <a:pt x="5344" y="10074"/>
+                  <a:pt x="5373" y="10074"/>
+                </a:cubicBezTo>
+                <a:cubicBezTo>
+                  <a:pt x="5373" y="9979"/>
+                  <a:pt x="5405" y="9979"/>
+                  <a:pt x="5405" y="9979"/>
+                </a:cubicBezTo>
+                <a:lnTo>
+                  <a:pt x="6839" y="5451"/>
+                </a:lnTo>
+                <a:cubicBezTo>
+                  <a:pt x="6898" y="5262"/>
+                  <a:pt x="6898" y="5074"/>
+                  <a:pt x="6839" y="4885"/>
+                </a:cubicBezTo>
+                <a:close/>
+              </a:path>
+            </a:pathLst>
+          </a:custGeom>
+          <a:solidFill>
+            <a:schemeClr val="accent1"/>
+          </a:solidFill>
+          <a:ln>
+            <a:noFill/>
+          </a:ln>
+        </p:spPr>
+        <p:txBody>
+          <a:bodyPr/>
+          <a:lstStyle/>
+          <a:p>
+            <a:endParaRPr lang="en-US"/>
+          </a:p>
+        </p:txBody>
+      </p:sp>
+      <p:sp useBgFill="1">
+        <p:nvSpPr>
+          <p:cNvPr id="14" name="Rectangle 13">
+            <a:extLst>
+              <a:ext uri="{FF2B5EF4-FFF2-40B4-BE49-F238E27FC236}">
+                <a16:creationId xmlns:a16="http://schemas.microsoft.com/office/drawing/2014/main" id="{2C6246ED-0535-4496-A8F6-1E80CC4EB853}"/>
+              </a:ext>
+              <a:ext uri="{C183D7F6-B498-43B3-948B-1728B52AA6E4}">
+                <adec:decorative xmlns:adec="http://schemas.microsoft.com/office/drawing/2017/decorative" val="1"/>
+              </a:ext>
+            </a:extLst>
+          </p:cNvPr>
+          <p:cNvSpPr>
+            <a:spLocks noGrp="1" noRot="1" noChangeAspect="1" noMove="1" noResize="1" noEditPoints="1" noAdjustHandles="1" noChangeArrowheads="1" noChangeShapeType="1" noTextEdit="1"/>
+          </p:cNvSpPr>
+          <p:nvPr>
+            <p:extLst>
+              <p:ext uri="{386F3935-93C4-4BCD-93E2-E3B085C9AB24}">
+                <p16:designElem xmlns:p16="http://schemas.microsoft.com/office/powerpoint/2015/main" val="1"/>
+              </p:ext>
+            </p:extLst>
+          </p:nvPr>
+        </p:nvSpPr>
+        <p:spPr>
+          <a:xfrm>
+            <a:off x="4795736" y="0"/>
+            <a:ext cx="7396264" cy="6858000"/>
+          </a:xfrm>
+          <a:prstGeom prst="rect">
+            <a:avLst/>
+          </a:prstGeom>
+          <a:ln>
+            <a:noFill/>
+          </a:ln>
+        </p:spPr>
+        <p:style>
+          <a:lnRef idx="2">
+            <a:schemeClr val="accent1">
+              <a:shade val="50000"/>
+            </a:schemeClr>
+          </a:lnRef>
+          <a:fillRef idx="1">
+            <a:schemeClr val="accent1"/>
+          </a:fillRef>
+          <a:effectRef idx="0">
+            <a:schemeClr val="accent1"/>
+          </a:effectRef>
+          <a:fontRef idx="minor">
+            <a:schemeClr val="lt1"/>
+          </a:fontRef>
+        </p:style>
+        <p:txBody>
+          <a:bodyPr rtlCol="0" anchor="ctr"/>
+          <a:lstStyle/>
+          <a:p>
+            <a:pPr algn="ctr"/>
+            <a:endParaRPr lang="en-US"/>
+          </a:p>
+        </p:txBody>
+      </p:sp>
+      <p:graphicFrame>
+        <p:nvGraphicFramePr>
+          <p:cNvPr id="5" name="Content Placeholder 2">
+            <a:extLst>
+              <a:ext uri="{FF2B5EF4-FFF2-40B4-BE49-F238E27FC236}">
+                <a16:creationId xmlns:a16="http://schemas.microsoft.com/office/drawing/2014/main" id="{D08B24B8-C706-4EF0-9C06-35DD9F8C019D}"/>
+              </a:ext>
+            </a:extLst>
+          </p:cNvPr>
+          <p:cNvGraphicFramePr>
+            <a:graphicFrameLocks noGrp="1"/>
+          </p:cNvGraphicFramePr>
+          <p:nvPr>
+            <p:ph idx="1"/>
+            <p:extLst>
+              <p:ext uri="{D42A27DB-BD31-4B8C-83A1-F6EECF244321}">
+                <p14:modId xmlns:p14="http://schemas.microsoft.com/office/powerpoint/2010/main" val="2390931995"/>
+              </p:ext>
+            </p:extLst>
+          </p:nvPr>
+        </p:nvGraphicFramePr>
+        <p:xfrm>
+          <a:off x="4713144" y="641551"/>
+          <a:ext cx="6832212" cy="5264779"/>
+        </p:xfrm>
+        <a:graphic>
+          <a:graphicData uri="http://schemas.openxmlformats.org/drawingml/2006/diagram">
+            <dgm:relIds xmlns:dgm="http://schemas.openxmlformats.org/drawingml/2006/diagram" xmlns:r="http://schemas.openxmlformats.org/officeDocument/2006/relationships" r:dm="rId2" r:lo="rId3" r:qs="rId4" r:cs="rId5"/>
+          </a:graphicData>
+        </a:graphic>
+      </p:graphicFrame>
+    </p:spTree>
+    <p:extLst>
+      <p:ext uri="{BB962C8B-B14F-4D97-AF65-F5344CB8AC3E}">
+        <p14:creationId xmlns:p14="http://schemas.microsoft.com/office/powerpoint/2010/main" val="4053071767"/>
+      </p:ext>
+    </p:extLst>
+  </p:cSld>
+  <p:clrMapOvr>
+    <a:masterClrMapping/>
   </p:clrMapOvr>
 </p:sld>
 </file>
@@ -40553,10 +40709,10 @@
       </p:grpSpPr>
       <p:pic>
         <p:nvPicPr>
-          <p:cNvPr id="6146" name="Picture 2">
+          <p:cNvPr id="1030" name="Picture 6" descr="No alternative text description for this image">
             <a:extLst>
               <a:ext uri="{FF2B5EF4-FFF2-40B4-BE49-F238E27FC236}">
-                <a16:creationId xmlns:a16="http://schemas.microsoft.com/office/drawing/2014/main" id="{A6DAEB2D-AFAE-E497-6DD9-45735E1835FA}"/>
+                <a16:creationId xmlns:a16="http://schemas.microsoft.com/office/drawing/2014/main" id="{069F29A1-6939-55C7-EE72-28102F3652E8}"/>
               </a:ext>
             </a:extLst>
           </p:cNvPr>
@@ -40580,8 +40736,8 @@
         </p:blipFill>
         <p:spPr bwMode="auto">
           <a:xfrm>
-            <a:off x="2206625" y="0"/>
-            <a:ext cx="7777163" cy="6858000"/>
+            <a:off x="2805113" y="0"/>
+            <a:ext cx="6581775" cy="6858000"/>
           </a:xfrm>
           <a:prstGeom prst="rect">
             <a:avLst/>
@@ -40601,7 +40757,7 @@
     </p:spTree>
     <p:extLst>
       <p:ext uri="{BB962C8B-B14F-4D97-AF65-F5344CB8AC3E}">
-        <p14:creationId xmlns:p14="http://schemas.microsoft.com/office/powerpoint/2010/main" val="978110786"/>
+        <p14:creationId xmlns:p14="http://schemas.microsoft.com/office/powerpoint/2010/main" val="2730550145"/>
       </p:ext>
     </p:extLst>
   </p:cSld>
